--- a/SUBTHEME/graphs/network_archtecture.pptx
+++ b/SUBTHEME/graphs/network_archtecture.pptx
@@ -5,7 +5,7 @@
     <p:sldMasterId id="2147483648" r:id="rId1"/>
   </p:sldMasterIdLst>
   <p:notesMasterIdLst>
-    <p:notesMasterId r:id="rId10"/>
+    <p:notesMasterId r:id="rId12"/>
   </p:notesMasterIdLst>
   <p:sldIdLst>
     <p:sldId id="262" r:id="rId2"/>
@@ -15,7 +15,9 @@
     <p:sldId id="265" r:id="rId6"/>
     <p:sldId id="260" r:id="rId7"/>
     <p:sldId id="267" r:id="rId8"/>
-    <p:sldId id="266" r:id="rId9"/>
+    <p:sldId id="268" r:id="rId9"/>
+    <p:sldId id="270" r:id="rId10"/>
+    <p:sldId id="266" r:id="rId11"/>
   </p:sldIdLst>
   <p:sldSz cx="12192000" cy="6858000"/>
   <p:notesSz cx="6858000" cy="9144000"/>
@@ -204,7 +206,7 @@
           <a:p>
             <a:fld id="{2B23E72C-1B90-914A-A417-2D7D12309D01}" type="datetimeFigureOut">
               <a:rPr kumimoji="1" lang="ja-JP" altLang="en-US" smtClean="0"/>
-              <a:t>2020/8/13</a:t>
+              <a:t>2020/8/19</a:t>
             </a:fld>
             <a:endParaRPr kumimoji="1" lang="ja-JP" altLang="en-US"/>
           </a:p>
@@ -793,7 +795,7 @@
           <a:p>
             <a:fld id="{FD845DEE-42C8-C840-B1B2-551C7203F112}" type="datetimeFigureOut">
               <a:rPr kumimoji="1" lang="ja-JP" altLang="en-US" smtClean="0"/>
-              <a:t>2020/8/13</a:t>
+              <a:t>2020/8/19</a:t>
             </a:fld>
             <a:endParaRPr kumimoji="1" lang="ja-JP" altLang="en-US"/>
           </a:p>
@@ -998,7 +1000,7 @@
           <a:p>
             <a:fld id="{FD845DEE-42C8-C840-B1B2-551C7203F112}" type="datetimeFigureOut">
               <a:rPr kumimoji="1" lang="ja-JP" altLang="en-US" smtClean="0"/>
-              <a:t>2020/8/13</a:t>
+              <a:t>2020/8/19</a:t>
             </a:fld>
             <a:endParaRPr kumimoji="1" lang="ja-JP" altLang="en-US"/>
           </a:p>
@@ -1213,7 +1215,7 @@
           <a:p>
             <a:fld id="{FD845DEE-42C8-C840-B1B2-551C7203F112}" type="datetimeFigureOut">
               <a:rPr kumimoji="1" lang="ja-JP" altLang="en-US" smtClean="0"/>
-              <a:t>2020/8/13</a:t>
+              <a:t>2020/8/19</a:t>
             </a:fld>
             <a:endParaRPr kumimoji="1" lang="ja-JP" altLang="en-US"/>
           </a:p>
@@ -1418,7 +1420,7 @@
           <a:p>
             <a:fld id="{FD845DEE-42C8-C840-B1B2-551C7203F112}" type="datetimeFigureOut">
               <a:rPr kumimoji="1" lang="ja-JP" altLang="en-US" smtClean="0"/>
-              <a:t>2020/8/13</a:t>
+              <a:t>2020/8/19</a:t>
             </a:fld>
             <a:endParaRPr kumimoji="1" lang="ja-JP" altLang="en-US"/>
           </a:p>
@@ -1728,7 +1730,7 @@
           <a:p>
             <a:fld id="{FD845DEE-42C8-C840-B1B2-551C7203F112}" type="datetimeFigureOut">
               <a:rPr kumimoji="1" lang="ja-JP" altLang="en-US" smtClean="0"/>
-              <a:t>2020/8/13</a:t>
+              <a:t>2020/8/19</a:t>
             </a:fld>
             <a:endParaRPr kumimoji="1" lang="ja-JP" altLang="en-US"/>
           </a:p>
@@ -2007,7 +2009,7 @@
           <a:p>
             <a:fld id="{FD845DEE-42C8-C840-B1B2-551C7203F112}" type="datetimeFigureOut">
               <a:rPr kumimoji="1" lang="ja-JP" altLang="en-US" smtClean="0"/>
-              <a:t>2020/8/13</a:t>
+              <a:t>2020/8/19</a:t>
             </a:fld>
             <a:endParaRPr kumimoji="1" lang="ja-JP" altLang="en-US"/>
           </a:p>
@@ -2503,7 +2505,7 @@
           <a:p>
             <a:fld id="{FD845DEE-42C8-C840-B1B2-551C7203F112}" type="datetimeFigureOut">
               <a:rPr kumimoji="1" lang="ja-JP" altLang="en-US" smtClean="0"/>
-              <a:t>2020/8/13</a:t>
+              <a:t>2020/8/19</a:t>
             </a:fld>
             <a:endParaRPr kumimoji="1" lang="ja-JP" altLang="en-US"/>
           </a:p>
@@ -2644,7 +2646,7 @@
           <a:p>
             <a:fld id="{FD845DEE-42C8-C840-B1B2-551C7203F112}" type="datetimeFigureOut">
               <a:rPr kumimoji="1" lang="ja-JP" altLang="en-US" smtClean="0"/>
-              <a:t>2020/8/13</a:t>
+              <a:t>2020/8/19</a:t>
             </a:fld>
             <a:endParaRPr kumimoji="1" lang="ja-JP" altLang="en-US"/>
           </a:p>
@@ -2757,7 +2759,7 @@
           <a:p>
             <a:fld id="{FD845DEE-42C8-C840-B1B2-551C7203F112}" type="datetimeFigureOut">
               <a:rPr kumimoji="1" lang="ja-JP" altLang="en-US" smtClean="0"/>
-              <a:t>2020/8/13</a:t>
+              <a:t>2020/8/19</a:t>
             </a:fld>
             <a:endParaRPr kumimoji="1" lang="ja-JP" altLang="en-US"/>
           </a:p>
@@ -3110,7 +3112,7 @@
           <a:p>
             <a:fld id="{FD845DEE-42C8-C840-B1B2-551C7203F112}" type="datetimeFigureOut">
               <a:rPr kumimoji="1" lang="ja-JP" altLang="en-US" smtClean="0"/>
-              <a:t>2020/8/13</a:t>
+              <a:t>2020/8/19</a:t>
             </a:fld>
             <a:endParaRPr kumimoji="1" lang="ja-JP" altLang="en-US"/>
           </a:p>
@@ -3433,7 +3435,7 @@
           <a:p>
             <a:fld id="{FD845DEE-42C8-C840-B1B2-551C7203F112}" type="datetimeFigureOut">
               <a:rPr kumimoji="1" lang="ja-JP" altLang="en-US" smtClean="0"/>
-              <a:t>2020/8/13</a:t>
+              <a:t>2020/8/19</a:t>
             </a:fld>
             <a:endParaRPr kumimoji="1" lang="ja-JP" altLang="en-US"/>
           </a:p>
@@ -3681,7 +3683,7 @@
           <a:p>
             <a:fld id="{FD845DEE-42C8-C840-B1B2-551C7203F112}" type="datetimeFigureOut">
               <a:rPr kumimoji="1" lang="ja-JP" altLang="en-US" smtClean="0"/>
-              <a:t>2020/8/13</a:t>
+              <a:t>2020/8/19</a:t>
             </a:fld>
             <a:endParaRPr kumimoji="1" lang="ja-JP" altLang="en-US"/>
           </a:p>
@@ -4649,6 +4651,477 @@
 </p:sld>
 </file>
 
+<file path=ppt/slides/slide10.xml><?xml version="1.0" encoding="utf-8"?>
+<p:sld xmlns:a="http://schemas.openxmlformats.org/drawingml/2006/main" xmlns:r="http://schemas.openxmlformats.org/officeDocument/2006/relationships" xmlns:p="http://schemas.openxmlformats.org/presentationml/2006/main">
+  <p:cSld>
+    <p:spTree>
+      <p:nvGrpSpPr>
+        <p:cNvPr id="1" name=""/>
+        <p:cNvGrpSpPr/>
+        <p:nvPr/>
+      </p:nvGrpSpPr>
+      <p:grpSpPr>
+        <a:xfrm>
+          <a:off x="0" y="0"/>
+          <a:ext cx="0" cy="0"/>
+          <a:chOff x="0" y="0"/>
+          <a:chExt cx="0" cy="0"/>
+        </a:xfrm>
+      </p:grpSpPr>
+      <p:pic>
+        <p:nvPicPr>
+          <p:cNvPr id="3" name="図 2">
+            <a:extLst>
+              <a:ext uri="{FF2B5EF4-FFF2-40B4-BE49-F238E27FC236}">
+                <a16:creationId xmlns:a16="http://schemas.microsoft.com/office/drawing/2014/main" id="{E8B1270F-9B4C-0F4B-92C8-5FBA9E7E8EF0}"/>
+              </a:ext>
+            </a:extLst>
+          </p:cNvPr>
+          <p:cNvPicPr>
+            <a:picLocks noChangeAspect="1"/>
+          </p:cNvPicPr>
+          <p:nvPr/>
+        </p:nvPicPr>
+        <p:blipFill>
+          <a:blip r:embed="rId2"/>
+          <a:stretch>
+            <a:fillRect/>
+          </a:stretch>
+        </p:blipFill>
+        <p:spPr>
+          <a:xfrm>
+            <a:off x="2034507" y="920263"/>
+            <a:ext cx="811542" cy="1069760"/>
+          </a:xfrm>
+          <a:prstGeom prst="rect">
+            <a:avLst/>
+          </a:prstGeom>
+        </p:spPr>
+      </p:pic>
+      <p:sp>
+        <p:nvSpPr>
+          <p:cNvPr id="6" name="円柱 5">
+            <a:extLst>
+              <a:ext uri="{FF2B5EF4-FFF2-40B4-BE49-F238E27FC236}">
+                <a16:creationId xmlns:a16="http://schemas.microsoft.com/office/drawing/2014/main" id="{06763CC7-FBDF-B341-8F4C-6EFEC8F8190C}"/>
+              </a:ext>
+            </a:extLst>
+          </p:cNvPr>
+          <p:cNvSpPr/>
+          <p:nvPr/>
+        </p:nvSpPr>
+        <p:spPr>
+          <a:xfrm>
+            <a:off x="4095783" y="1984740"/>
+            <a:ext cx="2488366" cy="2548328"/>
+          </a:xfrm>
+          <a:prstGeom prst="can">
+            <a:avLst/>
+          </a:prstGeom>
+          <a:solidFill>
+            <a:schemeClr val="accent1">
+              <a:lumMod val="40000"/>
+              <a:lumOff val="60000"/>
+            </a:schemeClr>
+          </a:solidFill>
+          <a:ln/>
+        </p:spPr>
+        <p:style>
+          <a:lnRef idx="2">
+            <a:schemeClr val="accent1"/>
+          </a:lnRef>
+          <a:fillRef idx="1">
+            <a:schemeClr val="lt1"/>
+          </a:fillRef>
+          <a:effectRef idx="0">
+            <a:schemeClr val="accent1"/>
+          </a:effectRef>
+          <a:fontRef idx="minor">
+            <a:schemeClr val="dk1"/>
+          </a:fontRef>
+        </p:style>
+        <p:txBody>
+          <a:bodyPr rtlCol="0" anchor="ctr"/>
+          <a:lstStyle/>
+          <a:p>
+            <a:pPr algn="ctr"/>
+            <a:r>
+              <a:rPr kumimoji="1" lang="ja-JP" altLang="en-US"/>
+              <a:t>グループ情報</a:t>
+            </a:r>
+            <a:endParaRPr kumimoji="1" lang="en-US" altLang="ja-JP" dirty="0"/>
+          </a:p>
+          <a:p>
+            <a:pPr algn="ctr"/>
+            <a:r>
+              <a:rPr lang="ja-JP" altLang="en-US"/>
+              <a:t>ユーザ情報</a:t>
+            </a:r>
+            <a:endParaRPr lang="en-US" altLang="ja-JP" dirty="0"/>
+          </a:p>
+          <a:p>
+            <a:pPr algn="ctr"/>
+            <a:r>
+              <a:rPr kumimoji="1" lang="ja-JP" altLang="en-US"/>
+              <a:t>ホスト情報</a:t>
+            </a:r>
+            <a:endParaRPr kumimoji="1" lang="en-US" altLang="ja-JP" dirty="0"/>
+          </a:p>
+          <a:p>
+            <a:pPr algn="ctr"/>
+            <a:r>
+              <a:rPr lang="ja-JP" altLang="en-US"/>
+              <a:t>アドレス帳</a:t>
+            </a:r>
+            <a:endParaRPr lang="en-US" altLang="ja-JP" dirty="0"/>
+          </a:p>
+          <a:p>
+            <a:pPr algn="ctr"/>
+            <a:r>
+              <a:rPr kumimoji="1" lang="ja-JP" altLang="en-US"/>
+              <a:t>メールアドレス情報</a:t>
+            </a:r>
+            <a:endParaRPr kumimoji="1" lang="en-US" altLang="ja-JP" dirty="0"/>
+          </a:p>
+          <a:p>
+            <a:pPr algn="ctr"/>
+            <a:r>
+              <a:rPr lang="en-US" altLang="ja-JP" dirty="0"/>
+              <a:t>DNS</a:t>
+            </a:r>
+            <a:r>
+              <a:rPr lang="ja-JP" altLang="en-US"/>
+              <a:t>ゾーン情報</a:t>
+            </a:r>
+            <a:endParaRPr kumimoji="1" lang="ja-JP" altLang="en-US"/>
+          </a:p>
+        </p:txBody>
+      </p:sp>
+      <p:pic>
+        <p:nvPicPr>
+          <p:cNvPr id="7" name="図 6">
+            <a:extLst>
+              <a:ext uri="{FF2B5EF4-FFF2-40B4-BE49-F238E27FC236}">
+                <a16:creationId xmlns:a16="http://schemas.microsoft.com/office/drawing/2014/main" id="{BFBC94EF-E4C8-CA41-B8EC-35FFF2C0335D}"/>
+              </a:ext>
+            </a:extLst>
+          </p:cNvPr>
+          <p:cNvPicPr>
+            <a:picLocks noChangeAspect="1"/>
+          </p:cNvPicPr>
+          <p:nvPr/>
+        </p:nvPicPr>
+        <p:blipFill>
+          <a:blip r:embed="rId3"/>
+          <a:stretch>
+            <a:fillRect/>
+          </a:stretch>
+        </p:blipFill>
+        <p:spPr>
+          <a:xfrm>
+            <a:off x="7469259" y="444764"/>
+            <a:ext cx="1420845" cy="1010379"/>
+          </a:xfrm>
+          <a:prstGeom prst="rect">
+            <a:avLst/>
+          </a:prstGeom>
+        </p:spPr>
+      </p:pic>
+      <p:pic>
+        <p:nvPicPr>
+          <p:cNvPr id="8" name="図 7">
+            <a:extLst>
+              <a:ext uri="{FF2B5EF4-FFF2-40B4-BE49-F238E27FC236}">
+                <a16:creationId xmlns:a16="http://schemas.microsoft.com/office/drawing/2014/main" id="{E9DE22BD-AE12-7940-A72F-D0A1271DA179}"/>
+              </a:ext>
+            </a:extLst>
+          </p:cNvPr>
+          <p:cNvPicPr>
+            <a:picLocks noChangeAspect="1"/>
+          </p:cNvPicPr>
+          <p:nvPr/>
+        </p:nvPicPr>
+        <p:blipFill>
+          <a:blip r:embed="rId4"/>
+          <a:stretch>
+            <a:fillRect/>
+          </a:stretch>
+        </p:blipFill>
+        <p:spPr>
+          <a:xfrm>
+            <a:off x="9523952" y="2589561"/>
+            <a:ext cx="1117081" cy="1003959"/>
+          </a:xfrm>
+          <a:prstGeom prst="rect">
+            <a:avLst/>
+          </a:prstGeom>
+        </p:spPr>
+      </p:pic>
+      <p:pic>
+        <p:nvPicPr>
+          <p:cNvPr id="10" name="図 9">
+            <a:extLst>
+              <a:ext uri="{FF2B5EF4-FFF2-40B4-BE49-F238E27FC236}">
+                <a16:creationId xmlns:a16="http://schemas.microsoft.com/office/drawing/2014/main" id="{5525E516-3F3C-7043-93AB-6E406B64E58E}"/>
+              </a:ext>
+            </a:extLst>
+          </p:cNvPr>
+          <p:cNvPicPr>
+            <a:picLocks noChangeAspect="1"/>
+          </p:cNvPicPr>
+          <p:nvPr/>
+        </p:nvPicPr>
+        <p:blipFill>
+          <a:blip r:embed="rId2"/>
+          <a:stretch>
+            <a:fillRect/>
+          </a:stretch>
+        </p:blipFill>
+        <p:spPr>
+          <a:xfrm>
+            <a:off x="1517989" y="4379812"/>
+            <a:ext cx="1347107" cy="791795"/>
+          </a:xfrm>
+          <a:prstGeom prst="rect">
+            <a:avLst/>
+          </a:prstGeom>
+        </p:spPr>
+      </p:pic>
+      <p:sp>
+        <p:nvSpPr>
+          <p:cNvPr id="13" name="テキスト ボックス 12">
+            <a:extLst>
+              <a:ext uri="{FF2B5EF4-FFF2-40B4-BE49-F238E27FC236}">
+                <a16:creationId xmlns:a16="http://schemas.microsoft.com/office/drawing/2014/main" id="{1FCDF19D-5FF2-2146-ABFD-9AB5F051FB9F}"/>
+              </a:ext>
+            </a:extLst>
+          </p:cNvPr>
+          <p:cNvSpPr txBox="1"/>
+          <p:nvPr/>
+        </p:nvSpPr>
+        <p:spPr>
+          <a:xfrm>
+            <a:off x="1499016" y="5171607"/>
+            <a:ext cx="1366080" cy="369332"/>
+          </a:xfrm>
+          <a:prstGeom prst="rect">
+            <a:avLst/>
+          </a:prstGeom>
+          <a:noFill/>
+        </p:spPr>
+        <p:txBody>
+          <a:bodyPr wrap="none" rtlCol="0">
+            <a:spAutoFit/>
+          </a:bodyPr>
+          <a:lstStyle/>
+          <a:p>
+            <a:r>
+              <a:rPr kumimoji="1" lang="en-US" altLang="ja-JP" dirty="0"/>
+              <a:t>DNS</a:t>
+            </a:r>
+            <a:r>
+              <a:rPr kumimoji="1" lang="ja-JP" altLang="en-US"/>
+              <a:t>サーバ</a:t>
+            </a:r>
+          </a:p>
+        </p:txBody>
+      </p:sp>
+      <p:sp>
+        <p:nvSpPr>
+          <p:cNvPr id="15" name="テキスト ボックス 14">
+            <a:extLst>
+              <a:ext uri="{FF2B5EF4-FFF2-40B4-BE49-F238E27FC236}">
+                <a16:creationId xmlns:a16="http://schemas.microsoft.com/office/drawing/2014/main" id="{C3E08791-9276-A34D-8E46-E9473EA586C8}"/>
+              </a:ext>
+            </a:extLst>
+          </p:cNvPr>
+          <p:cNvSpPr txBox="1"/>
+          <p:nvPr/>
+        </p:nvSpPr>
+        <p:spPr>
+          <a:xfrm>
+            <a:off x="8116841" y="6121979"/>
+            <a:ext cx="1354858" cy="369332"/>
+          </a:xfrm>
+          <a:prstGeom prst="rect">
+            <a:avLst/>
+          </a:prstGeom>
+          <a:noFill/>
+        </p:spPr>
+        <p:txBody>
+          <a:bodyPr wrap="none" rtlCol="0">
+            <a:spAutoFit/>
+          </a:bodyPr>
+          <a:lstStyle/>
+          <a:p>
+            <a:r>
+              <a:rPr kumimoji="1" lang="en-US" altLang="ja-JP" dirty="0"/>
+              <a:t>Web</a:t>
+            </a:r>
+            <a:r>
+              <a:rPr kumimoji="1" lang="ja-JP" altLang="en-US"/>
+              <a:t>サーバ</a:t>
+            </a:r>
+            <a:endParaRPr kumimoji="1" lang="en-US" altLang="ja-JP" dirty="0"/>
+          </a:p>
+        </p:txBody>
+      </p:sp>
+      <p:pic>
+        <p:nvPicPr>
+          <p:cNvPr id="17" name="図 16">
+            <a:extLst>
+              <a:ext uri="{FF2B5EF4-FFF2-40B4-BE49-F238E27FC236}">
+                <a16:creationId xmlns:a16="http://schemas.microsoft.com/office/drawing/2014/main" id="{2E76FDC5-F9AD-2340-AE1A-9ED5A00B3E14}"/>
+              </a:ext>
+            </a:extLst>
+          </p:cNvPr>
+          <p:cNvPicPr>
+            <a:picLocks noChangeAspect="1"/>
+          </p:cNvPicPr>
+          <p:nvPr/>
+        </p:nvPicPr>
+        <p:blipFill>
+          <a:blip r:embed="rId5"/>
+          <a:stretch>
+            <a:fillRect/>
+          </a:stretch>
+        </p:blipFill>
+        <p:spPr>
+          <a:xfrm>
+            <a:off x="8116841" y="4820837"/>
+            <a:ext cx="1262873" cy="1301142"/>
+          </a:xfrm>
+          <a:prstGeom prst="rect">
+            <a:avLst/>
+          </a:prstGeom>
+        </p:spPr>
+      </p:pic>
+      <p:sp>
+        <p:nvSpPr>
+          <p:cNvPr id="18" name="テキスト ボックス 17">
+            <a:extLst>
+              <a:ext uri="{FF2B5EF4-FFF2-40B4-BE49-F238E27FC236}">
+                <a16:creationId xmlns:a16="http://schemas.microsoft.com/office/drawing/2014/main" id="{F07DDA18-7197-0E43-8DEE-7B1455E7914C}"/>
+              </a:ext>
+            </a:extLst>
+          </p:cNvPr>
+          <p:cNvSpPr txBox="1"/>
+          <p:nvPr/>
+        </p:nvSpPr>
+        <p:spPr>
+          <a:xfrm>
+            <a:off x="1721972" y="1984740"/>
+            <a:ext cx="1436612" cy="369332"/>
+          </a:xfrm>
+          <a:prstGeom prst="rect">
+            <a:avLst/>
+          </a:prstGeom>
+          <a:noFill/>
+        </p:spPr>
+        <p:txBody>
+          <a:bodyPr wrap="none" rtlCol="0">
+            <a:spAutoFit/>
+          </a:bodyPr>
+          <a:lstStyle/>
+          <a:p>
+            <a:r>
+              <a:rPr kumimoji="1" lang="en-US" altLang="ja-JP" dirty="0"/>
+              <a:t>UNIX</a:t>
+            </a:r>
+            <a:r>
+              <a:rPr kumimoji="1" lang="ja-JP" altLang="en-US"/>
+              <a:t>サーバ</a:t>
+            </a:r>
+          </a:p>
+        </p:txBody>
+      </p:sp>
+      <p:sp>
+        <p:nvSpPr>
+          <p:cNvPr id="19" name="テキスト ボックス 18">
+            <a:extLst>
+              <a:ext uri="{FF2B5EF4-FFF2-40B4-BE49-F238E27FC236}">
+                <a16:creationId xmlns:a16="http://schemas.microsoft.com/office/drawing/2014/main" id="{3C1AAC7F-87EE-4D41-BC5F-BB00C556A634}"/>
+              </a:ext>
+            </a:extLst>
+          </p:cNvPr>
+          <p:cNvSpPr txBox="1"/>
+          <p:nvPr/>
+        </p:nvSpPr>
+        <p:spPr>
+          <a:xfrm>
+            <a:off x="7202446" y="1455143"/>
+            <a:ext cx="2262158" cy="369332"/>
+          </a:xfrm>
+          <a:prstGeom prst="rect">
+            <a:avLst/>
+          </a:prstGeom>
+          <a:noFill/>
+        </p:spPr>
+        <p:txBody>
+          <a:bodyPr wrap="none" rtlCol="0">
+            <a:spAutoFit/>
+          </a:bodyPr>
+          <a:lstStyle/>
+          <a:p>
+            <a:r>
+              <a:rPr kumimoji="1" lang="ja-JP" altLang="en-US"/>
+              <a:t>メールクライアント</a:t>
+            </a:r>
+          </a:p>
+        </p:txBody>
+      </p:sp>
+      <p:sp>
+        <p:nvSpPr>
+          <p:cNvPr id="20" name="テキスト ボックス 19">
+            <a:extLst>
+              <a:ext uri="{FF2B5EF4-FFF2-40B4-BE49-F238E27FC236}">
+                <a16:creationId xmlns:a16="http://schemas.microsoft.com/office/drawing/2014/main" id="{60C47E44-C23F-1445-8216-9E55E048A45D}"/>
+              </a:ext>
+            </a:extLst>
+          </p:cNvPr>
+          <p:cNvSpPr txBox="1"/>
+          <p:nvPr/>
+        </p:nvSpPr>
+        <p:spPr>
+          <a:xfrm>
+            <a:off x="10058400" y="3852472"/>
+            <a:ext cx="1337226" cy="369332"/>
+          </a:xfrm>
+          <a:prstGeom prst="rect">
+            <a:avLst/>
+          </a:prstGeom>
+          <a:noFill/>
+        </p:spPr>
+        <p:txBody>
+          <a:bodyPr wrap="none" rtlCol="0">
+            <a:spAutoFit/>
+          </a:bodyPr>
+          <a:lstStyle/>
+          <a:p>
+            <a:r>
+              <a:rPr kumimoji="1" lang="en-US" altLang="ja-JP" dirty="0"/>
+              <a:t>SSH</a:t>
+            </a:r>
+            <a:r>
+              <a:rPr kumimoji="1" lang="ja-JP" altLang="en-US"/>
+              <a:t>サーバ</a:t>
+            </a:r>
+          </a:p>
+        </p:txBody>
+      </p:sp>
+    </p:spTree>
+    <p:extLst>
+      <p:ext uri="{BB962C8B-B14F-4D97-AF65-F5344CB8AC3E}">
+        <p14:creationId xmlns:p14="http://schemas.microsoft.com/office/powerpoint/2010/main" val="4071472041"/>
+      </p:ext>
+    </p:extLst>
+  </p:cSld>
+  <p:clrMapOvr>
+    <a:masterClrMapping/>
+  </p:clrMapOvr>
+</p:sld>
+</file>
+
 <file path=ppt/slides/slide2.xml><?xml version="1.0" encoding="utf-8"?>
 <p:sld xmlns:a="http://schemas.openxmlformats.org/drawingml/2006/main" xmlns:r="http://schemas.openxmlformats.org/officeDocument/2006/relationships" xmlns:p="http://schemas.openxmlformats.org/presentationml/2006/main">
   <p:cSld>
@@ -9833,7 +10306,7 @@
         <p:spPr>
           <a:xfrm>
             <a:off x="6078523" y="2447690"/>
-            <a:ext cx="1409360" cy="276999"/>
+            <a:ext cx="1741182" cy="369332"/>
           </a:xfrm>
           <a:prstGeom prst="rect">
             <a:avLst/>
@@ -9847,7 +10320,7 @@
           <a:lstStyle/>
           <a:p>
             <a:r>
-              <a:rPr kumimoji="1" lang="en-US" altLang="ja-JP" sz="1200" b="1" dirty="0"/>
+              <a:rPr kumimoji="1" lang="en-US" altLang="ja-JP" b="1" dirty="0"/>
               <a:t>Gateway</a:t>
             </a:r>
             <a:r>
@@ -9891,10 +10364,10 @@
           <a:lstStyle/>
           <a:p>
             <a:r>
-              <a:rPr kumimoji="1" lang="en-US" altLang="ja-JP" dirty="0"/>
+              <a:rPr kumimoji="1" lang="en-US" altLang="ja-JP" b="1" dirty="0"/>
               <a:t>Client</a:t>
             </a:r>
-            <a:endParaRPr kumimoji="1" lang="ja-JP" altLang="en-US"/>
+            <a:endParaRPr kumimoji="1" lang="ja-JP" altLang="en-US" b="1"/>
           </a:p>
         </p:txBody>
       </p:sp>
@@ -10017,10 +10490,1596 @@
           <a:chExt cx="0" cy="0"/>
         </a:xfrm>
       </p:grpSpPr>
+      <p:sp>
+        <p:nvSpPr>
+          <p:cNvPr id="26" name="正方形/長方形 25">
+            <a:extLst>
+              <a:ext uri="{FF2B5EF4-FFF2-40B4-BE49-F238E27FC236}">
+                <a16:creationId xmlns:a16="http://schemas.microsoft.com/office/drawing/2014/main" id="{C37C6E3A-F4DE-F044-A538-F3A782EFD6D1}"/>
+              </a:ext>
+            </a:extLst>
+          </p:cNvPr>
+          <p:cNvSpPr/>
+          <p:nvPr/>
+        </p:nvSpPr>
+        <p:spPr>
+          <a:xfrm>
+            <a:off x="8241652" y="2100263"/>
+            <a:ext cx="3659648" cy="3111377"/>
+          </a:xfrm>
+          <a:prstGeom prst="rect">
+            <a:avLst/>
+          </a:prstGeom>
+          <a:solidFill>
+            <a:schemeClr val="accent1">
+              <a:alpha val="0"/>
+            </a:schemeClr>
+          </a:solidFill>
+          <a:ln>
+            <a:solidFill>
+              <a:schemeClr val="tx1"/>
+            </a:solidFill>
+          </a:ln>
+        </p:spPr>
+        <p:style>
+          <a:lnRef idx="2">
+            <a:schemeClr val="accent1">
+              <a:shade val="50000"/>
+            </a:schemeClr>
+          </a:lnRef>
+          <a:fillRef idx="1">
+            <a:schemeClr val="accent1"/>
+          </a:fillRef>
+          <a:effectRef idx="0">
+            <a:schemeClr val="accent1"/>
+          </a:effectRef>
+          <a:fontRef idx="minor">
+            <a:schemeClr val="lt1"/>
+          </a:fontRef>
+        </p:style>
+        <p:txBody>
+          <a:bodyPr rtlCol="0" anchor="ctr"/>
+          <a:lstStyle/>
+          <a:p>
+            <a:pPr algn="ctr"/>
+            <a:endParaRPr kumimoji="1" lang="ja-JP" altLang="en-US"/>
+          </a:p>
+        </p:txBody>
+      </p:sp>
+      <p:sp>
+        <p:nvSpPr>
+          <p:cNvPr id="27" name="正方形/長方形 26">
+            <a:extLst>
+              <a:ext uri="{FF2B5EF4-FFF2-40B4-BE49-F238E27FC236}">
+                <a16:creationId xmlns:a16="http://schemas.microsoft.com/office/drawing/2014/main" id="{A1CE24B8-7D0A-5949-88E9-0041D660877E}"/>
+              </a:ext>
+            </a:extLst>
+          </p:cNvPr>
+          <p:cNvSpPr/>
+          <p:nvPr/>
+        </p:nvSpPr>
+        <p:spPr>
+          <a:xfrm>
+            <a:off x="281606" y="2100263"/>
+            <a:ext cx="3441126" cy="3111377"/>
+          </a:xfrm>
+          <a:prstGeom prst="rect">
+            <a:avLst/>
+          </a:prstGeom>
+          <a:solidFill>
+            <a:schemeClr val="accent1">
+              <a:alpha val="0"/>
+            </a:schemeClr>
+          </a:solidFill>
+          <a:ln>
+            <a:solidFill>
+              <a:schemeClr val="tx1"/>
+            </a:solidFill>
+          </a:ln>
+        </p:spPr>
+        <p:style>
+          <a:lnRef idx="2">
+            <a:schemeClr val="accent1">
+              <a:shade val="50000"/>
+            </a:schemeClr>
+          </a:lnRef>
+          <a:fillRef idx="1">
+            <a:schemeClr val="accent1"/>
+          </a:fillRef>
+          <a:effectRef idx="0">
+            <a:schemeClr val="accent1"/>
+          </a:effectRef>
+          <a:fontRef idx="minor">
+            <a:schemeClr val="lt1"/>
+          </a:fontRef>
+        </p:style>
+        <p:txBody>
+          <a:bodyPr rtlCol="0" anchor="ctr"/>
+          <a:lstStyle/>
+          <a:p>
+            <a:pPr algn="ctr"/>
+            <a:endParaRPr kumimoji="1" lang="ja-JP" altLang="en-US"/>
+          </a:p>
+        </p:txBody>
+      </p:sp>
+      <p:sp>
+        <p:nvSpPr>
+          <p:cNvPr id="5" name="1つの角を切り取り、1つの角を丸めた四角形 4">
+            <a:extLst>
+              <a:ext uri="{FF2B5EF4-FFF2-40B4-BE49-F238E27FC236}">
+                <a16:creationId xmlns:a16="http://schemas.microsoft.com/office/drawing/2014/main" id="{74E044B8-CD64-7349-ACD1-FE43EAF18417}"/>
+              </a:ext>
+            </a:extLst>
+          </p:cNvPr>
+          <p:cNvSpPr/>
+          <p:nvPr/>
+        </p:nvSpPr>
+        <p:spPr>
+          <a:xfrm>
+            <a:off x="583894" y="2853933"/>
+            <a:ext cx="1133220" cy="1421705"/>
+          </a:xfrm>
+          <a:prstGeom prst="snipRoundRect">
+            <a:avLst/>
+          </a:prstGeom>
+        </p:spPr>
+        <p:style>
+          <a:lnRef idx="2">
+            <a:schemeClr val="accent6"/>
+          </a:lnRef>
+          <a:fillRef idx="1">
+            <a:schemeClr val="lt1"/>
+          </a:fillRef>
+          <a:effectRef idx="0">
+            <a:schemeClr val="accent6"/>
+          </a:effectRef>
+          <a:fontRef idx="minor">
+            <a:schemeClr val="dk1"/>
+          </a:fontRef>
+        </p:style>
+        <p:txBody>
+          <a:bodyPr rtlCol="0" anchor="ctr"/>
+          <a:lstStyle/>
+          <a:p>
+            <a:pPr algn="ctr"/>
+            <a:r>
+              <a:rPr kumimoji="1" lang="ja-JP" altLang="en-US"/>
+              <a:t>平文</a:t>
+            </a:r>
+          </a:p>
+        </p:txBody>
+      </p:sp>
+      <p:pic>
+        <p:nvPicPr>
+          <p:cNvPr id="10" name="図 9">
+            <a:extLst>
+              <a:ext uri="{FF2B5EF4-FFF2-40B4-BE49-F238E27FC236}">
+                <a16:creationId xmlns:a16="http://schemas.microsoft.com/office/drawing/2014/main" id="{FCBC4DA8-F409-AE4A-B07F-89DBC0D3ABCD}"/>
+              </a:ext>
+            </a:extLst>
+          </p:cNvPr>
+          <p:cNvPicPr>
+            <a:picLocks noChangeAspect="1"/>
+          </p:cNvPicPr>
+          <p:nvPr/>
+        </p:nvPicPr>
+        <p:blipFill>
+          <a:blip r:embed="rId2"/>
+          <a:stretch>
+            <a:fillRect/>
+          </a:stretch>
+        </p:blipFill>
+        <p:spPr>
+          <a:xfrm flipH="1">
+            <a:off x="8614308" y="2348434"/>
+            <a:ext cx="1064336" cy="489595"/>
+          </a:xfrm>
+          <a:prstGeom prst="rect">
+            <a:avLst/>
+          </a:prstGeom>
+        </p:spPr>
+      </p:pic>
+      <p:sp>
+        <p:nvSpPr>
+          <p:cNvPr id="11" name="テキスト ボックス 10">
+            <a:extLst>
+              <a:ext uri="{FF2B5EF4-FFF2-40B4-BE49-F238E27FC236}">
+                <a16:creationId xmlns:a16="http://schemas.microsoft.com/office/drawing/2014/main" id="{F2823C84-C510-3545-A151-B825A35C4E5C}"/>
+              </a:ext>
+            </a:extLst>
+          </p:cNvPr>
+          <p:cNvSpPr txBox="1"/>
+          <p:nvPr/>
+        </p:nvSpPr>
+        <p:spPr>
+          <a:xfrm>
+            <a:off x="2117313" y="2906261"/>
+            <a:ext cx="1045611" cy="400110"/>
+          </a:xfrm>
+          <a:prstGeom prst="rect">
+            <a:avLst/>
+          </a:prstGeom>
+          <a:noFill/>
+        </p:spPr>
+        <p:txBody>
+          <a:bodyPr wrap="square" rtlCol="0">
+            <a:spAutoFit/>
+          </a:bodyPr>
+          <a:lstStyle/>
+          <a:p>
+            <a:r>
+              <a:rPr lang="ja-JP" altLang="en-US" sz="2000"/>
+              <a:t>共通鍵</a:t>
+            </a:r>
+            <a:endParaRPr kumimoji="1" lang="ja-JP" altLang="en-US" sz="2000"/>
+          </a:p>
+        </p:txBody>
+      </p:sp>
+      <p:cxnSp>
+        <p:nvCxnSpPr>
+          <p:cNvPr id="14" name="直線矢印コネクタ 13">
+            <a:extLst>
+              <a:ext uri="{FF2B5EF4-FFF2-40B4-BE49-F238E27FC236}">
+                <a16:creationId xmlns:a16="http://schemas.microsoft.com/office/drawing/2014/main" id="{54B66928-DEB7-ED4E-B277-9148F6B29807}"/>
+              </a:ext>
+            </a:extLst>
+          </p:cNvPr>
+          <p:cNvCxnSpPr>
+            <a:cxnSpLocks/>
+          </p:cNvCxnSpPr>
+          <p:nvPr/>
+        </p:nvCxnSpPr>
+        <p:spPr>
+          <a:xfrm>
+            <a:off x="2117313" y="3564786"/>
+            <a:ext cx="7221559" cy="0"/>
+          </a:xfrm>
+          <a:prstGeom prst="straightConnector1">
+            <a:avLst/>
+          </a:prstGeom>
+          <a:ln w="98425">
+            <a:tailEnd type="triangle"/>
+          </a:ln>
+        </p:spPr>
+        <p:style>
+          <a:lnRef idx="1">
+            <a:schemeClr val="accent1"/>
+          </a:lnRef>
+          <a:fillRef idx="0">
+            <a:schemeClr val="accent1"/>
+          </a:fillRef>
+          <a:effectRef idx="0">
+            <a:schemeClr val="accent1"/>
+          </a:effectRef>
+          <a:fontRef idx="minor">
+            <a:schemeClr val="tx1"/>
+          </a:fontRef>
+        </p:style>
+      </p:cxnSp>
+      <p:pic>
+        <p:nvPicPr>
+          <p:cNvPr id="17" name="図 16">
+            <a:extLst>
+              <a:ext uri="{FF2B5EF4-FFF2-40B4-BE49-F238E27FC236}">
+                <a16:creationId xmlns:a16="http://schemas.microsoft.com/office/drawing/2014/main" id="{A6880985-9185-4849-95E4-60C5C3A5F017}"/>
+              </a:ext>
+            </a:extLst>
+          </p:cNvPr>
+          <p:cNvPicPr>
+            <a:picLocks noChangeAspect="1"/>
+          </p:cNvPicPr>
+          <p:nvPr/>
+        </p:nvPicPr>
+        <p:blipFill>
+          <a:blip r:embed="rId2"/>
+          <a:stretch>
+            <a:fillRect/>
+          </a:stretch>
+        </p:blipFill>
+        <p:spPr>
+          <a:xfrm>
+            <a:off x="2002169" y="2284132"/>
+            <a:ext cx="1026987" cy="472414"/>
+          </a:xfrm>
+          <a:prstGeom prst="rect">
+            <a:avLst/>
+          </a:prstGeom>
+        </p:spPr>
+      </p:pic>
+      <p:sp>
+        <p:nvSpPr>
+          <p:cNvPr id="18" name="テキスト ボックス 17">
+            <a:extLst>
+              <a:ext uri="{FF2B5EF4-FFF2-40B4-BE49-F238E27FC236}">
+                <a16:creationId xmlns:a16="http://schemas.microsoft.com/office/drawing/2014/main" id="{90E98AF6-E987-CC44-9CA4-E43E6695ECD1}"/>
+              </a:ext>
+            </a:extLst>
+          </p:cNvPr>
+          <p:cNvSpPr txBox="1"/>
+          <p:nvPr/>
+        </p:nvSpPr>
+        <p:spPr>
+          <a:xfrm>
+            <a:off x="8530738" y="2884693"/>
+            <a:ext cx="1147906" cy="400110"/>
+          </a:xfrm>
+          <a:prstGeom prst="rect">
+            <a:avLst/>
+          </a:prstGeom>
+          <a:noFill/>
+        </p:spPr>
+        <p:txBody>
+          <a:bodyPr wrap="square" rtlCol="0">
+            <a:spAutoFit/>
+          </a:bodyPr>
+          <a:lstStyle/>
+          <a:p>
+            <a:r>
+              <a:rPr lang="ja-JP" altLang="en-US" sz="2000"/>
+              <a:t>共通鍵</a:t>
+            </a:r>
+            <a:endParaRPr kumimoji="1" lang="ja-JP" altLang="en-US" sz="2000"/>
+          </a:p>
+        </p:txBody>
+      </p:sp>
+      <p:sp>
+        <p:nvSpPr>
+          <p:cNvPr id="22" name="1つの角を切り取り、1つの角を丸めた四角形 21">
+            <a:extLst>
+              <a:ext uri="{FF2B5EF4-FFF2-40B4-BE49-F238E27FC236}">
+                <a16:creationId xmlns:a16="http://schemas.microsoft.com/office/drawing/2014/main" id="{98F1C331-BBDA-794E-AB96-5E1D3DCC4FA1}"/>
+              </a:ext>
+            </a:extLst>
+          </p:cNvPr>
+          <p:cNvSpPr/>
+          <p:nvPr/>
+        </p:nvSpPr>
+        <p:spPr>
+          <a:xfrm rot="16200000">
+            <a:off x="5322746" y="2776129"/>
+            <a:ext cx="914400" cy="1514007"/>
+          </a:xfrm>
+          <a:prstGeom prst="snipRoundRect">
+            <a:avLst/>
+          </a:prstGeom>
+          <a:ln>
+            <a:solidFill>
+              <a:schemeClr val="tx1"/>
+            </a:solidFill>
+          </a:ln>
+        </p:spPr>
+        <p:style>
+          <a:lnRef idx="2">
+            <a:schemeClr val="accent6"/>
+          </a:lnRef>
+          <a:fillRef idx="1">
+            <a:schemeClr val="lt1"/>
+          </a:fillRef>
+          <a:effectRef idx="0">
+            <a:schemeClr val="accent6"/>
+          </a:effectRef>
+          <a:fontRef idx="minor">
+            <a:schemeClr val="dk1"/>
+          </a:fontRef>
+        </p:style>
+        <p:txBody>
+          <a:bodyPr vert="eaVert" rtlCol="0" anchor="ctr"/>
+          <a:lstStyle/>
+          <a:p>
+            <a:pPr lvl="1" algn="ctr"/>
+            <a:endParaRPr kumimoji="1" lang="ja-JP" altLang="en-US"/>
+          </a:p>
+        </p:txBody>
+      </p:sp>
+      <p:pic>
+        <p:nvPicPr>
+          <p:cNvPr id="24" name="図 23">
+            <a:extLst>
+              <a:ext uri="{FF2B5EF4-FFF2-40B4-BE49-F238E27FC236}">
+                <a16:creationId xmlns:a16="http://schemas.microsoft.com/office/drawing/2014/main" id="{A3A25E8F-3704-1247-B354-D7EF77919B60}"/>
+              </a:ext>
+            </a:extLst>
+          </p:cNvPr>
+          <p:cNvPicPr>
+            <a:picLocks noChangeAspect="1"/>
+          </p:cNvPicPr>
+          <p:nvPr/>
+        </p:nvPicPr>
+        <p:blipFill>
+          <a:blip r:embed="rId3"/>
+          <a:stretch>
+            <a:fillRect/>
+          </a:stretch>
+        </p:blipFill>
+        <p:spPr>
+          <a:xfrm>
+            <a:off x="5440107" y="3145782"/>
+            <a:ext cx="685800" cy="774700"/>
+          </a:xfrm>
+          <a:prstGeom prst="rect">
+            <a:avLst/>
+          </a:prstGeom>
+        </p:spPr>
+      </p:pic>
+      <p:sp>
+        <p:nvSpPr>
+          <p:cNvPr id="25" name="テキスト ボックス 24">
+            <a:extLst>
+              <a:ext uri="{FF2B5EF4-FFF2-40B4-BE49-F238E27FC236}">
+                <a16:creationId xmlns:a16="http://schemas.microsoft.com/office/drawing/2014/main" id="{B118501E-F84B-D74A-BA5A-C41164A08866}"/>
+              </a:ext>
+            </a:extLst>
+          </p:cNvPr>
+          <p:cNvSpPr txBox="1"/>
+          <p:nvPr/>
+        </p:nvSpPr>
+        <p:spPr>
+          <a:xfrm>
+            <a:off x="4444974" y="4090972"/>
+            <a:ext cx="3262432" cy="400110"/>
+          </a:xfrm>
+          <a:prstGeom prst="rect">
+            <a:avLst/>
+          </a:prstGeom>
+          <a:noFill/>
+        </p:spPr>
+        <p:txBody>
+          <a:bodyPr wrap="none" rtlCol="0">
+            <a:spAutoFit/>
+          </a:bodyPr>
+          <a:lstStyle/>
+          <a:p>
+            <a:r>
+              <a:rPr kumimoji="1" lang="ja-JP" altLang="en-US" sz="2000"/>
+              <a:t>共通鍵で暗号化したデータ</a:t>
+            </a:r>
+          </a:p>
+        </p:txBody>
+      </p:sp>
+      <p:sp>
+        <p:nvSpPr>
+          <p:cNvPr id="28" name="テキスト ボックス 27">
+            <a:extLst>
+              <a:ext uri="{FF2B5EF4-FFF2-40B4-BE49-F238E27FC236}">
+                <a16:creationId xmlns:a16="http://schemas.microsoft.com/office/drawing/2014/main" id="{4F84595E-0FF8-BF4F-AFBC-6D5525BBE70A}"/>
+              </a:ext>
+            </a:extLst>
+          </p:cNvPr>
+          <p:cNvSpPr txBox="1"/>
+          <p:nvPr/>
+        </p:nvSpPr>
+        <p:spPr>
+          <a:xfrm>
+            <a:off x="1782526" y="4811530"/>
+            <a:ext cx="1980029" cy="400110"/>
+          </a:xfrm>
+          <a:prstGeom prst="rect">
+            <a:avLst/>
+          </a:prstGeom>
+          <a:noFill/>
+        </p:spPr>
+        <p:txBody>
+          <a:bodyPr wrap="none" rtlCol="0">
+            <a:spAutoFit/>
+          </a:bodyPr>
+          <a:lstStyle/>
+          <a:p>
+            <a:r>
+              <a:rPr kumimoji="1" lang="ja-JP" altLang="en-US" sz="2000"/>
+              <a:t>共通鍵で暗号化</a:t>
+            </a:r>
+          </a:p>
+        </p:txBody>
+      </p:sp>
+      <p:sp>
+        <p:nvSpPr>
+          <p:cNvPr id="32" name="テキスト ボックス 31">
+            <a:extLst>
+              <a:ext uri="{FF2B5EF4-FFF2-40B4-BE49-F238E27FC236}">
+                <a16:creationId xmlns:a16="http://schemas.microsoft.com/office/drawing/2014/main" id="{5A53ECA5-DE4B-1E43-986D-D15481DB8B5E}"/>
+              </a:ext>
+            </a:extLst>
+          </p:cNvPr>
+          <p:cNvSpPr txBox="1"/>
+          <p:nvPr/>
+        </p:nvSpPr>
+        <p:spPr>
+          <a:xfrm>
+            <a:off x="8201829" y="4835490"/>
+            <a:ext cx="1723549" cy="400110"/>
+          </a:xfrm>
+          <a:prstGeom prst="rect">
+            <a:avLst/>
+          </a:prstGeom>
+          <a:noFill/>
+        </p:spPr>
+        <p:txBody>
+          <a:bodyPr wrap="none" rtlCol="0">
+            <a:spAutoFit/>
+          </a:bodyPr>
+          <a:lstStyle/>
+          <a:p>
+            <a:r>
+              <a:rPr kumimoji="1" lang="ja-JP" altLang="en-US" sz="2000"/>
+              <a:t>共通鍵で復号</a:t>
+            </a:r>
+          </a:p>
+        </p:txBody>
+      </p:sp>
+      <p:sp>
+        <p:nvSpPr>
+          <p:cNvPr id="42" name="左大かっこ 41">
+            <a:extLst>
+              <a:ext uri="{FF2B5EF4-FFF2-40B4-BE49-F238E27FC236}">
+                <a16:creationId xmlns:a16="http://schemas.microsoft.com/office/drawing/2014/main" id="{E5A0571F-0B75-2C4D-83E2-6E23448F43F4}"/>
+              </a:ext>
+            </a:extLst>
+          </p:cNvPr>
+          <p:cNvSpPr/>
+          <p:nvPr/>
+        </p:nvSpPr>
+        <p:spPr>
+          <a:xfrm rot="5400000">
+            <a:off x="5238105" y="-1749578"/>
+            <a:ext cx="1286885" cy="6644825"/>
+          </a:xfrm>
+          <a:prstGeom prst="leftBracket">
+            <a:avLst/>
+          </a:prstGeom>
+          <a:ln w="85725">
+            <a:prstDash val="sysDot"/>
+            <a:headEnd type="triangle"/>
+            <a:tailEnd type="triangle"/>
+          </a:ln>
+        </p:spPr>
+        <p:style>
+          <a:lnRef idx="1">
+            <a:schemeClr val="accent1"/>
+          </a:lnRef>
+          <a:fillRef idx="0">
+            <a:schemeClr val="accent1"/>
+          </a:fillRef>
+          <a:effectRef idx="0">
+            <a:schemeClr val="accent1"/>
+          </a:effectRef>
+          <a:fontRef idx="minor">
+            <a:schemeClr val="tx1"/>
+          </a:fontRef>
+        </p:style>
+        <p:txBody>
+          <a:bodyPr rtlCol="0" anchor="ctr"/>
+          <a:lstStyle/>
+          <a:p>
+            <a:pPr algn="ctr"/>
+            <a:endParaRPr kumimoji="1" lang="ja-JP" altLang="en-US"/>
+          </a:p>
+        </p:txBody>
+      </p:sp>
+      <p:sp>
+        <p:nvSpPr>
+          <p:cNvPr id="43" name="テキスト ボックス 42">
+            <a:extLst>
+              <a:ext uri="{FF2B5EF4-FFF2-40B4-BE49-F238E27FC236}">
+                <a16:creationId xmlns:a16="http://schemas.microsoft.com/office/drawing/2014/main" id="{E32659E7-97AA-5843-9812-993DD12E0B5F}"/>
+              </a:ext>
+            </a:extLst>
+          </p:cNvPr>
+          <p:cNvSpPr txBox="1"/>
+          <p:nvPr/>
+        </p:nvSpPr>
+        <p:spPr>
+          <a:xfrm>
+            <a:off x="3941314" y="484195"/>
+            <a:ext cx="3811034" cy="400110"/>
+          </a:xfrm>
+          <a:prstGeom prst="rect">
+            <a:avLst/>
+          </a:prstGeom>
+          <a:noFill/>
+        </p:spPr>
+        <p:txBody>
+          <a:bodyPr wrap="square" rtlCol="0">
+            <a:spAutoFit/>
+          </a:bodyPr>
+          <a:lstStyle/>
+          <a:p>
+            <a:r>
+              <a:rPr kumimoji="1" lang="ja-JP" altLang="en-US" sz="2000"/>
+              <a:t>共通鍵は事前に共有されている</a:t>
+            </a:r>
+          </a:p>
+        </p:txBody>
+      </p:sp>
+      <p:sp>
+        <p:nvSpPr>
+          <p:cNvPr id="44" name="1つの角を切り取り、1つの角を丸めた四角形 43">
+            <a:extLst>
+              <a:ext uri="{FF2B5EF4-FFF2-40B4-BE49-F238E27FC236}">
+                <a16:creationId xmlns:a16="http://schemas.microsoft.com/office/drawing/2014/main" id="{CE1D338A-9D49-BC40-B449-5514DC27805B}"/>
+              </a:ext>
+            </a:extLst>
+          </p:cNvPr>
+          <p:cNvSpPr/>
+          <p:nvPr/>
+        </p:nvSpPr>
+        <p:spPr>
+          <a:xfrm>
+            <a:off x="9925378" y="2853933"/>
+            <a:ext cx="1133220" cy="1421705"/>
+          </a:xfrm>
+          <a:prstGeom prst="snipRoundRect">
+            <a:avLst/>
+          </a:prstGeom>
+        </p:spPr>
+        <p:style>
+          <a:lnRef idx="2">
+            <a:schemeClr val="accent6"/>
+          </a:lnRef>
+          <a:fillRef idx="1">
+            <a:schemeClr val="lt1"/>
+          </a:fillRef>
+          <a:effectRef idx="0">
+            <a:schemeClr val="accent6"/>
+          </a:effectRef>
+          <a:fontRef idx="minor">
+            <a:schemeClr val="dk1"/>
+          </a:fontRef>
+        </p:style>
+        <p:txBody>
+          <a:bodyPr rtlCol="0" anchor="ctr"/>
+          <a:lstStyle/>
+          <a:p>
+            <a:pPr algn="ctr"/>
+            <a:r>
+              <a:rPr kumimoji="1" lang="ja-JP" altLang="en-US"/>
+              <a:t>平文</a:t>
+            </a:r>
+          </a:p>
+        </p:txBody>
+      </p:sp>
+      <p:sp>
+        <p:nvSpPr>
+          <p:cNvPr id="46" name="テキスト ボックス 45">
+            <a:extLst>
+              <a:ext uri="{FF2B5EF4-FFF2-40B4-BE49-F238E27FC236}">
+                <a16:creationId xmlns:a16="http://schemas.microsoft.com/office/drawing/2014/main" id="{F4B7C75B-204A-8649-9464-86FF59A9FDD8}"/>
+              </a:ext>
+            </a:extLst>
+          </p:cNvPr>
+          <p:cNvSpPr txBox="1"/>
+          <p:nvPr/>
+        </p:nvSpPr>
+        <p:spPr>
+          <a:xfrm>
+            <a:off x="645188" y="1225816"/>
+            <a:ext cx="417102" cy="523220"/>
+          </a:xfrm>
+          <a:prstGeom prst="rect">
+            <a:avLst/>
+          </a:prstGeom>
+          <a:noFill/>
+        </p:spPr>
+        <p:txBody>
+          <a:bodyPr wrap="none" rtlCol="0">
+            <a:spAutoFit/>
+          </a:bodyPr>
+          <a:lstStyle/>
+          <a:p>
+            <a:r>
+              <a:rPr kumimoji="1" lang="en-US" altLang="ja-JP" sz="2800" dirty="0"/>
+              <a:t>A</a:t>
+            </a:r>
+            <a:endParaRPr kumimoji="1" lang="ja-JP" altLang="en-US" sz="2800"/>
+          </a:p>
+        </p:txBody>
+      </p:sp>
+      <p:sp>
+        <p:nvSpPr>
+          <p:cNvPr id="47" name="テキスト ボックス 46">
+            <a:extLst>
+              <a:ext uri="{FF2B5EF4-FFF2-40B4-BE49-F238E27FC236}">
+                <a16:creationId xmlns:a16="http://schemas.microsoft.com/office/drawing/2014/main" id="{1EA00CC7-3341-A743-A91D-1D3ADBA0066B}"/>
+              </a:ext>
+            </a:extLst>
+          </p:cNvPr>
+          <p:cNvSpPr txBox="1"/>
+          <p:nvPr/>
+        </p:nvSpPr>
+        <p:spPr>
+          <a:xfrm>
+            <a:off x="10388184" y="1164261"/>
+            <a:ext cx="1093306" cy="584775"/>
+          </a:xfrm>
+          <a:prstGeom prst="rect">
+            <a:avLst/>
+          </a:prstGeom>
+          <a:noFill/>
+        </p:spPr>
+        <p:txBody>
+          <a:bodyPr wrap="square" rtlCol="0">
+            <a:spAutoFit/>
+          </a:bodyPr>
+          <a:lstStyle/>
+          <a:p>
+            <a:r>
+              <a:rPr kumimoji="1" lang="en-US" altLang="ja-JP" sz="3200" dirty="0"/>
+              <a:t>B</a:t>
+            </a:r>
+            <a:endParaRPr kumimoji="1" lang="ja-JP" altLang="en-US" sz="3200"/>
+          </a:p>
+        </p:txBody>
+      </p:sp>
     </p:spTree>
     <p:extLst>
       <p:ext uri="{BB962C8B-B14F-4D97-AF65-F5344CB8AC3E}">
-        <p14:creationId xmlns:p14="http://schemas.microsoft.com/office/powerpoint/2010/main" val="4071472041"/>
+        <p14:creationId xmlns:p14="http://schemas.microsoft.com/office/powerpoint/2010/main" val="1251632302"/>
+      </p:ext>
+    </p:extLst>
+  </p:cSld>
+  <p:clrMapOvr>
+    <a:masterClrMapping/>
+  </p:clrMapOvr>
+</p:sld>
+</file>
+
+<file path=ppt/slides/slide9.xml><?xml version="1.0" encoding="utf-8"?>
+<p:sld xmlns:a="http://schemas.openxmlformats.org/drawingml/2006/main" xmlns:r="http://schemas.openxmlformats.org/officeDocument/2006/relationships" xmlns:p="http://schemas.openxmlformats.org/presentationml/2006/main">
+  <p:cSld>
+    <p:spTree>
+      <p:nvGrpSpPr>
+        <p:cNvPr id="1" name=""/>
+        <p:cNvGrpSpPr/>
+        <p:nvPr/>
+      </p:nvGrpSpPr>
+      <p:grpSpPr>
+        <a:xfrm>
+          <a:off x="0" y="0"/>
+          <a:ext cx="0" cy="0"/>
+          <a:chOff x="0" y="0"/>
+          <a:chExt cx="0" cy="0"/>
+        </a:xfrm>
+      </p:grpSpPr>
+      <p:sp>
+        <p:nvSpPr>
+          <p:cNvPr id="26" name="正方形/長方形 25">
+            <a:extLst>
+              <a:ext uri="{FF2B5EF4-FFF2-40B4-BE49-F238E27FC236}">
+                <a16:creationId xmlns:a16="http://schemas.microsoft.com/office/drawing/2014/main" id="{C37C6E3A-F4DE-F044-A538-F3A782EFD6D1}"/>
+              </a:ext>
+            </a:extLst>
+          </p:cNvPr>
+          <p:cNvSpPr/>
+          <p:nvPr/>
+        </p:nvSpPr>
+        <p:spPr>
+          <a:xfrm>
+            <a:off x="8241652" y="2100263"/>
+            <a:ext cx="3659648" cy="3111377"/>
+          </a:xfrm>
+          <a:prstGeom prst="rect">
+            <a:avLst/>
+          </a:prstGeom>
+          <a:solidFill>
+            <a:schemeClr val="accent1">
+              <a:alpha val="0"/>
+            </a:schemeClr>
+          </a:solidFill>
+          <a:ln>
+            <a:solidFill>
+              <a:schemeClr val="tx1"/>
+            </a:solidFill>
+          </a:ln>
+        </p:spPr>
+        <p:style>
+          <a:lnRef idx="2">
+            <a:schemeClr val="accent1">
+              <a:shade val="50000"/>
+            </a:schemeClr>
+          </a:lnRef>
+          <a:fillRef idx="1">
+            <a:schemeClr val="accent1"/>
+          </a:fillRef>
+          <a:effectRef idx="0">
+            <a:schemeClr val="accent1"/>
+          </a:effectRef>
+          <a:fontRef idx="minor">
+            <a:schemeClr val="lt1"/>
+          </a:fontRef>
+        </p:style>
+        <p:txBody>
+          <a:bodyPr rtlCol="0" anchor="ctr"/>
+          <a:lstStyle/>
+          <a:p>
+            <a:pPr algn="ctr"/>
+            <a:endParaRPr kumimoji="1" lang="ja-JP" altLang="en-US"/>
+          </a:p>
+        </p:txBody>
+      </p:sp>
+      <p:sp>
+        <p:nvSpPr>
+          <p:cNvPr id="27" name="正方形/長方形 26">
+            <a:extLst>
+              <a:ext uri="{FF2B5EF4-FFF2-40B4-BE49-F238E27FC236}">
+                <a16:creationId xmlns:a16="http://schemas.microsoft.com/office/drawing/2014/main" id="{A1CE24B8-7D0A-5949-88E9-0041D660877E}"/>
+              </a:ext>
+            </a:extLst>
+          </p:cNvPr>
+          <p:cNvSpPr/>
+          <p:nvPr/>
+        </p:nvSpPr>
+        <p:spPr>
+          <a:xfrm>
+            <a:off x="281606" y="2100263"/>
+            <a:ext cx="3441126" cy="3111377"/>
+          </a:xfrm>
+          <a:prstGeom prst="rect">
+            <a:avLst/>
+          </a:prstGeom>
+          <a:solidFill>
+            <a:schemeClr val="accent1">
+              <a:alpha val="0"/>
+            </a:schemeClr>
+          </a:solidFill>
+          <a:ln>
+            <a:solidFill>
+              <a:schemeClr val="tx1"/>
+            </a:solidFill>
+          </a:ln>
+        </p:spPr>
+        <p:style>
+          <a:lnRef idx="2">
+            <a:schemeClr val="accent1">
+              <a:shade val="50000"/>
+            </a:schemeClr>
+          </a:lnRef>
+          <a:fillRef idx="1">
+            <a:schemeClr val="accent1"/>
+          </a:fillRef>
+          <a:effectRef idx="0">
+            <a:schemeClr val="accent1"/>
+          </a:effectRef>
+          <a:fontRef idx="minor">
+            <a:schemeClr val="lt1"/>
+          </a:fontRef>
+        </p:style>
+        <p:txBody>
+          <a:bodyPr rtlCol="0" anchor="ctr"/>
+          <a:lstStyle/>
+          <a:p>
+            <a:pPr algn="ctr"/>
+            <a:endParaRPr kumimoji="1" lang="ja-JP" altLang="en-US"/>
+          </a:p>
+        </p:txBody>
+      </p:sp>
+      <p:sp>
+        <p:nvSpPr>
+          <p:cNvPr id="5" name="1つの角を切り取り、1つの角を丸めた四角形 4">
+            <a:extLst>
+              <a:ext uri="{FF2B5EF4-FFF2-40B4-BE49-F238E27FC236}">
+                <a16:creationId xmlns:a16="http://schemas.microsoft.com/office/drawing/2014/main" id="{74E044B8-CD64-7349-ACD1-FE43EAF18417}"/>
+              </a:ext>
+            </a:extLst>
+          </p:cNvPr>
+          <p:cNvSpPr/>
+          <p:nvPr/>
+        </p:nvSpPr>
+        <p:spPr>
+          <a:xfrm>
+            <a:off x="583894" y="2853933"/>
+            <a:ext cx="1133220" cy="1421705"/>
+          </a:xfrm>
+          <a:prstGeom prst="snipRoundRect">
+            <a:avLst/>
+          </a:prstGeom>
+        </p:spPr>
+        <p:style>
+          <a:lnRef idx="2">
+            <a:schemeClr val="accent6"/>
+          </a:lnRef>
+          <a:fillRef idx="1">
+            <a:schemeClr val="lt1"/>
+          </a:fillRef>
+          <a:effectRef idx="0">
+            <a:schemeClr val="accent6"/>
+          </a:effectRef>
+          <a:fontRef idx="minor">
+            <a:schemeClr val="dk1"/>
+          </a:fontRef>
+        </p:style>
+        <p:txBody>
+          <a:bodyPr rtlCol="0" anchor="ctr"/>
+          <a:lstStyle/>
+          <a:p>
+            <a:pPr algn="ctr"/>
+            <a:r>
+              <a:rPr kumimoji="1" lang="ja-JP" altLang="en-US"/>
+              <a:t>平文</a:t>
+            </a:r>
+          </a:p>
+        </p:txBody>
+      </p:sp>
+      <p:pic>
+        <p:nvPicPr>
+          <p:cNvPr id="10" name="図 9">
+            <a:extLst>
+              <a:ext uri="{FF2B5EF4-FFF2-40B4-BE49-F238E27FC236}">
+                <a16:creationId xmlns:a16="http://schemas.microsoft.com/office/drawing/2014/main" id="{FCBC4DA8-F409-AE4A-B07F-89DBC0D3ABCD}"/>
+              </a:ext>
+            </a:extLst>
+          </p:cNvPr>
+          <p:cNvPicPr>
+            <a:picLocks noChangeAspect="1"/>
+          </p:cNvPicPr>
+          <p:nvPr/>
+        </p:nvPicPr>
+        <p:blipFill>
+          <a:blip r:embed="rId2"/>
+          <a:stretch>
+            <a:fillRect/>
+          </a:stretch>
+        </p:blipFill>
+        <p:spPr>
+          <a:xfrm flipH="1">
+            <a:off x="8530738" y="2496793"/>
+            <a:ext cx="1064336" cy="489595"/>
+          </a:xfrm>
+          <a:prstGeom prst="rect">
+            <a:avLst/>
+          </a:prstGeom>
+        </p:spPr>
+      </p:pic>
+      <p:sp>
+        <p:nvSpPr>
+          <p:cNvPr id="11" name="テキスト ボックス 10">
+            <a:extLst>
+              <a:ext uri="{FF2B5EF4-FFF2-40B4-BE49-F238E27FC236}">
+                <a16:creationId xmlns:a16="http://schemas.microsoft.com/office/drawing/2014/main" id="{F2823C84-C510-3545-A151-B825A35C4E5C}"/>
+              </a:ext>
+            </a:extLst>
+          </p:cNvPr>
+          <p:cNvSpPr txBox="1"/>
+          <p:nvPr/>
+        </p:nvSpPr>
+        <p:spPr>
+          <a:xfrm>
+            <a:off x="1998121" y="2984795"/>
+            <a:ext cx="1472615" cy="400110"/>
+          </a:xfrm>
+          <a:prstGeom prst="rect">
+            <a:avLst/>
+          </a:prstGeom>
+          <a:noFill/>
+        </p:spPr>
+        <p:txBody>
+          <a:bodyPr wrap="square" rtlCol="0">
+            <a:spAutoFit/>
+          </a:bodyPr>
+          <a:lstStyle/>
+          <a:p>
+            <a:r>
+              <a:rPr kumimoji="1" lang="en-US" altLang="ja-JP" sz="2000" dirty="0"/>
+              <a:t>B</a:t>
+            </a:r>
+            <a:r>
+              <a:rPr kumimoji="1" lang="ja-JP" altLang="en-US" sz="2000"/>
+              <a:t>の公開鍵</a:t>
+            </a:r>
+          </a:p>
+        </p:txBody>
+      </p:sp>
+      <p:cxnSp>
+        <p:nvCxnSpPr>
+          <p:cNvPr id="14" name="直線矢印コネクタ 13">
+            <a:extLst>
+              <a:ext uri="{FF2B5EF4-FFF2-40B4-BE49-F238E27FC236}">
+                <a16:creationId xmlns:a16="http://schemas.microsoft.com/office/drawing/2014/main" id="{54B66928-DEB7-ED4E-B277-9148F6B29807}"/>
+              </a:ext>
+            </a:extLst>
+          </p:cNvPr>
+          <p:cNvCxnSpPr>
+            <a:cxnSpLocks/>
+          </p:cNvCxnSpPr>
+          <p:nvPr/>
+        </p:nvCxnSpPr>
+        <p:spPr>
+          <a:xfrm flipV="1">
+            <a:off x="2368446" y="3817942"/>
+            <a:ext cx="7703030" cy="41183"/>
+          </a:xfrm>
+          <a:prstGeom prst="straightConnector1">
+            <a:avLst/>
+          </a:prstGeom>
+          <a:ln w="101600">
+            <a:tailEnd type="triangle"/>
+          </a:ln>
+        </p:spPr>
+        <p:style>
+          <a:lnRef idx="1">
+            <a:schemeClr val="accent1"/>
+          </a:lnRef>
+          <a:fillRef idx="0">
+            <a:schemeClr val="accent1"/>
+          </a:fillRef>
+          <a:effectRef idx="0">
+            <a:schemeClr val="accent1"/>
+          </a:effectRef>
+          <a:fontRef idx="minor">
+            <a:schemeClr val="tx1"/>
+          </a:fontRef>
+        </p:style>
+      </p:cxnSp>
+      <p:pic>
+        <p:nvPicPr>
+          <p:cNvPr id="17" name="図 16">
+            <a:extLst>
+              <a:ext uri="{FF2B5EF4-FFF2-40B4-BE49-F238E27FC236}">
+                <a16:creationId xmlns:a16="http://schemas.microsoft.com/office/drawing/2014/main" id="{A6880985-9185-4849-95E4-60C5C3A5F017}"/>
+              </a:ext>
+            </a:extLst>
+          </p:cNvPr>
+          <p:cNvPicPr>
+            <a:picLocks noChangeAspect="1"/>
+          </p:cNvPicPr>
+          <p:nvPr/>
+        </p:nvPicPr>
+        <p:blipFill>
+          <a:blip r:embed="rId2"/>
+          <a:stretch>
+            <a:fillRect/>
+          </a:stretch>
+        </p:blipFill>
+        <p:spPr>
+          <a:xfrm>
+            <a:off x="2055971" y="2493488"/>
+            <a:ext cx="1026987" cy="472414"/>
+          </a:xfrm>
+          <a:prstGeom prst="rect">
+            <a:avLst/>
+          </a:prstGeom>
+        </p:spPr>
+      </p:pic>
+      <p:sp>
+        <p:nvSpPr>
+          <p:cNvPr id="18" name="テキスト ボックス 17">
+            <a:extLst>
+              <a:ext uri="{FF2B5EF4-FFF2-40B4-BE49-F238E27FC236}">
+                <a16:creationId xmlns:a16="http://schemas.microsoft.com/office/drawing/2014/main" id="{90E98AF6-E987-CC44-9CA4-E43E6695ECD1}"/>
+              </a:ext>
+            </a:extLst>
+          </p:cNvPr>
+          <p:cNvSpPr txBox="1"/>
+          <p:nvPr/>
+        </p:nvSpPr>
+        <p:spPr>
+          <a:xfrm>
+            <a:off x="8530738" y="3784099"/>
+            <a:ext cx="1147906" cy="400110"/>
+          </a:xfrm>
+          <a:prstGeom prst="rect">
+            <a:avLst/>
+          </a:prstGeom>
+          <a:noFill/>
+        </p:spPr>
+        <p:txBody>
+          <a:bodyPr wrap="square" rtlCol="0">
+            <a:spAutoFit/>
+          </a:bodyPr>
+          <a:lstStyle/>
+          <a:p>
+            <a:endParaRPr kumimoji="1" lang="ja-JP" altLang="en-US" sz="2000"/>
+          </a:p>
+        </p:txBody>
+      </p:sp>
+      <p:sp>
+        <p:nvSpPr>
+          <p:cNvPr id="22" name="1つの角を切り取り、1つの角を丸めた四角形 21">
+            <a:extLst>
+              <a:ext uri="{FF2B5EF4-FFF2-40B4-BE49-F238E27FC236}">
+                <a16:creationId xmlns:a16="http://schemas.microsoft.com/office/drawing/2014/main" id="{98F1C331-BBDA-794E-AB96-5E1D3DCC4FA1}"/>
+              </a:ext>
+            </a:extLst>
+          </p:cNvPr>
+          <p:cNvSpPr/>
+          <p:nvPr/>
+        </p:nvSpPr>
+        <p:spPr>
+          <a:xfrm rot="16200000">
+            <a:off x="5322746" y="3060939"/>
+            <a:ext cx="914400" cy="1514007"/>
+          </a:xfrm>
+          <a:prstGeom prst="snipRoundRect">
+            <a:avLst/>
+          </a:prstGeom>
+          <a:ln>
+            <a:solidFill>
+              <a:schemeClr val="tx1"/>
+            </a:solidFill>
+          </a:ln>
+        </p:spPr>
+        <p:style>
+          <a:lnRef idx="2">
+            <a:schemeClr val="accent6"/>
+          </a:lnRef>
+          <a:fillRef idx="1">
+            <a:schemeClr val="lt1"/>
+          </a:fillRef>
+          <a:effectRef idx="0">
+            <a:schemeClr val="accent6"/>
+          </a:effectRef>
+          <a:fontRef idx="minor">
+            <a:schemeClr val="dk1"/>
+          </a:fontRef>
+        </p:style>
+        <p:txBody>
+          <a:bodyPr vert="eaVert" rtlCol="0" anchor="ctr"/>
+          <a:lstStyle/>
+          <a:p>
+            <a:pPr lvl="1" algn="ctr"/>
+            <a:endParaRPr kumimoji="1" lang="ja-JP" altLang="en-US"/>
+          </a:p>
+        </p:txBody>
+      </p:sp>
+      <p:pic>
+        <p:nvPicPr>
+          <p:cNvPr id="24" name="図 23">
+            <a:extLst>
+              <a:ext uri="{FF2B5EF4-FFF2-40B4-BE49-F238E27FC236}">
+                <a16:creationId xmlns:a16="http://schemas.microsoft.com/office/drawing/2014/main" id="{A3A25E8F-3704-1247-B354-D7EF77919B60}"/>
+              </a:ext>
+            </a:extLst>
+          </p:cNvPr>
+          <p:cNvPicPr>
+            <a:picLocks noChangeAspect="1"/>
+          </p:cNvPicPr>
+          <p:nvPr/>
+        </p:nvPicPr>
+        <p:blipFill>
+          <a:blip r:embed="rId3"/>
+          <a:stretch>
+            <a:fillRect/>
+          </a:stretch>
+        </p:blipFill>
+        <p:spPr>
+          <a:xfrm>
+            <a:off x="5440107" y="3430592"/>
+            <a:ext cx="685800" cy="774700"/>
+          </a:xfrm>
+          <a:prstGeom prst="rect">
+            <a:avLst/>
+          </a:prstGeom>
+        </p:spPr>
+      </p:pic>
+      <p:sp>
+        <p:nvSpPr>
+          <p:cNvPr id="25" name="テキスト ボックス 24">
+            <a:extLst>
+              <a:ext uri="{FF2B5EF4-FFF2-40B4-BE49-F238E27FC236}">
+                <a16:creationId xmlns:a16="http://schemas.microsoft.com/office/drawing/2014/main" id="{B118501E-F84B-D74A-BA5A-C41164A08866}"/>
+              </a:ext>
+            </a:extLst>
+          </p:cNvPr>
+          <p:cNvSpPr txBox="1"/>
+          <p:nvPr/>
+        </p:nvSpPr>
+        <p:spPr>
+          <a:xfrm>
+            <a:off x="4175154" y="4375782"/>
+            <a:ext cx="3693640" cy="707886"/>
+          </a:xfrm>
+          <a:prstGeom prst="rect">
+            <a:avLst/>
+          </a:prstGeom>
+          <a:noFill/>
+        </p:spPr>
+        <p:txBody>
+          <a:bodyPr wrap="none" rtlCol="0">
+            <a:spAutoFit/>
+          </a:bodyPr>
+          <a:lstStyle/>
+          <a:p>
+            <a:r>
+              <a:rPr lang="en-US" altLang="ja-JP" sz="2000" dirty="0"/>
+              <a:t>B</a:t>
+            </a:r>
+            <a:r>
+              <a:rPr lang="ja-JP" altLang="en-US" sz="2000"/>
+              <a:t>の公開</a:t>
+            </a:r>
+            <a:r>
+              <a:rPr kumimoji="1" lang="ja-JP" altLang="en-US" sz="2000"/>
+              <a:t>鍵で暗号化したデータ</a:t>
+            </a:r>
+            <a:endParaRPr kumimoji="1" lang="en-US" altLang="ja-JP" sz="2000" dirty="0"/>
+          </a:p>
+          <a:p>
+            <a:pPr algn="ctr"/>
+            <a:r>
+              <a:rPr lang="ja-JP" altLang="en-US" sz="2000"/>
+              <a:t>（</a:t>
+            </a:r>
+            <a:r>
+              <a:rPr lang="en-US" altLang="ja-JP" sz="2000" dirty="0"/>
+              <a:t>B</a:t>
+            </a:r>
+            <a:r>
+              <a:rPr lang="ja-JP" altLang="en-US" sz="2000"/>
+              <a:t>のみが復号できる）</a:t>
+            </a:r>
+            <a:endParaRPr kumimoji="1" lang="ja-JP" altLang="en-US" sz="2000"/>
+          </a:p>
+        </p:txBody>
+      </p:sp>
+      <p:sp>
+        <p:nvSpPr>
+          <p:cNvPr id="28" name="テキスト ボックス 27">
+            <a:extLst>
+              <a:ext uri="{FF2B5EF4-FFF2-40B4-BE49-F238E27FC236}">
+                <a16:creationId xmlns:a16="http://schemas.microsoft.com/office/drawing/2014/main" id="{4F84595E-0FF8-BF4F-AFBC-6D5525BBE70A}"/>
+              </a:ext>
+            </a:extLst>
+          </p:cNvPr>
+          <p:cNvSpPr txBox="1"/>
+          <p:nvPr/>
+        </p:nvSpPr>
+        <p:spPr>
+          <a:xfrm>
+            <a:off x="1782526" y="4811530"/>
+            <a:ext cx="1980029" cy="400110"/>
+          </a:xfrm>
+          <a:prstGeom prst="rect">
+            <a:avLst/>
+          </a:prstGeom>
+          <a:noFill/>
+        </p:spPr>
+        <p:txBody>
+          <a:bodyPr wrap="none" rtlCol="0">
+            <a:spAutoFit/>
+          </a:bodyPr>
+          <a:lstStyle/>
+          <a:p>
+            <a:r>
+              <a:rPr lang="ja-JP" altLang="en-US" sz="2000"/>
+              <a:t>公開</a:t>
+            </a:r>
+            <a:r>
+              <a:rPr kumimoji="1" lang="ja-JP" altLang="en-US" sz="2000"/>
+              <a:t>鍵で暗号化</a:t>
+            </a:r>
+          </a:p>
+        </p:txBody>
+      </p:sp>
+      <p:sp>
+        <p:nvSpPr>
+          <p:cNvPr id="32" name="テキスト ボックス 31">
+            <a:extLst>
+              <a:ext uri="{FF2B5EF4-FFF2-40B4-BE49-F238E27FC236}">
+                <a16:creationId xmlns:a16="http://schemas.microsoft.com/office/drawing/2014/main" id="{5A53ECA5-DE4B-1E43-986D-D15481DB8B5E}"/>
+              </a:ext>
+            </a:extLst>
+          </p:cNvPr>
+          <p:cNvSpPr txBox="1"/>
+          <p:nvPr/>
+        </p:nvSpPr>
+        <p:spPr>
+          <a:xfrm>
+            <a:off x="8201829" y="4835490"/>
+            <a:ext cx="1723549" cy="400110"/>
+          </a:xfrm>
+          <a:prstGeom prst="rect">
+            <a:avLst/>
+          </a:prstGeom>
+          <a:noFill/>
+        </p:spPr>
+        <p:txBody>
+          <a:bodyPr wrap="none" rtlCol="0">
+            <a:spAutoFit/>
+          </a:bodyPr>
+          <a:lstStyle/>
+          <a:p>
+            <a:r>
+              <a:rPr lang="ja-JP" altLang="en-US" sz="2000"/>
+              <a:t>秘密</a:t>
+            </a:r>
+            <a:r>
+              <a:rPr kumimoji="1" lang="ja-JP" altLang="en-US" sz="2000"/>
+              <a:t>鍵で復号</a:t>
+            </a:r>
+          </a:p>
+        </p:txBody>
+      </p:sp>
+      <p:sp>
+        <p:nvSpPr>
+          <p:cNvPr id="42" name="左大かっこ 41">
+            <a:extLst>
+              <a:ext uri="{FF2B5EF4-FFF2-40B4-BE49-F238E27FC236}">
+                <a16:creationId xmlns:a16="http://schemas.microsoft.com/office/drawing/2014/main" id="{E5A0571F-0B75-2C4D-83E2-6E23448F43F4}"/>
+              </a:ext>
+            </a:extLst>
+          </p:cNvPr>
+          <p:cNvSpPr/>
+          <p:nvPr/>
+        </p:nvSpPr>
+        <p:spPr>
+          <a:xfrm rot="5400000">
+            <a:off x="5215238" y="-1514406"/>
+            <a:ext cx="1287488" cy="6644825"/>
+          </a:xfrm>
+          <a:prstGeom prst="leftBracket">
+            <a:avLst/>
+          </a:prstGeom>
+          <a:ln w="85725">
+            <a:prstDash val="sysDot"/>
+            <a:headEnd type="triangle"/>
+            <a:tailEnd type="triangle"/>
+          </a:ln>
+        </p:spPr>
+        <p:style>
+          <a:lnRef idx="1">
+            <a:schemeClr val="accent1"/>
+          </a:lnRef>
+          <a:fillRef idx="0">
+            <a:schemeClr val="accent1"/>
+          </a:fillRef>
+          <a:effectRef idx="0">
+            <a:schemeClr val="accent1"/>
+          </a:effectRef>
+          <a:fontRef idx="minor">
+            <a:schemeClr val="tx1"/>
+          </a:fontRef>
+        </p:style>
+        <p:txBody>
+          <a:bodyPr rtlCol="0" anchor="ctr"/>
+          <a:lstStyle/>
+          <a:p>
+            <a:pPr algn="ctr"/>
+            <a:endParaRPr kumimoji="1" lang="ja-JP" altLang="en-US"/>
+          </a:p>
+        </p:txBody>
+      </p:sp>
+      <p:sp>
+        <p:nvSpPr>
+          <p:cNvPr id="43" name="テキスト ボックス 42">
+            <a:extLst>
+              <a:ext uri="{FF2B5EF4-FFF2-40B4-BE49-F238E27FC236}">
+                <a16:creationId xmlns:a16="http://schemas.microsoft.com/office/drawing/2014/main" id="{E32659E7-97AA-5843-9812-993DD12E0B5F}"/>
+              </a:ext>
+            </a:extLst>
+          </p:cNvPr>
+          <p:cNvSpPr txBox="1"/>
+          <p:nvPr/>
+        </p:nvSpPr>
+        <p:spPr>
+          <a:xfrm>
+            <a:off x="3941314" y="580170"/>
+            <a:ext cx="3811034" cy="400110"/>
+          </a:xfrm>
+          <a:prstGeom prst="rect">
+            <a:avLst/>
+          </a:prstGeom>
+          <a:noFill/>
+        </p:spPr>
+        <p:txBody>
+          <a:bodyPr wrap="square" rtlCol="0">
+            <a:spAutoFit/>
+          </a:bodyPr>
+          <a:lstStyle/>
+          <a:p>
+            <a:pPr algn="ctr"/>
+            <a:r>
+              <a:rPr lang="en-US" altLang="ja-JP" sz="2000" dirty="0"/>
+              <a:t>B</a:t>
+            </a:r>
+            <a:r>
+              <a:rPr lang="ja-JP" altLang="en-US" sz="2000"/>
+              <a:t>の公開</a:t>
+            </a:r>
+            <a:r>
+              <a:rPr kumimoji="1" lang="ja-JP" altLang="en-US" sz="2000"/>
+              <a:t>鍵は事前に</a:t>
+            </a:r>
+            <a:r>
+              <a:rPr kumimoji="1" lang="en-US" altLang="ja-JP" sz="2000" dirty="0"/>
+              <a:t>A</a:t>
+            </a:r>
+            <a:r>
+              <a:rPr kumimoji="1" lang="ja-JP" altLang="en-US" sz="2000"/>
+              <a:t>に公開</a:t>
+            </a:r>
+          </a:p>
+        </p:txBody>
+      </p:sp>
+      <p:sp>
+        <p:nvSpPr>
+          <p:cNvPr id="44" name="1つの角を切り取り、1つの角を丸めた四角形 43">
+            <a:extLst>
+              <a:ext uri="{FF2B5EF4-FFF2-40B4-BE49-F238E27FC236}">
+                <a16:creationId xmlns:a16="http://schemas.microsoft.com/office/drawing/2014/main" id="{CE1D338A-9D49-BC40-B449-5514DC27805B}"/>
+              </a:ext>
+            </a:extLst>
+          </p:cNvPr>
+          <p:cNvSpPr/>
+          <p:nvPr/>
+        </p:nvSpPr>
+        <p:spPr>
+          <a:xfrm>
+            <a:off x="10489260" y="2945098"/>
+            <a:ext cx="1133220" cy="1421705"/>
+          </a:xfrm>
+          <a:prstGeom prst="snipRoundRect">
+            <a:avLst/>
+          </a:prstGeom>
+        </p:spPr>
+        <p:style>
+          <a:lnRef idx="2">
+            <a:schemeClr val="accent6"/>
+          </a:lnRef>
+          <a:fillRef idx="1">
+            <a:schemeClr val="lt1"/>
+          </a:fillRef>
+          <a:effectRef idx="0">
+            <a:schemeClr val="accent6"/>
+          </a:effectRef>
+          <a:fontRef idx="minor">
+            <a:schemeClr val="dk1"/>
+          </a:fontRef>
+        </p:style>
+        <p:txBody>
+          <a:bodyPr rtlCol="0" anchor="ctr"/>
+          <a:lstStyle/>
+          <a:p>
+            <a:pPr algn="ctr"/>
+            <a:r>
+              <a:rPr kumimoji="1" lang="ja-JP" altLang="en-US"/>
+              <a:t>平文</a:t>
+            </a:r>
+          </a:p>
+        </p:txBody>
+      </p:sp>
+      <p:sp>
+        <p:nvSpPr>
+          <p:cNvPr id="46" name="テキスト ボックス 45">
+            <a:extLst>
+              <a:ext uri="{FF2B5EF4-FFF2-40B4-BE49-F238E27FC236}">
+                <a16:creationId xmlns:a16="http://schemas.microsoft.com/office/drawing/2014/main" id="{F4B7C75B-204A-8649-9464-86FF59A9FDD8}"/>
+              </a:ext>
+            </a:extLst>
+          </p:cNvPr>
+          <p:cNvSpPr txBox="1"/>
+          <p:nvPr/>
+        </p:nvSpPr>
+        <p:spPr>
+          <a:xfrm>
+            <a:off x="645188" y="1225816"/>
+            <a:ext cx="417102" cy="523220"/>
+          </a:xfrm>
+          <a:prstGeom prst="rect">
+            <a:avLst/>
+          </a:prstGeom>
+          <a:noFill/>
+        </p:spPr>
+        <p:txBody>
+          <a:bodyPr wrap="none" rtlCol="0">
+            <a:spAutoFit/>
+          </a:bodyPr>
+          <a:lstStyle/>
+          <a:p>
+            <a:r>
+              <a:rPr kumimoji="1" lang="en-US" altLang="ja-JP" sz="2800" dirty="0"/>
+              <a:t>A</a:t>
+            </a:r>
+            <a:endParaRPr kumimoji="1" lang="ja-JP" altLang="en-US" sz="2800"/>
+          </a:p>
+        </p:txBody>
+      </p:sp>
+      <p:sp>
+        <p:nvSpPr>
+          <p:cNvPr id="47" name="テキスト ボックス 46">
+            <a:extLst>
+              <a:ext uri="{FF2B5EF4-FFF2-40B4-BE49-F238E27FC236}">
+                <a16:creationId xmlns:a16="http://schemas.microsoft.com/office/drawing/2014/main" id="{1EA00CC7-3341-A743-A91D-1D3ADBA0066B}"/>
+              </a:ext>
+            </a:extLst>
+          </p:cNvPr>
+          <p:cNvSpPr txBox="1"/>
+          <p:nvPr/>
+        </p:nvSpPr>
+        <p:spPr>
+          <a:xfrm>
+            <a:off x="10388184" y="1164261"/>
+            <a:ext cx="1093306" cy="584775"/>
+          </a:xfrm>
+          <a:prstGeom prst="rect">
+            <a:avLst/>
+          </a:prstGeom>
+          <a:noFill/>
+        </p:spPr>
+        <p:txBody>
+          <a:bodyPr wrap="square" rtlCol="0">
+            <a:spAutoFit/>
+          </a:bodyPr>
+          <a:lstStyle/>
+          <a:p>
+            <a:r>
+              <a:rPr kumimoji="1" lang="en-US" altLang="ja-JP" sz="3200" dirty="0"/>
+              <a:t>B</a:t>
+            </a:r>
+            <a:endParaRPr kumimoji="1" lang="ja-JP" altLang="en-US" sz="3200"/>
+          </a:p>
+        </p:txBody>
+      </p:sp>
+      <p:sp>
+        <p:nvSpPr>
+          <p:cNvPr id="23" name="テキスト ボックス 22">
+            <a:extLst>
+              <a:ext uri="{FF2B5EF4-FFF2-40B4-BE49-F238E27FC236}">
+                <a16:creationId xmlns:a16="http://schemas.microsoft.com/office/drawing/2014/main" id="{DD0EC2B3-EC67-AF46-8641-52457F3A5DEE}"/>
+              </a:ext>
+            </a:extLst>
+          </p:cNvPr>
+          <p:cNvSpPr txBox="1"/>
+          <p:nvPr/>
+        </p:nvSpPr>
+        <p:spPr>
+          <a:xfrm>
+            <a:off x="8351599" y="2987687"/>
+            <a:ext cx="1472615" cy="400110"/>
+          </a:xfrm>
+          <a:prstGeom prst="rect">
+            <a:avLst/>
+          </a:prstGeom>
+          <a:noFill/>
+        </p:spPr>
+        <p:txBody>
+          <a:bodyPr wrap="square" rtlCol="0">
+            <a:spAutoFit/>
+          </a:bodyPr>
+          <a:lstStyle/>
+          <a:p>
+            <a:r>
+              <a:rPr kumimoji="1" lang="en-US" altLang="ja-JP" sz="2000" dirty="0"/>
+              <a:t>B</a:t>
+            </a:r>
+            <a:r>
+              <a:rPr kumimoji="1" lang="ja-JP" altLang="en-US" sz="2000"/>
+              <a:t>の公開鍵</a:t>
+            </a:r>
+          </a:p>
+        </p:txBody>
+      </p:sp>
+      <p:pic>
+        <p:nvPicPr>
+          <p:cNvPr id="7" name="図 6">
+            <a:extLst>
+              <a:ext uri="{FF2B5EF4-FFF2-40B4-BE49-F238E27FC236}">
+                <a16:creationId xmlns:a16="http://schemas.microsoft.com/office/drawing/2014/main" id="{5701D913-AE94-0047-B5F7-62D4CAA50A30}"/>
+              </a:ext>
+            </a:extLst>
+          </p:cNvPr>
+          <p:cNvPicPr>
+            <a:picLocks noChangeAspect="1"/>
+          </p:cNvPicPr>
+          <p:nvPr/>
+        </p:nvPicPr>
+        <p:blipFill>
+          <a:blip r:embed="rId4"/>
+          <a:stretch>
+            <a:fillRect/>
+          </a:stretch>
+        </p:blipFill>
+        <p:spPr>
+          <a:xfrm>
+            <a:off x="8530738" y="4066310"/>
+            <a:ext cx="794156" cy="794156"/>
+          </a:xfrm>
+          <a:prstGeom prst="rect">
+            <a:avLst/>
+          </a:prstGeom>
+        </p:spPr>
+      </p:pic>
+    </p:spTree>
+    <p:extLst>
+      <p:ext uri="{BB962C8B-B14F-4D97-AF65-F5344CB8AC3E}">
+        <p14:creationId xmlns:p14="http://schemas.microsoft.com/office/powerpoint/2010/main" val="525061453"/>
       </p:ext>
     </p:extLst>
   </p:cSld>

--- a/SUBTHEME/graphs/network_archtecture.pptx
+++ b/SUBTHEME/graphs/network_archtecture.pptx
@@ -5,7 +5,7 @@
     <p:sldMasterId id="2147483648" r:id="rId1"/>
   </p:sldMasterIdLst>
   <p:notesMasterIdLst>
-    <p:notesMasterId r:id="rId12"/>
+    <p:notesMasterId r:id="rId18"/>
   </p:notesMasterIdLst>
   <p:sldIdLst>
     <p:sldId id="262" r:id="rId2"/>
@@ -18,6 +18,12 @@
     <p:sldId id="268" r:id="rId9"/>
     <p:sldId id="270" r:id="rId10"/>
     <p:sldId id="266" r:id="rId11"/>
+    <p:sldId id="271" r:id="rId12"/>
+    <p:sldId id="272" r:id="rId13"/>
+    <p:sldId id="274" r:id="rId14"/>
+    <p:sldId id="273" r:id="rId15"/>
+    <p:sldId id="276" r:id="rId16"/>
+    <p:sldId id="275" r:id="rId17"/>
   </p:sldIdLst>
   <p:sldSz cx="12192000" cy="6858000"/>
   <p:notesSz cx="6858000" cy="9144000"/>
@@ -206,7 +212,7 @@
           <a:p>
             <a:fld id="{2B23E72C-1B90-914A-A417-2D7D12309D01}" type="datetimeFigureOut">
               <a:rPr kumimoji="1" lang="ja-JP" altLang="en-US" smtClean="0"/>
-              <a:t>2020/8/19</a:t>
+              <a:t>2020/8/24</a:t>
             </a:fld>
             <a:endParaRPr kumimoji="1" lang="ja-JP" altLang="en-US"/>
           </a:p>
@@ -648,6 +654,174 @@
 </p:notes>
 </file>
 
+<file path=ppt/notesSlides/notesSlide3.xml><?xml version="1.0" encoding="utf-8"?>
+<p:notes xmlns:a="http://schemas.openxmlformats.org/drawingml/2006/main" xmlns:r="http://schemas.openxmlformats.org/officeDocument/2006/relationships" xmlns:p="http://schemas.openxmlformats.org/presentationml/2006/main">
+  <p:cSld>
+    <p:spTree>
+      <p:nvGrpSpPr>
+        <p:cNvPr id="1" name=""/>
+        <p:cNvGrpSpPr/>
+        <p:nvPr/>
+      </p:nvGrpSpPr>
+      <p:grpSpPr>
+        <a:xfrm>
+          <a:off x="0" y="0"/>
+          <a:ext cx="0" cy="0"/>
+          <a:chOff x="0" y="0"/>
+          <a:chExt cx="0" cy="0"/>
+        </a:xfrm>
+      </p:grpSpPr>
+      <p:sp>
+        <p:nvSpPr>
+          <p:cNvPr id="2" name="スライド イメージ プレースホルダー 1"/>
+          <p:cNvSpPr>
+            <a:spLocks noGrp="1" noRot="1" noChangeAspect="1"/>
+          </p:cNvSpPr>
+          <p:nvPr>
+            <p:ph type="sldImg"/>
+          </p:nvPr>
+        </p:nvSpPr>
+        <p:spPr/>
+      </p:sp>
+      <p:sp>
+        <p:nvSpPr>
+          <p:cNvPr id="3" name="ノート プレースホルダー 2"/>
+          <p:cNvSpPr>
+            <a:spLocks noGrp="1"/>
+          </p:cNvSpPr>
+          <p:nvPr>
+            <p:ph type="body" idx="1"/>
+          </p:nvPr>
+        </p:nvSpPr>
+        <p:spPr/>
+        <p:txBody>
+          <a:bodyPr/>
+          <a:lstStyle/>
+          <a:p>
+            <a:endParaRPr kumimoji="1" lang="ja-JP" altLang="en-US"/>
+          </a:p>
+        </p:txBody>
+      </p:sp>
+      <p:sp>
+        <p:nvSpPr>
+          <p:cNvPr id="4" name="スライド番号プレースホルダー 3"/>
+          <p:cNvSpPr>
+            <a:spLocks noGrp="1"/>
+          </p:cNvSpPr>
+          <p:nvPr>
+            <p:ph type="sldNum" sz="quarter" idx="5"/>
+          </p:nvPr>
+        </p:nvSpPr>
+        <p:spPr/>
+        <p:txBody>
+          <a:bodyPr/>
+          <a:lstStyle/>
+          <a:p>
+            <a:fld id="{6DA38E19-B81A-F542-8311-AF3BA722301E}" type="slidenum">
+              <a:rPr kumimoji="1" lang="ja-JP" altLang="en-US" smtClean="0"/>
+              <a:t>13</a:t>
+            </a:fld>
+            <a:endParaRPr kumimoji="1" lang="ja-JP" altLang="en-US"/>
+          </a:p>
+        </p:txBody>
+      </p:sp>
+    </p:spTree>
+    <p:extLst>
+      <p:ext uri="{BB962C8B-B14F-4D97-AF65-F5344CB8AC3E}">
+        <p14:creationId xmlns:p14="http://schemas.microsoft.com/office/powerpoint/2010/main" val="1070826960"/>
+      </p:ext>
+    </p:extLst>
+  </p:cSld>
+  <p:clrMapOvr>
+    <a:masterClrMapping/>
+  </p:clrMapOvr>
+</p:notes>
+</file>
+
+<file path=ppt/notesSlides/notesSlide4.xml><?xml version="1.0" encoding="utf-8"?>
+<p:notes xmlns:a="http://schemas.openxmlformats.org/drawingml/2006/main" xmlns:r="http://schemas.openxmlformats.org/officeDocument/2006/relationships" xmlns:p="http://schemas.openxmlformats.org/presentationml/2006/main">
+  <p:cSld>
+    <p:spTree>
+      <p:nvGrpSpPr>
+        <p:cNvPr id="1" name=""/>
+        <p:cNvGrpSpPr/>
+        <p:nvPr/>
+      </p:nvGrpSpPr>
+      <p:grpSpPr>
+        <a:xfrm>
+          <a:off x="0" y="0"/>
+          <a:ext cx="0" cy="0"/>
+          <a:chOff x="0" y="0"/>
+          <a:chExt cx="0" cy="0"/>
+        </a:xfrm>
+      </p:grpSpPr>
+      <p:sp>
+        <p:nvSpPr>
+          <p:cNvPr id="2" name="スライド イメージ プレースホルダー 1"/>
+          <p:cNvSpPr>
+            <a:spLocks noGrp="1" noRot="1" noChangeAspect="1"/>
+          </p:cNvSpPr>
+          <p:nvPr>
+            <p:ph type="sldImg"/>
+          </p:nvPr>
+        </p:nvSpPr>
+        <p:spPr/>
+      </p:sp>
+      <p:sp>
+        <p:nvSpPr>
+          <p:cNvPr id="3" name="ノート プレースホルダー 2"/>
+          <p:cNvSpPr>
+            <a:spLocks noGrp="1"/>
+          </p:cNvSpPr>
+          <p:nvPr>
+            <p:ph type="body" idx="1"/>
+          </p:nvPr>
+        </p:nvSpPr>
+        <p:spPr/>
+        <p:txBody>
+          <a:bodyPr/>
+          <a:lstStyle/>
+          <a:p>
+            <a:endParaRPr kumimoji="1" lang="ja-JP" altLang="en-US"/>
+          </a:p>
+        </p:txBody>
+      </p:sp>
+      <p:sp>
+        <p:nvSpPr>
+          <p:cNvPr id="4" name="スライド番号プレースホルダー 3"/>
+          <p:cNvSpPr>
+            <a:spLocks noGrp="1"/>
+          </p:cNvSpPr>
+          <p:nvPr>
+            <p:ph type="sldNum" sz="quarter" idx="5"/>
+          </p:nvPr>
+        </p:nvSpPr>
+        <p:spPr/>
+        <p:txBody>
+          <a:bodyPr/>
+          <a:lstStyle/>
+          <a:p>
+            <a:fld id="{6DA38E19-B81A-F542-8311-AF3BA722301E}" type="slidenum">
+              <a:rPr kumimoji="1" lang="ja-JP" altLang="en-US" smtClean="0"/>
+              <a:t>16</a:t>
+            </a:fld>
+            <a:endParaRPr kumimoji="1" lang="ja-JP" altLang="en-US"/>
+          </a:p>
+        </p:txBody>
+      </p:sp>
+    </p:spTree>
+    <p:extLst>
+      <p:ext uri="{BB962C8B-B14F-4D97-AF65-F5344CB8AC3E}">
+        <p14:creationId xmlns:p14="http://schemas.microsoft.com/office/powerpoint/2010/main" val="3696620226"/>
+      </p:ext>
+    </p:extLst>
+  </p:cSld>
+  <p:clrMapOvr>
+    <a:masterClrMapping/>
+  </p:clrMapOvr>
+</p:notes>
+</file>
+
 <file path=ppt/slideLayouts/slideLayout1.xml><?xml version="1.0" encoding="utf-8"?>
 <p:sldLayout xmlns:a="http://schemas.openxmlformats.org/drawingml/2006/main" xmlns:r="http://schemas.openxmlformats.org/officeDocument/2006/relationships" xmlns:p="http://schemas.openxmlformats.org/presentationml/2006/main" type="title" preserve="1">
   <p:cSld name="タイトル スライド">
@@ -795,7 +969,7 @@
           <a:p>
             <a:fld id="{FD845DEE-42C8-C840-B1B2-551C7203F112}" type="datetimeFigureOut">
               <a:rPr kumimoji="1" lang="ja-JP" altLang="en-US" smtClean="0"/>
-              <a:t>2020/8/19</a:t>
+              <a:t>2020/8/24</a:t>
             </a:fld>
             <a:endParaRPr kumimoji="1" lang="ja-JP" altLang="en-US"/>
           </a:p>
@@ -1000,7 +1174,7 @@
           <a:p>
             <a:fld id="{FD845DEE-42C8-C840-B1B2-551C7203F112}" type="datetimeFigureOut">
               <a:rPr kumimoji="1" lang="ja-JP" altLang="en-US" smtClean="0"/>
-              <a:t>2020/8/19</a:t>
+              <a:t>2020/8/24</a:t>
             </a:fld>
             <a:endParaRPr kumimoji="1" lang="ja-JP" altLang="en-US"/>
           </a:p>
@@ -1215,7 +1389,7 @@
           <a:p>
             <a:fld id="{FD845DEE-42C8-C840-B1B2-551C7203F112}" type="datetimeFigureOut">
               <a:rPr kumimoji="1" lang="ja-JP" altLang="en-US" smtClean="0"/>
-              <a:t>2020/8/19</a:t>
+              <a:t>2020/8/24</a:t>
             </a:fld>
             <a:endParaRPr kumimoji="1" lang="ja-JP" altLang="en-US"/>
           </a:p>
@@ -1420,7 +1594,7 @@
           <a:p>
             <a:fld id="{FD845DEE-42C8-C840-B1B2-551C7203F112}" type="datetimeFigureOut">
               <a:rPr kumimoji="1" lang="ja-JP" altLang="en-US" smtClean="0"/>
-              <a:t>2020/8/19</a:t>
+              <a:t>2020/8/24</a:t>
             </a:fld>
             <a:endParaRPr kumimoji="1" lang="ja-JP" altLang="en-US"/>
           </a:p>
@@ -1730,7 +1904,7 @@
           <a:p>
             <a:fld id="{FD845DEE-42C8-C840-B1B2-551C7203F112}" type="datetimeFigureOut">
               <a:rPr kumimoji="1" lang="ja-JP" altLang="en-US" smtClean="0"/>
-              <a:t>2020/8/19</a:t>
+              <a:t>2020/8/24</a:t>
             </a:fld>
             <a:endParaRPr kumimoji="1" lang="ja-JP" altLang="en-US"/>
           </a:p>
@@ -2009,7 +2183,7 @@
           <a:p>
             <a:fld id="{FD845DEE-42C8-C840-B1B2-551C7203F112}" type="datetimeFigureOut">
               <a:rPr kumimoji="1" lang="ja-JP" altLang="en-US" smtClean="0"/>
-              <a:t>2020/8/19</a:t>
+              <a:t>2020/8/24</a:t>
             </a:fld>
             <a:endParaRPr kumimoji="1" lang="ja-JP" altLang="en-US"/>
           </a:p>
@@ -2505,7 +2679,7 @@
           <a:p>
             <a:fld id="{FD845DEE-42C8-C840-B1B2-551C7203F112}" type="datetimeFigureOut">
               <a:rPr kumimoji="1" lang="ja-JP" altLang="en-US" smtClean="0"/>
-              <a:t>2020/8/19</a:t>
+              <a:t>2020/8/24</a:t>
             </a:fld>
             <a:endParaRPr kumimoji="1" lang="ja-JP" altLang="en-US"/>
           </a:p>
@@ -2646,7 +2820,7 @@
           <a:p>
             <a:fld id="{FD845DEE-42C8-C840-B1B2-551C7203F112}" type="datetimeFigureOut">
               <a:rPr kumimoji="1" lang="ja-JP" altLang="en-US" smtClean="0"/>
-              <a:t>2020/8/19</a:t>
+              <a:t>2020/8/24</a:t>
             </a:fld>
             <a:endParaRPr kumimoji="1" lang="ja-JP" altLang="en-US"/>
           </a:p>
@@ -2759,7 +2933,7 @@
           <a:p>
             <a:fld id="{FD845DEE-42C8-C840-B1B2-551C7203F112}" type="datetimeFigureOut">
               <a:rPr kumimoji="1" lang="ja-JP" altLang="en-US" smtClean="0"/>
-              <a:t>2020/8/19</a:t>
+              <a:t>2020/8/24</a:t>
             </a:fld>
             <a:endParaRPr kumimoji="1" lang="ja-JP" altLang="en-US"/>
           </a:p>
@@ -3112,7 +3286,7 @@
           <a:p>
             <a:fld id="{FD845DEE-42C8-C840-B1B2-551C7203F112}" type="datetimeFigureOut">
               <a:rPr kumimoji="1" lang="ja-JP" altLang="en-US" smtClean="0"/>
-              <a:t>2020/8/19</a:t>
+              <a:t>2020/8/24</a:t>
             </a:fld>
             <a:endParaRPr kumimoji="1" lang="ja-JP" altLang="en-US"/>
           </a:p>
@@ -3435,7 +3609,7 @@
           <a:p>
             <a:fld id="{FD845DEE-42C8-C840-B1B2-551C7203F112}" type="datetimeFigureOut">
               <a:rPr kumimoji="1" lang="ja-JP" altLang="en-US" smtClean="0"/>
-              <a:t>2020/8/19</a:t>
+              <a:t>2020/8/24</a:t>
             </a:fld>
             <a:endParaRPr kumimoji="1" lang="ja-JP" altLang="en-US"/>
           </a:p>
@@ -3683,7 +3857,7 @@
           <a:p>
             <a:fld id="{FD845DEE-42C8-C840-B1B2-551C7203F112}" type="datetimeFigureOut">
               <a:rPr kumimoji="1" lang="ja-JP" altLang="en-US" smtClean="0"/>
-              <a:t>2020/8/19</a:t>
+              <a:t>2020/8/24</a:t>
             </a:fld>
             <a:endParaRPr kumimoji="1" lang="ja-JP" altLang="en-US"/>
           </a:p>
@@ -5122,6 +5296,6592 @@
 </p:sld>
 </file>
 
+<file path=ppt/slides/slide11.xml><?xml version="1.0" encoding="utf-8"?>
+<p:sld xmlns:a="http://schemas.openxmlformats.org/drawingml/2006/main" xmlns:r="http://schemas.openxmlformats.org/officeDocument/2006/relationships" xmlns:p="http://schemas.openxmlformats.org/presentationml/2006/main">
+  <p:cSld>
+    <p:spTree>
+      <p:nvGrpSpPr>
+        <p:cNvPr id="1" name=""/>
+        <p:cNvGrpSpPr/>
+        <p:nvPr/>
+      </p:nvGrpSpPr>
+      <p:grpSpPr>
+        <a:xfrm>
+          <a:off x="0" y="0"/>
+          <a:ext cx="0" cy="0"/>
+          <a:chOff x="0" y="0"/>
+          <a:chExt cx="0" cy="0"/>
+        </a:xfrm>
+      </p:grpSpPr>
+      <p:sp>
+        <p:nvSpPr>
+          <p:cNvPr id="29" name="正方形/長方形 28">
+            <a:extLst>
+              <a:ext uri="{FF2B5EF4-FFF2-40B4-BE49-F238E27FC236}">
+                <a16:creationId xmlns:a16="http://schemas.microsoft.com/office/drawing/2014/main" id="{6C4F1ADD-B933-3C42-974A-28BF77F7A1E2}"/>
+              </a:ext>
+            </a:extLst>
+          </p:cNvPr>
+          <p:cNvSpPr/>
+          <p:nvPr/>
+        </p:nvSpPr>
+        <p:spPr>
+          <a:xfrm>
+            <a:off x="8128000" y="1158297"/>
+            <a:ext cx="3454400" cy="3882524"/>
+          </a:xfrm>
+          <a:prstGeom prst="rect">
+            <a:avLst/>
+          </a:prstGeom>
+          <a:ln w="63500">
+            <a:solidFill>
+              <a:schemeClr val="accent1">
+                <a:lumMod val="40000"/>
+                <a:lumOff val="60000"/>
+              </a:schemeClr>
+            </a:solidFill>
+            <a:prstDash val="sysDash"/>
+          </a:ln>
+        </p:spPr>
+        <p:style>
+          <a:lnRef idx="2">
+            <a:schemeClr val="accent6"/>
+          </a:lnRef>
+          <a:fillRef idx="1">
+            <a:schemeClr val="lt1"/>
+          </a:fillRef>
+          <a:effectRef idx="0">
+            <a:schemeClr val="accent6"/>
+          </a:effectRef>
+          <a:fontRef idx="minor">
+            <a:schemeClr val="dk1"/>
+          </a:fontRef>
+        </p:style>
+        <p:txBody>
+          <a:bodyPr rtlCol="0" anchor="ctr"/>
+          <a:lstStyle/>
+          <a:p>
+            <a:pPr algn="ctr"/>
+            <a:endParaRPr kumimoji="1" lang="ja-JP" altLang="en-US"/>
+          </a:p>
+        </p:txBody>
+      </p:sp>
+      <p:pic>
+        <p:nvPicPr>
+          <p:cNvPr id="2" name="図 1">
+            <a:extLst>
+              <a:ext uri="{FF2B5EF4-FFF2-40B4-BE49-F238E27FC236}">
+                <a16:creationId xmlns:a16="http://schemas.microsoft.com/office/drawing/2014/main" id="{E828C71F-1592-CD42-9DE1-346DD7D060B4}"/>
+              </a:ext>
+            </a:extLst>
+          </p:cNvPr>
+          <p:cNvPicPr>
+            <a:picLocks noChangeAspect="1"/>
+          </p:cNvPicPr>
+          <p:nvPr/>
+        </p:nvPicPr>
+        <p:blipFill>
+          <a:blip r:embed="rId2"/>
+          <a:stretch>
+            <a:fillRect/>
+          </a:stretch>
+        </p:blipFill>
+        <p:spPr>
+          <a:xfrm>
+            <a:off x="9226787" y="1919046"/>
+            <a:ext cx="1142583" cy="1506132"/>
+          </a:xfrm>
+          <a:prstGeom prst="rect">
+            <a:avLst/>
+          </a:prstGeom>
+        </p:spPr>
+      </p:pic>
+      <p:pic>
+        <p:nvPicPr>
+          <p:cNvPr id="3" name="図 2">
+            <a:extLst>
+              <a:ext uri="{FF2B5EF4-FFF2-40B4-BE49-F238E27FC236}">
+                <a16:creationId xmlns:a16="http://schemas.microsoft.com/office/drawing/2014/main" id="{7EE829BC-0BF5-6647-9DAA-7E476505B91E}"/>
+              </a:ext>
+            </a:extLst>
+          </p:cNvPr>
+          <p:cNvPicPr>
+            <a:picLocks noChangeAspect="1"/>
+          </p:cNvPicPr>
+          <p:nvPr/>
+        </p:nvPicPr>
+        <p:blipFill>
+          <a:blip r:embed="rId3"/>
+          <a:stretch>
+            <a:fillRect/>
+          </a:stretch>
+        </p:blipFill>
+        <p:spPr>
+          <a:xfrm>
+            <a:off x="2260651" y="653108"/>
+            <a:ext cx="1420845" cy="1010379"/>
+          </a:xfrm>
+          <a:prstGeom prst="rect">
+            <a:avLst/>
+          </a:prstGeom>
+        </p:spPr>
+      </p:pic>
+      <p:pic>
+        <p:nvPicPr>
+          <p:cNvPr id="4" name="図 3">
+            <a:extLst>
+              <a:ext uri="{FF2B5EF4-FFF2-40B4-BE49-F238E27FC236}">
+                <a16:creationId xmlns:a16="http://schemas.microsoft.com/office/drawing/2014/main" id="{999CC24E-862F-F44E-A392-AABA1DB1CC1D}"/>
+              </a:ext>
+            </a:extLst>
+          </p:cNvPr>
+          <p:cNvPicPr>
+            <a:picLocks noChangeAspect="1"/>
+          </p:cNvPicPr>
+          <p:nvPr/>
+        </p:nvPicPr>
+        <p:blipFill>
+          <a:blip r:embed="rId4"/>
+          <a:stretch>
+            <a:fillRect/>
+          </a:stretch>
+        </p:blipFill>
+        <p:spPr>
+          <a:xfrm>
+            <a:off x="2350742" y="2558746"/>
+            <a:ext cx="1394095" cy="1252921"/>
+          </a:xfrm>
+          <a:prstGeom prst="rect">
+            <a:avLst/>
+          </a:prstGeom>
+        </p:spPr>
+      </p:pic>
+      <p:pic>
+        <p:nvPicPr>
+          <p:cNvPr id="5" name="図 4">
+            <a:extLst>
+              <a:ext uri="{FF2B5EF4-FFF2-40B4-BE49-F238E27FC236}">
+                <a16:creationId xmlns:a16="http://schemas.microsoft.com/office/drawing/2014/main" id="{5E43043B-A08B-4C42-B54A-B92BEE1BB6A1}"/>
+              </a:ext>
+            </a:extLst>
+          </p:cNvPr>
+          <p:cNvPicPr>
+            <a:picLocks noChangeAspect="1"/>
+          </p:cNvPicPr>
+          <p:nvPr/>
+        </p:nvPicPr>
+        <p:blipFill>
+          <a:blip r:embed="rId2"/>
+          <a:stretch>
+            <a:fillRect/>
+          </a:stretch>
+        </p:blipFill>
+        <p:spPr>
+          <a:xfrm>
+            <a:off x="2488585" y="4404814"/>
+            <a:ext cx="964976" cy="1272014"/>
+          </a:xfrm>
+          <a:prstGeom prst="rect">
+            <a:avLst/>
+          </a:prstGeom>
+        </p:spPr>
+      </p:pic>
+      <p:cxnSp>
+        <p:nvCxnSpPr>
+          <p:cNvPr id="7" name="直線コネクタ 6">
+            <a:extLst>
+              <a:ext uri="{FF2B5EF4-FFF2-40B4-BE49-F238E27FC236}">
+                <a16:creationId xmlns:a16="http://schemas.microsoft.com/office/drawing/2014/main" id="{3E9EEF7C-4D57-AA45-8B1A-B50A79FA125E}"/>
+              </a:ext>
+            </a:extLst>
+          </p:cNvPr>
+          <p:cNvCxnSpPr>
+            <a:cxnSpLocks/>
+          </p:cNvCxnSpPr>
+          <p:nvPr/>
+        </p:nvCxnSpPr>
+        <p:spPr>
+          <a:xfrm flipH="1">
+            <a:off x="6043100" y="2672112"/>
+            <a:ext cx="3157344" cy="0"/>
+          </a:xfrm>
+          <a:prstGeom prst="line">
+            <a:avLst/>
+          </a:prstGeom>
+          <a:ln w="53975">
+            <a:headEnd type="oval"/>
+            <a:tailEnd type="oval"/>
+          </a:ln>
+        </p:spPr>
+        <p:style>
+          <a:lnRef idx="1">
+            <a:schemeClr val="accent1"/>
+          </a:lnRef>
+          <a:fillRef idx="0">
+            <a:schemeClr val="accent1"/>
+          </a:fillRef>
+          <a:effectRef idx="0">
+            <a:schemeClr val="accent1"/>
+          </a:effectRef>
+          <a:fontRef idx="minor">
+            <a:schemeClr val="tx1"/>
+          </a:fontRef>
+        </p:style>
+      </p:cxnSp>
+      <p:cxnSp>
+        <p:nvCxnSpPr>
+          <p:cNvPr id="9" name="直線コネクタ 8">
+            <a:extLst>
+              <a:ext uri="{FF2B5EF4-FFF2-40B4-BE49-F238E27FC236}">
+                <a16:creationId xmlns:a16="http://schemas.microsoft.com/office/drawing/2014/main" id="{7246F90F-B5AE-3F42-A222-5AB03EB60C73}"/>
+              </a:ext>
+            </a:extLst>
+          </p:cNvPr>
+          <p:cNvCxnSpPr>
+            <a:cxnSpLocks/>
+            <a:endCxn id="3" idx="3"/>
+          </p:cNvCxnSpPr>
+          <p:nvPr/>
+        </p:nvCxnSpPr>
+        <p:spPr>
+          <a:xfrm flipH="1">
+            <a:off x="3681496" y="1158297"/>
+            <a:ext cx="2311230" cy="1"/>
+          </a:xfrm>
+          <a:prstGeom prst="line">
+            <a:avLst/>
+          </a:prstGeom>
+          <a:ln w="53975">
+            <a:headEnd type="oval"/>
+            <a:tailEnd type="oval"/>
+          </a:ln>
+        </p:spPr>
+        <p:style>
+          <a:lnRef idx="1">
+            <a:schemeClr val="accent1"/>
+          </a:lnRef>
+          <a:fillRef idx="0">
+            <a:schemeClr val="accent1"/>
+          </a:fillRef>
+          <a:effectRef idx="0">
+            <a:schemeClr val="accent1"/>
+          </a:effectRef>
+          <a:fontRef idx="minor">
+            <a:schemeClr val="tx1"/>
+          </a:fontRef>
+        </p:style>
+      </p:cxnSp>
+      <p:cxnSp>
+        <p:nvCxnSpPr>
+          <p:cNvPr id="13" name="直線コネクタ 12">
+            <a:extLst>
+              <a:ext uri="{FF2B5EF4-FFF2-40B4-BE49-F238E27FC236}">
+                <a16:creationId xmlns:a16="http://schemas.microsoft.com/office/drawing/2014/main" id="{B4C18B41-7314-B847-B07B-61E33B80B911}"/>
+              </a:ext>
+            </a:extLst>
+          </p:cNvPr>
+          <p:cNvCxnSpPr>
+            <a:cxnSpLocks/>
+          </p:cNvCxnSpPr>
+          <p:nvPr/>
+        </p:nvCxnSpPr>
+        <p:spPr>
+          <a:xfrm flipV="1">
+            <a:off x="6016756" y="462844"/>
+            <a:ext cx="0" cy="5091289"/>
+          </a:xfrm>
+          <a:prstGeom prst="line">
+            <a:avLst/>
+          </a:prstGeom>
+          <a:ln w="53975"/>
+        </p:spPr>
+        <p:style>
+          <a:lnRef idx="1">
+            <a:schemeClr val="accent1"/>
+          </a:lnRef>
+          <a:fillRef idx="0">
+            <a:schemeClr val="accent1"/>
+          </a:fillRef>
+          <a:effectRef idx="0">
+            <a:schemeClr val="accent1"/>
+          </a:effectRef>
+          <a:fontRef idx="minor">
+            <a:schemeClr val="tx1"/>
+          </a:fontRef>
+        </p:style>
+      </p:cxnSp>
+      <p:cxnSp>
+        <p:nvCxnSpPr>
+          <p:cNvPr id="20" name="直線コネクタ 19">
+            <a:extLst>
+              <a:ext uri="{FF2B5EF4-FFF2-40B4-BE49-F238E27FC236}">
+                <a16:creationId xmlns:a16="http://schemas.microsoft.com/office/drawing/2014/main" id="{363298A8-66AC-CA48-9CE8-161658127CB8}"/>
+              </a:ext>
+            </a:extLst>
+          </p:cNvPr>
+          <p:cNvCxnSpPr>
+            <a:cxnSpLocks/>
+            <a:endCxn id="4" idx="3"/>
+          </p:cNvCxnSpPr>
+          <p:nvPr/>
+        </p:nvCxnSpPr>
+        <p:spPr>
+          <a:xfrm flipH="1" flipV="1">
+            <a:off x="3744837" y="3185207"/>
+            <a:ext cx="2271920" cy="10734"/>
+          </a:xfrm>
+          <a:prstGeom prst="line">
+            <a:avLst/>
+          </a:prstGeom>
+          <a:ln w="53975">
+            <a:headEnd type="oval"/>
+            <a:tailEnd type="oval"/>
+          </a:ln>
+        </p:spPr>
+        <p:style>
+          <a:lnRef idx="1">
+            <a:schemeClr val="accent1"/>
+          </a:lnRef>
+          <a:fillRef idx="0">
+            <a:schemeClr val="accent1"/>
+          </a:fillRef>
+          <a:effectRef idx="0">
+            <a:schemeClr val="accent1"/>
+          </a:effectRef>
+          <a:fontRef idx="minor">
+            <a:schemeClr val="tx1"/>
+          </a:fontRef>
+        </p:style>
+      </p:cxnSp>
+      <p:cxnSp>
+        <p:nvCxnSpPr>
+          <p:cNvPr id="21" name="直線コネクタ 20">
+            <a:extLst>
+              <a:ext uri="{FF2B5EF4-FFF2-40B4-BE49-F238E27FC236}">
+                <a16:creationId xmlns:a16="http://schemas.microsoft.com/office/drawing/2014/main" id="{ED763059-8F1B-8B4A-9E00-A268304C8E7C}"/>
+              </a:ext>
+            </a:extLst>
+          </p:cNvPr>
+          <p:cNvCxnSpPr>
+            <a:cxnSpLocks/>
+            <a:endCxn id="5" idx="3"/>
+          </p:cNvCxnSpPr>
+          <p:nvPr/>
+        </p:nvCxnSpPr>
+        <p:spPr>
+          <a:xfrm flipH="1">
+            <a:off x="3453561" y="5040821"/>
+            <a:ext cx="2539164" cy="0"/>
+          </a:xfrm>
+          <a:prstGeom prst="line">
+            <a:avLst/>
+          </a:prstGeom>
+          <a:ln w="53975">
+            <a:headEnd type="oval"/>
+            <a:tailEnd type="oval"/>
+          </a:ln>
+        </p:spPr>
+        <p:style>
+          <a:lnRef idx="1">
+            <a:schemeClr val="accent1"/>
+          </a:lnRef>
+          <a:fillRef idx="0">
+            <a:schemeClr val="accent1"/>
+          </a:fillRef>
+          <a:effectRef idx="0">
+            <a:schemeClr val="accent1"/>
+          </a:effectRef>
+          <a:fontRef idx="minor">
+            <a:schemeClr val="tx1"/>
+          </a:fontRef>
+        </p:style>
+      </p:cxnSp>
+      <p:sp>
+        <p:nvSpPr>
+          <p:cNvPr id="30" name="テキスト ボックス 29">
+            <a:extLst>
+              <a:ext uri="{FF2B5EF4-FFF2-40B4-BE49-F238E27FC236}">
+                <a16:creationId xmlns:a16="http://schemas.microsoft.com/office/drawing/2014/main" id="{6E508375-30DA-E040-8E17-1DC79E89305F}"/>
+              </a:ext>
+            </a:extLst>
+          </p:cNvPr>
+          <p:cNvSpPr txBox="1"/>
+          <p:nvPr/>
+        </p:nvSpPr>
+        <p:spPr>
+          <a:xfrm>
+            <a:off x="9461287" y="1549714"/>
+            <a:ext cx="728084" cy="400110"/>
+          </a:xfrm>
+          <a:prstGeom prst="rect">
+            <a:avLst/>
+          </a:prstGeom>
+          <a:noFill/>
+        </p:spPr>
+        <p:txBody>
+          <a:bodyPr wrap="none" rtlCol="0">
+            <a:spAutoFit/>
+          </a:bodyPr>
+          <a:lstStyle/>
+          <a:p>
+            <a:r>
+              <a:rPr kumimoji="1" lang="en-US" altLang="ja-JP" sz="2000" dirty="0"/>
+              <a:t>KDC</a:t>
+            </a:r>
+            <a:endParaRPr kumimoji="1" lang="en-US" altLang="ja-JP" dirty="0"/>
+          </a:p>
+        </p:txBody>
+      </p:sp>
+      <p:sp>
+        <p:nvSpPr>
+          <p:cNvPr id="31" name="テキスト ボックス 30">
+            <a:extLst>
+              <a:ext uri="{FF2B5EF4-FFF2-40B4-BE49-F238E27FC236}">
+                <a16:creationId xmlns:a16="http://schemas.microsoft.com/office/drawing/2014/main" id="{6C520327-DA55-A74E-B79B-F9BD44596FCD}"/>
+              </a:ext>
+            </a:extLst>
+          </p:cNvPr>
+          <p:cNvSpPr txBox="1"/>
+          <p:nvPr/>
+        </p:nvSpPr>
+        <p:spPr>
+          <a:xfrm>
+            <a:off x="8720871" y="3627001"/>
+            <a:ext cx="2307042" cy="400110"/>
+          </a:xfrm>
+          <a:prstGeom prst="rect">
+            <a:avLst/>
+          </a:prstGeom>
+          <a:noFill/>
+        </p:spPr>
+        <p:txBody>
+          <a:bodyPr wrap="none" rtlCol="0">
+            <a:spAutoFit/>
+          </a:bodyPr>
+          <a:lstStyle/>
+          <a:p>
+            <a:r>
+              <a:rPr kumimoji="1" lang="en-US" altLang="ja-JP" sz="2000" dirty="0"/>
+              <a:t>AS</a:t>
+            </a:r>
+            <a:r>
+              <a:rPr kumimoji="1" lang="ja-JP" altLang="en-US" sz="2000"/>
+              <a:t>（認証サーバ）</a:t>
+            </a:r>
+          </a:p>
+        </p:txBody>
+      </p:sp>
+      <p:sp>
+        <p:nvSpPr>
+          <p:cNvPr id="32" name="テキスト ボックス 31">
+            <a:extLst>
+              <a:ext uri="{FF2B5EF4-FFF2-40B4-BE49-F238E27FC236}">
+                <a16:creationId xmlns:a16="http://schemas.microsoft.com/office/drawing/2014/main" id="{9C86DE8A-F7BE-DB4A-B65F-DE4E11395CEE}"/>
+              </a:ext>
+            </a:extLst>
+          </p:cNvPr>
+          <p:cNvSpPr txBox="1"/>
+          <p:nvPr/>
+        </p:nvSpPr>
+        <p:spPr>
+          <a:xfrm>
+            <a:off x="8176653" y="4079312"/>
+            <a:ext cx="3514104" cy="400110"/>
+          </a:xfrm>
+          <a:prstGeom prst="rect">
+            <a:avLst/>
+          </a:prstGeom>
+          <a:noFill/>
+        </p:spPr>
+        <p:txBody>
+          <a:bodyPr wrap="none" rtlCol="0">
+            <a:spAutoFit/>
+          </a:bodyPr>
+          <a:lstStyle/>
+          <a:p>
+            <a:r>
+              <a:rPr kumimoji="1" lang="en-US" altLang="ja-JP" sz="2000" dirty="0"/>
+              <a:t>TGS</a:t>
+            </a:r>
+            <a:r>
+              <a:rPr kumimoji="1" lang="ja-JP" altLang="en-US" sz="2000"/>
+              <a:t>（チケット発行サーバ）</a:t>
+            </a:r>
+          </a:p>
+        </p:txBody>
+      </p:sp>
+      <p:sp>
+        <p:nvSpPr>
+          <p:cNvPr id="33" name="テキスト ボックス 32">
+            <a:extLst>
+              <a:ext uri="{FF2B5EF4-FFF2-40B4-BE49-F238E27FC236}">
+                <a16:creationId xmlns:a16="http://schemas.microsoft.com/office/drawing/2014/main" id="{45BDF9E1-72B2-C445-B3AB-16C60C2C9185}"/>
+              </a:ext>
+            </a:extLst>
+          </p:cNvPr>
+          <p:cNvSpPr txBox="1"/>
+          <p:nvPr/>
+        </p:nvSpPr>
+        <p:spPr>
+          <a:xfrm>
+            <a:off x="239499" y="3007141"/>
+            <a:ext cx="1710254" cy="400110"/>
+          </a:xfrm>
+          <a:prstGeom prst="rect">
+            <a:avLst/>
+          </a:prstGeom>
+        </p:spPr>
+        <p:style>
+          <a:lnRef idx="2">
+            <a:schemeClr val="dk1"/>
+          </a:lnRef>
+          <a:fillRef idx="1">
+            <a:schemeClr val="lt1"/>
+          </a:fillRef>
+          <a:effectRef idx="0">
+            <a:schemeClr val="dk1"/>
+          </a:effectRef>
+          <a:fontRef idx="minor">
+            <a:schemeClr val="dk1"/>
+          </a:fontRef>
+        </p:style>
+        <p:txBody>
+          <a:bodyPr wrap="square" rtlCol="0">
+            <a:spAutoFit/>
+          </a:bodyPr>
+          <a:lstStyle/>
+          <a:p>
+            <a:r>
+              <a:rPr kumimoji="1" lang="ja-JP" altLang="en-US" sz="2000"/>
+              <a:t>プリンシパル</a:t>
+            </a:r>
+          </a:p>
+        </p:txBody>
+      </p:sp>
+      <p:cxnSp>
+        <p:nvCxnSpPr>
+          <p:cNvPr id="35" name="直線矢印コネクタ 34">
+            <a:extLst>
+              <a:ext uri="{FF2B5EF4-FFF2-40B4-BE49-F238E27FC236}">
+                <a16:creationId xmlns:a16="http://schemas.microsoft.com/office/drawing/2014/main" id="{9D0CEF3B-9691-8743-A3F8-F9885FA476D7}"/>
+              </a:ext>
+            </a:extLst>
+          </p:cNvPr>
+          <p:cNvCxnSpPr>
+            <a:cxnSpLocks/>
+            <a:stCxn id="33" idx="2"/>
+            <a:endCxn id="5" idx="1"/>
+          </p:cNvCxnSpPr>
+          <p:nvPr/>
+        </p:nvCxnSpPr>
+        <p:spPr>
+          <a:xfrm>
+            <a:off x="1094626" y="3407251"/>
+            <a:ext cx="1393959" cy="1633570"/>
+          </a:xfrm>
+          <a:prstGeom prst="straightConnector1">
+            <a:avLst/>
+          </a:prstGeom>
+          <a:ln w="31750">
+            <a:solidFill>
+              <a:schemeClr val="tx1">
+                <a:lumMod val="65000"/>
+                <a:lumOff val="35000"/>
+              </a:schemeClr>
+            </a:solidFill>
+            <a:prstDash val="sysDot"/>
+            <a:tailEnd type="triangle"/>
+          </a:ln>
+        </p:spPr>
+        <p:style>
+          <a:lnRef idx="1">
+            <a:schemeClr val="accent1"/>
+          </a:lnRef>
+          <a:fillRef idx="0">
+            <a:schemeClr val="accent1"/>
+          </a:fillRef>
+          <a:effectRef idx="0">
+            <a:schemeClr val="accent1"/>
+          </a:effectRef>
+          <a:fontRef idx="minor">
+            <a:schemeClr val="tx1"/>
+          </a:fontRef>
+        </p:style>
+      </p:cxnSp>
+      <p:cxnSp>
+        <p:nvCxnSpPr>
+          <p:cNvPr id="37" name="直線矢印コネクタ 36">
+            <a:extLst>
+              <a:ext uri="{FF2B5EF4-FFF2-40B4-BE49-F238E27FC236}">
+                <a16:creationId xmlns:a16="http://schemas.microsoft.com/office/drawing/2014/main" id="{71FC6829-4C01-4545-877F-FBFB68819294}"/>
+              </a:ext>
+            </a:extLst>
+          </p:cNvPr>
+          <p:cNvCxnSpPr>
+            <a:cxnSpLocks/>
+            <a:stCxn id="33" idx="0"/>
+            <a:endCxn id="3" idx="1"/>
+          </p:cNvCxnSpPr>
+          <p:nvPr/>
+        </p:nvCxnSpPr>
+        <p:spPr>
+          <a:xfrm flipV="1">
+            <a:off x="1094626" y="1158298"/>
+            <a:ext cx="1166025" cy="1848843"/>
+          </a:xfrm>
+          <a:prstGeom prst="straightConnector1">
+            <a:avLst/>
+          </a:prstGeom>
+          <a:ln w="31750">
+            <a:solidFill>
+              <a:schemeClr val="tx1">
+                <a:lumMod val="65000"/>
+                <a:lumOff val="35000"/>
+              </a:schemeClr>
+            </a:solidFill>
+            <a:prstDash val="sysDot"/>
+            <a:tailEnd type="triangle"/>
+          </a:ln>
+        </p:spPr>
+        <p:style>
+          <a:lnRef idx="1">
+            <a:schemeClr val="accent1"/>
+          </a:lnRef>
+          <a:fillRef idx="0">
+            <a:schemeClr val="accent1"/>
+          </a:fillRef>
+          <a:effectRef idx="0">
+            <a:schemeClr val="accent1"/>
+          </a:effectRef>
+          <a:fontRef idx="minor">
+            <a:schemeClr val="tx1"/>
+          </a:fontRef>
+        </p:style>
+      </p:cxnSp>
+      <p:cxnSp>
+        <p:nvCxnSpPr>
+          <p:cNvPr id="40" name="直線矢印コネクタ 39">
+            <a:extLst>
+              <a:ext uri="{FF2B5EF4-FFF2-40B4-BE49-F238E27FC236}">
+                <a16:creationId xmlns:a16="http://schemas.microsoft.com/office/drawing/2014/main" id="{68E49C17-E454-B347-9C35-4EA0EBE1D089}"/>
+              </a:ext>
+            </a:extLst>
+          </p:cNvPr>
+          <p:cNvCxnSpPr>
+            <a:cxnSpLocks/>
+            <a:stCxn id="33" idx="3"/>
+            <a:endCxn id="4" idx="1"/>
+          </p:cNvCxnSpPr>
+          <p:nvPr/>
+        </p:nvCxnSpPr>
+        <p:spPr>
+          <a:xfrm flipV="1">
+            <a:off x="1949753" y="3185207"/>
+            <a:ext cx="400989" cy="21989"/>
+          </a:xfrm>
+          <a:prstGeom prst="straightConnector1">
+            <a:avLst/>
+          </a:prstGeom>
+          <a:ln w="31750">
+            <a:solidFill>
+              <a:schemeClr val="tx1">
+                <a:lumMod val="65000"/>
+                <a:lumOff val="35000"/>
+              </a:schemeClr>
+            </a:solidFill>
+            <a:prstDash val="sysDot"/>
+            <a:tailEnd type="triangle"/>
+          </a:ln>
+        </p:spPr>
+        <p:style>
+          <a:lnRef idx="1">
+            <a:schemeClr val="accent1"/>
+          </a:lnRef>
+          <a:fillRef idx="0">
+            <a:schemeClr val="accent1"/>
+          </a:fillRef>
+          <a:effectRef idx="0">
+            <a:schemeClr val="accent1"/>
+          </a:effectRef>
+          <a:fontRef idx="minor">
+            <a:schemeClr val="tx1"/>
+          </a:fontRef>
+        </p:style>
+      </p:cxnSp>
+      <p:sp>
+        <p:nvSpPr>
+          <p:cNvPr id="56" name="テキスト ボックス 55">
+            <a:extLst>
+              <a:ext uri="{FF2B5EF4-FFF2-40B4-BE49-F238E27FC236}">
+                <a16:creationId xmlns:a16="http://schemas.microsoft.com/office/drawing/2014/main" id="{144F3E18-85E9-3641-93E2-7927F866FFF2}"/>
+              </a:ext>
+            </a:extLst>
+          </p:cNvPr>
+          <p:cNvSpPr txBox="1"/>
+          <p:nvPr/>
+        </p:nvSpPr>
+        <p:spPr>
+          <a:xfrm>
+            <a:off x="5554143" y="5564688"/>
+            <a:ext cx="954107" cy="400110"/>
+          </a:xfrm>
+          <a:prstGeom prst="rect">
+            <a:avLst/>
+          </a:prstGeom>
+          <a:noFill/>
+        </p:spPr>
+        <p:txBody>
+          <a:bodyPr wrap="none" rtlCol="0">
+            <a:spAutoFit/>
+          </a:bodyPr>
+          <a:lstStyle/>
+          <a:p>
+            <a:r>
+              <a:rPr kumimoji="1" lang="ja-JP" altLang="en-US" sz="2000"/>
+              <a:t>レルム</a:t>
+            </a:r>
+          </a:p>
+        </p:txBody>
+      </p:sp>
+      <p:sp>
+        <p:nvSpPr>
+          <p:cNvPr id="57" name="テキスト ボックス 56">
+            <a:extLst>
+              <a:ext uri="{FF2B5EF4-FFF2-40B4-BE49-F238E27FC236}">
+                <a16:creationId xmlns:a16="http://schemas.microsoft.com/office/drawing/2014/main" id="{18C51FCB-1920-CE4A-8436-1717B73F0756}"/>
+              </a:ext>
+            </a:extLst>
+          </p:cNvPr>
+          <p:cNvSpPr txBox="1"/>
+          <p:nvPr/>
+        </p:nvSpPr>
+        <p:spPr>
+          <a:xfrm>
+            <a:off x="2607733" y="324904"/>
+            <a:ext cx="954107" cy="400110"/>
+          </a:xfrm>
+          <a:prstGeom prst="rect">
+            <a:avLst/>
+          </a:prstGeom>
+          <a:noFill/>
+        </p:spPr>
+        <p:txBody>
+          <a:bodyPr wrap="none" rtlCol="0">
+            <a:spAutoFit/>
+          </a:bodyPr>
+          <a:lstStyle/>
+          <a:p>
+            <a:r>
+              <a:rPr kumimoji="1" lang="ja-JP" altLang="en-US" sz="2000"/>
+              <a:t>ユーザ</a:t>
+            </a:r>
+            <a:endParaRPr kumimoji="1" lang="ja-JP" altLang="en-US"/>
+          </a:p>
+        </p:txBody>
+      </p:sp>
+      <p:sp>
+        <p:nvSpPr>
+          <p:cNvPr id="58" name="テキスト ボックス 57">
+            <a:extLst>
+              <a:ext uri="{FF2B5EF4-FFF2-40B4-BE49-F238E27FC236}">
+                <a16:creationId xmlns:a16="http://schemas.microsoft.com/office/drawing/2014/main" id="{7155A2BF-8DB6-3A4A-941F-2306175DFA84}"/>
+              </a:ext>
+            </a:extLst>
+          </p:cNvPr>
+          <p:cNvSpPr txBox="1"/>
+          <p:nvPr/>
+        </p:nvSpPr>
+        <p:spPr>
+          <a:xfrm>
+            <a:off x="2488585" y="5633968"/>
+            <a:ext cx="954107" cy="400110"/>
+          </a:xfrm>
+          <a:prstGeom prst="rect">
+            <a:avLst/>
+          </a:prstGeom>
+          <a:noFill/>
+        </p:spPr>
+        <p:txBody>
+          <a:bodyPr wrap="none" rtlCol="0">
+            <a:spAutoFit/>
+          </a:bodyPr>
+          <a:lstStyle/>
+          <a:p>
+            <a:r>
+              <a:rPr kumimoji="1" lang="ja-JP" altLang="en-US" sz="2000"/>
+              <a:t>サーバ</a:t>
+            </a:r>
+          </a:p>
+        </p:txBody>
+      </p:sp>
+    </p:spTree>
+    <p:extLst>
+      <p:ext uri="{BB962C8B-B14F-4D97-AF65-F5344CB8AC3E}">
+        <p14:creationId xmlns:p14="http://schemas.microsoft.com/office/powerpoint/2010/main" val="2791784598"/>
+      </p:ext>
+    </p:extLst>
+  </p:cSld>
+  <p:clrMapOvr>
+    <a:masterClrMapping/>
+  </p:clrMapOvr>
+</p:sld>
+</file>
+
+<file path=ppt/slides/slide12.xml><?xml version="1.0" encoding="utf-8"?>
+<p:sld xmlns:a="http://schemas.openxmlformats.org/drawingml/2006/main" xmlns:r="http://schemas.openxmlformats.org/officeDocument/2006/relationships" xmlns:p="http://schemas.openxmlformats.org/presentationml/2006/main">
+  <p:cSld>
+    <p:spTree>
+      <p:nvGrpSpPr>
+        <p:cNvPr id="1" name=""/>
+        <p:cNvGrpSpPr/>
+        <p:nvPr/>
+      </p:nvGrpSpPr>
+      <p:grpSpPr>
+        <a:xfrm>
+          <a:off x="0" y="0"/>
+          <a:ext cx="0" cy="0"/>
+          <a:chOff x="0" y="0"/>
+          <a:chExt cx="0" cy="0"/>
+        </a:xfrm>
+      </p:grpSpPr>
+      <p:sp>
+        <p:nvSpPr>
+          <p:cNvPr id="95" name="正方形/長方形 94">
+            <a:extLst>
+              <a:ext uri="{FF2B5EF4-FFF2-40B4-BE49-F238E27FC236}">
+                <a16:creationId xmlns:a16="http://schemas.microsoft.com/office/drawing/2014/main" id="{D9180E0A-4E15-834A-852B-79830C37EC2F}"/>
+              </a:ext>
+            </a:extLst>
+          </p:cNvPr>
+          <p:cNvSpPr/>
+          <p:nvPr/>
+        </p:nvSpPr>
+        <p:spPr>
+          <a:xfrm>
+            <a:off x="2505293" y="5654223"/>
+            <a:ext cx="8271108" cy="1086420"/>
+          </a:xfrm>
+          <a:prstGeom prst="rect">
+            <a:avLst/>
+          </a:prstGeom>
+          <a:solidFill>
+            <a:schemeClr val="accent4">
+              <a:lumMod val="40000"/>
+              <a:lumOff val="60000"/>
+              <a:alpha val="53000"/>
+            </a:schemeClr>
+          </a:solidFill>
+          <a:ln>
+            <a:solidFill>
+              <a:schemeClr val="accent4">
+                <a:lumMod val="40000"/>
+                <a:lumOff val="60000"/>
+              </a:schemeClr>
+            </a:solidFill>
+          </a:ln>
+        </p:spPr>
+        <p:style>
+          <a:lnRef idx="2">
+            <a:schemeClr val="accent1">
+              <a:shade val="50000"/>
+            </a:schemeClr>
+          </a:lnRef>
+          <a:fillRef idx="1">
+            <a:schemeClr val="accent1"/>
+          </a:fillRef>
+          <a:effectRef idx="0">
+            <a:schemeClr val="accent1"/>
+          </a:effectRef>
+          <a:fontRef idx="minor">
+            <a:schemeClr val="lt1"/>
+          </a:fontRef>
+        </p:style>
+        <p:txBody>
+          <a:bodyPr rtlCol="0" anchor="ctr"/>
+          <a:lstStyle/>
+          <a:p>
+            <a:pPr algn="ctr"/>
+            <a:endParaRPr kumimoji="1" lang="ja-JP" altLang="en-US"/>
+          </a:p>
+        </p:txBody>
+      </p:sp>
+      <p:sp>
+        <p:nvSpPr>
+          <p:cNvPr id="94" name="正方形/長方形 93">
+            <a:extLst>
+              <a:ext uri="{FF2B5EF4-FFF2-40B4-BE49-F238E27FC236}">
+                <a16:creationId xmlns:a16="http://schemas.microsoft.com/office/drawing/2014/main" id="{41EDEB50-0F95-9348-8776-04F07246E2B6}"/>
+              </a:ext>
+            </a:extLst>
+          </p:cNvPr>
+          <p:cNvSpPr/>
+          <p:nvPr/>
+        </p:nvSpPr>
+        <p:spPr>
+          <a:xfrm>
+            <a:off x="2505293" y="4589513"/>
+            <a:ext cx="5705797" cy="1086420"/>
+          </a:xfrm>
+          <a:prstGeom prst="rect">
+            <a:avLst/>
+          </a:prstGeom>
+          <a:solidFill>
+            <a:schemeClr val="accent6">
+              <a:lumMod val="20000"/>
+              <a:lumOff val="80000"/>
+            </a:schemeClr>
+          </a:solidFill>
+          <a:ln>
+            <a:solidFill>
+              <a:schemeClr val="accent6">
+                <a:lumMod val="20000"/>
+                <a:lumOff val="80000"/>
+              </a:schemeClr>
+            </a:solidFill>
+          </a:ln>
+        </p:spPr>
+        <p:style>
+          <a:lnRef idx="2">
+            <a:schemeClr val="accent1">
+              <a:shade val="50000"/>
+            </a:schemeClr>
+          </a:lnRef>
+          <a:fillRef idx="1">
+            <a:schemeClr val="accent1"/>
+          </a:fillRef>
+          <a:effectRef idx="0">
+            <a:schemeClr val="accent1"/>
+          </a:effectRef>
+          <a:fontRef idx="minor">
+            <a:schemeClr val="lt1"/>
+          </a:fontRef>
+        </p:style>
+        <p:txBody>
+          <a:bodyPr rtlCol="0" anchor="ctr"/>
+          <a:lstStyle/>
+          <a:p>
+            <a:pPr algn="ctr"/>
+            <a:endParaRPr kumimoji="1" lang="ja-JP" altLang="en-US"/>
+          </a:p>
+        </p:txBody>
+      </p:sp>
+      <p:sp>
+        <p:nvSpPr>
+          <p:cNvPr id="93" name="正方形/長方形 92">
+            <a:extLst>
+              <a:ext uri="{FF2B5EF4-FFF2-40B4-BE49-F238E27FC236}">
+                <a16:creationId xmlns:a16="http://schemas.microsoft.com/office/drawing/2014/main" id="{ABF04973-CCD4-794E-B8CA-8FA4E722B1FC}"/>
+              </a:ext>
+            </a:extLst>
+          </p:cNvPr>
+          <p:cNvSpPr/>
+          <p:nvPr/>
+        </p:nvSpPr>
+        <p:spPr>
+          <a:xfrm>
+            <a:off x="2503205" y="3485137"/>
+            <a:ext cx="6984979" cy="1086420"/>
+          </a:xfrm>
+          <a:prstGeom prst="rect">
+            <a:avLst/>
+          </a:prstGeom>
+          <a:solidFill>
+            <a:schemeClr val="accent4">
+              <a:lumMod val="40000"/>
+              <a:lumOff val="60000"/>
+              <a:alpha val="56000"/>
+            </a:schemeClr>
+          </a:solidFill>
+          <a:ln>
+            <a:solidFill>
+              <a:schemeClr val="accent4">
+                <a:lumMod val="40000"/>
+                <a:lumOff val="60000"/>
+              </a:schemeClr>
+            </a:solidFill>
+          </a:ln>
+        </p:spPr>
+        <p:style>
+          <a:lnRef idx="2">
+            <a:schemeClr val="accent1">
+              <a:shade val="50000"/>
+            </a:schemeClr>
+          </a:lnRef>
+          <a:fillRef idx="1">
+            <a:schemeClr val="accent1"/>
+          </a:fillRef>
+          <a:effectRef idx="0">
+            <a:schemeClr val="accent1"/>
+          </a:effectRef>
+          <a:fontRef idx="minor">
+            <a:schemeClr val="lt1"/>
+          </a:fontRef>
+        </p:style>
+        <p:txBody>
+          <a:bodyPr rtlCol="0" anchor="ctr"/>
+          <a:lstStyle/>
+          <a:p>
+            <a:pPr algn="ctr"/>
+            <a:endParaRPr kumimoji="1" lang="ja-JP" altLang="en-US"/>
+          </a:p>
+        </p:txBody>
+      </p:sp>
+      <p:sp>
+        <p:nvSpPr>
+          <p:cNvPr id="92" name="正方形/長方形 91">
+            <a:extLst>
+              <a:ext uri="{FF2B5EF4-FFF2-40B4-BE49-F238E27FC236}">
+                <a16:creationId xmlns:a16="http://schemas.microsoft.com/office/drawing/2014/main" id="{76BDCAE2-C043-F644-A016-2BB90FD495B1}"/>
+              </a:ext>
+            </a:extLst>
+          </p:cNvPr>
+          <p:cNvSpPr/>
+          <p:nvPr/>
+        </p:nvSpPr>
+        <p:spPr>
+          <a:xfrm>
+            <a:off x="2503205" y="1276903"/>
+            <a:ext cx="5699347" cy="2213477"/>
+          </a:xfrm>
+          <a:prstGeom prst="rect">
+            <a:avLst/>
+          </a:prstGeom>
+          <a:solidFill>
+            <a:schemeClr val="accent6">
+              <a:lumMod val="20000"/>
+              <a:lumOff val="80000"/>
+            </a:schemeClr>
+          </a:solidFill>
+          <a:ln>
+            <a:solidFill>
+              <a:schemeClr val="accent6">
+                <a:lumMod val="20000"/>
+                <a:lumOff val="80000"/>
+              </a:schemeClr>
+            </a:solidFill>
+          </a:ln>
+        </p:spPr>
+        <p:style>
+          <a:lnRef idx="2">
+            <a:schemeClr val="accent1">
+              <a:shade val="50000"/>
+            </a:schemeClr>
+          </a:lnRef>
+          <a:fillRef idx="1">
+            <a:schemeClr val="accent1"/>
+          </a:fillRef>
+          <a:effectRef idx="0">
+            <a:schemeClr val="accent1"/>
+          </a:effectRef>
+          <a:fontRef idx="minor">
+            <a:schemeClr val="lt1"/>
+          </a:fontRef>
+        </p:style>
+        <p:txBody>
+          <a:bodyPr rtlCol="0" anchor="ctr"/>
+          <a:lstStyle/>
+          <a:p>
+            <a:pPr algn="ctr"/>
+            <a:endParaRPr kumimoji="1" lang="ja-JP" altLang="en-US"/>
+          </a:p>
+        </p:txBody>
+      </p:sp>
+      <p:pic>
+        <p:nvPicPr>
+          <p:cNvPr id="4" name="図 3">
+            <a:extLst>
+              <a:ext uri="{FF2B5EF4-FFF2-40B4-BE49-F238E27FC236}">
+                <a16:creationId xmlns:a16="http://schemas.microsoft.com/office/drawing/2014/main" id="{AD11D893-5634-7940-88DD-DBA400418852}"/>
+              </a:ext>
+            </a:extLst>
+          </p:cNvPr>
+          <p:cNvPicPr>
+            <a:picLocks noChangeAspect="1"/>
+          </p:cNvPicPr>
+          <p:nvPr/>
+        </p:nvPicPr>
+        <p:blipFill>
+          <a:blip r:embed="rId2"/>
+          <a:stretch>
+            <a:fillRect/>
+          </a:stretch>
+        </p:blipFill>
+        <p:spPr>
+          <a:xfrm>
+            <a:off x="6843918" y="250528"/>
+            <a:ext cx="661855" cy="872445"/>
+          </a:xfrm>
+          <a:prstGeom prst="rect">
+            <a:avLst/>
+          </a:prstGeom>
+        </p:spPr>
+      </p:pic>
+      <p:pic>
+        <p:nvPicPr>
+          <p:cNvPr id="3" name="図 2">
+            <a:extLst>
+              <a:ext uri="{FF2B5EF4-FFF2-40B4-BE49-F238E27FC236}">
+                <a16:creationId xmlns:a16="http://schemas.microsoft.com/office/drawing/2014/main" id="{FEB766C0-5A33-4B47-BCAD-9CC55596C0A2}"/>
+              </a:ext>
+            </a:extLst>
+          </p:cNvPr>
+          <p:cNvPicPr>
+            <a:picLocks noChangeAspect="1"/>
+          </p:cNvPicPr>
+          <p:nvPr/>
+        </p:nvPicPr>
+        <p:blipFill>
+          <a:blip r:embed="rId3"/>
+          <a:stretch>
+            <a:fillRect/>
+          </a:stretch>
+        </p:blipFill>
+        <p:spPr>
+          <a:xfrm>
+            <a:off x="2174278" y="250528"/>
+            <a:ext cx="1301256" cy="925338"/>
+          </a:xfrm>
+          <a:prstGeom prst="rect">
+            <a:avLst/>
+          </a:prstGeom>
+        </p:spPr>
+      </p:pic>
+      <p:pic>
+        <p:nvPicPr>
+          <p:cNvPr id="5" name="図 4">
+            <a:extLst>
+              <a:ext uri="{FF2B5EF4-FFF2-40B4-BE49-F238E27FC236}">
+                <a16:creationId xmlns:a16="http://schemas.microsoft.com/office/drawing/2014/main" id="{7E0E3928-A0EB-0345-8F78-4ED0AA2E90E2}"/>
+              </a:ext>
+            </a:extLst>
+          </p:cNvPr>
+          <p:cNvPicPr>
+            <a:picLocks noChangeAspect="1"/>
+          </p:cNvPicPr>
+          <p:nvPr/>
+        </p:nvPicPr>
+        <p:blipFill>
+          <a:blip r:embed="rId2"/>
+          <a:stretch>
+            <a:fillRect/>
+          </a:stretch>
+        </p:blipFill>
+        <p:spPr>
+          <a:xfrm>
+            <a:off x="9756959" y="225476"/>
+            <a:ext cx="661855" cy="872445"/>
+          </a:xfrm>
+          <a:prstGeom prst="rect">
+            <a:avLst/>
+          </a:prstGeom>
+        </p:spPr>
+      </p:pic>
+      <p:pic>
+        <p:nvPicPr>
+          <p:cNvPr id="6" name="図 5">
+            <a:extLst>
+              <a:ext uri="{FF2B5EF4-FFF2-40B4-BE49-F238E27FC236}">
+                <a16:creationId xmlns:a16="http://schemas.microsoft.com/office/drawing/2014/main" id="{6CB3314D-44F0-6641-84C4-4E9E9505D310}"/>
+              </a:ext>
+            </a:extLst>
+          </p:cNvPr>
+          <p:cNvPicPr>
+            <a:picLocks noChangeAspect="1"/>
+          </p:cNvPicPr>
+          <p:nvPr/>
+        </p:nvPicPr>
+        <p:blipFill>
+          <a:blip r:embed="rId2"/>
+          <a:stretch>
+            <a:fillRect/>
+          </a:stretch>
+        </p:blipFill>
+        <p:spPr>
+          <a:xfrm>
+            <a:off x="8582273" y="250528"/>
+            <a:ext cx="661855" cy="872445"/>
+          </a:xfrm>
+          <a:prstGeom prst="rect">
+            <a:avLst/>
+          </a:prstGeom>
+        </p:spPr>
+      </p:pic>
+      <p:cxnSp>
+        <p:nvCxnSpPr>
+          <p:cNvPr id="14" name="直線コネクタ 13">
+            <a:extLst>
+              <a:ext uri="{FF2B5EF4-FFF2-40B4-BE49-F238E27FC236}">
+                <a16:creationId xmlns:a16="http://schemas.microsoft.com/office/drawing/2014/main" id="{09D7BAD9-BEA4-9F46-A3DA-D03B7FD71FA7}"/>
+              </a:ext>
+            </a:extLst>
+          </p:cNvPr>
+          <p:cNvCxnSpPr>
+            <a:cxnSpLocks/>
+          </p:cNvCxnSpPr>
+          <p:nvPr/>
+        </p:nvCxnSpPr>
+        <p:spPr>
+          <a:xfrm>
+            <a:off x="8890043" y="1156327"/>
+            <a:ext cx="13414" cy="5580000"/>
+          </a:xfrm>
+          <a:prstGeom prst="line">
+            <a:avLst/>
+          </a:prstGeom>
+          <a:ln w="44450"/>
+        </p:spPr>
+        <p:style>
+          <a:lnRef idx="1">
+            <a:schemeClr val="dk1"/>
+          </a:lnRef>
+          <a:fillRef idx="0">
+            <a:schemeClr val="dk1"/>
+          </a:fillRef>
+          <a:effectRef idx="0">
+            <a:schemeClr val="dk1"/>
+          </a:effectRef>
+          <a:fontRef idx="minor">
+            <a:schemeClr val="tx1"/>
+          </a:fontRef>
+        </p:style>
+      </p:cxnSp>
+      <p:cxnSp>
+        <p:nvCxnSpPr>
+          <p:cNvPr id="15" name="直線コネクタ 14">
+            <a:extLst>
+              <a:ext uri="{FF2B5EF4-FFF2-40B4-BE49-F238E27FC236}">
+                <a16:creationId xmlns:a16="http://schemas.microsoft.com/office/drawing/2014/main" id="{57649A4D-E332-5840-AEE7-68C90762967D}"/>
+              </a:ext>
+            </a:extLst>
+          </p:cNvPr>
+          <p:cNvCxnSpPr>
+            <a:cxnSpLocks/>
+          </p:cNvCxnSpPr>
+          <p:nvPr/>
+        </p:nvCxnSpPr>
+        <p:spPr>
+          <a:xfrm>
+            <a:off x="10370404" y="1098391"/>
+            <a:ext cx="0" cy="5616000"/>
+          </a:xfrm>
+          <a:prstGeom prst="line">
+            <a:avLst/>
+          </a:prstGeom>
+          <a:ln w="44450"/>
+        </p:spPr>
+        <p:style>
+          <a:lnRef idx="1">
+            <a:schemeClr val="dk1"/>
+          </a:lnRef>
+          <a:fillRef idx="0">
+            <a:schemeClr val="dk1"/>
+          </a:fillRef>
+          <a:effectRef idx="0">
+            <a:schemeClr val="dk1"/>
+          </a:effectRef>
+          <a:fontRef idx="minor">
+            <a:schemeClr val="tx1"/>
+          </a:fontRef>
+        </p:style>
+      </p:cxnSp>
+      <p:cxnSp>
+        <p:nvCxnSpPr>
+          <p:cNvPr id="16" name="直線コネクタ 15">
+            <a:extLst>
+              <a:ext uri="{FF2B5EF4-FFF2-40B4-BE49-F238E27FC236}">
+                <a16:creationId xmlns:a16="http://schemas.microsoft.com/office/drawing/2014/main" id="{F7D90AD3-47FC-A241-BC11-D66EF6D134CB}"/>
+              </a:ext>
+            </a:extLst>
+          </p:cNvPr>
+          <p:cNvCxnSpPr>
+            <a:cxnSpLocks/>
+          </p:cNvCxnSpPr>
+          <p:nvPr/>
+        </p:nvCxnSpPr>
+        <p:spPr>
+          <a:xfrm>
+            <a:off x="2897444" y="1218957"/>
+            <a:ext cx="29658" cy="5508000"/>
+          </a:xfrm>
+          <a:prstGeom prst="line">
+            <a:avLst/>
+          </a:prstGeom>
+          <a:ln w="44450"/>
+        </p:spPr>
+        <p:style>
+          <a:lnRef idx="1">
+            <a:schemeClr val="dk1"/>
+          </a:lnRef>
+          <a:fillRef idx="0">
+            <a:schemeClr val="dk1"/>
+          </a:fillRef>
+          <a:effectRef idx="0">
+            <a:schemeClr val="dk1"/>
+          </a:effectRef>
+          <a:fontRef idx="minor">
+            <a:schemeClr val="tx1"/>
+          </a:fontRef>
+        </p:style>
+      </p:cxnSp>
+      <p:sp>
+        <p:nvSpPr>
+          <p:cNvPr id="24" name="正方形/長方形 23">
+            <a:extLst>
+              <a:ext uri="{FF2B5EF4-FFF2-40B4-BE49-F238E27FC236}">
+                <a16:creationId xmlns:a16="http://schemas.microsoft.com/office/drawing/2014/main" id="{A1537AB4-5164-0D42-B814-2C10EF9A566B}"/>
+              </a:ext>
+            </a:extLst>
+          </p:cNvPr>
+          <p:cNvSpPr/>
+          <p:nvPr/>
+        </p:nvSpPr>
+        <p:spPr>
+          <a:xfrm>
+            <a:off x="6538585" y="770172"/>
+            <a:ext cx="1327759" cy="642710"/>
+          </a:xfrm>
+          <a:prstGeom prst="rect">
+            <a:avLst/>
+          </a:prstGeom>
+          <a:ln>
+            <a:solidFill>
+              <a:schemeClr val="tx1"/>
+            </a:solidFill>
+          </a:ln>
+        </p:spPr>
+        <p:style>
+          <a:lnRef idx="2">
+            <a:schemeClr val="accent6"/>
+          </a:lnRef>
+          <a:fillRef idx="1">
+            <a:schemeClr val="lt1"/>
+          </a:fillRef>
+          <a:effectRef idx="0">
+            <a:schemeClr val="accent6"/>
+          </a:effectRef>
+          <a:fontRef idx="minor">
+            <a:schemeClr val="dk1"/>
+          </a:fontRef>
+        </p:style>
+        <p:txBody>
+          <a:bodyPr rtlCol="0" anchor="ctr"/>
+          <a:lstStyle/>
+          <a:p>
+            <a:pPr algn="ctr"/>
+            <a:endParaRPr kumimoji="1" lang="ja-JP" altLang="en-US"/>
+          </a:p>
+        </p:txBody>
+      </p:sp>
+      <p:cxnSp>
+        <p:nvCxnSpPr>
+          <p:cNvPr id="21" name="直線矢印コネクタ 20">
+            <a:extLst>
+              <a:ext uri="{FF2B5EF4-FFF2-40B4-BE49-F238E27FC236}">
+                <a16:creationId xmlns:a16="http://schemas.microsoft.com/office/drawing/2014/main" id="{0CB4B68E-6E2C-A74B-94A6-15477628E117}"/>
+              </a:ext>
+            </a:extLst>
+          </p:cNvPr>
+          <p:cNvCxnSpPr>
+            <a:cxnSpLocks/>
+          </p:cNvCxnSpPr>
+          <p:nvPr/>
+        </p:nvCxnSpPr>
+        <p:spPr>
+          <a:xfrm>
+            <a:off x="2897444" y="1598379"/>
+            <a:ext cx="4034343" cy="0"/>
+          </a:xfrm>
+          <a:prstGeom prst="straightConnector1">
+            <a:avLst/>
+          </a:prstGeom>
+          <a:ln w="38100">
+            <a:solidFill>
+              <a:schemeClr val="tx1"/>
+            </a:solidFill>
+            <a:headEnd type="oval"/>
+            <a:tailEnd type="stealth" w="lg" len="lg"/>
+          </a:ln>
+        </p:spPr>
+        <p:style>
+          <a:lnRef idx="1">
+            <a:schemeClr val="accent1"/>
+          </a:lnRef>
+          <a:fillRef idx="0">
+            <a:schemeClr val="accent1"/>
+          </a:fillRef>
+          <a:effectRef idx="0">
+            <a:schemeClr val="accent1"/>
+          </a:effectRef>
+          <a:fontRef idx="minor">
+            <a:schemeClr val="tx1"/>
+          </a:fontRef>
+        </p:style>
+      </p:cxnSp>
+      <p:cxnSp>
+        <p:nvCxnSpPr>
+          <p:cNvPr id="17" name="直線コネクタ 16">
+            <a:extLst>
+              <a:ext uri="{FF2B5EF4-FFF2-40B4-BE49-F238E27FC236}">
+                <a16:creationId xmlns:a16="http://schemas.microsoft.com/office/drawing/2014/main" id="{919228FB-C71A-4D42-BADA-10714F010634}"/>
+              </a:ext>
+            </a:extLst>
+          </p:cNvPr>
+          <p:cNvCxnSpPr>
+            <a:cxnSpLocks/>
+          </p:cNvCxnSpPr>
+          <p:nvPr/>
+        </p:nvCxnSpPr>
+        <p:spPr>
+          <a:xfrm>
+            <a:off x="6931787" y="1400355"/>
+            <a:ext cx="0" cy="864000"/>
+          </a:xfrm>
+          <a:prstGeom prst="line">
+            <a:avLst/>
+          </a:prstGeom>
+          <a:ln w="44450"/>
+        </p:spPr>
+        <p:style>
+          <a:lnRef idx="1">
+            <a:schemeClr val="accent2"/>
+          </a:lnRef>
+          <a:fillRef idx="0">
+            <a:schemeClr val="accent2"/>
+          </a:fillRef>
+          <a:effectRef idx="0">
+            <a:schemeClr val="accent2"/>
+          </a:effectRef>
+          <a:fontRef idx="minor">
+            <a:schemeClr val="tx1"/>
+          </a:fontRef>
+        </p:style>
+      </p:cxnSp>
+      <p:cxnSp>
+        <p:nvCxnSpPr>
+          <p:cNvPr id="9" name="直線コネクタ 8">
+            <a:extLst>
+              <a:ext uri="{FF2B5EF4-FFF2-40B4-BE49-F238E27FC236}">
+                <a16:creationId xmlns:a16="http://schemas.microsoft.com/office/drawing/2014/main" id="{560122DC-BD02-2F40-A6EA-92A53C858F73}"/>
+              </a:ext>
+            </a:extLst>
+          </p:cNvPr>
+          <p:cNvCxnSpPr>
+            <a:cxnSpLocks/>
+          </p:cNvCxnSpPr>
+          <p:nvPr/>
+        </p:nvCxnSpPr>
+        <p:spPr>
+          <a:xfrm>
+            <a:off x="7461881" y="1400355"/>
+            <a:ext cx="1391" cy="5328000"/>
+          </a:xfrm>
+          <a:prstGeom prst="line">
+            <a:avLst/>
+          </a:prstGeom>
+          <a:ln w="44450"/>
+        </p:spPr>
+        <p:style>
+          <a:lnRef idx="1">
+            <a:schemeClr val="accent1"/>
+          </a:lnRef>
+          <a:fillRef idx="0">
+            <a:schemeClr val="accent1"/>
+          </a:fillRef>
+          <a:effectRef idx="0">
+            <a:schemeClr val="accent1"/>
+          </a:effectRef>
+          <a:fontRef idx="minor">
+            <a:schemeClr val="tx1"/>
+          </a:fontRef>
+        </p:style>
+      </p:cxnSp>
+      <p:sp>
+        <p:nvSpPr>
+          <p:cNvPr id="25" name="テキスト ボックス 24">
+            <a:extLst>
+              <a:ext uri="{FF2B5EF4-FFF2-40B4-BE49-F238E27FC236}">
+                <a16:creationId xmlns:a16="http://schemas.microsoft.com/office/drawing/2014/main" id="{1D1A2E78-585C-CE47-A594-FAA03A4C6640}"/>
+              </a:ext>
+            </a:extLst>
+          </p:cNvPr>
+          <p:cNvSpPr txBox="1"/>
+          <p:nvPr/>
+        </p:nvSpPr>
+        <p:spPr>
+          <a:xfrm>
+            <a:off x="6821558" y="745822"/>
+            <a:ext cx="673582" cy="369332"/>
+          </a:xfrm>
+          <a:prstGeom prst="rect">
+            <a:avLst/>
+          </a:prstGeom>
+          <a:noFill/>
+        </p:spPr>
+        <p:txBody>
+          <a:bodyPr wrap="none" rtlCol="0">
+            <a:spAutoFit/>
+          </a:bodyPr>
+          <a:lstStyle/>
+          <a:p>
+            <a:r>
+              <a:rPr kumimoji="1" lang="en-US" altLang="ja-JP" dirty="0"/>
+              <a:t>KDC</a:t>
+            </a:r>
+            <a:endParaRPr kumimoji="1" lang="ja-JP" altLang="en-US"/>
+          </a:p>
+        </p:txBody>
+      </p:sp>
+      <p:sp>
+        <p:nvSpPr>
+          <p:cNvPr id="26" name="テキスト ボックス 25">
+            <a:extLst>
+              <a:ext uri="{FF2B5EF4-FFF2-40B4-BE49-F238E27FC236}">
+                <a16:creationId xmlns:a16="http://schemas.microsoft.com/office/drawing/2014/main" id="{0D37761B-8A50-1241-886D-254D6764E29F}"/>
+              </a:ext>
+            </a:extLst>
+          </p:cNvPr>
+          <p:cNvSpPr txBox="1"/>
+          <p:nvPr/>
+        </p:nvSpPr>
+        <p:spPr>
+          <a:xfrm>
+            <a:off x="6692779" y="1031024"/>
+            <a:ext cx="478016" cy="369332"/>
+          </a:xfrm>
+          <a:prstGeom prst="rect">
+            <a:avLst/>
+          </a:prstGeom>
+          <a:solidFill>
+            <a:schemeClr val="accent2"/>
+          </a:solidFill>
+        </p:spPr>
+        <p:txBody>
+          <a:bodyPr wrap="none" rtlCol="0">
+            <a:spAutoFit/>
+          </a:bodyPr>
+          <a:lstStyle/>
+          <a:p>
+            <a:r>
+              <a:rPr kumimoji="1" lang="en-US" altLang="ja-JP" dirty="0">
+                <a:solidFill>
+                  <a:schemeClr val="bg1"/>
+                </a:solidFill>
+              </a:rPr>
+              <a:t>AS</a:t>
+            </a:r>
+            <a:endParaRPr kumimoji="1" lang="ja-JP" altLang="en-US">
+              <a:solidFill>
+                <a:schemeClr val="bg1"/>
+              </a:solidFill>
+            </a:endParaRPr>
+          </a:p>
+        </p:txBody>
+      </p:sp>
+      <p:sp>
+        <p:nvSpPr>
+          <p:cNvPr id="28" name="テキスト ボックス 27">
+            <a:extLst>
+              <a:ext uri="{FF2B5EF4-FFF2-40B4-BE49-F238E27FC236}">
+                <a16:creationId xmlns:a16="http://schemas.microsoft.com/office/drawing/2014/main" id="{78764D59-FB69-824A-8397-494953BB2CD6}"/>
+              </a:ext>
+            </a:extLst>
+          </p:cNvPr>
+          <p:cNvSpPr txBox="1"/>
+          <p:nvPr/>
+        </p:nvSpPr>
+        <p:spPr>
+          <a:xfrm>
+            <a:off x="7184209" y="1031375"/>
+            <a:ext cx="643125" cy="369332"/>
+          </a:xfrm>
+          <a:prstGeom prst="rect">
+            <a:avLst/>
+          </a:prstGeom>
+          <a:solidFill>
+            <a:schemeClr val="accent1"/>
+          </a:solidFill>
+        </p:spPr>
+        <p:txBody>
+          <a:bodyPr wrap="none" rtlCol="0">
+            <a:spAutoFit/>
+          </a:bodyPr>
+          <a:lstStyle/>
+          <a:p>
+            <a:r>
+              <a:rPr kumimoji="1" lang="en-US" altLang="ja-JP" dirty="0">
+                <a:solidFill>
+                  <a:schemeClr val="bg1"/>
+                </a:solidFill>
+              </a:rPr>
+              <a:t>TGS</a:t>
+            </a:r>
+            <a:endParaRPr kumimoji="1" lang="ja-JP" altLang="en-US">
+              <a:solidFill>
+                <a:schemeClr val="bg1"/>
+              </a:solidFill>
+            </a:endParaRPr>
+          </a:p>
+        </p:txBody>
+      </p:sp>
+      <p:cxnSp>
+        <p:nvCxnSpPr>
+          <p:cNvPr id="36" name="直線矢印コネクタ 35">
+            <a:extLst>
+              <a:ext uri="{FF2B5EF4-FFF2-40B4-BE49-F238E27FC236}">
+                <a16:creationId xmlns:a16="http://schemas.microsoft.com/office/drawing/2014/main" id="{F2CE9390-1080-9D4A-AC61-8B6235A76A2D}"/>
+              </a:ext>
+            </a:extLst>
+          </p:cNvPr>
+          <p:cNvCxnSpPr>
+            <a:cxnSpLocks/>
+          </p:cNvCxnSpPr>
+          <p:nvPr/>
+        </p:nvCxnSpPr>
+        <p:spPr>
+          <a:xfrm flipH="1">
+            <a:off x="2908075" y="2020892"/>
+            <a:ext cx="4023713" cy="0"/>
+          </a:xfrm>
+          <a:prstGeom prst="straightConnector1">
+            <a:avLst/>
+          </a:prstGeom>
+          <a:ln w="38100" cap="sq">
+            <a:solidFill>
+              <a:schemeClr val="tx1"/>
+            </a:solidFill>
+            <a:headEnd type="oval"/>
+            <a:tailEnd type="stealth" w="lg" len="lg"/>
+          </a:ln>
+        </p:spPr>
+        <p:style>
+          <a:lnRef idx="1">
+            <a:schemeClr val="accent1"/>
+          </a:lnRef>
+          <a:fillRef idx="0">
+            <a:schemeClr val="accent1"/>
+          </a:fillRef>
+          <a:effectRef idx="0">
+            <a:schemeClr val="accent1"/>
+          </a:effectRef>
+          <a:fontRef idx="minor">
+            <a:schemeClr val="tx1"/>
+          </a:fontRef>
+        </p:style>
+      </p:cxnSp>
+      <p:sp>
+        <p:nvSpPr>
+          <p:cNvPr id="34" name="1 つの角を切り取った四角形 33">
+            <a:extLst>
+              <a:ext uri="{FF2B5EF4-FFF2-40B4-BE49-F238E27FC236}">
+                <a16:creationId xmlns:a16="http://schemas.microsoft.com/office/drawing/2014/main" id="{1DF906CC-BD38-7948-98F9-8AEF5B2217B5}"/>
+              </a:ext>
+            </a:extLst>
+          </p:cNvPr>
+          <p:cNvSpPr/>
+          <p:nvPr/>
+        </p:nvSpPr>
+        <p:spPr>
+          <a:xfrm rot="16200000">
+            <a:off x="5831415" y="1598548"/>
+            <a:ext cx="363843" cy="776715"/>
+          </a:xfrm>
+          <a:prstGeom prst="snip1Rect">
+            <a:avLst/>
+          </a:prstGeom>
+          <a:solidFill>
+            <a:schemeClr val="accent2"/>
+          </a:solidFill>
+          <a:ln>
+            <a:solidFill>
+              <a:schemeClr val="accent2"/>
+            </a:solidFill>
+          </a:ln>
+        </p:spPr>
+        <p:style>
+          <a:lnRef idx="2">
+            <a:schemeClr val="accent1">
+              <a:shade val="50000"/>
+            </a:schemeClr>
+          </a:lnRef>
+          <a:fillRef idx="1">
+            <a:schemeClr val="accent1"/>
+          </a:fillRef>
+          <a:effectRef idx="0">
+            <a:schemeClr val="accent1"/>
+          </a:effectRef>
+          <a:fontRef idx="minor">
+            <a:schemeClr val="lt1"/>
+          </a:fontRef>
+        </p:style>
+        <p:txBody>
+          <a:bodyPr vert="eaVert" rtlCol="0" anchor="ctr"/>
+          <a:lstStyle/>
+          <a:p>
+            <a:pPr algn="ctr"/>
+            <a:r>
+              <a:rPr kumimoji="1" lang="en-US" altLang="ja-JP" dirty="0"/>
+              <a:t>TGT</a:t>
+            </a:r>
+            <a:endParaRPr kumimoji="1" lang="ja-JP" altLang="en-US"/>
+          </a:p>
+        </p:txBody>
+      </p:sp>
+      <p:cxnSp>
+        <p:nvCxnSpPr>
+          <p:cNvPr id="41" name="直線矢印コネクタ 40">
+            <a:extLst>
+              <a:ext uri="{FF2B5EF4-FFF2-40B4-BE49-F238E27FC236}">
+                <a16:creationId xmlns:a16="http://schemas.microsoft.com/office/drawing/2014/main" id="{8D9AA32A-8827-4540-88B9-4CD6CAED0826}"/>
+              </a:ext>
+            </a:extLst>
+          </p:cNvPr>
+          <p:cNvCxnSpPr>
+            <a:cxnSpLocks/>
+          </p:cNvCxnSpPr>
+          <p:nvPr/>
+        </p:nvCxnSpPr>
+        <p:spPr>
+          <a:xfrm>
+            <a:off x="2908075" y="2603950"/>
+            <a:ext cx="4553806" cy="0"/>
+          </a:xfrm>
+          <a:prstGeom prst="straightConnector1">
+            <a:avLst/>
+          </a:prstGeom>
+          <a:ln w="38100">
+            <a:solidFill>
+              <a:schemeClr val="tx1"/>
+            </a:solidFill>
+            <a:headEnd type="oval"/>
+            <a:tailEnd type="stealth" w="lg" len="lg"/>
+          </a:ln>
+        </p:spPr>
+        <p:style>
+          <a:lnRef idx="1">
+            <a:schemeClr val="accent1"/>
+          </a:lnRef>
+          <a:fillRef idx="0">
+            <a:schemeClr val="accent1"/>
+          </a:fillRef>
+          <a:effectRef idx="0">
+            <a:schemeClr val="accent1"/>
+          </a:effectRef>
+          <a:fontRef idx="minor">
+            <a:schemeClr val="tx1"/>
+          </a:fontRef>
+        </p:style>
+      </p:cxnSp>
+      <p:cxnSp>
+        <p:nvCxnSpPr>
+          <p:cNvPr id="43" name="直線矢印コネクタ 42">
+            <a:extLst>
+              <a:ext uri="{FF2B5EF4-FFF2-40B4-BE49-F238E27FC236}">
+                <a16:creationId xmlns:a16="http://schemas.microsoft.com/office/drawing/2014/main" id="{57130133-41A3-CF43-A3AD-A208D262741D}"/>
+              </a:ext>
+            </a:extLst>
+          </p:cNvPr>
+          <p:cNvCxnSpPr>
+            <a:cxnSpLocks/>
+          </p:cNvCxnSpPr>
+          <p:nvPr/>
+        </p:nvCxnSpPr>
+        <p:spPr>
+          <a:xfrm flipH="1">
+            <a:off x="2927103" y="3225479"/>
+            <a:ext cx="4534778" cy="0"/>
+          </a:xfrm>
+          <a:prstGeom prst="straightConnector1">
+            <a:avLst/>
+          </a:prstGeom>
+          <a:ln w="38100">
+            <a:solidFill>
+              <a:schemeClr val="tx1"/>
+            </a:solidFill>
+            <a:headEnd type="oval"/>
+            <a:tailEnd type="stealth" w="lg" len="lg"/>
+          </a:ln>
+        </p:spPr>
+        <p:style>
+          <a:lnRef idx="1">
+            <a:schemeClr val="accent1"/>
+          </a:lnRef>
+          <a:fillRef idx="0">
+            <a:schemeClr val="accent1"/>
+          </a:fillRef>
+          <a:effectRef idx="0">
+            <a:schemeClr val="accent1"/>
+          </a:effectRef>
+          <a:fontRef idx="minor">
+            <a:schemeClr val="tx1"/>
+          </a:fontRef>
+        </p:style>
+      </p:cxnSp>
+      <p:sp>
+        <p:nvSpPr>
+          <p:cNvPr id="40" name="1 つの角を切り取った四角形 39">
+            <a:extLst>
+              <a:ext uri="{FF2B5EF4-FFF2-40B4-BE49-F238E27FC236}">
+                <a16:creationId xmlns:a16="http://schemas.microsoft.com/office/drawing/2014/main" id="{1C050B37-7C03-7643-9441-C30125B565A0}"/>
+              </a:ext>
+            </a:extLst>
+          </p:cNvPr>
+          <p:cNvSpPr/>
+          <p:nvPr/>
+        </p:nvSpPr>
+        <p:spPr>
+          <a:xfrm rot="16200000">
+            <a:off x="5839719" y="2179048"/>
+            <a:ext cx="347235" cy="776715"/>
+          </a:xfrm>
+          <a:prstGeom prst="snip1Rect">
+            <a:avLst/>
+          </a:prstGeom>
+          <a:solidFill>
+            <a:schemeClr val="accent2"/>
+          </a:solidFill>
+          <a:ln>
+            <a:solidFill>
+              <a:schemeClr val="accent2"/>
+            </a:solidFill>
+          </a:ln>
+        </p:spPr>
+        <p:style>
+          <a:lnRef idx="2">
+            <a:schemeClr val="accent1">
+              <a:shade val="50000"/>
+            </a:schemeClr>
+          </a:lnRef>
+          <a:fillRef idx="1">
+            <a:schemeClr val="accent1"/>
+          </a:fillRef>
+          <a:effectRef idx="0">
+            <a:schemeClr val="accent1"/>
+          </a:effectRef>
+          <a:fontRef idx="minor">
+            <a:schemeClr val="lt1"/>
+          </a:fontRef>
+        </p:style>
+        <p:txBody>
+          <a:bodyPr vert="eaVert" rtlCol="0" anchor="ctr"/>
+          <a:lstStyle/>
+          <a:p>
+            <a:pPr algn="ctr"/>
+            <a:r>
+              <a:rPr kumimoji="1" lang="en-US" altLang="ja-JP" dirty="0"/>
+              <a:t>TGT</a:t>
+            </a:r>
+            <a:endParaRPr kumimoji="1" lang="ja-JP" altLang="en-US"/>
+          </a:p>
+        </p:txBody>
+      </p:sp>
+      <p:sp>
+        <p:nvSpPr>
+          <p:cNvPr id="45" name="1 つの角を切り取った四角形 44">
+            <a:extLst>
+              <a:ext uri="{FF2B5EF4-FFF2-40B4-BE49-F238E27FC236}">
+                <a16:creationId xmlns:a16="http://schemas.microsoft.com/office/drawing/2014/main" id="{578D5406-B61D-8A4C-B8F2-9FB1B65F7EF9}"/>
+              </a:ext>
+            </a:extLst>
+          </p:cNvPr>
+          <p:cNvSpPr/>
+          <p:nvPr/>
+        </p:nvSpPr>
+        <p:spPr>
+          <a:xfrm rot="16200000">
+            <a:off x="4843999" y="2755055"/>
+            <a:ext cx="450355" cy="909600"/>
+          </a:xfrm>
+          <a:prstGeom prst="snip1Rect">
+            <a:avLst/>
+          </a:prstGeom>
+          <a:solidFill>
+            <a:schemeClr val="accent1"/>
+          </a:solidFill>
+          <a:ln>
+            <a:solidFill>
+              <a:schemeClr val="accent1"/>
+            </a:solidFill>
+          </a:ln>
+        </p:spPr>
+        <p:style>
+          <a:lnRef idx="2">
+            <a:schemeClr val="accent1">
+              <a:shade val="50000"/>
+            </a:schemeClr>
+          </a:lnRef>
+          <a:fillRef idx="1">
+            <a:schemeClr val="accent1"/>
+          </a:fillRef>
+          <a:effectRef idx="0">
+            <a:schemeClr val="accent1"/>
+          </a:effectRef>
+          <a:fontRef idx="minor">
+            <a:schemeClr val="lt1"/>
+          </a:fontRef>
+        </p:style>
+        <p:txBody>
+          <a:bodyPr vert="eaVert" rtlCol="0" anchor="ctr"/>
+          <a:lstStyle/>
+          <a:p>
+            <a:pPr algn="ctr"/>
+            <a:r>
+              <a:rPr lang="en-US" altLang="ja-JP" sz="1600" dirty="0"/>
+              <a:t>Service Ticket</a:t>
+            </a:r>
+            <a:r>
+              <a:rPr lang="en-US" altLang="ja-JP" sz="1600" dirty="0">
+                <a:solidFill>
+                  <a:srgbClr val="FF0000"/>
+                </a:solidFill>
+              </a:rPr>
+              <a:t>1</a:t>
+            </a:r>
+            <a:endParaRPr kumimoji="1" lang="ja-JP" altLang="en-US" sz="1600">
+              <a:solidFill>
+                <a:srgbClr val="FF0000"/>
+              </a:solidFill>
+            </a:endParaRPr>
+          </a:p>
+        </p:txBody>
+      </p:sp>
+      <p:cxnSp>
+        <p:nvCxnSpPr>
+          <p:cNvPr id="47" name="直線矢印コネクタ 46">
+            <a:extLst>
+              <a:ext uri="{FF2B5EF4-FFF2-40B4-BE49-F238E27FC236}">
+                <a16:creationId xmlns:a16="http://schemas.microsoft.com/office/drawing/2014/main" id="{DB683186-87CF-7A45-A4F1-8037BCF86F72}"/>
+              </a:ext>
+            </a:extLst>
+          </p:cNvPr>
+          <p:cNvCxnSpPr>
+            <a:cxnSpLocks/>
+          </p:cNvCxnSpPr>
+          <p:nvPr/>
+        </p:nvCxnSpPr>
+        <p:spPr>
+          <a:xfrm>
+            <a:off x="2951967" y="3896218"/>
+            <a:ext cx="5938076" cy="0"/>
+          </a:xfrm>
+          <a:prstGeom prst="straightConnector1">
+            <a:avLst/>
+          </a:prstGeom>
+          <a:ln w="38100">
+            <a:solidFill>
+              <a:schemeClr val="tx1"/>
+            </a:solidFill>
+            <a:headEnd type="oval"/>
+            <a:tailEnd type="stealth" w="lg" len="lg"/>
+          </a:ln>
+        </p:spPr>
+        <p:style>
+          <a:lnRef idx="1">
+            <a:schemeClr val="accent1"/>
+          </a:lnRef>
+          <a:fillRef idx="0">
+            <a:schemeClr val="accent1"/>
+          </a:fillRef>
+          <a:effectRef idx="0">
+            <a:schemeClr val="accent1"/>
+          </a:effectRef>
+          <a:fontRef idx="minor">
+            <a:schemeClr val="tx1"/>
+          </a:fontRef>
+        </p:style>
+      </p:cxnSp>
+      <p:sp>
+        <p:nvSpPr>
+          <p:cNvPr id="49" name="1 つの角を切り取った四角形 48">
+            <a:extLst>
+              <a:ext uri="{FF2B5EF4-FFF2-40B4-BE49-F238E27FC236}">
+                <a16:creationId xmlns:a16="http://schemas.microsoft.com/office/drawing/2014/main" id="{9B860A93-1A84-944E-A3B9-4BBEFE0467C4}"/>
+              </a:ext>
+            </a:extLst>
+          </p:cNvPr>
+          <p:cNvSpPr/>
+          <p:nvPr/>
+        </p:nvSpPr>
+        <p:spPr>
+          <a:xfrm rot="16200000">
+            <a:off x="6174484" y="3425175"/>
+            <a:ext cx="434514" cy="859638"/>
+          </a:xfrm>
+          <a:prstGeom prst="snip1Rect">
+            <a:avLst/>
+          </a:prstGeom>
+          <a:solidFill>
+            <a:schemeClr val="accent1"/>
+          </a:solidFill>
+          <a:ln>
+            <a:solidFill>
+              <a:schemeClr val="accent1"/>
+            </a:solidFill>
+          </a:ln>
+        </p:spPr>
+        <p:style>
+          <a:lnRef idx="2">
+            <a:schemeClr val="accent1">
+              <a:shade val="50000"/>
+            </a:schemeClr>
+          </a:lnRef>
+          <a:fillRef idx="1">
+            <a:schemeClr val="accent1"/>
+          </a:fillRef>
+          <a:effectRef idx="0">
+            <a:schemeClr val="accent1"/>
+          </a:effectRef>
+          <a:fontRef idx="minor">
+            <a:schemeClr val="lt1"/>
+          </a:fontRef>
+        </p:style>
+        <p:txBody>
+          <a:bodyPr vert="eaVert" rtlCol="0" anchor="ctr"/>
+          <a:lstStyle/>
+          <a:p>
+            <a:pPr algn="ctr"/>
+            <a:r>
+              <a:rPr lang="en-US" altLang="ja-JP" sz="1600" dirty="0"/>
+              <a:t>Service Ticket</a:t>
+            </a:r>
+            <a:r>
+              <a:rPr lang="en-US" altLang="ja-JP" sz="1600" dirty="0">
+                <a:solidFill>
+                  <a:srgbClr val="FF0000"/>
+                </a:solidFill>
+              </a:rPr>
+              <a:t>1</a:t>
+            </a:r>
+            <a:endParaRPr kumimoji="1" lang="ja-JP" altLang="en-US" sz="1600">
+              <a:solidFill>
+                <a:srgbClr val="FF0000"/>
+              </a:solidFill>
+            </a:endParaRPr>
+          </a:p>
+        </p:txBody>
+      </p:sp>
+      <p:cxnSp>
+        <p:nvCxnSpPr>
+          <p:cNvPr id="50" name="直線矢印コネクタ 49">
+            <a:extLst>
+              <a:ext uri="{FF2B5EF4-FFF2-40B4-BE49-F238E27FC236}">
+                <a16:creationId xmlns:a16="http://schemas.microsoft.com/office/drawing/2014/main" id="{B5567FC1-115D-7241-B88F-7D29570227AD}"/>
+              </a:ext>
+            </a:extLst>
+          </p:cNvPr>
+          <p:cNvCxnSpPr>
+            <a:cxnSpLocks/>
+          </p:cNvCxnSpPr>
+          <p:nvPr/>
+        </p:nvCxnSpPr>
+        <p:spPr>
+          <a:xfrm flipH="1">
+            <a:off x="2908075" y="4354910"/>
+            <a:ext cx="5972454" cy="0"/>
+          </a:xfrm>
+          <a:prstGeom prst="straightConnector1">
+            <a:avLst/>
+          </a:prstGeom>
+          <a:ln w="38100">
+            <a:solidFill>
+              <a:schemeClr val="tx1"/>
+            </a:solidFill>
+            <a:headEnd type="oval"/>
+            <a:tailEnd type="stealth" w="lg" len="lg"/>
+          </a:ln>
+        </p:spPr>
+        <p:style>
+          <a:lnRef idx="1">
+            <a:schemeClr val="accent1"/>
+          </a:lnRef>
+          <a:fillRef idx="0">
+            <a:schemeClr val="accent1"/>
+          </a:fillRef>
+          <a:effectRef idx="0">
+            <a:schemeClr val="accent1"/>
+          </a:effectRef>
+          <a:fontRef idx="minor">
+            <a:schemeClr val="tx1"/>
+          </a:fontRef>
+        </p:style>
+      </p:cxnSp>
+      <p:cxnSp>
+        <p:nvCxnSpPr>
+          <p:cNvPr id="52" name="直線矢印コネクタ 51">
+            <a:extLst>
+              <a:ext uri="{FF2B5EF4-FFF2-40B4-BE49-F238E27FC236}">
+                <a16:creationId xmlns:a16="http://schemas.microsoft.com/office/drawing/2014/main" id="{D8B4DEA9-AD1C-E34C-8B78-24A954D70D8F}"/>
+              </a:ext>
+            </a:extLst>
+          </p:cNvPr>
+          <p:cNvCxnSpPr>
+            <a:cxnSpLocks/>
+          </p:cNvCxnSpPr>
+          <p:nvPr/>
+        </p:nvCxnSpPr>
+        <p:spPr>
+          <a:xfrm>
+            <a:off x="2910163" y="4910822"/>
+            <a:ext cx="4553806" cy="0"/>
+          </a:xfrm>
+          <a:prstGeom prst="straightConnector1">
+            <a:avLst/>
+          </a:prstGeom>
+          <a:ln w="38100">
+            <a:solidFill>
+              <a:schemeClr val="tx1"/>
+            </a:solidFill>
+            <a:headEnd type="oval"/>
+            <a:tailEnd type="stealth" w="lg" len="lg"/>
+          </a:ln>
+        </p:spPr>
+        <p:style>
+          <a:lnRef idx="1">
+            <a:schemeClr val="accent1"/>
+          </a:lnRef>
+          <a:fillRef idx="0">
+            <a:schemeClr val="accent1"/>
+          </a:fillRef>
+          <a:effectRef idx="0">
+            <a:schemeClr val="accent1"/>
+          </a:effectRef>
+          <a:fontRef idx="minor">
+            <a:schemeClr val="tx1"/>
+          </a:fontRef>
+        </p:style>
+      </p:cxnSp>
+      <p:cxnSp>
+        <p:nvCxnSpPr>
+          <p:cNvPr id="53" name="直線矢印コネクタ 52">
+            <a:extLst>
+              <a:ext uri="{FF2B5EF4-FFF2-40B4-BE49-F238E27FC236}">
+                <a16:creationId xmlns:a16="http://schemas.microsoft.com/office/drawing/2014/main" id="{468B9DD0-49F1-3F4B-9CC8-A9EC0FAB6F38}"/>
+              </a:ext>
+            </a:extLst>
+          </p:cNvPr>
+          <p:cNvCxnSpPr>
+            <a:cxnSpLocks/>
+          </p:cNvCxnSpPr>
+          <p:nvPr/>
+        </p:nvCxnSpPr>
+        <p:spPr>
+          <a:xfrm flipH="1">
+            <a:off x="2917589" y="5457195"/>
+            <a:ext cx="4534778" cy="0"/>
+          </a:xfrm>
+          <a:prstGeom prst="straightConnector1">
+            <a:avLst/>
+          </a:prstGeom>
+          <a:ln w="38100">
+            <a:solidFill>
+              <a:schemeClr val="tx1"/>
+            </a:solidFill>
+            <a:headEnd type="oval"/>
+            <a:tailEnd type="stealth" w="lg" len="lg"/>
+          </a:ln>
+        </p:spPr>
+        <p:style>
+          <a:lnRef idx="1">
+            <a:schemeClr val="accent1"/>
+          </a:lnRef>
+          <a:fillRef idx="0">
+            <a:schemeClr val="accent1"/>
+          </a:fillRef>
+          <a:effectRef idx="0">
+            <a:schemeClr val="accent1"/>
+          </a:effectRef>
+          <a:fontRef idx="minor">
+            <a:schemeClr val="tx1"/>
+          </a:fontRef>
+        </p:style>
+      </p:cxnSp>
+      <p:sp>
+        <p:nvSpPr>
+          <p:cNvPr id="54" name="1 つの角を切り取った四角形 53">
+            <a:extLst>
+              <a:ext uri="{FF2B5EF4-FFF2-40B4-BE49-F238E27FC236}">
+                <a16:creationId xmlns:a16="http://schemas.microsoft.com/office/drawing/2014/main" id="{1BBA6FE8-8031-5040-BA57-803C318DD610}"/>
+              </a:ext>
+            </a:extLst>
+          </p:cNvPr>
+          <p:cNvSpPr/>
+          <p:nvPr/>
+        </p:nvSpPr>
+        <p:spPr>
+          <a:xfrm rot="16200000">
+            <a:off x="6091079" y="4551838"/>
+            <a:ext cx="345233" cy="697169"/>
+          </a:xfrm>
+          <a:prstGeom prst="snip1Rect">
+            <a:avLst/>
+          </a:prstGeom>
+          <a:solidFill>
+            <a:schemeClr val="accent2"/>
+          </a:solidFill>
+          <a:ln>
+            <a:solidFill>
+              <a:schemeClr val="accent2"/>
+            </a:solidFill>
+          </a:ln>
+        </p:spPr>
+        <p:style>
+          <a:lnRef idx="2">
+            <a:schemeClr val="accent1">
+              <a:shade val="50000"/>
+            </a:schemeClr>
+          </a:lnRef>
+          <a:fillRef idx="1">
+            <a:schemeClr val="accent1"/>
+          </a:fillRef>
+          <a:effectRef idx="0">
+            <a:schemeClr val="accent1"/>
+          </a:effectRef>
+          <a:fontRef idx="minor">
+            <a:schemeClr val="lt1"/>
+          </a:fontRef>
+        </p:style>
+        <p:txBody>
+          <a:bodyPr vert="eaVert" rtlCol="0" anchor="ctr"/>
+          <a:lstStyle/>
+          <a:p>
+            <a:pPr algn="ctr"/>
+            <a:r>
+              <a:rPr kumimoji="1" lang="en-US" altLang="ja-JP" dirty="0"/>
+              <a:t>TGT</a:t>
+            </a:r>
+            <a:endParaRPr kumimoji="1" lang="ja-JP" altLang="en-US"/>
+          </a:p>
+        </p:txBody>
+      </p:sp>
+      <p:sp>
+        <p:nvSpPr>
+          <p:cNvPr id="55" name="1 つの角を切り取った四角形 54">
+            <a:extLst>
+              <a:ext uri="{FF2B5EF4-FFF2-40B4-BE49-F238E27FC236}">
+                <a16:creationId xmlns:a16="http://schemas.microsoft.com/office/drawing/2014/main" id="{BE20E62A-EBC4-A54D-8BCD-D02587DA603F}"/>
+              </a:ext>
+            </a:extLst>
+          </p:cNvPr>
+          <p:cNvSpPr/>
+          <p:nvPr/>
+        </p:nvSpPr>
+        <p:spPr>
+          <a:xfrm rot="16200000">
+            <a:off x="4562457" y="4980310"/>
+            <a:ext cx="454710" cy="917186"/>
+          </a:xfrm>
+          <a:prstGeom prst="snip1Rect">
+            <a:avLst/>
+          </a:prstGeom>
+          <a:solidFill>
+            <a:schemeClr val="accent1"/>
+          </a:solidFill>
+          <a:ln>
+            <a:solidFill>
+              <a:schemeClr val="accent1"/>
+            </a:solidFill>
+          </a:ln>
+        </p:spPr>
+        <p:style>
+          <a:lnRef idx="2">
+            <a:schemeClr val="accent1">
+              <a:shade val="50000"/>
+            </a:schemeClr>
+          </a:lnRef>
+          <a:fillRef idx="1">
+            <a:schemeClr val="accent1"/>
+          </a:fillRef>
+          <a:effectRef idx="0">
+            <a:schemeClr val="accent1"/>
+          </a:effectRef>
+          <a:fontRef idx="minor">
+            <a:schemeClr val="lt1"/>
+          </a:fontRef>
+        </p:style>
+        <p:txBody>
+          <a:bodyPr vert="eaVert" rtlCol="0" anchor="ctr"/>
+          <a:lstStyle/>
+          <a:p>
+            <a:pPr algn="ctr"/>
+            <a:r>
+              <a:rPr lang="en-US" altLang="ja-JP" sz="1600" dirty="0"/>
+              <a:t>Service Ticket</a:t>
+            </a:r>
+            <a:r>
+              <a:rPr lang="en-US" altLang="ja-JP" sz="1600" dirty="0">
+                <a:solidFill>
+                  <a:srgbClr val="FF0000"/>
+                </a:solidFill>
+              </a:rPr>
+              <a:t>2</a:t>
+            </a:r>
+            <a:endParaRPr kumimoji="1" lang="ja-JP" altLang="en-US" sz="1600">
+              <a:solidFill>
+                <a:srgbClr val="FF0000"/>
+              </a:solidFill>
+            </a:endParaRPr>
+          </a:p>
+        </p:txBody>
+      </p:sp>
+      <p:cxnSp>
+        <p:nvCxnSpPr>
+          <p:cNvPr id="62" name="直線矢印コネクタ 61">
+            <a:extLst>
+              <a:ext uri="{FF2B5EF4-FFF2-40B4-BE49-F238E27FC236}">
+                <a16:creationId xmlns:a16="http://schemas.microsoft.com/office/drawing/2014/main" id="{CC837876-460E-534D-B397-6648C68477D2}"/>
+              </a:ext>
+            </a:extLst>
+          </p:cNvPr>
+          <p:cNvCxnSpPr>
+            <a:cxnSpLocks/>
+          </p:cNvCxnSpPr>
+          <p:nvPr/>
+        </p:nvCxnSpPr>
+        <p:spPr>
+          <a:xfrm flipV="1">
+            <a:off x="2927102" y="6048829"/>
+            <a:ext cx="7443302" cy="1"/>
+          </a:xfrm>
+          <a:prstGeom prst="straightConnector1">
+            <a:avLst/>
+          </a:prstGeom>
+          <a:ln w="38100">
+            <a:solidFill>
+              <a:schemeClr val="tx1"/>
+            </a:solidFill>
+            <a:headEnd type="oval"/>
+            <a:tailEnd type="stealth" w="lg" len="lg"/>
+          </a:ln>
+        </p:spPr>
+        <p:style>
+          <a:lnRef idx="1">
+            <a:schemeClr val="accent1"/>
+          </a:lnRef>
+          <a:fillRef idx="0">
+            <a:schemeClr val="accent1"/>
+          </a:fillRef>
+          <a:effectRef idx="0">
+            <a:schemeClr val="accent1"/>
+          </a:effectRef>
+          <a:fontRef idx="minor">
+            <a:schemeClr val="tx1"/>
+          </a:fontRef>
+        </p:style>
+      </p:cxnSp>
+      <p:sp>
+        <p:nvSpPr>
+          <p:cNvPr id="63" name="1 つの角を切り取った四角形 62">
+            <a:extLst>
+              <a:ext uri="{FF2B5EF4-FFF2-40B4-BE49-F238E27FC236}">
+                <a16:creationId xmlns:a16="http://schemas.microsoft.com/office/drawing/2014/main" id="{4D70C41B-9960-EC48-AE91-23FC3E3898A2}"/>
+              </a:ext>
+            </a:extLst>
+          </p:cNvPr>
+          <p:cNvSpPr/>
+          <p:nvPr/>
+        </p:nvSpPr>
+        <p:spPr>
+          <a:xfrm rot="16200000">
+            <a:off x="7526561" y="5587023"/>
+            <a:ext cx="463772" cy="888209"/>
+          </a:xfrm>
+          <a:prstGeom prst="snip1Rect">
+            <a:avLst/>
+          </a:prstGeom>
+          <a:solidFill>
+            <a:schemeClr val="accent1"/>
+          </a:solidFill>
+          <a:ln>
+            <a:solidFill>
+              <a:schemeClr val="accent1"/>
+            </a:solidFill>
+          </a:ln>
+        </p:spPr>
+        <p:style>
+          <a:lnRef idx="2">
+            <a:schemeClr val="accent1">
+              <a:shade val="50000"/>
+            </a:schemeClr>
+          </a:lnRef>
+          <a:fillRef idx="1">
+            <a:schemeClr val="accent1"/>
+          </a:fillRef>
+          <a:effectRef idx="0">
+            <a:schemeClr val="accent1"/>
+          </a:effectRef>
+          <a:fontRef idx="minor">
+            <a:schemeClr val="lt1"/>
+          </a:fontRef>
+        </p:style>
+        <p:txBody>
+          <a:bodyPr vert="eaVert" rtlCol="0" anchor="ctr"/>
+          <a:lstStyle/>
+          <a:p>
+            <a:pPr algn="ctr"/>
+            <a:r>
+              <a:rPr lang="en-US" altLang="ja-JP" sz="1600" dirty="0"/>
+              <a:t>Service Ticket</a:t>
+            </a:r>
+            <a:r>
+              <a:rPr lang="en-US" altLang="ja-JP" sz="1600" dirty="0">
+                <a:solidFill>
+                  <a:srgbClr val="FF0000"/>
+                </a:solidFill>
+              </a:rPr>
+              <a:t>2</a:t>
+            </a:r>
+            <a:endParaRPr kumimoji="1" lang="ja-JP" altLang="en-US" sz="1600">
+              <a:solidFill>
+                <a:srgbClr val="FF0000"/>
+              </a:solidFill>
+            </a:endParaRPr>
+          </a:p>
+        </p:txBody>
+      </p:sp>
+      <p:cxnSp>
+        <p:nvCxnSpPr>
+          <p:cNvPr id="64" name="直線矢印コネクタ 63">
+            <a:extLst>
+              <a:ext uri="{FF2B5EF4-FFF2-40B4-BE49-F238E27FC236}">
+                <a16:creationId xmlns:a16="http://schemas.microsoft.com/office/drawing/2014/main" id="{93583552-FE14-CC4A-A3C8-7568D74BFE0F}"/>
+              </a:ext>
+            </a:extLst>
+          </p:cNvPr>
+          <p:cNvCxnSpPr>
+            <a:cxnSpLocks/>
+          </p:cNvCxnSpPr>
+          <p:nvPr/>
+        </p:nvCxnSpPr>
+        <p:spPr>
+          <a:xfrm flipH="1">
+            <a:off x="2927104" y="6479660"/>
+            <a:ext cx="7443300" cy="0"/>
+          </a:xfrm>
+          <a:prstGeom prst="straightConnector1">
+            <a:avLst/>
+          </a:prstGeom>
+          <a:ln w="38100">
+            <a:solidFill>
+              <a:schemeClr val="tx1"/>
+            </a:solidFill>
+            <a:headEnd type="oval"/>
+            <a:tailEnd type="stealth" w="lg" len="lg"/>
+          </a:ln>
+        </p:spPr>
+        <p:style>
+          <a:lnRef idx="1">
+            <a:schemeClr val="accent1"/>
+          </a:lnRef>
+          <a:fillRef idx="0">
+            <a:schemeClr val="accent1"/>
+          </a:fillRef>
+          <a:effectRef idx="0">
+            <a:schemeClr val="accent1"/>
+          </a:effectRef>
+          <a:fontRef idx="minor">
+            <a:schemeClr val="tx1"/>
+          </a:fontRef>
+        </p:style>
+      </p:cxnSp>
+      <p:sp>
+        <p:nvSpPr>
+          <p:cNvPr id="77" name="テキスト ボックス 76">
+            <a:extLst>
+              <a:ext uri="{FF2B5EF4-FFF2-40B4-BE49-F238E27FC236}">
+                <a16:creationId xmlns:a16="http://schemas.microsoft.com/office/drawing/2014/main" id="{4E5E619F-B9F6-EA4E-84D9-B8ABE9B9537F}"/>
+              </a:ext>
+            </a:extLst>
+          </p:cNvPr>
+          <p:cNvSpPr txBox="1"/>
+          <p:nvPr/>
+        </p:nvSpPr>
+        <p:spPr>
+          <a:xfrm>
+            <a:off x="3431442" y="1262182"/>
+            <a:ext cx="2342308" cy="338554"/>
+          </a:xfrm>
+          <a:prstGeom prst="rect">
+            <a:avLst/>
+          </a:prstGeom>
+          <a:noFill/>
+        </p:spPr>
+        <p:txBody>
+          <a:bodyPr wrap="none" rtlCol="0">
+            <a:spAutoFit/>
+          </a:bodyPr>
+          <a:lstStyle/>
+          <a:p>
+            <a:r>
+              <a:rPr kumimoji="1" lang="en-US" altLang="ja-JP" sz="1600" dirty="0"/>
+              <a:t>ID/</a:t>
+            </a:r>
+            <a:r>
+              <a:rPr kumimoji="1" lang="ja-JP" altLang="en-US" sz="1600"/>
+              <a:t>パス</a:t>
+            </a:r>
+            <a:r>
+              <a:rPr lang="ja-JP" altLang="en-US" sz="1600"/>
+              <a:t>ワード資格情報</a:t>
+            </a:r>
+            <a:endParaRPr kumimoji="1" lang="ja-JP" altLang="en-US" sz="1600"/>
+          </a:p>
+        </p:txBody>
+      </p:sp>
+      <p:sp>
+        <p:nvSpPr>
+          <p:cNvPr id="78" name="テキスト ボックス 77">
+            <a:extLst>
+              <a:ext uri="{FF2B5EF4-FFF2-40B4-BE49-F238E27FC236}">
+                <a16:creationId xmlns:a16="http://schemas.microsoft.com/office/drawing/2014/main" id="{76AD4C0E-2E88-2C4A-A2EB-5E8BA4707FCC}"/>
+              </a:ext>
+            </a:extLst>
+          </p:cNvPr>
+          <p:cNvSpPr txBox="1"/>
+          <p:nvPr/>
+        </p:nvSpPr>
+        <p:spPr>
+          <a:xfrm>
+            <a:off x="4163055" y="1703624"/>
+            <a:ext cx="1005403" cy="338554"/>
+          </a:xfrm>
+          <a:prstGeom prst="rect">
+            <a:avLst/>
+          </a:prstGeom>
+          <a:noFill/>
+        </p:spPr>
+        <p:txBody>
+          <a:bodyPr wrap="none" rtlCol="0">
+            <a:spAutoFit/>
+          </a:bodyPr>
+          <a:lstStyle/>
+          <a:p>
+            <a:r>
+              <a:rPr kumimoji="1" lang="ja-JP" altLang="en-US" sz="1600"/>
+              <a:t>認証成功</a:t>
+            </a:r>
+          </a:p>
+        </p:txBody>
+      </p:sp>
+      <p:sp>
+        <p:nvSpPr>
+          <p:cNvPr id="79" name="テキスト ボックス 78">
+            <a:extLst>
+              <a:ext uri="{FF2B5EF4-FFF2-40B4-BE49-F238E27FC236}">
+                <a16:creationId xmlns:a16="http://schemas.microsoft.com/office/drawing/2014/main" id="{C7D970BE-45E2-3C47-97AE-152F14169D29}"/>
+              </a:ext>
+            </a:extLst>
+          </p:cNvPr>
+          <p:cNvSpPr txBox="1"/>
+          <p:nvPr/>
+        </p:nvSpPr>
+        <p:spPr>
+          <a:xfrm>
+            <a:off x="3035895" y="2267922"/>
+            <a:ext cx="2236510" cy="338554"/>
+          </a:xfrm>
+          <a:prstGeom prst="rect">
+            <a:avLst/>
+          </a:prstGeom>
+          <a:noFill/>
+        </p:spPr>
+        <p:txBody>
+          <a:bodyPr wrap="none" rtlCol="0">
+            <a:spAutoFit/>
+          </a:bodyPr>
+          <a:lstStyle/>
+          <a:p>
+            <a:r>
+              <a:rPr kumimoji="1" lang="ja-JP" altLang="en-US" sz="1600"/>
+              <a:t>サービスチケット要求</a:t>
+            </a:r>
+          </a:p>
+        </p:txBody>
+      </p:sp>
+      <p:sp>
+        <p:nvSpPr>
+          <p:cNvPr id="81" name="テキスト ボックス 80">
+            <a:extLst>
+              <a:ext uri="{FF2B5EF4-FFF2-40B4-BE49-F238E27FC236}">
+                <a16:creationId xmlns:a16="http://schemas.microsoft.com/office/drawing/2014/main" id="{4A5C4273-4CE5-974B-B323-89FB86FDF02D}"/>
+              </a:ext>
+            </a:extLst>
+          </p:cNvPr>
+          <p:cNvSpPr txBox="1"/>
+          <p:nvPr/>
+        </p:nvSpPr>
+        <p:spPr>
+          <a:xfrm>
+            <a:off x="2969538" y="2628867"/>
+            <a:ext cx="1826141" cy="584775"/>
+          </a:xfrm>
+          <a:prstGeom prst="rect">
+            <a:avLst/>
+          </a:prstGeom>
+          <a:noFill/>
+        </p:spPr>
+        <p:txBody>
+          <a:bodyPr wrap="none" rtlCol="0">
+            <a:spAutoFit/>
+          </a:bodyPr>
+          <a:lstStyle/>
+          <a:p>
+            <a:r>
+              <a:rPr kumimoji="1" lang="ja-JP" altLang="en-US" sz="1600"/>
+              <a:t>サービスチケット</a:t>
+            </a:r>
+            <a:endParaRPr kumimoji="1" lang="en-US" altLang="ja-JP" sz="1600" dirty="0"/>
+          </a:p>
+          <a:p>
+            <a:r>
+              <a:rPr lang="ja-JP" altLang="en-US" sz="1600"/>
+              <a:t>払い出し</a:t>
+            </a:r>
+            <a:endParaRPr kumimoji="1" lang="ja-JP" altLang="en-US" sz="1600"/>
+          </a:p>
+        </p:txBody>
+      </p:sp>
+      <p:sp>
+        <p:nvSpPr>
+          <p:cNvPr id="83" name="テキスト ボックス 82">
+            <a:extLst>
+              <a:ext uri="{FF2B5EF4-FFF2-40B4-BE49-F238E27FC236}">
+                <a16:creationId xmlns:a16="http://schemas.microsoft.com/office/drawing/2014/main" id="{1CDD5911-B5F4-804D-A312-F41D20AAA57C}"/>
+              </a:ext>
+            </a:extLst>
+          </p:cNvPr>
+          <p:cNvSpPr txBox="1"/>
+          <p:nvPr/>
+        </p:nvSpPr>
+        <p:spPr>
+          <a:xfrm>
+            <a:off x="8380188" y="774755"/>
+            <a:ext cx="1116437" cy="646331"/>
+          </a:xfrm>
+          <a:prstGeom prst="rect">
+            <a:avLst/>
+          </a:prstGeom>
+        </p:spPr>
+        <p:style>
+          <a:lnRef idx="2">
+            <a:schemeClr val="dk1"/>
+          </a:lnRef>
+          <a:fillRef idx="1">
+            <a:schemeClr val="lt1"/>
+          </a:fillRef>
+          <a:effectRef idx="0">
+            <a:schemeClr val="dk1"/>
+          </a:effectRef>
+          <a:fontRef idx="minor">
+            <a:schemeClr val="dk1"/>
+          </a:fontRef>
+        </p:style>
+        <p:txBody>
+          <a:bodyPr wrap="square" rtlCol="0">
+            <a:spAutoFit/>
+          </a:bodyPr>
+          <a:lstStyle/>
+          <a:p>
+            <a:r>
+              <a:rPr lang="ja-JP" altLang="en-US"/>
+              <a:t>ファイル</a:t>
+            </a:r>
+            <a:endParaRPr lang="en-US" altLang="ja-JP" dirty="0"/>
+          </a:p>
+          <a:p>
+            <a:pPr algn="ctr"/>
+            <a:r>
+              <a:rPr lang="ja-JP" altLang="en-US"/>
+              <a:t>サーバ</a:t>
+            </a:r>
+            <a:endParaRPr kumimoji="1" lang="ja-JP" altLang="en-US"/>
+          </a:p>
+        </p:txBody>
+      </p:sp>
+      <p:sp>
+        <p:nvSpPr>
+          <p:cNvPr id="84" name="テキスト ボックス 83">
+            <a:extLst>
+              <a:ext uri="{FF2B5EF4-FFF2-40B4-BE49-F238E27FC236}">
+                <a16:creationId xmlns:a16="http://schemas.microsoft.com/office/drawing/2014/main" id="{CBB8D7A2-F4E8-1443-9598-737A0C09361D}"/>
+              </a:ext>
+            </a:extLst>
+          </p:cNvPr>
+          <p:cNvSpPr txBox="1"/>
+          <p:nvPr/>
+        </p:nvSpPr>
+        <p:spPr>
+          <a:xfrm>
+            <a:off x="9924290" y="754410"/>
+            <a:ext cx="877163" cy="646331"/>
+          </a:xfrm>
+          <a:prstGeom prst="rect">
+            <a:avLst/>
+          </a:prstGeom>
+        </p:spPr>
+        <p:style>
+          <a:lnRef idx="2">
+            <a:schemeClr val="dk1"/>
+          </a:lnRef>
+          <a:fillRef idx="1">
+            <a:schemeClr val="lt1"/>
+          </a:fillRef>
+          <a:effectRef idx="0">
+            <a:schemeClr val="dk1"/>
+          </a:effectRef>
+          <a:fontRef idx="minor">
+            <a:schemeClr val="dk1"/>
+          </a:fontRef>
+        </p:style>
+        <p:txBody>
+          <a:bodyPr wrap="none" rtlCol="0">
+            <a:spAutoFit/>
+          </a:bodyPr>
+          <a:lstStyle/>
+          <a:p>
+            <a:pPr algn="ctr"/>
+            <a:r>
+              <a:rPr lang="en-US" altLang="ja-JP" dirty="0"/>
+              <a:t>LDAP</a:t>
+            </a:r>
+          </a:p>
+          <a:p>
+            <a:r>
+              <a:rPr lang="ja-JP" altLang="en-US"/>
+              <a:t>サーバ</a:t>
+            </a:r>
+            <a:endParaRPr kumimoji="1" lang="ja-JP" altLang="en-US"/>
+          </a:p>
+        </p:txBody>
+      </p:sp>
+      <p:sp>
+        <p:nvSpPr>
+          <p:cNvPr id="85" name="テキスト ボックス 84">
+            <a:extLst>
+              <a:ext uri="{FF2B5EF4-FFF2-40B4-BE49-F238E27FC236}">
+                <a16:creationId xmlns:a16="http://schemas.microsoft.com/office/drawing/2014/main" id="{E6C22A5E-80FC-1748-9E3A-B8AC3B1ED95F}"/>
+              </a:ext>
+            </a:extLst>
+          </p:cNvPr>
+          <p:cNvSpPr txBox="1"/>
+          <p:nvPr/>
+        </p:nvSpPr>
+        <p:spPr>
+          <a:xfrm>
+            <a:off x="3400192" y="3532104"/>
+            <a:ext cx="2031325" cy="338554"/>
+          </a:xfrm>
+          <a:prstGeom prst="rect">
+            <a:avLst/>
+          </a:prstGeom>
+          <a:noFill/>
+        </p:spPr>
+        <p:txBody>
+          <a:bodyPr wrap="none" rtlCol="0">
+            <a:spAutoFit/>
+          </a:bodyPr>
+          <a:lstStyle/>
+          <a:p>
+            <a:r>
+              <a:rPr kumimoji="1" lang="ja-JP" altLang="en-US" sz="1600"/>
+              <a:t>ファイルサーバ認証</a:t>
+            </a:r>
+          </a:p>
+        </p:txBody>
+      </p:sp>
+      <p:sp>
+        <p:nvSpPr>
+          <p:cNvPr id="87" name="テキスト ボックス 86">
+            <a:extLst>
+              <a:ext uri="{FF2B5EF4-FFF2-40B4-BE49-F238E27FC236}">
+                <a16:creationId xmlns:a16="http://schemas.microsoft.com/office/drawing/2014/main" id="{51773802-BD7A-654A-A857-8C868AF31ED0}"/>
+              </a:ext>
+            </a:extLst>
+          </p:cNvPr>
+          <p:cNvSpPr txBox="1"/>
+          <p:nvPr/>
+        </p:nvSpPr>
+        <p:spPr>
+          <a:xfrm>
+            <a:off x="3271111" y="4033261"/>
+            <a:ext cx="2441694" cy="338554"/>
+          </a:xfrm>
+          <a:prstGeom prst="rect">
+            <a:avLst/>
+          </a:prstGeom>
+          <a:noFill/>
+        </p:spPr>
+        <p:txBody>
+          <a:bodyPr wrap="none" rtlCol="0">
+            <a:spAutoFit/>
+          </a:bodyPr>
+          <a:lstStyle/>
+          <a:p>
+            <a:r>
+              <a:rPr kumimoji="1" lang="ja-JP" altLang="en-US" sz="1600"/>
+              <a:t>ファイルサーバ認証成功</a:t>
+            </a:r>
+          </a:p>
+        </p:txBody>
+      </p:sp>
+      <p:sp>
+        <p:nvSpPr>
+          <p:cNvPr id="88" name="テキスト ボックス 87">
+            <a:extLst>
+              <a:ext uri="{FF2B5EF4-FFF2-40B4-BE49-F238E27FC236}">
+                <a16:creationId xmlns:a16="http://schemas.microsoft.com/office/drawing/2014/main" id="{381ECD74-D2F0-014E-9049-F3F439A3781B}"/>
+              </a:ext>
+            </a:extLst>
+          </p:cNvPr>
+          <p:cNvSpPr txBox="1"/>
+          <p:nvPr/>
+        </p:nvSpPr>
+        <p:spPr>
+          <a:xfrm>
+            <a:off x="2858187" y="4571557"/>
+            <a:ext cx="2779928" cy="338554"/>
+          </a:xfrm>
+          <a:prstGeom prst="rect">
+            <a:avLst/>
+          </a:prstGeom>
+          <a:noFill/>
+        </p:spPr>
+        <p:txBody>
+          <a:bodyPr wrap="none" rtlCol="0">
+            <a:spAutoFit/>
+          </a:bodyPr>
+          <a:lstStyle/>
+          <a:p>
+            <a:r>
+              <a:rPr kumimoji="1" lang="en-US" altLang="ja-JP" sz="1600" dirty="0"/>
+              <a:t>LDAP</a:t>
+            </a:r>
+            <a:r>
+              <a:rPr kumimoji="1" lang="ja-JP" altLang="en-US" sz="1600"/>
+              <a:t>サーバ用チケット要求</a:t>
+            </a:r>
+          </a:p>
+        </p:txBody>
+      </p:sp>
+      <p:sp>
+        <p:nvSpPr>
+          <p:cNvPr id="89" name="テキスト ボックス 88">
+            <a:extLst>
+              <a:ext uri="{FF2B5EF4-FFF2-40B4-BE49-F238E27FC236}">
+                <a16:creationId xmlns:a16="http://schemas.microsoft.com/office/drawing/2014/main" id="{CD19BFE9-A7D5-344F-804B-9F2930E1CB9B}"/>
+              </a:ext>
+            </a:extLst>
+          </p:cNvPr>
+          <p:cNvSpPr txBox="1"/>
+          <p:nvPr/>
+        </p:nvSpPr>
+        <p:spPr>
+          <a:xfrm>
+            <a:off x="3037063" y="4927726"/>
+            <a:ext cx="1826141" cy="584775"/>
+          </a:xfrm>
+          <a:prstGeom prst="rect">
+            <a:avLst/>
+          </a:prstGeom>
+          <a:noFill/>
+        </p:spPr>
+        <p:txBody>
+          <a:bodyPr wrap="none" rtlCol="0">
+            <a:spAutoFit/>
+          </a:bodyPr>
+          <a:lstStyle/>
+          <a:p>
+            <a:r>
+              <a:rPr kumimoji="1" lang="ja-JP" altLang="en-US" sz="1600"/>
+              <a:t>サービスチケット</a:t>
+            </a:r>
+            <a:endParaRPr kumimoji="1" lang="en-US" altLang="ja-JP" sz="1600" dirty="0"/>
+          </a:p>
+          <a:p>
+            <a:r>
+              <a:rPr kumimoji="1" lang="ja-JP" altLang="en-US" sz="1600"/>
+              <a:t>払い戻し</a:t>
+            </a:r>
+          </a:p>
+        </p:txBody>
+      </p:sp>
+      <p:sp>
+        <p:nvSpPr>
+          <p:cNvPr id="90" name="テキスト ボックス 89">
+            <a:extLst>
+              <a:ext uri="{FF2B5EF4-FFF2-40B4-BE49-F238E27FC236}">
+                <a16:creationId xmlns:a16="http://schemas.microsoft.com/office/drawing/2014/main" id="{DA83CA59-3818-844F-93FD-2D477649EAA7}"/>
+              </a:ext>
+            </a:extLst>
+          </p:cNvPr>
+          <p:cNvSpPr txBox="1"/>
+          <p:nvPr/>
+        </p:nvSpPr>
+        <p:spPr>
+          <a:xfrm>
+            <a:off x="3055604" y="5710247"/>
+            <a:ext cx="1257075" cy="369332"/>
+          </a:xfrm>
+          <a:prstGeom prst="rect">
+            <a:avLst/>
+          </a:prstGeom>
+          <a:noFill/>
+        </p:spPr>
+        <p:txBody>
+          <a:bodyPr wrap="none" rtlCol="0">
+            <a:spAutoFit/>
+          </a:bodyPr>
+          <a:lstStyle/>
+          <a:p>
+            <a:r>
+              <a:rPr kumimoji="1" lang="en-US" altLang="ja-JP" dirty="0"/>
+              <a:t>LDAP</a:t>
+            </a:r>
+            <a:r>
+              <a:rPr kumimoji="1" lang="ja-JP" altLang="en-US"/>
+              <a:t>認証</a:t>
+            </a:r>
+          </a:p>
+        </p:txBody>
+      </p:sp>
+      <p:sp>
+        <p:nvSpPr>
+          <p:cNvPr id="91" name="テキスト ボックス 90">
+            <a:extLst>
+              <a:ext uri="{FF2B5EF4-FFF2-40B4-BE49-F238E27FC236}">
+                <a16:creationId xmlns:a16="http://schemas.microsoft.com/office/drawing/2014/main" id="{D3C63894-9DEE-9548-AC9A-164BB4520DEB}"/>
+              </a:ext>
+            </a:extLst>
+          </p:cNvPr>
+          <p:cNvSpPr txBox="1"/>
+          <p:nvPr/>
+        </p:nvSpPr>
+        <p:spPr>
+          <a:xfrm>
+            <a:off x="3110857" y="6137614"/>
+            <a:ext cx="1718740" cy="369332"/>
+          </a:xfrm>
+          <a:prstGeom prst="rect">
+            <a:avLst/>
+          </a:prstGeom>
+          <a:noFill/>
+        </p:spPr>
+        <p:txBody>
+          <a:bodyPr wrap="none" rtlCol="0">
+            <a:spAutoFit/>
+          </a:bodyPr>
+          <a:lstStyle/>
+          <a:p>
+            <a:r>
+              <a:rPr kumimoji="1" lang="en-US" altLang="ja-JP" dirty="0"/>
+              <a:t>LDAP</a:t>
+            </a:r>
+            <a:r>
+              <a:rPr kumimoji="1" lang="ja-JP" altLang="en-US"/>
+              <a:t>認証成功</a:t>
+            </a:r>
+          </a:p>
+        </p:txBody>
+      </p:sp>
+      <p:sp>
+        <p:nvSpPr>
+          <p:cNvPr id="97" name="テキスト ボックス 96">
+            <a:extLst>
+              <a:ext uri="{FF2B5EF4-FFF2-40B4-BE49-F238E27FC236}">
+                <a16:creationId xmlns:a16="http://schemas.microsoft.com/office/drawing/2014/main" id="{37F50314-CBAA-474A-8D73-F2AD3F81DF8D}"/>
+              </a:ext>
+            </a:extLst>
+          </p:cNvPr>
+          <p:cNvSpPr txBox="1"/>
+          <p:nvPr/>
+        </p:nvSpPr>
+        <p:spPr>
+          <a:xfrm>
+            <a:off x="1275705" y="1332386"/>
+            <a:ext cx="1107996" cy="369332"/>
+          </a:xfrm>
+          <a:prstGeom prst="rect">
+            <a:avLst/>
+          </a:prstGeom>
+          <a:noFill/>
+        </p:spPr>
+        <p:txBody>
+          <a:bodyPr wrap="none" rtlCol="0">
+            <a:spAutoFit/>
+          </a:bodyPr>
+          <a:lstStyle/>
+          <a:p>
+            <a:r>
+              <a:rPr lang="ja-JP" altLang="en-US"/>
+              <a:t>ログイン</a:t>
+            </a:r>
+            <a:endParaRPr kumimoji="1" lang="ja-JP" altLang="en-US"/>
+          </a:p>
+        </p:txBody>
+      </p:sp>
+      <p:sp>
+        <p:nvSpPr>
+          <p:cNvPr id="98" name="テキスト ボックス 97">
+            <a:extLst>
+              <a:ext uri="{FF2B5EF4-FFF2-40B4-BE49-F238E27FC236}">
+                <a16:creationId xmlns:a16="http://schemas.microsoft.com/office/drawing/2014/main" id="{4F93976E-F1AF-DC4B-9DF7-63F30A3BB35F}"/>
+              </a:ext>
+            </a:extLst>
+          </p:cNvPr>
+          <p:cNvSpPr txBox="1"/>
+          <p:nvPr/>
+        </p:nvSpPr>
+        <p:spPr>
+          <a:xfrm>
+            <a:off x="435640" y="2392112"/>
+            <a:ext cx="2031325" cy="646331"/>
+          </a:xfrm>
+          <a:prstGeom prst="rect">
+            <a:avLst/>
+          </a:prstGeom>
+          <a:noFill/>
+        </p:spPr>
+        <p:txBody>
+          <a:bodyPr wrap="none" rtlCol="0">
+            <a:spAutoFit/>
+          </a:bodyPr>
+          <a:lstStyle/>
+          <a:p>
+            <a:r>
+              <a:rPr lang="ja-JP" altLang="en-US"/>
+              <a:t>ファイルサーバに</a:t>
+            </a:r>
+            <a:endParaRPr lang="en-US" altLang="ja-JP" dirty="0"/>
+          </a:p>
+          <a:p>
+            <a:r>
+              <a:rPr kumimoji="1" lang="ja-JP" altLang="en-US"/>
+              <a:t>アクセスしたい。</a:t>
+            </a:r>
+            <a:endParaRPr kumimoji="1" lang="en-US" altLang="ja-JP" dirty="0"/>
+          </a:p>
+        </p:txBody>
+      </p:sp>
+      <p:sp>
+        <p:nvSpPr>
+          <p:cNvPr id="99" name="テキスト ボックス 98">
+            <a:extLst>
+              <a:ext uri="{FF2B5EF4-FFF2-40B4-BE49-F238E27FC236}">
+                <a16:creationId xmlns:a16="http://schemas.microsoft.com/office/drawing/2014/main" id="{0E2EBD11-CCA5-9B47-BECF-9F9D3222EA77}"/>
+              </a:ext>
+            </a:extLst>
+          </p:cNvPr>
+          <p:cNvSpPr txBox="1"/>
+          <p:nvPr/>
+        </p:nvSpPr>
+        <p:spPr>
+          <a:xfrm>
+            <a:off x="203296" y="4727805"/>
+            <a:ext cx="2180405" cy="646331"/>
+          </a:xfrm>
+          <a:prstGeom prst="rect">
+            <a:avLst/>
+          </a:prstGeom>
+          <a:noFill/>
+        </p:spPr>
+        <p:txBody>
+          <a:bodyPr wrap="none" rtlCol="0">
+            <a:spAutoFit/>
+          </a:bodyPr>
+          <a:lstStyle/>
+          <a:p>
+            <a:r>
+              <a:rPr kumimoji="1" lang="ja-JP" altLang="en-US"/>
+              <a:t>次は</a:t>
+            </a:r>
+            <a:r>
+              <a:rPr kumimoji="1" lang="en-US" altLang="ja-JP" dirty="0"/>
+              <a:t>LDAP</a:t>
+            </a:r>
+            <a:r>
+              <a:rPr kumimoji="1" lang="ja-JP" altLang="en-US"/>
+              <a:t>サーバに</a:t>
+            </a:r>
+            <a:endParaRPr kumimoji="1" lang="en-US" altLang="ja-JP" dirty="0"/>
+          </a:p>
+          <a:p>
+            <a:r>
+              <a:rPr kumimoji="1" lang="ja-JP" altLang="en-US"/>
+              <a:t>アクセス</a:t>
+            </a:r>
+            <a:r>
+              <a:rPr lang="ja-JP" altLang="en-US"/>
+              <a:t>したい。</a:t>
+            </a:r>
+            <a:endParaRPr kumimoji="1" lang="ja-JP" altLang="en-US"/>
+          </a:p>
+        </p:txBody>
+      </p:sp>
+    </p:spTree>
+    <p:extLst>
+      <p:ext uri="{BB962C8B-B14F-4D97-AF65-F5344CB8AC3E}">
+        <p14:creationId xmlns:p14="http://schemas.microsoft.com/office/powerpoint/2010/main" val="1063590155"/>
+      </p:ext>
+    </p:extLst>
+  </p:cSld>
+  <p:clrMapOvr>
+    <a:masterClrMapping/>
+  </p:clrMapOvr>
+</p:sld>
+</file>
+
+<file path=ppt/slides/slide13.xml><?xml version="1.0" encoding="utf-8"?>
+<p:sld xmlns:a="http://schemas.openxmlformats.org/drawingml/2006/main" xmlns:r="http://schemas.openxmlformats.org/officeDocument/2006/relationships" xmlns:p="http://schemas.openxmlformats.org/presentationml/2006/main">
+  <p:cSld>
+    <p:spTree>
+      <p:nvGrpSpPr>
+        <p:cNvPr id="1" name=""/>
+        <p:cNvGrpSpPr/>
+        <p:nvPr/>
+      </p:nvGrpSpPr>
+      <p:grpSpPr>
+        <a:xfrm>
+          <a:off x="0" y="0"/>
+          <a:ext cx="0" cy="0"/>
+          <a:chOff x="0" y="0"/>
+          <a:chExt cx="0" cy="0"/>
+        </a:xfrm>
+      </p:grpSpPr>
+      <p:sp>
+        <p:nvSpPr>
+          <p:cNvPr id="22" name="正方形/長方形 21">
+            <a:extLst>
+              <a:ext uri="{FF2B5EF4-FFF2-40B4-BE49-F238E27FC236}">
+                <a16:creationId xmlns:a16="http://schemas.microsoft.com/office/drawing/2014/main" id="{03DB74AC-4E92-A441-BDC8-37C351E8619A}"/>
+              </a:ext>
+            </a:extLst>
+          </p:cNvPr>
+          <p:cNvSpPr/>
+          <p:nvPr/>
+        </p:nvSpPr>
+        <p:spPr>
+          <a:xfrm>
+            <a:off x="6814912" y="988505"/>
+            <a:ext cx="3904390" cy="4237022"/>
+          </a:xfrm>
+          <a:prstGeom prst="rect">
+            <a:avLst/>
+          </a:prstGeom>
+          <a:solidFill>
+            <a:schemeClr val="bg1"/>
+          </a:solidFill>
+          <a:ln w="57150"/>
+        </p:spPr>
+        <p:style>
+          <a:lnRef idx="2">
+            <a:schemeClr val="dk1">
+              <a:shade val="50000"/>
+            </a:schemeClr>
+          </a:lnRef>
+          <a:fillRef idx="1">
+            <a:schemeClr val="dk1"/>
+          </a:fillRef>
+          <a:effectRef idx="0">
+            <a:schemeClr val="dk1"/>
+          </a:effectRef>
+          <a:fontRef idx="minor">
+            <a:schemeClr val="lt1"/>
+          </a:fontRef>
+        </p:style>
+        <p:txBody>
+          <a:bodyPr rtlCol="0" anchor="ctr"/>
+          <a:lstStyle/>
+          <a:p>
+            <a:pPr algn="ctr"/>
+            <a:endParaRPr kumimoji="1" lang="ja-JP" altLang="en-US"/>
+          </a:p>
+        </p:txBody>
+      </p:sp>
+      <p:pic>
+        <p:nvPicPr>
+          <p:cNvPr id="3" name="図 2">
+            <a:extLst>
+              <a:ext uri="{FF2B5EF4-FFF2-40B4-BE49-F238E27FC236}">
+                <a16:creationId xmlns:a16="http://schemas.microsoft.com/office/drawing/2014/main" id="{2E81228E-8F58-544A-983D-DB7DEDC91DBE}"/>
+              </a:ext>
+            </a:extLst>
+          </p:cNvPr>
+          <p:cNvPicPr>
+            <a:picLocks noChangeAspect="1"/>
+          </p:cNvPicPr>
+          <p:nvPr/>
+        </p:nvPicPr>
+        <p:blipFill>
+          <a:blip r:embed="rId3"/>
+          <a:stretch>
+            <a:fillRect/>
+          </a:stretch>
+        </p:blipFill>
+        <p:spPr>
+          <a:xfrm>
+            <a:off x="1053006" y="587605"/>
+            <a:ext cx="1143000" cy="812800"/>
+          </a:xfrm>
+          <a:prstGeom prst="rect">
+            <a:avLst/>
+          </a:prstGeom>
+        </p:spPr>
+      </p:pic>
+      <p:pic>
+        <p:nvPicPr>
+          <p:cNvPr id="7" name="図 6">
+            <a:extLst>
+              <a:ext uri="{FF2B5EF4-FFF2-40B4-BE49-F238E27FC236}">
+                <a16:creationId xmlns:a16="http://schemas.microsoft.com/office/drawing/2014/main" id="{AE0FB9F9-6600-BA4D-AAF1-57213BBEED57}"/>
+              </a:ext>
+            </a:extLst>
+          </p:cNvPr>
+          <p:cNvPicPr>
+            <a:picLocks noChangeAspect="1"/>
+          </p:cNvPicPr>
+          <p:nvPr/>
+        </p:nvPicPr>
+        <p:blipFill>
+          <a:blip r:embed="rId4"/>
+          <a:stretch>
+            <a:fillRect/>
+          </a:stretch>
+        </p:blipFill>
+        <p:spPr>
+          <a:xfrm>
+            <a:off x="6546292" y="2687916"/>
+            <a:ext cx="520700" cy="838200"/>
+          </a:xfrm>
+          <a:prstGeom prst="rect">
+            <a:avLst/>
+          </a:prstGeom>
+        </p:spPr>
+      </p:pic>
+      <p:pic>
+        <p:nvPicPr>
+          <p:cNvPr id="9" name="図 8">
+            <a:extLst>
+              <a:ext uri="{FF2B5EF4-FFF2-40B4-BE49-F238E27FC236}">
+                <a16:creationId xmlns:a16="http://schemas.microsoft.com/office/drawing/2014/main" id="{0E823936-F079-FF49-A790-F0512C155A9A}"/>
+              </a:ext>
+            </a:extLst>
+          </p:cNvPr>
+          <p:cNvPicPr>
+            <a:picLocks noChangeAspect="1"/>
+          </p:cNvPicPr>
+          <p:nvPr/>
+        </p:nvPicPr>
+        <p:blipFill>
+          <a:blip r:embed="rId5"/>
+          <a:stretch>
+            <a:fillRect/>
+          </a:stretch>
+        </p:blipFill>
+        <p:spPr>
+          <a:xfrm>
+            <a:off x="9983591" y="1506816"/>
+            <a:ext cx="571500" cy="800100"/>
+          </a:xfrm>
+          <a:prstGeom prst="rect">
+            <a:avLst/>
+          </a:prstGeom>
+        </p:spPr>
+      </p:pic>
+      <p:pic>
+        <p:nvPicPr>
+          <p:cNvPr id="10" name="図 9">
+            <a:extLst>
+              <a:ext uri="{FF2B5EF4-FFF2-40B4-BE49-F238E27FC236}">
+                <a16:creationId xmlns:a16="http://schemas.microsoft.com/office/drawing/2014/main" id="{7995FC5E-9608-F149-AC4C-5CEBF2DC63CC}"/>
+              </a:ext>
+            </a:extLst>
+          </p:cNvPr>
+          <p:cNvPicPr>
+            <a:picLocks noChangeAspect="1"/>
+          </p:cNvPicPr>
+          <p:nvPr/>
+        </p:nvPicPr>
+        <p:blipFill>
+          <a:blip r:embed="rId5"/>
+          <a:stretch>
+            <a:fillRect/>
+          </a:stretch>
+        </p:blipFill>
+        <p:spPr>
+          <a:xfrm>
+            <a:off x="9981475" y="3907116"/>
+            <a:ext cx="571500" cy="800100"/>
+          </a:xfrm>
+          <a:prstGeom prst="rect">
+            <a:avLst/>
+          </a:prstGeom>
+        </p:spPr>
+      </p:pic>
+      <p:pic>
+        <p:nvPicPr>
+          <p:cNvPr id="12" name="図 11">
+            <a:extLst>
+              <a:ext uri="{FF2B5EF4-FFF2-40B4-BE49-F238E27FC236}">
+                <a16:creationId xmlns:a16="http://schemas.microsoft.com/office/drawing/2014/main" id="{B9054421-9209-A445-912D-EE6DB062319E}"/>
+              </a:ext>
+            </a:extLst>
+          </p:cNvPr>
+          <p:cNvPicPr>
+            <a:picLocks noChangeAspect="1"/>
+          </p:cNvPicPr>
+          <p:nvPr/>
+        </p:nvPicPr>
+        <p:blipFill>
+          <a:blip r:embed="rId6"/>
+          <a:stretch>
+            <a:fillRect/>
+          </a:stretch>
+        </p:blipFill>
+        <p:spPr>
+          <a:xfrm>
+            <a:off x="8155301" y="2762273"/>
+            <a:ext cx="711200" cy="711200"/>
+          </a:xfrm>
+          <a:prstGeom prst="rect">
+            <a:avLst/>
+          </a:prstGeom>
+        </p:spPr>
+      </p:pic>
+      <p:cxnSp>
+        <p:nvCxnSpPr>
+          <p:cNvPr id="14" name="直線コネクタ 13">
+            <a:extLst>
+              <a:ext uri="{FF2B5EF4-FFF2-40B4-BE49-F238E27FC236}">
+                <a16:creationId xmlns:a16="http://schemas.microsoft.com/office/drawing/2014/main" id="{859BD285-B99E-354E-AE49-99032F454AF1}"/>
+              </a:ext>
+            </a:extLst>
+          </p:cNvPr>
+          <p:cNvCxnSpPr>
+            <a:cxnSpLocks/>
+            <a:stCxn id="12" idx="3"/>
+            <a:endCxn id="9" idx="1"/>
+          </p:cNvCxnSpPr>
+          <p:nvPr/>
+        </p:nvCxnSpPr>
+        <p:spPr>
+          <a:xfrm flipV="1">
+            <a:off x="8866501" y="1906866"/>
+            <a:ext cx="1117090" cy="1211007"/>
+          </a:xfrm>
+          <a:prstGeom prst="line">
+            <a:avLst/>
+          </a:prstGeom>
+          <a:ln w="44450">
+            <a:headEnd type="oval"/>
+            <a:tailEnd type="oval"/>
+          </a:ln>
+        </p:spPr>
+        <p:style>
+          <a:lnRef idx="1">
+            <a:schemeClr val="accent1"/>
+          </a:lnRef>
+          <a:fillRef idx="0">
+            <a:schemeClr val="accent1"/>
+          </a:fillRef>
+          <a:effectRef idx="0">
+            <a:schemeClr val="accent1"/>
+          </a:effectRef>
+          <a:fontRef idx="minor">
+            <a:schemeClr val="tx1"/>
+          </a:fontRef>
+        </p:style>
+      </p:cxnSp>
+      <p:cxnSp>
+        <p:nvCxnSpPr>
+          <p:cNvPr id="18" name="直線コネクタ 17">
+            <a:extLst>
+              <a:ext uri="{FF2B5EF4-FFF2-40B4-BE49-F238E27FC236}">
+                <a16:creationId xmlns:a16="http://schemas.microsoft.com/office/drawing/2014/main" id="{0234DF0F-A6E4-F347-B6EA-E8460DA0407C}"/>
+              </a:ext>
+            </a:extLst>
+          </p:cNvPr>
+          <p:cNvCxnSpPr>
+            <a:cxnSpLocks/>
+            <a:stCxn id="12" idx="3"/>
+            <a:endCxn id="10" idx="1"/>
+          </p:cNvCxnSpPr>
+          <p:nvPr/>
+        </p:nvCxnSpPr>
+        <p:spPr>
+          <a:xfrm>
+            <a:off x="8866501" y="3117873"/>
+            <a:ext cx="1114974" cy="1189293"/>
+          </a:xfrm>
+          <a:prstGeom prst="line">
+            <a:avLst/>
+          </a:prstGeom>
+          <a:ln w="44450">
+            <a:headEnd type="oval"/>
+            <a:tailEnd type="oval"/>
+          </a:ln>
+        </p:spPr>
+        <p:style>
+          <a:lnRef idx="1">
+            <a:schemeClr val="accent1"/>
+          </a:lnRef>
+          <a:fillRef idx="0">
+            <a:schemeClr val="accent1"/>
+          </a:fillRef>
+          <a:effectRef idx="0">
+            <a:schemeClr val="accent1"/>
+          </a:effectRef>
+          <a:fontRef idx="minor">
+            <a:schemeClr val="tx1"/>
+          </a:fontRef>
+        </p:style>
+      </p:cxnSp>
+      <p:cxnSp>
+        <p:nvCxnSpPr>
+          <p:cNvPr id="24" name="直線コネクタ 23">
+            <a:extLst>
+              <a:ext uri="{FF2B5EF4-FFF2-40B4-BE49-F238E27FC236}">
+                <a16:creationId xmlns:a16="http://schemas.microsoft.com/office/drawing/2014/main" id="{3E298A39-F658-7944-B761-180770696926}"/>
+              </a:ext>
+            </a:extLst>
+          </p:cNvPr>
+          <p:cNvCxnSpPr>
+            <a:cxnSpLocks/>
+            <a:endCxn id="12" idx="1"/>
+          </p:cNvCxnSpPr>
+          <p:nvPr/>
+        </p:nvCxnSpPr>
+        <p:spPr>
+          <a:xfrm>
+            <a:off x="7066992" y="3107016"/>
+            <a:ext cx="1088309" cy="10857"/>
+          </a:xfrm>
+          <a:prstGeom prst="line">
+            <a:avLst/>
+          </a:prstGeom>
+          <a:ln w="38100">
+            <a:headEnd type="oval"/>
+            <a:tailEnd type="oval"/>
+          </a:ln>
+        </p:spPr>
+        <p:style>
+          <a:lnRef idx="1">
+            <a:schemeClr val="accent1"/>
+          </a:lnRef>
+          <a:fillRef idx="0">
+            <a:schemeClr val="accent1"/>
+          </a:fillRef>
+          <a:effectRef idx="0">
+            <a:schemeClr val="accent1"/>
+          </a:effectRef>
+          <a:fontRef idx="minor">
+            <a:schemeClr val="tx1"/>
+          </a:fontRef>
+        </p:style>
+      </p:cxnSp>
+      <p:sp>
+        <p:nvSpPr>
+          <p:cNvPr id="27" name="正方形/長方形 26">
+            <a:extLst>
+              <a:ext uri="{FF2B5EF4-FFF2-40B4-BE49-F238E27FC236}">
+                <a16:creationId xmlns:a16="http://schemas.microsoft.com/office/drawing/2014/main" id="{54BBC2F4-BFAC-5244-9A87-CF8ED664F807}"/>
+              </a:ext>
+            </a:extLst>
+          </p:cNvPr>
+          <p:cNvSpPr/>
+          <p:nvPr/>
+        </p:nvSpPr>
+        <p:spPr>
+          <a:xfrm>
+            <a:off x="7550587" y="476418"/>
+            <a:ext cx="2209573" cy="742385"/>
+          </a:xfrm>
+          <a:prstGeom prst="rect">
+            <a:avLst/>
+          </a:prstGeom>
+        </p:spPr>
+        <p:style>
+          <a:lnRef idx="2">
+            <a:schemeClr val="accent1">
+              <a:shade val="50000"/>
+            </a:schemeClr>
+          </a:lnRef>
+          <a:fillRef idx="1">
+            <a:schemeClr val="accent1"/>
+          </a:fillRef>
+          <a:effectRef idx="0">
+            <a:schemeClr val="accent1"/>
+          </a:effectRef>
+          <a:fontRef idx="minor">
+            <a:schemeClr val="lt1"/>
+          </a:fontRef>
+        </p:style>
+        <p:txBody>
+          <a:bodyPr rtlCol="0" anchor="ctr"/>
+          <a:lstStyle/>
+          <a:p>
+            <a:pPr algn="ctr"/>
+            <a:r>
+              <a:rPr kumimoji="1" lang="ja-JP" altLang="en-US"/>
+              <a:t>社内ネットワーク</a:t>
+            </a:r>
+          </a:p>
+        </p:txBody>
+      </p:sp>
+      <p:sp>
+        <p:nvSpPr>
+          <p:cNvPr id="29" name="雲 28">
+            <a:extLst>
+              <a:ext uri="{FF2B5EF4-FFF2-40B4-BE49-F238E27FC236}">
+                <a16:creationId xmlns:a16="http://schemas.microsoft.com/office/drawing/2014/main" id="{3A823A53-72E5-5B4A-A5B2-C4219099BB07}"/>
+              </a:ext>
+            </a:extLst>
+          </p:cNvPr>
+          <p:cNvSpPr/>
+          <p:nvPr/>
+        </p:nvSpPr>
+        <p:spPr>
+          <a:xfrm>
+            <a:off x="3538614" y="2614327"/>
+            <a:ext cx="1966248" cy="985377"/>
+          </a:xfrm>
+          <a:prstGeom prst="cloud">
+            <a:avLst/>
+          </a:prstGeom>
+          <a:solidFill>
+            <a:schemeClr val="bg1"/>
+          </a:solidFill>
+          <a:ln w="31750"/>
+        </p:spPr>
+        <p:style>
+          <a:lnRef idx="2">
+            <a:schemeClr val="accent1">
+              <a:shade val="50000"/>
+            </a:schemeClr>
+          </a:lnRef>
+          <a:fillRef idx="1">
+            <a:schemeClr val="accent1"/>
+          </a:fillRef>
+          <a:effectRef idx="0">
+            <a:schemeClr val="accent1"/>
+          </a:effectRef>
+          <a:fontRef idx="minor">
+            <a:schemeClr val="lt1"/>
+          </a:fontRef>
+        </p:style>
+        <p:txBody>
+          <a:bodyPr rtlCol="0" anchor="ctr"/>
+          <a:lstStyle/>
+          <a:p>
+            <a:pPr algn="ctr"/>
+            <a:r>
+              <a:rPr lang="en-US" altLang="ja-JP" sz="2000" dirty="0">
+                <a:solidFill>
+                  <a:sysClr val="windowText" lastClr="000000"/>
+                </a:solidFill>
+              </a:rPr>
+              <a:t>Internet</a:t>
+            </a:r>
+            <a:endParaRPr kumimoji="1" lang="ja-JP" altLang="en-US" sz="2000">
+              <a:solidFill>
+                <a:sysClr val="windowText" lastClr="000000"/>
+              </a:solidFill>
+            </a:endParaRPr>
+          </a:p>
+        </p:txBody>
+      </p:sp>
+      <p:cxnSp>
+        <p:nvCxnSpPr>
+          <p:cNvPr id="31" name="直線コネクタ 30">
+            <a:extLst>
+              <a:ext uri="{FF2B5EF4-FFF2-40B4-BE49-F238E27FC236}">
+                <a16:creationId xmlns:a16="http://schemas.microsoft.com/office/drawing/2014/main" id="{0FE905DA-86EC-C94F-88B3-74C7501D2172}"/>
+              </a:ext>
+            </a:extLst>
+          </p:cNvPr>
+          <p:cNvCxnSpPr>
+            <a:cxnSpLocks/>
+            <a:stCxn id="29" idx="0"/>
+            <a:endCxn id="7" idx="1"/>
+          </p:cNvCxnSpPr>
+          <p:nvPr/>
+        </p:nvCxnSpPr>
+        <p:spPr>
+          <a:xfrm>
+            <a:off x="5503223" y="3107016"/>
+            <a:ext cx="1043069" cy="0"/>
+          </a:xfrm>
+          <a:prstGeom prst="line">
+            <a:avLst/>
+          </a:prstGeom>
+          <a:ln w="34925" cap="rnd">
+            <a:tailEnd type="oval"/>
+          </a:ln>
+        </p:spPr>
+        <p:style>
+          <a:lnRef idx="1">
+            <a:schemeClr val="accent1"/>
+          </a:lnRef>
+          <a:fillRef idx="0">
+            <a:schemeClr val="accent1"/>
+          </a:fillRef>
+          <a:effectRef idx="0">
+            <a:schemeClr val="accent1"/>
+          </a:effectRef>
+          <a:fontRef idx="minor">
+            <a:schemeClr val="tx1"/>
+          </a:fontRef>
+        </p:style>
+      </p:cxnSp>
+      <p:sp>
+        <p:nvSpPr>
+          <p:cNvPr id="40" name="テキスト ボックス 39">
+            <a:extLst>
+              <a:ext uri="{FF2B5EF4-FFF2-40B4-BE49-F238E27FC236}">
+                <a16:creationId xmlns:a16="http://schemas.microsoft.com/office/drawing/2014/main" id="{06C657A0-B2B1-9F49-A404-C22BFF2A3153}"/>
+              </a:ext>
+            </a:extLst>
+          </p:cNvPr>
+          <p:cNvSpPr txBox="1"/>
+          <p:nvPr/>
+        </p:nvSpPr>
+        <p:spPr>
+          <a:xfrm>
+            <a:off x="5715499" y="3520461"/>
+            <a:ext cx="1732875" cy="276999"/>
+          </a:xfrm>
+          <a:prstGeom prst="rect">
+            <a:avLst/>
+          </a:prstGeom>
+          <a:noFill/>
+        </p:spPr>
+        <p:txBody>
+          <a:bodyPr wrap="square" rtlCol="0">
+            <a:spAutoFit/>
+          </a:bodyPr>
+          <a:lstStyle/>
+          <a:p>
+            <a:r>
+              <a:rPr kumimoji="1" lang="en-US" altLang="ja-JP" sz="1200" dirty="0"/>
+              <a:t>150.65.136.94</a:t>
+            </a:r>
+            <a:endParaRPr kumimoji="1" lang="ja-JP" altLang="en-US" sz="1600"/>
+          </a:p>
+        </p:txBody>
+      </p:sp>
+      <p:sp>
+        <p:nvSpPr>
+          <p:cNvPr id="41" name="テキスト ボックス 40">
+            <a:extLst>
+              <a:ext uri="{FF2B5EF4-FFF2-40B4-BE49-F238E27FC236}">
+                <a16:creationId xmlns:a16="http://schemas.microsoft.com/office/drawing/2014/main" id="{DF8837A4-85C2-7E42-8727-5A39197AB4CD}"/>
+              </a:ext>
+            </a:extLst>
+          </p:cNvPr>
+          <p:cNvSpPr txBox="1"/>
+          <p:nvPr/>
+        </p:nvSpPr>
+        <p:spPr>
+          <a:xfrm>
+            <a:off x="7030295" y="3254318"/>
+            <a:ext cx="873282" cy="276999"/>
+          </a:xfrm>
+          <a:prstGeom prst="rect">
+            <a:avLst/>
+          </a:prstGeom>
+          <a:noFill/>
+        </p:spPr>
+        <p:txBody>
+          <a:bodyPr wrap="square" rtlCol="0">
+            <a:spAutoFit/>
+          </a:bodyPr>
+          <a:lstStyle/>
+          <a:p>
+            <a:r>
+              <a:rPr lang="en-US" altLang="ja-JP" sz="1200" dirty="0"/>
+              <a:t>10.1.1.1</a:t>
+            </a:r>
+            <a:endParaRPr kumimoji="1" lang="ja-JP" altLang="en-US"/>
+          </a:p>
+        </p:txBody>
+      </p:sp>
+      <p:sp>
+        <p:nvSpPr>
+          <p:cNvPr id="42" name="テキスト ボックス 41">
+            <a:extLst>
+              <a:ext uri="{FF2B5EF4-FFF2-40B4-BE49-F238E27FC236}">
+                <a16:creationId xmlns:a16="http://schemas.microsoft.com/office/drawing/2014/main" id="{3AB78988-97AC-8E45-B39E-2CCD52D679B2}"/>
+              </a:ext>
+            </a:extLst>
+          </p:cNvPr>
+          <p:cNvSpPr txBox="1"/>
+          <p:nvPr/>
+        </p:nvSpPr>
+        <p:spPr>
+          <a:xfrm>
+            <a:off x="9298826" y="1629759"/>
+            <a:ext cx="1365298" cy="276999"/>
+          </a:xfrm>
+          <a:prstGeom prst="rect">
+            <a:avLst/>
+          </a:prstGeom>
+          <a:noFill/>
+        </p:spPr>
+        <p:txBody>
+          <a:bodyPr wrap="square" rtlCol="0">
+            <a:spAutoFit/>
+          </a:bodyPr>
+          <a:lstStyle/>
+          <a:p>
+            <a:r>
+              <a:rPr kumimoji="1" lang="en-US" altLang="ja-JP" sz="1200" dirty="0"/>
+              <a:t>10.1.1.7</a:t>
+            </a:r>
+            <a:endParaRPr kumimoji="1" lang="ja-JP" altLang="en-US" sz="1400"/>
+          </a:p>
+        </p:txBody>
+      </p:sp>
+      <p:sp>
+        <p:nvSpPr>
+          <p:cNvPr id="43" name="テキスト ボックス 42">
+            <a:extLst>
+              <a:ext uri="{FF2B5EF4-FFF2-40B4-BE49-F238E27FC236}">
+                <a16:creationId xmlns:a16="http://schemas.microsoft.com/office/drawing/2014/main" id="{D3E3C1E0-F315-4D4A-871C-664C6A3378C2}"/>
+              </a:ext>
+            </a:extLst>
+          </p:cNvPr>
+          <p:cNvSpPr txBox="1"/>
+          <p:nvPr/>
+        </p:nvSpPr>
+        <p:spPr>
+          <a:xfrm>
+            <a:off x="9280050" y="4427822"/>
+            <a:ext cx="729687" cy="276999"/>
+          </a:xfrm>
+          <a:prstGeom prst="rect">
+            <a:avLst/>
+          </a:prstGeom>
+          <a:noFill/>
+        </p:spPr>
+        <p:txBody>
+          <a:bodyPr wrap="none" rtlCol="0">
+            <a:spAutoFit/>
+          </a:bodyPr>
+          <a:lstStyle/>
+          <a:p>
+            <a:r>
+              <a:rPr kumimoji="1" lang="en-US" altLang="ja-JP" sz="1200" dirty="0"/>
+              <a:t>10.1.1.8</a:t>
+            </a:r>
+            <a:endParaRPr kumimoji="1" lang="ja-JP" altLang="en-US" sz="1400"/>
+          </a:p>
+        </p:txBody>
+      </p:sp>
+      <p:sp>
+        <p:nvSpPr>
+          <p:cNvPr id="45" name="テキスト ボックス 44">
+            <a:extLst>
+              <a:ext uri="{FF2B5EF4-FFF2-40B4-BE49-F238E27FC236}">
+                <a16:creationId xmlns:a16="http://schemas.microsoft.com/office/drawing/2014/main" id="{6BBBC7B7-2CE0-E84A-881E-1C5426FEEEE4}"/>
+              </a:ext>
+            </a:extLst>
+          </p:cNvPr>
+          <p:cNvSpPr txBox="1"/>
+          <p:nvPr/>
+        </p:nvSpPr>
+        <p:spPr>
+          <a:xfrm>
+            <a:off x="10063828" y="1261906"/>
+            <a:ext cx="474810" cy="276999"/>
+          </a:xfrm>
+          <a:prstGeom prst="rect">
+            <a:avLst/>
+          </a:prstGeom>
+          <a:noFill/>
+        </p:spPr>
+        <p:txBody>
+          <a:bodyPr wrap="none" rtlCol="0">
+            <a:spAutoFit/>
+          </a:bodyPr>
+          <a:lstStyle/>
+          <a:p>
+            <a:r>
+              <a:rPr kumimoji="1" lang="en-US" altLang="ja-JP" sz="1200" dirty="0"/>
+              <a:t>PC7</a:t>
+            </a:r>
+            <a:endParaRPr kumimoji="1" lang="ja-JP" altLang="en-US" sz="1200"/>
+          </a:p>
+        </p:txBody>
+      </p:sp>
+      <p:sp>
+        <p:nvSpPr>
+          <p:cNvPr id="46" name="テキスト ボックス 45">
+            <a:extLst>
+              <a:ext uri="{FF2B5EF4-FFF2-40B4-BE49-F238E27FC236}">
+                <a16:creationId xmlns:a16="http://schemas.microsoft.com/office/drawing/2014/main" id="{3238B99A-9B39-1B4C-A73F-4D39987CD314}"/>
+              </a:ext>
+            </a:extLst>
+          </p:cNvPr>
+          <p:cNvSpPr txBox="1"/>
+          <p:nvPr/>
+        </p:nvSpPr>
+        <p:spPr>
+          <a:xfrm>
+            <a:off x="10066254" y="3628233"/>
+            <a:ext cx="474810" cy="276999"/>
+          </a:xfrm>
+          <a:prstGeom prst="rect">
+            <a:avLst/>
+          </a:prstGeom>
+          <a:noFill/>
+        </p:spPr>
+        <p:txBody>
+          <a:bodyPr wrap="none" rtlCol="0">
+            <a:spAutoFit/>
+          </a:bodyPr>
+          <a:lstStyle/>
+          <a:p>
+            <a:r>
+              <a:rPr kumimoji="1" lang="en-US" altLang="ja-JP" sz="1200" dirty="0"/>
+              <a:t>PC8</a:t>
+            </a:r>
+            <a:endParaRPr kumimoji="1" lang="ja-JP" altLang="en-US" sz="1400"/>
+          </a:p>
+        </p:txBody>
+      </p:sp>
+      <p:sp>
+        <p:nvSpPr>
+          <p:cNvPr id="47" name="テキスト ボックス 46">
+            <a:extLst>
+              <a:ext uri="{FF2B5EF4-FFF2-40B4-BE49-F238E27FC236}">
+                <a16:creationId xmlns:a16="http://schemas.microsoft.com/office/drawing/2014/main" id="{489A085B-8C25-AA4B-B8D4-DE063FD10811}"/>
+              </a:ext>
+            </a:extLst>
+          </p:cNvPr>
+          <p:cNvSpPr txBox="1"/>
+          <p:nvPr/>
+        </p:nvSpPr>
+        <p:spPr>
+          <a:xfrm>
+            <a:off x="8084972" y="2493782"/>
+            <a:ext cx="1140802" cy="307777"/>
+          </a:xfrm>
+          <a:prstGeom prst="rect">
+            <a:avLst/>
+          </a:prstGeom>
+          <a:noFill/>
+        </p:spPr>
+        <p:txBody>
+          <a:bodyPr wrap="square" rtlCol="0">
+            <a:spAutoFit/>
+          </a:bodyPr>
+          <a:lstStyle/>
+          <a:p>
+            <a:r>
+              <a:rPr kumimoji="1" lang="en-US" altLang="ja-JP" sz="1400" dirty="0"/>
+              <a:t>L2switch</a:t>
+            </a:r>
+            <a:endParaRPr kumimoji="1" lang="ja-JP" altLang="en-US"/>
+          </a:p>
+        </p:txBody>
+      </p:sp>
+      <p:sp>
+        <p:nvSpPr>
+          <p:cNvPr id="48" name="テキスト ボックス 47">
+            <a:extLst>
+              <a:ext uri="{FF2B5EF4-FFF2-40B4-BE49-F238E27FC236}">
+                <a16:creationId xmlns:a16="http://schemas.microsoft.com/office/drawing/2014/main" id="{271BFD0A-EC31-5046-9490-560DA9C36BD6}"/>
+              </a:ext>
+            </a:extLst>
+          </p:cNvPr>
+          <p:cNvSpPr txBox="1"/>
+          <p:nvPr/>
+        </p:nvSpPr>
+        <p:spPr>
+          <a:xfrm>
+            <a:off x="6078523" y="2447690"/>
+            <a:ext cx="1348446" cy="276999"/>
+          </a:xfrm>
+          <a:prstGeom prst="rect">
+            <a:avLst/>
+          </a:prstGeom>
+          <a:noFill/>
+        </p:spPr>
+        <p:txBody>
+          <a:bodyPr wrap="none" rtlCol="0">
+            <a:spAutoFit/>
+          </a:bodyPr>
+          <a:lstStyle/>
+          <a:p>
+            <a:r>
+              <a:rPr kumimoji="1" lang="en-US" altLang="ja-JP" sz="1200" dirty="0"/>
+              <a:t>Gateway  Server</a:t>
+            </a:r>
+            <a:endParaRPr kumimoji="1" lang="ja-JP" altLang="en-US" sz="1200"/>
+          </a:p>
+        </p:txBody>
+      </p:sp>
+      <p:sp>
+        <p:nvSpPr>
+          <p:cNvPr id="2" name="テキスト ボックス 1">
+            <a:extLst>
+              <a:ext uri="{FF2B5EF4-FFF2-40B4-BE49-F238E27FC236}">
+                <a16:creationId xmlns:a16="http://schemas.microsoft.com/office/drawing/2014/main" id="{AF44FE1C-235B-1F42-A57A-09876692FBEB}"/>
+              </a:ext>
+            </a:extLst>
+          </p:cNvPr>
+          <p:cNvSpPr txBox="1"/>
+          <p:nvPr/>
+        </p:nvSpPr>
+        <p:spPr>
+          <a:xfrm>
+            <a:off x="1181474" y="1488273"/>
+            <a:ext cx="1089764" cy="369332"/>
+          </a:xfrm>
+          <a:prstGeom prst="rect">
+            <a:avLst/>
+          </a:prstGeom>
+          <a:noFill/>
+        </p:spPr>
+        <p:txBody>
+          <a:bodyPr wrap="square" rtlCol="0">
+            <a:spAutoFit/>
+          </a:bodyPr>
+          <a:lstStyle/>
+          <a:p>
+            <a:r>
+              <a:rPr kumimoji="1" lang="en-US" altLang="ja-JP" dirty="0"/>
+              <a:t>Client</a:t>
+            </a:r>
+            <a:endParaRPr kumimoji="1" lang="ja-JP" altLang="en-US"/>
+          </a:p>
+        </p:txBody>
+      </p:sp>
+      <p:pic>
+        <p:nvPicPr>
+          <p:cNvPr id="26" name="図 25">
+            <a:extLst>
+              <a:ext uri="{FF2B5EF4-FFF2-40B4-BE49-F238E27FC236}">
+                <a16:creationId xmlns:a16="http://schemas.microsoft.com/office/drawing/2014/main" id="{B29CE177-D1DE-F242-B0BB-73B3EB13C5C7}"/>
+              </a:ext>
+            </a:extLst>
+          </p:cNvPr>
+          <p:cNvPicPr>
+            <a:picLocks noChangeAspect="1"/>
+          </p:cNvPicPr>
+          <p:nvPr/>
+        </p:nvPicPr>
+        <p:blipFill>
+          <a:blip r:embed="rId3"/>
+          <a:stretch>
+            <a:fillRect/>
+          </a:stretch>
+        </p:blipFill>
+        <p:spPr>
+          <a:xfrm>
+            <a:off x="1205406" y="740005"/>
+            <a:ext cx="1143000" cy="812800"/>
+          </a:xfrm>
+          <a:prstGeom prst="rect">
+            <a:avLst/>
+          </a:prstGeom>
+        </p:spPr>
+      </p:pic>
+      <p:pic>
+        <p:nvPicPr>
+          <p:cNvPr id="28" name="図 27">
+            <a:extLst>
+              <a:ext uri="{FF2B5EF4-FFF2-40B4-BE49-F238E27FC236}">
+                <a16:creationId xmlns:a16="http://schemas.microsoft.com/office/drawing/2014/main" id="{CCC38C86-E991-944B-A449-152598E1F0CA}"/>
+              </a:ext>
+            </a:extLst>
+          </p:cNvPr>
+          <p:cNvPicPr>
+            <a:picLocks noChangeAspect="1"/>
+          </p:cNvPicPr>
+          <p:nvPr/>
+        </p:nvPicPr>
+        <p:blipFill>
+          <a:blip r:embed="rId3"/>
+          <a:stretch>
+            <a:fillRect/>
+          </a:stretch>
+        </p:blipFill>
+        <p:spPr>
+          <a:xfrm>
+            <a:off x="1189002" y="2837313"/>
+            <a:ext cx="1143000" cy="812800"/>
+          </a:xfrm>
+          <a:prstGeom prst="rect">
+            <a:avLst/>
+          </a:prstGeom>
+        </p:spPr>
+      </p:pic>
+      <p:pic>
+        <p:nvPicPr>
+          <p:cNvPr id="30" name="図 29">
+            <a:extLst>
+              <a:ext uri="{FF2B5EF4-FFF2-40B4-BE49-F238E27FC236}">
+                <a16:creationId xmlns:a16="http://schemas.microsoft.com/office/drawing/2014/main" id="{A7930D9A-8394-E24C-AC83-D25D215B2B78}"/>
+              </a:ext>
+            </a:extLst>
+          </p:cNvPr>
+          <p:cNvPicPr>
+            <a:picLocks noChangeAspect="1"/>
+          </p:cNvPicPr>
+          <p:nvPr/>
+        </p:nvPicPr>
+        <p:blipFill>
+          <a:blip r:embed="rId3"/>
+          <a:stretch>
+            <a:fillRect/>
+          </a:stretch>
+        </p:blipFill>
+        <p:spPr>
+          <a:xfrm>
+            <a:off x="1153657" y="1897513"/>
+            <a:ext cx="1143000" cy="812800"/>
+          </a:xfrm>
+          <a:prstGeom prst="rect">
+            <a:avLst/>
+          </a:prstGeom>
+        </p:spPr>
+      </p:pic>
+      <p:pic>
+        <p:nvPicPr>
+          <p:cNvPr id="32" name="図 31">
+            <a:extLst>
+              <a:ext uri="{FF2B5EF4-FFF2-40B4-BE49-F238E27FC236}">
+                <a16:creationId xmlns:a16="http://schemas.microsoft.com/office/drawing/2014/main" id="{5CBE6BED-38E0-6E4D-9CF3-FC92290F3B39}"/>
+              </a:ext>
+            </a:extLst>
+          </p:cNvPr>
+          <p:cNvPicPr>
+            <a:picLocks noChangeAspect="1"/>
+          </p:cNvPicPr>
+          <p:nvPr/>
+        </p:nvPicPr>
+        <p:blipFill>
+          <a:blip r:embed="rId3"/>
+          <a:stretch>
+            <a:fillRect/>
+          </a:stretch>
+        </p:blipFill>
+        <p:spPr>
+          <a:xfrm>
+            <a:off x="1222442" y="3883258"/>
+            <a:ext cx="1143000" cy="812800"/>
+          </a:xfrm>
+          <a:prstGeom prst="rect">
+            <a:avLst/>
+          </a:prstGeom>
+        </p:spPr>
+      </p:pic>
+    </p:spTree>
+    <p:extLst>
+      <p:ext uri="{BB962C8B-B14F-4D97-AF65-F5344CB8AC3E}">
+        <p14:creationId xmlns:p14="http://schemas.microsoft.com/office/powerpoint/2010/main" val="1085233282"/>
+      </p:ext>
+    </p:extLst>
+  </p:cSld>
+  <p:clrMapOvr>
+    <a:masterClrMapping/>
+  </p:clrMapOvr>
+</p:sld>
+</file>
+
+<file path=ppt/slides/slide14.xml><?xml version="1.0" encoding="utf-8"?>
+<p:sld xmlns:a="http://schemas.openxmlformats.org/drawingml/2006/main" xmlns:r="http://schemas.openxmlformats.org/officeDocument/2006/relationships" xmlns:p="http://schemas.openxmlformats.org/presentationml/2006/main">
+  <p:cSld>
+    <p:spTree>
+      <p:nvGrpSpPr>
+        <p:cNvPr id="1" name=""/>
+        <p:cNvGrpSpPr/>
+        <p:nvPr/>
+      </p:nvGrpSpPr>
+      <p:grpSpPr>
+        <a:xfrm>
+          <a:off x="0" y="0"/>
+          <a:ext cx="0" cy="0"/>
+          <a:chOff x="0" y="0"/>
+          <a:chExt cx="0" cy="0"/>
+        </a:xfrm>
+      </p:grpSpPr>
+      <p:pic>
+        <p:nvPicPr>
+          <p:cNvPr id="2" name="図 1">
+            <a:extLst>
+              <a:ext uri="{FF2B5EF4-FFF2-40B4-BE49-F238E27FC236}">
+                <a16:creationId xmlns:a16="http://schemas.microsoft.com/office/drawing/2014/main" id="{F95B8671-3189-6A4D-BBD6-4B08F2FA73FE}"/>
+              </a:ext>
+            </a:extLst>
+          </p:cNvPr>
+          <p:cNvPicPr>
+            <a:picLocks noChangeAspect="1"/>
+          </p:cNvPicPr>
+          <p:nvPr/>
+        </p:nvPicPr>
+        <p:blipFill>
+          <a:blip r:embed="rId2"/>
+          <a:stretch>
+            <a:fillRect/>
+          </a:stretch>
+        </p:blipFill>
+        <p:spPr>
+          <a:xfrm>
+            <a:off x="638248" y="4479533"/>
+            <a:ext cx="1400902" cy="996197"/>
+          </a:xfrm>
+          <a:prstGeom prst="rect">
+            <a:avLst/>
+          </a:prstGeom>
+        </p:spPr>
+      </p:pic>
+      <p:sp>
+        <p:nvSpPr>
+          <p:cNvPr id="3" name="正方形/長方形 2">
+            <a:extLst>
+              <a:ext uri="{FF2B5EF4-FFF2-40B4-BE49-F238E27FC236}">
+                <a16:creationId xmlns:a16="http://schemas.microsoft.com/office/drawing/2014/main" id="{6EA81F3C-5622-7B4E-AB64-AFF87CA21200}"/>
+              </a:ext>
+            </a:extLst>
+          </p:cNvPr>
+          <p:cNvSpPr/>
+          <p:nvPr/>
+        </p:nvSpPr>
+        <p:spPr>
+          <a:xfrm>
+            <a:off x="8534435" y="3461531"/>
+            <a:ext cx="2820330" cy="1272523"/>
+          </a:xfrm>
+          <a:prstGeom prst="rect">
+            <a:avLst/>
+          </a:prstGeom>
+        </p:spPr>
+        <p:style>
+          <a:lnRef idx="2">
+            <a:schemeClr val="accent1">
+              <a:shade val="50000"/>
+            </a:schemeClr>
+          </a:lnRef>
+          <a:fillRef idx="1">
+            <a:schemeClr val="accent1"/>
+          </a:fillRef>
+          <a:effectRef idx="0">
+            <a:schemeClr val="accent1"/>
+          </a:effectRef>
+          <a:fontRef idx="minor">
+            <a:schemeClr val="lt1"/>
+          </a:fontRef>
+        </p:style>
+        <p:txBody>
+          <a:bodyPr rtlCol="0" anchor="ctr"/>
+          <a:lstStyle/>
+          <a:p>
+            <a:pPr algn="ctr"/>
+            <a:r>
+              <a:rPr kumimoji="1" lang="ja-JP" altLang="en-US"/>
+              <a:t>社内ネットワーク</a:t>
+            </a:r>
+          </a:p>
+        </p:txBody>
+      </p:sp>
+      <p:sp>
+        <p:nvSpPr>
+          <p:cNvPr id="4" name="雲 3">
+            <a:extLst>
+              <a:ext uri="{FF2B5EF4-FFF2-40B4-BE49-F238E27FC236}">
+                <a16:creationId xmlns:a16="http://schemas.microsoft.com/office/drawing/2014/main" id="{6C038A03-6984-254E-B1E9-7F075C3FC9B9}"/>
+              </a:ext>
+            </a:extLst>
+          </p:cNvPr>
+          <p:cNvSpPr/>
+          <p:nvPr/>
+        </p:nvSpPr>
+        <p:spPr>
+          <a:xfrm>
+            <a:off x="4271205" y="3588160"/>
+            <a:ext cx="2441352" cy="2009617"/>
+          </a:xfrm>
+          <a:prstGeom prst="cloud">
+            <a:avLst/>
+          </a:prstGeom>
+          <a:solidFill>
+            <a:schemeClr val="bg1"/>
+          </a:solidFill>
+          <a:ln w="31750"/>
+        </p:spPr>
+        <p:style>
+          <a:lnRef idx="2">
+            <a:schemeClr val="accent1">
+              <a:shade val="50000"/>
+            </a:schemeClr>
+          </a:lnRef>
+          <a:fillRef idx="1">
+            <a:schemeClr val="accent1"/>
+          </a:fillRef>
+          <a:effectRef idx="0">
+            <a:schemeClr val="accent1"/>
+          </a:effectRef>
+          <a:fontRef idx="minor">
+            <a:schemeClr val="lt1"/>
+          </a:fontRef>
+        </p:style>
+        <p:txBody>
+          <a:bodyPr rtlCol="0" anchor="ctr"/>
+          <a:lstStyle/>
+          <a:p>
+            <a:pPr algn="ctr"/>
+            <a:r>
+              <a:rPr lang="en-US" altLang="ja-JP" sz="2000" dirty="0">
+                <a:solidFill>
+                  <a:sysClr val="windowText" lastClr="000000"/>
+                </a:solidFill>
+              </a:rPr>
+              <a:t>Internet</a:t>
+            </a:r>
+            <a:endParaRPr kumimoji="1" lang="ja-JP" altLang="en-US" sz="2000">
+              <a:solidFill>
+                <a:sysClr val="windowText" lastClr="000000"/>
+              </a:solidFill>
+            </a:endParaRPr>
+          </a:p>
+        </p:txBody>
+      </p:sp>
+      <p:cxnSp>
+        <p:nvCxnSpPr>
+          <p:cNvPr id="6" name="直線矢印コネクタ 5">
+            <a:extLst>
+              <a:ext uri="{FF2B5EF4-FFF2-40B4-BE49-F238E27FC236}">
+                <a16:creationId xmlns:a16="http://schemas.microsoft.com/office/drawing/2014/main" id="{AEB35DC2-41B0-9D4D-A165-CAB304026A07}"/>
+              </a:ext>
+            </a:extLst>
+          </p:cNvPr>
+          <p:cNvCxnSpPr>
+            <a:cxnSpLocks/>
+            <a:stCxn id="4" idx="0"/>
+            <a:endCxn id="3" idx="1"/>
+          </p:cNvCxnSpPr>
+          <p:nvPr/>
+        </p:nvCxnSpPr>
+        <p:spPr>
+          <a:xfrm flipV="1">
+            <a:off x="6710523" y="4097793"/>
+            <a:ext cx="1823912" cy="495176"/>
+          </a:xfrm>
+          <a:prstGeom prst="straightConnector1">
+            <a:avLst/>
+          </a:prstGeom>
+          <a:ln w="53975">
+            <a:headEnd type="stealth" w="lg" len="lg"/>
+            <a:tailEnd type="stealth" w="lg" len="lg"/>
+          </a:ln>
+        </p:spPr>
+        <p:style>
+          <a:lnRef idx="1">
+            <a:schemeClr val="accent1"/>
+          </a:lnRef>
+          <a:fillRef idx="0">
+            <a:schemeClr val="accent1"/>
+          </a:fillRef>
+          <a:effectRef idx="0">
+            <a:schemeClr val="accent1"/>
+          </a:effectRef>
+          <a:fontRef idx="minor">
+            <a:schemeClr val="tx1"/>
+          </a:fontRef>
+        </p:style>
+      </p:cxnSp>
+      <p:cxnSp>
+        <p:nvCxnSpPr>
+          <p:cNvPr id="8" name="直線矢印コネクタ 7">
+            <a:extLst>
+              <a:ext uri="{FF2B5EF4-FFF2-40B4-BE49-F238E27FC236}">
+                <a16:creationId xmlns:a16="http://schemas.microsoft.com/office/drawing/2014/main" id="{200772BC-2704-D847-88CA-5FA2B4034D62}"/>
+              </a:ext>
+            </a:extLst>
+          </p:cNvPr>
+          <p:cNvCxnSpPr>
+            <a:cxnSpLocks/>
+            <a:stCxn id="2" idx="3"/>
+            <a:endCxn id="4" idx="2"/>
+          </p:cNvCxnSpPr>
+          <p:nvPr/>
+        </p:nvCxnSpPr>
+        <p:spPr>
+          <a:xfrm flipV="1">
+            <a:off x="2039150" y="4592969"/>
+            <a:ext cx="2239628" cy="384663"/>
+          </a:xfrm>
+          <a:prstGeom prst="straightConnector1">
+            <a:avLst/>
+          </a:prstGeom>
+          <a:ln w="53975">
+            <a:headEnd type="stealth" w="lg" len="lg"/>
+            <a:tailEnd type="stealth" w="lg" len="lg"/>
+          </a:ln>
+        </p:spPr>
+        <p:style>
+          <a:lnRef idx="1">
+            <a:schemeClr val="accent1"/>
+          </a:lnRef>
+          <a:fillRef idx="0">
+            <a:schemeClr val="accent1"/>
+          </a:fillRef>
+          <a:effectRef idx="0">
+            <a:schemeClr val="accent1"/>
+          </a:effectRef>
+          <a:fontRef idx="minor">
+            <a:schemeClr val="tx1"/>
+          </a:fontRef>
+        </p:style>
+      </p:cxnSp>
+      <p:pic>
+        <p:nvPicPr>
+          <p:cNvPr id="11" name="図 10">
+            <a:extLst>
+              <a:ext uri="{FF2B5EF4-FFF2-40B4-BE49-F238E27FC236}">
+                <a16:creationId xmlns:a16="http://schemas.microsoft.com/office/drawing/2014/main" id="{3BF4107E-67C0-D840-A71C-3ABB9E94B5FB}"/>
+              </a:ext>
+            </a:extLst>
+          </p:cNvPr>
+          <p:cNvPicPr>
+            <a:picLocks noChangeAspect="1"/>
+          </p:cNvPicPr>
+          <p:nvPr/>
+        </p:nvPicPr>
+        <p:blipFill>
+          <a:blip r:embed="rId3"/>
+          <a:stretch>
+            <a:fillRect/>
+          </a:stretch>
+        </p:blipFill>
+        <p:spPr>
+          <a:xfrm>
+            <a:off x="4344039" y="1208305"/>
+            <a:ext cx="769289" cy="1077004"/>
+          </a:xfrm>
+          <a:prstGeom prst="rect">
+            <a:avLst/>
+          </a:prstGeom>
+        </p:spPr>
+      </p:pic>
+      <p:pic>
+        <p:nvPicPr>
+          <p:cNvPr id="12" name="図 11">
+            <a:extLst>
+              <a:ext uri="{FF2B5EF4-FFF2-40B4-BE49-F238E27FC236}">
+                <a16:creationId xmlns:a16="http://schemas.microsoft.com/office/drawing/2014/main" id="{7D77EEEB-19CC-044F-BCA5-087160BAC7F8}"/>
+              </a:ext>
+            </a:extLst>
+          </p:cNvPr>
+          <p:cNvPicPr>
+            <a:picLocks noChangeAspect="1"/>
+          </p:cNvPicPr>
+          <p:nvPr/>
+        </p:nvPicPr>
+        <p:blipFill>
+          <a:blip r:embed="rId3"/>
+          <a:stretch>
+            <a:fillRect/>
+          </a:stretch>
+        </p:blipFill>
+        <p:spPr>
+          <a:xfrm>
+            <a:off x="5107237" y="1208305"/>
+            <a:ext cx="769289" cy="1077004"/>
+          </a:xfrm>
+          <a:prstGeom prst="rect">
+            <a:avLst/>
+          </a:prstGeom>
+        </p:spPr>
+      </p:pic>
+      <p:pic>
+        <p:nvPicPr>
+          <p:cNvPr id="13" name="図 12">
+            <a:extLst>
+              <a:ext uri="{FF2B5EF4-FFF2-40B4-BE49-F238E27FC236}">
+                <a16:creationId xmlns:a16="http://schemas.microsoft.com/office/drawing/2014/main" id="{EDF89651-EA11-5645-90E1-DCBAFC4DAAB7}"/>
+              </a:ext>
+            </a:extLst>
+          </p:cNvPr>
+          <p:cNvPicPr>
+            <a:picLocks noChangeAspect="1"/>
+          </p:cNvPicPr>
+          <p:nvPr/>
+        </p:nvPicPr>
+        <p:blipFill>
+          <a:blip r:embed="rId3"/>
+          <a:stretch>
+            <a:fillRect/>
+          </a:stretch>
+        </p:blipFill>
+        <p:spPr>
+          <a:xfrm>
+            <a:off x="5870434" y="1208305"/>
+            <a:ext cx="769289" cy="1077004"/>
+          </a:xfrm>
+          <a:prstGeom prst="rect">
+            <a:avLst/>
+          </a:prstGeom>
+        </p:spPr>
+      </p:pic>
+      <p:cxnSp>
+        <p:nvCxnSpPr>
+          <p:cNvPr id="15" name="直線矢印コネクタ 14">
+            <a:extLst>
+              <a:ext uri="{FF2B5EF4-FFF2-40B4-BE49-F238E27FC236}">
+                <a16:creationId xmlns:a16="http://schemas.microsoft.com/office/drawing/2014/main" id="{C439F944-ED28-984D-9B04-5EACC7BEAF70}"/>
+              </a:ext>
+            </a:extLst>
+          </p:cNvPr>
+          <p:cNvCxnSpPr>
+            <a:cxnSpLocks/>
+            <a:stCxn id="12" idx="2"/>
+            <a:endCxn id="4" idx="3"/>
+          </p:cNvCxnSpPr>
+          <p:nvPr/>
+        </p:nvCxnSpPr>
+        <p:spPr>
+          <a:xfrm flipH="1">
+            <a:off x="5491881" y="2285309"/>
+            <a:ext cx="1" cy="1417753"/>
+          </a:xfrm>
+          <a:prstGeom prst="straightConnector1">
+            <a:avLst/>
+          </a:prstGeom>
+          <a:ln w="57150">
+            <a:headEnd type="triangle"/>
+            <a:tailEnd type="triangle"/>
+          </a:ln>
+        </p:spPr>
+        <p:style>
+          <a:lnRef idx="1">
+            <a:schemeClr val="accent1"/>
+          </a:lnRef>
+          <a:fillRef idx="0">
+            <a:schemeClr val="accent1"/>
+          </a:fillRef>
+          <a:effectRef idx="0">
+            <a:schemeClr val="accent1"/>
+          </a:effectRef>
+          <a:fontRef idx="minor">
+            <a:schemeClr val="tx1"/>
+          </a:fontRef>
+        </p:style>
+      </p:cxnSp>
+      <p:sp>
+        <p:nvSpPr>
+          <p:cNvPr id="41" name="テキスト ボックス 40">
+            <a:extLst>
+              <a:ext uri="{FF2B5EF4-FFF2-40B4-BE49-F238E27FC236}">
+                <a16:creationId xmlns:a16="http://schemas.microsoft.com/office/drawing/2014/main" id="{495690DE-CE83-3E49-940E-CC64B7C6037C}"/>
+              </a:ext>
+            </a:extLst>
+          </p:cNvPr>
+          <p:cNvSpPr txBox="1"/>
+          <p:nvPr/>
+        </p:nvSpPr>
+        <p:spPr>
+          <a:xfrm>
+            <a:off x="438452" y="5649059"/>
+            <a:ext cx="1800493" cy="369332"/>
+          </a:xfrm>
+          <a:prstGeom prst="rect">
+            <a:avLst/>
+          </a:prstGeom>
+          <a:noFill/>
+        </p:spPr>
+        <p:txBody>
+          <a:bodyPr wrap="none" rtlCol="0">
+            <a:spAutoFit/>
+          </a:bodyPr>
+          <a:lstStyle/>
+          <a:p>
+            <a:r>
+              <a:rPr kumimoji="1" lang="ja-JP" altLang="en-US"/>
+              <a:t>テレワーク端末</a:t>
+            </a:r>
+          </a:p>
+        </p:txBody>
+      </p:sp>
+      <p:pic>
+        <p:nvPicPr>
+          <p:cNvPr id="45" name="図 44">
+            <a:extLst>
+              <a:ext uri="{FF2B5EF4-FFF2-40B4-BE49-F238E27FC236}">
+                <a16:creationId xmlns:a16="http://schemas.microsoft.com/office/drawing/2014/main" id="{5F82CDD7-4D15-3F4E-83C4-7B1CAC188080}"/>
+              </a:ext>
+            </a:extLst>
+          </p:cNvPr>
+          <p:cNvPicPr>
+            <a:picLocks noChangeAspect="1"/>
+          </p:cNvPicPr>
+          <p:nvPr/>
+        </p:nvPicPr>
+        <p:blipFill>
+          <a:blip r:embed="rId3"/>
+          <a:stretch>
+            <a:fillRect/>
+          </a:stretch>
+        </p:blipFill>
+        <p:spPr>
+          <a:xfrm>
+            <a:off x="10500907" y="5472772"/>
+            <a:ext cx="648453" cy="907834"/>
+          </a:xfrm>
+          <a:prstGeom prst="rect">
+            <a:avLst/>
+          </a:prstGeom>
+        </p:spPr>
+      </p:pic>
+      <p:sp>
+        <p:nvSpPr>
+          <p:cNvPr id="46" name="雲形吹き出し 45">
+            <a:extLst>
+              <a:ext uri="{FF2B5EF4-FFF2-40B4-BE49-F238E27FC236}">
+                <a16:creationId xmlns:a16="http://schemas.microsoft.com/office/drawing/2014/main" id="{A8C9F942-B141-044F-848A-308CEC6E80BB}"/>
+              </a:ext>
+            </a:extLst>
+          </p:cNvPr>
+          <p:cNvSpPr/>
+          <p:nvPr/>
+        </p:nvSpPr>
+        <p:spPr>
+          <a:xfrm>
+            <a:off x="3819646" y="927072"/>
+            <a:ext cx="3171463" cy="1639468"/>
+          </a:xfrm>
+          <a:prstGeom prst="cloudCallout">
+            <a:avLst/>
+          </a:prstGeom>
+          <a:solidFill>
+            <a:schemeClr val="bg1">
+              <a:alpha val="25000"/>
+            </a:schemeClr>
+          </a:solidFill>
+          <a:ln>
+            <a:solidFill>
+              <a:schemeClr val="tx1"/>
+            </a:solidFill>
+          </a:ln>
+        </p:spPr>
+        <p:style>
+          <a:lnRef idx="2">
+            <a:schemeClr val="accent1">
+              <a:shade val="50000"/>
+            </a:schemeClr>
+          </a:lnRef>
+          <a:fillRef idx="1">
+            <a:schemeClr val="accent1"/>
+          </a:fillRef>
+          <a:effectRef idx="0">
+            <a:schemeClr val="accent1"/>
+          </a:effectRef>
+          <a:fontRef idx="minor">
+            <a:schemeClr val="lt1"/>
+          </a:fontRef>
+        </p:style>
+        <p:txBody>
+          <a:bodyPr rtlCol="0" anchor="ctr"/>
+          <a:lstStyle/>
+          <a:p>
+            <a:pPr algn="ctr"/>
+            <a:endParaRPr kumimoji="1" lang="ja-JP" altLang="en-US"/>
+          </a:p>
+        </p:txBody>
+      </p:sp>
+      <p:pic>
+        <p:nvPicPr>
+          <p:cNvPr id="47" name="図 46">
+            <a:extLst>
+              <a:ext uri="{FF2B5EF4-FFF2-40B4-BE49-F238E27FC236}">
+                <a16:creationId xmlns:a16="http://schemas.microsoft.com/office/drawing/2014/main" id="{5B5BBFA4-16C2-F146-8E93-015DB623B4D1}"/>
+              </a:ext>
+            </a:extLst>
+          </p:cNvPr>
+          <p:cNvPicPr>
+            <a:picLocks noChangeAspect="1"/>
+          </p:cNvPicPr>
+          <p:nvPr/>
+        </p:nvPicPr>
+        <p:blipFill>
+          <a:blip r:embed="rId4"/>
+          <a:stretch>
+            <a:fillRect/>
+          </a:stretch>
+        </p:blipFill>
+        <p:spPr>
+          <a:xfrm>
+            <a:off x="8634937" y="5472772"/>
+            <a:ext cx="1010126" cy="907834"/>
+          </a:xfrm>
+          <a:prstGeom prst="rect">
+            <a:avLst/>
+          </a:prstGeom>
+        </p:spPr>
+      </p:pic>
+      <p:cxnSp>
+        <p:nvCxnSpPr>
+          <p:cNvPr id="58" name="直線コネクタ 57">
+            <a:extLst>
+              <a:ext uri="{FF2B5EF4-FFF2-40B4-BE49-F238E27FC236}">
+                <a16:creationId xmlns:a16="http://schemas.microsoft.com/office/drawing/2014/main" id="{39DA4B8A-966D-CF49-B996-BFE0940E8005}"/>
+              </a:ext>
+            </a:extLst>
+          </p:cNvPr>
+          <p:cNvCxnSpPr>
+            <a:cxnSpLocks/>
+            <a:endCxn id="47" idx="0"/>
+          </p:cNvCxnSpPr>
+          <p:nvPr/>
+        </p:nvCxnSpPr>
+        <p:spPr>
+          <a:xfrm>
+            <a:off x="9140000" y="4734054"/>
+            <a:ext cx="0" cy="738718"/>
+          </a:xfrm>
+          <a:prstGeom prst="line">
+            <a:avLst/>
+          </a:prstGeom>
+          <a:ln w="44450"/>
+        </p:spPr>
+        <p:style>
+          <a:lnRef idx="1">
+            <a:schemeClr val="accent1"/>
+          </a:lnRef>
+          <a:fillRef idx="0">
+            <a:schemeClr val="accent1"/>
+          </a:fillRef>
+          <a:effectRef idx="0">
+            <a:schemeClr val="accent1"/>
+          </a:effectRef>
+          <a:fontRef idx="minor">
+            <a:schemeClr val="tx1"/>
+          </a:fontRef>
+        </p:style>
+      </p:cxnSp>
+      <p:cxnSp>
+        <p:nvCxnSpPr>
+          <p:cNvPr id="61" name="直線コネクタ 60">
+            <a:extLst>
+              <a:ext uri="{FF2B5EF4-FFF2-40B4-BE49-F238E27FC236}">
+                <a16:creationId xmlns:a16="http://schemas.microsoft.com/office/drawing/2014/main" id="{2CF82CE7-BA1C-4C49-840D-11119109784F}"/>
+              </a:ext>
+            </a:extLst>
+          </p:cNvPr>
+          <p:cNvCxnSpPr>
+            <a:cxnSpLocks/>
+          </p:cNvCxnSpPr>
+          <p:nvPr/>
+        </p:nvCxnSpPr>
+        <p:spPr>
+          <a:xfrm>
+            <a:off x="10825133" y="4734054"/>
+            <a:ext cx="0" cy="738718"/>
+          </a:xfrm>
+          <a:prstGeom prst="line">
+            <a:avLst/>
+          </a:prstGeom>
+          <a:ln w="44450"/>
+        </p:spPr>
+        <p:style>
+          <a:lnRef idx="1">
+            <a:schemeClr val="accent1"/>
+          </a:lnRef>
+          <a:fillRef idx="0">
+            <a:schemeClr val="accent1"/>
+          </a:fillRef>
+          <a:effectRef idx="0">
+            <a:schemeClr val="accent1"/>
+          </a:effectRef>
+          <a:fontRef idx="minor">
+            <a:schemeClr val="tx1"/>
+          </a:fontRef>
+        </p:style>
+      </p:cxnSp>
+      <p:sp>
+        <p:nvSpPr>
+          <p:cNvPr id="62" name="テキスト ボックス 61">
+            <a:extLst>
+              <a:ext uri="{FF2B5EF4-FFF2-40B4-BE49-F238E27FC236}">
+                <a16:creationId xmlns:a16="http://schemas.microsoft.com/office/drawing/2014/main" id="{9CF1AB36-BB25-C64F-95E4-B15C0193D926}"/>
+              </a:ext>
+            </a:extLst>
+          </p:cNvPr>
+          <p:cNvSpPr txBox="1"/>
+          <p:nvPr/>
+        </p:nvSpPr>
+        <p:spPr>
+          <a:xfrm>
+            <a:off x="4591634" y="590993"/>
+            <a:ext cx="1800493" cy="369332"/>
+          </a:xfrm>
+          <a:prstGeom prst="rect">
+            <a:avLst/>
+          </a:prstGeom>
+          <a:noFill/>
+        </p:spPr>
+        <p:txBody>
+          <a:bodyPr wrap="none" rtlCol="0">
+            <a:spAutoFit/>
+          </a:bodyPr>
+          <a:lstStyle/>
+          <a:p>
+            <a:r>
+              <a:rPr kumimoji="1" lang="ja-JP" altLang="en-US"/>
+              <a:t>クラウドサーバ</a:t>
+            </a:r>
+          </a:p>
+        </p:txBody>
+      </p:sp>
+      <p:sp>
+        <p:nvSpPr>
+          <p:cNvPr id="63" name="テキスト ボックス 62">
+            <a:extLst>
+              <a:ext uri="{FF2B5EF4-FFF2-40B4-BE49-F238E27FC236}">
+                <a16:creationId xmlns:a16="http://schemas.microsoft.com/office/drawing/2014/main" id="{5A0ABA3F-1638-4F46-AE9C-A9F75741D741}"/>
+              </a:ext>
+            </a:extLst>
+          </p:cNvPr>
+          <p:cNvSpPr txBox="1"/>
+          <p:nvPr/>
+        </p:nvSpPr>
+        <p:spPr>
+          <a:xfrm>
+            <a:off x="9403571" y="4951446"/>
+            <a:ext cx="1338828" cy="646331"/>
+          </a:xfrm>
+          <a:prstGeom prst="rect">
+            <a:avLst/>
+          </a:prstGeom>
+          <a:noFill/>
+        </p:spPr>
+        <p:txBody>
+          <a:bodyPr wrap="none" rtlCol="0">
+            <a:spAutoFit/>
+          </a:bodyPr>
+          <a:lstStyle/>
+          <a:p>
+            <a:r>
+              <a:rPr kumimoji="1" lang="ja-JP" altLang="en-US"/>
+              <a:t>社内サーバ</a:t>
+            </a:r>
+            <a:endParaRPr kumimoji="1" lang="en-US" altLang="ja-JP" dirty="0"/>
+          </a:p>
+          <a:p>
+            <a:r>
+              <a:rPr lang="ja-JP" altLang="en-US"/>
+              <a:t>社内</a:t>
+            </a:r>
+            <a:r>
+              <a:rPr lang="en-US" altLang="ja-JP" dirty="0"/>
+              <a:t>PC</a:t>
+            </a:r>
+            <a:endParaRPr kumimoji="1" lang="ja-JP" altLang="en-US"/>
+          </a:p>
+        </p:txBody>
+      </p:sp>
+      <p:cxnSp>
+        <p:nvCxnSpPr>
+          <p:cNvPr id="34" name="曲線コネクタ 33">
+            <a:extLst>
+              <a:ext uri="{FF2B5EF4-FFF2-40B4-BE49-F238E27FC236}">
+                <a16:creationId xmlns:a16="http://schemas.microsoft.com/office/drawing/2014/main" id="{0593237C-B4E6-A645-BE2B-70F6F118100D}"/>
+              </a:ext>
+            </a:extLst>
+          </p:cNvPr>
+          <p:cNvCxnSpPr>
+            <a:cxnSpLocks/>
+            <a:stCxn id="3" idx="0"/>
+            <a:endCxn id="13" idx="3"/>
+          </p:cNvCxnSpPr>
+          <p:nvPr/>
+        </p:nvCxnSpPr>
+        <p:spPr>
+          <a:xfrm rot="16200000" flipV="1">
+            <a:off x="7434800" y="951730"/>
+            <a:ext cx="1714724" cy="3304877"/>
+          </a:xfrm>
+          <a:prstGeom prst="curvedConnector2">
+            <a:avLst/>
+          </a:prstGeom>
+          <a:ln w="47625">
+            <a:prstDash val="sysDash"/>
+            <a:tailEnd type="stealth" w="lg" len="lg"/>
+          </a:ln>
+        </p:spPr>
+        <p:style>
+          <a:lnRef idx="1">
+            <a:schemeClr val="accent1"/>
+          </a:lnRef>
+          <a:fillRef idx="0">
+            <a:schemeClr val="accent1"/>
+          </a:fillRef>
+          <a:effectRef idx="0">
+            <a:schemeClr val="accent1"/>
+          </a:effectRef>
+          <a:fontRef idx="minor">
+            <a:schemeClr val="tx1"/>
+          </a:fontRef>
+        </p:style>
+      </p:cxnSp>
+      <p:cxnSp>
+        <p:nvCxnSpPr>
+          <p:cNvPr id="30" name="曲線コネクタ 29">
+            <a:extLst>
+              <a:ext uri="{FF2B5EF4-FFF2-40B4-BE49-F238E27FC236}">
+                <a16:creationId xmlns:a16="http://schemas.microsoft.com/office/drawing/2014/main" id="{EF0AA849-7164-6F48-946B-49340EA6F718}"/>
+              </a:ext>
+            </a:extLst>
+          </p:cNvPr>
+          <p:cNvCxnSpPr>
+            <a:cxnSpLocks/>
+            <a:stCxn id="2" idx="0"/>
+            <a:endCxn id="11" idx="1"/>
+          </p:cNvCxnSpPr>
+          <p:nvPr/>
+        </p:nvCxnSpPr>
+        <p:spPr>
+          <a:xfrm rot="5400000" flipH="1" flipV="1">
+            <a:off x="1475006" y="1610500"/>
+            <a:ext cx="2732726" cy="3005340"/>
+          </a:xfrm>
+          <a:prstGeom prst="curvedConnector2">
+            <a:avLst/>
+          </a:prstGeom>
+          <a:ln w="47625">
+            <a:prstDash val="sysDash"/>
+            <a:tailEnd type="stealth" w="lg" len="lg"/>
+          </a:ln>
+        </p:spPr>
+        <p:style>
+          <a:lnRef idx="1">
+            <a:schemeClr val="accent1"/>
+          </a:lnRef>
+          <a:fillRef idx="0">
+            <a:schemeClr val="accent1"/>
+          </a:fillRef>
+          <a:effectRef idx="0">
+            <a:schemeClr val="accent1"/>
+          </a:effectRef>
+          <a:fontRef idx="minor">
+            <a:schemeClr val="tx1"/>
+          </a:fontRef>
+        </p:style>
+      </p:cxnSp>
+    </p:spTree>
+    <p:extLst>
+      <p:ext uri="{BB962C8B-B14F-4D97-AF65-F5344CB8AC3E}">
+        <p14:creationId xmlns:p14="http://schemas.microsoft.com/office/powerpoint/2010/main" val="3382335779"/>
+      </p:ext>
+    </p:extLst>
+  </p:cSld>
+  <p:clrMapOvr>
+    <a:masterClrMapping/>
+  </p:clrMapOvr>
+</p:sld>
+</file>
+
+<file path=ppt/slides/slide15.xml><?xml version="1.0" encoding="utf-8"?>
+<p:sld xmlns:a="http://schemas.openxmlformats.org/drawingml/2006/main" xmlns:r="http://schemas.openxmlformats.org/officeDocument/2006/relationships" xmlns:p="http://schemas.openxmlformats.org/presentationml/2006/main">
+  <p:cSld>
+    <p:spTree>
+      <p:nvGrpSpPr>
+        <p:cNvPr id="1" name=""/>
+        <p:cNvGrpSpPr/>
+        <p:nvPr/>
+      </p:nvGrpSpPr>
+      <p:grpSpPr>
+        <a:xfrm>
+          <a:off x="0" y="0"/>
+          <a:ext cx="0" cy="0"/>
+          <a:chOff x="0" y="0"/>
+          <a:chExt cx="0" cy="0"/>
+        </a:xfrm>
+      </p:grpSpPr>
+      <p:pic>
+        <p:nvPicPr>
+          <p:cNvPr id="2" name="図 1">
+            <a:extLst>
+              <a:ext uri="{FF2B5EF4-FFF2-40B4-BE49-F238E27FC236}">
+                <a16:creationId xmlns:a16="http://schemas.microsoft.com/office/drawing/2014/main" id="{F95B8671-3189-6A4D-BBD6-4B08F2FA73FE}"/>
+              </a:ext>
+            </a:extLst>
+          </p:cNvPr>
+          <p:cNvPicPr>
+            <a:picLocks noChangeAspect="1"/>
+          </p:cNvPicPr>
+          <p:nvPr/>
+        </p:nvPicPr>
+        <p:blipFill>
+          <a:blip r:embed="rId2"/>
+          <a:stretch>
+            <a:fillRect/>
+          </a:stretch>
+        </p:blipFill>
+        <p:spPr>
+          <a:xfrm>
+            <a:off x="638248" y="3738754"/>
+            <a:ext cx="1400902" cy="996197"/>
+          </a:xfrm>
+          <a:prstGeom prst="rect">
+            <a:avLst/>
+          </a:prstGeom>
+        </p:spPr>
+      </p:pic>
+      <p:sp>
+        <p:nvSpPr>
+          <p:cNvPr id="3" name="正方形/長方形 2">
+            <a:extLst>
+              <a:ext uri="{FF2B5EF4-FFF2-40B4-BE49-F238E27FC236}">
+                <a16:creationId xmlns:a16="http://schemas.microsoft.com/office/drawing/2014/main" id="{6EA81F3C-5622-7B4E-AB64-AFF87CA21200}"/>
+              </a:ext>
+            </a:extLst>
+          </p:cNvPr>
+          <p:cNvSpPr/>
+          <p:nvPr/>
+        </p:nvSpPr>
+        <p:spPr>
+          <a:xfrm>
+            <a:off x="8449519" y="2199190"/>
+            <a:ext cx="2905246" cy="1794085"/>
+          </a:xfrm>
+          <a:prstGeom prst="rect">
+            <a:avLst/>
+          </a:prstGeom>
+        </p:spPr>
+        <p:style>
+          <a:lnRef idx="2">
+            <a:schemeClr val="accent1">
+              <a:shade val="50000"/>
+            </a:schemeClr>
+          </a:lnRef>
+          <a:fillRef idx="1">
+            <a:schemeClr val="accent1"/>
+          </a:fillRef>
+          <a:effectRef idx="0">
+            <a:schemeClr val="accent1"/>
+          </a:effectRef>
+          <a:fontRef idx="minor">
+            <a:schemeClr val="lt1"/>
+          </a:fontRef>
+        </p:style>
+        <p:txBody>
+          <a:bodyPr rtlCol="0" anchor="ctr"/>
+          <a:lstStyle/>
+          <a:p>
+            <a:pPr algn="ctr"/>
+            <a:r>
+              <a:rPr kumimoji="1" lang="ja-JP" altLang="en-US"/>
+              <a:t>社内ネットワーク</a:t>
+            </a:r>
+          </a:p>
+        </p:txBody>
+      </p:sp>
+      <p:sp>
+        <p:nvSpPr>
+          <p:cNvPr id="4" name="雲 3">
+            <a:extLst>
+              <a:ext uri="{FF2B5EF4-FFF2-40B4-BE49-F238E27FC236}">
+                <a16:creationId xmlns:a16="http://schemas.microsoft.com/office/drawing/2014/main" id="{6C038A03-6984-254E-B1E9-7F075C3FC9B9}"/>
+              </a:ext>
+            </a:extLst>
+          </p:cNvPr>
+          <p:cNvSpPr/>
+          <p:nvPr/>
+        </p:nvSpPr>
+        <p:spPr>
+          <a:xfrm>
+            <a:off x="4039438" y="2696901"/>
+            <a:ext cx="2724949" cy="2211378"/>
+          </a:xfrm>
+          <a:prstGeom prst="cloud">
+            <a:avLst/>
+          </a:prstGeom>
+          <a:solidFill>
+            <a:schemeClr val="bg1"/>
+          </a:solidFill>
+          <a:ln w="31750"/>
+        </p:spPr>
+        <p:style>
+          <a:lnRef idx="2">
+            <a:schemeClr val="accent1">
+              <a:shade val="50000"/>
+            </a:schemeClr>
+          </a:lnRef>
+          <a:fillRef idx="1">
+            <a:schemeClr val="accent1"/>
+          </a:fillRef>
+          <a:effectRef idx="0">
+            <a:schemeClr val="accent1"/>
+          </a:effectRef>
+          <a:fontRef idx="minor">
+            <a:schemeClr val="lt1"/>
+          </a:fontRef>
+        </p:style>
+        <p:txBody>
+          <a:bodyPr rtlCol="0" anchor="ctr"/>
+          <a:lstStyle/>
+          <a:p>
+            <a:pPr algn="ctr"/>
+            <a:r>
+              <a:rPr lang="en-US" altLang="ja-JP" sz="2000" dirty="0">
+                <a:solidFill>
+                  <a:sysClr val="windowText" lastClr="000000"/>
+                </a:solidFill>
+              </a:rPr>
+              <a:t>Internet</a:t>
+            </a:r>
+            <a:endParaRPr kumimoji="1" lang="ja-JP" altLang="en-US" sz="2000">
+              <a:solidFill>
+                <a:sysClr val="windowText" lastClr="000000"/>
+              </a:solidFill>
+            </a:endParaRPr>
+          </a:p>
+        </p:txBody>
+      </p:sp>
+      <p:cxnSp>
+        <p:nvCxnSpPr>
+          <p:cNvPr id="6" name="直線矢印コネクタ 5">
+            <a:extLst>
+              <a:ext uri="{FF2B5EF4-FFF2-40B4-BE49-F238E27FC236}">
+                <a16:creationId xmlns:a16="http://schemas.microsoft.com/office/drawing/2014/main" id="{AEB35DC2-41B0-9D4D-A165-CAB304026A07}"/>
+              </a:ext>
+            </a:extLst>
+          </p:cNvPr>
+          <p:cNvCxnSpPr>
+            <a:cxnSpLocks/>
+            <a:endCxn id="3" idx="1"/>
+          </p:cNvCxnSpPr>
+          <p:nvPr/>
+        </p:nvCxnSpPr>
+        <p:spPr>
+          <a:xfrm flipV="1">
+            <a:off x="6727568" y="3096233"/>
+            <a:ext cx="1721951" cy="148262"/>
+          </a:xfrm>
+          <a:prstGeom prst="straightConnector1">
+            <a:avLst/>
+          </a:prstGeom>
+          <a:ln w="53975">
+            <a:headEnd type="oval" w="med" len="med"/>
+            <a:tailEnd type="oval" w="med" len="med"/>
+          </a:ln>
+        </p:spPr>
+        <p:style>
+          <a:lnRef idx="1">
+            <a:schemeClr val="accent1"/>
+          </a:lnRef>
+          <a:fillRef idx="0">
+            <a:schemeClr val="accent1"/>
+          </a:fillRef>
+          <a:effectRef idx="0">
+            <a:schemeClr val="accent1"/>
+          </a:effectRef>
+          <a:fontRef idx="minor">
+            <a:schemeClr val="tx1"/>
+          </a:fontRef>
+        </p:style>
+      </p:cxnSp>
+      <p:cxnSp>
+        <p:nvCxnSpPr>
+          <p:cNvPr id="8" name="直線矢印コネクタ 7">
+            <a:extLst>
+              <a:ext uri="{FF2B5EF4-FFF2-40B4-BE49-F238E27FC236}">
+                <a16:creationId xmlns:a16="http://schemas.microsoft.com/office/drawing/2014/main" id="{200772BC-2704-D847-88CA-5FA2B4034D62}"/>
+              </a:ext>
+            </a:extLst>
+          </p:cNvPr>
+          <p:cNvCxnSpPr>
+            <a:cxnSpLocks/>
+            <a:stCxn id="2" idx="3"/>
+            <a:endCxn id="47" idx="1"/>
+          </p:cNvCxnSpPr>
+          <p:nvPr/>
+        </p:nvCxnSpPr>
+        <p:spPr>
+          <a:xfrm>
+            <a:off x="2039150" y="4236853"/>
+            <a:ext cx="6595787" cy="949057"/>
+          </a:xfrm>
+          <a:prstGeom prst="straightConnector1">
+            <a:avLst/>
+          </a:prstGeom>
+          <a:ln w="53975">
+            <a:prstDash val="sysDot"/>
+            <a:headEnd type="stealth" w="lg" len="lg"/>
+            <a:tailEnd type="stealth" w="lg" len="lg"/>
+          </a:ln>
+        </p:spPr>
+        <p:style>
+          <a:lnRef idx="1">
+            <a:schemeClr val="accent1"/>
+          </a:lnRef>
+          <a:fillRef idx="0">
+            <a:schemeClr val="accent1"/>
+          </a:fillRef>
+          <a:effectRef idx="0">
+            <a:schemeClr val="accent1"/>
+          </a:effectRef>
+          <a:fontRef idx="minor">
+            <a:schemeClr val="tx1"/>
+          </a:fontRef>
+        </p:style>
+      </p:cxnSp>
+      <p:sp>
+        <p:nvSpPr>
+          <p:cNvPr id="41" name="テキスト ボックス 40">
+            <a:extLst>
+              <a:ext uri="{FF2B5EF4-FFF2-40B4-BE49-F238E27FC236}">
+                <a16:creationId xmlns:a16="http://schemas.microsoft.com/office/drawing/2014/main" id="{495690DE-CE83-3E49-940E-CC64B7C6037C}"/>
+              </a:ext>
+            </a:extLst>
+          </p:cNvPr>
+          <p:cNvSpPr txBox="1"/>
+          <p:nvPr/>
+        </p:nvSpPr>
+        <p:spPr>
+          <a:xfrm>
+            <a:off x="438452" y="4908280"/>
+            <a:ext cx="1800493" cy="369332"/>
+          </a:xfrm>
+          <a:prstGeom prst="rect">
+            <a:avLst/>
+          </a:prstGeom>
+          <a:noFill/>
+        </p:spPr>
+        <p:txBody>
+          <a:bodyPr wrap="none" rtlCol="0">
+            <a:spAutoFit/>
+          </a:bodyPr>
+          <a:lstStyle/>
+          <a:p>
+            <a:r>
+              <a:rPr kumimoji="1" lang="ja-JP" altLang="en-US"/>
+              <a:t>テレワーク端末</a:t>
+            </a:r>
+          </a:p>
+        </p:txBody>
+      </p:sp>
+      <p:pic>
+        <p:nvPicPr>
+          <p:cNvPr id="45" name="図 44">
+            <a:extLst>
+              <a:ext uri="{FF2B5EF4-FFF2-40B4-BE49-F238E27FC236}">
+                <a16:creationId xmlns:a16="http://schemas.microsoft.com/office/drawing/2014/main" id="{5F82CDD7-4D15-3F4E-83C4-7B1CAC188080}"/>
+              </a:ext>
+            </a:extLst>
+          </p:cNvPr>
+          <p:cNvPicPr>
+            <a:picLocks noChangeAspect="1"/>
+          </p:cNvPicPr>
+          <p:nvPr/>
+        </p:nvPicPr>
+        <p:blipFill>
+          <a:blip r:embed="rId3"/>
+          <a:stretch>
+            <a:fillRect/>
+          </a:stretch>
+        </p:blipFill>
+        <p:spPr>
+          <a:xfrm>
+            <a:off x="10500907" y="4731993"/>
+            <a:ext cx="648453" cy="907834"/>
+          </a:xfrm>
+          <a:prstGeom prst="rect">
+            <a:avLst/>
+          </a:prstGeom>
+        </p:spPr>
+      </p:pic>
+      <p:pic>
+        <p:nvPicPr>
+          <p:cNvPr id="47" name="図 46">
+            <a:extLst>
+              <a:ext uri="{FF2B5EF4-FFF2-40B4-BE49-F238E27FC236}">
+                <a16:creationId xmlns:a16="http://schemas.microsoft.com/office/drawing/2014/main" id="{5B5BBFA4-16C2-F146-8E93-015DB623B4D1}"/>
+              </a:ext>
+            </a:extLst>
+          </p:cNvPr>
+          <p:cNvPicPr>
+            <a:picLocks noChangeAspect="1"/>
+          </p:cNvPicPr>
+          <p:nvPr/>
+        </p:nvPicPr>
+        <p:blipFill>
+          <a:blip r:embed="rId4"/>
+          <a:stretch>
+            <a:fillRect/>
+          </a:stretch>
+        </p:blipFill>
+        <p:spPr>
+          <a:xfrm>
+            <a:off x="8634937" y="4731993"/>
+            <a:ext cx="1010126" cy="907834"/>
+          </a:xfrm>
+          <a:prstGeom prst="rect">
+            <a:avLst/>
+          </a:prstGeom>
+        </p:spPr>
+      </p:pic>
+      <p:cxnSp>
+        <p:nvCxnSpPr>
+          <p:cNvPr id="58" name="直線コネクタ 57">
+            <a:extLst>
+              <a:ext uri="{FF2B5EF4-FFF2-40B4-BE49-F238E27FC236}">
+                <a16:creationId xmlns:a16="http://schemas.microsoft.com/office/drawing/2014/main" id="{39DA4B8A-966D-CF49-B996-BFE0940E8005}"/>
+              </a:ext>
+            </a:extLst>
+          </p:cNvPr>
+          <p:cNvCxnSpPr>
+            <a:cxnSpLocks/>
+            <a:endCxn id="47" idx="0"/>
+          </p:cNvCxnSpPr>
+          <p:nvPr/>
+        </p:nvCxnSpPr>
+        <p:spPr>
+          <a:xfrm>
+            <a:off x="9140000" y="3993275"/>
+            <a:ext cx="0" cy="738718"/>
+          </a:xfrm>
+          <a:prstGeom prst="line">
+            <a:avLst/>
+          </a:prstGeom>
+          <a:ln w="44450"/>
+        </p:spPr>
+        <p:style>
+          <a:lnRef idx="1">
+            <a:schemeClr val="accent1"/>
+          </a:lnRef>
+          <a:fillRef idx="0">
+            <a:schemeClr val="accent1"/>
+          </a:fillRef>
+          <a:effectRef idx="0">
+            <a:schemeClr val="accent1"/>
+          </a:effectRef>
+          <a:fontRef idx="minor">
+            <a:schemeClr val="tx1"/>
+          </a:fontRef>
+        </p:style>
+      </p:cxnSp>
+      <p:cxnSp>
+        <p:nvCxnSpPr>
+          <p:cNvPr id="61" name="直線コネクタ 60">
+            <a:extLst>
+              <a:ext uri="{FF2B5EF4-FFF2-40B4-BE49-F238E27FC236}">
+                <a16:creationId xmlns:a16="http://schemas.microsoft.com/office/drawing/2014/main" id="{2CF82CE7-BA1C-4C49-840D-11119109784F}"/>
+              </a:ext>
+            </a:extLst>
+          </p:cNvPr>
+          <p:cNvCxnSpPr>
+            <a:cxnSpLocks/>
+          </p:cNvCxnSpPr>
+          <p:nvPr/>
+        </p:nvCxnSpPr>
+        <p:spPr>
+          <a:xfrm>
+            <a:off x="10825133" y="3993275"/>
+            <a:ext cx="0" cy="738718"/>
+          </a:xfrm>
+          <a:prstGeom prst="line">
+            <a:avLst/>
+          </a:prstGeom>
+          <a:ln w="44450"/>
+        </p:spPr>
+        <p:style>
+          <a:lnRef idx="1">
+            <a:schemeClr val="accent1"/>
+          </a:lnRef>
+          <a:fillRef idx="0">
+            <a:schemeClr val="accent1"/>
+          </a:fillRef>
+          <a:effectRef idx="0">
+            <a:schemeClr val="accent1"/>
+          </a:effectRef>
+          <a:fontRef idx="minor">
+            <a:schemeClr val="tx1"/>
+          </a:fontRef>
+        </p:style>
+      </p:cxnSp>
+      <p:sp>
+        <p:nvSpPr>
+          <p:cNvPr id="63" name="テキスト ボックス 62">
+            <a:extLst>
+              <a:ext uri="{FF2B5EF4-FFF2-40B4-BE49-F238E27FC236}">
+                <a16:creationId xmlns:a16="http://schemas.microsoft.com/office/drawing/2014/main" id="{5A0ABA3F-1638-4F46-AE9C-A9F75741D741}"/>
+              </a:ext>
+            </a:extLst>
+          </p:cNvPr>
+          <p:cNvSpPr txBox="1"/>
+          <p:nvPr/>
+        </p:nvSpPr>
+        <p:spPr>
+          <a:xfrm>
+            <a:off x="9403571" y="4085662"/>
+            <a:ext cx="1338828" cy="646331"/>
+          </a:xfrm>
+          <a:prstGeom prst="rect">
+            <a:avLst/>
+          </a:prstGeom>
+          <a:noFill/>
+        </p:spPr>
+        <p:txBody>
+          <a:bodyPr wrap="none" rtlCol="0">
+            <a:spAutoFit/>
+          </a:bodyPr>
+          <a:lstStyle/>
+          <a:p>
+            <a:r>
+              <a:rPr kumimoji="1" lang="ja-JP" altLang="en-US"/>
+              <a:t>社内サーバ</a:t>
+            </a:r>
+            <a:endParaRPr kumimoji="1" lang="en-US" altLang="ja-JP" dirty="0"/>
+          </a:p>
+          <a:p>
+            <a:r>
+              <a:rPr lang="ja-JP" altLang="en-US"/>
+              <a:t>社内</a:t>
+            </a:r>
+            <a:r>
+              <a:rPr lang="en-US" altLang="ja-JP" dirty="0"/>
+              <a:t>PC</a:t>
+            </a:r>
+            <a:endParaRPr kumimoji="1" lang="ja-JP" altLang="en-US"/>
+          </a:p>
+        </p:txBody>
+      </p:sp>
+      <p:pic>
+        <p:nvPicPr>
+          <p:cNvPr id="22" name="図 21">
+            <a:extLst>
+              <a:ext uri="{FF2B5EF4-FFF2-40B4-BE49-F238E27FC236}">
+                <a16:creationId xmlns:a16="http://schemas.microsoft.com/office/drawing/2014/main" id="{4910378A-FB19-AC4F-B518-2B26FF14D6F3}"/>
+              </a:ext>
+            </a:extLst>
+          </p:cNvPr>
+          <p:cNvPicPr>
+            <a:picLocks noChangeAspect="1"/>
+          </p:cNvPicPr>
+          <p:nvPr/>
+        </p:nvPicPr>
+        <p:blipFill>
+          <a:blip r:embed="rId2"/>
+          <a:stretch>
+            <a:fillRect/>
+          </a:stretch>
+        </p:blipFill>
+        <p:spPr>
+          <a:xfrm>
+            <a:off x="896211" y="962759"/>
+            <a:ext cx="1400902" cy="996197"/>
+          </a:xfrm>
+          <a:prstGeom prst="rect">
+            <a:avLst/>
+          </a:prstGeom>
+        </p:spPr>
+      </p:pic>
+      <p:sp>
+        <p:nvSpPr>
+          <p:cNvPr id="9" name="テキスト ボックス 8">
+            <a:extLst>
+              <a:ext uri="{FF2B5EF4-FFF2-40B4-BE49-F238E27FC236}">
+                <a16:creationId xmlns:a16="http://schemas.microsoft.com/office/drawing/2014/main" id="{58017F73-3C91-814B-9B57-9814A0A4FB5B}"/>
+              </a:ext>
+            </a:extLst>
+          </p:cNvPr>
+          <p:cNvSpPr txBox="1"/>
+          <p:nvPr/>
+        </p:nvSpPr>
+        <p:spPr>
+          <a:xfrm>
+            <a:off x="883992" y="1958956"/>
+            <a:ext cx="1800493" cy="369332"/>
+          </a:xfrm>
+          <a:prstGeom prst="rect">
+            <a:avLst/>
+          </a:prstGeom>
+          <a:noFill/>
+        </p:spPr>
+        <p:txBody>
+          <a:bodyPr wrap="none" rtlCol="0">
+            <a:spAutoFit/>
+          </a:bodyPr>
+          <a:lstStyle/>
+          <a:p>
+            <a:r>
+              <a:rPr kumimoji="1" lang="ja-JP" altLang="en-US"/>
+              <a:t>テレワーク端末</a:t>
+            </a:r>
+          </a:p>
+        </p:txBody>
+      </p:sp>
+      <p:cxnSp>
+        <p:nvCxnSpPr>
+          <p:cNvPr id="50" name="直線矢印コネクタ 49">
+            <a:extLst>
+              <a:ext uri="{FF2B5EF4-FFF2-40B4-BE49-F238E27FC236}">
+                <a16:creationId xmlns:a16="http://schemas.microsoft.com/office/drawing/2014/main" id="{D884A926-E78E-B749-9BAA-9F0163E8D82C}"/>
+              </a:ext>
+            </a:extLst>
+          </p:cNvPr>
+          <p:cNvCxnSpPr>
+            <a:cxnSpLocks/>
+          </p:cNvCxnSpPr>
+          <p:nvPr/>
+        </p:nvCxnSpPr>
+        <p:spPr>
+          <a:xfrm flipV="1">
+            <a:off x="2108245" y="3751536"/>
+            <a:ext cx="1862098" cy="241739"/>
+          </a:xfrm>
+          <a:prstGeom prst="straightConnector1">
+            <a:avLst/>
+          </a:prstGeom>
+          <a:ln w="53975">
+            <a:headEnd type="oval" w="med" len="med"/>
+            <a:tailEnd type="oval" w="med" len="med"/>
+          </a:ln>
+        </p:spPr>
+        <p:style>
+          <a:lnRef idx="1">
+            <a:schemeClr val="accent1"/>
+          </a:lnRef>
+          <a:fillRef idx="0">
+            <a:schemeClr val="accent1"/>
+          </a:fillRef>
+          <a:effectRef idx="0">
+            <a:schemeClr val="accent1"/>
+          </a:effectRef>
+          <a:fontRef idx="minor">
+            <a:schemeClr val="tx1"/>
+          </a:fontRef>
+        </p:style>
+      </p:cxnSp>
+      <p:cxnSp>
+        <p:nvCxnSpPr>
+          <p:cNvPr id="52" name="直線矢印コネクタ 51">
+            <a:extLst>
+              <a:ext uri="{FF2B5EF4-FFF2-40B4-BE49-F238E27FC236}">
+                <a16:creationId xmlns:a16="http://schemas.microsoft.com/office/drawing/2014/main" id="{DF21013D-5C12-8545-98C8-38BC46F6ABAC}"/>
+              </a:ext>
+            </a:extLst>
+          </p:cNvPr>
+          <p:cNvCxnSpPr>
+            <a:cxnSpLocks/>
+          </p:cNvCxnSpPr>
+          <p:nvPr/>
+        </p:nvCxnSpPr>
+        <p:spPr>
+          <a:xfrm>
+            <a:off x="2480564" y="1785346"/>
+            <a:ext cx="1883092" cy="1127305"/>
+          </a:xfrm>
+          <a:prstGeom prst="straightConnector1">
+            <a:avLst/>
+          </a:prstGeom>
+          <a:ln w="53975">
+            <a:headEnd type="oval" w="med" len="med"/>
+            <a:tailEnd type="oval" w="med" len="med"/>
+          </a:ln>
+        </p:spPr>
+        <p:style>
+          <a:lnRef idx="1">
+            <a:schemeClr val="accent1"/>
+          </a:lnRef>
+          <a:fillRef idx="0">
+            <a:schemeClr val="accent1"/>
+          </a:fillRef>
+          <a:effectRef idx="0">
+            <a:schemeClr val="accent1"/>
+          </a:effectRef>
+          <a:fontRef idx="minor">
+            <a:schemeClr val="tx1"/>
+          </a:fontRef>
+        </p:style>
+      </p:cxnSp>
+      <p:sp>
+        <p:nvSpPr>
+          <p:cNvPr id="54" name="テキスト ボックス 53">
+            <a:extLst>
+              <a:ext uri="{FF2B5EF4-FFF2-40B4-BE49-F238E27FC236}">
+                <a16:creationId xmlns:a16="http://schemas.microsoft.com/office/drawing/2014/main" id="{E537360B-0189-1042-9CA4-713775AC69B7}"/>
+              </a:ext>
+            </a:extLst>
+          </p:cNvPr>
+          <p:cNvSpPr txBox="1"/>
+          <p:nvPr/>
+        </p:nvSpPr>
+        <p:spPr>
+          <a:xfrm>
+            <a:off x="4003745" y="1564968"/>
+            <a:ext cx="2723823" cy="646331"/>
+          </a:xfrm>
+          <a:prstGeom prst="rect">
+            <a:avLst/>
+          </a:prstGeom>
+          <a:noFill/>
+        </p:spPr>
+        <p:txBody>
+          <a:bodyPr wrap="none" rtlCol="0">
+            <a:spAutoFit/>
+          </a:bodyPr>
+          <a:lstStyle/>
+          <a:p>
+            <a:r>
+              <a:rPr kumimoji="1" lang="ja-JP" altLang="en-US"/>
+              <a:t>インターネット経由で</a:t>
+            </a:r>
+            <a:endParaRPr kumimoji="1" lang="en-US" altLang="ja-JP" dirty="0"/>
+          </a:p>
+          <a:p>
+            <a:r>
+              <a:rPr lang="ja-JP" altLang="en-US"/>
+              <a:t>社内システムにアクセス</a:t>
+            </a:r>
+            <a:endParaRPr kumimoji="1" lang="ja-JP" altLang="en-US"/>
+          </a:p>
+        </p:txBody>
+      </p:sp>
+      <p:pic>
+        <p:nvPicPr>
+          <p:cNvPr id="60" name="図 59">
+            <a:extLst>
+              <a:ext uri="{FF2B5EF4-FFF2-40B4-BE49-F238E27FC236}">
+                <a16:creationId xmlns:a16="http://schemas.microsoft.com/office/drawing/2014/main" id="{C833ADFD-CDF8-D444-9F7B-29B7A0AFDA58}"/>
+              </a:ext>
+            </a:extLst>
+          </p:cNvPr>
+          <p:cNvPicPr>
+            <a:picLocks noChangeAspect="1"/>
+          </p:cNvPicPr>
+          <p:nvPr/>
+        </p:nvPicPr>
+        <p:blipFill>
+          <a:blip r:embed="rId3"/>
+          <a:stretch>
+            <a:fillRect/>
+          </a:stretch>
+        </p:blipFill>
+        <p:spPr>
+          <a:xfrm>
+            <a:off x="10653307" y="740656"/>
+            <a:ext cx="648453" cy="907834"/>
+          </a:xfrm>
+          <a:prstGeom prst="rect">
+            <a:avLst/>
+          </a:prstGeom>
+        </p:spPr>
+      </p:pic>
+      <p:pic>
+        <p:nvPicPr>
+          <p:cNvPr id="64" name="図 63">
+            <a:extLst>
+              <a:ext uri="{FF2B5EF4-FFF2-40B4-BE49-F238E27FC236}">
+                <a16:creationId xmlns:a16="http://schemas.microsoft.com/office/drawing/2014/main" id="{38691D00-7BAA-7C45-B000-92FB447D2CD3}"/>
+              </a:ext>
+            </a:extLst>
+          </p:cNvPr>
+          <p:cNvPicPr>
+            <a:picLocks noChangeAspect="1"/>
+          </p:cNvPicPr>
+          <p:nvPr/>
+        </p:nvPicPr>
+        <p:blipFill>
+          <a:blip r:embed="rId4"/>
+          <a:stretch>
+            <a:fillRect/>
+          </a:stretch>
+        </p:blipFill>
+        <p:spPr>
+          <a:xfrm>
+            <a:off x="8787337" y="740656"/>
+            <a:ext cx="1010126" cy="907834"/>
+          </a:xfrm>
+          <a:prstGeom prst="rect">
+            <a:avLst/>
+          </a:prstGeom>
+        </p:spPr>
+      </p:pic>
+      <p:cxnSp>
+        <p:nvCxnSpPr>
+          <p:cNvPr id="65" name="直線コネクタ 64">
+            <a:extLst>
+              <a:ext uri="{FF2B5EF4-FFF2-40B4-BE49-F238E27FC236}">
+                <a16:creationId xmlns:a16="http://schemas.microsoft.com/office/drawing/2014/main" id="{E93D2B1A-12FE-744C-891C-24BB7EC64B47}"/>
+              </a:ext>
+            </a:extLst>
+          </p:cNvPr>
+          <p:cNvCxnSpPr>
+            <a:cxnSpLocks/>
+          </p:cNvCxnSpPr>
+          <p:nvPr/>
+        </p:nvCxnSpPr>
+        <p:spPr>
+          <a:xfrm>
+            <a:off x="9280825" y="1648490"/>
+            <a:ext cx="0" cy="738718"/>
+          </a:xfrm>
+          <a:prstGeom prst="line">
+            <a:avLst/>
+          </a:prstGeom>
+          <a:ln w="44450"/>
+        </p:spPr>
+        <p:style>
+          <a:lnRef idx="1">
+            <a:schemeClr val="accent1"/>
+          </a:lnRef>
+          <a:fillRef idx="0">
+            <a:schemeClr val="accent1"/>
+          </a:fillRef>
+          <a:effectRef idx="0">
+            <a:schemeClr val="accent1"/>
+          </a:effectRef>
+          <a:fontRef idx="minor">
+            <a:schemeClr val="tx1"/>
+          </a:fontRef>
+        </p:style>
+      </p:cxnSp>
+      <p:cxnSp>
+        <p:nvCxnSpPr>
+          <p:cNvPr id="66" name="直線コネクタ 65">
+            <a:extLst>
+              <a:ext uri="{FF2B5EF4-FFF2-40B4-BE49-F238E27FC236}">
+                <a16:creationId xmlns:a16="http://schemas.microsoft.com/office/drawing/2014/main" id="{98A29463-BBD3-F64A-9B86-377DE052AD5A}"/>
+              </a:ext>
+            </a:extLst>
+          </p:cNvPr>
+          <p:cNvCxnSpPr>
+            <a:cxnSpLocks/>
+          </p:cNvCxnSpPr>
+          <p:nvPr/>
+        </p:nvCxnSpPr>
+        <p:spPr>
+          <a:xfrm>
+            <a:off x="10977533" y="1671527"/>
+            <a:ext cx="0" cy="738718"/>
+          </a:xfrm>
+          <a:prstGeom prst="line">
+            <a:avLst/>
+          </a:prstGeom>
+          <a:ln w="44450"/>
+        </p:spPr>
+        <p:style>
+          <a:lnRef idx="1">
+            <a:schemeClr val="accent1"/>
+          </a:lnRef>
+          <a:fillRef idx="0">
+            <a:schemeClr val="accent1"/>
+          </a:fillRef>
+          <a:effectRef idx="0">
+            <a:schemeClr val="accent1"/>
+          </a:effectRef>
+          <a:fontRef idx="minor">
+            <a:schemeClr val="tx1"/>
+          </a:fontRef>
+        </p:style>
+      </p:cxnSp>
+      <p:sp>
+        <p:nvSpPr>
+          <p:cNvPr id="84" name="フリーフォーム 83">
+            <a:extLst>
+              <a:ext uri="{FF2B5EF4-FFF2-40B4-BE49-F238E27FC236}">
+                <a16:creationId xmlns:a16="http://schemas.microsoft.com/office/drawing/2014/main" id="{74CD97CC-E36E-7549-95AB-5BF6A986F48F}"/>
+              </a:ext>
+            </a:extLst>
+          </p:cNvPr>
+          <p:cNvSpPr/>
+          <p:nvPr/>
+        </p:nvSpPr>
+        <p:spPr>
+          <a:xfrm>
+            <a:off x="2480564" y="1460472"/>
+            <a:ext cx="6165725" cy="1850262"/>
+          </a:xfrm>
+          <a:custGeom>
+            <a:avLst/>
+            <a:gdLst>
+              <a:gd name="connsiteX0" fmla="*/ 0 w 6134583"/>
+              <a:gd name="connsiteY0" fmla="*/ 0 h 1863900"/>
+              <a:gd name="connsiteX1" fmla="*/ 2777924 w 6134583"/>
+              <a:gd name="connsiteY1" fmla="*/ 1863524 h 1863900"/>
+              <a:gd name="connsiteX2" fmla="*/ 6134583 w 6134583"/>
+              <a:gd name="connsiteY2" fmla="*/ 127322 h 1863900"/>
+            </a:gdLst>
+            <a:ahLst/>
+            <a:cxnLst>
+              <a:cxn ang="0">
+                <a:pos x="connsiteX0" y="connsiteY0"/>
+              </a:cxn>
+              <a:cxn ang="0">
+                <a:pos x="connsiteX1" y="connsiteY1"/>
+              </a:cxn>
+              <a:cxn ang="0">
+                <a:pos x="connsiteX2" y="connsiteY2"/>
+              </a:cxn>
+            </a:cxnLst>
+            <a:rect l="l" t="t" r="r" b="b"/>
+            <a:pathLst>
+              <a:path w="6134583" h="1863900">
+                <a:moveTo>
+                  <a:pt x="0" y="0"/>
+                </a:moveTo>
+                <a:cubicBezTo>
+                  <a:pt x="877747" y="921152"/>
+                  <a:pt x="1755494" y="1842304"/>
+                  <a:pt x="2777924" y="1863524"/>
+                </a:cubicBezTo>
+                <a:cubicBezTo>
+                  <a:pt x="3800354" y="1884744"/>
+                  <a:pt x="4967468" y="1006033"/>
+                  <a:pt x="6134583" y="127322"/>
+                </a:cubicBezTo>
+              </a:path>
+            </a:pathLst>
+          </a:custGeom>
+          <a:noFill/>
+          <a:ln w="63500">
+            <a:prstDash val="sysDot"/>
+            <a:headEnd type="oval"/>
+            <a:tailEnd type="stealth" w="lg" len="lg"/>
+          </a:ln>
+        </p:spPr>
+        <p:style>
+          <a:lnRef idx="2">
+            <a:schemeClr val="accent1">
+              <a:shade val="50000"/>
+            </a:schemeClr>
+          </a:lnRef>
+          <a:fillRef idx="1">
+            <a:schemeClr val="accent1"/>
+          </a:fillRef>
+          <a:effectRef idx="0">
+            <a:schemeClr val="accent1"/>
+          </a:effectRef>
+          <a:fontRef idx="minor">
+            <a:schemeClr val="lt1"/>
+          </a:fontRef>
+        </p:style>
+        <p:txBody>
+          <a:bodyPr rtlCol="0" anchor="ctr"/>
+          <a:lstStyle/>
+          <a:p>
+            <a:pPr algn="ctr"/>
+            <a:endParaRPr kumimoji="1" lang="ja-JP" altLang="en-US"/>
+          </a:p>
+        </p:txBody>
+      </p:sp>
+    </p:spTree>
+    <p:extLst>
+      <p:ext uri="{BB962C8B-B14F-4D97-AF65-F5344CB8AC3E}">
+        <p14:creationId xmlns:p14="http://schemas.microsoft.com/office/powerpoint/2010/main" val="2704615342"/>
+      </p:ext>
+    </p:extLst>
+  </p:cSld>
+  <p:clrMapOvr>
+    <a:masterClrMapping/>
+  </p:clrMapOvr>
+</p:sld>
+</file>
+
+<file path=ppt/slides/slide16.xml><?xml version="1.0" encoding="utf-8"?>
+<p:sld xmlns:a="http://schemas.openxmlformats.org/drawingml/2006/main" xmlns:r="http://schemas.openxmlformats.org/officeDocument/2006/relationships" xmlns:p="http://schemas.openxmlformats.org/presentationml/2006/main">
+  <p:cSld>
+    <p:spTree>
+      <p:nvGrpSpPr>
+        <p:cNvPr id="1" name=""/>
+        <p:cNvGrpSpPr/>
+        <p:nvPr/>
+      </p:nvGrpSpPr>
+      <p:grpSpPr>
+        <a:xfrm>
+          <a:off x="0" y="0"/>
+          <a:ext cx="0" cy="0"/>
+          <a:chOff x="0" y="0"/>
+          <a:chExt cx="0" cy="0"/>
+        </a:xfrm>
+      </p:grpSpPr>
+      <p:sp>
+        <p:nvSpPr>
+          <p:cNvPr id="22" name="正方形/長方形 21">
+            <a:extLst>
+              <a:ext uri="{FF2B5EF4-FFF2-40B4-BE49-F238E27FC236}">
+                <a16:creationId xmlns:a16="http://schemas.microsoft.com/office/drawing/2014/main" id="{03DB74AC-4E92-A441-BDC8-37C351E8619A}"/>
+              </a:ext>
+            </a:extLst>
+          </p:cNvPr>
+          <p:cNvSpPr/>
+          <p:nvPr/>
+        </p:nvSpPr>
+        <p:spPr>
+          <a:xfrm>
+            <a:off x="7254750" y="1972354"/>
+            <a:ext cx="3904390" cy="4237022"/>
+          </a:xfrm>
+          <a:prstGeom prst="rect">
+            <a:avLst/>
+          </a:prstGeom>
+          <a:solidFill>
+            <a:schemeClr val="bg1"/>
+          </a:solidFill>
+          <a:ln w="57150"/>
+        </p:spPr>
+        <p:style>
+          <a:lnRef idx="2">
+            <a:schemeClr val="dk1">
+              <a:shade val="50000"/>
+            </a:schemeClr>
+          </a:lnRef>
+          <a:fillRef idx="1">
+            <a:schemeClr val="dk1"/>
+          </a:fillRef>
+          <a:effectRef idx="0">
+            <a:schemeClr val="dk1"/>
+          </a:effectRef>
+          <a:fontRef idx="minor">
+            <a:schemeClr val="lt1"/>
+          </a:fontRef>
+        </p:style>
+        <p:txBody>
+          <a:bodyPr rtlCol="0" anchor="ctr"/>
+          <a:lstStyle/>
+          <a:p>
+            <a:pPr algn="ctr"/>
+            <a:endParaRPr kumimoji="1" lang="ja-JP" altLang="en-US"/>
+          </a:p>
+        </p:txBody>
+      </p:sp>
+      <p:pic>
+        <p:nvPicPr>
+          <p:cNvPr id="7" name="図 6">
+            <a:extLst>
+              <a:ext uri="{FF2B5EF4-FFF2-40B4-BE49-F238E27FC236}">
+                <a16:creationId xmlns:a16="http://schemas.microsoft.com/office/drawing/2014/main" id="{AE0FB9F9-6600-BA4D-AAF1-57213BBEED57}"/>
+              </a:ext>
+            </a:extLst>
+          </p:cNvPr>
+          <p:cNvPicPr>
+            <a:picLocks noChangeAspect="1"/>
+          </p:cNvPicPr>
+          <p:nvPr/>
+        </p:nvPicPr>
+        <p:blipFill>
+          <a:blip r:embed="rId3"/>
+          <a:stretch>
+            <a:fillRect/>
+          </a:stretch>
+        </p:blipFill>
+        <p:spPr>
+          <a:xfrm>
+            <a:off x="6986130" y="3671765"/>
+            <a:ext cx="520700" cy="838200"/>
+          </a:xfrm>
+          <a:prstGeom prst="rect">
+            <a:avLst/>
+          </a:prstGeom>
+        </p:spPr>
+      </p:pic>
+      <p:pic>
+        <p:nvPicPr>
+          <p:cNvPr id="9" name="図 8">
+            <a:extLst>
+              <a:ext uri="{FF2B5EF4-FFF2-40B4-BE49-F238E27FC236}">
+                <a16:creationId xmlns:a16="http://schemas.microsoft.com/office/drawing/2014/main" id="{0E823936-F079-FF49-A790-F0512C155A9A}"/>
+              </a:ext>
+            </a:extLst>
+          </p:cNvPr>
+          <p:cNvPicPr>
+            <a:picLocks noChangeAspect="1"/>
+          </p:cNvPicPr>
+          <p:nvPr/>
+        </p:nvPicPr>
+        <p:blipFill>
+          <a:blip r:embed="rId4"/>
+          <a:stretch>
+            <a:fillRect/>
+          </a:stretch>
+        </p:blipFill>
+        <p:spPr>
+          <a:xfrm>
+            <a:off x="10423429" y="2490665"/>
+            <a:ext cx="571500" cy="800100"/>
+          </a:xfrm>
+          <a:prstGeom prst="rect">
+            <a:avLst/>
+          </a:prstGeom>
+        </p:spPr>
+      </p:pic>
+      <p:pic>
+        <p:nvPicPr>
+          <p:cNvPr id="10" name="図 9">
+            <a:extLst>
+              <a:ext uri="{FF2B5EF4-FFF2-40B4-BE49-F238E27FC236}">
+                <a16:creationId xmlns:a16="http://schemas.microsoft.com/office/drawing/2014/main" id="{7995FC5E-9608-F149-AC4C-5CEBF2DC63CC}"/>
+              </a:ext>
+            </a:extLst>
+          </p:cNvPr>
+          <p:cNvPicPr>
+            <a:picLocks noChangeAspect="1"/>
+          </p:cNvPicPr>
+          <p:nvPr/>
+        </p:nvPicPr>
+        <p:blipFill>
+          <a:blip r:embed="rId4"/>
+          <a:stretch>
+            <a:fillRect/>
+          </a:stretch>
+        </p:blipFill>
+        <p:spPr>
+          <a:xfrm>
+            <a:off x="10421313" y="4890965"/>
+            <a:ext cx="571500" cy="800100"/>
+          </a:xfrm>
+          <a:prstGeom prst="rect">
+            <a:avLst/>
+          </a:prstGeom>
+        </p:spPr>
+      </p:pic>
+      <p:pic>
+        <p:nvPicPr>
+          <p:cNvPr id="12" name="図 11">
+            <a:extLst>
+              <a:ext uri="{FF2B5EF4-FFF2-40B4-BE49-F238E27FC236}">
+                <a16:creationId xmlns:a16="http://schemas.microsoft.com/office/drawing/2014/main" id="{B9054421-9209-A445-912D-EE6DB062319E}"/>
+              </a:ext>
+            </a:extLst>
+          </p:cNvPr>
+          <p:cNvPicPr>
+            <a:picLocks noChangeAspect="1"/>
+          </p:cNvPicPr>
+          <p:nvPr/>
+        </p:nvPicPr>
+        <p:blipFill>
+          <a:blip r:embed="rId5"/>
+          <a:stretch>
+            <a:fillRect/>
+          </a:stretch>
+        </p:blipFill>
+        <p:spPr>
+          <a:xfrm>
+            <a:off x="8595139" y="3746122"/>
+            <a:ext cx="711200" cy="711200"/>
+          </a:xfrm>
+          <a:prstGeom prst="rect">
+            <a:avLst/>
+          </a:prstGeom>
+        </p:spPr>
+      </p:pic>
+      <p:cxnSp>
+        <p:nvCxnSpPr>
+          <p:cNvPr id="14" name="直線コネクタ 13">
+            <a:extLst>
+              <a:ext uri="{FF2B5EF4-FFF2-40B4-BE49-F238E27FC236}">
+                <a16:creationId xmlns:a16="http://schemas.microsoft.com/office/drawing/2014/main" id="{859BD285-B99E-354E-AE49-99032F454AF1}"/>
+              </a:ext>
+            </a:extLst>
+          </p:cNvPr>
+          <p:cNvCxnSpPr>
+            <a:cxnSpLocks/>
+            <a:stCxn id="12" idx="3"/>
+            <a:endCxn id="9" idx="1"/>
+          </p:cNvCxnSpPr>
+          <p:nvPr/>
+        </p:nvCxnSpPr>
+        <p:spPr>
+          <a:xfrm flipV="1">
+            <a:off x="9306339" y="2890715"/>
+            <a:ext cx="1117090" cy="1211007"/>
+          </a:xfrm>
+          <a:prstGeom prst="line">
+            <a:avLst/>
+          </a:prstGeom>
+          <a:ln w="44450">
+            <a:headEnd type="oval"/>
+            <a:tailEnd type="oval"/>
+          </a:ln>
+        </p:spPr>
+        <p:style>
+          <a:lnRef idx="1">
+            <a:schemeClr val="accent1"/>
+          </a:lnRef>
+          <a:fillRef idx="0">
+            <a:schemeClr val="accent1"/>
+          </a:fillRef>
+          <a:effectRef idx="0">
+            <a:schemeClr val="accent1"/>
+          </a:effectRef>
+          <a:fontRef idx="minor">
+            <a:schemeClr val="tx1"/>
+          </a:fontRef>
+        </p:style>
+      </p:cxnSp>
+      <p:cxnSp>
+        <p:nvCxnSpPr>
+          <p:cNvPr id="18" name="直線コネクタ 17">
+            <a:extLst>
+              <a:ext uri="{FF2B5EF4-FFF2-40B4-BE49-F238E27FC236}">
+                <a16:creationId xmlns:a16="http://schemas.microsoft.com/office/drawing/2014/main" id="{0234DF0F-A6E4-F347-B6EA-E8460DA0407C}"/>
+              </a:ext>
+            </a:extLst>
+          </p:cNvPr>
+          <p:cNvCxnSpPr>
+            <a:cxnSpLocks/>
+            <a:stCxn id="12" idx="3"/>
+            <a:endCxn id="10" idx="1"/>
+          </p:cNvCxnSpPr>
+          <p:nvPr/>
+        </p:nvCxnSpPr>
+        <p:spPr>
+          <a:xfrm>
+            <a:off x="9306339" y="4101722"/>
+            <a:ext cx="1114974" cy="1189293"/>
+          </a:xfrm>
+          <a:prstGeom prst="line">
+            <a:avLst/>
+          </a:prstGeom>
+          <a:ln w="44450">
+            <a:headEnd type="oval"/>
+            <a:tailEnd type="oval"/>
+          </a:ln>
+        </p:spPr>
+        <p:style>
+          <a:lnRef idx="1">
+            <a:schemeClr val="accent1"/>
+          </a:lnRef>
+          <a:fillRef idx="0">
+            <a:schemeClr val="accent1"/>
+          </a:fillRef>
+          <a:effectRef idx="0">
+            <a:schemeClr val="accent1"/>
+          </a:effectRef>
+          <a:fontRef idx="minor">
+            <a:schemeClr val="tx1"/>
+          </a:fontRef>
+        </p:style>
+      </p:cxnSp>
+      <p:cxnSp>
+        <p:nvCxnSpPr>
+          <p:cNvPr id="24" name="直線コネクタ 23">
+            <a:extLst>
+              <a:ext uri="{FF2B5EF4-FFF2-40B4-BE49-F238E27FC236}">
+                <a16:creationId xmlns:a16="http://schemas.microsoft.com/office/drawing/2014/main" id="{3E298A39-F658-7944-B761-180770696926}"/>
+              </a:ext>
+            </a:extLst>
+          </p:cNvPr>
+          <p:cNvCxnSpPr>
+            <a:cxnSpLocks/>
+            <a:endCxn id="12" idx="1"/>
+          </p:cNvCxnSpPr>
+          <p:nvPr/>
+        </p:nvCxnSpPr>
+        <p:spPr>
+          <a:xfrm>
+            <a:off x="7506830" y="4090865"/>
+            <a:ext cx="1088309" cy="10857"/>
+          </a:xfrm>
+          <a:prstGeom prst="line">
+            <a:avLst/>
+          </a:prstGeom>
+          <a:ln w="38100">
+            <a:headEnd type="oval"/>
+            <a:tailEnd type="oval"/>
+          </a:ln>
+        </p:spPr>
+        <p:style>
+          <a:lnRef idx="1">
+            <a:schemeClr val="accent1"/>
+          </a:lnRef>
+          <a:fillRef idx="0">
+            <a:schemeClr val="accent1"/>
+          </a:fillRef>
+          <a:effectRef idx="0">
+            <a:schemeClr val="accent1"/>
+          </a:effectRef>
+          <a:fontRef idx="minor">
+            <a:schemeClr val="tx1"/>
+          </a:fontRef>
+        </p:style>
+      </p:cxnSp>
+      <p:sp>
+        <p:nvSpPr>
+          <p:cNvPr id="27" name="正方形/長方形 26">
+            <a:extLst>
+              <a:ext uri="{FF2B5EF4-FFF2-40B4-BE49-F238E27FC236}">
+                <a16:creationId xmlns:a16="http://schemas.microsoft.com/office/drawing/2014/main" id="{54BBC2F4-BFAC-5244-9A87-CF8ED664F807}"/>
+              </a:ext>
+            </a:extLst>
+          </p:cNvPr>
+          <p:cNvSpPr/>
+          <p:nvPr/>
+        </p:nvSpPr>
+        <p:spPr>
+          <a:xfrm>
+            <a:off x="7990425" y="1460267"/>
+            <a:ext cx="2209573" cy="742385"/>
+          </a:xfrm>
+          <a:prstGeom prst="rect">
+            <a:avLst/>
+          </a:prstGeom>
+        </p:spPr>
+        <p:style>
+          <a:lnRef idx="2">
+            <a:schemeClr val="accent1">
+              <a:shade val="50000"/>
+            </a:schemeClr>
+          </a:lnRef>
+          <a:fillRef idx="1">
+            <a:schemeClr val="accent1"/>
+          </a:fillRef>
+          <a:effectRef idx="0">
+            <a:schemeClr val="accent1"/>
+          </a:effectRef>
+          <a:fontRef idx="minor">
+            <a:schemeClr val="lt1"/>
+          </a:fontRef>
+        </p:style>
+        <p:txBody>
+          <a:bodyPr rtlCol="0" anchor="ctr"/>
+          <a:lstStyle/>
+          <a:p>
+            <a:pPr algn="ctr"/>
+            <a:r>
+              <a:rPr kumimoji="1" lang="ja-JP" altLang="en-US"/>
+              <a:t>社内ネットワーク</a:t>
+            </a:r>
+          </a:p>
+        </p:txBody>
+      </p:sp>
+      <p:sp>
+        <p:nvSpPr>
+          <p:cNvPr id="29" name="雲 28">
+            <a:extLst>
+              <a:ext uri="{FF2B5EF4-FFF2-40B4-BE49-F238E27FC236}">
+                <a16:creationId xmlns:a16="http://schemas.microsoft.com/office/drawing/2014/main" id="{3A823A53-72E5-5B4A-A5B2-C4219099BB07}"/>
+              </a:ext>
+            </a:extLst>
+          </p:cNvPr>
+          <p:cNvSpPr/>
+          <p:nvPr/>
+        </p:nvSpPr>
+        <p:spPr>
+          <a:xfrm>
+            <a:off x="3359447" y="3407863"/>
+            <a:ext cx="1966248" cy="985377"/>
+          </a:xfrm>
+          <a:prstGeom prst="cloud">
+            <a:avLst/>
+          </a:prstGeom>
+          <a:solidFill>
+            <a:schemeClr val="bg1"/>
+          </a:solidFill>
+          <a:ln w="31750"/>
+        </p:spPr>
+        <p:style>
+          <a:lnRef idx="2">
+            <a:schemeClr val="accent1">
+              <a:shade val="50000"/>
+            </a:schemeClr>
+          </a:lnRef>
+          <a:fillRef idx="1">
+            <a:schemeClr val="accent1"/>
+          </a:fillRef>
+          <a:effectRef idx="0">
+            <a:schemeClr val="accent1"/>
+          </a:effectRef>
+          <a:fontRef idx="minor">
+            <a:schemeClr val="lt1"/>
+          </a:fontRef>
+        </p:style>
+        <p:txBody>
+          <a:bodyPr rtlCol="0" anchor="ctr"/>
+          <a:lstStyle/>
+          <a:p>
+            <a:pPr algn="ctr"/>
+            <a:r>
+              <a:rPr lang="en-US" altLang="ja-JP" sz="2000" dirty="0">
+                <a:solidFill>
+                  <a:sysClr val="windowText" lastClr="000000"/>
+                </a:solidFill>
+              </a:rPr>
+              <a:t>Internet</a:t>
+            </a:r>
+            <a:endParaRPr kumimoji="1" lang="ja-JP" altLang="en-US" sz="2000">
+              <a:solidFill>
+                <a:sysClr val="windowText" lastClr="000000"/>
+              </a:solidFill>
+            </a:endParaRPr>
+          </a:p>
+        </p:txBody>
+      </p:sp>
+      <p:cxnSp>
+        <p:nvCxnSpPr>
+          <p:cNvPr id="31" name="直線コネクタ 30">
+            <a:extLst>
+              <a:ext uri="{FF2B5EF4-FFF2-40B4-BE49-F238E27FC236}">
+                <a16:creationId xmlns:a16="http://schemas.microsoft.com/office/drawing/2014/main" id="{0FE905DA-86EC-C94F-88B3-74C7501D2172}"/>
+              </a:ext>
+            </a:extLst>
+          </p:cNvPr>
+          <p:cNvCxnSpPr>
+            <a:cxnSpLocks/>
+            <a:endCxn id="7" idx="1"/>
+          </p:cNvCxnSpPr>
+          <p:nvPr/>
+        </p:nvCxnSpPr>
+        <p:spPr>
+          <a:xfrm>
+            <a:off x="5943061" y="4090865"/>
+            <a:ext cx="1043069" cy="0"/>
+          </a:xfrm>
+          <a:prstGeom prst="line">
+            <a:avLst/>
+          </a:prstGeom>
+          <a:ln w="34925" cap="rnd">
+            <a:tailEnd type="oval"/>
+          </a:ln>
+        </p:spPr>
+        <p:style>
+          <a:lnRef idx="1">
+            <a:schemeClr val="accent1"/>
+          </a:lnRef>
+          <a:fillRef idx="0">
+            <a:schemeClr val="accent1"/>
+          </a:fillRef>
+          <a:effectRef idx="0">
+            <a:schemeClr val="accent1"/>
+          </a:effectRef>
+          <a:fontRef idx="minor">
+            <a:schemeClr val="tx1"/>
+          </a:fontRef>
+        </p:style>
+      </p:cxnSp>
+      <p:sp>
+        <p:nvSpPr>
+          <p:cNvPr id="40" name="テキスト ボックス 39">
+            <a:extLst>
+              <a:ext uri="{FF2B5EF4-FFF2-40B4-BE49-F238E27FC236}">
+                <a16:creationId xmlns:a16="http://schemas.microsoft.com/office/drawing/2014/main" id="{06C657A0-B2B1-9F49-A404-C22BFF2A3153}"/>
+              </a:ext>
+            </a:extLst>
+          </p:cNvPr>
+          <p:cNvSpPr txBox="1"/>
+          <p:nvPr/>
+        </p:nvSpPr>
+        <p:spPr>
+          <a:xfrm>
+            <a:off x="6155337" y="4504310"/>
+            <a:ext cx="1732875" cy="276999"/>
+          </a:xfrm>
+          <a:prstGeom prst="rect">
+            <a:avLst/>
+          </a:prstGeom>
+          <a:noFill/>
+        </p:spPr>
+        <p:txBody>
+          <a:bodyPr wrap="square" rtlCol="0">
+            <a:spAutoFit/>
+          </a:bodyPr>
+          <a:lstStyle/>
+          <a:p>
+            <a:r>
+              <a:rPr kumimoji="1" lang="en-US" altLang="ja-JP" sz="1200" dirty="0"/>
+              <a:t>150.65.136.94</a:t>
+            </a:r>
+            <a:endParaRPr kumimoji="1" lang="ja-JP" altLang="en-US" sz="1600"/>
+          </a:p>
+        </p:txBody>
+      </p:sp>
+      <p:sp>
+        <p:nvSpPr>
+          <p:cNvPr id="41" name="テキスト ボックス 40">
+            <a:extLst>
+              <a:ext uri="{FF2B5EF4-FFF2-40B4-BE49-F238E27FC236}">
+                <a16:creationId xmlns:a16="http://schemas.microsoft.com/office/drawing/2014/main" id="{DF8837A4-85C2-7E42-8727-5A39197AB4CD}"/>
+              </a:ext>
+            </a:extLst>
+          </p:cNvPr>
+          <p:cNvSpPr txBox="1"/>
+          <p:nvPr/>
+        </p:nvSpPr>
+        <p:spPr>
+          <a:xfrm>
+            <a:off x="7470133" y="4238167"/>
+            <a:ext cx="873282" cy="276999"/>
+          </a:xfrm>
+          <a:prstGeom prst="rect">
+            <a:avLst/>
+          </a:prstGeom>
+          <a:noFill/>
+        </p:spPr>
+        <p:txBody>
+          <a:bodyPr wrap="square" rtlCol="0">
+            <a:spAutoFit/>
+          </a:bodyPr>
+          <a:lstStyle/>
+          <a:p>
+            <a:r>
+              <a:rPr lang="en-US" altLang="ja-JP" sz="1200" dirty="0"/>
+              <a:t>10.1.1.1</a:t>
+            </a:r>
+            <a:endParaRPr kumimoji="1" lang="ja-JP" altLang="en-US"/>
+          </a:p>
+        </p:txBody>
+      </p:sp>
+      <p:sp>
+        <p:nvSpPr>
+          <p:cNvPr id="42" name="テキスト ボックス 41">
+            <a:extLst>
+              <a:ext uri="{FF2B5EF4-FFF2-40B4-BE49-F238E27FC236}">
+                <a16:creationId xmlns:a16="http://schemas.microsoft.com/office/drawing/2014/main" id="{3AB78988-97AC-8E45-B39E-2CCD52D679B2}"/>
+              </a:ext>
+            </a:extLst>
+          </p:cNvPr>
+          <p:cNvSpPr txBox="1"/>
+          <p:nvPr/>
+        </p:nvSpPr>
+        <p:spPr>
+          <a:xfrm>
+            <a:off x="9738664" y="2613608"/>
+            <a:ext cx="1365298" cy="276999"/>
+          </a:xfrm>
+          <a:prstGeom prst="rect">
+            <a:avLst/>
+          </a:prstGeom>
+          <a:noFill/>
+        </p:spPr>
+        <p:txBody>
+          <a:bodyPr wrap="square" rtlCol="0">
+            <a:spAutoFit/>
+          </a:bodyPr>
+          <a:lstStyle/>
+          <a:p>
+            <a:r>
+              <a:rPr kumimoji="1" lang="en-US" altLang="ja-JP" sz="1200" dirty="0"/>
+              <a:t>10.1.1.7</a:t>
+            </a:r>
+            <a:endParaRPr kumimoji="1" lang="ja-JP" altLang="en-US" sz="1400"/>
+          </a:p>
+        </p:txBody>
+      </p:sp>
+      <p:sp>
+        <p:nvSpPr>
+          <p:cNvPr id="43" name="テキスト ボックス 42">
+            <a:extLst>
+              <a:ext uri="{FF2B5EF4-FFF2-40B4-BE49-F238E27FC236}">
+                <a16:creationId xmlns:a16="http://schemas.microsoft.com/office/drawing/2014/main" id="{D3E3C1E0-F315-4D4A-871C-664C6A3378C2}"/>
+              </a:ext>
+            </a:extLst>
+          </p:cNvPr>
+          <p:cNvSpPr txBox="1"/>
+          <p:nvPr/>
+        </p:nvSpPr>
+        <p:spPr>
+          <a:xfrm>
+            <a:off x="9719888" y="5411671"/>
+            <a:ext cx="729687" cy="276999"/>
+          </a:xfrm>
+          <a:prstGeom prst="rect">
+            <a:avLst/>
+          </a:prstGeom>
+          <a:noFill/>
+        </p:spPr>
+        <p:txBody>
+          <a:bodyPr wrap="square" rtlCol="0">
+            <a:spAutoFit/>
+          </a:bodyPr>
+          <a:lstStyle/>
+          <a:p>
+            <a:r>
+              <a:rPr kumimoji="1" lang="en-US" altLang="ja-JP" sz="1200" dirty="0"/>
+              <a:t>10.1.1.8</a:t>
+            </a:r>
+            <a:endParaRPr kumimoji="1" lang="ja-JP" altLang="en-US" sz="1400"/>
+          </a:p>
+        </p:txBody>
+      </p:sp>
+      <p:sp>
+        <p:nvSpPr>
+          <p:cNvPr id="45" name="テキスト ボックス 44">
+            <a:extLst>
+              <a:ext uri="{FF2B5EF4-FFF2-40B4-BE49-F238E27FC236}">
+                <a16:creationId xmlns:a16="http://schemas.microsoft.com/office/drawing/2014/main" id="{6BBBC7B7-2CE0-E84A-881E-1C5426FEEEE4}"/>
+              </a:ext>
+            </a:extLst>
+          </p:cNvPr>
+          <p:cNvSpPr txBox="1"/>
+          <p:nvPr/>
+        </p:nvSpPr>
+        <p:spPr>
+          <a:xfrm>
+            <a:off x="10503666" y="2245755"/>
+            <a:ext cx="474810" cy="276999"/>
+          </a:xfrm>
+          <a:prstGeom prst="rect">
+            <a:avLst/>
+          </a:prstGeom>
+          <a:noFill/>
+        </p:spPr>
+        <p:txBody>
+          <a:bodyPr wrap="square" rtlCol="0">
+            <a:spAutoFit/>
+          </a:bodyPr>
+          <a:lstStyle/>
+          <a:p>
+            <a:r>
+              <a:rPr kumimoji="1" lang="en-US" altLang="ja-JP" sz="1200" dirty="0"/>
+              <a:t>PC7</a:t>
+            </a:r>
+            <a:endParaRPr kumimoji="1" lang="ja-JP" altLang="en-US" sz="1200"/>
+          </a:p>
+        </p:txBody>
+      </p:sp>
+      <p:sp>
+        <p:nvSpPr>
+          <p:cNvPr id="46" name="テキスト ボックス 45">
+            <a:extLst>
+              <a:ext uri="{FF2B5EF4-FFF2-40B4-BE49-F238E27FC236}">
+                <a16:creationId xmlns:a16="http://schemas.microsoft.com/office/drawing/2014/main" id="{3238B99A-9B39-1B4C-A73F-4D39987CD314}"/>
+              </a:ext>
+            </a:extLst>
+          </p:cNvPr>
+          <p:cNvSpPr txBox="1"/>
+          <p:nvPr/>
+        </p:nvSpPr>
+        <p:spPr>
+          <a:xfrm>
+            <a:off x="10506092" y="4612082"/>
+            <a:ext cx="474810" cy="276999"/>
+          </a:xfrm>
+          <a:prstGeom prst="rect">
+            <a:avLst/>
+          </a:prstGeom>
+          <a:noFill/>
+        </p:spPr>
+        <p:txBody>
+          <a:bodyPr wrap="square" rtlCol="0">
+            <a:spAutoFit/>
+          </a:bodyPr>
+          <a:lstStyle/>
+          <a:p>
+            <a:r>
+              <a:rPr kumimoji="1" lang="en-US" altLang="ja-JP" sz="1200" dirty="0"/>
+              <a:t>PC8</a:t>
+            </a:r>
+            <a:endParaRPr kumimoji="1" lang="ja-JP" altLang="en-US" sz="1400"/>
+          </a:p>
+        </p:txBody>
+      </p:sp>
+      <p:sp>
+        <p:nvSpPr>
+          <p:cNvPr id="47" name="テキスト ボックス 46">
+            <a:extLst>
+              <a:ext uri="{FF2B5EF4-FFF2-40B4-BE49-F238E27FC236}">
+                <a16:creationId xmlns:a16="http://schemas.microsoft.com/office/drawing/2014/main" id="{489A085B-8C25-AA4B-B8D4-DE063FD10811}"/>
+              </a:ext>
+            </a:extLst>
+          </p:cNvPr>
+          <p:cNvSpPr txBox="1"/>
+          <p:nvPr/>
+        </p:nvSpPr>
+        <p:spPr>
+          <a:xfrm>
+            <a:off x="8524810" y="3477631"/>
+            <a:ext cx="1140802" cy="307777"/>
+          </a:xfrm>
+          <a:prstGeom prst="rect">
+            <a:avLst/>
+          </a:prstGeom>
+          <a:noFill/>
+        </p:spPr>
+        <p:txBody>
+          <a:bodyPr wrap="square" rtlCol="0">
+            <a:spAutoFit/>
+          </a:bodyPr>
+          <a:lstStyle/>
+          <a:p>
+            <a:r>
+              <a:rPr kumimoji="1" lang="en-US" altLang="ja-JP" sz="1400" dirty="0"/>
+              <a:t>L2switch</a:t>
+            </a:r>
+            <a:endParaRPr kumimoji="1" lang="ja-JP" altLang="en-US"/>
+          </a:p>
+        </p:txBody>
+      </p:sp>
+      <p:sp>
+        <p:nvSpPr>
+          <p:cNvPr id="48" name="テキスト ボックス 47">
+            <a:extLst>
+              <a:ext uri="{FF2B5EF4-FFF2-40B4-BE49-F238E27FC236}">
+                <a16:creationId xmlns:a16="http://schemas.microsoft.com/office/drawing/2014/main" id="{271BFD0A-EC31-5046-9490-560DA9C36BD6}"/>
+              </a:ext>
+            </a:extLst>
+          </p:cNvPr>
+          <p:cNvSpPr txBox="1"/>
+          <p:nvPr/>
+        </p:nvSpPr>
+        <p:spPr>
+          <a:xfrm>
+            <a:off x="6518361" y="3431539"/>
+            <a:ext cx="1348446" cy="276999"/>
+          </a:xfrm>
+          <a:prstGeom prst="rect">
+            <a:avLst/>
+          </a:prstGeom>
+          <a:noFill/>
+        </p:spPr>
+        <p:txBody>
+          <a:bodyPr wrap="square" rtlCol="0">
+            <a:spAutoFit/>
+          </a:bodyPr>
+          <a:lstStyle/>
+          <a:p>
+            <a:r>
+              <a:rPr kumimoji="1" lang="en-US" altLang="ja-JP" sz="1200" dirty="0"/>
+              <a:t>Gateway  Server</a:t>
+            </a:r>
+            <a:endParaRPr kumimoji="1" lang="ja-JP" altLang="en-US" sz="1200"/>
+          </a:p>
+        </p:txBody>
+      </p:sp>
+      <p:pic>
+        <p:nvPicPr>
+          <p:cNvPr id="32" name="図 31">
+            <a:extLst>
+              <a:ext uri="{FF2B5EF4-FFF2-40B4-BE49-F238E27FC236}">
+                <a16:creationId xmlns:a16="http://schemas.microsoft.com/office/drawing/2014/main" id="{5CBE6BED-38E0-6E4D-9CF3-FC92290F3B39}"/>
+              </a:ext>
+            </a:extLst>
+          </p:cNvPr>
+          <p:cNvPicPr>
+            <a:picLocks noChangeAspect="1"/>
+          </p:cNvPicPr>
+          <p:nvPr/>
+        </p:nvPicPr>
+        <p:blipFill>
+          <a:blip r:embed="rId6"/>
+          <a:stretch>
+            <a:fillRect/>
+          </a:stretch>
+        </p:blipFill>
+        <p:spPr>
+          <a:xfrm>
+            <a:off x="798320" y="3599704"/>
+            <a:ext cx="1143000" cy="812800"/>
+          </a:xfrm>
+          <a:prstGeom prst="rect">
+            <a:avLst/>
+          </a:prstGeom>
+        </p:spPr>
+      </p:pic>
+    </p:spTree>
+    <p:extLst>
+      <p:ext uri="{BB962C8B-B14F-4D97-AF65-F5344CB8AC3E}">
+        <p14:creationId xmlns:p14="http://schemas.microsoft.com/office/powerpoint/2010/main" val="3479177537"/>
+      </p:ext>
+    </p:extLst>
+  </p:cSld>
+  <p:clrMapOvr>
+    <a:masterClrMapping/>
+  </p:clrMapOvr>
+</p:sld>
+</file>
+
 <file path=ppt/slides/slide2.xml><?xml version="1.0" encoding="utf-8"?>
 <p:sld xmlns:a="http://schemas.openxmlformats.org/drawingml/2006/main" xmlns:r="http://schemas.openxmlformats.org/officeDocument/2006/relationships" xmlns:p="http://schemas.openxmlformats.org/presentationml/2006/main">
   <p:cSld>
@@ -6073,6 +12833,47 @@
           </a:prstGeom>
         </p:spPr>
       </p:pic>
+      <p:sp>
+        <p:nvSpPr>
+          <p:cNvPr id="4" name="テキスト ボックス 3">
+            <a:extLst>
+              <a:ext uri="{FF2B5EF4-FFF2-40B4-BE49-F238E27FC236}">
+                <a16:creationId xmlns:a16="http://schemas.microsoft.com/office/drawing/2014/main" id="{CAD7C9BC-4537-E44A-B605-4A592FDD5004}"/>
+              </a:ext>
+            </a:extLst>
+          </p:cNvPr>
+          <p:cNvSpPr txBox="1"/>
+          <p:nvPr/>
+        </p:nvSpPr>
+        <p:spPr>
+          <a:xfrm>
+            <a:off x="6986641" y="1228140"/>
+            <a:ext cx="1372492" cy="369332"/>
+          </a:xfrm>
+          <a:prstGeom prst="rect">
+            <a:avLst/>
+          </a:prstGeom>
+          <a:noFill/>
+          <a:ln>
+            <a:solidFill>
+              <a:schemeClr val="tx1"/>
+            </a:solidFill>
+          </a:ln>
+        </p:spPr>
+        <p:txBody>
+          <a:bodyPr wrap="none" rtlCol="0">
+            <a:spAutoFit/>
+          </a:bodyPr>
+          <a:lstStyle/>
+          <a:p>
+            <a:r>
+              <a:rPr kumimoji="1" lang="en-US" altLang="ja-JP" dirty="0"/>
+              <a:t>10.1.1.0/24</a:t>
+            </a:r>
+            <a:endParaRPr kumimoji="1" lang="ja-JP" altLang="en-US"/>
+          </a:p>
+        </p:txBody>
+      </p:sp>
     </p:spTree>
     <p:extLst>
       <p:ext uri="{BB962C8B-B14F-4D97-AF65-F5344CB8AC3E}">

--- a/SUBTHEME/graphs/network_archtecture.pptx
+++ b/SUBTHEME/graphs/network_archtecture.pptx
@@ -212,7 +212,7 @@
           <a:p>
             <a:fld id="{2B23E72C-1B90-914A-A417-2D7D12309D01}" type="datetimeFigureOut">
               <a:rPr kumimoji="1" lang="ja-JP" altLang="en-US" smtClean="0"/>
-              <a:t>2020/8/24</a:t>
+              <a:t>2020/8/31</a:t>
             </a:fld>
             <a:endParaRPr kumimoji="1" lang="ja-JP" altLang="en-US"/>
           </a:p>
@@ -969,7 +969,7 @@
           <a:p>
             <a:fld id="{FD845DEE-42C8-C840-B1B2-551C7203F112}" type="datetimeFigureOut">
               <a:rPr kumimoji="1" lang="ja-JP" altLang="en-US" smtClean="0"/>
-              <a:t>2020/8/24</a:t>
+              <a:t>2020/8/31</a:t>
             </a:fld>
             <a:endParaRPr kumimoji="1" lang="ja-JP" altLang="en-US"/>
           </a:p>
@@ -1174,7 +1174,7 @@
           <a:p>
             <a:fld id="{FD845DEE-42C8-C840-B1B2-551C7203F112}" type="datetimeFigureOut">
               <a:rPr kumimoji="1" lang="ja-JP" altLang="en-US" smtClean="0"/>
-              <a:t>2020/8/24</a:t>
+              <a:t>2020/8/31</a:t>
             </a:fld>
             <a:endParaRPr kumimoji="1" lang="ja-JP" altLang="en-US"/>
           </a:p>
@@ -1389,7 +1389,7 @@
           <a:p>
             <a:fld id="{FD845DEE-42C8-C840-B1B2-551C7203F112}" type="datetimeFigureOut">
               <a:rPr kumimoji="1" lang="ja-JP" altLang="en-US" smtClean="0"/>
-              <a:t>2020/8/24</a:t>
+              <a:t>2020/8/31</a:t>
             </a:fld>
             <a:endParaRPr kumimoji="1" lang="ja-JP" altLang="en-US"/>
           </a:p>
@@ -1594,7 +1594,7 @@
           <a:p>
             <a:fld id="{FD845DEE-42C8-C840-B1B2-551C7203F112}" type="datetimeFigureOut">
               <a:rPr kumimoji="1" lang="ja-JP" altLang="en-US" smtClean="0"/>
-              <a:t>2020/8/24</a:t>
+              <a:t>2020/8/31</a:t>
             </a:fld>
             <a:endParaRPr kumimoji="1" lang="ja-JP" altLang="en-US"/>
           </a:p>
@@ -1904,7 +1904,7 @@
           <a:p>
             <a:fld id="{FD845DEE-42C8-C840-B1B2-551C7203F112}" type="datetimeFigureOut">
               <a:rPr kumimoji="1" lang="ja-JP" altLang="en-US" smtClean="0"/>
-              <a:t>2020/8/24</a:t>
+              <a:t>2020/8/31</a:t>
             </a:fld>
             <a:endParaRPr kumimoji="1" lang="ja-JP" altLang="en-US"/>
           </a:p>
@@ -2183,7 +2183,7 @@
           <a:p>
             <a:fld id="{FD845DEE-42C8-C840-B1B2-551C7203F112}" type="datetimeFigureOut">
               <a:rPr kumimoji="1" lang="ja-JP" altLang="en-US" smtClean="0"/>
-              <a:t>2020/8/24</a:t>
+              <a:t>2020/8/31</a:t>
             </a:fld>
             <a:endParaRPr kumimoji="1" lang="ja-JP" altLang="en-US"/>
           </a:p>
@@ -2679,7 +2679,7 @@
           <a:p>
             <a:fld id="{FD845DEE-42C8-C840-B1B2-551C7203F112}" type="datetimeFigureOut">
               <a:rPr kumimoji="1" lang="ja-JP" altLang="en-US" smtClean="0"/>
-              <a:t>2020/8/24</a:t>
+              <a:t>2020/8/31</a:t>
             </a:fld>
             <a:endParaRPr kumimoji="1" lang="ja-JP" altLang="en-US"/>
           </a:p>
@@ -2820,7 +2820,7 @@
           <a:p>
             <a:fld id="{FD845DEE-42C8-C840-B1B2-551C7203F112}" type="datetimeFigureOut">
               <a:rPr kumimoji="1" lang="ja-JP" altLang="en-US" smtClean="0"/>
-              <a:t>2020/8/24</a:t>
+              <a:t>2020/8/31</a:t>
             </a:fld>
             <a:endParaRPr kumimoji="1" lang="ja-JP" altLang="en-US"/>
           </a:p>
@@ -2933,7 +2933,7 @@
           <a:p>
             <a:fld id="{FD845DEE-42C8-C840-B1B2-551C7203F112}" type="datetimeFigureOut">
               <a:rPr kumimoji="1" lang="ja-JP" altLang="en-US" smtClean="0"/>
-              <a:t>2020/8/24</a:t>
+              <a:t>2020/8/31</a:t>
             </a:fld>
             <a:endParaRPr kumimoji="1" lang="ja-JP" altLang="en-US"/>
           </a:p>
@@ -3286,7 +3286,7 @@
           <a:p>
             <a:fld id="{FD845DEE-42C8-C840-B1B2-551C7203F112}" type="datetimeFigureOut">
               <a:rPr kumimoji="1" lang="ja-JP" altLang="en-US" smtClean="0"/>
-              <a:t>2020/8/24</a:t>
+              <a:t>2020/8/31</a:t>
             </a:fld>
             <a:endParaRPr kumimoji="1" lang="ja-JP" altLang="en-US"/>
           </a:p>
@@ -3609,7 +3609,7 @@
           <a:p>
             <a:fld id="{FD845DEE-42C8-C840-B1B2-551C7203F112}" type="datetimeFigureOut">
               <a:rPr kumimoji="1" lang="ja-JP" altLang="en-US" smtClean="0"/>
-              <a:t>2020/8/24</a:t>
+              <a:t>2020/8/31</a:t>
             </a:fld>
             <a:endParaRPr kumimoji="1" lang="ja-JP" altLang="en-US"/>
           </a:p>
@@ -3857,7 +3857,7 @@
           <a:p>
             <a:fld id="{FD845DEE-42C8-C840-B1B2-551C7203F112}" type="datetimeFigureOut">
               <a:rPr kumimoji="1" lang="ja-JP" altLang="en-US" smtClean="0"/>
-              <a:t>2020/8/24</a:t>
+              <a:t>2020/8/31</a:t>
             </a:fld>
             <a:endParaRPr kumimoji="1" lang="ja-JP" altLang="en-US"/>
           </a:p>
@@ -12542,11 +12542,14 @@
         </p:nvSpPr>
         <p:spPr>
           <a:xfrm>
-            <a:off x="1224823" y="4985421"/>
-            <a:ext cx="2598344" cy="914400"/>
+            <a:off x="404037" y="5031491"/>
+            <a:ext cx="3040912" cy="1124759"/>
           </a:xfrm>
           <a:prstGeom prst="round2DiagRect">
-            <a:avLst/>
+            <a:avLst>
+              <a:gd name="adj1" fmla="val 16667"/>
+              <a:gd name="adj2" fmla="val 934"/>
+            </a:avLst>
           </a:prstGeom>
           <a:solidFill>
             <a:schemeClr val="bg1">
@@ -12575,7 +12578,7 @@
           <a:lstStyle/>
           <a:p>
             <a:r>
-              <a:rPr lang="en-US" altLang="ja-JP" sz="1050" dirty="0">
+              <a:rPr lang="en-US" altLang="ja-JP" sz="1400" dirty="0">
                 <a:solidFill>
                   <a:sysClr val="windowText" lastClr="000000"/>
                 </a:solidFill>
@@ -12585,7 +12588,7 @@
           </a:p>
           <a:p>
             <a:r>
-              <a:rPr lang="en-US" altLang="ja-JP" sz="1050" dirty="0" err="1">
+              <a:rPr lang="en-US" altLang="ja-JP" sz="1400" dirty="0" err="1">
                 <a:solidFill>
                   <a:sysClr val="windowText" lastClr="000000"/>
                 </a:solidFill>
@@ -12593,7 +12596,7 @@
               <a:t>HostName</a:t>
             </a:r>
             <a:r>
-              <a:rPr lang="en-US" altLang="ja-JP" sz="1050" dirty="0">
+              <a:rPr lang="en-US" altLang="ja-JP" sz="1400" dirty="0">
                 <a:solidFill>
                   <a:sysClr val="windowText" lastClr="000000"/>
                 </a:solidFill>
@@ -12603,7 +12606,7 @@
           </a:p>
           <a:p>
             <a:r>
-              <a:rPr lang="en-US" altLang="ja-JP" sz="1050" dirty="0">
+              <a:rPr lang="en-US" altLang="ja-JP" sz="1400" dirty="0">
                 <a:solidFill>
                   <a:sysClr val="windowText" lastClr="000000"/>
                 </a:solidFill>
@@ -12613,7 +12616,7 @@
           </a:p>
           <a:p>
             <a:r>
-              <a:rPr lang="en-US" altLang="ja-JP" sz="1050" dirty="0">
+              <a:rPr lang="en-US" altLang="ja-JP" sz="1400" dirty="0">
                 <a:solidFill>
                   <a:sysClr val="windowText" lastClr="000000"/>
                 </a:solidFill>
@@ -12825,8 +12828,8 @@
         </p:blipFill>
         <p:spPr>
           <a:xfrm>
-            <a:off x="1364156" y="4147221"/>
-            <a:ext cx="520700" cy="838200"/>
+            <a:off x="587978" y="4018787"/>
+            <a:ext cx="604342" cy="972844"/>
           </a:xfrm>
           <a:prstGeom prst="rect">
             <a:avLst/>
@@ -12870,6 +12873,227 @@
               <a:rPr kumimoji="1" lang="en-US" altLang="ja-JP" dirty="0"/>
               <a:t>10.1.1.0/24</a:t>
             </a:r>
+            <a:endParaRPr kumimoji="1" lang="ja-JP" altLang="en-US"/>
+          </a:p>
+        </p:txBody>
+      </p:sp>
+      <p:pic>
+        <p:nvPicPr>
+          <p:cNvPr id="28" name="図 27">
+            <a:extLst>
+              <a:ext uri="{FF2B5EF4-FFF2-40B4-BE49-F238E27FC236}">
+                <a16:creationId xmlns:a16="http://schemas.microsoft.com/office/drawing/2014/main" id="{79AFE955-415E-534C-9E48-2D6C80EBA266}"/>
+              </a:ext>
+            </a:extLst>
+          </p:cNvPr>
+          <p:cNvPicPr>
+            <a:picLocks noChangeAspect="1"/>
+          </p:cNvPicPr>
+          <p:nvPr/>
+        </p:nvPicPr>
+        <p:blipFill>
+          <a:blip r:embed="rId5"/>
+          <a:stretch>
+            <a:fillRect/>
+          </a:stretch>
+        </p:blipFill>
+        <p:spPr>
+          <a:xfrm>
+            <a:off x="3807482" y="4044476"/>
+            <a:ext cx="658191" cy="921467"/>
+          </a:xfrm>
+          <a:prstGeom prst="rect">
+            <a:avLst/>
+          </a:prstGeom>
+        </p:spPr>
+      </p:pic>
+      <p:sp>
+        <p:nvSpPr>
+          <p:cNvPr id="30" name="対角する 2 つの角を丸めた四角形 29">
+            <a:extLst>
+              <a:ext uri="{FF2B5EF4-FFF2-40B4-BE49-F238E27FC236}">
+                <a16:creationId xmlns:a16="http://schemas.microsoft.com/office/drawing/2014/main" id="{4831302B-FBBF-9A41-8F05-1F946EEB58DA}"/>
+              </a:ext>
+            </a:extLst>
+          </p:cNvPr>
+          <p:cNvSpPr/>
+          <p:nvPr/>
+        </p:nvSpPr>
+        <p:spPr>
+          <a:xfrm>
+            <a:off x="3578167" y="5031491"/>
+            <a:ext cx="2744463" cy="1124760"/>
+          </a:xfrm>
+          <a:prstGeom prst="round2DiagRect">
+            <a:avLst/>
+          </a:prstGeom>
+          <a:solidFill>
+            <a:schemeClr val="bg1">
+              <a:alpha val="0"/>
+            </a:schemeClr>
+          </a:solidFill>
+        </p:spPr>
+        <p:style>
+          <a:lnRef idx="2">
+            <a:schemeClr val="dk1">
+              <a:shade val="50000"/>
+            </a:schemeClr>
+          </a:lnRef>
+          <a:fillRef idx="1">
+            <a:schemeClr val="dk1"/>
+          </a:fillRef>
+          <a:effectRef idx="0">
+            <a:schemeClr val="dk1"/>
+          </a:effectRef>
+          <a:fontRef idx="minor">
+            <a:schemeClr val="lt1"/>
+          </a:fontRef>
+        </p:style>
+        <p:txBody>
+          <a:bodyPr rtlCol="0" anchor="ctr"/>
+          <a:lstStyle/>
+          <a:p>
+            <a:r>
+              <a:rPr lang="en-US" altLang="ja-JP" sz="1400" dirty="0">
+                <a:solidFill>
+                  <a:sysClr val="windowText" lastClr="000000"/>
+                </a:solidFill>
+              </a:rPr>
+              <a:t>Role: Host Server</a:t>
+            </a:r>
+          </a:p>
+          <a:p>
+            <a:r>
+              <a:rPr lang="en-US" altLang="ja-JP" sz="1400" dirty="0" err="1">
+                <a:solidFill>
+                  <a:sysClr val="windowText" lastClr="000000"/>
+                </a:solidFill>
+              </a:rPr>
+              <a:t>HostName</a:t>
+            </a:r>
+            <a:r>
+              <a:rPr lang="en-US" altLang="ja-JP" sz="1400" dirty="0">
+                <a:solidFill>
+                  <a:sysClr val="windowText" lastClr="000000"/>
+                </a:solidFill>
+              </a:rPr>
+              <a:t> : pc7 ,  pc8</a:t>
+            </a:r>
+          </a:p>
+          <a:p>
+            <a:r>
+              <a:rPr lang="en-US" altLang="ja-JP" sz="1400" dirty="0">
+                <a:solidFill>
+                  <a:sysClr val="windowText" lastClr="000000"/>
+                </a:solidFill>
+              </a:rPr>
+              <a:t>PC7  IP address :  10.1.1.7</a:t>
+            </a:r>
+          </a:p>
+          <a:p>
+            <a:r>
+              <a:rPr lang="en-US" altLang="ja-JP" sz="1400" dirty="0">
+                <a:solidFill>
+                  <a:sysClr val="windowText" lastClr="000000"/>
+                </a:solidFill>
+              </a:rPr>
+              <a:t>PC8  IP address :  10.1.1.8</a:t>
+            </a:r>
+          </a:p>
+        </p:txBody>
+      </p:sp>
+      <p:sp>
+        <p:nvSpPr>
+          <p:cNvPr id="11" name="フリーフォーム 10">
+            <a:extLst>
+              <a:ext uri="{FF2B5EF4-FFF2-40B4-BE49-F238E27FC236}">
+                <a16:creationId xmlns:a16="http://schemas.microsoft.com/office/drawing/2014/main" id="{53A0BE1E-CD23-A444-ADAE-0DC23AA213A2}"/>
+              </a:ext>
+            </a:extLst>
+          </p:cNvPr>
+          <p:cNvSpPr/>
+          <p:nvPr/>
+        </p:nvSpPr>
+        <p:spPr>
+          <a:xfrm>
+            <a:off x="2987749" y="1977656"/>
+            <a:ext cx="6709144" cy="1050314"/>
+          </a:xfrm>
+          <a:custGeom>
+            <a:avLst/>
+            <a:gdLst>
+              <a:gd name="connsiteX0" fmla="*/ 0 w 6709144"/>
+              <a:gd name="connsiteY0" fmla="*/ 318977 h 1050314"/>
+              <a:gd name="connsiteX1" fmla="*/ 1669311 w 6709144"/>
+              <a:gd name="connsiteY1" fmla="*/ 903767 h 1050314"/>
+              <a:gd name="connsiteX2" fmla="*/ 3774558 w 6709144"/>
+              <a:gd name="connsiteY2" fmla="*/ 978195 h 1050314"/>
+              <a:gd name="connsiteX3" fmla="*/ 6709144 w 6709144"/>
+              <a:gd name="connsiteY3" fmla="*/ 0 h 1050314"/>
+            </a:gdLst>
+            <a:ahLst/>
+            <a:cxnLst>
+              <a:cxn ang="0">
+                <a:pos x="connsiteX0" y="connsiteY0"/>
+              </a:cxn>
+              <a:cxn ang="0">
+                <a:pos x="connsiteX1" y="connsiteY1"/>
+              </a:cxn>
+              <a:cxn ang="0">
+                <a:pos x="connsiteX2" y="connsiteY2"/>
+              </a:cxn>
+              <a:cxn ang="0">
+                <a:pos x="connsiteX3" y="connsiteY3"/>
+              </a:cxn>
+            </a:cxnLst>
+            <a:rect l="l" t="t" r="r" b="b"/>
+            <a:pathLst>
+              <a:path w="6709144" h="1050314">
+                <a:moveTo>
+                  <a:pt x="0" y="318977"/>
+                </a:moveTo>
+                <a:cubicBezTo>
+                  <a:pt x="520109" y="556437"/>
+                  <a:pt x="1040218" y="793897"/>
+                  <a:pt x="1669311" y="903767"/>
+                </a:cubicBezTo>
+                <a:cubicBezTo>
+                  <a:pt x="2298404" y="1013637"/>
+                  <a:pt x="2934586" y="1128823"/>
+                  <a:pt x="3774558" y="978195"/>
+                </a:cubicBezTo>
+                <a:cubicBezTo>
+                  <a:pt x="4614530" y="827567"/>
+                  <a:pt x="6166884" y="241005"/>
+                  <a:pt x="6709144" y="0"/>
+                </a:cubicBezTo>
+              </a:path>
+            </a:pathLst>
+          </a:custGeom>
+          <a:ln w="44450">
+            <a:prstDash val="sysDot"/>
+            <a:tailEnd type="stealth" w="lg" len="lg"/>
+          </a:ln>
+        </p:spPr>
+        <p:style>
+          <a:lnRef idx="1">
+            <a:schemeClr val="accent2"/>
+          </a:lnRef>
+          <a:fillRef idx="0">
+            <a:schemeClr val="accent2"/>
+          </a:fillRef>
+          <a:effectRef idx="0">
+            <a:schemeClr val="accent2"/>
+          </a:effectRef>
+          <a:fontRef idx="minor">
+            <a:schemeClr val="tx1"/>
+          </a:fontRef>
+        </p:style>
+        <p:txBody>
+          <a:bodyPr rtlCol="0" anchor="ctr"/>
+          <a:lstStyle/>
+          <a:p>
+            <a:pPr algn="ctr"/>
             <a:endParaRPr kumimoji="1" lang="ja-JP" altLang="en-US"/>
           </a:p>
         </p:txBody>

--- a/SUBTHEME/graphs/network_archtecture.pptx
+++ b/SUBTHEME/graphs/network_archtecture.pptx
@@ -5,7 +5,7 @@
     <p:sldMasterId id="2147483648" r:id="rId1"/>
   </p:sldMasterIdLst>
   <p:notesMasterIdLst>
-    <p:notesMasterId r:id="rId18"/>
+    <p:notesMasterId r:id="rId19"/>
   </p:notesMasterIdLst>
   <p:sldIdLst>
     <p:sldId id="262" r:id="rId2"/>
@@ -23,7 +23,8 @@
     <p:sldId id="274" r:id="rId14"/>
     <p:sldId id="273" r:id="rId15"/>
     <p:sldId id="276" r:id="rId16"/>
-    <p:sldId id="275" r:id="rId17"/>
+    <p:sldId id="277" r:id="rId17"/>
+    <p:sldId id="275" r:id="rId18"/>
   </p:sldIdLst>
   <p:sldSz cx="12192000" cy="6858000"/>
   <p:notesSz cx="6858000" cy="9144000"/>
@@ -212,7 +213,7 @@
           <a:p>
             <a:fld id="{2B23E72C-1B90-914A-A417-2D7D12309D01}" type="datetimeFigureOut">
               <a:rPr kumimoji="1" lang="ja-JP" altLang="en-US" smtClean="0"/>
-              <a:t>2020/8/31</a:t>
+              <a:t>2020/9/9</a:t>
             </a:fld>
             <a:endParaRPr kumimoji="1" lang="ja-JP" altLang="en-US"/>
           </a:p>
@@ -812,6 +813,90 @@
     </p:spTree>
     <p:extLst>
       <p:ext uri="{BB962C8B-B14F-4D97-AF65-F5344CB8AC3E}">
+        <p14:creationId xmlns:p14="http://schemas.microsoft.com/office/powerpoint/2010/main" val="2682118784"/>
+      </p:ext>
+    </p:extLst>
+  </p:cSld>
+  <p:clrMapOvr>
+    <a:masterClrMapping/>
+  </p:clrMapOvr>
+</p:notes>
+</file>
+
+<file path=ppt/notesSlides/notesSlide5.xml><?xml version="1.0" encoding="utf-8"?>
+<p:notes xmlns:a="http://schemas.openxmlformats.org/drawingml/2006/main" xmlns:r="http://schemas.openxmlformats.org/officeDocument/2006/relationships" xmlns:p="http://schemas.openxmlformats.org/presentationml/2006/main">
+  <p:cSld>
+    <p:spTree>
+      <p:nvGrpSpPr>
+        <p:cNvPr id="1" name=""/>
+        <p:cNvGrpSpPr/>
+        <p:nvPr/>
+      </p:nvGrpSpPr>
+      <p:grpSpPr>
+        <a:xfrm>
+          <a:off x="0" y="0"/>
+          <a:ext cx="0" cy="0"/>
+          <a:chOff x="0" y="0"/>
+          <a:chExt cx="0" cy="0"/>
+        </a:xfrm>
+      </p:grpSpPr>
+      <p:sp>
+        <p:nvSpPr>
+          <p:cNvPr id="2" name="スライド イメージ プレースホルダー 1"/>
+          <p:cNvSpPr>
+            <a:spLocks noGrp="1" noRot="1" noChangeAspect="1"/>
+          </p:cNvSpPr>
+          <p:nvPr>
+            <p:ph type="sldImg"/>
+          </p:nvPr>
+        </p:nvSpPr>
+        <p:spPr/>
+      </p:sp>
+      <p:sp>
+        <p:nvSpPr>
+          <p:cNvPr id="3" name="ノート プレースホルダー 2"/>
+          <p:cNvSpPr>
+            <a:spLocks noGrp="1"/>
+          </p:cNvSpPr>
+          <p:nvPr>
+            <p:ph type="body" idx="1"/>
+          </p:nvPr>
+        </p:nvSpPr>
+        <p:spPr/>
+        <p:txBody>
+          <a:bodyPr/>
+          <a:lstStyle/>
+          <a:p>
+            <a:endParaRPr kumimoji="1" lang="ja-JP" altLang="en-US"/>
+          </a:p>
+        </p:txBody>
+      </p:sp>
+      <p:sp>
+        <p:nvSpPr>
+          <p:cNvPr id="4" name="スライド番号プレースホルダー 3"/>
+          <p:cNvSpPr>
+            <a:spLocks noGrp="1"/>
+          </p:cNvSpPr>
+          <p:nvPr>
+            <p:ph type="sldNum" sz="quarter" idx="5"/>
+          </p:nvPr>
+        </p:nvSpPr>
+        <p:spPr/>
+        <p:txBody>
+          <a:bodyPr/>
+          <a:lstStyle/>
+          <a:p>
+            <a:fld id="{6DA38E19-B81A-F542-8311-AF3BA722301E}" type="slidenum">
+              <a:rPr kumimoji="1" lang="ja-JP" altLang="en-US" smtClean="0"/>
+              <a:t>17</a:t>
+            </a:fld>
+            <a:endParaRPr kumimoji="1" lang="ja-JP" altLang="en-US"/>
+          </a:p>
+        </p:txBody>
+      </p:sp>
+    </p:spTree>
+    <p:extLst>
+      <p:ext uri="{BB962C8B-B14F-4D97-AF65-F5344CB8AC3E}">
         <p14:creationId xmlns:p14="http://schemas.microsoft.com/office/powerpoint/2010/main" val="3696620226"/>
       </p:ext>
     </p:extLst>
@@ -969,7 +1054,7 @@
           <a:p>
             <a:fld id="{FD845DEE-42C8-C840-B1B2-551C7203F112}" type="datetimeFigureOut">
               <a:rPr kumimoji="1" lang="ja-JP" altLang="en-US" smtClean="0"/>
-              <a:t>2020/8/31</a:t>
+              <a:t>2020/9/9</a:t>
             </a:fld>
             <a:endParaRPr kumimoji="1" lang="ja-JP" altLang="en-US"/>
           </a:p>
@@ -1174,7 +1259,7 @@
           <a:p>
             <a:fld id="{FD845DEE-42C8-C840-B1B2-551C7203F112}" type="datetimeFigureOut">
               <a:rPr kumimoji="1" lang="ja-JP" altLang="en-US" smtClean="0"/>
-              <a:t>2020/8/31</a:t>
+              <a:t>2020/9/9</a:t>
             </a:fld>
             <a:endParaRPr kumimoji="1" lang="ja-JP" altLang="en-US"/>
           </a:p>
@@ -1389,7 +1474,7 @@
           <a:p>
             <a:fld id="{FD845DEE-42C8-C840-B1B2-551C7203F112}" type="datetimeFigureOut">
               <a:rPr kumimoji="1" lang="ja-JP" altLang="en-US" smtClean="0"/>
-              <a:t>2020/8/31</a:t>
+              <a:t>2020/9/9</a:t>
             </a:fld>
             <a:endParaRPr kumimoji="1" lang="ja-JP" altLang="en-US"/>
           </a:p>
@@ -1594,7 +1679,7 @@
           <a:p>
             <a:fld id="{FD845DEE-42C8-C840-B1B2-551C7203F112}" type="datetimeFigureOut">
               <a:rPr kumimoji="1" lang="ja-JP" altLang="en-US" smtClean="0"/>
-              <a:t>2020/8/31</a:t>
+              <a:t>2020/9/9</a:t>
             </a:fld>
             <a:endParaRPr kumimoji="1" lang="ja-JP" altLang="en-US"/>
           </a:p>
@@ -1904,7 +1989,7 @@
           <a:p>
             <a:fld id="{FD845DEE-42C8-C840-B1B2-551C7203F112}" type="datetimeFigureOut">
               <a:rPr kumimoji="1" lang="ja-JP" altLang="en-US" smtClean="0"/>
-              <a:t>2020/8/31</a:t>
+              <a:t>2020/9/9</a:t>
             </a:fld>
             <a:endParaRPr kumimoji="1" lang="ja-JP" altLang="en-US"/>
           </a:p>
@@ -2183,7 +2268,7 @@
           <a:p>
             <a:fld id="{FD845DEE-42C8-C840-B1B2-551C7203F112}" type="datetimeFigureOut">
               <a:rPr kumimoji="1" lang="ja-JP" altLang="en-US" smtClean="0"/>
-              <a:t>2020/8/31</a:t>
+              <a:t>2020/9/9</a:t>
             </a:fld>
             <a:endParaRPr kumimoji="1" lang="ja-JP" altLang="en-US"/>
           </a:p>
@@ -2679,7 +2764,7 @@
           <a:p>
             <a:fld id="{FD845DEE-42C8-C840-B1B2-551C7203F112}" type="datetimeFigureOut">
               <a:rPr kumimoji="1" lang="ja-JP" altLang="en-US" smtClean="0"/>
-              <a:t>2020/8/31</a:t>
+              <a:t>2020/9/9</a:t>
             </a:fld>
             <a:endParaRPr kumimoji="1" lang="ja-JP" altLang="en-US"/>
           </a:p>
@@ -2820,7 +2905,7 @@
           <a:p>
             <a:fld id="{FD845DEE-42C8-C840-B1B2-551C7203F112}" type="datetimeFigureOut">
               <a:rPr kumimoji="1" lang="ja-JP" altLang="en-US" smtClean="0"/>
-              <a:t>2020/8/31</a:t>
+              <a:t>2020/9/9</a:t>
             </a:fld>
             <a:endParaRPr kumimoji="1" lang="ja-JP" altLang="en-US"/>
           </a:p>
@@ -2933,7 +3018,7 @@
           <a:p>
             <a:fld id="{FD845DEE-42C8-C840-B1B2-551C7203F112}" type="datetimeFigureOut">
               <a:rPr kumimoji="1" lang="ja-JP" altLang="en-US" smtClean="0"/>
-              <a:t>2020/8/31</a:t>
+              <a:t>2020/9/9</a:t>
             </a:fld>
             <a:endParaRPr kumimoji="1" lang="ja-JP" altLang="en-US"/>
           </a:p>
@@ -3286,7 +3371,7 @@
           <a:p>
             <a:fld id="{FD845DEE-42C8-C840-B1B2-551C7203F112}" type="datetimeFigureOut">
               <a:rPr kumimoji="1" lang="ja-JP" altLang="en-US" smtClean="0"/>
-              <a:t>2020/8/31</a:t>
+              <a:t>2020/9/9</a:t>
             </a:fld>
             <a:endParaRPr kumimoji="1" lang="ja-JP" altLang="en-US"/>
           </a:p>
@@ -3609,7 +3694,7 @@
           <a:p>
             <a:fld id="{FD845DEE-42C8-C840-B1B2-551C7203F112}" type="datetimeFigureOut">
               <a:rPr kumimoji="1" lang="ja-JP" altLang="en-US" smtClean="0"/>
-              <a:t>2020/8/31</a:t>
+              <a:t>2020/9/9</a:t>
             </a:fld>
             <a:endParaRPr kumimoji="1" lang="ja-JP" altLang="en-US"/>
           </a:p>
@@ -3857,7 +3942,7 @@
           <a:p>
             <a:fld id="{FD845DEE-42C8-C840-B1B2-551C7203F112}" type="datetimeFigureOut">
               <a:rPr kumimoji="1" lang="ja-JP" altLang="en-US" smtClean="0"/>
-              <a:t>2020/8/31</a:t>
+              <a:t>2020/9/9</a:t>
             </a:fld>
             <a:endParaRPr kumimoji="1" lang="ja-JP" altLang="en-US"/>
           </a:p>
@@ -11111,8 +11196,8 @@
         </p:nvSpPr>
         <p:spPr>
           <a:xfrm>
-            <a:off x="7254750" y="1972354"/>
-            <a:ext cx="3904390" cy="4237022"/>
+            <a:off x="6690633" y="893135"/>
+            <a:ext cx="4994547" cy="4562690"/>
           </a:xfrm>
           <a:prstGeom prst="rect">
             <a:avLst/>
@@ -11149,6 +11234,858 @@
       </p:sp>
       <p:pic>
         <p:nvPicPr>
+          <p:cNvPr id="3" name="図 2">
+            <a:extLst>
+              <a:ext uri="{FF2B5EF4-FFF2-40B4-BE49-F238E27FC236}">
+                <a16:creationId xmlns:a16="http://schemas.microsoft.com/office/drawing/2014/main" id="{2E81228E-8F58-544A-983D-DB7DEDC91DBE}"/>
+              </a:ext>
+            </a:extLst>
+          </p:cNvPr>
+          <p:cNvPicPr>
+            <a:picLocks noChangeAspect="1"/>
+          </p:cNvPicPr>
+          <p:nvPr/>
+        </p:nvPicPr>
+        <p:blipFill>
+          <a:blip r:embed="rId3"/>
+          <a:stretch>
+            <a:fillRect/>
+          </a:stretch>
+        </p:blipFill>
+        <p:spPr>
+          <a:xfrm>
+            <a:off x="731676" y="548147"/>
+            <a:ext cx="1143000" cy="812800"/>
+          </a:xfrm>
+          <a:prstGeom prst="rect">
+            <a:avLst/>
+          </a:prstGeom>
+        </p:spPr>
+      </p:pic>
+      <p:pic>
+        <p:nvPicPr>
+          <p:cNvPr id="7" name="図 6">
+            <a:extLst>
+              <a:ext uri="{FF2B5EF4-FFF2-40B4-BE49-F238E27FC236}">
+                <a16:creationId xmlns:a16="http://schemas.microsoft.com/office/drawing/2014/main" id="{AE0FB9F9-6600-BA4D-AAF1-57213BBEED57}"/>
+              </a:ext>
+            </a:extLst>
+          </p:cNvPr>
+          <p:cNvPicPr>
+            <a:picLocks noChangeAspect="1"/>
+          </p:cNvPicPr>
+          <p:nvPr/>
+        </p:nvPicPr>
+        <p:blipFill>
+          <a:blip r:embed="rId4"/>
+          <a:stretch>
+            <a:fillRect/>
+          </a:stretch>
+        </p:blipFill>
+        <p:spPr>
+          <a:xfrm>
+            <a:off x="6274756" y="2374300"/>
+            <a:ext cx="831754" cy="1338921"/>
+          </a:xfrm>
+          <a:prstGeom prst="rect">
+            <a:avLst/>
+          </a:prstGeom>
+        </p:spPr>
+      </p:pic>
+      <p:sp>
+        <p:nvSpPr>
+          <p:cNvPr id="27" name="正方形/長方形 26">
+            <a:extLst>
+              <a:ext uri="{FF2B5EF4-FFF2-40B4-BE49-F238E27FC236}">
+                <a16:creationId xmlns:a16="http://schemas.microsoft.com/office/drawing/2014/main" id="{54BBC2F4-BFAC-5244-9A87-CF8ED664F807}"/>
+              </a:ext>
+            </a:extLst>
+          </p:cNvPr>
+          <p:cNvSpPr/>
+          <p:nvPr/>
+        </p:nvSpPr>
+        <p:spPr>
+          <a:xfrm>
+            <a:off x="7550587" y="476418"/>
+            <a:ext cx="2911850" cy="742385"/>
+          </a:xfrm>
+          <a:prstGeom prst="rect">
+            <a:avLst/>
+          </a:prstGeom>
+        </p:spPr>
+        <p:style>
+          <a:lnRef idx="2">
+            <a:schemeClr val="accent1">
+              <a:shade val="50000"/>
+            </a:schemeClr>
+          </a:lnRef>
+          <a:fillRef idx="1">
+            <a:schemeClr val="accent1"/>
+          </a:fillRef>
+          <a:effectRef idx="0">
+            <a:schemeClr val="accent1"/>
+          </a:effectRef>
+          <a:fontRef idx="minor">
+            <a:schemeClr val="lt1"/>
+          </a:fontRef>
+        </p:style>
+        <p:txBody>
+          <a:bodyPr rtlCol="0" anchor="ctr"/>
+          <a:lstStyle/>
+          <a:p>
+            <a:pPr algn="ctr"/>
+            <a:r>
+              <a:rPr lang="ja-JP" altLang="en-US"/>
+              <a:t>ローカル</a:t>
+            </a:r>
+            <a:r>
+              <a:rPr kumimoji="1" lang="ja-JP" altLang="en-US"/>
+              <a:t>ネットワーク</a:t>
+            </a:r>
+          </a:p>
+        </p:txBody>
+      </p:sp>
+      <p:sp>
+        <p:nvSpPr>
+          <p:cNvPr id="29" name="雲 28">
+            <a:extLst>
+              <a:ext uri="{FF2B5EF4-FFF2-40B4-BE49-F238E27FC236}">
+                <a16:creationId xmlns:a16="http://schemas.microsoft.com/office/drawing/2014/main" id="{3A823A53-72E5-5B4A-A5B2-C4219099BB07}"/>
+              </a:ext>
+            </a:extLst>
+          </p:cNvPr>
+          <p:cNvSpPr/>
+          <p:nvPr/>
+        </p:nvSpPr>
+        <p:spPr>
+          <a:xfrm>
+            <a:off x="2607276" y="2211345"/>
+            <a:ext cx="2719635" cy="1395214"/>
+          </a:xfrm>
+          <a:prstGeom prst="cloud">
+            <a:avLst/>
+          </a:prstGeom>
+          <a:solidFill>
+            <a:schemeClr val="bg1"/>
+          </a:solidFill>
+          <a:ln w="31750"/>
+        </p:spPr>
+        <p:style>
+          <a:lnRef idx="2">
+            <a:schemeClr val="accent1">
+              <a:shade val="50000"/>
+            </a:schemeClr>
+          </a:lnRef>
+          <a:fillRef idx="1">
+            <a:schemeClr val="accent1"/>
+          </a:fillRef>
+          <a:effectRef idx="0">
+            <a:schemeClr val="accent1"/>
+          </a:effectRef>
+          <a:fontRef idx="minor">
+            <a:schemeClr val="lt1"/>
+          </a:fontRef>
+        </p:style>
+        <p:txBody>
+          <a:bodyPr rtlCol="0" anchor="ctr"/>
+          <a:lstStyle/>
+          <a:p>
+            <a:pPr algn="ctr"/>
+            <a:r>
+              <a:rPr kumimoji="1" lang="en-US" altLang="ja-JP" sz="2000" dirty="0">
+                <a:solidFill>
+                  <a:sysClr val="windowText" lastClr="000000"/>
+                </a:solidFill>
+              </a:rPr>
+              <a:t>Internet</a:t>
+            </a:r>
+            <a:endParaRPr kumimoji="1" lang="ja-JP" altLang="en-US" sz="1200">
+              <a:solidFill>
+                <a:sysClr val="windowText" lastClr="000000"/>
+              </a:solidFill>
+            </a:endParaRPr>
+          </a:p>
+        </p:txBody>
+      </p:sp>
+      <p:cxnSp>
+        <p:nvCxnSpPr>
+          <p:cNvPr id="31" name="直線コネクタ 30">
+            <a:extLst>
+              <a:ext uri="{FF2B5EF4-FFF2-40B4-BE49-F238E27FC236}">
+                <a16:creationId xmlns:a16="http://schemas.microsoft.com/office/drawing/2014/main" id="{0FE905DA-86EC-C94F-88B3-74C7501D2172}"/>
+              </a:ext>
+            </a:extLst>
+          </p:cNvPr>
+          <p:cNvCxnSpPr>
+            <a:cxnSpLocks/>
+            <a:stCxn id="29" idx="0"/>
+            <a:endCxn id="7" idx="1"/>
+          </p:cNvCxnSpPr>
+          <p:nvPr/>
+        </p:nvCxnSpPr>
+        <p:spPr>
+          <a:xfrm>
+            <a:off x="5324645" y="2908952"/>
+            <a:ext cx="950111" cy="134809"/>
+          </a:xfrm>
+          <a:prstGeom prst="line">
+            <a:avLst/>
+          </a:prstGeom>
+          <a:ln w="34925" cap="rnd">
+            <a:tailEnd type="oval"/>
+          </a:ln>
+        </p:spPr>
+        <p:style>
+          <a:lnRef idx="1">
+            <a:schemeClr val="accent1"/>
+          </a:lnRef>
+          <a:fillRef idx="0">
+            <a:schemeClr val="accent1"/>
+          </a:fillRef>
+          <a:effectRef idx="0">
+            <a:schemeClr val="accent1"/>
+          </a:effectRef>
+          <a:fontRef idx="minor">
+            <a:schemeClr val="tx1"/>
+          </a:fontRef>
+        </p:style>
+      </p:cxnSp>
+      <p:sp>
+        <p:nvSpPr>
+          <p:cNvPr id="48" name="テキスト ボックス 47">
+            <a:extLst>
+              <a:ext uri="{FF2B5EF4-FFF2-40B4-BE49-F238E27FC236}">
+                <a16:creationId xmlns:a16="http://schemas.microsoft.com/office/drawing/2014/main" id="{271BFD0A-EC31-5046-9490-560DA9C36BD6}"/>
+              </a:ext>
+            </a:extLst>
+          </p:cNvPr>
+          <p:cNvSpPr txBox="1"/>
+          <p:nvPr/>
+        </p:nvSpPr>
+        <p:spPr>
+          <a:xfrm>
+            <a:off x="5466579" y="3759753"/>
+            <a:ext cx="2448106" cy="646331"/>
+          </a:xfrm>
+          <a:prstGeom prst="rect">
+            <a:avLst/>
+          </a:prstGeom>
+          <a:noFill/>
+          <a:ln>
+            <a:solidFill>
+              <a:schemeClr val="tx1"/>
+            </a:solidFill>
+          </a:ln>
+        </p:spPr>
+        <p:txBody>
+          <a:bodyPr wrap="none" rtlCol="0">
+            <a:spAutoFit/>
+          </a:bodyPr>
+          <a:lstStyle/>
+          <a:p>
+            <a:r>
+              <a:rPr kumimoji="1" lang="en-US" altLang="ja-JP" b="1" dirty="0"/>
+              <a:t>SSL-VPN</a:t>
+            </a:r>
+            <a:r>
+              <a:rPr kumimoji="1" lang="ja-JP" altLang="en-US" b="1"/>
+              <a:t>　</a:t>
+            </a:r>
+            <a:r>
+              <a:rPr kumimoji="1" lang="en-US" altLang="ja-JP" b="1" dirty="0"/>
+              <a:t>Gateway</a:t>
+            </a:r>
+          </a:p>
+          <a:p>
+            <a:r>
+              <a:rPr lang="en-US" altLang="ja-JP" b="1" dirty="0"/>
+              <a:t>(</a:t>
+            </a:r>
+            <a:r>
+              <a:rPr kumimoji="1" lang="ja-JP" altLang="en-US" b="1"/>
+              <a:t>リバース　プロキシ</a:t>
+            </a:r>
+            <a:r>
+              <a:rPr kumimoji="1" lang="en-US" altLang="ja-JP" b="1" dirty="0"/>
+              <a:t>)</a:t>
+            </a:r>
+            <a:endParaRPr kumimoji="1" lang="ja-JP" altLang="en-US" b="1"/>
+          </a:p>
+        </p:txBody>
+      </p:sp>
+      <p:sp>
+        <p:nvSpPr>
+          <p:cNvPr id="2" name="テキスト ボックス 1">
+            <a:extLst>
+              <a:ext uri="{FF2B5EF4-FFF2-40B4-BE49-F238E27FC236}">
+                <a16:creationId xmlns:a16="http://schemas.microsoft.com/office/drawing/2014/main" id="{AF44FE1C-235B-1F42-A57A-09876692FBEB}"/>
+              </a:ext>
+            </a:extLst>
+          </p:cNvPr>
+          <p:cNvSpPr txBox="1"/>
+          <p:nvPr/>
+        </p:nvSpPr>
+        <p:spPr>
+          <a:xfrm>
+            <a:off x="926489" y="1415654"/>
+            <a:ext cx="1089764" cy="369332"/>
+          </a:xfrm>
+          <a:prstGeom prst="rect">
+            <a:avLst/>
+          </a:prstGeom>
+          <a:noFill/>
+        </p:spPr>
+        <p:txBody>
+          <a:bodyPr wrap="square" rtlCol="0">
+            <a:spAutoFit/>
+          </a:bodyPr>
+          <a:lstStyle/>
+          <a:p>
+            <a:r>
+              <a:rPr kumimoji="1" lang="en-US" altLang="ja-JP" dirty="0"/>
+              <a:t>Client</a:t>
+            </a:r>
+            <a:endParaRPr kumimoji="1" lang="ja-JP" altLang="en-US"/>
+          </a:p>
+        </p:txBody>
+      </p:sp>
+      <p:pic>
+        <p:nvPicPr>
+          <p:cNvPr id="13" name="図 12">
+            <a:extLst>
+              <a:ext uri="{FF2B5EF4-FFF2-40B4-BE49-F238E27FC236}">
+                <a16:creationId xmlns:a16="http://schemas.microsoft.com/office/drawing/2014/main" id="{CA959EE7-8BCD-4645-8817-BE2923486D80}"/>
+              </a:ext>
+            </a:extLst>
+          </p:cNvPr>
+          <p:cNvPicPr>
+            <a:picLocks noChangeAspect="1"/>
+          </p:cNvPicPr>
+          <p:nvPr/>
+        </p:nvPicPr>
+        <p:blipFill>
+          <a:blip r:embed="rId5"/>
+          <a:stretch>
+            <a:fillRect/>
+          </a:stretch>
+        </p:blipFill>
+        <p:spPr>
+          <a:xfrm>
+            <a:off x="9256700" y="1347744"/>
+            <a:ext cx="838200" cy="863600"/>
+          </a:xfrm>
+          <a:prstGeom prst="rect">
+            <a:avLst/>
+          </a:prstGeom>
+        </p:spPr>
+      </p:pic>
+      <p:pic>
+        <p:nvPicPr>
+          <p:cNvPr id="34" name="図 33">
+            <a:extLst>
+              <a:ext uri="{FF2B5EF4-FFF2-40B4-BE49-F238E27FC236}">
+                <a16:creationId xmlns:a16="http://schemas.microsoft.com/office/drawing/2014/main" id="{197B6052-9457-5043-933D-DD48F68F4897}"/>
+              </a:ext>
+            </a:extLst>
+          </p:cNvPr>
+          <p:cNvPicPr>
+            <a:picLocks noChangeAspect="1"/>
+          </p:cNvPicPr>
+          <p:nvPr/>
+        </p:nvPicPr>
+        <p:blipFill>
+          <a:blip r:embed="rId5"/>
+          <a:stretch>
+            <a:fillRect/>
+          </a:stretch>
+        </p:blipFill>
+        <p:spPr>
+          <a:xfrm>
+            <a:off x="10236477" y="3043761"/>
+            <a:ext cx="838200" cy="863600"/>
+          </a:xfrm>
+          <a:prstGeom prst="rect">
+            <a:avLst/>
+          </a:prstGeom>
+        </p:spPr>
+      </p:pic>
+      <p:pic>
+        <p:nvPicPr>
+          <p:cNvPr id="35" name="図 34">
+            <a:extLst>
+              <a:ext uri="{FF2B5EF4-FFF2-40B4-BE49-F238E27FC236}">
+                <a16:creationId xmlns:a16="http://schemas.microsoft.com/office/drawing/2014/main" id="{CC056E52-1238-5B41-ADB1-87FE648A474A}"/>
+              </a:ext>
+            </a:extLst>
+          </p:cNvPr>
+          <p:cNvPicPr>
+            <a:picLocks noChangeAspect="1"/>
+          </p:cNvPicPr>
+          <p:nvPr/>
+        </p:nvPicPr>
+        <p:blipFill>
+          <a:blip r:embed="rId5"/>
+          <a:stretch>
+            <a:fillRect/>
+          </a:stretch>
+        </p:blipFill>
+        <p:spPr>
+          <a:xfrm>
+            <a:off x="8768806" y="4197643"/>
+            <a:ext cx="838200" cy="863600"/>
+          </a:xfrm>
+          <a:prstGeom prst="rect">
+            <a:avLst/>
+          </a:prstGeom>
+        </p:spPr>
+      </p:pic>
+      <p:sp>
+        <p:nvSpPr>
+          <p:cNvPr id="21" name="円柱 20">
+            <a:extLst>
+              <a:ext uri="{FF2B5EF4-FFF2-40B4-BE49-F238E27FC236}">
+                <a16:creationId xmlns:a16="http://schemas.microsoft.com/office/drawing/2014/main" id="{41FA49EE-187D-9C40-BCAE-D11728F60A5E}"/>
+              </a:ext>
+            </a:extLst>
+          </p:cNvPr>
+          <p:cNvSpPr/>
+          <p:nvPr/>
+        </p:nvSpPr>
+        <p:spPr>
+          <a:xfrm rot="17578852">
+            <a:off x="3916468" y="-91574"/>
+            <a:ext cx="495084" cy="4612570"/>
+          </a:xfrm>
+          <a:prstGeom prst="can">
+            <a:avLst/>
+          </a:prstGeom>
+          <a:solidFill>
+            <a:schemeClr val="accent1">
+              <a:alpha val="61000"/>
+            </a:schemeClr>
+          </a:solidFill>
+        </p:spPr>
+        <p:style>
+          <a:lnRef idx="2">
+            <a:schemeClr val="accent1">
+              <a:shade val="50000"/>
+            </a:schemeClr>
+          </a:lnRef>
+          <a:fillRef idx="1">
+            <a:schemeClr val="accent1"/>
+          </a:fillRef>
+          <a:effectRef idx="0">
+            <a:schemeClr val="accent1"/>
+          </a:effectRef>
+          <a:fontRef idx="minor">
+            <a:schemeClr val="lt1"/>
+          </a:fontRef>
+        </p:style>
+        <p:txBody>
+          <a:bodyPr vert="vert" rtlCol="0" anchor="ctr"/>
+          <a:lstStyle/>
+          <a:p>
+            <a:pPr algn="ctr"/>
+            <a:r>
+              <a:rPr lang="en-US" altLang="ja-JP" dirty="0"/>
+              <a:t>HTTPS</a:t>
+            </a:r>
+            <a:r>
+              <a:rPr kumimoji="1" lang="ja-JP" altLang="en-US"/>
+              <a:t> </a:t>
+            </a:r>
+            <a:r>
+              <a:rPr kumimoji="1" lang="en-US" altLang="ja-JP" dirty="0"/>
+              <a:t>(</a:t>
+            </a:r>
+            <a:r>
+              <a:rPr kumimoji="1" lang="ja-JP" altLang="en-US"/>
+              <a:t>暗号化されている</a:t>
+            </a:r>
+            <a:r>
+              <a:rPr lang="ja-JP" altLang="en-US"/>
+              <a:t>）</a:t>
+            </a:r>
+            <a:endParaRPr kumimoji="1" lang="ja-JP" altLang="en-US"/>
+          </a:p>
+        </p:txBody>
+      </p:sp>
+      <p:cxnSp>
+        <p:nvCxnSpPr>
+          <p:cNvPr id="32" name="直線矢印コネクタ 31">
+            <a:extLst>
+              <a:ext uri="{FF2B5EF4-FFF2-40B4-BE49-F238E27FC236}">
+                <a16:creationId xmlns:a16="http://schemas.microsoft.com/office/drawing/2014/main" id="{2E1CE2B6-2654-3047-B33B-7DC2D9D7F6AF}"/>
+              </a:ext>
+            </a:extLst>
+          </p:cNvPr>
+          <p:cNvCxnSpPr/>
+          <p:nvPr/>
+        </p:nvCxnSpPr>
+        <p:spPr>
+          <a:xfrm flipV="1">
+            <a:off x="7175951" y="1860698"/>
+            <a:ext cx="1984084" cy="988828"/>
+          </a:xfrm>
+          <a:prstGeom prst="straightConnector1">
+            <a:avLst/>
+          </a:prstGeom>
+          <a:ln w="57150">
+            <a:headEnd type="triangle"/>
+            <a:tailEnd type="triangle"/>
+          </a:ln>
+        </p:spPr>
+        <p:style>
+          <a:lnRef idx="1">
+            <a:schemeClr val="accent1"/>
+          </a:lnRef>
+          <a:fillRef idx="0">
+            <a:schemeClr val="accent1"/>
+          </a:fillRef>
+          <a:effectRef idx="0">
+            <a:schemeClr val="accent1"/>
+          </a:effectRef>
+          <a:fontRef idx="minor">
+            <a:schemeClr val="tx1"/>
+          </a:fontRef>
+        </p:style>
+      </p:cxnSp>
+      <p:cxnSp>
+        <p:nvCxnSpPr>
+          <p:cNvPr id="49" name="直線矢印コネクタ 48">
+            <a:extLst>
+              <a:ext uri="{FF2B5EF4-FFF2-40B4-BE49-F238E27FC236}">
+                <a16:creationId xmlns:a16="http://schemas.microsoft.com/office/drawing/2014/main" id="{61C61BFE-2B6F-3D45-8C67-DC5A446D3D8E}"/>
+              </a:ext>
+            </a:extLst>
+          </p:cNvPr>
+          <p:cNvCxnSpPr>
+            <a:cxnSpLocks/>
+          </p:cNvCxnSpPr>
+          <p:nvPr/>
+        </p:nvCxnSpPr>
+        <p:spPr>
+          <a:xfrm>
+            <a:off x="7241783" y="3071963"/>
+            <a:ext cx="2786756" cy="301081"/>
+          </a:xfrm>
+          <a:prstGeom prst="straightConnector1">
+            <a:avLst/>
+          </a:prstGeom>
+          <a:ln w="57150">
+            <a:headEnd type="triangle"/>
+            <a:tailEnd type="triangle"/>
+          </a:ln>
+        </p:spPr>
+        <p:style>
+          <a:lnRef idx="1">
+            <a:schemeClr val="accent1"/>
+          </a:lnRef>
+          <a:fillRef idx="0">
+            <a:schemeClr val="accent1"/>
+          </a:fillRef>
+          <a:effectRef idx="0">
+            <a:schemeClr val="accent1"/>
+          </a:effectRef>
+          <a:fontRef idx="minor">
+            <a:schemeClr val="tx1"/>
+          </a:fontRef>
+        </p:style>
+      </p:cxnSp>
+      <p:cxnSp>
+        <p:nvCxnSpPr>
+          <p:cNvPr id="50" name="直線矢印コネクタ 49">
+            <a:extLst>
+              <a:ext uri="{FF2B5EF4-FFF2-40B4-BE49-F238E27FC236}">
+                <a16:creationId xmlns:a16="http://schemas.microsoft.com/office/drawing/2014/main" id="{570A16F8-53F6-464C-A6C4-C9F404C3BA6D}"/>
+              </a:ext>
+            </a:extLst>
+          </p:cNvPr>
+          <p:cNvCxnSpPr>
+            <a:cxnSpLocks/>
+          </p:cNvCxnSpPr>
+          <p:nvPr/>
+        </p:nvCxnSpPr>
+        <p:spPr>
+          <a:xfrm>
+            <a:off x="7274550" y="3290510"/>
+            <a:ext cx="1360611" cy="1151167"/>
+          </a:xfrm>
+          <a:prstGeom prst="straightConnector1">
+            <a:avLst/>
+          </a:prstGeom>
+          <a:ln w="57150">
+            <a:headEnd type="triangle"/>
+            <a:tailEnd type="triangle"/>
+          </a:ln>
+        </p:spPr>
+        <p:style>
+          <a:lnRef idx="1">
+            <a:schemeClr val="accent1"/>
+          </a:lnRef>
+          <a:fillRef idx="0">
+            <a:schemeClr val="accent1"/>
+          </a:fillRef>
+          <a:effectRef idx="0">
+            <a:schemeClr val="accent1"/>
+          </a:effectRef>
+          <a:fontRef idx="minor">
+            <a:schemeClr val="tx1"/>
+          </a:fontRef>
+        </p:style>
+      </p:cxnSp>
+      <p:sp>
+        <p:nvSpPr>
+          <p:cNvPr id="39" name="テキスト ボックス 38">
+            <a:extLst>
+              <a:ext uri="{FF2B5EF4-FFF2-40B4-BE49-F238E27FC236}">
+                <a16:creationId xmlns:a16="http://schemas.microsoft.com/office/drawing/2014/main" id="{9C4416FD-4624-7542-9B63-E3776D1EA9AB}"/>
+              </a:ext>
+            </a:extLst>
+          </p:cNvPr>
+          <p:cNvSpPr txBox="1"/>
+          <p:nvPr/>
+        </p:nvSpPr>
+        <p:spPr>
+          <a:xfrm>
+            <a:off x="7413239" y="2731363"/>
+            <a:ext cx="3057247" cy="369332"/>
+          </a:xfrm>
+          <a:prstGeom prst="rect">
+            <a:avLst/>
+          </a:prstGeom>
+          <a:noFill/>
+          <a:ln>
+            <a:solidFill>
+              <a:schemeClr val="tx1"/>
+            </a:solidFill>
+          </a:ln>
+        </p:spPr>
+        <p:txBody>
+          <a:bodyPr wrap="none" rtlCol="0">
+            <a:spAutoFit/>
+          </a:bodyPr>
+          <a:lstStyle/>
+          <a:p>
+            <a:r>
+              <a:rPr kumimoji="1" lang="en-US" altLang="ja-JP" dirty="0"/>
+              <a:t>HTTP</a:t>
+            </a:r>
+            <a:r>
+              <a:rPr lang="en-US" altLang="ja-JP" dirty="0"/>
+              <a:t>(</a:t>
+            </a:r>
+            <a:r>
+              <a:rPr kumimoji="1" lang="ja-JP" altLang="en-US"/>
+              <a:t>暗号化されていない</a:t>
+            </a:r>
+            <a:r>
+              <a:rPr kumimoji="1" lang="en-US" altLang="ja-JP" dirty="0"/>
+              <a:t>)</a:t>
+            </a:r>
+            <a:endParaRPr kumimoji="1" lang="ja-JP" altLang="en-US"/>
+          </a:p>
+        </p:txBody>
+      </p:sp>
+      <p:sp>
+        <p:nvSpPr>
+          <p:cNvPr id="51" name="テキスト ボックス 50">
+            <a:extLst>
+              <a:ext uri="{FF2B5EF4-FFF2-40B4-BE49-F238E27FC236}">
+                <a16:creationId xmlns:a16="http://schemas.microsoft.com/office/drawing/2014/main" id="{1418273C-C3BD-AD4F-820B-6161FDB03706}"/>
+              </a:ext>
+            </a:extLst>
+          </p:cNvPr>
+          <p:cNvSpPr txBox="1"/>
+          <p:nvPr/>
+        </p:nvSpPr>
+        <p:spPr>
+          <a:xfrm>
+            <a:off x="8635161" y="5081610"/>
+            <a:ext cx="1354858" cy="369332"/>
+          </a:xfrm>
+          <a:prstGeom prst="rect">
+            <a:avLst/>
+          </a:prstGeom>
+          <a:noFill/>
+        </p:spPr>
+        <p:txBody>
+          <a:bodyPr wrap="none" rtlCol="0">
+            <a:spAutoFit/>
+          </a:bodyPr>
+          <a:lstStyle/>
+          <a:p>
+            <a:r>
+              <a:rPr kumimoji="1" lang="en-US" altLang="ja-JP" dirty="0"/>
+              <a:t>Web</a:t>
+            </a:r>
+            <a:r>
+              <a:rPr kumimoji="1" lang="ja-JP" altLang="en-US"/>
+              <a:t>サーバ</a:t>
+            </a:r>
+          </a:p>
+        </p:txBody>
+      </p:sp>
+      <p:sp>
+        <p:nvSpPr>
+          <p:cNvPr id="52" name="テキスト ボックス 51">
+            <a:extLst>
+              <a:ext uri="{FF2B5EF4-FFF2-40B4-BE49-F238E27FC236}">
+                <a16:creationId xmlns:a16="http://schemas.microsoft.com/office/drawing/2014/main" id="{98B91079-A2BB-8A44-9A31-094DE70CBF40}"/>
+              </a:ext>
+            </a:extLst>
+          </p:cNvPr>
+          <p:cNvSpPr txBox="1"/>
+          <p:nvPr/>
+        </p:nvSpPr>
+        <p:spPr>
+          <a:xfrm>
+            <a:off x="9913735" y="3878629"/>
+            <a:ext cx="1354858" cy="369332"/>
+          </a:xfrm>
+          <a:prstGeom prst="rect">
+            <a:avLst/>
+          </a:prstGeom>
+          <a:noFill/>
+        </p:spPr>
+        <p:txBody>
+          <a:bodyPr wrap="none" rtlCol="0">
+            <a:spAutoFit/>
+          </a:bodyPr>
+          <a:lstStyle/>
+          <a:p>
+            <a:r>
+              <a:rPr kumimoji="1" lang="en-US" altLang="ja-JP" dirty="0"/>
+              <a:t>Web</a:t>
+            </a:r>
+            <a:r>
+              <a:rPr kumimoji="1" lang="ja-JP" altLang="en-US"/>
+              <a:t>サーバ</a:t>
+            </a:r>
+          </a:p>
+        </p:txBody>
+      </p:sp>
+      <p:sp>
+        <p:nvSpPr>
+          <p:cNvPr id="53" name="テキスト ボックス 52">
+            <a:extLst>
+              <a:ext uri="{FF2B5EF4-FFF2-40B4-BE49-F238E27FC236}">
+                <a16:creationId xmlns:a16="http://schemas.microsoft.com/office/drawing/2014/main" id="{D74B0B36-D4EE-4D49-8E4D-A0CE53E39FA8}"/>
+              </a:ext>
+            </a:extLst>
+          </p:cNvPr>
+          <p:cNvSpPr txBox="1"/>
+          <p:nvPr/>
+        </p:nvSpPr>
+        <p:spPr>
+          <a:xfrm>
+            <a:off x="9067749" y="2217099"/>
+            <a:ext cx="1354858" cy="369332"/>
+          </a:xfrm>
+          <a:prstGeom prst="rect">
+            <a:avLst/>
+          </a:prstGeom>
+          <a:noFill/>
+        </p:spPr>
+        <p:txBody>
+          <a:bodyPr wrap="none" rtlCol="0">
+            <a:spAutoFit/>
+          </a:bodyPr>
+          <a:lstStyle/>
+          <a:p>
+            <a:r>
+              <a:rPr kumimoji="1" lang="en-US" altLang="ja-JP" dirty="0"/>
+              <a:t>Web</a:t>
+            </a:r>
+            <a:r>
+              <a:rPr kumimoji="1" lang="ja-JP" altLang="en-US"/>
+              <a:t>サーバ</a:t>
+            </a:r>
+          </a:p>
+        </p:txBody>
+      </p:sp>
+    </p:spTree>
+    <p:extLst>
+      <p:ext uri="{BB962C8B-B14F-4D97-AF65-F5344CB8AC3E}">
+        <p14:creationId xmlns:p14="http://schemas.microsoft.com/office/powerpoint/2010/main" val="1540309906"/>
+      </p:ext>
+    </p:extLst>
+  </p:cSld>
+  <p:clrMapOvr>
+    <a:masterClrMapping/>
+  </p:clrMapOvr>
+</p:sld>
+</file>
+
+<file path=ppt/slides/slide17.xml><?xml version="1.0" encoding="utf-8"?>
+<p:sld xmlns:a="http://schemas.openxmlformats.org/drawingml/2006/main" xmlns:r="http://schemas.openxmlformats.org/officeDocument/2006/relationships" xmlns:p="http://schemas.openxmlformats.org/presentationml/2006/main">
+  <p:cSld>
+    <p:spTree>
+      <p:nvGrpSpPr>
+        <p:cNvPr id="1" name=""/>
+        <p:cNvGrpSpPr/>
+        <p:nvPr/>
+      </p:nvGrpSpPr>
+      <p:grpSpPr>
+        <a:xfrm>
+          <a:off x="0" y="0"/>
+          <a:ext cx="0" cy="0"/>
+          <a:chOff x="0" y="0"/>
+          <a:chExt cx="0" cy="0"/>
+        </a:xfrm>
+      </p:grpSpPr>
+      <p:sp>
+        <p:nvSpPr>
+          <p:cNvPr id="22" name="正方形/長方形 21">
+            <a:extLst>
+              <a:ext uri="{FF2B5EF4-FFF2-40B4-BE49-F238E27FC236}">
+                <a16:creationId xmlns:a16="http://schemas.microsoft.com/office/drawing/2014/main" id="{03DB74AC-4E92-A441-BDC8-37C351E8619A}"/>
+              </a:ext>
+            </a:extLst>
+          </p:cNvPr>
+          <p:cNvSpPr/>
+          <p:nvPr/>
+        </p:nvSpPr>
+        <p:spPr>
+          <a:xfrm>
+            <a:off x="7254750" y="1972354"/>
+            <a:ext cx="3904390" cy="4237022"/>
+          </a:xfrm>
+          <a:prstGeom prst="rect">
+            <a:avLst/>
+          </a:prstGeom>
+          <a:solidFill>
+            <a:schemeClr val="bg1"/>
+          </a:solidFill>
+          <a:ln w="57150"/>
+        </p:spPr>
+        <p:style>
+          <a:lnRef idx="2">
+            <a:schemeClr val="dk1">
+              <a:shade val="50000"/>
+            </a:schemeClr>
+          </a:lnRef>
+          <a:fillRef idx="1">
+            <a:schemeClr val="dk1"/>
+          </a:fillRef>
+          <a:effectRef idx="0">
+            <a:schemeClr val="dk1"/>
+          </a:effectRef>
+          <a:fontRef idx="minor">
+            <a:schemeClr val="lt1"/>
+          </a:fontRef>
+        </p:style>
+        <p:txBody>
+          <a:bodyPr rtlCol="0" anchor="ctr"/>
+          <a:lstStyle/>
+          <a:p>
+            <a:pPr algn="ctr"/>
+            <a:endParaRPr kumimoji="1" lang="ja-JP" altLang="en-US"/>
+          </a:p>
+        </p:txBody>
+      </p:sp>
+      <p:pic>
+        <p:nvPicPr>
           <p:cNvPr id="7" name="図 6">
             <a:extLst>
               <a:ext uri="{FF2B5EF4-FFF2-40B4-BE49-F238E27FC236}">
@@ -11412,8 +12349,8 @@
         </p:nvSpPr>
         <p:spPr>
           <a:xfrm>
-            <a:off x="7990425" y="1460267"/>
-            <a:ext cx="2209573" cy="742385"/>
+            <a:off x="7990424" y="1460267"/>
+            <a:ext cx="2333789" cy="742385"/>
           </a:xfrm>
           <a:prstGeom prst="rect">
             <a:avLst/>
@@ -11441,8 +12378,12 @@
           <a:p>
             <a:pPr algn="ctr"/>
             <a:r>
+              <a:rPr lang="ja-JP" altLang="en-US"/>
+              <a:t>ローカル</a:t>
+            </a:r>
+            <a:r>
               <a:rPr kumimoji="1" lang="ja-JP" altLang="en-US"/>
-              <a:t>社内ネットワーク</a:t>
+              <a:t>ネットワーク</a:t>
             </a:r>
           </a:p>
         </p:txBody>

--- a/SUBTHEME/graphs/network_archtecture.pptx
+++ b/SUBTHEME/graphs/network_archtecture.pptx
@@ -5,7 +5,7 @@
     <p:sldMasterId id="2147483648" r:id="rId1"/>
   </p:sldMasterIdLst>
   <p:notesMasterIdLst>
-    <p:notesMasterId r:id="rId19"/>
+    <p:notesMasterId r:id="rId22"/>
   </p:notesMasterIdLst>
   <p:sldIdLst>
     <p:sldId id="262" r:id="rId2"/>
@@ -24,7 +24,10 @@
     <p:sldId id="273" r:id="rId15"/>
     <p:sldId id="276" r:id="rId16"/>
     <p:sldId id="277" r:id="rId17"/>
-    <p:sldId id="275" r:id="rId18"/>
+    <p:sldId id="278" r:id="rId18"/>
+    <p:sldId id="280" r:id="rId19"/>
+    <p:sldId id="279" r:id="rId20"/>
+    <p:sldId id="275" r:id="rId21"/>
   </p:sldIdLst>
   <p:sldSz cx="12192000" cy="6858000"/>
   <p:notesSz cx="6858000" cy="9144000"/>
@@ -889,6 +892,174 @@
             <a:fld id="{6DA38E19-B81A-F542-8311-AF3BA722301E}" type="slidenum">
               <a:rPr kumimoji="1" lang="ja-JP" altLang="en-US" smtClean="0"/>
               <a:t>17</a:t>
+            </a:fld>
+            <a:endParaRPr kumimoji="1" lang="ja-JP" altLang="en-US"/>
+          </a:p>
+        </p:txBody>
+      </p:sp>
+    </p:spTree>
+    <p:extLst>
+      <p:ext uri="{BB962C8B-B14F-4D97-AF65-F5344CB8AC3E}">
+        <p14:creationId xmlns:p14="http://schemas.microsoft.com/office/powerpoint/2010/main" val="3088741783"/>
+      </p:ext>
+    </p:extLst>
+  </p:cSld>
+  <p:clrMapOvr>
+    <a:masterClrMapping/>
+  </p:clrMapOvr>
+</p:notes>
+</file>
+
+<file path=ppt/notesSlides/notesSlide6.xml><?xml version="1.0" encoding="utf-8"?>
+<p:notes xmlns:a="http://schemas.openxmlformats.org/drawingml/2006/main" xmlns:r="http://schemas.openxmlformats.org/officeDocument/2006/relationships" xmlns:p="http://schemas.openxmlformats.org/presentationml/2006/main">
+  <p:cSld>
+    <p:spTree>
+      <p:nvGrpSpPr>
+        <p:cNvPr id="1" name=""/>
+        <p:cNvGrpSpPr/>
+        <p:nvPr/>
+      </p:nvGrpSpPr>
+      <p:grpSpPr>
+        <a:xfrm>
+          <a:off x="0" y="0"/>
+          <a:ext cx="0" cy="0"/>
+          <a:chOff x="0" y="0"/>
+          <a:chExt cx="0" cy="0"/>
+        </a:xfrm>
+      </p:grpSpPr>
+      <p:sp>
+        <p:nvSpPr>
+          <p:cNvPr id="2" name="スライド イメージ プレースホルダー 1"/>
+          <p:cNvSpPr>
+            <a:spLocks noGrp="1" noRot="1" noChangeAspect="1"/>
+          </p:cNvSpPr>
+          <p:nvPr>
+            <p:ph type="sldImg"/>
+          </p:nvPr>
+        </p:nvSpPr>
+        <p:spPr/>
+      </p:sp>
+      <p:sp>
+        <p:nvSpPr>
+          <p:cNvPr id="3" name="ノート プレースホルダー 2"/>
+          <p:cNvSpPr>
+            <a:spLocks noGrp="1"/>
+          </p:cNvSpPr>
+          <p:nvPr>
+            <p:ph type="body" idx="1"/>
+          </p:nvPr>
+        </p:nvSpPr>
+        <p:spPr/>
+        <p:txBody>
+          <a:bodyPr/>
+          <a:lstStyle/>
+          <a:p>
+            <a:endParaRPr kumimoji="1" lang="ja-JP" altLang="en-US"/>
+          </a:p>
+        </p:txBody>
+      </p:sp>
+      <p:sp>
+        <p:nvSpPr>
+          <p:cNvPr id="4" name="スライド番号プレースホルダー 3"/>
+          <p:cNvSpPr>
+            <a:spLocks noGrp="1"/>
+          </p:cNvSpPr>
+          <p:nvPr>
+            <p:ph type="sldNum" sz="quarter" idx="5"/>
+          </p:nvPr>
+        </p:nvSpPr>
+        <p:spPr/>
+        <p:txBody>
+          <a:bodyPr/>
+          <a:lstStyle/>
+          <a:p>
+            <a:fld id="{6DA38E19-B81A-F542-8311-AF3BA722301E}" type="slidenum">
+              <a:rPr kumimoji="1" lang="ja-JP" altLang="en-US" smtClean="0"/>
+              <a:t>18</a:t>
+            </a:fld>
+            <a:endParaRPr kumimoji="1" lang="ja-JP" altLang="en-US"/>
+          </a:p>
+        </p:txBody>
+      </p:sp>
+    </p:spTree>
+    <p:extLst>
+      <p:ext uri="{BB962C8B-B14F-4D97-AF65-F5344CB8AC3E}">
+        <p14:creationId xmlns:p14="http://schemas.microsoft.com/office/powerpoint/2010/main" val="1180189028"/>
+      </p:ext>
+    </p:extLst>
+  </p:cSld>
+  <p:clrMapOvr>
+    <a:masterClrMapping/>
+  </p:clrMapOvr>
+</p:notes>
+</file>
+
+<file path=ppt/notesSlides/notesSlide7.xml><?xml version="1.0" encoding="utf-8"?>
+<p:notes xmlns:a="http://schemas.openxmlformats.org/drawingml/2006/main" xmlns:r="http://schemas.openxmlformats.org/officeDocument/2006/relationships" xmlns:p="http://schemas.openxmlformats.org/presentationml/2006/main">
+  <p:cSld>
+    <p:spTree>
+      <p:nvGrpSpPr>
+        <p:cNvPr id="1" name=""/>
+        <p:cNvGrpSpPr/>
+        <p:nvPr/>
+      </p:nvGrpSpPr>
+      <p:grpSpPr>
+        <a:xfrm>
+          <a:off x="0" y="0"/>
+          <a:ext cx="0" cy="0"/>
+          <a:chOff x="0" y="0"/>
+          <a:chExt cx="0" cy="0"/>
+        </a:xfrm>
+      </p:grpSpPr>
+      <p:sp>
+        <p:nvSpPr>
+          <p:cNvPr id="2" name="スライド イメージ プレースホルダー 1"/>
+          <p:cNvSpPr>
+            <a:spLocks noGrp="1" noRot="1" noChangeAspect="1"/>
+          </p:cNvSpPr>
+          <p:nvPr>
+            <p:ph type="sldImg"/>
+          </p:nvPr>
+        </p:nvSpPr>
+        <p:spPr/>
+      </p:sp>
+      <p:sp>
+        <p:nvSpPr>
+          <p:cNvPr id="3" name="ノート プレースホルダー 2"/>
+          <p:cNvSpPr>
+            <a:spLocks noGrp="1"/>
+          </p:cNvSpPr>
+          <p:nvPr>
+            <p:ph type="body" idx="1"/>
+          </p:nvPr>
+        </p:nvSpPr>
+        <p:spPr/>
+        <p:txBody>
+          <a:bodyPr/>
+          <a:lstStyle/>
+          <a:p>
+            <a:endParaRPr kumimoji="1" lang="ja-JP" altLang="en-US"/>
+          </a:p>
+        </p:txBody>
+      </p:sp>
+      <p:sp>
+        <p:nvSpPr>
+          <p:cNvPr id="4" name="スライド番号プレースホルダー 3"/>
+          <p:cNvSpPr>
+            <a:spLocks noGrp="1"/>
+          </p:cNvSpPr>
+          <p:nvPr>
+            <p:ph type="sldNum" sz="quarter" idx="5"/>
+          </p:nvPr>
+        </p:nvSpPr>
+        <p:spPr/>
+        <p:txBody>
+          <a:bodyPr/>
+          <a:lstStyle/>
+          <a:p>
+            <a:fld id="{6DA38E19-B81A-F542-8311-AF3BA722301E}" type="slidenum">
+              <a:rPr kumimoji="1" lang="ja-JP" altLang="en-US" smtClean="0"/>
+              <a:t>20</a:t>
             </a:fld>
             <a:endParaRPr kumimoji="1" lang="ja-JP" altLang="en-US"/>
           </a:p>
@@ -4949,7 +5120,7 @@
         </p:blipFill>
         <p:spPr>
           <a:xfrm>
-            <a:off x="2034507" y="920263"/>
+            <a:off x="1380000" y="485022"/>
             <a:ext cx="811542" cy="1069760"/>
           </a:xfrm>
           <a:prstGeom prst="rect">
@@ -5108,8 +5279,8 @@
         </p:blipFill>
         <p:spPr>
           <a:xfrm>
-            <a:off x="9523952" y="2589561"/>
-            <a:ext cx="1117081" cy="1003959"/>
+            <a:off x="9523952" y="2446639"/>
+            <a:ext cx="1276108" cy="1146882"/>
           </a:xfrm>
           <a:prstGeom prst="rect">
             <a:avLst/>
@@ -5161,7 +5332,7 @@
         <p:spPr>
           <a:xfrm>
             <a:off x="1499016" y="5171607"/>
-            <a:ext cx="1366080" cy="369332"/>
+            <a:ext cx="1386918" cy="369332"/>
           </a:xfrm>
           <a:prstGeom prst="rect">
             <a:avLst/>
@@ -5175,11 +5346,11 @@
           <a:lstStyle/>
           <a:p>
             <a:r>
-              <a:rPr kumimoji="1" lang="en-US" altLang="ja-JP" dirty="0"/>
+              <a:rPr kumimoji="1" lang="en-US" altLang="ja-JP" b="1" dirty="0"/>
               <a:t>DNS</a:t>
             </a:r>
             <a:r>
-              <a:rPr kumimoji="1" lang="ja-JP" altLang="en-US"/>
+              <a:rPr kumimoji="1" lang="ja-JP" altLang="en-US" b="1"/>
               <a:t>サーバ</a:t>
             </a:r>
           </a:p>
@@ -5214,14 +5385,14 @@
           <a:lstStyle/>
           <a:p>
             <a:r>
-              <a:rPr kumimoji="1" lang="en-US" altLang="ja-JP" dirty="0"/>
+              <a:rPr kumimoji="1" lang="en-US" altLang="ja-JP" b="1" dirty="0"/>
               <a:t>Web</a:t>
             </a:r>
             <a:r>
-              <a:rPr kumimoji="1" lang="ja-JP" altLang="en-US"/>
+              <a:rPr kumimoji="1" lang="ja-JP" altLang="en-US" b="1"/>
               <a:t>サーバ</a:t>
             </a:r>
-            <a:endParaRPr kumimoji="1" lang="en-US" altLang="ja-JP" dirty="0"/>
+            <a:endParaRPr kumimoji="1" lang="en-US" altLang="ja-JP" b="1" dirty="0"/>
           </a:p>
         </p:txBody>
       </p:sp>
@@ -5269,8 +5440,8 @@
         </p:nvSpPr>
         <p:spPr>
           <a:xfrm>
-            <a:off x="1721972" y="1984740"/>
-            <a:ext cx="1436612" cy="369332"/>
+            <a:off x="954290" y="1591696"/>
+            <a:ext cx="1467068" cy="369332"/>
           </a:xfrm>
           <a:prstGeom prst="rect">
             <a:avLst/>
@@ -5284,11 +5455,11 @@
           <a:lstStyle/>
           <a:p>
             <a:r>
-              <a:rPr kumimoji="1" lang="en-US" altLang="ja-JP" dirty="0"/>
+              <a:rPr kumimoji="1" lang="en-US" altLang="ja-JP" b="1" dirty="0"/>
               <a:t>UNIX</a:t>
             </a:r>
             <a:r>
-              <a:rPr kumimoji="1" lang="ja-JP" altLang="en-US"/>
+              <a:rPr kumimoji="1" lang="ja-JP" altLang="en-US" b="1"/>
               <a:t>サーバ</a:t>
             </a:r>
           </a:p>
@@ -5323,7 +5494,7 @@
           <a:lstStyle/>
           <a:p>
             <a:r>
-              <a:rPr kumimoji="1" lang="ja-JP" altLang="en-US"/>
+              <a:rPr kumimoji="1" lang="ja-JP" altLang="en-US" b="1"/>
               <a:t>メールクライアント</a:t>
             </a:r>
           </a:p>
@@ -5343,8 +5514,8 @@
         </p:nvSpPr>
         <p:spPr>
           <a:xfrm>
-            <a:off x="10058400" y="3852472"/>
-            <a:ext cx="1337226" cy="369332"/>
+            <a:off x="9413879" y="3603895"/>
+            <a:ext cx="1361270" cy="369332"/>
           </a:xfrm>
           <a:prstGeom prst="rect">
             <a:avLst/>
@@ -5358,13 +5529,877 @@
           <a:lstStyle/>
           <a:p>
             <a:r>
-              <a:rPr kumimoji="1" lang="en-US" altLang="ja-JP" dirty="0"/>
+              <a:rPr kumimoji="1" lang="en-US" altLang="ja-JP" b="1" dirty="0"/>
               <a:t>SSH</a:t>
             </a:r>
             <a:r>
-              <a:rPr kumimoji="1" lang="ja-JP" altLang="en-US"/>
+              <a:rPr kumimoji="1" lang="ja-JP" altLang="en-US" b="1"/>
               <a:t>サーバ</a:t>
             </a:r>
+          </a:p>
+        </p:txBody>
+      </p:sp>
+      <p:cxnSp>
+        <p:nvCxnSpPr>
+          <p:cNvPr id="4" name="直線矢印コネクタ 3">
+            <a:extLst>
+              <a:ext uri="{FF2B5EF4-FFF2-40B4-BE49-F238E27FC236}">
+                <a16:creationId xmlns:a16="http://schemas.microsoft.com/office/drawing/2014/main" id="{0EBD1B2D-7635-7A4F-AA5F-FB8E6826DA38}"/>
+              </a:ext>
+            </a:extLst>
+          </p:cNvPr>
+          <p:cNvCxnSpPr>
+            <a:cxnSpLocks/>
+          </p:cNvCxnSpPr>
+          <p:nvPr/>
+        </p:nvCxnSpPr>
+        <p:spPr>
+          <a:xfrm>
+            <a:off x="2478484" y="1086450"/>
+            <a:ext cx="1500392" cy="1075982"/>
+          </a:xfrm>
+          <a:prstGeom prst="straightConnector1">
+            <a:avLst/>
+          </a:prstGeom>
+          <a:ln w="50800">
+            <a:tailEnd type="triangle"/>
+          </a:ln>
+        </p:spPr>
+        <p:style>
+          <a:lnRef idx="1">
+            <a:schemeClr val="accent1"/>
+          </a:lnRef>
+          <a:fillRef idx="0">
+            <a:schemeClr val="accent1"/>
+          </a:fillRef>
+          <a:effectRef idx="0">
+            <a:schemeClr val="accent1"/>
+          </a:effectRef>
+          <a:fontRef idx="minor">
+            <a:schemeClr val="tx1"/>
+          </a:fontRef>
+        </p:style>
+      </p:cxnSp>
+      <p:cxnSp>
+        <p:nvCxnSpPr>
+          <p:cNvPr id="16" name="直線矢印コネクタ 15">
+            <a:extLst>
+              <a:ext uri="{FF2B5EF4-FFF2-40B4-BE49-F238E27FC236}">
+                <a16:creationId xmlns:a16="http://schemas.microsoft.com/office/drawing/2014/main" id="{D6CC23BC-83A3-DC40-95C1-2905A71C451E}"/>
+              </a:ext>
+            </a:extLst>
+          </p:cNvPr>
+          <p:cNvCxnSpPr>
+            <a:cxnSpLocks/>
+          </p:cNvCxnSpPr>
+          <p:nvPr/>
+        </p:nvCxnSpPr>
+        <p:spPr>
+          <a:xfrm flipH="1" flipV="1">
+            <a:off x="2315037" y="1401823"/>
+            <a:ext cx="1480035" cy="1044815"/>
+          </a:xfrm>
+          <a:prstGeom prst="straightConnector1">
+            <a:avLst/>
+          </a:prstGeom>
+          <a:ln w="50800">
+            <a:tailEnd type="triangle"/>
+          </a:ln>
+        </p:spPr>
+        <p:style>
+          <a:lnRef idx="1">
+            <a:schemeClr val="accent1"/>
+          </a:lnRef>
+          <a:fillRef idx="0">
+            <a:schemeClr val="accent1"/>
+          </a:fillRef>
+          <a:effectRef idx="0">
+            <a:schemeClr val="accent1"/>
+          </a:effectRef>
+          <a:fontRef idx="minor">
+            <a:schemeClr val="tx1"/>
+          </a:fontRef>
+        </p:style>
+      </p:cxnSp>
+      <p:cxnSp>
+        <p:nvCxnSpPr>
+          <p:cNvPr id="21" name="直線矢印コネクタ 20">
+            <a:extLst>
+              <a:ext uri="{FF2B5EF4-FFF2-40B4-BE49-F238E27FC236}">
+                <a16:creationId xmlns:a16="http://schemas.microsoft.com/office/drawing/2014/main" id="{AE9748E3-6D43-5F4C-A790-504F09B94F9E}"/>
+              </a:ext>
+            </a:extLst>
+          </p:cNvPr>
+          <p:cNvCxnSpPr>
+            <a:cxnSpLocks/>
+          </p:cNvCxnSpPr>
+          <p:nvPr/>
+        </p:nvCxnSpPr>
+        <p:spPr>
+          <a:xfrm flipV="1">
+            <a:off x="3051463" y="4065374"/>
+            <a:ext cx="812876" cy="467694"/>
+          </a:xfrm>
+          <a:prstGeom prst="straightConnector1">
+            <a:avLst/>
+          </a:prstGeom>
+          <a:ln w="50800">
+            <a:tailEnd type="triangle"/>
+          </a:ln>
+        </p:spPr>
+        <p:style>
+          <a:lnRef idx="1">
+            <a:schemeClr val="accent1"/>
+          </a:lnRef>
+          <a:fillRef idx="0">
+            <a:schemeClr val="accent1"/>
+          </a:fillRef>
+          <a:effectRef idx="0">
+            <a:schemeClr val="accent1"/>
+          </a:effectRef>
+          <a:fontRef idx="minor">
+            <a:schemeClr val="tx1"/>
+          </a:fontRef>
+        </p:style>
+      </p:cxnSp>
+      <p:cxnSp>
+        <p:nvCxnSpPr>
+          <p:cNvPr id="22" name="直線矢印コネクタ 21">
+            <a:extLst>
+              <a:ext uri="{FF2B5EF4-FFF2-40B4-BE49-F238E27FC236}">
+                <a16:creationId xmlns:a16="http://schemas.microsoft.com/office/drawing/2014/main" id="{4C494419-2AF5-BF4C-A25B-2DB291C681FB}"/>
+              </a:ext>
+            </a:extLst>
+          </p:cNvPr>
+          <p:cNvCxnSpPr>
+            <a:cxnSpLocks/>
+          </p:cNvCxnSpPr>
+          <p:nvPr/>
+        </p:nvCxnSpPr>
+        <p:spPr>
+          <a:xfrm flipH="1">
+            <a:off x="3134828" y="4379812"/>
+            <a:ext cx="844048" cy="441025"/>
+          </a:xfrm>
+          <a:prstGeom prst="straightConnector1">
+            <a:avLst/>
+          </a:prstGeom>
+          <a:ln w="50800">
+            <a:tailEnd type="triangle"/>
+          </a:ln>
+        </p:spPr>
+        <p:style>
+          <a:lnRef idx="1">
+            <a:schemeClr val="accent1"/>
+          </a:lnRef>
+          <a:fillRef idx="0">
+            <a:schemeClr val="accent1"/>
+          </a:fillRef>
+          <a:effectRef idx="0">
+            <a:schemeClr val="accent1"/>
+          </a:effectRef>
+          <a:fontRef idx="minor">
+            <a:schemeClr val="tx1"/>
+          </a:fontRef>
+        </p:style>
+      </p:cxnSp>
+      <p:cxnSp>
+        <p:nvCxnSpPr>
+          <p:cNvPr id="32" name="直線矢印コネクタ 31">
+            <a:extLst>
+              <a:ext uri="{FF2B5EF4-FFF2-40B4-BE49-F238E27FC236}">
+                <a16:creationId xmlns:a16="http://schemas.microsoft.com/office/drawing/2014/main" id="{998BA75F-B60F-2D46-9DE1-4A4274F4E4EE}"/>
+              </a:ext>
+            </a:extLst>
+          </p:cNvPr>
+          <p:cNvCxnSpPr>
+            <a:cxnSpLocks/>
+          </p:cNvCxnSpPr>
+          <p:nvPr/>
+        </p:nvCxnSpPr>
+        <p:spPr>
+          <a:xfrm>
+            <a:off x="6729946" y="4234004"/>
+            <a:ext cx="1478625" cy="1062871"/>
+          </a:xfrm>
+          <a:prstGeom prst="straightConnector1">
+            <a:avLst/>
+          </a:prstGeom>
+          <a:ln w="50800">
+            <a:tailEnd type="triangle"/>
+          </a:ln>
+        </p:spPr>
+        <p:style>
+          <a:lnRef idx="1">
+            <a:schemeClr val="accent1"/>
+          </a:lnRef>
+          <a:fillRef idx="0">
+            <a:schemeClr val="accent1"/>
+          </a:fillRef>
+          <a:effectRef idx="0">
+            <a:schemeClr val="accent1"/>
+          </a:effectRef>
+          <a:fontRef idx="minor">
+            <a:schemeClr val="tx1"/>
+          </a:fontRef>
+        </p:style>
+      </p:cxnSp>
+      <p:cxnSp>
+        <p:nvCxnSpPr>
+          <p:cNvPr id="33" name="直線矢印コネクタ 32">
+            <a:extLst>
+              <a:ext uri="{FF2B5EF4-FFF2-40B4-BE49-F238E27FC236}">
+                <a16:creationId xmlns:a16="http://schemas.microsoft.com/office/drawing/2014/main" id="{4EEFC1C6-A77A-AC46-A81A-66C8E83A20FD}"/>
+              </a:ext>
+            </a:extLst>
+          </p:cNvPr>
+          <p:cNvCxnSpPr>
+            <a:cxnSpLocks/>
+          </p:cNvCxnSpPr>
+          <p:nvPr/>
+        </p:nvCxnSpPr>
+        <p:spPr>
+          <a:xfrm flipH="1" flipV="1">
+            <a:off x="6584149" y="4533068"/>
+            <a:ext cx="1410674" cy="1007872"/>
+          </a:xfrm>
+          <a:prstGeom prst="straightConnector1">
+            <a:avLst/>
+          </a:prstGeom>
+          <a:ln w="50800">
+            <a:tailEnd type="triangle"/>
+          </a:ln>
+        </p:spPr>
+        <p:style>
+          <a:lnRef idx="1">
+            <a:schemeClr val="accent1"/>
+          </a:lnRef>
+          <a:fillRef idx="0">
+            <a:schemeClr val="accent1"/>
+          </a:fillRef>
+          <a:effectRef idx="0">
+            <a:schemeClr val="accent1"/>
+          </a:effectRef>
+          <a:fontRef idx="minor">
+            <a:schemeClr val="tx1"/>
+          </a:fontRef>
+        </p:style>
+      </p:cxnSp>
+      <p:cxnSp>
+        <p:nvCxnSpPr>
+          <p:cNvPr id="53" name="直線矢印コネクタ 52">
+            <a:extLst>
+              <a:ext uri="{FF2B5EF4-FFF2-40B4-BE49-F238E27FC236}">
+                <a16:creationId xmlns:a16="http://schemas.microsoft.com/office/drawing/2014/main" id="{4089CBA6-A4B0-1F4F-BE77-2792D69561DD}"/>
+              </a:ext>
+            </a:extLst>
+          </p:cNvPr>
+          <p:cNvCxnSpPr>
+            <a:cxnSpLocks/>
+          </p:cNvCxnSpPr>
+          <p:nvPr/>
+        </p:nvCxnSpPr>
+        <p:spPr>
+          <a:xfrm flipV="1">
+            <a:off x="6927031" y="2961638"/>
+            <a:ext cx="2254039" cy="163980"/>
+          </a:xfrm>
+          <a:prstGeom prst="straightConnector1">
+            <a:avLst/>
+          </a:prstGeom>
+          <a:ln w="50800">
+            <a:tailEnd type="triangle"/>
+          </a:ln>
+        </p:spPr>
+        <p:style>
+          <a:lnRef idx="1">
+            <a:schemeClr val="accent1"/>
+          </a:lnRef>
+          <a:fillRef idx="0">
+            <a:schemeClr val="accent1"/>
+          </a:fillRef>
+          <a:effectRef idx="0">
+            <a:schemeClr val="accent1"/>
+          </a:effectRef>
+          <a:fontRef idx="minor">
+            <a:schemeClr val="tx1"/>
+          </a:fontRef>
+        </p:style>
+      </p:cxnSp>
+      <p:cxnSp>
+        <p:nvCxnSpPr>
+          <p:cNvPr id="54" name="直線矢印コネクタ 53">
+            <a:extLst>
+              <a:ext uri="{FF2B5EF4-FFF2-40B4-BE49-F238E27FC236}">
+                <a16:creationId xmlns:a16="http://schemas.microsoft.com/office/drawing/2014/main" id="{673A201D-A060-FB4B-8CC2-2BAD6CE21AD5}"/>
+              </a:ext>
+            </a:extLst>
+          </p:cNvPr>
+          <p:cNvCxnSpPr>
+            <a:cxnSpLocks/>
+          </p:cNvCxnSpPr>
+          <p:nvPr/>
+        </p:nvCxnSpPr>
+        <p:spPr>
+          <a:xfrm flipH="1">
+            <a:off x="6841791" y="3274208"/>
+            <a:ext cx="2319443" cy="178652"/>
+          </a:xfrm>
+          <a:prstGeom prst="straightConnector1">
+            <a:avLst/>
+          </a:prstGeom>
+          <a:ln w="50800">
+            <a:tailEnd type="triangle"/>
+          </a:ln>
+        </p:spPr>
+        <p:style>
+          <a:lnRef idx="1">
+            <a:schemeClr val="accent1"/>
+          </a:lnRef>
+          <a:fillRef idx="0">
+            <a:schemeClr val="accent1"/>
+          </a:fillRef>
+          <a:effectRef idx="0">
+            <a:schemeClr val="accent1"/>
+          </a:effectRef>
+          <a:fontRef idx="minor">
+            <a:schemeClr val="tx1"/>
+          </a:fontRef>
+        </p:style>
+      </p:cxnSp>
+      <p:cxnSp>
+        <p:nvCxnSpPr>
+          <p:cNvPr id="64" name="直線矢印コネクタ 63">
+            <a:extLst>
+              <a:ext uri="{FF2B5EF4-FFF2-40B4-BE49-F238E27FC236}">
+                <a16:creationId xmlns:a16="http://schemas.microsoft.com/office/drawing/2014/main" id="{CDA4A663-E16E-224B-A4EE-0501A352948F}"/>
+              </a:ext>
+            </a:extLst>
+          </p:cNvPr>
+          <p:cNvCxnSpPr>
+            <a:cxnSpLocks/>
+          </p:cNvCxnSpPr>
+          <p:nvPr/>
+        </p:nvCxnSpPr>
+        <p:spPr>
+          <a:xfrm flipV="1">
+            <a:off x="6297333" y="1091897"/>
+            <a:ext cx="817531" cy="781372"/>
+          </a:xfrm>
+          <a:prstGeom prst="straightConnector1">
+            <a:avLst/>
+          </a:prstGeom>
+          <a:ln w="50800">
+            <a:tailEnd type="triangle"/>
+          </a:ln>
+        </p:spPr>
+        <p:style>
+          <a:lnRef idx="1">
+            <a:schemeClr val="accent1"/>
+          </a:lnRef>
+          <a:fillRef idx="0">
+            <a:schemeClr val="accent1"/>
+          </a:fillRef>
+          <a:effectRef idx="0">
+            <a:schemeClr val="accent1"/>
+          </a:effectRef>
+          <a:fontRef idx="minor">
+            <a:schemeClr val="tx1"/>
+          </a:fontRef>
+        </p:style>
+      </p:cxnSp>
+      <p:cxnSp>
+        <p:nvCxnSpPr>
+          <p:cNvPr id="65" name="直線矢印コネクタ 64">
+            <a:extLst>
+              <a:ext uri="{FF2B5EF4-FFF2-40B4-BE49-F238E27FC236}">
+                <a16:creationId xmlns:a16="http://schemas.microsoft.com/office/drawing/2014/main" id="{DCC8EE9B-3319-2646-A276-5CF52ADDE9A0}"/>
+              </a:ext>
+            </a:extLst>
+          </p:cNvPr>
+          <p:cNvCxnSpPr>
+            <a:cxnSpLocks/>
+          </p:cNvCxnSpPr>
+          <p:nvPr/>
+        </p:nvCxnSpPr>
+        <p:spPr>
+          <a:xfrm flipH="1">
+            <a:off x="6481137" y="1373712"/>
+            <a:ext cx="721309" cy="706918"/>
+          </a:xfrm>
+          <a:prstGeom prst="straightConnector1">
+            <a:avLst/>
+          </a:prstGeom>
+          <a:ln w="50800">
+            <a:tailEnd type="triangle"/>
+          </a:ln>
+        </p:spPr>
+        <p:style>
+          <a:lnRef idx="1">
+            <a:schemeClr val="accent1"/>
+          </a:lnRef>
+          <a:fillRef idx="0">
+            <a:schemeClr val="accent1"/>
+          </a:fillRef>
+          <a:effectRef idx="0">
+            <a:schemeClr val="accent1"/>
+          </a:effectRef>
+          <a:fontRef idx="minor">
+            <a:schemeClr val="tx1"/>
+          </a:fontRef>
+        </p:style>
+      </p:cxnSp>
+      <p:sp>
+        <p:nvSpPr>
+          <p:cNvPr id="73" name="テキスト ボックス 72">
+            <a:extLst>
+              <a:ext uri="{FF2B5EF4-FFF2-40B4-BE49-F238E27FC236}">
+                <a16:creationId xmlns:a16="http://schemas.microsoft.com/office/drawing/2014/main" id="{BF146337-0ED5-6743-B3B8-F7652B62C6D9}"/>
+              </a:ext>
+            </a:extLst>
+          </p:cNvPr>
+          <p:cNvSpPr txBox="1"/>
+          <p:nvPr/>
+        </p:nvSpPr>
+        <p:spPr>
+          <a:xfrm>
+            <a:off x="7209993" y="2423890"/>
+            <a:ext cx="1569660" cy="646331"/>
+          </a:xfrm>
+          <a:prstGeom prst="rect">
+            <a:avLst/>
+          </a:prstGeom>
+          <a:noFill/>
+          <a:ln>
+            <a:noFill/>
+          </a:ln>
+        </p:spPr>
+        <p:txBody>
+          <a:bodyPr wrap="none" rtlCol="0">
+            <a:spAutoFit/>
+          </a:bodyPr>
+          <a:lstStyle/>
+          <a:p>
+            <a:r>
+              <a:rPr kumimoji="1" lang="ja-JP" altLang="en-US">
+                <a:ln>
+                  <a:solidFill>
+                    <a:schemeClr val="accent2">
+                      <a:lumMod val="75000"/>
+                    </a:schemeClr>
+                  </a:solidFill>
+                </a:ln>
+              </a:rPr>
+              <a:t>公開鍵情報の</a:t>
+            </a:r>
+            <a:endParaRPr kumimoji="1" lang="en-US" altLang="ja-JP" dirty="0">
+              <a:ln>
+                <a:solidFill>
+                  <a:schemeClr val="accent2">
+                    <a:lumMod val="75000"/>
+                  </a:schemeClr>
+                </a:solidFill>
+              </a:ln>
+            </a:endParaRPr>
+          </a:p>
+          <a:p>
+            <a:r>
+              <a:rPr kumimoji="1" lang="ja-JP" altLang="en-US">
+                <a:ln>
+                  <a:solidFill>
+                    <a:schemeClr val="accent2">
+                      <a:lumMod val="75000"/>
+                    </a:schemeClr>
+                  </a:solidFill>
+                </a:ln>
+              </a:rPr>
+              <a:t>問い合わせ</a:t>
+            </a:r>
+          </a:p>
+        </p:txBody>
+      </p:sp>
+      <p:sp>
+        <p:nvSpPr>
+          <p:cNvPr id="74" name="テキスト ボックス 73">
+            <a:extLst>
+              <a:ext uri="{FF2B5EF4-FFF2-40B4-BE49-F238E27FC236}">
+                <a16:creationId xmlns:a16="http://schemas.microsoft.com/office/drawing/2014/main" id="{08810E7D-C358-464C-923F-92AEEC8A3D7C}"/>
+              </a:ext>
+            </a:extLst>
+          </p:cNvPr>
+          <p:cNvSpPr txBox="1"/>
+          <p:nvPr/>
+        </p:nvSpPr>
+        <p:spPr>
+          <a:xfrm>
+            <a:off x="5189248" y="1050547"/>
+            <a:ext cx="1800493" cy="646331"/>
+          </a:xfrm>
+          <a:prstGeom prst="rect">
+            <a:avLst/>
+          </a:prstGeom>
+          <a:noFill/>
+        </p:spPr>
+        <p:txBody>
+          <a:bodyPr wrap="none" rtlCol="0">
+            <a:spAutoFit/>
+          </a:bodyPr>
+          <a:lstStyle/>
+          <a:p>
+            <a:r>
+              <a:rPr kumimoji="1" lang="ja-JP" altLang="en-US">
+                <a:ln>
+                  <a:solidFill>
+                    <a:schemeClr val="accent2">
+                      <a:lumMod val="75000"/>
+                    </a:schemeClr>
+                  </a:solidFill>
+                </a:ln>
+              </a:rPr>
+              <a:t>アドレス情報の</a:t>
+            </a:r>
+            <a:endParaRPr kumimoji="1" lang="en-US" altLang="ja-JP" dirty="0">
+              <a:ln>
+                <a:solidFill>
+                  <a:schemeClr val="accent2">
+                    <a:lumMod val="75000"/>
+                  </a:schemeClr>
+                </a:solidFill>
+              </a:ln>
+            </a:endParaRPr>
+          </a:p>
+          <a:p>
+            <a:r>
+              <a:rPr lang="ja-JP" altLang="en-US">
+                <a:ln>
+                  <a:solidFill>
+                    <a:schemeClr val="accent2">
+                      <a:lumMod val="75000"/>
+                    </a:schemeClr>
+                  </a:solidFill>
+                </a:ln>
+              </a:rPr>
+              <a:t>問い合せ</a:t>
+            </a:r>
+            <a:endParaRPr kumimoji="1" lang="ja-JP" altLang="en-US">
+              <a:ln>
+                <a:solidFill>
+                  <a:schemeClr val="accent2">
+                    <a:lumMod val="75000"/>
+                  </a:schemeClr>
+                </a:solidFill>
+              </a:ln>
+            </a:endParaRPr>
+          </a:p>
+        </p:txBody>
+      </p:sp>
+      <p:sp>
+        <p:nvSpPr>
+          <p:cNvPr id="76" name="テキスト ボックス 75">
+            <a:extLst>
+              <a:ext uri="{FF2B5EF4-FFF2-40B4-BE49-F238E27FC236}">
+                <a16:creationId xmlns:a16="http://schemas.microsoft.com/office/drawing/2014/main" id="{D3276AB0-BC08-6F40-BD15-F06149FC4D3F}"/>
+              </a:ext>
+            </a:extLst>
+          </p:cNvPr>
+          <p:cNvSpPr txBox="1"/>
+          <p:nvPr/>
+        </p:nvSpPr>
+        <p:spPr>
+          <a:xfrm>
+            <a:off x="3091097" y="4848441"/>
+            <a:ext cx="2058577" cy="646331"/>
+          </a:xfrm>
+          <a:prstGeom prst="rect">
+            <a:avLst/>
+          </a:prstGeom>
+          <a:noFill/>
+        </p:spPr>
+        <p:txBody>
+          <a:bodyPr wrap="none" rtlCol="0">
+            <a:spAutoFit/>
+          </a:bodyPr>
+          <a:lstStyle/>
+          <a:p>
+            <a:r>
+              <a:rPr kumimoji="1" lang="en-US" altLang="ja-JP" dirty="0">
+                <a:ln>
+                  <a:solidFill>
+                    <a:schemeClr val="accent2">
+                      <a:lumMod val="75000"/>
+                    </a:schemeClr>
+                  </a:solidFill>
+                </a:ln>
+              </a:rPr>
+              <a:t>DNS</a:t>
+            </a:r>
+            <a:r>
+              <a:rPr kumimoji="1" lang="ja-JP" altLang="en-US">
+                <a:ln>
+                  <a:solidFill>
+                    <a:schemeClr val="accent2">
+                      <a:lumMod val="75000"/>
+                    </a:schemeClr>
+                  </a:solidFill>
+                </a:ln>
+              </a:rPr>
+              <a:t>ゾーン情報の</a:t>
+            </a:r>
+            <a:endParaRPr kumimoji="1" lang="en-US" altLang="ja-JP" dirty="0">
+              <a:ln>
+                <a:solidFill>
+                  <a:schemeClr val="accent2">
+                    <a:lumMod val="75000"/>
+                  </a:schemeClr>
+                </a:solidFill>
+              </a:ln>
+            </a:endParaRPr>
+          </a:p>
+          <a:p>
+            <a:r>
+              <a:rPr lang="ja-JP" altLang="en-US">
+                <a:ln>
+                  <a:solidFill>
+                    <a:schemeClr val="accent2">
+                      <a:lumMod val="75000"/>
+                    </a:schemeClr>
+                  </a:solidFill>
+                </a:ln>
+              </a:rPr>
+              <a:t>問い合わせ</a:t>
+            </a:r>
+            <a:endParaRPr kumimoji="1" lang="ja-JP" altLang="en-US">
+              <a:ln>
+                <a:solidFill>
+                  <a:schemeClr val="accent2">
+                    <a:lumMod val="75000"/>
+                  </a:schemeClr>
+                </a:solidFill>
+              </a:ln>
+            </a:endParaRPr>
+          </a:p>
+        </p:txBody>
+      </p:sp>
+      <p:sp>
+        <p:nvSpPr>
+          <p:cNvPr id="77" name="テキスト ボックス 76">
+            <a:extLst>
+              <a:ext uri="{FF2B5EF4-FFF2-40B4-BE49-F238E27FC236}">
+                <a16:creationId xmlns:a16="http://schemas.microsoft.com/office/drawing/2014/main" id="{316EDA84-E0FE-874A-B6C8-DFC82C1C7D18}"/>
+              </a:ext>
+            </a:extLst>
+          </p:cNvPr>
+          <p:cNvSpPr txBox="1"/>
+          <p:nvPr/>
+        </p:nvSpPr>
+        <p:spPr>
+          <a:xfrm>
+            <a:off x="2018893" y="2199346"/>
+            <a:ext cx="1338828" cy="646331"/>
+          </a:xfrm>
+          <a:prstGeom prst="rect">
+            <a:avLst/>
+          </a:prstGeom>
+          <a:noFill/>
+        </p:spPr>
+        <p:txBody>
+          <a:bodyPr wrap="none" rtlCol="0">
+            <a:spAutoFit/>
+          </a:bodyPr>
+          <a:lstStyle/>
+          <a:p>
+            <a:r>
+              <a:rPr kumimoji="1" lang="ja-JP" altLang="en-US">
+                <a:ln>
+                  <a:solidFill>
+                    <a:schemeClr val="accent2">
+                      <a:lumMod val="75000"/>
+                    </a:schemeClr>
+                  </a:solidFill>
+                </a:ln>
+              </a:rPr>
+              <a:t>ユーザ情報</a:t>
+            </a:r>
+            <a:endParaRPr kumimoji="1" lang="en-US" altLang="ja-JP" dirty="0">
+              <a:ln>
+                <a:solidFill>
+                  <a:schemeClr val="accent2">
+                    <a:lumMod val="75000"/>
+                  </a:schemeClr>
+                </a:solidFill>
+              </a:ln>
+            </a:endParaRPr>
+          </a:p>
+          <a:p>
+            <a:r>
+              <a:rPr kumimoji="1" lang="ja-JP" altLang="en-US">
+                <a:ln>
+                  <a:solidFill>
+                    <a:schemeClr val="accent2">
+                      <a:lumMod val="75000"/>
+                    </a:schemeClr>
+                  </a:solidFill>
+                </a:ln>
+              </a:rPr>
+              <a:t>の</a:t>
+            </a:r>
+            <a:r>
+              <a:rPr lang="ja-JP" altLang="en-US">
+                <a:ln>
+                  <a:solidFill>
+                    <a:schemeClr val="accent2">
+                      <a:lumMod val="75000"/>
+                    </a:schemeClr>
+                  </a:solidFill>
+                </a:ln>
+              </a:rPr>
+              <a:t>問い合せ</a:t>
+            </a:r>
+            <a:endParaRPr kumimoji="1" lang="ja-JP" altLang="en-US">
+              <a:ln>
+                <a:solidFill>
+                  <a:schemeClr val="accent2">
+                    <a:lumMod val="75000"/>
+                  </a:schemeClr>
+                </a:solidFill>
+              </a:ln>
+            </a:endParaRPr>
+          </a:p>
+        </p:txBody>
+      </p:sp>
+      <p:sp>
+        <p:nvSpPr>
+          <p:cNvPr id="80" name="テキスト ボックス 79">
+            <a:extLst>
+              <a:ext uri="{FF2B5EF4-FFF2-40B4-BE49-F238E27FC236}">
+                <a16:creationId xmlns:a16="http://schemas.microsoft.com/office/drawing/2014/main" id="{1BD93B61-CE26-5E42-88ED-6290C2F8DBE4}"/>
+              </a:ext>
+            </a:extLst>
+          </p:cNvPr>
+          <p:cNvSpPr txBox="1"/>
+          <p:nvPr/>
+        </p:nvSpPr>
+        <p:spPr>
+          <a:xfrm>
+            <a:off x="4486106" y="1857241"/>
+            <a:ext cx="1619354" cy="369332"/>
+          </a:xfrm>
+          <a:prstGeom prst="rect">
+            <a:avLst/>
+          </a:prstGeom>
+          <a:solidFill>
+            <a:schemeClr val="bg1">
+              <a:lumMod val="95000"/>
+            </a:schemeClr>
+          </a:solidFill>
+          <a:ln>
+            <a:solidFill>
+              <a:schemeClr val="tx1"/>
+            </a:solidFill>
+          </a:ln>
+        </p:spPr>
+        <p:txBody>
+          <a:bodyPr wrap="none" rtlCol="0">
+            <a:spAutoFit/>
+          </a:bodyPr>
+          <a:lstStyle/>
+          <a:p>
+            <a:r>
+              <a:rPr kumimoji="1" lang="en-US" altLang="ja-JP" b="1" dirty="0"/>
+              <a:t>LDAP</a:t>
+            </a:r>
+            <a:r>
+              <a:rPr lang="en-US" altLang="ja-JP" b="1" dirty="0"/>
+              <a:t> Server</a:t>
+            </a:r>
+            <a:endParaRPr kumimoji="1" lang="ja-JP" altLang="en-US" b="1"/>
+          </a:p>
+        </p:txBody>
+      </p:sp>
+      <p:sp>
+        <p:nvSpPr>
+          <p:cNvPr id="83" name="テキスト ボックス 82">
+            <a:extLst>
+              <a:ext uri="{FF2B5EF4-FFF2-40B4-BE49-F238E27FC236}">
+                <a16:creationId xmlns:a16="http://schemas.microsoft.com/office/drawing/2014/main" id="{887339E6-A12B-FF4B-9615-2C33441C72C9}"/>
+              </a:ext>
+            </a:extLst>
+          </p:cNvPr>
+          <p:cNvSpPr txBox="1"/>
+          <p:nvPr/>
+        </p:nvSpPr>
+        <p:spPr>
+          <a:xfrm>
+            <a:off x="6257617" y="5148242"/>
+            <a:ext cx="1569660" cy="646331"/>
+          </a:xfrm>
+          <a:prstGeom prst="rect">
+            <a:avLst/>
+          </a:prstGeom>
+          <a:noFill/>
+        </p:spPr>
+        <p:txBody>
+          <a:bodyPr wrap="none" rtlCol="0">
+            <a:spAutoFit/>
+          </a:bodyPr>
+          <a:lstStyle/>
+          <a:p>
+            <a:r>
+              <a:rPr kumimoji="1" lang="ja-JP" altLang="en-US">
+                <a:ln>
+                  <a:solidFill>
+                    <a:schemeClr val="accent2">
+                      <a:lumMod val="75000"/>
+                    </a:schemeClr>
+                  </a:solidFill>
+                </a:ln>
+              </a:rPr>
+              <a:t>認証情報</a:t>
+            </a:r>
+            <a:endParaRPr kumimoji="1" lang="en-US" altLang="ja-JP" dirty="0">
+              <a:ln>
+                <a:solidFill>
+                  <a:schemeClr val="accent2">
+                    <a:lumMod val="75000"/>
+                  </a:schemeClr>
+                </a:solidFill>
+              </a:ln>
+            </a:endParaRPr>
+          </a:p>
+          <a:p>
+            <a:r>
+              <a:rPr kumimoji="1" lang="ja-JP" altLang="en-US">
+                <a:ln>
+                  <a:solidFill>
+                    <a:schemeClr val="accent2">
+                      <a:lumMod val="75000"/>
+                    </a:schemeClr>
+                  </a:solidFill>
+                </a:ln>
+              </a:rPr>
+              <a:t>の</a:t>
+            </a:r>
+            <a:r>
+              <a:rPr lang="ja-JP" altLang="en-US">
+                <a:ln>
+                  <a:solidFill>
+                    <a:schemeClr val="accent2">
+                      <a:lumMod val="75000"/>
+                    </a:schemeClr>
+                  </a:solidFill>
+                </a:ln>
+              </a:rPr>
+              <a:t>問い合わせ</a:t>
+            </a:r>
+            <a:endParaRPr kumimoji="1" lang="ja-JP" altLang="en-US">
+              <a:ln>
+                <a:solidFill>
+                  <a:schemeClr val="accent2">
+                    <a:lumMod val="75000"/>
+                  </a:schemeClr>
+                </a:solidFill>
+              </a:ln>
+            </a:endParaRPr>
           </a:p>
         </p:txBody>
       </p:sp>
@@ -11465,12 +12500,14 @@
         <p:spPr>
           <a:xfrm>
             <a:off x="5466579" y="3759753"/>
-            <a:ext cx="2448106" cy="646331"/>
-          </a:xfrm>
-          <a:prstGeom prst="rect">
-            <a:avLst/>
-          </a:prstGeom>
-          <a:noFill/>
+            <a:ext cx="2282997" cy="646331"/>
+          </a:xfrm>
+          <a:prstGeom prst="rect">
+            <a:avLst/>
+          </a:prstGeom>
+          <a:solidFill>
+            <a:schemeClr val="bg1"/>
+          </a:solidFill>
           <a:ln>
             <a:solidFill>
               <a:schemeClr val="tx1"/>
@@ -11488,8 +12525,8 @@
               <a:t>SSL-VPN</a:t>
             </a:r>
             <a:r>
-              <a:rPr kumimoji="1" lang="ja-JP" altLang="en-US" b="1"/>
-              <a:t>　</a:t>
+              <a:rPr lang="en-US" altLang="ja-JP" b="1" dirty="0"/>
+              <a:t> </a:t>
             </a:r>
             <a:r>
               <a:rPr kumimoji="1" lang="en-US" altLang="ja-JP" b="1" dirty="0"/>
@@ -11503,7 +12540,15 @@
             </a:r>
             <a:r>
               <a:rPr kumimoji="1" lang="ja-JP" altLang="en-US" b="1"/>
-              <a:t>リバース　プロキシ</a:t>
+              <a:t>リバース</a:t>
+            </a:r>
+            <a:r>
+              <a:rPr kumimoji="1" lang="en-US" altLang="ja-JP" b="1" dirty="0"/>
+              <a:t> </a:t>
+            </a:r>
+            <a:r>
+              <a:rPr kumimoji="1" lang="ja-JP" altLang="en-US" b="1"/>
+              <a:t>プロキシ</a:t>
             </a:r>
             <a:r>
               <a:rPr kumimoji="1" lang="en-US" altLang="ja-JP" b="1" dirty="0"/>
@@ -12048,8 +13093,8 @@
         </p:nvSpPr>
         <p:spPr>
           <a:xfrm>
-            <a:off x="7254750" y="1972354"/>
-            <a:ext cx="3904390" cy="4237022"/>
+            <a:off x="6690633" y="893135"/>
+            <a:ext cx="4994547" cy="4562690"/>
           </a:xfrm>
           <a:prstGeom prst="rect">
             <a:avLst/>
@@ -12086,10 +13131,10 @@
       </p:sp>
       <p:pic>
         <p:nvPicPr>
-          <p:cNvPr id="7" name="図 6">
-            <a:extLst>
-              <a:ext uri="{FF2B5EF4-FFF2-40B4-BE49-F238E27FC236}">
-                <a16:creationId xmlns:a16="http://schemas.microsoft.com/office/drawing/2014/main" id="{AE0FB9F9-6600-BA4D-AAF1-57213BBEED57}"/>
+          <p:cNvPr id="3" name="図 2">
+            <a:extLst>
+              <a:ext uri="{FF2B5EF4-FFF2-40B4-BE49-F238E27FC236}">
+                <a16:creationId xmlns:a16="http://schemas.microsoft.com/office/drawing/2014/main" id="{2E81228E-8F58-544A-983D-DB7DEDC91DBE}"/>
               </a:ext>
             </a:extLst>
           </p:cNvPr>
@@ -12106,20 +13151,214 @@
         </p:blipFill>
         <p:spPr>
           <a:xfrm>
-            <a:off x="6986130" y="3671765"/>
-            <a:ext cx="520700" cy="838200"/>
+            <a:off x="731676" y="548147"/>
+            <a:ext cx="1143000" cy="812800"/>
           </a:xfrm>
           <a:prstGeom prst="rect">
             <a:avLst/>
           </a:prstGeom>
         </p:spPr>
       </p:pic>
+      <p:sp>
+        <p:nvSpPr>
+          <p:cNvPr id="27" name="正方形/長方形 26">
+            <a:extLst>
+              <a:ext uri="{FF2B5EF4-FFF2-40B4-BE49-F238E27FC236}">
+                <a16:creationId xmlns:a16="http://schemas.microsoft.com/office/drawing/2014/main" id="{54BBC2F4-BFAC-5244-9A87-CF8ED664F807}"/>
+              </a:ext>
+            </a:extLst>
+          </p:cNvPr>
+          <p:cNvSpPr/>
+          <p:nvPr/>
+        </p:nvSpPr>
+        <p:spPr>
+          <a:xfrm>
+            <a:off x="7550587" y="476418"/>
+            <a:ext cx="2911850" cy="742385"/>
+          </a:xfrm>
+          <a:prstGeom prst="rect">
+            <a:avLst/>
+          </a:prstGeom>
+        </p:spPr>
+        <p:style>
+          <a:lnRef idx="2">
+            <a:schemeClr val="accent1">
+              <a:shade val="50000"/>
+            </a:schemeClr>
+          </a:lnRef>
+          <a:fillRef idx="1">
+            <a:schemeClr val="accent1"/>
+          </a:fillRef>
+          <a:effectRef idx="0">
+            <a:schemeClr val="accent1"/>
+          </a:effectRef>
+          <a:fontRef idx="minor">
+            <a:schemeClr val="lt1"/>
+          </a:fontRef>
+        </p:style>
+        <p:txBody>
+          <a:bodyPr rtlCol="0" anchor="ctr"/>
+          <a:lstStyle/>
+          <a:p>
+            <a:pPr algn="ctr"/>
+            <a:r>
+              <a:rPr lang="ja-JP" altLang="en-US"/>
+              <a:t>ローカル</a:t>
+            </a:r>
+            <a:r>
+              <a:rPr kumimoji="1" lang="ja-JP" altLang="en-US"/>
+              <a:t>ネットワーク</a:t>
+            </a:r>
+          </a:p>
+        </p:txBody>
+      </p:sp>
+      <p:sp>
+        <p:nvSpPr>
+          <p:cNvPr id="29" name="雲 28">
+            <a:extLst>
+              <a:ext uri="{FF2B5EF4-FFF2-40B4-BE49-F238E27FC236}">
+                <a16:creationId xmlns:a16="http://schemas.microsoft.com/office/drawing/2014/main" id="{3A823A53-72E5-5B4A-A5B2-C4219099BB07}"/>
+              </a:ext>
+            </a:extLst>
+          </p:cNvPr>
+          <p:cNvSpPr/>
+          <p:nvPr/>
+        </p:nvSpPr>
+        <p:spPr>
+          <a:xfrm>
+            <a:off x="2607276" y="2211345"/>
+            <a:ext cx="2719635" cy="1395214"/>
+          </a:xfrm>
+          <a:prstGeom prst="cloud">
+            <a:avLst/>
+          </a:prstGeom>
+          <a:solidFill>
+            <a:schemeClr val="bg1"/>
+          </a:solidFill>
+          <a:ln w="31750"/>
+        </p:spPr>
+        <p:style>
+          <a:lnRef idx="2">
+            <a:schemeClr val="accent1">
+              <a:shade val="50000"/>
+            </a:schemeClr>
+          </a:lnRef>
+          <a:fillRef idx="1">
+            <a:schemeClr val="accent1"/>
+          </a:fillRef>
+          <a:effectRef idx="0">
+            <a:schemeClr val="accent1"/>
+          </a:effectRef>
+          <a:fontRef idx="minor">
+            <a:schemeClr val="lt1"/>
+          </a:fontRef>
+        </p:style>
+        <p:txBody>
+          <a:bodyPr rtlCol="0" anchor="ctr"/>
+          <a:lstStyle/>
+          <a:p>
+            <a:pPr algn="ctr"/>
+            <a:r>
+              <a:rPr kumimoji="1" lang="en-US" altLang="ja-JP" sz="2000" dirty="0">
+                <a:solidFill>
+                  <a:sysClr val="windowText" lastClr="000000"/>
+                </a:solidFill>
+              </a:rPr>
+              <a:t>Internet</a:t>
+            </a:r>
+            <a:endParaRPr kumimoji="1" lang="ja-JP" altLang="en-US" sz="1200">
+              <a:solidFill>
+                <a:sysClr val="windowText" lastClr="000000"/>
+              </a:solidFill>
+            </a:endParaRPr>
+          </a:p>
+        </p:txBody>
+      </p:sp>
+      <p:cxnSp>
+        <p:nvCxnSpPr>
+          <p:cNvPr id="31" name="直線コネクタ 30">
+            <a:extLst>
+              <a:ext uri="{FF2B5EF4-FFF2-40B4-BE49-F238E27FC236}">
+                <a16:creationId xmlns:a16="http://schemas.microsoft.com/office/drawing/2014/main" id="{0FE905DA-86EC-C94F-88B3-74C7501D2172}"/>
+              </a:ext>
+            </a:extLst>
+          </p:cNvPr>
+          <p:cNvCxnSpPr>
+            <a:cxnSpLocks/>
+            <a:stCxn id="29" idx="0"/>
+            <a:endCxn id="7" idx="1"/>
+          </p:cNvCxnSpPr>
+          <p:nvPr/>
+        </p:nvCxnSpPr>
+        <p:spPr>
+          <a:xfrm>
+            <a:off x="5324645" y="2908952"/>
+            <a:ext cx="950111" cy="134809"/>
+          </a:xfrm>
+          <a:prstGeom prst="line">
+            <a:avLst/>
+          </a:prstGeom>
+          <a:ln w="34925" cap="rnd">
+            <a:tailEnd type="oval"/>
+          </a:ln>
+        </p:spPr>
+        <p:style>
+          <a:lnRef idx="1">
+            <a:schemeClr val="accent1"/>
+          </a:lnRef>
+          <a:fillRef idx="0">
+            <a:schemeClr val="accent1"/>
+          </a:fillRef>
+          <a:effectRef idx="0">
+            <a:schemeClr val="accent1"/>
+          </a:effectRef>
+          <a:fontRef idx="minor">
+            <a:schemeClr val="tx1"/>
+          </a:fontRef>
+        </p:style>
+      </p:cxnSp>
+      <p:sp>
+        <p:nvSpPr>
+          <p:cNvPr id="2" name="テキスト ボックス 1">
+            <a:extLst>
+              <a:ext uri="{FF2B5EF4-FFF2-40B4-BE49-F238E27FC236}">
+                <a16:creationId xmlns:a16="http://schemas.microsoft.com/office/drawing/2014/main" id="{AF44FE1C-235B-1F42-A57A-09876692FBEB}"/>
+              </a:ext>
+            </a:extLst>
+          </p:cNvPr>
+          <p:cNvSpPr txBox="1"/>
+          <p:nvPr/>
+        </p:nvSpPr>
+        <p:spPr>
+          <a:xfrm>
+            <a:off x="926489" y="1415654"/>
+            <a:ext cx="1089764" cy="369332"/>
+          </a:xfrm>
+          <a:prstGeom prst="rect">
+            <a:avLst/>
+          </a:prstGeom>
+          <a:noFill/>
+        </p:spPr>
+        <p:txBody>
+          <a:bodyPr wrap="square" rtlCol="0">
+            <a:spAutoFit/>
+          </a:bodyPr>
+          <a:lstStyle/>
+          <a:p>
+            <a:r>
+              <a:rPr kumimoji="1" lang="en-US" altLang="ja-JP" dirty="0"/>
+              <a:t>Client</a:t>
+            </a:r>
+            <a:endParaRPr kumimoji="1" lang="ja-JP" altLang="en-US"/>
+          </a:p>
+        </p:txBody>
+      </p:sp>
       <p:pic>
         <p:nvPicPr>
-          <p:cNvPr id="9" name="図 8">
-            <a:extLst>
-              <a:ext uri="{FF2B5EF4-FFF2-40B4-BE49-F238E27FC236}">
-                <a16:creationId xmlns:a16="http://schemas.microsoft.com/office/drawing/2014/main" id="{0E823936-F079-FF49-A790-F0512C155A9A}"/>
+          <p:cNvPr id="13" name="図 12">
+            <a:extLst>
+              <a:ext uri="{FF2B5EF4-FFF2-40B4-BE49-F238E27FC236}">
+                <a16:creationId xmlns:a16="http://schemas.microsoft.com/office/drawing/2014/main" id="{CA959EE7-8BCD-4645-8817-BE2923486D80}"/>
               </a:ext>
             </a:extLst>
           </p:cNvPr>
@@ -12136,8 +13375,8 @@
         </p:blipFill>
         <p:spPr>
           <a:xfrm>
-            <a:off x="10423429" y="2490665"/>
-            <a:ext cx="571500" cy="800100"/>
+            <a:off x="9590335" y="1347744"/>
+            <a:ext cx="838200" cy="863600"/>
           </a:xfrm>
           <a:prstGeom prst="rect">
             <a:avLst/>
@@ -12146,10 +13385,10 @@
       </p:pic>
       <p:pic>
         <p:nvPicPr>
-          <p:cNvPr id="10" name="図 9">
-            <a:extLst>
-              <a:ext uri="{FF2B5EF4-FFF2-40B4-BE49-F238E27FC236}">
-                <a16:creationId xmlns:a16="http://schemas.microsoft.com/office/drawing/2014/main" id="{7995FC5E-9608-F149-AC4C-5CEBF2DC63CC}"/>
+          <p:cNvPr id="34" name="図 33">
+            <a:extLst>
+              <a:ext uri="{FF2B5EF4-FFF2-40B4-BE49-F238E27FC236}">
+                <a16:creationId xmlns:a16="http://schemas.microsoft.com/office/drawing/2014/main" id="{197B6052-9457-5043-933D-DD48F68F4897}"/>
               </a:ext>
             </a:extLst>
           </p:cNvPr>
@@ -12166,8 +13405,8 @@
         </p:blipFill>
         <p:spPr>
           <a:xfrm>
-            <a:off x="10421313" y="4890965"/>
-            <a:ext cx="571500" cy="800100"/>
+            <a:off x="10570112" y="3043761"/>
+            <a:ext cx="838200" cy="863600"/>
           </a:xfrm>
           <a:prstGeom prst="rect">
             <a:avLst/>
@@ -12176,10 +13415,10 @@
       </p:pic>
       <p:pic>
         <p:nvPicPr>
-          <p:cNvPr id="12" name="図 11">
-            <a:extLst>
-              <a:ext uri="{FF2B5EF4-FFF2-40B4-BE49-F238E27FC236}">
-                <a16:creationId xmlns:a16="http://schemas.microsoft.com/office/drawing/2014/main" id="{B9054421-9209-A445-912D-EE6DB062319E}"/>
+          <p:cNvPr id="35" name="図 34">
+            <a:extLst>
+              <a:ext uri="{FF2B5EF4-FFF2-40B4-BE49-F238E27FC236}">
+                <a16:creationId xmlns:a16="http://schemas.microsoft.com/office/drawing/2014/main" id="{CC056E52-1238-5B41-ADB1-87FE648A474A}"/>
               </a:ext>
             </a:extLst>
           </p:cNvPr>
@@ -12189,48 +13428,346 @@
           <p:nvPr/>
         </p:nvPicPr>
         <p:blipFill>
-          <a:blip r:embed="rId5"/>
+          <a:blip r:embed="rId4"/>
           <a:stretch>
             <a:fillRect/>
           </a:stretch>
         </p:blipFill>
         <p:spPr>
           <a:xfrm>
-            <a:off x="8595139" y="3746122"/>
-            <a:ext cx="711200" cy="711200"/>
+            <a:off x="9052259" y="3830948"/>
+            <a:ext cx="838200" cy="863600"/>
           </a:xfrm>
           <a:prstGeom prst="rect">
             <a:avLst/>
           </a:prstGeom>
         </p:spPr>
       </p:pic>
+      <p:sp>
+        <p:nvSpPr>
+          <p:cNvPr id="21" name="円柱 20">
+            <a:extLst>
+              <a:ext uri="{FF2B5EF4-FFF2-40B4-BE49-F238E27FC236}">
+                <a16:creationId xmlns:a16="http://schemas.microsoft.com/office/drawing/2014/main" id="{41FA49EE-187D-9C40-BCAE-D11728F60A5E}"/>
+              </a:ext>
+            </a:extLst>
+          </p:cNvPr>
+          <p:cNvSpPr/>
+          <p:nvPr/>
+        </p:nvSpPr>
+        <p:spPr>
+          <a:xfrm rot="17578852">
+            <a:off x="3718266" y="268813"/>
+            <a:ext cx="931908" cy="4383418"/>
+          </a:xfrm>
+          <a:prstGeom prst="can">
+            <a:avLst/>
+          </a:prstGeom>
+          <a:solidFill>
+            <a:schemeClr val="accent1">
+              <a:alpha val="61000"/>
+            </a:schemeClr>
+          </a:solidFill>
+        </p:spPr>
+        <p:style>
+          <a:lnRef idx="2">
+            <a:schemeClr val="accent1">
+              <a:shade val="50000"/>
+            </a:schemeClr>
+          </a:lnRef>
+          <a:fillRef idx="1">
+            <a:schemeClr val="accent1"/>
+          </a:fillRef>
+          <a:effectRef idx="0">
+            <a:schemeClr val="accent1"/>
+          </a:effectRef>
+          <a:fontRef idx="minor">
+            <a:schemeClr val="lt1"/>
+          </a:fontRef>
+        </p:style>
+        <p:txBody>
+          <a:bodyPr vert="vert" rtlCol="0" anchor="ctr"/>
+          <a:lstStyle/>
+          <a:p>
+            <a:pPr algn="ctr"/>
+            <a:r>
+              <a:rPr lang="en-US" altLang="ja-JP" dirty="0"/>
+              <a:t>HTTPS</a:t>
+            </a:r>
+            <a:r>
+              <a:rPr kumimoji="1" lang="ja-JP" altLang="en-US"/>
+              <a:t> </a:t>
+            </a:r>
+            <a:r>
+              <a:rPr kumimoji="1" lang="en-US" altLang="ja-JP" dirty="0"/>
+              <a:t>(</a:t>
+            </a:r>
+            <a:r>
+              <a:rPr kumimoji="1" lang="ja-JP" altLang="en-US"/>
+              <a:t>暗号化されている</a:t>
+            </a:r>
+            <a:r>
+              <a:rPr lang="ja-JP" altLang="en-US"/>
+              <a:t>）</a:t>
+            </a:r>
+            <a:endParaRPr kumimoji="1" lang="ja-JP" altLang="en-US"/>
+          </a:p>
+        </p:txBody>
+      </p:sp>
+      <p:sp>
+        <p:nvSpPr>
+          <p:cNvPr id="51" name="テキスト ボックス 50">
+            <a:extLst>
+              <a:ext uri="{FF2B5EF4-FFF2-40B4-BE49-F238E27FC236}">
+                <a16:creationId xmlns:a16="http://schemas.microsoft.com/office/drawing/2014/main" id="{1418273C-C3BD-AD4F-820B-6161FDB03706}"/>
+              </a:ext>
+            </a:extLst>
+          </p:cNvPr>
+          <p:cNvSpPr txBox="1"/>
+          <p:nvPr/>
+        </p:nvSpPr>
+        <p:spPr>
+          <a:xfrm>
+            <a:off x="8968796" y="4694548"/>
+            <a:ext cx="1173719" cy="369332"/>
+          </a:xfrm>
+          <a:prstGeom prst="rect">
+            <a:avLst/>
+          </a:prstGeom>
+          <a:noFill/>
+        </p:spPr>
+        <p:txBody>
+          <a:bodyPr wrap="none" rtlCol="0">
+            <a:spAutoFit/>
+          </a:bodyPr>
+          <a:lstStyle/>
+          <a:p>
+            <a:r>
+              <a:rPr kumimoji="1" lang="ja-JP" altLang="en-US"/>
+              <a:t>サーバ３</a:t>
+            </a:r>
+            <a:r>
+              <a:rPr kumimoji="1" lang="en-US" altLang="ja-JP" dirty="0"/>
+              <a:t> </a:t>
+            </a:r>
+            <a:endParaRPr kumimoji="1" lang="ja-JP" altLang="en-US" sz="1600"/>
+          </a:p>
+        </p:txBody>
+      </p:sp>
+      <p:sp>
+        <p:nvSpPr>
+          <p:cNvPr id="52" name="テキスト ボックス 51">
+            <a:extLst>
+              <a:ext uri="{FF2B5EF4-FFF2-40B4-BE49-F238E27FC236}">
+                <a16:creationId xmlns:a16="http://schemas.microsoft.com/office/drawing/2014/main" id="{98B91079-A2BB-8A44-9A31-094DE70CBF40}"/>
+              </a:ext>
+            </a:extLst>
+          </p:cNvPr>
+          <p:cNvSpPr txBox="1"/>
+          <p:nvPr/>
+        </p:nvSpPr>
+        <p:spPr>
+          <a:xfrm>
+            <a:off x="10247370" y="3878629"/>
+            <a:ext cx="1107996" cy="369332"/>
+          </a:xfrm>
+          <a:prstGeom prst="rect">
+            <a:avLst/>
+          </a:prstGeom>
+          <a:noFill/>
+        </p:spPr>
+        <p:txBody>
+          <a:bodyPr wrap="none" rtlCol="0">
+            <a:spAutoFit/>
+          </a:bodyPr>
+          <a:lstStyle/>
+          <a:p>
+            <a:r>
+              <a:rPr kumimoji="1" lang="ja-JP" altLang="en-US"/>
+              <a:t>サーバ２</a:t>
+            </a:r>
+          </a:p>
+        </p:txBody>
+      </p:sp>
+      <p:sp>
+        <p:nvSpPr>
+          <p:cNvPr id="53" name="テキスト ボックス 52">
+            <a:extLst>
+              <a:ext uri="{FF2B5EF4-FFF2-40B4-BE49-F238E27FC236}">
+                <a16:creationId xmlns:a16="http://schemas.microsoft.com/office/drawing/2014/main" id="{D74B0B36-D4EE-4D49-8E4D-A0CE53E39FA8}"/>
+              </a:ext>
+            </a:extLst>
+          </p:cNvPr>
+          <p:cNvSpPr txBox="1"/>
+          <p:nvPr/>
+        </p:nvSpPr>
+        <p:spPr>
+          <a:xfrm>
+            <a:off x="9401384" y="2217099"/>
+            <a:ext cx="1107996" cy="369332"/>
+          </a:xfrm>
+          <a:prstGeom prst="rect">
+            <a:avLst/>
+          </a:prstGeom>
+          <a:noFill/>
+        </p:spPr>
+        <p:txBody>
+          <a:bodyPr wrap="none" rtlCol="0">
+            <a:spAutoFit/>
+          </a:bodyPr>
+          <a:lstStyle/>
+          <a:p>
+            <a:r>
+              <a:rPr kumimoji="1" lang="ja-JP" altLang="en-US"/>
+              <a:t>サーバ１</a:t>
+            </a:r>
+            <a:endParaRPr kumimoji="1" lang="en-US" altLang="ja-JP" dirty="0"/>
+          </a:p>
+        </p:txBody>
+      </p:sp>
+      <p:sp>
+        <p:nvSpPr>
+          <p:cNvPr id="8" name="正方形/長方形 7">
+            <a:extLst>
+              <a:ext uri="{FF2B5EF4-FFF2-40B4-BE49-F238E27FC236}">
+                <a16:creationId xmlns:a16="http://schemas.microsoft.com/office/drawing/2014/main" id="{C0D2717A-A89D-4C41-BF28-E403EAC13FD1}"/>
+              </a:ext>
+            </a:extLst>
+          </p:cNvPr>
+          <p:cNvSpPr/>
+          <p:nvPr/>
+        </p:nvSpPr>
+        <p:spPr>
+          <a:xfrm>
+            <a:off x="5338633" y="1451481"/>
+            <a:ext cx="2770197" cy="4048330"/>
+          </a:xfrm>
+          <a:prstGeom prst="rect">
+            <a:avLst/>
+          </a:prstGeom>
+          <a:solidFill>
+            <a:schemeClr val="accent5">
+              <a:lumMod val="40000"/>
+              <a:lumOff val="60000"/>
+              <a:alpha val="68000"/>
+            </a:schemeClr>
+          </a:solidFill>
+        </p:spPr>
+        <p:style>
+          <a:lnRef idx="2">
+            <a:schemeClr val="accent1">
+              <a:shade val="50000"/>
+            </a:schemeClr>
+          </a:lnRef>
+          <a:fillRef idx="1">
+            <a:schemeClr val="accent1"/>
+          </a:fillRef>
+          <a:effectRef idx="0">
+            <a:schemeClr val="accent1"/>
+          </a:effectRef>
+          <a:fontRef idx="minor">
+            <a:schemeClr val="lt1"/>
+          </a:fontRef>
+        </p:style>
+        <p:txBody>
+          <a:bodyPr rtlCol="0" anchor="ctr"/>
+          <a:lstStyle/>
+          <a:p>
+            <a:pPr algn="ctr"/>
+            <a:endParaRPr kumimoji="1" lang="ja-JP" altLang="en-US"/>
+          </a:p>
+        </p:txBody>
+      </p:sp>
+      <p:sp>
+        <p:nvSpPr>
+          <p:cNvPr id="48" name="テキスト ボックス 47">
+            <a:extLst>
+              <a:ext uri="{FF2B5EF4-FFF2-40B4-BE49-F238E27FC236}">
+                <a16:creationId xmlns:a16="http://schemas.microsoft.com/office/drawing/2014/main" id="{271BFD0A-EC31-5046-9490-560DA9C36BD6}"/>
+              </a:ext>
+            </a:extLst>
+          </p:cNvPr>
+          <p:cNvSpPr txBox="1"/>
+          <p:nvPr/>
+        </p:nvSpPr>
+        <p:spPr>
+          <a:xfrm>
+            <a:off x="5475093" y="3746624"/>
+            <a:ext cx="2282997" cy="646331"/>
+          </a:xfrm>
+          <a:prstGeom prst="rect">
+            <a:avLst/>
+          </a:prstGeom>
+          <a:solidFill>
+            <a:schemeClr val="bg1"/>
+          </a:solidFill>
+          <a:ln>
+            <a:solidFill>
+              <a:schemeClr val="tx1"/>
+            </a:solidFill>
+          </a:ln>
+        </p:spPr>
+        <p:txBody>
+          <a:bodyPr wrap="none" rtlCol="0">
+            <a:spAutoFit/>
+          </a:bodyPr>
+          <a:lstStyle/>
+          <a:p>
+            <a:r>
+              <a:rPr kumimoji="1" lang="en-US" altLang="ja-JP" b="1" dirty="0"/>
+              <a:t>SSL-VPN Gateway</a:t>
+            </a:r>
+          </a:p>
+          <a:p>
+            <a:r>
+              <a:rPr lang="en-US" altLang="ja-JP" b="1" dirty="0"/>
+              <a:t>(</a:t>
+            </a:r>
+            <a:r>
+              <a:rPr kumimoji="1" lang="ja-JP" altLang="en-US" b="1"/>
+              <a:t>リバース</a:t>
+            </a:r>
+            <a:r>
+              <a:rPr kumimoji="1" lang="en-US" altLang="ja-JP" b="1" dirty="0"/>
+              <a:t> </a:t>
+            </a:r>
+            <a:r>
+              <a:rPr kumimoji="1" lang="ja-JP" altLang="en-US" b="1"/>
+              <a:t>プロキシ</a:t>
+            </a:r>
+            <a:r>
+              <a:rPr kumimoji="1" lang="en-US" altLang="ja-JP" b="1" dirty="0"/>
+              <a:t>)</a:t>
+            </a:r>
+            <a:endParaRPr kumimoji="1" lang="ja-JP" altLang="en-US" b="1"/>
+          </a:p>
+        </p:txBody>
+      </p:sp>
       <p:cxnSp>
         <p:nvCxnSpPr>
-          <p:cNvPr id="14" name="直線コネクタ 13">
-            <a:extLst>
-              <a:ext uri="{FF2B5EF4-FFF2-40B4-BE49-F238E27FC236}">
-                <a16:creationId xmlns:a16="http://schemas.microsoft.com/office/drawing/2014/main" id="{859BD285-B99E-354E-AE49-99032F454AF1}"/>
+          <p:cNvPr id="32" name="直線矢印コネクタ 31">
+            <a:extLst>
+              <a:ext uri="{FF2B5EF4-FFF2-40B4-BE49-F238E27FC236}">
+                <a16:creationId xmlns:a16="http://schemas.microsoft.com/office/drawing/2014/main" id="{2E1CE2B6-2654-3047-B33B-7DC2D9D7F6AF}"/>
               </a:ext>
             </a:extLst>
           </p:cNvPr>
           <p:cNvCxnSpPr>
             <a:cxnSpLocks/>
-            <a:stCxn id="12" idx="3"/>
-            <a:endCxn id="9" idx="1"/>
           </p:cNvCxnSpPr>
           <p:nvPr/>
         </p:nvCxnSpPr>
         <p:spPr>
           <a:xfrm flipV="1">
-            <a:off x="9306339" y="2890715"/>
-            <a:ext cx="1117090" cy="1211007"/>
-          </a:xfrm>
-          <a:prstGeom prst="line">
-            <a:avLst/>
-          </a:prstGeom>
-          <a:ln w="44450">
-            <a:headEnd type="oval"/>
-            <a:tailEnd type="oval"/>
+            <a:off x="7175951" y="1784986"/>
+            <a:ext cx="2359478" cy="1064540"/>
+          </a:xfrm>
+          <a:prstGeom prst="straightConnector1">
+            <a:avLst/>
+          </a:prstGeom>
+          <a:ln w="57150">
+            <a:headEnd type="triangle"/>
+            <a:tailEnd type="triangle"/>
           </a:ln>
         </p:spPr>
         <p:style>
@@ -12250,31 +13787,29 @@
       </p:cxnSp>
       <p:cxnSp>
         <p:nvCxnSpPr>
-          <p:cNvPr id="18" name="直線コネクタ 17">
-            <a:extLst>
-              <a:ext uri="{FF2B5EF4-FFF2-40B4-BE49-F238E27FC236}">
-                <a16:creationId xmlns:a16="http://schemas.microsoft.com/office/drawing/2014/main" id="{0234DF0F-A6E4-F347-B6EA-E8460DA0407C}"/>
+          <p:cNvPr id="49" name="直線矢印コネクタ 48">
+            <a:extLst>
+              <a:ext uri="{FF2B5EF4-FFF2-40B4-BE49-F238E27FC236}">
+                <a16:creationId xmlns:a16="http://schemas.microsoft.com/office/drawing/2014/main" id="{61C61BFE-2B6F-3D45-8C67-DC5A446D3D8E}"/>
               </a:ext>
             </a:extLst>
           </p:cNvPr>
           <p:cNvCxnSpPr>
             <a:cxnSpLocks/>
-            <a:stCxn id="12" idx="3"/>
-            <a:endCxn id="10" idx="1"/>
           </p:cNvCxnSpPr>
           <p:nvPr/>
         </p:nvCxnSpPr>
         <p:spPr>
           <a:xfrm>
-            <a:off x="9306339" y="4101722"/>
-            <a:ext cx="1114974" cy="1189293"/>
-          </a:xfrm>
-          <a:prstGeom prst="line">
-            <a:avLst/>
-          </a:prstGeom>
-          <a:ln w="44450">
-            <a:headEnd type="oval"/>
-            <a:tailEnd type="oval"/>
+            <a:off x="7230985" y="3100695"/>
+            <a:ext cx="3131189" cy="272349"/>
+          </a:xfrm>
+          <a:prstGeom prst="straightConnector1">
+            <a:avLst/>
+          </a:prstGeom>
+          <a:ln w="57150">
+            <a:headEnd type="triangle"/>
+            <a:tailEnd type="triangle"/>
           </a:ln>
         </p:spPr>
         <p:style>
@@ -12294,30 +13829,29 @@
       </p:cxnSp>
       <p:cxnSp>
         <p:nvCxnSpPr>
-          <p:cNvPr id="24" name="直線コネクタ 23">
-            <a:extLst>
-              <a:ext uri="{FF2B5EF4-FFF2-40B4-BE49-F238E27FC236}">
-                <a16:creationId xmlns:a16="http://schemas.microsoft.com/office/drawing/2014/main" id="{3E298A39-F658-7944-B761-180770696926}"/>
+          <p:cNvPr id="50" name="直線矢印コネクタ 49">
+            <a:extLst>
+              <a:ext uri="{FF2B5EF4-FFF2-40B4-BE49-F238E27FC236}">
+                <a16:creationId xmlns:a16="http://schemas.microsoft.com/office/drawing/2014/main" id="{570A16F8-53F6-464C-A6C4-C9F404C3BA6D}"/>
               </a:ext>
             </a:extLst>
           </p:cNvPr>
           <p:cNvCxnSpPr>
             <a:cxnSpLocks/>
-            <a:endCxn id="12" idx="1"/>
           </p:cNvCxnSpPr>
           <p:nvPr/>
         </p:nvCxnSpPr>
         <p:spPr>
           <a:xfrm>
-            <a:off x="7506830" y="4090865"/>
-            <a:ext cx="1088309" cy="10857"/>
-          </a:xfrm>
-          <a:prstGeom prst="line">
-            <a:avLst/>
-          </a:prstGeom>
-          <a:ln w="38100">
-            <a:headEnd type="oval"/>
-            <a:tailEnd type="oval"/>
+            <a:off x="7314448" y="3373044"/>
+            <a:ext cx="1654348" cy="1068633"/>
+          </a:xfrm>
+          <a:prstGeom prst="straightConnector1">
+            <a:avLst/>
+          </a:prstGeom>
+          <a:ln w="57150">
+            <a:headEnd type="triangle"/>
+            <a:tailEnd type="triangle"/>
           </a:ln>
         </p:spPr>
         <p:style>
@@ -12335,12 +13869,42 @@
           </a:fontRef>
         </p:style>
       </p:cxnSp>
-      <p:sp>
-        <p:nvSpPr>
-          <p:cNvPr id="27" name="正方形/長方形 26">
-            <a:extLst>
-              <a:ext uri="{FF2B5EF4-FFF2-40B4-BE49-F238E27FC236}">
-                <a16:creationId xmlns:a16="http://schemas.microsoft.com/office/drawing/2014/main" id="{54BBC2F4-BFAC-5244-9A87-CF8ED664F807}"/>
+      <p:pic>
+        <p:nvPicPr>
+          <p:cNvPr id="7" name="図 6">
+            <a:extLst>
+              <a:ext uri="{FF2B5EF4-FFF2-40B4-BE49-F238E27FC236}">
+                <a16:creationId xmlns:a16="http://schemas.microsoft.com/office/drawing/2014/main" id="{AE0FB9F9-6600-BA4D-AAF1-57213BBEED57}"/>
+              </a:ext>
+            </a:extLst>
+          </p:cNvPr>
+          <p:cNvPicPr>
+            <a:picLocks noChangeAspect="1"/>
+          </p:cNvPicPr>
+          <p:nvPr/>
+        </p:nvPicPr>
+        <p:blipFill>
+          <a:blip r:embed="rId5"/>
+          <a:stretch>
+            <a:fillRect/>
+          </a:stretch>
+        </p:blipFill>
+        <p:spPr>
+          <a:xfrm>
+            <a:off x="6274756" y="2374300"/>
+            <a:ext cx="831754" cy="1338921"/>
+          </a:xfrm>
+          <a:prstGeom prst="rect">
+            <a:avLst/>
+          </a:prstGeom>
+        </p:spPr>
+      </p:pic>
+      <p:sp>
+        <p:nvSpPr>
+          <p:cNvPr id="9" name="正方形/長方形 8">
+            <a:extLst>
+              <a:ext uri="{FF2B5EF4-FFF2-40B4-BE49-F238E27FC236}">
+                <a16:creationId xmlns:a16="http://schemas.microsoft.com/office/drawing/2014/main" id="{6D64E3B1-64A0-A540-9062-C3E92092FDA3}"/>
               </a:ext>
             </a:extLst>
           </p:cNvPr>
@@ -12348,13 +13912,19 @@
           <p:nvPr/>
         </p:nvSpPr>
         <p:spPr>
-          <a:xfrm>
-            <a:off x="7990424" y="1460267"/>
-            <a:ext cx="2333789" cy="742385"/>
-          </a:xfrm>
-          <a:prstGeom prst="rect">
-            <a:avLst/>
-          </a:prstGeom>
+          <a:xfrm rot="1448260">
+            <a:off x="1851610" y="1181382"/>
+            <a:ext cx="914400" cy="913177"/>
+          </a:xfrm>
+          <a:prstGeom prst="rect">
+            <a:avLst/>
+          </a:prstGeom>
+          <a:solidFill>
+            <a:schemeClr val="accent5">
+              <a:lumMod val="40000"/>
+              <a:lumOff val="60000"/>
+            </a:schemeClr>
+          </a:solidFill>
         </p:spPr>
         <p:style>
           <a:lnRef idx="2">
@@ -12378,22 +13948,186 @@
           <a:p>
             <a:pPr algn="ctr"/>
             <a:r>
+              <a:rPr kumimoji="1" lang="ja-JP" altLang="en-US">
+                <a:solidFill>
+                  <a:sysClr val="windowText" lastClr="000000"/>
+                </a:solidFill>
+              </a:rPr>
+              <a:t>アプレット</a:t>
+            </a:r>
+          </a:p>
+        </p:txBody>
+      </p:sp>
+      <p:sp>
+        <p:nvSpPr>
+          <p:cNvPr id="10" name="テキスト ボックス 9">
+            <a:extLst>
+              <a:ext uri="{FF2B5EF4-FFF2-40B4-BE49-F238E27FC236}">
+                <a16:creationId xmlns:a16="http://schemas.microsoft.com/office/drawing/2014/main" id="{45113468-15CE-0F47-A18D-5EC44C0CF85C}"/>
+              </a:ext>
+            </a:extLst>
+          </p:cNvPr>
+          <p:cNvSpPr txBox="1"/>
+          <p:nvPr/>
+        </p:nvSpPr>
+        <p:spPr>
+          <a:xfrm>
+            <a:off x="4553205" y="4492418"/>
+            <a:ext cx="3558988" cy="1015663"/>
+          </a:xfrm>
+          <a:prstGeom prst="rect">
+            <a:avLst/>
+          </a:prstGeom>
+          <a:noFill/>
+          <a:ln>
+            <a:solidFill>
+              <a:schemeClr val="tx1"/>
+            </a:solidFill>
+          </a:ln>
+        </p:spPr>
+        <p:txBody>
+          <a:bodyPr wrap="none" rtlCol="0">
+            <a:spAutoFit/>
+          </a:bodyPr>
+          <a:lstStyle/>
+          <a:p>
+            <a:r>
               <a:rPr lang="ja-JP" altLang="en-US"/>
-              <a:t>ローカル</a:t>
-            </a:r>
+              <a:t>ポート番号　</a:t>
+            </a:r>
+            <a:r>
+              <a:rPr lang="en-US" altLang="ja-JP" dirty="0"/>
+              <a:t>3333 </a:t>
+            </a:r>
+            <a:r>
+              <a:rPr lang="ja-JP" altLang="en-US" sz="2000"/>
+              <a:t>→</a:t>
+            </a:r>
+            <a:r>
+              <a:rPr lang="ja-JP" altLang="en-US"/>
+              <a:t>　サーバ１</a:t>
+            </a:r>
+            <a:endParaRPr lang="en-US" altLang="ja-JP" dirty="0"/>
+          </a:p>
+          <a:p>
             <a:r>
               <a:rPr kumimoji="1" lang="ja-JP" altLang="en-US"/>
-              <a:t>ネットワーク</a:t>
-            </a:r>
-          </a:p>
-        </p:txBody>
-      </p:sp>
-      <p:sp>
-        <p:nvSpPr>
-          <p:cNvPr id="29" name="雲 28">
-            <a:extLst>
-              <a:ext uri="{FF2B5EF4-FFF2-40B4-BE49-F238E27FC236}">
-                <a16:creationId xmlns:a16="http://schemas.microsoft.com/office/drawing/2014/main" id="{3A823A53-72E5-5B4A-A5B2-C4219099BB07}"/>
+              <a:t>ポート番号</a:t>
+            </a:r>
+            <a:r>
+              <a:rPr lang="ja-JP" altLang="en-US"/>
+              <a:t>　</a:t>
+            </a:r>
+            <a:r>
+              <a:rPr kumimoji="1" lang="en-US" altLang="ja-JP" dirty="0"/>
+              <a:t>4444 </a:t>
+            </a:r>
+            <a:r>
+              <a:rPr kumimoji="1" lang="ja-JP" altLang="en-US" sz="2000"/>
+              <a:t>→</a:t>
+            </a:r>
+            <a:r>
+              <a:rPr kumimoji="1" lang="ja-JP" altLang="en-US"/>
+              <a:t>　サーバ</a:t>
+            </a:r>
+            <a:r>
+              <a:rPr lang="ja-JP" altLang="en-US"/>
+              <a:t>２</a:t>
+            </a:r>
+            <a:endParaRPr kumimoji="1" lang="en-US" altLang="ja-JP" dirty="0"/>
+          </a:p>
+          <a:p>
+            <a:r>
+              <a:rPr lang="ja-JP" altLang="en-US"/>
+              <a:t>ポート番号　</a:t>
+            </a:r>
+            <a:r>
+              <a:rPr lang="en-US" altLang="ja-JP" dirty="0"/>
+              <a:t>5555 </a:t>
+            </a:r>
+            <a:r>
+              <a:rPr lang="ja-JP" altLang="en-US" sz="2000"/>
+              <a:t>→</a:t>
+            </a:r>
+            <a:r>
+              <a:rPr lang="ja-JP" altLang="en-US"/>
+              <a:t>　サーバ３</a:t>
+            </a:r>
+            <a:endParaRPr kumimoji="1" lang="ja-JP" altLang="en-US"/>
+          </a:p>
+        </p:txBody>
+      </p:sp>
+      <p:sp>
+        <p:nvSpPr>
+          <p:cNvPr id="11" name="テキスト ボックス 10">
+            <a:extLst>
+              <a:ext uri="{FF2B5EF4-FFF2-40B4-BE49-F238E27FC236}">
+                <a16:creationId xmlns:a16="http://schemas.microsoft.com/office/drawing/2014/main" id="{9AA51E81-D9EB-E147-BE40-682E17A2C1F9}"/>
+              </a:ext>
+            </a:extLst>
+          </p:cNvPr>
+          <p:cNvSpPr txBox="1"/>
+          <p:nvPr/>
+        </p:nvSpPr>
+        <p:spPr>
+          <a:xfrm>
+            <a:off x="3306710" y="5590603"/>
+            <a:ext cx="2492990" cy="369332"/>
+          </a:xfrm>
+          <a:prstGeom prst="rect">
+            <a:avLst/>
+          </a:prstGeom>
+          <a:noFill/>
+        </p:spPr>
+        <p:txBody>
+          <a:bodyPr wrap="none" rtlCol="0">
+            <a:spAutoFit/>
+          </a:bodyPr>
+          <a:lstStyle/>
+          <a:p>
+            <a:r>
+              <a:rPr kumimoji="1" lang="ja-JP" altLang="en-US"/>
+              <a:t>事前に対応付けておく</a:t>
+            </a:r>
+          </a:p>
+        </p:txBody>
+      </p:sp>
+    </p:spTree>
+    <p:extLst>
+      <p:ext uri="{BB962C8B-B14F-4D97-AF65-F5344CB8AC3E}">
+        <p14:creationId xmlns:p14="http://schemas.microsoft.com/office/powerpoint/2010/main" val="1633944391"/>
+      </p:ext>
+    </p:extLst>
+  </p:cSld>
+  <p:clrMapOvr>
+    <a:masterClrMapping/>
+  </p:clrMapOvr>
+</p:sld>
+</file>
+
+<file path=ppt/slides/slide18.xml><?xml version="1.0" encoding="utf-8"?>
+<p:sld xmlns:a="http://schemas.openxmlformats.org/drawingml/2006/main" xmlns:r="http://schemas.openxmlformats.org/officeDocument/2006/relationships" xmlns:p="http://schemas.openxmlformats.org/presentationml/2006/main">
+  <p:cSld>
+    <p:spTree>
+      <p:nvGrpSpPr>
+        <p:cNvPr id="1" name=""/>
+        <p:cNvGrpSpPr/>
+        <p:nvPr/>
+      </p:nvGrpSpPr>
+      <p:grpSpPr>
+        <a:xfrm>
+          <a:off x="0" y="0"/>
+          <a:ext cx="0" cy="0"/>
+          <a:chOff x="0" y="0"/>
+          <a:chExt cx="0" cy="0"/>
+        </a:xfrm>
+      </p:grpSpPr>
+      <p:sp>
+        <p:nvSpPr>
+          <p:cNvPr id="22" name="正方形/長方形 21">
+            <a:extLst>
+              <a:ext uri="{FF2B5EF4-FFF2-40B4-BE49-F238E27FC236}">
+                <a16:creationId xmlns:a16="http://schemas.microsoft.com/office/drawing/2014/main" id="{03DB74AC-4E92-A441-BDC8-37C351E8619A}"/>
               </a:ext>
             </a:extLst>
           </p:cNvPr>
@@ -12402,16 +14136,122 @@
         </p:nvSpPr>
         <p:spPr>
           <a:xfrm>
-            <a:off x="3359447" y="3407863"/>
-            <a:ext cx="1966248" cy="985377"/>
-          </a:xfrm>
-          <a:prstGeom prst="cloud">
+            <a:off x="7426410" y="951470"/>
+            <a:ext cx="4324865" cy="4947291"/>
+          </a:xfrm>
+          <a:prstGeom prst="rect">
             <a:avLst/>
           </a:prstGeom>
           <a:solidFill>
             <a:schemeClr val="bg1"/>
           </a:solidFill>
-          <a:ln w="31750"/>
+          <a:ln w="57150"/>
+        </p:spPr>
+        <p:style>
+          <a:lnRef idx="2">
+            <a:schemeClr val="dk1">
+              <a:shade val="50000"/>
+            </a:schemeClr>
+          </a:lnRef>
+          <a:fillRef idx="1">
+            <a:schemeClr val="dk1"/>
+          </a:fillRef>
+          <a:effectRef idx="0">
+            <a:schemeClr val="dk1"/>
+          </a:effectRef>
+          <a:fontRef idx="minor">
+            <a:schemeClr val="lt1"/>
+          </a:fontRef>
+        </p:style>
+        <p:txBody>
+          <a:bodyPr rtlCol="0" anchor="ctr"/>
+          <a:lstStyle/>
+          <a:p>
+            <a:pPr algn="ctr"/>
+            <a:endParaRPr kumimoji="1" lang="ja-JP" altLang="en-US"/>
+          </a:p>
+        </p:txBody>
+      </p:sp>
+      <p:pic>
+        <p:nvPicPr>
+          <p:cNvPr id="3" name="図 2">
+            <a:extLst>
+              <a:ext uri="{FF2B5EF4-FFF2-40B4-BE49-F238E27FC236}">
+                <a16:creationId xmlns:a16="http://schemas.microsoft.com/office/drawing/2014/main" id="{2E81228E-8F58-544A-983D-DB7DEDC91DBE}"/>
+              </a:ext>
+            </a:extLst>
+          </p:cNvPr>
+          <p:cNvPicPr>
+            <a:picLocks noChangeAspect="1"/>
+          </p:cNvPicPr>
+          <p:nvPr/>
+        </p:nvPicPr>
+        <p:blipFill>
+          <a:blip r:embed="rId3"/>
+          <a:stretch>
+            <a:fillRect/>
+          </a:stretch>
+        </p:blipFill>
+        <p:spPr>
+          <a:xfrm>
+            <a:off x="68984" y="2724852"/>
+            <a:ext cx="1553530" cy="1266851"/>
+          </a:xfrm>
+          <a:prstGeom prst="rect">
+            <a:avLst/>
+          </a:prstGeom>
+        </p:spPr>
+      </p:pic>
+      <p:pic>
+        <p:nvPicPr>
+          <p:cNvPr id="7" name="図 6">
+            <a:extLst>
+              <a:ext uri="{FF2B5EF4-FFF2-40B4-BE49-F238E27FC236}">
+                <a16:creationId xmlns:a16="http://schemas.microsoft.com/office/drawing/2014/main" id="{AE0FB9F9-6600-BA4D-AAF1-57213BBEED57}"/>
+              </a:ext>
+            </a:extLst>
+          </p:cNvPr>
+          <p:cNvPicPr>
+            <a:picLocks noChangeAspect="1"/>
+          </p:cNvPicPr>
+          <p:nvPr/>
+        </p:nvPicPr>
+        <p:blipFill>
+          <a:blip r:embed="rId4"/>
+          <a:stretch>
+            <a:fillRect/>
+          </a:stretch>
+        </p:blipFill>
+        <p:spPr>
+          <a:xfrm>
+            <a:off x="7022395" y="2606531"/>
+            <a:ext cx="845177" cy="1360529"/>
+          </a:xfrm>
+          <a:prstGeom prst="rect">
+            <a:avLst/>
+          </a:prstGeom>
+        </p:spPr>
+      </p:pic>
+      <p:sp>
+        <p:nvSpPr>
+          <p:cNvPr id="27" name="正方形/長方形 26">
+            <a:extLst>
+              <a:ext uri="{FF2B5EF4-FFF2-40B4-BE49-F238E27FC236}">
+                <a16:creationId xmlns:a16="http://schemas.microsoft.com/office/drawing/2014/main" id="{54BBC2F4-BFAC-5244-9A87-CF8ED664F807}"/>
+              </a:ext>
+            </a:extLst>
+          </p:cNvPr>
+          <p:cNvSpPr/>
+          <p:nvPr/>
+        </p:nvSpPr>
+        <p:spPr>
+          <a:xfrm>
+            <a:off x="8408659" y="553498"/>
+            <a:ext cx="2911850" cy="742385"/>
+          </a:xfrm>
+          <a:prstGeom prst="rect">
+            <a:avLst/>
+          </a:prstGeom>
         </p:spPr>
         <p:style>
           <a:lnRef idx="2">
@@ -12435,14 +14275,71 @@
           <a:p>
             <a:pPr algn="ctr"/>
             <a:r>
-              <a:rPr lang="en-US" altLang="ja-JP" sz="2000" dirty="0">
+              <a:rPr lang="ja-JP" altLang="en-US"/>
+              <a:t>ローカル</a:t>
+            </a:r>
+            <a:r>
+              <a:rPr kumimoji="1" lang="ja-JP" altLang="en-US"/>
+              <a:t>ネットワーク</a:t>
+            </a:r>
+          </a:p>
+        </p:txBody>
+      </p:sp>
+      <p:sp>
+        <p:nvSpPr>
+          <p:cNvPr id="29" name="雲 28">
+            <a:extLst>
+              <a:ext uri="{FF2B5EF4-FFF2-40B4-BE49-F238E27FC236}">
+                <a16:creationId xmlns:a16="http://schemas.microsoft.com/office/drawing/2014/main" id="{3A823A53-72E5-5B4A-A5B2-C4219099BB07}"/>
+              </a:ext>
+            </a:extLst>
+          </p:cNvPr>
+          <p:cNvSpPr/>
+          <p:nvPr/>
+        </p:nvSpPr>
+        <p:spPr>
+          <a:xfrm>
+            <a:off x="3686009" y="1692877"/>
+            <a:ext cx="3017883" cy="1709448"/>
+          </a:xfrm>
+          <a:prstGeom prst="cloud">
+            <a:avLst/>
+          </a:prstGeom>
+          <a:solidFill>
+            <a:schemeClr val="bg1"/>
+          </a:solidFill>
+          <a:ln w="31750"/>
+        </p:spPr>
+        <p:style>
+          <a:lnRef idx="2">
+            <a:schemeClr val="accent1">
+              <a:shade val="50000"/>
+            </a:schemeClr>
+          </a:lnRef>
+          <a:fillRef idx="1">
+            <a:schemeClr val="accent1"/>
+          </a:fillRef>
+          <a:effectRef idx="0">
+            <a:schemeClr val="accent1"/>
+          </a:effectRef>
+          <a:fontRef idx="minor">
+            <a:schemeClr val="lt1"/>
+          </a:fontRef>
+        </p:style>
+        <p:txBody>
+          <a:bodyPr rtlCol="0" anchor="ctr"/>
+          <a:lstStyle/>
+          <a:p>
+            <a:pPr algn="ctr"/>
+            <a:r>
+              <a:rPr kumimoji="1" lang="en-US" altLang="ja-JP" sz="2800" dirty="0">
                 <a:solidFill>
                   <a:sysClr val="windowText" lastClr="000000"/>
                 </a:solidFill>
               </a:rPr>
               <a:t>Internet</a:t>
             </a:r>
-            <a:endParaRPr kumimoji="1" lang="ja-JP" altLang="en-US" sz="2000">
+            <a:endParaRPr kumimoji="1" lang="ja-JP" altLang="en-US" sz="1600">
               <a:solidFill>
                 <a:sysClr val="windowText" lastClr="000000"/>
               </a:solidFill>
@@ -12461,14 +14358,15 @@
           </p:cNvPr>
           <p:cNvCxnSpPr>
             <a:cxnSpLocks/>
+            <a:stCxn id="29" idx="0"/>
             <a:endCxn id="7" idx="1"/>
           </p:cNvCxnSpPr>
           <p:nvPr/>
         </p:nvCxnSpPr>
         <p:spPr>
           <a:xfrm>
-            <a:off x="5943061" y="4090865"/>
-            <a:ext cx="1043069" cy="0"/>
+            <a:off x="6701377" y="2547601"/>
+            <a:ext cx="321018" cy="739195"/>
           </a:xfrm>
           <a:prstGeom prst="line">
             <a:avLst/>
@@ -12494,10 +14392,10 @@
       </p:cxnSp>
       <p:sp>
         <p:nvSpPr>
-          <p:cNvPr id="40" name="テキスト ボックス 39">
-            <a:extLst>
-              <a:ext uri="{FF2B5EF4-FFF2-40B4-BE49-F238E27FC236}">
-                <a16:creationId xmlns:a16="http://schemas.microsoft.com/office/drawing/2014/main" id="{06C657A0-B2B1-9F49-A404-C22BFF2A3153}"/>
+          <p:cNvPr id="2" name="テキスト ボックス 1">
+            <a:extLst>
+              <a:ext uri="{FF2B5EF4-FFF2-40B4-BE49-F238E27FC236}">
+                <a16:creationId xmlns:a16="http://schemas.microsoft.com/office/drawing/2014/main" id="{AF44FE1C-235B-1F42-A57A-09876692FBEB}"/>
               </a:ext>
             </a:extLst>
           </p:cNvPr>
@@ -12506,8 +14404,8 @@
         </p:nvSpPr>
         <p:spPr>
           <a:xfrm>
-            <a:off x="6155337" y="4504310"/>
-            <a:ext cx="1732875" cy="276999"/>
+            <a:off x="380343" y="4012989"/>
+            <a:ext cx="1089764" cy="369332"/>
           </a:xfrm>
           <a:prstGeom prst="rect">
             <a:avLst/>
@@ -12521,19 +14419,186 @@
           <a:lstStyle/>
           <a:p>
             <a:r>
-              <a:rPr kumimoji="1" lang="en-US" altLang="ja-JP" sz="1200" dirty="0"/>
-              <a:t>150.65.136.94</a:t>
-            </a:r>
-            <a:endParaRPr kumimoji="1" lang="ja-JP" altLang="en-US" sz="1600"/>
-          </a:p>
-        </p:txBody>
-      </p:sp>
-      <p:sp>
-        <p:nvSpPr>
-          <p:cNvPr id="41" name="テキスト ボックス 40">
-            <a:extLst>
-              <a:ext uri="{FF2B5EF4-FFF2-40B4-BE49-F238E27FC236}">
-                <a16:creationId xmlns:a16="http://schemas.microsoft.com/office/drawing/2014/main" id="{DF8837A4-85C2-7E42-8727-5A39197AB4CD}"/>
+              <a:rPr kumimoji="1" lang="en-US" altLang="ja-JP" dirty="0"/>
+              <a:t>Client</a:t>
+            </a:r>
+            <a:endParaRPr kumimoji="1" lang="ja-JP" altLang="en-US"/>
+          </a:p>
+        </p:txBody>
+      </p:sp>
+      <p:pic>
+        <p:nvPicPr>
+          <p:cNvPr id="13" name="図 12">
+            <a:extLst>
+              <a:ext uri="{FF2B5EF4-FFF2-40B4-BE49-F238E27FC236}">
+                <a16:creationId xmlns:a16="http://schemas.microsoft.com/office/drawing/2014/main" id="{CA959EE7-8BCD-4645-8817-BE2923486D80}"/>
+              </a:ext>
+            </a:extLst>
+          </p:cNvPr>
+          <p:cNvPicPr>
+            <a:picLocks noChangeAspect="1"/>
+          </p:cNvPicPr>
+          <p:nvPr/>
+        </p:nvPicPr>
+        <p:blipFill>
+          <a:blip r:embed="rId5"/>
+          <a:stretch>
+            <a:fillRect/>
+          </a:stretch>
+        </p:blipFill>
+        <p:spPr>
+          <a:xfrm>
+            <a:off x="10113325" y="1583949"/>
+            <a:ext cx="838200" cy="863600"/>
+          </a:xfrm>
+          <a:prstGeom prst="rect">
+            <a:avLst/>
+          </a:prstGeom>
+        </p:spPr>
+      </p:pic>
+      <p:sp>
+        <p:nvSpPr>
+          <p:cNvPr id="21" name="円柱 20">
+            <a:extLst>
+              <a:ext uri="{FF2B5EF4-FFF2-40B4-BE49-F238E27FC236}">
+                <a16:creationId xmlns:a16="http://schemas.microsoft.com/office/drawing/2014/main" id="{41FA49EE-187D-9C40-BCAE-D11728F60A5E}"/>
+              </a:ext>
+            </a:extLst>
+          </p:cNvPr>
+          <p:cNvSpPr/>
+          <p:nvPr/>
+        </p:nvSpPr>
+        <p:spPr>
+          <a:xfrm rot="16200000">
+            <a:off x="4789578" y="1189029"/>
+            <a:ext cx="704148" cy="3775793"/>
+          </a:xfrm>
+          <a:prstGeom prst="can">
+            <a:avLst/>
+          </a:prstGeom>
+          <a:solidFill>
+            <a:schemeClr val="accent1">
+              <a:alpha val="61000"/>
+            </a:schemeClr>
+          </a:solidFill>
+        </p:spPr>
+        <p:style>
+          <a:lnRef idx="2">
+            <a:schemeClr val="accent1">
+              <a:shade val="50000"/>
+            </a:schemeClr>
+          </a:lnRef>
+          <a:fillRef idx="1">
+            <a:schemeClr val="accent1"/>
+          </a:fillRef>
+          <a:effectRef idx="0">
+            <a:schemeClr val="accent1"/>
+          </a:effectRef>
+          <a:fontRef idx="minor">
+            <a:schemeClr val="lt1"/>
+          </a:fontRef>
+        </p:style>
+        <p:txBody>
+          <a:bodyPr vert="vert" rtlCol="0" anchor="ctr"/>
+          <a:lstStyle/>
+          <a:p>
+            <a:pPr algn="ctr"/>
+            <a:r>
+              <a:rPr lang="en-US" altLang="ja-JP" dirty="0">
+                <a:solidFill>
+                  <a:schemeClr val="bg1"/>
+                </a:solidFill>
+              </a:rPr>
+              <a:t>HTTPS</a:t>
+            </a:r>
+            <a:r>
+              <a:rPr kumimoji="1" lang="ja-JP" altLang="en-US">
+                <a:solidFill>
+                  <a:schemeClr val="bg1"/>
+                </a:solidFill>
+              </a:rPr>
+              <a:t> </a:t>
+            </a:r>
+            <a:r>
+              <a:rPr kumimoji="1" lang="en-US" altLang="ja-JP" dirty="0">
+                <a:solidFill>
+                  <a:schemeClr val="bg1"/>
+                </a:solidFill>
+              </a:rPr>
+              <a:t>(</a:t>
+            </a:r>
+            <a:r>
+              <a:rPr kumimoji="1" lang="ja-JP" altLang="en-US">
+                <a:solidFill>
+                  <a:schemeClr val="bg1"/>
+                </a:solidFill>
+              </a:rPr>
+              <a:t>暗号化されている</a:t>
+            </a:r>
+            <a:r>
+              <a:rPr lang="ja-JP" altLang="en-US">
+                <a:solidFill>
+                  <a:schemeClr val="bg1"/>
+                </a:solidFill>
+              </a:rPr>
+              <a:t>）</a:t>
+            </a:r>
+            <a:endParaRPr kumimoji="1" lang="ja-JP" altLang="en-US">
+              <a:solidFill>
+                <a:schemeClr val="bg1"/>
+              </a:solidFill>
+            </a:endParaRPr>
+          </a:p>
+        </p:txBody>
+      </p:sp>
+      <p:cxnSp>
+        <p:nvCxnSpPr>
+          <p:cNvPr id="32" name="直線矢印コネクタ 31">
+            <a:extLst>
+              <a:ext uri="{FF2B5EF4-FFF2-40B4-BE49-F238E27FC236}">
+                <a16:creationId xmlns:a16="http://schemas.microsoft.com/office/drawing/2014/main" id="{2E1CE2B6-2654-3047-B33B-7DC2D9D7F6AF}"/>
+              </a:ext>
+            </a:extLst>
+          </p:cNvPr>
+          <p:cNvCxnSpPr>
+            <a:cxnSpLocks/>
+          </p:cNvCxnSpPr>
+          <p:nvPr/>
+        </p:nvCxnSpPr>
+        <p:spPr>
+          <a:xfrm flipV="1">
+            <a:off x="7857479" y="2103728"/>
+            <a:ext cx="2177311" cy="538092"/>
+          </a:xfrm>
+          <a:prstGeom prst="straightConnector1">
+            <a:avLst/>
+          </a:prstGeom>
+          <a:ln w="57150">
+            <a:headEnd type="triangle"/>
+            <a:tailEnd type="triangle"/>
+          </a:ln>
+        </p:spPr>
+        <p:style>
+          <a:lnRef idx="1">
+            <a:schemeClr val="accent1"/>
+          </a:lnRef>
+          <a:fillRef idx="0">
+            <a:schemeClr val="accent1"/>
+          </a:fillRef>
+          <a:effectRef idx="0">
+            <a:schemeClr val="accent1"/>
+          </a:effectRef>
+          <a:fontRef idx="minor">
+            <a:schemeClr val="tx1"/>
+          </a:fontRef>
+        </p:style>
+      </p:cxnSp>
+      <p:sp>
+        <p:nvSpPr>
+          <p:cNvPr id="53" name="テキスト ボックス 52">
+            <a:extLst>
+              <a:ext uri="{FF2B5EF4-FFF2-40B4-BE49-F238E27FC236}">
+                <a16:creationId xmlns:a16="http://schemas.microsoft.com/office/drawing/2014/main" id="{D74B0B36-D4EE-4D49-8E4D-A0CE53E39FA8}"/>
               </a:ext>
             </a:extLst>
           </p:cNvPr>
@@ -12542,8 +14607,8 @@
         </p:nvSpPr>
         <p:spPr>
           <a:xfrm>
-            <a:off x="7470133" y="4238167"/>
-            <a:ext cx="873282" cy="276999"/>
+            <a:off x="10034790" y="2469770"/>
+            <a:ext cx="1107996" cy="369332"/>
           </a:xfrm>
           <a:prstGeom prst="rect">
             <a:avLst/>
@@ -12551,241 +14616,24 @@
           <a:noFill/>
         </p:spPr>
         <p:txBody>
-          <a:bodyPr wrap="square" rtlCol="0">
+          <a:bodyPr wrap="none" rtlCol="0">
             <a:spAutoFit/>
           </a:bodyPr>
           <a:lstStyle/>
           <a:p>
             <a:r>
-              <a:rPr lang="en-US" altLang="ja-JP" sz="1200" dirty="0"/>
-              <a:t>10.1.1.1</a:t>
-            </a:r>
-            <a:endParaRPr kumimoji="1" lang="ja-JP" altLang="en-US"/>
-          </a:p>
-        </p:txBody>
-      </p:sp>
-      <p:sp>
-        <p:nvSpPr>
-          <p:cNvPr id="42" name="テキスト ボックス 41">
-            <a:extLst>
-              <a:ext uri="{FF2B5EF4-FFF2-40B4-BE49-F238E27FC236}">
-                <a16:creationId xmlns:a16="http://schemas.microsoft.com/office/drawing/2014/main" id="{3AB78988-97AC-8E45-B39E-2CCD52D679B2}"/>
-              </a:ext>
-            </a:extLst>
-          </p:cNvPr>
-          <p:cNvSpPr txBox="1"/>
-          <p:nvPr/>
-        </p:nvSpPr>
-        <p:spPr>
-          <a:xfrm>
-            <a:off x="9738664" y="2613608"/>
-            <a:ext cx="1365298" cy="276999"/>
-          </a:xfrm>
-          <a:prstGeom prst="rect">
-            <a:avLst/>
-          </a:prstGeom>
-          <a:noFill/>
-        </p:spPr>
-        <p:txBody>
-          <a:bodyPr wrap="square" rtlCol="0">
-            <a:spAutoFit/>
-          </a:bodyPr>
-          <a:lstStyle/>
-          <a:p>
-            <a:r>
-              <a:rPr kumimoji="1" lang="en-US" altLang="ja-JP" sz="1200" dirty="0"/>
-              <a:t>10.1.1.7</a:t>
-            </a:r>
-            <a:endParaRPr kumimoji="1" lang="ja-JP" altLang="en-US" sz="1400"/>
-          </a:p>
-        </p:txBody>
-      </p:sp>
-      <p:sp>
-        <p:nvSpPr>
-          <p:cNvPr id="43" name="テキスト ボックス 42">
-            <a:extLst>
-              <a:ext uri="{FF2B5EF4-FFF2-40B4-BE49-F238E27FC236}">
-                <a16:creationId xmlns:a16="http://schemas.microsoft.com/office/drawing/2014/main" id="{D3E3C1E0-F315-4D4A-871C-664C6A3378C2}"/>
-              </a:ext>
-            </a:extLst>
-          </p:cNvPr>
-          <p:cNvSpPr txBox="1"/>
-          <p:nvPr/>
-        </p:nvSpPr>
-        <p:spPr>
-          <a:xfrm>
-            <a:off x="9719888" y="5411671"/>
-            <a:ext cx="729687" cy="276999"/>
-          </a:xfrm>
-          <a:prstGeom prst="rect">
-            <a:avLst/>
-          </a:prstGeom>
-          <a:noFill/>
-        </p:spPr>
-        <p:txBody>
-          <a:bodyPr wrap="square" rtlCol="0">
-            <a:spAutoFit/>
-          </a:bodyPr>
-          <a:lstStyle/>
-          <a:p>
-            <a:r>
-              <a:rPr kumimoji="1" lang="en-US" altLang="ja-JP" sz="1200" dirty="0"/>
-              <a:t>10.1.1.8</a:t>
-            </a:r>
-            <a:endParaRPr kumimoji="1" lang="ja-JP" altLang="en-US" sz="1400"/>
-          </a:p>
-        </p:txBody>
-      </p:sp>
-      <p:sp>
-        <p:nvSpPr>
-          <p:cNvPr id="45" name="テキスト ボックス 44">
-            <a:extLst>
-              <a:ext uri="{FF2B5EF4-FFF2-40B4-BE49-F238E27FC236}">
-                <a16:creationId xmlns:a16="http://schemas.microsoft.com/office/drawing/2014/main" id="{6BBBC7B7-2CE0-E84A-881E-1C5426FEEEE4}"/>
-              </a:ext>
-            </a:extLst>
-          </p:cNvPr>
-          <p:cNvSpPr txBox="1"/>
-          <p:nvPr/>
-        </p:nvSpPr>
-        <p:spPr>
-          <a:xfrm>
-            <a:off x="10503666" y="2245755"/>
-            <a:ext cx="474810" cy="276999"/>
-          </a:xfrm>
-          <a:prstGeom prst="rect">
-            <a:avLst/>
-          </a:prstGeom>
-          <a:noFill/>
-        </p:spPr>
-        <p:txBody>
-          <a:bodyPr wrap="square" rtlCol="0">
-            <a:spAutoFit/>
-          </a:bodyPr>
-          <a:lstStyle/>
-          <a:p>
-            <a:r>
-              <a:rPr kumimoji="1" lang="en-US" altLang="ja-JP" sz="1200" dirty="0"/>
-              <a:t>PC7</a:t>
-            </a:r>
-            <a:endParaRPr kumimoji="1" lang="ja-JP" altLang="en-US" sz="1200"/>
-          </a:p>
-        </p:txBody>
-      </p:sp>
-      <p:sp>
-        <p:nvSpPr>
-          <p:cNvPr id="46" name="テキスト ボックス 45">
-            <a:extLst>
-              <a:ext uri="{FF2B5EF4-FFF2-40B4-BE49-F238E27FC236}">
-                <a16:creationId xmlns:a16="http://schemas.microsoft.com/office/drawing/2014/main" id="{3238B99A-9B39-1B4C-A73F-4D39987CD314}"/>
-              </a:ext>
-            </a:extLst>
-          </p:cNvPr>
-          <p:cNvSpPr txBox="1"/>
-          <p:nvPr/>
-        </p:nvSpPr>
-        <p:spPr>
-          <a:xfrm>
-            <a:off x="10506092" y="4612082"/>
-            <a:ext cx="474810" cy="276999"/>
-          </a:xfrm>
-          <a:prstGeom prst="rect">
-            <a:avLst/>
-          </a:prstGeom>
-          <a:noFill/>
-        </p:spPr>
-        <p:txBody>
-          <a:bodyPr wrap="square" rtlCol="0">
-            <a:spAutoFit/>
-          </a:bodyPr>
-          <a:lstStyle/>
-          <a:p>
-            <a:r>
-              <a:rPr kumimoji="1" lang="en-US" altLang="ja-JP" sz="1200" dirty="0"/>
-              <a:t>PC8</a:t>
-            </a:r>
-            <a:endParaRPr kumimoji="1" lang="ja-JP" altLang="en-US" sz="1400"/>
-          </a:p>
-        </p:txBody>
-      </p:sp>
-      <p:sp>
-        <p:nvSpPr>
-          <p:cNvPr id="47" name="テキスト ボックス 46">
-            <a:extLst>
-              <a:ext uri="{FF2B5EF4-FFF2-40B4-BE49-F238E27FC236}">
-                <a16:creationId xmlns:a16="http://schemas.microsoft.com/office/drawing/2014/main" id="{489A085B-8C25-AA4B-B8D4-DE063FD10811}"/>
-              </a:ext>
-            </a:extLst>
-          </p:cNvPr>
-          <p:cNvSpPr txBox="1"/>
-          <p:nvPr/>
-        </p:nvSpPr>
-        <p:spPr>
-          <a:xfrm>
-            <a:off x="8524810" y="3477631"/>
-            <a:ext cx="1140802" cy="307777"/>
-          </a:xfrm>
-          <a:prstGeom prst="rect">
-            <a:avLst/>
-          </a:prstGeom>
-          <a:noFill/>
-        </p:spPr>
-        <p:txBody>
-          <a:bodyPr wrap="square" rtlCol="0">
-            <a:spAutoFit/>
-          </a:bodyPr>
-          <a:lstStyle/>
-          <a:p>
-            <a:r>
-              <a:rPr kumimoji="1" lang="en-US" altLang="ja-JP" sz="1400" dirty="0"/>
-              <a:t>L2switch</a:t>
-            </a:r>
-            <a:endParaRPr kumimoji="1" lang="ja-JP" altLang="en-US"/>
-          </a:p>
-        </p:txBody>
-      </p:sp>
-      <p:sp>
-        <p:nvSpPr>
-          <p:cNvPr id="48" name="テキスト ボックス 47">
-            <a:extLst>
-              <a:ext uri="{FF2B5EF4-FFF2-40B4-BE49-F238E27FC236}">
-                <a16:creationId xmlns:a16="http://schemas.microsoft.com/office/drawing/2014/main" id="{271BFD0A-EC31-5046-9490-560DA9C36BD6}"/>
-              </a:ext>
-            </a:extLst>
-          </p:cNvPr>
-          <p:cNvSpPr txBox="1"/>
-          <p:nvPr/>
-        </p:nvSpPr>
-        <p:spPr>
-          <a:xfrm>
-            <a:off x="6518361" y="3431539"/>
-            <a:ext cx="1348446" cy="276999"/>
-          </a:xfrm>
-          <a:prstGeom prst="rect">
-            <a:avLst/>
-          </a:prstGeom>
-          <a:noFill/>
-        </p:spPr>
-        <p:txBody>
-          <a:bodyPr wrap="square" rtlCol="0">
-            <a:spAutoFit/>
-          </a:bodyPr>
-          <a:lstStyle/>
-          <a:p>
-            <a:r>
-              <a:rPr kumimoji="1" lang="en-US" altLang="ja-JP" sz="1200" dirty="0"/>
-              <a:t>Gateway  Server</a:t>
-            </a:r>
-            <a:endParaRPr kumimoji="1" lang="ja-JP" altLang="en-US" sz="1200"/>
+              <a:rPr kumimoji="1" lang="ja-JP" altLang="en-US"/>
+              <a:t>サーバ１</a:t>
+            </a:r>
           </a:p>
         </p:txBody>
       </p:sp>
       <p:pic>
         <p:nvPicPr>
-          <p:cNvPr id="32" name="図 31">
-            <a:extLst>
-              <a:ext uri="{FF2B5EF4-FFF2-40B4-BE49-F238E27FC236}">
-                <a16:creationId xmlns:a16="http://schemas.microsoft.com/office/drawing/2014/main" id="{5CBE6BED-38E0-6E4D-9CF3-FC92290F3B39}"/>
+          <p:cNvPr id="26" name="図 25">
+            <a:extLst>
+              <a:ext uri="{FF2B5EF4-FFF2-40B4-BE49-F238E27FC236}">
+                <a16:creationId xmlns:a16="http://schemas.microsoft.com/office/drawing/2014/main" id="{4CFE553D-4AB4-414C-9A01-7BD7BBCF1C72}"/>
               </a:ext>
             </a:extLst>
           </p:cNvPr>
@@ -12802,18 +14650,860 @@
         </p:blipFill>
         <p:spPr>
           <a:xfrm>
-            <a:off x="798320" y="3599704"/>
-            <a:ext cx="1143000" cy="812800"/>
+            <a:off x="10200541" y="2967889"/>
+            <a:ext cx="776494" cy="1023560"/>
           </a:xfrm>
           <a:prstGeom prst="rect">
             <a:avLst/>
           </a:prstGeom>
         </p:spPr>
       </p:pic>
+      <p:cxnSp>
+        <p:nvCxnSpPr>
+          <p:cNvPr id="40" name="直線矢印コネクタ 39">
+            <a:extLst>
+              <a:ext uri="{FF2B5EF4-FFF2-40B4-BE49-F238E27FC236}">
+                <a16:creationId xmlns:a16="http://schemas.microsoft.com/office/drawing/2014/main" id="{792C6CE3-98F0-F047-8F58-D4F57C1C2FAD}"/>
+              </a:ext>
+            </a:extLst>
+          </p:cNvPr>
+          <p:cNvCxnSpPr>
+            <a:cxnSpLocks/>
+          </p:cNvCxnSpPr>
+          <p:nvPr/>
+        </p:nvCxnSpPr>
+        <p:spPr>
+          <a:xfrm>
+            <a:off x="7862064" y="3065760"/>
+            <a:ext cx="2172726" cy="461111"/>
+          </a:xfrm>
+          <a:prstGeom prst="straightConnector1">
+            <a:avLst/>
+          </a:prstGeom>
+          <a:ln w="57150">
+            <a:headEnd type="triangle"/>
+            <a:tailEnd type="triangle"/>
+          </a:ln>
+        </p:spPr>
+        <p:style>
+          <a:lnRef idx="1">
+            <a:schemeClr val="accent1"/>
+          </a:lnRef>
+          <a:fillRef idx="0">
+            <a:schemeClr val="accent1"/>
+          </a:fillRef>
+          <a:effectRef idx="0">
+            <a:schemeClr val="accent1"/>
+          </a:effectRef>
+          <a:fontRef idx="minor">
+            <a:schemeClr val="tx1"/>
+          </a:fontRef>
+        </p:style>
+      </p:cxnSp>
+      <p:pic>
+        <p:nvPicPr>
+          <p:cNvPr id="42" name="図 41">
+            <a:extLst>
+              <a:ext uri="{FF2B5EF4-FFF2-40B4-BE49-F238E27FC236}">
+                <a16:creationId xmlns:a16="http://schemas.microsoft.com/office/drawing/2014/main" id="{4BA9ABFC-FDFE-D940-8941-D5C65E213CA3}"/>
+              </a:ext>
+            </a:extLst>
+          </p:cNvPr>
+          <p:cNvPicPr>
+            <a:picLocks noChangeAspect="1"/>
+          </p:cNvPicPr>
+          <p:nvPr/>
+        </p:nvPicPr>
+        <p:blipFill>
+          <a:blip r:embed="rId6"/>
+          <a:stretch>
+            <a:fillRect/>
+          </a:stretch>
+        </p:blipFill>
+        <p:spPr>
+          <a:xfrm>
+            <a:off x="10132456" y="4505869"/>
+            <a:ext cx="776494" cy="1023560"/>
+          </a:xfrm>
+          <a:prstGeom prst="rect">
+            <a:avLst/>
+          </a:prstGeom>
+        </p:spPr>
+      </p:pic>
+      <p:cxnSp>
+        <p:nvCxnSpPr>
+          <p:cNvPr id="43" name="直線矢印コネクタ 42">
+            <a:extLst>
+              <a:ext uri="{FF2B5EF4-FFF2-40B4-BE49-F238E27FC236}">
+                <a16:creationId xmlns:a16="http://schemas.microsoft.com/office/drawing/2014/main" id="{E509D79D-4D5D-A543-BDE3-F96377749705}"/>
+              </a:ext>
+            </a:extLst>
+          </p:cNvPr>
+          <p:cNvCxnSpPr>
+            <a:cxnSpLocks/>
+          </p:cNvCxnSpPr>
+          <p:nvPr/>
+        </p:nvCxnSpPr>
+        <p:spPr>
+          <a:xfrm>
+            <a:off x="7862064" y="3429000"/>
+            <a:ext cx="2172726" cy="1340708"/>
+          </a:xfrm>
+          <a:prstGeom prst="straightConnector1">
+            <a:avLst/>
+          </a:prstGeom>
+          <a:ln w="57150">
+            <a:headEnd type="triangle"/>
+            <a:tailEnd type="triangle"/>
+          </a:ln>
+        </p:spPr>
+        <p:style>
+          <a:lnRef idx="1">
+            <a:schemeClr val="accent1"/>
+          </a:lnRef>
+          <a:fillRef idx="0">
+            <a:schemeClr val="accent1"/>
+          </a:fillRef>
+          <a:effectRef idx="0">
+            <a:schemeClr val="accent1"/>
+          </a:effectRef>
+          <a:fontRef idx="minor">
+            <a:schemeClr val="tx1"/>
+          </a:fontRef>
+        </p:style>
+      </p:cxnSp>
+      <p:sp>
+        <p:nvSpPr>
+          <p:cNvPr id="37" name="テキスト ボックス 36">
+            <a:extLst>
+              <a:ext uri="{FF2B5EF4-FFF2-40B4-BE49-F238E27FC236}">
+                <a16:creationId xmlns:a16="http://schemas.microsoft.com/office/drawing/2014/main" id="{912A5203-1B4E-7B46-B865-7BE3FC4A22DB}"/>
+              </a:ext>
+            </a:extLst>
+          </p:cNvPr>
+          <p:cNvSpPr txBox="1"/>
+          <p:nvPr/>
+        </p:nvSpPr>
+        <p:spPr>
+          <a:xfrm>
+            <a:off x="10041816" y="4012989"/>
+            <a:ext cx="1107996" cy="369332"/>
+          </a:xfrm>
+          <a:prstGeom prst="rect">
+            <a:avLst/>
+          </a:prstGeom>
+          <a:noFill/>
+        </p:spPr>
+        <p:txBody>
+          <a:bodyPr wrap="none" rtlCol="0">
+            <a:spAutoFit/>
+          </a:bodyPr>
+          <a:lstStyle/>
+          <a:p>
+            <a:r>
+              <a:rPr lang="ja-JP" altLang="en-US"/>
+              <a:t>サーバ２</a:t>
+            </a:r>
+            <a:endParaRPr kumimoji="1" lang="ja-JP" altLang="en-US"/>
+          </a:p>
+        </p:txBody>
+      </p:sp>
+      <p:sp>
+        <p:nvSpPr>
+          <p:cNvPr id="38" name="テキスト ボックス 37">
+            <a:extLst>
+              <a:ext uri="{FF2B5EF4-FFF2-40B4-BE49-F238E27FC236}">
+                <a16:creationId xmlns:a16="http://schemas.microsoft.com/office/drawing/2014/main" id="{E8CAFCFB-F3FD-5E40-8F76-CD58ABD1A236}"/>
+              </a:ext>
+            </a:extLst>
+          </p:cNvPr>
+          <p:cNvSpPr txBox="1"/>
+          <p:nvPr/>
+        </p:nvSpPr>
+        <p:spPr>
+          <a:xfrm>
+            <a:off x="10034790" y="5529429"/>
+            <a:ext cx="1107996" cy="369332"/>
+          </a:xfrm>
+          <a:prstGeom prst="rect">
+            <a:avLst/>
+          </a:prstGeom>
+          <a:noFill/>
+        </p:spPr>
+        <p:txBody>
+          <a:bodyPr wrap="none" rtlCol="0">
+            <a:spAutoFit/>
+          </a:bodyPr>
+          <a:lstStyle/>
+          <a:p>
+            <a:r>
+              <a:rPr kumimoji="1" lang="ja-JP" altLang="en-US"/>
+              <a:t>サーバ３</a:t>
+            </a:r>
+          </a:p>
+        </p:txBody>
+      </p:sp>
+      <p:sp>
+        <p:nvSpPr>
+          <p:cNvPr id="55" name="正方形/長方形 54">
+            <a:extLst>
+              <a:ext uri="{FF2B5EF4-FFF2-40B4-BE49-F238E27FC236}">
+                <a16:creationId xmlns:a16="http://schemas.microsoft.com/office/drawing/2014/main" id="{4ACAB7DD-894D-C048-8F44-BC2CBC7A7AB7}"/>
+              </a:ext>
+            </a:extLst>
+          </p:cNvPr>
+          <p:cNvSpPr/>
+          <p:nvPr/>
+        </p:nvSpPr>
+        <p:spPr>
+          <a:xfrm>
+            <a:off x="2254356" y="2606531"/>
+            <a:ext cx="1246806" cy="844215"/>
+          </a:xfrm>
+          <a:prstGeom prst="rect">
+            <a:avLst/>
+          </a:prstGeom>
+          <a:solidFill>
+            <a:schemeClr val="accent2">
+              <a:lumMod val="60000"/>
+              <a:lumOff val="40000"/>
+            </a:schemeClr>
+          </a:solidFill>
+          <a:ln>
+            <a:solidFill>
+              <a:schemeClr val="tx1"/>
+            </a:solidFill>
+          </a:ln>
+        </p:spPr>
+        <p:style>
+          <a:lnRef idx="2">
+            <a:schemeClr val="accent1">
+              <a:shade val="50000"/>
+            </a:schemeClr>
+          </a:lnRef>
+          <a:fillRef idx="1">
+            <a:schemeClr val="accent1"/>
+          </a:fillRef>
+          <a:effectRef idx="0">
+            <a:schemeClr val="accent1"/>
+          </a:effectRef>
+          <a:fontRef idx="minor">
+            <a:schemeClr val="lt1"/>
+          </a:fontRef>
+        </p:style>
+        <p:txBody>
+          <a:bodyPr rtlCol="0" anchor="ctr"/>
+          <a:lstStyle/>
+          <a:p>
+            <a:pPr algn="ctr"/>
+            <a:r>
+              <a:rPr kumimoji="1" lang="en-US" altLang="ja-JP" dirty="0">
+                <a:solidFill>
+                  <a:sysClr val="windowText" lastClr="000000"/>
+                </a:solidFill>
+              </a:rPr>
+              <a:t>SSL-VPN</a:t>
+            </a:r>
+            <a:r>
+              <a:rPr kumimoji="1" lang="ja-JP" altLang="en-US">
+                <a:solidFill>
+                  <a:sysClr val="windowText" lastClr="000000"/>
+                </a:solidFill>
+              </a:rPr>
+              <a:t>ソフト</a:t>
+            </a:r>
+          </a:p>
+        </p:txBody>
+      </p:sp>
+      <p:sp>
+        <p:nvSpPr>
+          <p:cNvPr id="56" name="角丸四角形 55">
+            <a:extLst>
+              <a:ext uri="{FF2B5EF4-FFF2-40B4-BE49-F238E27FC236}">
+                <a16:creationId xmlns:a16="http://schemas.microsoft.com/office/drawing/2014/main" id="{136A2922-7CB7-E54D-A5E9-21F40FF40B21}"/>
+              </a:ext>
+            </a:extLst>
+          </p:cNvPr>
+          <p:cNvSpPr/>
+          <p:nvPr/>
+        </p:nvSpPr>
+        <p:spPr>
+          <a:xfrm>
+            <a:off x="1579183" y="2654436"/>
+            <a:ext cx="725177" cy="669483"/>
+          </a:xfrm>
+          <a:prstGeom prst="roundRect">
+            <a:avLst/>
+          </a:prstGeom>
+        </p:spPr>
+        <p:style>
+          <a:lnRef idx="2">
+            <a:schemeClr val="accent1">
+              <a:shade val="50000"/>
+            </a:schemeClr>
+          </a:lnRef>
+          <a:fillRef idx="1">
+            <a:schemeClr val="accent1"/>
+          </a:fillRef>
+          <a:effectRef idx="0">
+            <a:schemeClr val="accent1"/>
+          </a:effectRef>
+          <a:fontRef idx="minor">
+            <a:schemeClr val="lt1"/>
+          </a:fontRef>
+        </p:style>
+        <p:txBody>
+          <a:bodyPr rtlCol="0" anchor="ctr"/>
+          <a:lstStyle/>
+          <a:p>
+            <a:pPr algn="ctr"/>
+            <a:r>
+              <a:rPr kumimoji="1" lang="ja-JP" altLang="en-US"/>
+              <a:t>仮想</a:t>
+            </a:r>
+            <a:r>
+              <a:rPr kumimoji="1" lang="en-US" altLang="ja-JP" dirty="0"/>
+              <a:t>NIC</a:t>
+            </a:r>
+            <a:endParaRPr kumimoji="1" lang="ja-JP" altLang="en-US"/>
+          </a:p>
+        </p:txBody>
+      </p:sp>
+      <p:cxnSp>
+        <p:nvCxnSpPr>
+          <p:cNvPr id="59" name="直線矢印コネクタ 58">
+            <a:extLst>
+              <a:ext uri="{FF2B5EF4-FFF2-40B4-BE49-F238E27FC236}">
+                <a16:creationId xmlns:a16="http://schemas.microsoft.com/office/drawing/2014/main" id="{F1515B03-BCC4-3B49-9206-EA2929496378}"/>
+              </a:ext>
+            </a:extLst>
+          </p:cNvPr>
+          <p:cNvCxnSpPr>
+            <a:cxnSpLocks/>
+          </p:cNvCxnSpPr>
+          <p:nvPr/>
+        </p:nvCxnSpPr>
+        <p:spPr>
+          <a:xfrm>
+            <a:off x="1449513" y="3771080"/>
+            <a:ext cx="5580035" cy="44081"/>
+          </a:xfrm>
+          <a:prstGeom prst="straightConnector1">
+            <a:avLst/>
+          </a:prstGeom>
+          <a:ln w="79375">
+            <a:solidFill>
+              <a:schemeClr val="accent6">
+                <a:lumMod val="50000"/>
+              </a:schemeClr>
+            </a:solidFill>
+            <a:prstDash val="sysDot"/>
+            <a:tailEnd type="triangle"/>
+          </a:ln>
+        </p:spPr>
+        <p:style>
+          <a:lnRef idx="1">
+            <a:schemeClr val="accent1"/>
+          </a:lnRef>
+          <a:fillRef idx="0">
+            <a:schemeClr val="accent1"/>
+          </a:fillRef>
+          <a:effectRef idx="0">
+            <a:schemeClr val="accent1"/>
+          </a:effectRef>
+          <a:fontRef idx="minor">
+            <a:schemeClr val="tx1"/>
+          </a:fontRef>
+        </p:style>
+      </p:cxnSp>
+      <p:sp>
+        <p:nvSpPr>
+          <p:cNvPr id="64" name="テキスト ボックス 63">
+            <a:extLst>
+              <a:ext uri="{FF2B5EF4-FFF2-40B4-BE49-F238E27FC236}">
+                <a16:creationId xmlns:a16="http://schemas.microsoft.com/office/drawing/2014/main" id="{A6828275-5238-1044-ACC8-C82E1B392D45}"/>
+              </a:ext>
+            </a:extLst>
+          </p:cNvPr>
+          <p:cNvSpPr txBox="1"/>
+          <p:nvPr/>
+        </p:nvSpPr>
+        <p:spPr>
+          <a:xfrm>
+            <a:off x="6303486" y="3971421"/>
+            <a:ext cx="2282997" cy="646331"/>
+          </a:xfrm>
+          <a:prstGeom prst="rect">
+            <a:avLst/>
+          </a:prstGeom>
+          <a:solidFill>
+            <a:schemeClr val="bg1"/>
+          </a:solidFill>
+          <a:ln>
+            <a:solidFill>
+              <a:schemeClr val="tx1"/>
+            </a:solidFill>
+          </a:ln>
+        </p:spPr>
+        <p:txBody>
+          <a:bodyPr wrap="none" rtlCol="0">
+            <a:spAutoFit/>
+          </a:bodyPr>
+          <a:lstStyle/>
+          <a:p>
+            <a:r>
+              <a:rPr kumimoji="1" lang="en-US" altLang="ja-JP" b="1" dirty="0"/>
+              <a:t>SSL-VPN</a:t>
+            </a:r>
+            <a:r>
+              <a:rPr lang="en-US" altLang="ja-JP" b="1" dirty="0"/>
+              <a:t> </a:t>
+            </a:r>
+            <a:r>
+              <a:rPr kumimoji="1" lang="en-US" altLang="ja-JP" b="1" dirty="0"/>
+              <a:t>Gateway</a:t>
+            </a:r>
+          </a:p>
+          <a:p>
+            <a:r>
+              <a:rPr lang="en-US" altLang="ja-JP" b="1" dirty="0"/>
+              <a:t>(</a:t>
+            </a:r>
+            <a:r>
+              <a:rPr kumimoji="1" lang="ja-JP" altLang="en-US" b="1"/>
+              <a:t>リバース</a:t>
+            </a:r>
+            <a:r>
+              <a:rPr kumimoji="1" lang="en-US" altLang="ja-JP" b="1" dirty="0"/>
+              <a:t> </a:t>
+            </a:r>
+            <a:r>
+              <a:rPr kumimoji="1" lang="ja-JP" altLang="en-US" b="1"/>
+              <a:t>プロキシ</a:t>
+            </a:r>
+            <a:r>
+              <a:rPr kumimoji="1" lang="en-US" altLang="ja-JP" b="1" dirty="0"/>
+              <a:t>)</a:t>
+            </a:r>
+            <a:endParaRPr kumimoji="1" lang="ja-JP" altLang="en-US" b="1"/>
+          </a:p>
+        </p:txBody>
+      </p:sp>
+      <p:sp>
+        <p:nvSpPr>
+          <p:cNvPr id="67" name="正方形/長方形 66">
+            <a:extLst>
+              <a:ext uri="{FF2B5EF4-FFF2-40B4-BE49-F238E27FC236}">
+                <a16:creationId xmlns:a16="http://schemas.microsoft.com/office/drawing/2014/main" id="{C85D6090-53E0-0849-842C-1FA026823A9F}"/>
+              </a:ext>
+            </a:extLst>
+          </p:cNvPr>
+          <p:cNvSpPr/>
+          <p:nvPr/>
+        </p:nvSpPr>
+        <p:spPr>
+          <a:xfrm>
+            <a:off x="2208857" y="3647334"/>
+            <a:ext cx="1246806" cy="596081"/>
+          </a:xfrm>
+          <a:prstGeom prst="rect">
+            <a:avLst/>
+          </a:prstGeom>
+          <a:solidFill>
+            <a:schemeClr val="accent6">
+              <a:lumMod val="40000"/>
+              <a:lumOff val="60000"/>
+            </a:schemeClr>
+          </a:solidFill>
+        </p:spPr>
+        <p:style>
+          <a:lnRef idx="2">
+            <a:schemeClr val="accent1">
+              <a:shade val="50000"/>
+            </a:schemeClr>
+          </a:lnRef>
+          <a:fillRef idx="1">
+            <a:schemeClr val="accent1"/>
+          </a:fillRef>
+          <a:effectRef idx="0">
+            <a:schemeClr val="accent1"/>
+          </a:effectRef>
+          <a:fontRef idx="minor">
+            <a:schemeClr val="lt1"/>
+          </a:fontRef>
+        </p:style>
+        <p:txBody>
+          <a:bodyPr rtlCol="0" anchor="ctr"/>
+          <a:lstStyle/>
+          <a:p>
+            <a:pPr algn="ctr"/>
+            <a:r>
+              <a:rPr kumimoji="1" lang="ja-JP" altLang="en-US">
+                <a:solidFill>
+                  <a:sysClr val="windowText" lastClr="000000"/>
+                </a:solidFill>
+              </a:rPr>
+              <a:t>データ</a:t>
+            </a:r>
+          </a:p>
+        </p:txBody>
+      </p:sp>
+      <p:sp>
+        <p:nvSpPr>
+          <p:cNvPr id="68" name="正方形/長方形 67">
+            <a:extLst>
+              <a:ext uri="{FF2B5EF4-FFF2-40B4-BE49-F238E27FC236}">
+                <a16:creationId xmlns:a16="http://schemas.microsoft.com/office/drawing/2014/main" id="{60CC3D7E-FF6F-E04F-9547-BCB1F8B2EB00}"/>
+              </a:ext>
+            </a:extLst>
+          </p:cNvPr>
+          <p:cNvSpPr/>
+          <p:nvPr/>
+        </p:nvSpPr>
+        <p:spPr>
+          <a:xfrm>
+            <a:off x="992313" y="4985041"/>
+            <a:ext cx="922984" cy="641866"/>
+          </a:xfrm>
+          <a:prstGeom prst="rect">
+            <a:avLst/>
+          </a:prstGeom>
+          <a:ln/>
+        </p:spPr>
+        <p:style>
+          <a:lnRef idx="2">
+            <a:schemeClr val="dk1"/>
+          </a:lnRef>
+          <a:fillRef idx="1">
+            <a:schemeClr val="lt1"/>
+          </a:fillRef>
+          <a:effectRef idx="0">
+            <a:schemeClr val="dk1"/>
+          </a:effectRef>
+          <a:fontRef idx="minor">
+            <a:schemeClr val="dk1"/>
+          </a:fontRef>
+        </p:style>
+        <p:txBody>
+          <a:bodyPr rtlCol="0" anchor="ctr"/>
+          <a:lstStyle/>
+          <a:p>
+            <a:pPr algn="ctr"/>
+            <a:r>
+              <a:rPr kumimoji="1" lang="en-US" altLang="ja-JP" dirty="0"/>
+              <a:t>IP</a:t>
+            </a:r>
+            <a:endParaRPr kumimoji="1" lang="ja-JP" altLang="en-US"/>
+          </a:p>
+        </p:txBody>
+      </p:sp>
+      <p:sp>
+        <p:nvSpPr>
+          <p:cNvPr id="69" name="正方形/長方形 68">
+            <a:extLst>
+              <a:ext uri="{FF2B5EF4-FFF2-40B4-BE49-F238E27FC236}">
+                <a16:creationId xmlns:a16="http://schemas.microsoft.com/office/drawing/2014/main" id="{6D1CF158-AF4F-B140-912A-FEECA8FD85D7}"/>
+              </a:ext>
+            </a:extLst>
+          </p:cNvPr>
+          <p:cNvSpPr/>
+          <p:nvPr/>
+        </p:nvSpPr>
+        <p:spPr>
+          <a:xfrm>
+            <a:off x="1941771" y="4985041"/>
+            <a:ext cx="922984" cy="641866"/>
+          </a:xfrm>
+          <a:prstGeom prst="rect">
+            <a:avLst/>
+          </a:prstGeom>
+          <a:ln/>
+        </p:spPr>
+        <p:style>
+          <a:lnRef idx="2">
+            <a:schemeClr val="dk1"/>
+          </a:lnRef>
+          <a:fillRef idx="1">
+            <a:schemeClr val="lt1"/>
+          </a:fillRef>
+          <a:effectRef idx="0">
+            <a:schemeClr val="dk1"/>
+          </a:effectRef>
+          <a:fontRef idx="minor">
+            <a:schemeClr val="dk1"/>
+          </a:fontRef>
+        </p:style>
+        <p:txBody>
+          <a:bodyPr rtlCol="0" anchor="ctr"/>
+          <a:lstStyle/>
+          <a:p>
+            <a:pPr algn="ctr"/>
+            <a:r>
+              <a:rPr kumimoji="1" lang="en-US" altLang="ja-JP" dirty="0"/>
+              <a:t>TCP</a:t>
+            </a:r>
+            <a:endParaRPr kumimoji="1" lang="ja-JP" altLang="en-US"/>
+          </a:p>
+        </p:txBody>
+      </p:sp>
+      <p:sp>
+        <p:nvSpPr>
+          <p:cNvPr id="70" name="正方形/長方形 69">
+            <a:extLst>
+              <a:ext uri="{FF2B5EF4-FFF2-40B4-BE49-F238E27FC236}">
+                <a16:creationId xmlns:a16="http://schemas.microsoft.com/office/drawing/2014/main" id="{7F33F71D-C742-8D40-9940-2E446E43F254}"/>
+              </a:ext>
+            </a:extLst>
+          </p:cNvPr>
+          <p:cNvSpPr/>
+          <p:nvPr/>
+        </p:nvSpPr>
+        <p:spPr>
+          <a:xfrm>
+            <a:off x="2917531" y="4977958"/>
+            <a:ext cx="2099312" cy="641866"/>
+          </a:xfrm>
+          <a:prstGeom prst="rect">
+            <a:avLst/>
+          </a:prstGeom>
+          <a:solidFill>
+            <a:schemeClr val="accent2">
+              <a:lumMod val="20000"/>
+              <a:lumOff val="80000"/>
+            </a:schemeClr>
+          </a:solidFill>
+          <a:ln/>
+        </p:spPr>
+        <p:style>
+          <a:lnRef idx="2">
+            <a:schemeClr val="dk1"/>
+          </a:lnRef>
+          <a:fillRef idx="1">
+            <a:schemeClr val="lt1"/>
+          </a:fillRef>
+          <a:effectRef idx="0">
+            <a:schemeClr val="dk1"/>
+          </a:effectRef>
+          <a:fontRef idx="minor">
+            <a:schemeClr val="dk1"/>
+          </a:fontRef>
+        </p:style>
+        <p:txBody>
+          <a:bodyPr rtlCol="0" anchor="ctr"/>
+          <a:lstStyle/>
+          <a:p>
+            <a:pPr algn="ctr"/>
+            <a:r>
+              <a:rPr kumimoji="1" lang="ja-JP" altLang="en-US"/>
+              <a:t>アプリケーションデータ</a:t>
+            </a:r>
+          </a:p>
+        </p:txBody>
+      </p:sp>
+      <p:sp>
+        <p:nvSpPr>
+          <p:cNvPr id="71" name="テキスト ボックス 70">
+            <a:extLst>
+              <a:ext uri="{FF2B5EF4-FFF2-40B4-BE49-F238E27FC236}">
+                <a16:creationId xmlns:a16="http://schemas.microsoft.com/office/drawing/2014/main" id="{E08FAEC0-1226-D44F-B773-83C219DC96FF}"/>
+              </a:ext>
+            </a:extLst>
+          </p:cNvPr>
+          <p:cNvSpPr txBox="1"/>
+          <p:nvPr/>
+        </p:nvSpPr>
+        <p:spPr>
+          <a:xfrm>
+            <a:off x="3527038" y="6148707"/>
+            <a:ext cx="1685077" cy="400110"/>
+          </a:xfrm>
+          <a:prstGeom prst="rect">
+            <a:avLst/>
+          </a:prstGeom>
+          <a:noFill/>
+        </p:spPr>
+        <p:txBody>
+          <a:bodyPr wrap="none" rtlCol="0">
+            <a:spAutoFit/>
+          </a:bodyPr>
+          <a:lstStyle/>
+          <a:p>
+            <a:r>
+              <a:rPr kumimoji="1" lang="en-US" altLang="ja-JP" sz="2000" dirty="0"/>
+              <a:t>SSL</a:t>
+            </a:r>
+            <a:r>
+              <a:rPr kumimoji="1" lang="ja-JP" altLang="en-US" sz="2000"/>
+              <a:t>で暗号化</a:t>
+            </a:r>
+          </a:p>
+        </p:txBody>
+      </p:sp>
+      <p:sp>
+        <p:nvSpPr>
+          <p:cNvPr id="72" name="左中かっこ 71">
+            <a:extLst>
+              <a:ext uri="{FF2B5EF4-FFF2-40B4-BE49-F238E27FC236}">
+                <a16:creationId xmlns:a16="http://schemas.microsoft.com/office/drawing/2014/main" id="{83A34AFA-1274-A64D-9303-2681E67DDE3C}"/>
+              </a:ext>
+            </a:extLst>
+          </p:cNvPr>
+          <p:cNvSpPr/>
+          <p:nvPr/>
+        </p:nvSpPr>
+        <p:spPr>
+          <a:xfrm rot="16200000">
+            <a:off x="3791122" y="4815492"/>
+            <a:ext cx="352131" cy="2099310"/>
+          </a:xfrm>
+          <a:prstGeom prst="leftBrace">
+            <a:avLst/>
+          </a:prstGeom>
+          <a:ln w="34925">
+            <a:solidFill>
+              <a:schemeClr val="tx1"/>
+            </a:solidFill>
+          </a:ln>
+        </p:spPr>
+        <p:style>
+          <a:lnRef idx="1">
+            <a:schemeClr val="accent1"/>
+          </a:lnRef>
+          <a:fillRef idx="0">
+            <a:schemeClr val="accent1"/>
+          </a:fillRef>
+          <a:effectRef idx="0">
+            <a:schemeClr val="accent1"/>
+          </a:effectRef>
+          <a:fontRef idx="minor">
+            <a:schemeClr val="tx1"/>
+          </a:fontRef>
+        </p:style>
+        <p:txBody>
+          <a:bodyPr rtlCol="0" anchor="ctr"/>
+          <a:lstStyle/>
+          <a:p>
+            <a:pPr algn="ctr"/>
+            <a:endParaRPr kumimoji="1" lang="ja-JP" altLang="en-US"/>
+          </a:p>
+        </p:txBody>
+      </p:sp>
+      <p:cxnSp>
+        <p:nvCxnSpPr>
+          <p:cNvPr id="74" name="直線コネクタ 73">
+            <a:extLst>
+              <a:ext uri="{FF2B5EF4-FFF2-40B4-BE49-F238E27FC236}">
+                <a16:creationId xmlns:a16="http://schemas.microsoft.com/office/drawing/2014/main" id="{A936A284-5EEC-FC42-BA37-5B99ED767CAD}"/>
+              </a:ext>
+            </a:extLst>
+          </p:cNvPr>
+          <p:cNvCxnSpPr>
+            <a:cxnSpLocks/>
+          </p:cNvCxnSpPr>
+          <p:nvPr/>
+        </p:nvCxnSpPr>
+        <p:spPr>
+          <a:xfrm flipH="1">
+            <a:off x="992313" y="4234015"/>
+            <a:ext cx="1179718" cy="743943"/>
+          </a:xfrm>
+          <a:prstGeom prst="line">
+            <a:avLst/>
+          </a:prstGeom>
+          <a:ln w="34925">
+            <a:prstDash val="sysDot"/>
+          </a:ln>
+        </p:spPr>
+        <p:style>
+          <a:lnRef idx="1">
+            <a:schemeClr val="accent1"/>
+          </a:lnRef>
+          <a:fillRef idx="0">
+            <a:schemeClr val="accent1"/>
+          </a:fillRef>
+          <a:effectRef idx="0">
+            <a:schemeClr val="accent1"/>
+          </a:effectRef>
+          <a:fontRef idx="minor">
+            <a:schemeClr val="tx1"/>
+          </a:fontRef>
+        </p:style>
+      </p:cxnSp>
+      <p:cxnSp>
+        <p:nvCxnSpPr>
+          <p:cNvPr id="76" name="直線コネクタ 75">
+            <a:extLst>
+              <a:ext uri="{FF2B5EF4-FFF2-40B4-BE49-F238E27FC236}">
+                <a16:creationId xmlns:a16="http://schemas.microsoft.com/office/drawing/2014/main" id="{C34406D5-186E-7B4D-91DE-7F5D956A1D48}"/>
+              </a:ext>
+            </a:extLst>
+          </p:cNvPr>
+          <p:cNvCxnSpPr>
+            <a:cxnSpLocks/>
+          </p:cNvCxnSpPr>
+          <p:nvPr/>
+        </p:nvCxnSpPr>
+        <p:spPr>
+          <a:xfrm>
+            <a:off x="3418837" y="4249020"/>
+            <a:ext cx="1605032" cy="728938"/>
+          </a:xfrm>
+          <a:prstGeom prst="line">
+            <a:avLst/>
+          </a:prstGeom>
+          <a:ln w="34925">
+            <a:prstDash val="sysDot"/>
+          </a:ln>
+        </p:spPr>
+        <p:style>
+          <a:lnRef idx="1">
+            <a:schemeClr val="accent1"/>
+          </a:lnRef>
+          <a:fillRef idx="0">
+            <a:schemeClr val="accent1"/>
+          </a:fillRef>
+          <a:effectRef idx="0">
+            <a:schemeClr val="accent1"/>
+          </a:effectRef>
+          <a:fontRef idx="minor">
+            <a:schemeClr val="tx1"/>
+          </a:fontRef>
+        </p:style>
+      </p:cxnSp>
     </p:spTree>
     <p:extLst>
       <p:ext uri="{BB962C8B-B14F-4D97-AF65-F5344CB8AC3E}">
-        <p14:creationId xmlns:p14="http://schemas.microsoft.com/office/powerpoint/2010/main" val="3479177537"/>
+        <p14:creationId xmlns:p14="http://schemas.microsoft.com/office/powerpoint/2010/main" val="86050034"/>
+      </p:ext>
+    </p:extLst>
+  </p:cSld>
+  <p:clrMapOvr>
+    <a:masterClrMapping/>
+  </p:clrMapOvr>
+</p:sld>
+</file>
+
+<file path=ppt/slides/slide19.xml><?xml version="1.0" encoding="utf-8"?>
+<p:sld xmlns:a="http://schemas.openxmlformats.org/drawingml/2006/main" xmlns:r="http://schemas.openxmlformats.org/officeDocument/2006/relationships" xmlns:p="http://schemas.openxmlformats.org/presentationml/2006/main">
+  <p:cSld>
+    <p:spTree>
+      <p:nvGrpSpPr>
+        <p:cNvPr id="1" name=""/>
+        <p:cNvGrpSpPr/>
+        <p:nvPr/>
+      </p:nvGrpSpPr>
+      <p:grpSpPr>
+        <a:xfrm>
+          <a:off x="0" y="0"/>
+          <a:ext cx="0" cy="0"/>
+          <a:chOff x="0" y="0"/>
+          <a:chExt cx="0" cy="0"/>
+        </a:xfrm>
+      </p:grpSpPr>
+    </p:spTree>
+    <p:extLst>
+      <p:ext uri="{BB962C8B-B14F-4D97-AF65-F5344CB8AC3E}">
+        <p14:creationId xmlns:p14="http://schemas.microsoft.com/office/powerpoint/2010/main" val="1335290734"/>
       </p:ext>
     </p:extLst>
   </p:cSld>
@@ -14043,6 +16733,812 @@
     <p:extLst>
       <p:ext uri="{BB962C8B-B14F-4D97-AF65-F5344CB8AC3E}">
         <p14:creationId xmlns:p14="http://schemas.microsoft.com/office/powerpoint/2010/main" val="3674696664"/>
+      </p:ext>
+    </p:extLst>
+  </p:cSld>
+  <p:clrMapOvr>
+    <a:masterClrMapping/>
+  </p:clrMapOvr>
+</p:sld>
+</file>
+
+<file path=ppt/slides/slide20.xml><?xml version="1.0" encoding="utf-8"?>
+<p:sld xmlns:a="http://schemas.openxmlformats.org/drawingml/2006/main" xmlns:r="http://schemas.openxmlformats.org/officeDocument/2006/relationships" xmlns:p="http://schemas.openxmlformats.org/presentationml/2006/main">
+  <p:cSld>
+    <p:spTree>
+      <p:nvGrpSpPr>
+        <p:cNvPr id="1" name=""/>
+        <p:cNvGrpSpPr/>
+        <p:nvPr/>
+      </p:nvGrpSpPr>
+      <p:grpSpPr>
+        <a:xfrm>
+          <a:off x="0" y="0"/>
+          <a:ext cx="0" cy="0"/>
+          <a:chOff x="0" y="0"/>
+          <a:chExt cx="0" cy="0"/>
+        </a:xfrm>
+      </p:grpSpPr>
+      <p:sp>
+        <p:nvSpPr>
+          <p:cNvPr id="22" name="正方形/長方形 21">
+            <a:extLst>
+              <a:ext uri="{FF2B5EF4-FFF2-40B4-BE49-F238E27FC236}">
+                <a16:creationId xmlns:a16="http://schemas.microsoft.com/office/drawing/2014/main" id="{03DB74AC-4E92-A441-BDC8-37C351E8619A}"/>
+              </a:ext>
+            </a:extLst>
+          </p:cNvPr>
+          <p:cNvSpPr/>
+          <p:nvPr/>
+        </p:nvSpPr>
+        <p:spPr>
+          <a:xfrm>
+            <a:off x="7254750" y="1972354"/>
+            <a:ext cx="3904390" cy="4237022"/>
+          </a:xfrm>
+          <a:prstGeom prst="rect">
+            <a:avLst/>
+          </a:prstGeom>
+          <a:solidFill>
+            <a:schemeClr val="bg1"/>
+          </a:solidFill>
+          <a:ln w="57150"/>
+        </p:spPr>
+        <p:style>
+          <a:lnRef idx="2">
+            <a:schemeClr val="dk1">
+              <a:shade val="50000"/>
+            </a:schemeClr>
+          </a:lnRef>
+          <a:fillRef idx="1">
+            <a:schemeClr val="dk1"/>
+          </a:fillRef>
+          <a:effectRef idx="0">
+            <a:schemeClr val="dk1"/>
+          </a:effectRef>
+          <a:fontRef idx="minor">
+            <a:schemeClr val="lt1"/>
+          </a:fontRef>
+        </p:style>
+        <p:txBody>
+          <a:bodyPr rtlCol="0" anchor="ctr"/>
+          <a:lstStyle/>
+          <a:p>
+            <a:pPr algn="ctr"/>
+            <a:endParaRPr kumimoji="1" lang="ja-JP" altLang="en-US"/>
+          </a:p>
+        </p:txBody>
+      </p:sp>
+      <p:pic>
+        <p:nvPicPr>
+          <p:cNvPr id="7" name="図 6">
+            <a:extLst>
+              <a:ext uri="{FF2B5EF4-FFF2-40B4-BE49-F238E27FC236}">
+                <a16:creationId xmlns:a16="http://schemas.microsoft.com/office/drawing/2014/main" id="{AE0FB9F9-6600-BA4D-AAF1-57213BBEED57}"/>
+              </a:ext>
+            </a:extLst>
+          </p:cNvPr>
+          <p:cNvPicPr>
+            <a:picLocks noChangeAspect="1"/>
+          </p:cNvPicPr>
+          <p:nvPr/>
+        </p:nvPicPr>
+        <p:blipFill>
+          <a:blip r:embed="rId3"/>
+          <a:stretch>
+            <a:fillRect/>
+          </a:stretch>
+        </p:blipFill>
+        <p:spPr>
+          <a:xfrm>
+            <a:off x="6986130" y="3671765"/>
+            <a:ext cx="520700" cy="838200"/>
+          </a:xfrm>
+          <a:prstGeom prst="rect">
+            <a:avLst/>
+          </a:prstGeom>
+        </p:spPr>
+      </p:pic>
+      <p:pic>
+        <p:nvPicPr>
+          <p:cNvPr id="9" name="図 8">
+            <a:extLst>
+              <a:ext uri="{FF2B5EF4-FFF2-40B4-BE49-F238E27FC236}">
+                <a16:creationId xmlns:a16="http://schemas.microsoft.com/office/drawing/2014/main" id="{0E823936-F079-FF49-A790-F0512C155A9A}"/>
+              </a:ext>
+            </a:extLst>
+          </p:cNvPr>
+          <p:cNvPicPr>
+            <a:picLocks noChangeAspect="1"/>
+          </p:cNvPicPr>
+          <p:nvPr/>
+        </p:nvPicPr>
+        <p:blipFill>
+          <a:blip r:embed="rId4"/>
+          <a:stretch>
+            <a:fillRect/>
+          </a:stretch>
+        </p:blipFill>
+        <p:spPr>
+          <a:xfrm>
+            <a:off x="10423429" y="2490665"/>
+            <a:ext cx="571500" cy="800100"/>
+          </a:xfrm>
+          <a:prstGeom prst="rect">
+            <a:avLst/>
+          </a:prstGeom>
+        </p:spPr>
+      </p:pic>
+      <p:pic>
+        <p:nvPicPr>
+          <p:cNvPr id="10" name="図 9">
+            <a:extLst>
+              <a:ext uri="{FF2B5EF4-FFF2-40B4-BE49-F238E27FC236}">
+                <a16:creationId xmlns:a16="http://schemas.microsoft.com/office/drawing/2014/main" id="{7995FC5E-9608-F149-AC4C-5CEBF2DC63CC}"/>
+              </a:ext>
+            </a:extLst>
+          </p:cNvPr>
+          <p:cNvPicPr>
+            <a:picLocks noChangeAspect="1"/>
+          </p:cNvPicPr>
+          <p:nvPr/>
+        </p:nvPicPr>
+        <p:blipFill>
+          <a:blip r:embed="rId4"/>
+          <a:stretch>
+            <a:fillRect/>
+          </a:stretch>
+        </p:blipFill>
+        <p:spPr>
+          <a:xfrm>
+            <a:off x="10421313" y="4890965"/>
+            <a:ext cx="571500" cy="800100"/>
+          </a:xfrm>
+          <a:prstGeom prst="rect">
+            <a:avLst/>
+          </a:prstGeom>
+        </p:spPr>
+      </p:pic>
+      <p:pic>
+        <p:nvPicPr>
+          <p:cNvPr id="12" name="図 11">
+            <a:extLst>
+              <a:ext uri="{FF2B5EF4-FFF2-40B4-BE49-F238E27FC236}">
+                <a16:creationId xmlns:a16="http://schemas.microsoft.com/office/drawing/2014/main" id="{B9054421-9209-A445-912D-EE6DB062319E}"/>
+              </a:ext>
+            </a:extLst>
+          </p:cNvPr>
+          <p:cNvPicPr>
+            <a:picLocks noChangeAspect="1"/>
+          </p:cNvPicPr>
+          <p:nvPr/>
+        </p:nvPicPr>
+        <p:blipFill>
+          <a:blip r:embed="rId5"/>
+          <a:stretch>
+            <a:fillRect/>
+          </a:stretch>
+        </p:blipFill>
+        <p:spPr>
+          <a:xfrm>
+            <a:off x="8595139" y="3746122"/>
+            <a:ext cx="711200" cy="711200"/>
+          </a:xfrm>
+          <a:prstGeom prst="rect">
+            <a:avLst/>
+          </a:prstGeom>
+        </p:spPr>
+      </p:pic>
+      <p:cxnSp>
+        <p:nvCxnSpPr>
+          <p:cNvPr id="14" name="直線コネクタ 13">
+            <a:extLst>
+              <a:ext uri="{FF2B5EF4-FFF2-40B4-BE49-F238E27FC236}">
+                <a16:creationId xmlns:a16="http://schemas.microsoft.com/office/drawing/2014/main" id="{859BD285-B99E-354E-AE49-99032F454AF1}"/>
+              </a:ext>
+            </a:extLst>
+          </p:cNvPr>
+          <p:cNvCxnSpPr>
+            <a:cxnSpLocks/>
+            <a:stCxn id="12" idx="3"/>
+            <a:endCxn id="9" idx="1"/>
+          </p:cNvCxnSpPr>
+          <p:nvPr/>
+        </p:nvCxnSpPr>
+        <p:spPr>
+          <a:xfrm flipV="1">
+            <a:off x="9306339" y="2890715"/>
+            <a:ext cx="1117090" cy="1211007"/>
+          </a:xfrm>
+          <a:prstGeom prst="line">
+            <a:avLst/>
+          </a:prstGeom>
+          <a:ln w="44450">
+            <a:headEnd type="oval"/>
+            <a:tailEnd type="oval"/>
+          </a:ln>
+        </p:spPr>
+        <p:style>
+          <a:lnRef idx="1">
+            <a:schemeClr val="accent1"/>
+          </a:lnRef>
+          <a:fillRef idx="0">
+            <a:schemeClr val="accent1"/>
+          </a:fillRef>
+          <a:effectRef idx="0">
+            <a:schemeClr val="accent1"/>
+          </a:effectRef>
+          <a:fontRef idx="minor">
+            <a:schemeClr val="tx1"/>
+          </a:fontRef>
+        </p:style>
+      </p:cxnSp>
+      <p:cxnSp>
+        <p:nvCxnSpPr>
+          <p:cNvPr id="18" name="直線コネクタ 17">
+            <a:extLst>
+              <a:ext uri="{FF2B5EF4-FFF2-40B4-BE49-F238E27FC236}">
+                <a16:creationId xmlns:a16="http://schemas.microsoft.com/office/drawing/2014/main" id="{0234DF0F-A6E4-F347-B6EA-E8460DA0407C}"/>
+              </a:ext>
+            </a:extLst>
+          </p:cNvPr>
+          <p:cNvCxnSpPr>
+            <a:cxnSpLocks/>
+            <a:stCxn id="12" idx="3"/>
+            <a:endCxn id="10" idx="1"/>
+          </p:cNvCxnSpPr>
+          <p:nvPr/>
+        </p:nvCxnSpPr>
+        <p:spPr>
+          <a:xfrm>
+            <a:off x="9306339" y="4101722"/>
+            <a:ext cx="1114974" cy="1189293"/>
+          </a:xfrm>
+          <a:prstGeom prst="line">
+            <a:avLst/>
+          </a:prstGeom>
+          <a:ln w="44450">
+            <a:headEnd type="oval"/>
+            <a:tailEnd type="oval"/>
+          </a:ln>
+        </p:spPr>
+        <p:style>
+          <a:lnRef idx="1">
+            <a:schemeClr val="accent1"/>
+          </a:lnRef>
+          <a:fillRef idx="0">
+            <a:schemeClr val="accent1"/>
+          </a:fillRef>
+          <a:effectRef idx="0">
+            <a:schemeClr val="accent1"/>
+          </a:effectRef>
+          <a:fontRef idx="minor">
+            <a:schemeClr val="tx1"/>
+          </a:fontRef>
+        </p:style>
+      </p:cxnSp>
+      <p:cxnSp>
+        <p:nvCxnSpPr>
+          <p:cNvPr id="24" name="直線コネクタ 23">
+            <a:extLst>
+              <a:ext uri="{FF2B5EF4-FFF2-40B4-BE49-F238E27FC236}">
+                <a16:creationId xmlns:a16="http://schemas.microsoft.com/office/drawing/2014/main" id="{3E298A39-F658-7944-B761-180770696926}"/>
+              </a:ext>
+            </a:extLst>
+          </p:cNvPr>
+          <p:cNvCxnSpPr>
+            <a:cxnSpLocks/>
+            <a:endCxn id="12" idx="1"/>
+          </p:cNvCxnSpPr>
+          <p:nvPr/>
+        </p:nvCxnSpPr>
+        <p:spPr>
+          <a:xfrm>
+            <a:off x="7506830" y="4090865"/>
+            <a:ext cx="1088309" cy="10857"/>
+          </a:xfrm>
+          <a:prstGeom prst="line">
+            <a:avLst/>
+          </a:prstGeom>
+          <a:ln w="38100">
+            <a:headEnd type="oval"/>
+            <a:tailEnd type="oval"/>
+          </a:ln>
+        </p:spPr>
+        <p:style>
+          <a:lnRef idx="1">
+            <a:schemeClr val="accent1"/>
+          </a:lnRef>
+          <a:fillRef idx="0">
+            <a:schemeClr val="accent1"/>
+          </a:fillRef>
+          <a:effectRef idx="0">
+            <a:schemeClr val="accent1"/>
+          </a:effectRef>
+          <a:fontRef idx="minor">
+            <a:schemeClr val="tx1"/>
+          </a:fontRef>
+        </p:style>
+      </p:cxnSp>
+      <p:sp>
+        <p:nvSpPr>
+          <p:cNvPr id="27" name="正方形/長方形 26">
+            <a:extLst>
+              <a:ext uri="{FF2B5EF4-FFF2-40B4-BE49-F238E27FC236}">
+                <a16:creationId xmlns:a16="http://schemas.microsoft.com/office/drawing/2014/main" id="{54BBC2F4-BFAC-5244-9A87-CF8ED664F807}"/>
+              </a:ext>
+            </a:extLst>
+          </p:cNvPr>
+          <p:cNvSpPr/>
+          <p:nvPr/>
+        </p:nvSpPr>
+        <p:spPr>
+          <a:xfrm>
+            <a:off x="7990424" y="1460267"/>
+            <a:ext cx="2333789" cy="742385"/>
+          </a:xfrm>
+          <a:prstGeom prst="rect">
+            <a:avLst/>
+          </a:prstGeom>
+        </p:spPr>
+        <p:style>
+          <a:lnRef idx="2">
+            <a:schemeClr val="accent1">
+              <a:shade val="50000"/>
+            </a:schemeClr>
+          </a:lnRef>
+          <a:fillRef idx="1">
+            <a:schemeClr val="accent1"/>
+          </a:fillRef>
+          <a:effectRef idx="0">
+            <a:schemeClr val="accent1"/>
+          </a:effectRef>
+          <a:fontRef idx="minor">
+            <a:schemeClr val="lt1"/>
+          </a:fontRef>
+        </p:style>
+        <p:txBody>
+          <a:bodyPr rtlCol="0" anchor="ctr"/>
+          <a:lstStyle/>
+          <a:p>
+            <a:pPr algn="ctr"/>
+            <a:r>
+              <a:rPr lang="ja-JP" altLang="en-US"/>
+              <a:t>ローカル</a:t>
+            </a:r>
+            <a:r>
+              <a:rPr kumimoji="1" lang="ja-JP" altLang="en-US"/>
+              <a:t>ネットワーク</a:t>
+            </a:r>
+          </a:p>
+        </p:txBody>
+      </p:sp>
+      <p:sp>
+        <p:nvSpPr>
+          <p:cNvPr id="29" name="雲 28">
+            <a:extLst>
+              <a:ext uri="{FF2B5EF4-FFF2-40B4-BE49-F238E27FC236}">
+                <a16:creationId xmlns:a16="http://schemas.microsoft.com/office/drawing/2014/main" id="{3A823A53-72E5-5B4A-A5B2-C4219099BB07}"/>
+              </a:ext>
+            </a:extLst>
+          </p:cNvPr>
+          <p:cNvSpPr/>
+          <p:nvPr/>
+        </p:nvSpPr>
+        <p:spPr>
+          <a:xfrm>
+            <a:off x="3359447" y="3407863"/>
+            <a:ext cx="1966248" cy="985377"/>
+          </a:xfrm>
+          <a:prstGeom prst="cloud">
+            <a:avLst/>
+          </a:prstGeom>
+          <a:solidFill>
+            <a:schemeClr val="bg1"/>
+          </a:solidFill>
+          <a:ln w="31750"/>
+        </p:spPr>
+        <p:style>
+          <a:lnRef idx="2">
+            <a:schemeClr val="accent1">
+              <a:shade val="50000"/>
+            </a:schemeClr>
+          </a:lnRef>
+          <a:fillRef idx="1">
+            <a:schemeClr val="accent1"/>
+          </a:fillRef>
+          <a:effectRef idx="0">
+            <a:schemeClr val="accent1"/>
+          </a:effectRef>
+          <a:fontRef idx="minor">
+            <a:schemeClr val="lt1"/>
+          </a:fontRef>
+        </p:style>
+        <p:txBody>
+          <a:bodyPr rtlCol="0" anchor="ctr"/>
+          <a:lstStyle/>
+          <a:p>
+            <a:pPr algn="ctr"/>
+            <a:r>
+              <a:rPr lang="en-US" altLang="ja-JP" sz="2000" dirty="0">
+                <a:solidFill>
+                  <a:sysClr val="windowText" lastClr="000000"/>
+                </a:solidFill>
+              </a:rPr>
+              <a:t>Internet</a:t>
+            </a:r>
+            <a:endParaRPr kumimoji="1" lang="ja-JP" altLang="en-US" sz="2000">
+              <a:solidFill>
+                <a:sysClr val="windowText" lastClr="000000"/>
+              </a:solidFill>
+            </a:endParaRPr>
+          </a:p>
+        </p:txBody>
+      </p:sp>
+      <p:cxnSp>
+        <p:nvCxnSpPr>
+          <p:cNvPr id="31" name="直線コネクタ 30">
+            <a:extLst>
+              <a:ext uri="{FF2B5EF4-FFF2-40B4-BE49-F238E27FC236}">
+                <a16:creationId xmlns:a16="http://schemas.microsoft.com/office/drawing/2014/main" id="{0FE905DA-86EC-C94F-88B3-74C7501D2172}"/>
+              </a:ext>
+            </a:extLst>
+          </p:cNvPr>
+          <p:cNvCxnSpPr>
+            <a:cxnSpLocks/>
+            <a:endCxn id="7" idx="1"/>
+          </p:cNvCxnSpPr>
+          <p:nvPr/>
+        </p:nvCxnSpPr>
+        <p:spPr>
+          <a:xfrm>
+            <a:off x="5943061" y="4090865"/>
+            <a:ext cx="1043069" cy="0"/>
+          </a:xfrm>
+          <a:prstGeom prst="line">
+            <a:avLst/>
+          </a:prstGeom>
+          <a:ln w="34925" cap="rnd">
+            <a:tailEnd type="oval"/>
+          </a:ln>
+        </p:spPr>
+        <p:style>
+          <a:lnRef idx="1">
+            <a:schemeClr val="accent1"/>
+          </a:lnRef>
+          <a:fillRef idx="0">
+            <a:schemeClr val="accent1"/>
+          </a:fillRef>
+          <a:effectRef idx="0">
+            <a:schemeClr val="accent1"/>
+          </a:effectRef>
+          <a:fontRef idx="minor">
+            <a:schemeClr val="tx1"/>
+          </a:fontRef>
+        </p:style>
+      </p:cxnSp>
+      <p:sp>
+        <p:nvSpPr>
+          <p:cNvPr id="40" name="テキスト ボックス 39">
+            <a:extLst>
+              <a:ext uri="{FF2B5EF4-FFF2-40B4-BE49-F238E27FC236}">
+                <a16:creationId xmlns:a16="http://schemas.microsoft.com/office/drawing/2014/main" id="{06C657A0-B2B1-9F49-A404-C22BFF2A3153}"/>
+              </a:ext>
+            </a:extLst>
+          </p:cNvPr>
+          <p:cNvSpPr txBox="1"/>
+          <p:nvPr/>
+        </p:nvSpPr>
+        <p:spPr>
+          <a:xfrm>
+            <a:off x="6155337" y="4504310"/>
+            <a:ext cx="1732875" cy="276999"/>
+          </a:xfrm>
+          <a:prstGeom prst="rect">
+            <a:avLst/>
+          </a:prstGeom>
+          <a:noFill/>
+        </p:spPr>
+        <p:txBody>
+          <a:bodyPr wrap="square" rtlCol="0">
+            <a:spAutoFit/>
+          </a:bodyPr>
+          <a:lstStyle/>
+          <a:p>
+            <a:r>
+              <a:rPr kumimoji="1" lang="en-US" altLang="ja-JP" sz="1200" dirty="0"/>
+              <a:t>150.65.136.94</a:t>
+            </a:r>
+            <a:endParaRPr kumimoji="1" lang="ja-JP" altLang="en-US" sz="1600"/>
+          </a:p>
+        </p:txBody>
+      </p:sp>
+      <p:sp>
+        <p:nvSpPr>
+          <p:cNvPr id="41" name="テキスト ボックス 40">
+            <a:extLst>
+              <a:ext uri="{FF2B5EF4-FFF2-40B4-BE49-F238E27FC236}">
+                <a16:creationId xmlns:a16="http://schemas.microsoft.com/office/drawing/2014/main" id="{DF8837A4-85C2-7E42-8727-5A39197AB4CD}"/>
+              </a:ext>
+            </a:extLst>
+          </p:cNvPr>
+          <p:cNvSpPr txBox="1"/>
+          <p:nvPr/>
+        </p:nvSpPr>
+        <p:spPr>
+          <a:xfrm>
+            <a:off x="7470133" y="4238167"/>
+            <a:ext cx="873282" cy="276999"/>
+          </a:xfrm>
+          <a:prstGeom prst="rect">
+            <a:avLst/>
+          </a:prstGeom>
+          <a:noFill/>
+        </p:spPr>
+        <p:txBody>
+          <a:bodyPr wrap="square" rtlCol="0">
+            <a:spAutoFit/>
+          </a:bodyPr>
+          <a:lstStyle/>
+          <a:p>
+            <a:r>
+              <a:rPr lang="en-US" altLang="ja-JP" sz="1200" dirty="0"/>
+              <a:t>10.1.1.1</a:t>
+            </a:r>
+            <a:endParaRPr kumimoji="1" lang="ja-JP" altLang="en-US"/>
+          </a:p>
+        </p:txBody>
+      </p:sp>
+      <p:sp>
+        <p:nvSpPr>
+          <p:cNvPr id="42" name="テキスト ボックス 41">
+            <a:extLst>
+              <a:ext uri="{FF2B5EF4-FFF2-40B4-BE49-F238E27FC236}">
+                <a16:creationId xmlns:a16="http://schemas.microsoft.com/office/drawing/2014/main" id="{3AB78988-97AC-8E45-B39E-2CCD52D679B2}"/>
+              </a:ext>
+            </a:extLst>
+          </p:cNvPr>
+          <p:cNvSpPr txBox="1"/>
+          <p:nvPr/>
+        </p:nvSpPr>
+        <p:spPr>
+          <a:xfrm>
+            <a:off x="9738664" y="2613608"/>
+            <a:ext cx="1365298" cy="276999"/>
+          </a:xfrm>
+          <a:prstGeom prst="rect">
+            <a:avLst/>
+          </a:prstGeom>
+          <a:noFill/>
+        </p:spPr>
+        <p:txBody>
+          <a:bodyPr wrap="square" rtlCol="0">
+            <a:spAutoFit/>
+          </a:bodyPr>
+          <a:lstStyle/>
+          <a:p>
+            <a:r>
+              <a:rPr kumimoji="1" lang="en-US" altLang="ja-JP" sz="1200" dirty="0"/>
+              <a:t>10.1.1.7</a:t>
+            </a:r>
+            <a:endParaRPr kumimoji="1" lang="ja-JP" altLang="en-US" sz="1400"/>
+          </a:p>
+        </p:txBody>
+      </p:sp>
+      <p:sp>
+        <p:nvSpPr>
+          <p:cNvPr id="43" name="テキスト ボックス 42">
+            <a:extLst>
+              <a:ext uri="{FF2B5EF4-FFF2-40B4-BE49-F238E27FC236}">
+                <a16:creationId xmlns:a16="http://schemas.microsoft.com/office/drawing/2014/main" id="{D3E3C1E0-F315-4D4A-871C-664C6A3378C2}"/>
+              </a:ext>
+            </a:extLst>
+          </p:cNvPr>
+          <p:cNvSpPr txBox="1"/>
+          <p:nvPr/>
+        </p:nvSpPr>
+        <p:spPr>
+          <a:xfrm>
+            <a:off x="9719888" y="5411671"/>
+            <a:ext cx="729687" cy="276999"/>
+          </a:xfrm>
+          <a:prstGeom prst="rect">
+            <a:avLst/>
+          </a:prstGeom>
+          <a:noFill/>
+        </p:spPr>
+        <p:txBody>
+          <a:bodyPr wrap="square" rtlCol="0">
+            <a:spAutoFit/>
+          </a:bodyPr>
+          <a:lstStyle/>
+          <a:p>
+            <a:r>
+              <a:rPr kumimoji="1" lang="en-US" altLang="ja-JP" sz="1200" dirty="0"/>
+              <a:t>10.1.1.8</a:t>
+            </a:r>
+            <a:endParaRPr kumimoji="1" lang="ja-JP" altLang="en-US" sz="1400"/>
+          </a:p>
+        </p:txBody>
+      </p:sp>
+      <p:sp>
+        <p:nvSpPr>
+          <p:cNvPr id="45" name="テキスト ボックス 44">
+            <a:extLst>
+              <a:ext uri="{FF2B5EF4-FFF2-40B4-BE49-F238E27FC236}">
+                <a16:creationId xmlns:a16="http://schemas.microsoft.com/office/drawing/2014/main" id="{6BBBC7B7-2CE0-E84A-881E-1C5426FEEEE4}"/>
+              </a:ext>
+            </a:extLst>
+          </p:cNvPr>
+          <p:cNvSpPr txBox="1"/>
+          <p:nvPr/>
+        </p:nvSpPr>
+        <p:spPr>
+          <a:xfrm>
+            <a:off x="10503666" y="2245755"/>
+            <a:ext cx="474810" cy="276999"/>
+          </a:xfrm>
+          <a:prstGeom prst="rect">
+            <a:avLst/>
+          </a:prstGeom>
+          <a:noFill/>
+        </p:spPr>
+        <p:txBody>
+          <a:bodyPr wrap="square" rtlCol="0">
+            <a:spAutoFit/>
+          </a:bodyPr>
+          <a:lstStyle/>
+          <a:p>
+            <a:r>
+              <a:rPr kumimoji="1" lang="en-US" altLang="ja-JP" sz="1200" dirty="0"/>
+              <a:t>PC7</a:t>
+            </a:r>
+            <a:endParaRPr kumimoji="1" lang="ja-JP" altLang="en-US" sz="1200"/>
+          </a:p>
+        </p:txBody>
+      </p:sp>
+      <p:sp>
+        <p:nvSpPr>
+          <p:cNvPr id="46" name="テキスト ボックス 45">
+            <a:extLst>
+              <a:ext uri="{FF2B5EF4-FFF2-40B4-BE49-F238E27FC236}">
+                <a16:creationId xmlns:a16="http://schemas.microsoft.com/office/drawing/2014/main" id="{3238B99A-9B39-1B4C-A73F-4D39987CD314}"/>
+              </a:ext>
+            </a:extLst>
+          </p:cNvPr>
+          <p:cNvSpPr txBox="1"/>
+          <p:nvPr/>
+        </p:nvSpPr>
+        <p:spPr>
+          <a:xfrm>
+            <a:off x="10506092" y="4612082"/>
+            <a:ext cx="474810" cy="276999"/>
+          </a:xfrm>
+          <a:prstGeom prst="rect">
+            <a:avLst/>
+          </a:prstGeom>
+          <a:noFill/>
+        </p:spPr>
+        <p:txBody>
+          <a:bodyPr wrap="square" rtlCol="0">
+            <a:spAutoFit/>
+          </a:bodyPr>
+          <a:lstStyle/>
+          <a:p>
+            <a:r>
+              <a:rPr kumimoji="1" lang="en-US" altLang="ja-JP" sz="1200" dirty="0"/>
+              <a:t>PC8</a:t>
+            </a:r>
+            <a:endParaRPr kumimoji="1" lang="ja-JP" altLang="en-US" sz="1400"/>
+          </a:p>
+        </p:txBody>
+      </p:sp>
+      <p:sp>
+        <p:nvSpPr>
+          <p:cNvPr id="47" name="テキスト ボックス 46">
+            <a:extLst>
+              <a:ext uri="{FF2B5EF4-FFF2-40B4-BE49-F238E27FC236}">
+                <a16:creationId xmlns:a16="http://schemas.microsoft.com/office/drawing/2014/main" id="{489A085B-8C25-AA4B-B8D4-DE063FD10811}"/>
+              </a:ext>
+            </a:extLst>
+          </p:cNvPr>
+          <p:cNvSpPr txBox="1"/>
+          <p:nvPr/>
+        </p:nvSpPr>
+        <p:spPr>
+          <a:xfrm>
+            <a:off x="8524810" y="3477631"/>
+            <a:ext cx="1140802" cy="307777"/>
+          </a:xfrm>
+          <a:prstGeom prst="rect">
+            <a:avLst/>
+          </a:prstGeom>
+          <a:noFill/>
+        </p:spPr>
+        <p:txBody>
+          <a:bodyPr wrap="square" rtlCol="0">
+            <a:spAutoFit/>
+          </a:bodyPr>
+          <a:lstStyle/>
+          <a:p>
+            <a:r>
+              <a:rPr kumimoji="1" lang="en-US" altLang="ja-JP" sz="1400" dirty="0"/>
+              <a:t>L2switch</a:t>
+            </a:r>
+            <a:endParaRPr kumimoji="1" lang="ja-JP" altLang="en-US"/>
+          </a:p>
+        </p:txBody>
+      </p:sp>
+      <p:sp>
+        <p:nvSpPr>
+          <p:cNvPr id="48" name="テキスト ボックス 47">
+            <a:extLst>
+              <a:ext uri="{FF2B5EF4-FFF2-40B4-BE49-F238E27FC236}">
+                <a16:creationId xmlns:a16="http://schemas.microsoft.com/office/drawing/2014/main" id="{271BFD0A-EC31-5046-9490-560DA9C36BD6}"/>
+              </a:ext>
+            </a:extLst>
+          </p:cNvPr>
+          <p:cNvSpPr txBox="1"/>
+          <p:nvPr/>
+        </p:nvSpPr>
+        <p:spPr>
+          <a:xfrm>
+            <a:off x="6518361" y="3431539"/>
+            <a:ext cx="1348446" cy="276999"/>
+          </a:xfrm>
+          <a:prstGeom prst="rect">
+            <a:avLst/>
+          </a:prstGeom>
+          <a:noFill/>
+        </p:spPr>
+        <p:txBody>
+          <a:bodyPr wrap="square" rtlCol="0">
+            <a:spAutoFit/>
+          </a:bodyPr>
+          <a:lstStyle/>
+          <a:p>
+            <a:r>
+              <a:rPr kumimoji="1" lang="en-US" altLang="ja-JP" sz="1200" dirty="0"/>
+              <a:t>Gateway  Server</a:t>
+            </a:r>
+            <a:endParaRPr kumimoji="1" lang="ja-JP" altLang="en-US" sz="1200"/>
+          </a:p>
+        </p:txBody>
+      </p:sp>
+      <p:pic>
+        <p:nvPicPr>
+          <p:cNvPr id="32" name="図 31">
+            <a:extLst>
+              <a:ext uri="{FF2B5EF4-FFF2-40B4-BE49-F238E27FC236}">
+                <a16:creationId xmlns:a16="http://schemas.microsoft.com/office/drawing/2014/main" id="{5CBE6BED-38E0-6E4D-9CF3-FC92290F3B39}"/>
+              </a:ext>
+            </a:extLst>
+          </p:cNvPr>
+          <p:cNvPicPr>
+            <a:picLocks noChangeAspect="1"/>
+          </p:cNvPicPr>
+          <p:nvPr/>
+        </p:nvPicPr>
+        <p:blipFill>
+          <a:blip r:embed="rId6"/>
+          <a:stretch>
+            <a:fillRect/>
+          </a:stretch>
+        </p:blipFill>
+        <p:spPr>
+          <a:xfrm>
+            <a:off x="798320" y="3599704"/>
+            <a:ext cx="1143000" cy="812800"/>
+          </a:xfrm>
+          <a:prstGeom prst="rect">
+            <a:avLst/>
+          </a:prstGeom>
+        </p:spPr>
+      </p:pic>
+    </p:spTree>
+    <p:extLst>
+      <p:ext uri="{BB962C8B-B14F-4D97-AF65-F5344CB8AC3E}">
+        <p14:creationId xmlns:p14="http://schemas.microsoft.com/office/powerpoint/2010/main" val="3479177537"/>
       </p:ext>
     </p:extLst>
   </p:cSld>

--- a/SUBTHEME/graphs/network_archtecture.pptx
+++ b/SUBTHEME/graphs/network_archtecture.pptx
@@ -216,7 +216,7 @@
           <a:p>
             <a:fld id="{2B23E72C-1B90-914A-A417-2D7D12309D01}" type="datetimeFigureOut">
               <a:rPr kumimoji="1" lang="ja-JP" altLang="en-US" smtClean="0"/>
-              <a:t>2020/9/9</a:t>
+              <a:t>2020/9/15</a:t>
             </a:fld>
             <a:endParaRPr kumimoji="1" lang="ja-JP" altLang="en-US"/>
           </a:p>
@@ -1225,7 +1225,7 @@
           <a:p>
             <a:fld id="{FD845DEE-42C8-C840-B1B2-551C7203F112}" type="datetimeFigureOut">
               <a:rPr kumimoji="1" lang="ja-JP" altLang="en-US" smtClean="0"/>
-              <a:t>2020/9/9</a:t>
+              <a:t>2020/9/15</a:t>
             </a:fld>
             <a:endParaRPr kumimoji="1" lang="ja-JP" altLang="en-US"/>
           </a:p>
@@ -1430,7 +1430,7 @@
           <a:p>
             <a:fld id="{FD845DEE-42C8-C840-B1B2-551C7203F112}" type="datetimeFigureOut">
               <a:rPr kumimoji="1" lang="ja-JP" altLang="en-US" smtClean="0"/>
-              <a:t>2020/9/9</a:t>
+              <a:t>2020/9/15</a:t>
             </a:fld>
             <a:endParaRPr kumimoji="1" lang="ja-JP" altLang="en-US"/>
           </a:p>
@@ -1645,7 +1645,7 @@
           <a:p>
             <a:fld id="{FD845DEE-42C8-C840-B1B2-551C7203F112}" type="datetimeFigureOut">
               <a:rPr kumimoji="1" lang="ja-JP" altLang="en-US" smtClean="0"/>
-              <a:t>2020/9/9</a:t>
+              <a:t>2020/9/15</a:t>
             </a:fld>
             <a:endParaRPr kumimoji="1" lang="ja-JP" altLang="en-US"/>
           </a:p>
@@ -1850,7 +1850,7 @@
           <a:p>
             <a:fld id="{FD845DEE-42C8-C840-B1B2-551C7203F112}" type="datetimeFigureOut">
               <a:rPr kumimoji="1" lang="ja-JP" altLang="en-US" smtClean="0"/>
-              <a:t>2020/9/9</a:t>
+              <a:t>2020/9/15</a:t>
             </a:fld>
             <a:endParaRPr kumimoji="1" lang="ja-JP" altLang="en-US"/>
           </a:p>
@@ -2160,7 +2160,7 @@
           <a:p>
             <a:fld id="{FD845DEE-42C8-C840-B1B2-551C7203F112}" type="datetimeFigureOut">
               <a:rPr kumimoji="1" lang="ja-JP" altLang="en-US" smtClean="0"/>
-              <a:t>2020/9/9</a:t>
+              <a:t>2020/9/15</a:t>
             </a:fld>
             <a:endParaRPr kumimoji="1" lang="ja-JP" altLang="en-US"/>
           </a:p>
@@ -2439,7 +2439,7 @@
           <a:p>
             <a:fld id="{FD845DEE-42C8-C840-B1B2-551C7203F112}" type="datetimeFigureOut">
               <a:rPr kumimoji="1" lang="ja-JP" altLang="en-US" smtClean="0"/>
-              <a:t>2020/9/9</a:t>
+              <a:t>2020/9/15</a:t>
             </a:fld>
             <a:endParaRPr kumimoji="1" lang="ja-JP" altLang="en-US"/>
           </a:p>
@@ -2935,7 +2935,7 @@
           <a:p>
             <a:fld id="{FD845DEE-42C8-C840-B1B2-551C7203F112}" type="datetimeFigureOut">
               <a:rPr kumimoji="1" lang="ja-JP" altLang="en-US" smtClean="0"/>
-              <a:t>2020/9/9</a:t>
+              <a:t>2020/9/15</a:t>
             </a:fld>
             <a:endParaRPr kumimoji="1" lang="ja-JP" altLang="en-US"/>
           </a:p>
@@ -3076,7 +3076,7 @@
           <a:p>
             <a:fld id="{FD845DEE-42C8-C840-B1B2-551C7203F112}" type="datetimeFigureOut">
               <a:rPr kumimoji="1" lang="ja-JP" altLang="en-US" smtClean="0"/>
-              <a:t>2020/9/9</a:t>
+              <a:t>2020/9/15</a:t>
             </a:fld>
             <a:endParaRPr kumimoji="1" lang="ja-JP" altLang="en-US"/>
           </a:p>
@@ -3189,7 +3189,7 @@
           <a:p>
             <a:fld id="{FD845DEE-42C8-C840-B1B2-551C7203F112}" type="datetimeFigureOut">
               <a:rPr kumimoji="1" lang="ja-JP" altLang="en-US" smtClean="0"/>
-              <a:t>2020/9/9</a:t>
+              <a:t>2020/9/15</a:t>
             </a:fld>
             <a:endParaRPr kumimoji="1" lang="ja-JP" altLang="en-US"/>
           </a:p>
@@ -3542,7 +3542,7 @@
           <a:p>
             <a:fld id="{FD845DEE-42C8-C840-B1B2-551C7203F112}" type="datetimeFigureOut">
               <a:rPr kumimoji="1" lang="ja-JP" altLang="en-US" smtClean="0"/>
-              <a:t>2020/9/9</a:t>
+              <a:t>2020/9/15</a:t>
             </a:fld>
             <a:endParaRPr kumimoji="1" lang="ja-JP" altLang="en-US"/>
           </a:p>
@@ -3865,7 +3865,7 @@
           <a:p>
             <a:fld id="{FD845DEE-42C8-C840-B1B2-551C7203F112}" type="datetimeFigureOut">
               <a:rPr kumimoji="1" lang="ja-JP" altLang="en-US" smtClean="0"/>
-              <a:t>2020/9/9</a:t>
+              <a:t>2020/9/15</a:t>
             </a:fld>
             <a:endParaRPr kumimoji="1" lang="ja-JP" altLang="en-US"/>
           </a:p>
@@ -4113,7 +4113,7 @@
           <a:p>
             <a:fld id="{FD845DEE-42C8-C840-B1B2-551C7203F112}" type="datetimeFigureOut">
               <a:rPr kumimoji="1" lang="ja-JP" altLang="en-US" smtClean="0"/>
-              <a:t>2020/9/9</a:t>
+              <a:t>2020/9/15</a:t>
             </a:fld>
             <a:endParaRPr kumimoji="1" lang="ja-JP" altLang="en-US"/>
           </a:p>
@@ -9959,8 +9959,8 @@
         </p:nvSpPr>
         <p:spPr>
           <a:xfrm>
-            <a:off x="3538614" y="2614327"/>
-            <a:ext cx="1966248" cy="985377"/>
+            <a:off x="3384966" y="2493783"/>
+            <a:ext cx="2119896" cy="1105922"/>
           </a:xfrm>
           <a:prstGeom prst="cloud">
             <a:avLst/>
@@ -9992,14 +9992,14 @@
           <a:p>
             <a:pPr algn="ctr"/>
             <a:r>
-              <a:rPr lang="en-US" altLang="ja-JP" sz="2000" dirty="0">
+              <a:rPr lang="en-US" altLang="ja-JP" sz="2400" dirty="0">
                 <a:solidFill>
                   <a:sysClr val="windowText" lastClr="000000"/>
                 </a:solidFill>
               </a:rPr>
               <a:t>Internet</a:t>
             </a:r>
-            <a:endParaRPr kumimoji="1" lang="ja-JP" altLang="en-US" sz="2000">
+            <a:endParaRPr kumimoji="1" lang="ja-JP" altLang="en-US" sz="2400">
               <a:solidFill>
                 <a:sysClr val="windowText" lastClr="000000"/>
               </a:solidFill>
@@ -10025,8 +10025,8 @@
         </p:nvCxnSpPr>
         <p:spPr>
           <a:xfrm>
-            <a:off x="5503223" y="3107016"/>
-            <a:ext cx="1043069" cy="0"/>
+            <a:off x="5503095" y="3046744"/>
+            <a:ext cx="1043197" cy="60272"/>
           </a:xfrm>
           <a:prstGeom prst="line">
             <a:avLst/>
@@ -10650,14 +10650,14 @@
           <a:p>
             <a:pPr algn="ctr"/>
             <a:r>
-              <a:rPr lang="en-US" altLang="ja-JP" sz="2000" dirty="0">
+              <a:rPr lang="en-US" altLang="ja-JP" sz="2800" dirty="0">
                 <a:solidFill>
                   <a:sysClr val="windowText" lastClr="000000"/>
                 </a:solidFill>
               </a:rPr>
               <a:t>Internet</a:t>
             </a:r>
-            <a:endParaRPr kumimoji="1" lang="ja-JP" altLang="en-US" sz="2000">
+            <a:endParaRPr kumimoji="1" lang="ja-JP" altLang="en-US" sz="2800">
               <a:solidFill>
                 <a:sysClr val="windowText" lastClr="000000"/>
               </a:solidFill>
@@ -11443,14 +11443,14 @@
           <a:p>
             <a:pPr algn="ctr"/>
             <a:r>
-              <a:rPr lang="en-US" altLang="ja-JP" sz="2000" dirty="0">
+              <a:rPr lang="en-US" altLang="ja-JP" sz="2800" dirty="0">
                 <a:solidFill>
                   <a:sysClr val="windowText" lastClr="000000"/>
                 </a:solidFill>
               </a:rPr>
               <a:t>Internet</a:t>
             </a:r>
-            <a:endParaRPr kumimoji="1" lang="ja-JP" altLang="en-US" sz="2000">
+            <a:endParaRPr kumimoji="1" lang="ja-JP" altLang="en-US" sz="2800">
               <a:solidFill>
                 <a:sysClr val="windowText" lastClr="000000"/>
               </a:solidFill>
@@ -11931,7 +11931,7 @@
         <p:spPr>
           <a:xfrm>
             <a:off x="4003745" y="1564968"/>
-            <a:ext cx="2723823" cy="646331"/>
+            <a:ext cx="3005951" cy="707886"/>
           </a:xfrm>
           <a:prstGeom prst="rect">
             <a:avLst/>
@@ -11945,17 +11945,17 @@
           <a:lstStyle/>
           <a:p>
             <a:r>
-              <a:rPr kumimoji="1" lang="ja-JP" altLang="en-US"/>
+              <a:rPr kumimoji="1" lang="ja-JP" altLang="en-US" sz="2000"/>
               <a:t>インターネット経由で</a:t>
             </a:r>
-            <a:endParaRPr kumimoji="1" lang="en-US" altLang="ja-JP" dirty="0"/>
-          </a:p>
-          <a:p>
-            <a:r>
-              <a:rPr lang="ja-JP" altLang="en-US"/>
+            <a:endParaRPr kumimoji="1" lang="en-US" altLang="ja-JP" sz="2000" dirty="0"/>
+          </a:p>
+          <a:p>
+            <a:r>
+              <a:rPr lang="ja-JP" altLang="en-US" sz="2000"/>
               <a:t>社内システムにアクセス</a:t>
             </a:r>
-            <a:endParaRPr kumimoji="1" lang="ja-JP" altLang="en-US"/>
+            <a:endParaRPr kumimoji="1" lang="ja-JP" altLang="en-US" sz="2000"/>
           </a:p>
         </p:txBody>
       </p:sp>
@@ -12427,14 +12427,14 @@
           <a:p>
             <a:pPr algn="ctr"/>
             <a:r>
-              <a:rPr kumimoji="1" lang="en-US" altLang="ja-JP" sz="2000" dirty="0">
+              <a:rPr kumimoji="1" lang="en-US" altLang="ja-JP" sz="2800" dirty="0">
                 <a:solidFill>
                   <a:sysClr val="windowText" lastClr="000000"/>
                 </a:solidFill>
               </a:rPr>
               <a:t>Internet</a:t>
             </a:r>
-            <a:endParaRPr kumimoji="1" lang="ja-JP" altLang="en-US" sz="1200">
+            <a:endParaRPr kumimoji="1" lang="ja-JP" altLang="en-US" sz="1600">
               <a:solidFill>
                 <a:sysClr val="windowText" lastClr="000000"/>
               </a:solidFill>
@@ -13259,14 +13259,14 @@
           <a:p>
             <a:pPr algn="ctr"/>
             <a:r>
-              <a:rPr kumimoji="1" lang="en-US" altLang="ja-JP" sz="2000" dirty="0">
+              <a:rPr kumimoji="1" lang="en-US" altLang="ja-JP" sz="2800" dirty="0">
                 <a:solidFill>
                   <a:sysClr val="windowText" lastClr="000000"/>
                 </a:solidFill>
               </a:rPr>
               <a:t>Internet</a:t>
             </a:r>
-            <a:endParaRPr kumimoji="1" lang="ja-JP" altLang="en-US" sz="1200">
+            <a:endParaRPr kumimoji="1" lang="ja-JP" altLang="en-US" sz="1600">
               <a:solidFill>
                 <a:sysClr val="windowText" lastClr="000000"/>
               </a:solidFill>
@@ -15500,6 +15500,776 @@
           <a:chExt cx="0" cy="0"/>
         </a:xfrm>
       </p:grpSpPr>
+      <p:sp>
+        <p:nvSpPr>
+          <p:cNvPr id="18" name="円/楕円 17">
+            <a:extLst>
+              <a:ext uri="{FF2B5EF4-FFF2-40B4-BE49-F238E27FC236}">
+                <a16:creationId xmlns:a16="http://schemas.microsoft.com/office/drawing/2014/main" id="{BA7909D5-04A7-844F-BD95-3FF748DAC737}"/>
+              </a:ext>
+            </a:extLst>
+          </p:cNvPr>
+          <p:cNvSpPr/>
+          <p:nvPr/>
+        </p:nvSpPr>
+        <p:spPr>
+          <a:xfrm>
+            <a:off x="5484907" y="1880942"/>
+            <a:ext cx="1812646" cy="3475171"/>
+          </a:xfrm>
+          <a:prstGeom prst="ellipse">
+            <a:avLst/>
+          </a:prstGeom>
+          <a:solidFill>
+            <a:schemeClr val="accent6">
+              <a:lumMod val="60000"/>
+              <a:lumOff val="40000"/>
+            </a:schemeClr>
+          </a:solidFill>
+          <a:ln>
+            <a:solidFill>
+              <a:schemeClr val="accent1">
+                <a:shade val="50000"/>
+              </a:schemeClr>
+            </a:solidFill>
+          </a:ln>
+        </p:spPr>
+        <p:style>
+          <a:lnRef idx="2">
+            <a:schemeClr val="accent1">
+              <a:shade val="50000"/>
+            </a:schemeClr>
+          </a:lnRef>
+          <a:fillRef idx="1">
+            <a:schemeClr val="accent1"/>
+          </a:fillRef>
+          <a:effectRef idx="0">
+            <a:schemeClr val="accent1"/>
+          </a:effectRef>
+          <a:fontRef idx="minor">
+            <a:schemeClr val="lt1"/>
+          </a:fontRef>
+        </p:style>
+        <p:txBody>
+          <a:bodyPr rtlCol="0" anchor="ctr"/>
+          <a:lstStyle/>
+          <a:p>
+            <a:pPr algn="ctr"/>
+            <a:endParaRPr kumimoji="1" lang="ja-JP" altLang="en-US"/>
+          </a:p>
+        </p:txBody>
+      </p:sp>
+      <p:pic>
+        <p:nvPicPr>
+          <p:cNvPr id="2" name="図 1">
+            <a:extLst>
+              <a:ext uri="{FF2B5EF4-FFF2-40B4-BE49-F238E27FC236}">
+                <a16:creationId xmlns:a16="http://schemas.microsoft.com/office/drawing/2014/main" id="{37650987-A971-5446-B9A4-393C8944536C}"/>
+              </a:ext>
+            </a:extLst>
+          </p:cNvPr>
+          <p:cNvPicPr>
+            <a:picLocks noChangeAspect="1"/>
+          </p:cNvPicPr>
+          <p:nvPr/>
+        </p:nvPicPr>
+        <p:blipFill>
+          <a:blip r:embed="rId2"/>
+          <a:stretch>
+            <a:fillRect/>
+          </a:stretch>
+        </p:blipFill>
+        <p:spPr>
+          <a:xfrm>
+            <a:off x="162455" y="2338331"/>
+            <a:ext cx="2086931" cy="1701822"/>
+          </a:xfrm>
+          <a:prstGeom prst="rect">
+            <a:avLst/>
+          </a:prstGeom>
+        </p:spPr>
+      </p:pic>
+      <p:pic>
+        <p:nvPicPr>
+          <p:cNvPr id="3" name="図 2">
+            <a:extLst>
+              <a:ext uri="{FF2B5EF4-FFF2-40B4-BE49-F238E27FC236}">
+                <a16:creationId xmlns:a16="http://schemas.microsoft.com/office/drawing/2014/main" id="{7A03ED86-3E39-C24C-B1C6-6B1DBB4F9EF1}"/>
+              </a:ext>
+            </a:extLst>
+          </p:cNvPr>
+          <p:cNvPicPr>
+            <a:picLocks noChangeAspect="1"/>
+          </p:cNvPicPr>
+          <p:nvPr/>
+        </p:nvPicPr>
+        <p:blipFill>
+          <a:blip r:embed="rId3"/>
+          <a:stretch>
+            <a:fillRect/>
+          </a:stretch>
+        </p:blipFill>
+        <p:spPr>
+          <a:xfrm>
+            <a:off x="5720159" y="2546356"/>
+            <a:ext cx="1363927" cy="2195590"/>
+          </a:xfrm>
+          <a:prstGeom prst="rect">
+            <a:avLst/>
+          </a:prstGeom>
+        </p:spPr>
+      </p:pic>
+      <p:pic>
+        <p:nvPicPr>
+          <p:cNvPr id="4" name="図 3">
+            <a:extLst>
+              <a:ext uri="{FF2B5EF4-FFF2-40B4-BE49-F238E27FC236}">
+                <a16:creationId xmlns:a16="http://schemas.microsoft.com/office/drawing/2014/main" id="{50364242-9C11-9640-B8FD-8B0C82C1BF5F}"/>
+              </a:ext>
+            </a:extLst>
+          </p:cNvPr>
+          <p:cNvPicPr>
+            <a:picLocks noChangeAspect="1"/>
+          </p:cNvPicPr>
+          <p:nvPr/>
+        </p:nvPicPr>
+        <p:blipFill>
+          <a:blip r:embed="rId4"/>
+          <a:stretch>
+            <a:fillRect/>
+          </a:stretch>
+        </p:blipFill>
+        <p:spPr>
+          <a:xfrm>
+            <a:off x="10533074" y="1991780"/>
+            <a:ext cx="1448810" cy="2028334"/>
+          </a:xfrm>
+          <a:prstGeom prst="rect">
+            <a:avLst/>
+          </a:prstGeom>
+        </p:spPr>
+      </p:pic>
+      <p:cxnSp>
+        <p:nvCxnSpPr>
+          <p:cNvPr id="6" name="直線矢印コネクタ 5">
+            <a:extLst>
+              <a:ext uri="{FF2B5EF4-FFF2-40B4-BE49-F238E27FC236}">
+                <a16:creationId xmlns:a16="http://schemas.microsoft.com/office/drawing/2014/main" id="{B96AD5F0-92F2-3549-8699-B9D9F37CB934}"/>
+              </a:ext>
+            </a:extLst>
+          </p:cNvPr>
+          <p:cNvCxnSpPr>
+            <a:cxnSpLocks/>
+          </p:cNvCxnSpPr>
+          <p:nvPr/>
+        </p:nvCxnSpPr>
+        <p:spPr>
+          <a:xfrm>
+            <a:off x="2335427" y="1991780"/>
+            <a:ext cx="2804984" cy="0"/>
+          </a:xfrm>
+          <a:prstGeom prst="straightConnector1">
+            <a:avLst/>
+          </a:prstGeom>
+          <a:ln w="63500">
+            <a:solidFill>
+              <a:schemeClr val="accent1"/>
+            </a:solidFill>
+            <a:headEnd type="none" w="lg" len="sm"/>
+            <a:tailEnd type="triangle" w="lg" len="lg"/>
+          </a:ln>
+        </p:spPr>
+        <p:style>
+          <a:lnRef idx="1">
+            <a:schemeClr val="accent1"/>
+          </a:lnRef>
+          <a:fillRef idx="0">
+            <a:schemeClr val="accent1"/>
+          </a:fillRef>
+          <a:effectRef idx="0">
+            <a:schemeClr val="accent1"/>
+          </a:effectRef>
+          <a:fontRef idx="minor">
+            <a:schemeClr val="tx1"/>
+          </a:fontRef>
+        </p:style>
+      </p:cxnSp>
+      <p:cxnSp>
+        <p:nvCxnSpPr>
+          <p:cNvPr id="13" name="直線矢印コネクタ 12">
+            <a:extLst>
+              <a:ext uri="{FF2B5EF4-FFF2-40B4-BE49-F238E27FC236}">
+                <a16:creationId xmlns:a16="http://schemas.microsoft.com/office/drawing/2014/main" id="{6C9E619A-E83C-1B46-B619-D1D4A27BD70A}"/>
+              </a:ext>
+            </a:extLst>
+          </p:cNvPr>
+          <p:cNvCxnSpPr>
+            <a:cxnSpLocks/>
+          </p:cNvCxnSpPr>
+          <p:nvPr/>
+        </p:nvCxnSpPr>
+        <p:spPr>
+          <a:xfrm>
+            <a:off x="2357062" y="4189300"/>
+            <a:ext cx="2804984" cy="0"/>
+          </a:xfrm>
+          <a:prstGeom prst="straightConnector1">
+            <a:avLst/>
+          </a:prstGeom>
+          <a:ln w="63500">
+            <a:solidFill>
+              <a:schemeClr val="accent1"/>
+            </a:solidFill>
+            <a:headEnd type="none" w="lg" len="sm"/>
+            <a:tailEnd type="triangle" w="lg" len="lg"/>
+          </a:ln>
+        </p:spPr>
+        <p:style>
+          <a:lnRef idx="1">
+            <a:schemeClr val="accent1"/>
+          </a:lnRef>
+          <a:fillRef idx="0">
+            <a:schemeClr val="accent1"/>
+          </a:fillRef>
+          <a:effectRef idx="0">
+            <a:schemeClr val="accent1"/>
+          </a:effectRef>
+          <a:fontRef idx="minor">
+            <a:schemeClr val="tx1"/>
+          </a:fontRef>
+        </p:style>
+      </p:cxnSp>
+      <p:cxnSp>
+        <p:nvCxnSpPr>
+          <p:cNvPr id="14" name="直線矢印コネクタ 13">
+            <a:extLst>
+              <a:ext uri="{FF2B5EF4-FFF2-40B4-BE49-F238E27FC236}">
+                <a16:creationId xmlns:a16="http://schemas.microsoft.com/office/drawing/2014/main" id="{B69881DA-E59C-FC45-AC92-AAFD37682292}"/>
+              </a:ext>
+            </a:extLst>
+          </p:cNvPr>
+          <p:cNvCxnSpPr>
+            <a:cxnSpLocks/>
+          </p:cNvCxnSpPr>
+          <p:nvPr/>
+        </p:nvCxnSpPr>
+        <p:spPr>
+          <a:xfrm>
+            <a:off x="2335427" y="4603178"/>
+            <a:ext cx="2804984" cy="0"/>
+          </a:xfrm>
+          <a:prstGeom prst="straightConnector1">
+            <a:avLst/>
+          </a:prstGeom>
+          <a:ln w="63500">
+            <a:solidFill>
+              <a:schemeClr val="accent1"/>
+            </a:solidFill>
+            <a:headEnd type="triangle" w="lg" len="lg"/>
+            <a:tailEnd type="none"/>
+          </a:ln>
+        </p:spPr>
+        <p:style>
+          <a:lnRef idx="1">
+            <a:schemeClr val="accent1"/>
+          </a:lnRef>
+          <a:fillRef idx="0">
+            <a:schemeClr val="accent1"/>
+          </a:fillRef>
+          <a:effectRef idx="0">
+            <a:schemeClr val="accent1"/>
+          </a:effectRef>
+          <a:fontRef idx="minor">
+            <a:schemeClr val="tx1"/>
+          </a:fontRef>
+        </p:style>
+      </p:cxnSp>
+      <p:cxnSp>
+        <p:nvCxnSpPr>
+          <p:cNvPr id="15" name="直線矢印コネクタ 14">
+            <a:extLst>
+              <a:ext uri="{FF2B5EF4-FFF2-40B4-BE49-F238E27FC236}">
+                <a16:creationId xmlns:a16="http://schemas.microsoft.com/office/drawing/2014/main" id="{ABA48506-2864-CE44-AB98-22D3279AEA9B}"/>
+              </a:ext>
+            </a:extLst>
+          </p:cNvPr>
+          <p:cNvCxnSpPr>
+            <a:cxnSpLocks/>
+          </p:cNvCxnSpPr>
+          <p:nvPr/>
+        </p:nvCxnSpPr>
+        <p:spPr>
+          <a:xfrm>
+            <a:off x="2335427" y="2483968"/>
+            <a:ext cx="2804984" cy="0"/>
+          </a:xfrm>
+          <a:prstGeom prst="straightConnector1">
+            <a:avLst/>
+          </a:prstGeom>
+          <a:ln w="63500">
+            <a:solidFill>
+              <a:schemeClr val="accent1"/>
+            </a:solidFill>
+            <a:headEnd type="triangle" w="lg" len="lg"/>
+            <a:tailEnd type="none"/>
+          </a:ln>
+        </p:spPr>
+        <p:style>
+          <a:lnRef idx="1">
+            <a:schemeClr val="accent1"/>
+          </a:lnRef>
+          <a:fillRef idx="0">
+            <a:schemeClr val="accent1"/>
+          </a:fillRef>
+          <a:effectRef idx="0">
+            <a:schemeClr val="accent1"/>
+          </a:effectRef>
+          <a:fontRef idx="minor">
+            <a:schemeClr val="tx1"/>
+          </a:fontRef>
+        </p:style>
+      </p:cxnSp>
+      <p:cxnSp>
+        <p:nvCxnSpPr>
+          <p:cNvPr id="16" name="直線矢印コネクタ 15">
+            <a:extLst>
+              <a:ext uri="{FF2B5EF4-FFF2-40B4-BE49-F238E27FC236}">
+                <a16:creationId xmlns:a16="http://schemas.microsoft.com/office/drawing/2014/main" id="{EE2C6B54-471C-7949-BE91-DE4DA0654F18}"/>
+              </a:ext>
+            </a:extLst>
+          </p:cNvPr>
+          <p:cNvCxnSpPr>
+            <a:cxnSpLocks/>
+          </p:cNvCxnSpPr>
+          <p:nvPr/>
+        </p:nvCxnSpPr>
+        <p:spPr>
+          <a:xfrm>
+            <a:off x="7442896" y="3859783"/>
+            <a:ext cx="2804984" cy="0"/>
+          </a:xfrm>
+          <a:prstGeom prst="straightConnector1">
+            <a:avLst/>
+          </a:prstGeom>
+          <a:ln w="63500">
+            <a:solidFill>
+              <a:schemeClr val="accent1"/>
+            </a:solidFill>
+            <a:headEnd type="none" w="lg" len="sm"/>
+            <a:tailEnd type="triangle" w="lg" len="lg"/>
+          </a:ln>
+        </p:spPr>
+        <p:style>
+          <a:lnRef idx="1">
+            <a:schemeClr val="accent1"/>
+          </a:lnRef>
+          <a:fillRef idx="0">
+            <a:schemeClr val="accent1"/>
+          </a:fillRef>
+          <a:effectRef idx="0">
+            <a:schemeClr val="accent1"/>
+          </a:effectRef>
+          <a:fontRef idx="minor">
+            <a:schemeClr val="tx1"/>
+          </a:fontRef>
+        </p:style>
+      </p:cxnSp>
+      <p:cxnSp>
+        <p:nvCxnSpPr>
+          <p:cNvPr id="17" name="直線矢印コネクタ 16">
+            <a:extLst>
+              <a:ext uri="{FF2B5EF4-FFF2-40B4-BE49-F238E27FC236}">
+                <a16:creationId xmlns:a16="http://schemas.microsoft.com/office/drawing/2014/main" id="{80EC3E2E-6AF1-4E4B-BCF4-327452147FDD}"/>
+              </a:ext>
+            </a:extLst>
+          </p:cNvPr>
+          <p:cNvCxnSpPr>
+            <a:cxnSpLocks/>
+          </p:cNvCxnSpPr>
+          <p:nvPr/>
+        </p:nvCxnSpPr>
+        <p:spPr>
+          <a:xfrm>
+            <a:off x="7442896" y="4478232"/>
+            <a:ext cx="2804984" cy="0"/>
+          </a:xfrm>
+          <a:prstGeom prst="straightConnector1">
+            <a:avLst/>
+          </a:prstGeom>
+          <a:ln w="63500">
+            <a:solidFill>
+              <a:schemeClr val="accent1"/>
+            </a:solidFill>
+            <a:headEnd type="triangle" w="lg" len="lg"/>
+            <a:tailEnd type="none"/>
+          </a:ln>
+        </p:spPr>
+        <p:style>
+          <a:lnRef idx="1">
+            <a:schemeClr val="accent1"/>
+          </a:lnRef>
+          <a:fillRef idx="0">
+            <a:schemeClr val="accent1"/>
+          </a:fillRef>
+          <a:effectRef idx="0">
+            <a:schemeClr val="accent1"/>
+          </a:effectRef>
+          <a:fontRef idx="minor">
+            <a:schemeClr val="tx1"/>
+          </a:fontRef>
+        </p:style>
+      </p:cxnSp>
+      <p:sp>
+        <p:nvSpPr>
+          <p:cNvPr id="19" name="テキスト ボックス 18">
+            <a:extLst>
+              <a:ext uri="{FF2B5EF4-FFF2-40B4-BE49-F238E27FC236}">
+                <a16:creationId xmlns:a16="http://schemas.microsoft.com/office/drawing/2014/main" id="{FD71E5E7-1C62-6146-BF4B-B412E76012C5}"/>
+              </a:ext>
+            </a:extLst>
+          </p:cNvPr>
+          <p:cNvSpPr txBox="1"/>
+          <p:nvPr/>
+        </p:nvSpPr>
+        <p:spPr>
+          <a:xfrm>
+            <a:off x="5331019" y="1151820"/>
+            <a:ext cx="2031326" cy="830997"/>
+          </a:xfrm>
+          <a:prstGeom prst="rect">
+            <a:avLst/>
+          </a:prstGeom>
+          <a:noFill/>
+        </p:spPr>
+        <p:txBody>
+          <a:bodyPr wrap="none" rtlCol="0">
+            <a:spAutoFit/>
+          </a:bodyPr>
+          <a:lstStyle/>
+          <a:p>
+            <a:pPr algn="ctr"/>
+            <a:r>
+              <a:rPr kumimoji="1" lang="en-US" altLang="ja-JP" sz="2400" dirty="0"/>
+              <a:t>Radius</a:t>
+            </a:r>
+          </a:p>
+          <a:p>
+            <a:pPr algn="ctr"/>
+            <a:r>
+              <a:rPr lang="ja-JP" altLang="en-US" sz="2400"/>
+              <a:t>クライアント</a:t>
+            </a:r>
+            <a:endParaRPr kumimoji="1" lang="en-US" altLang="ja-JP" sz="2400" dirty="0"/>
+          </a:p>
+        </p:txBody>
+      </p:sp>
+      <p:sp>
+        <p:nvSpPr>
+          <p:cNvPr id="20" name="テキスト ボックス 19">
+            <a:extLst>
+              <a:ext uri="{FF2B5EF4-FFF2-40B4-BE49-F238E27FC236}">
+                <a16:creationId xmlns:a16="http://schemas.microsoft.com/office/drawing/2014/main" id="{54AC3445-6F1C-444F-8A14-CE531CAE19E9}"/>
+              </a:ext>
+            </a:extLst>
+          </p:cNvPr>
+          <p:cNvSpPr txBox="1"/>
+          <p:nvPr/>
+        </p:nvSpPr>
+        <p:spPr>
+          <a:xfrm>
+            <a:off x="10592376" y="4017746"/>
+            <a:ext cx="1201739" cy="830997"/>
+          </a:xfrm>
+          <a:prstGeom prst="rect">
+            <a:avLst/>
+          </a:prstGeom>
+          <a:noFill/>
+        </p:spPr>
+        <p:txBody>
+          <a:bodyPr wrap="none" rtlCol="0">
+            <a:spAutoFit/>
+          </a:bodyPr>
+          <a:lstStyle/>
+          <a:p>
+            <a:r>
+              <a:rPr kumimoji="1" lang="en-US" altLang="ja-JP" sz="2400" dirty="0"/>
+              <a:t>Radius</a:t>
+            </a:r>
+          </a:p>
+          <a:p>
+            <a:pPr algn="ctr"/>
+            <a:r>
+              <a:rPr kumimoji="1" lang="ja-JP" altLang="en-US" sz="2400"/>
+              <a:t>サーバ</a:t>
+            </a:r>
+          </a:p>
+        </p:txBody>
+      </p:sp>
+      <p:sp>
+        <p:nvSpPr>
+          <p:cNvPr id="21" name="テキスト ボックス 20">
+            <a:extLst>
+              <a:ext uri="{FF2B5EF4-FFF2-40B4-BE49-F238E27FC236}">
+                <a16:creationId xmlns:a16="http://schemas.microsoft.com/office/drawing/2014/main" id="{044A8A82-3A2C-A940-A7DA-E01A234141CF}"/>
+              </a:ext>
+            </a:extLst>
+          </p:cNvPr>
+          <p:cNvSpPr txBox="1"/>
+          <p:nvPr/>
+        </p:nvSpPr>
+        <p:spPr>
+          <a:xfrm>
+            <a:off x="728866" y="4140232"/>
+            <a:ext cx="1107996" cy="461665"/>
+          </a:xfrm>
+          <a:prstGeom prst="rect">
+            <a:avLst/>
+          </a:prstGeom>
+          <a:noFill/>
+        </p:spPr>
+        <p:txBody>
+          <a:bodyPr wrap="none" rtlCol="0">
+            <a:spAutoFit/>
+          </a:bodyPr>
+          <a:lstStyle/>
+          <a:p>
+            <a:r>
+              <a:rPr kumimoji="1" lang="ja-JP" altLang="en-US" sz="2400"/>
+              <a:t>ユーザ</a:t>
+            </a:r>
+          </a:p>
+        </p:txBody>
+      </p:sp>
+      <p:sp>
+        <p:nvSpPr>
+          <p:cNvPr id="23" name="テキスト ボックス 22">
+            <a:extLst>
+              <a:ext uri="{FF2B5EF4-FFF2-40B4-BE49-F238E27FC236}">
+                <a16:creationId xmlns:a16="http://schemas.microsoft.com/office/drawing/2014/main" id="{60322A8D-8E2D-194F-B11D-A93F49D04F5A}"/>
+              </a:ext>
+            </a:extLst>
+          </p:cNvPr>
+          <p:cNvSpPr txBox="1"/>
+          <p:nvPr/>
+        </p:nvSpPr>
+        <p:spPr>
+          <a:xfrm>
+            <a:off x="3185442" y="1553029"/>
+            <a:ext cx="1107996" cy="461665"/>
+          </a:xfrm>
+          <a:prstGeom prst="rect">
+            <a:avLst/>
+          </a:prstGeom>
+          <a:noFill/>
+        </p:spPr>
+        <p:txBody>
+          <a:bodyPr wrap="none" rtlCol="0">
+            <a:spAutoFit/>
+          </a:bodyPr>
+          <a:lstStyle/>
+          <a:p>
+            <a:r>
+              <a:rPr kumimoji="1" lang="en-US" altLang="ja-JP" sz="2400" dirty="0"/>
+              <a:t>①</a:t>
+            </a:r>
+            <a:r>
+              <a:rPr lang="ja-JP" altLang="en-US" sz="2400"/>
+              <a:t>接続</a:t>
+            </a:r>
+            <a:endParaRPr kumimoji="1" lang="ja-JP" altLang="en-US" sz="2400"/>
+          </a:p>
+        </p:txBody>
+      </p:sp>
+      <p:sp>
+        <p:nvSpPr>
+          <p:cNvPr id="24" name="テキスト ボックス 23">
+            <a:extLst>
+              <a:ext uri="{FF2B5EF4-FFF2-40B4-BE49-F238E27FC236}">
+                <a16:creationId xmlns:a16="http://schemas.microsoft.com/office/drawing/2014/main" id="{00C7D49B-B479-E844-84C9-3DC4DF077A4C}"/>
+              </a:ext>
+            </a:extLst>
+          </p:cNvPr>
+          <p:cNvSpPr txBox="1"/>
+          <p:nvPr/>
+        </p:nvSpPr>
+        <p:spPr>
+          <a:xfrm>
+            <a:off x="2982914" y="2509612"/>
+            <a:ext cx="1723549" cy="461665"/>
+          </a:xfrm>
+          <a:prstGeom prst="rect">
+            <a:avLst/>
+          </a:prstGeom>
+          <a:noFill/>
+        </p:spPr>
+        <p:txBody>
+          <a:bodyPr wrap="none" rtlCol="0">
+            <a:spAutoFit/>
+          </a:bodyPr>
+          <a:lstStyle/>
+          <a:p>
+            <a:r>
+              <a:rPr kumimoji="1" lang="ja-JP" altLang="en-US" sz="2400"/>
+              <a:t>②認証要求</a:t>
+            </a:r>
+          </a:p>
+        </p:txBody>
+      </p:sp>
+      <p:sp>
+        <p:nvSpPr>
+          <p:cNvPr id="25" name="テキスト ボックス 24">
+            <a:extLst>
+              <a:ext uri="{FF2B5EF4-FFF2-40B4-BE49-F238E27FC236}">
+                <a16:creationId xmlns:a16="http://schemas.microsoft.com/office/drawing/2014/main" id="{404B8AE6-D4EA-3743-BB9A-EE28ACFF3749}"/>
+              </a:ext>
+            </a:extLst>
+          </p:cNvPr>
+          <p:cNvSpPr txBox="1"/>
+          <p:nvPr/>
+        </p:nvSpPr>
+        <p:spPr>
+          <a:xfrm>
+            <a:off x="2955198" y="3395325"/>
+            <a:ext cx="2031325" cy="830997"/>
+          </a:xfrm>
+          <a:prstGeom prst="rect">
+            <a:avLst/>
+          </a:prstGeom>
+          <a:noFill/>
+        </p:spPr>
+        <p:txBody>
+          <a:bodyPr wrap="none" rtlCol="0">
+            <a:spAutoFit/>
+          </a:bodyPr>
+          <a:lstStyle/>
+          <a:p>
+            <a:r>
+              <a:rPr kumimoji="1" lang="ja-JP" altLang="en-US" sz="2400"/>
+              <a:t>③ユーザ名、</a:t>
+            </a:r>
+            <a:endParaRPr kumimoji="1" lang="en-US" altLang="ja-JP" sz="2400" dirty="0"/>
+          </a:p>
+          <a:p>
+            <a:r>
+              <a:rPr kumimoji="1" lang="ja-JP" altLang="en-US" sz="2400"/>
+              <a:t>パスワード</a:t>
+            </a:r>
+          </a:p>
+        </p:txBody>
+      </p:sp>
+      <p:sp>
+        <p:nvSpPr>
+          <p:cNvPr id="26" name="テキスト ボックス 25">
+            <a:extLst>
+              <a:ext uri="{FF2B5EF4-FFF2-40B4-BE49-F238E27FC236}">
+                <a16:creationId xmlns:a16="http://schemas.microsoft.com/office/drawing/2014/main" id="{FD239C93-928E-204F-82A3-C393664B0B9E}"/>
+              </a:ext>
+            </a:extLst>
+          </p:cNvPr>
+          <p:cNvSpPr txBox="1"/>
+          <p:nvPr/>
+        </p:nvSpPr>
+        <p:spPr>
+          <a:xfrm>
+            <a:off x="3004385" y="4680461"/>
+            <a:ext cx="1723549" cy="461665"/>
+          </a:xfrm>
+          <a:prstGeom prst="rect">
+            <a:avLst/>
+          </a:prstGeom>
+          <a:noFill/>
+        </p:spPr>
+        <p:txBody>
+          <a:bodyPr wrap="none" rtlCol="0">
+            <a:spAutoFit/>
+          </a:bodyPr>
+          <a:lstStyle/>
+          <a:p>
+            <a:r>
+              <a:rPr kumimoji="1" lang="ja-JP" altLang="en-US" sz="2400"/>
+              <a:t>⑥認証結果</a:t>
+            </a:r>
+          </a:p>
+        </p:txBody>
+      </p:sp>
+      <p:sp>
+        <p:nvSpPr>
+          <p:cNvPr id="27" name="テキスト ボックス 26">
+            <a:extLst>
+              <a:ext uri="{FF2B5EF4-FFF2-40B4-BE49-F238E27FC236}">
+                <a16:creationId xmlns:a16="http://schemas.microsoft.com/office/drawing/2014/main" id="{9ECFAF2B-3600-3A42-BD6E-51DE09214274}"/>
+              </a:ext>
+            </a:extLst>
+          </p:cNvPr>
+          <p:cNvSpPr txBox="1"/>
+          <p:nvPr/>
+        </p:nvSpPr>
+        <p:spPr>
+          <a:xfrm>
+            <a:off x="7642049" y="2922513"/>
+            <a:ext cx="2339102" cy="830997"/>
+          </a:xfrm>
+          <a:prstGeom prst="rect">
+            <a:avLst/>
+          </a:prstGeom>
+          <a:noFill/>
+        </p:spPr>
+        <p:txBody>
+          <a:bodyPr wrap="none" rtlCol="0">
+            <a:spAutoFit/>
+          </a:bodyPr>
+          <a:lstStyle/>
+          <a:p>
+            <a:r>
+              <a:rPr kumimoji="1" lang="ja-JP" altLang="en-US" sz="2400"/>
+              <a:t>④アクセス認証</a:t>
+            </a:r>
+            <a:endParaRPr lang="en-US" altLang="ja-JP" sz="2400" dirty="0"/>
+          </a:p>
+          <a:p>
+            <a:pPr algn="ctr"/>
+            <a:r>
+              <a:rPr kumimoji="1" lang="ja-JP" altLang="en-US" sz="2400"/>
+              <a:t>リクエスト</a:t>
+            </a:r>
+          </a:p>
+        </p:txBody>
+      </p:sp>
+      <p:sp>
+        <p:nvSpPr>
+          <p:cNvPr id="28" name="テキスト ボックス 27">
+            <a:extLst>
+              <a:ext uri="{FF2B5EF4-FFF2-40B4-BE49-F238E27FC236}">
+                <a16:creationId xmlns:a16="http://schemas.microsoft.com/office/drawing/2014/main" id="{C4755073-876A-664F-A4BC-71105DD65B87}"/>
+              </a:ext>
+            </a:extLst>
+          </p:cNvPr>
+          <p:cNvSpPr txBox="1"/>
+          <p:nvPr/>
+        </p:nvSpPr>
+        <p:spPr>
+          <a:xfrm>
+            <a:off x="7642049" y="4694222"/>
+            <a:ext cx="2646878" cy="461665"/>
+          </a:xfrm>
+          <a:prstGeom prst="rect">
+            <a:avLst/>
+          </a:prstGeom>
+          <a:noFill/>
+        </p:spPr>
+        <p:txBody>
+          <a:bodyPr wrap="none" rtlCol="0">
+            <a:spAutoFit/>
+          </a:bodyPr>
+          <a:lstStyle/>
+          <a:p>
+            <a:r>
+              <a:rPr kumimoji="1" lang="ja-JP" altLang="en-US" sz="2400"/>
+              <a:t>⑤認証可否の情報</a:t>
+            </a:r>
+          </a:p>
+        </p:txBody>
+      </p:sp>
     </p:spTree>
     <p:extLst>
       <p:ext uri="{BB962C8B-B14F-4D97-AF65-F5344CB8AC3E}">
@@ -20764,8 +21534,8 @@
         </p:nvSpPr>
         <p:spPr>
           <a:xfrm>
-            <a:off x="1279906" y="401751"/>
-            <a:ext cx="9938159" cy="4929238"/>
+            <a:off x="869795" y="401750"/>
+            <a:ext cx="10682867" cy="5597606"/>
           </a:xfrm>
           <a:custGeom>
             <a:avLst/>
@@ -20905,7 +21675,7 @@
           <a:lstStyle/>
           <a:p>
             <a:pPr algn="ctr"/>
-            <a:endParaRPr kumimoji="1" lang="ja-JP" altLang="en-US"/>
+            <a:endParaRPr kumimoji="1" lang="ja-JP" altLang="en-US" b="1"/>
           </a:p>
         </p:txBody>
       </p:sp>
@@ -20991,10 +21761,10 @@
       </p:pic>
       <p:pic>
         <p:nvPicPr>
-          <p:cNvPr id="5" name="図 4">
-            <a:extLst>
-              <a:ext uri="{FF2B5EF4-FFF2-40B4-BE49-F238E27FC236}">
-                <a16:creationId xmlns:a16="http://schemas.microsoft.com/office/drawing/2014/main" id="{78E99EC6-0A9F-3D44-BD6B-4822E1B2A2F2}"/>
+          <p:cNvPr id="7" name="図 6">
+            <a:extLst>
+              <a:ext uri="{FF2B5EF4-FFF2-40B4-BE49-F238E27FC236}">
+                <a16:creationId xmlns:a16="http://schemas.microsoft.com/office/drawing/2014/main" id="{AE0FB9F9-6600-BA4D-AAF1-57213BBEED57}"/>
               </a:ext>
             </a:extLst>
           </p:cNvPr>
@@ -21011,8 +21781,8 @@
         </p:blipFill>
         <p:spPr>
           <a:xfrm>
-            <a:off x="0" y="5560283"/>
-            <a:ext cx="1003300" cy="901700"/>
+            <a:off x="6546292" y="2687916"/>
+            <a:ext cx="520700" cy="838200"/>
           </a:xfrm>
           <a:prstGeom prst="rect">
             <a:avLst/>
@@ -21021,10 +21791,10 @@
       </p:pic>
       <p:pic>
         <p:nvPicPr>
-          <p:cNvPr id="7" name="図 6">
-            <a:extLst>
-              <a:ext uri="{FF2B5EF4-FFF2-40B4-BE49-F238E27FC236}">
-                <a16:creationId xmlns:a16="http://schemas.microsoft.com/office/drawing/2014/main" id="{AE0FB9F9-6600-BA4D-AAF1-57213BBEED57}"/>
+          <p:cNvPr id="9" name="図 8">
+            <a:extLst>
+              <a:ext uri="{FF2B5EF4-FFF2-40B4-BE49-F238E27FC236}">
+                <a16:creationId xmlns:a16="http://schemas.microsoft.com/office/drawing/2014/main" id="{0E823936-F079-FF49-A790-F0512C155A9A}"/>
               </a:ext>
             </a:extLst>
           </p:cNvPr>
@@ -21041,8 +21811,8 @@
         </p:blipFill>
         <p:spPr>
           <a:xfrm>
-            <a:off x="6546292" y="2687916"/>
-            <a:ext cx="520700" cy="838200"/>
+            <a:off x="9983591" y="1506816"/>
+            <a:ext cx="571500" cy="800100"/>
           </a:xfrm>
           <a:prstGeom prst="rect">
             <a:avLst/>
@@ -21051,10 +21821,10 @@
       </p:pic>
       <p:pic>
         <p:nvPicPr>
-          <p:cNvPr id="9" name="図 8">
-            <a:extLst>
-              <a:ext uri="{FF2B5EF4-FFF2-40B4-BE49-F238E27FC236}">
-                <a16:creationId xmlns:a16="http://schemas.microsoft.com/office/drawing/2014/main" id="{0E823936-F079-FF49-A790-F0512C155A9A}"/>
+          <p:cNvPr id="10" name="図 9">
+            <a:extLst>
+              <a:ext uri="{FF2B5EF4-FFF2-40B4-BE49-F238E27FC236}">
+                <a16:creationId xmlns:a16="http://schemas.microsoft.com/office/drawing/2014/main" id="{7995FC5E-9608-F149-AC4C-5CEBF2DC63CC}"/>
               </a:ext>
             </a:extLst>
           </p:cNvPr>
@@ -21064,43 +21834,13 @@
           <p:nvPr/>
         </p:nvPicPr>
         <p:blipFill>
-          <a:blip r:embed="rId6"/>
+          <a:blip r:embed="rId5"/>
           <a:stretch>
             <a:fillRect/>
           </a:stretch>
         </p:blipFill>
         <p:spPr>
           <a:xfrm>
-            <a:off x="9983591" y="1506816"/>
-            <a:ext cx="571500" cy="800100"/>
-          </a:xfrm>
-          <a:prstGeom prst="rect">
-            <a:avLst/>
-          </a:prstGeom>
-        </p:spPr>
-      </p:pic>
-      <p:pic>
-        <p:nvPicPr>
-          <p:cNvPr id="10" name="図 9">
-            <a:extLst>
-              <a:ext uri="{FF2B5EF4-FFF2-40B4-BE49-F238E27FC236}">
-                <a16:creationId xmlns:a16="http://schemas.microsoft.com/office/drawing/2014/main" id="{7995FC5E-9608-F149-AC4C-5CEBF2DC63CC}"/>
-              </a:ext>
-            </a:extLst>
-          </p:cNvPr>
-          <p:cNvPicPr>
-            <a:picLocks noChangeAspect="1"/>
-          </p:cNvPicPr>
-          <p:nvPr/>
-        </p:nvPicPr>
-        <p:blipFill>
-          <a:blip r:embed="rId6"/>
-          <a:stretch>
-            <a:fillRect/>
-          </a:stretch>
-        </p:blipFill>
-        <p:spPr>
-          <a:xfrm>
             <a:off x="9981475" y="3907116"/>
             <a:ext cx="571500" cy="800100"/>
           </a:xfrm>
@@ -21124,7 +21864,7 @@
           <p:nvPr/>
         </p:nvPicPr>
         <p:blipFill>
-          <a:blip r:embed="rId7"/>
+          <a:blip r:embed="rId6"/>
           <a:stretch>
             <a:fillRect/>
           </a:stretch>
@@ -21333,8 +22073,8 @@
         </p:nvSpPr>
         <p:spPr>
           <a:xfrm>
-            <a:off x="3538614" y="2614327"/>
-            <a:ext cx="1966248" cy="985377"/>
+            <a:off x="3250128" y="2284903"/>
+            <a:ext cx="2179074" cy="1188570"/>
           </a:xfrm>
           <a:prstGeom prst="cloud">
             <a:avLst/>
@@ -21366,14 +22106,14 @@
           <a:p>
             <a:pPr algn="ctr"/>
             <a:r>
-              <a:rPr kumimoji="1" lang="en-US" altLang="ja-JP" sz="1200" dirty="0" err="1">
+              <a:rPr kumimoji="1" lang="en-US" altLang="ja-JP" sz="1600" dirty="0" err="1">
                 <a:solidFill>
                   <a:sysClr val="windowText" lastClr="000000"/>
                 </a:solidFill>
               </a:rPr>
               <a:t>JaistNetwork</a:t>
             </a:r>
-            <a:endParaRPr kumimoji="1" lang="ja-JP" altLang="en-US" sz="1200">
+            <a:endParaRPr kumimoji="1" lang="ja-JP" altLang="en-US" sz="1600">
               <a:solidFill>
                 <a:sysClr val="windowText" lastClr="000000"/>
               </a:solidFill>
@@ -21399,8 +22139,8 @@
         </p:nvCxnSpPr>
         <p:spPr>
           <a:xfrm>
-            <a:off x="5503223" y="3107016"/>
-            <a:ext cx="1043069" cy="0"/>
+            <a:off x="5427386" y="2879188"/>
+            <a:ext cx="1118906" cy="227828"/>
           </a:xfrm>
           <a:prstGeom prst="line">
             <a:avLst/>
@@ -21438,8 +22178,8 @@
         </p:nvSpPr>
         <p:spPr>
           <a:xfrm>
-            <a:off x="5715499" y="3520461"/>
-            <a:ext cx="1732875" cy="276999"/>
+            <a:off x="5167738" y="3491642"/>
+            <a:ext cx="1732875" cy="369332"/>
           </a:xfrm>
           <a:prstGeom prst="rect">
             <a:avLst/>
@@ -21453,10 +22193,10 @@
           <a:lstStyle/>
           <a:p>
             <a:r>
-              <a:rPr kumimoji="1" lang="en-US" altLang="ja-JP" sz="1200" dirty="0"/>
+              <a:rPr kumimoji="1" lang="en-US" altLang="ja-JP" b="1" dirty="0"/>
               <a:t>150.65.136.94</a:t>
             </a:r>
-            <a:endParaRPr kumimoji="1" lang="ja-JP" altLang="en-US" sz="1600"/>
+            <a:endParaRPr kumimoji="1" lang="ja-JP" altLang="en-US" b="1"/>
           </a:p>
         </p:txBody>
       </p:sp>
@@ -21474,8 +22214,8 @@
         </p:nvSpPr>
         <p:spPr>
           <a:xfrm>
-            <a:off x="7030295" y="3254318"/>
-            <a:ext cx="873282" cy="276999"/>
+            <a:off x="6850418" y="3491642"/>
+            <a:ext cx="1098380" cy="369332"/>
           </a:xfrm>
           <a:prstGeom prst="rect">
             <a:avLst/>
@@ -21489,10 +22229,10 @@
           <a:lstStyle/>
           <a:p>
             <a:r>
-              <a:rPr lang="en-US" altLang="ja-JP" sz="1200" dirty="0"/>
+              <a:rPr lang="en-US" altLang="ja-JP" b="1" dirty="0"/>
               <a:t>10.1.1.1</a:t>
             </a:r>
-            <a:endParaRPr kumimoji="1" lang="ja-JP" altLang="en-US"/>
+            <a:endParaRPr kumimoji="1" lang="ja-JP" altLang="en-US" b="1"/>
           </a:p>
         </p:txBody>
       </p:sp>
@@ -21510,8 +22250,8 @@
         </p:nvSpPr>
         <p:spPr>
           <a:xfrm>
-            <a:off x="9298826" y="1629759"/>
-            <a:ext cx="1365298" cy="276999"/>
+            <a:off x="8986149" y="1564043"/>
+            <a:ext cx="1365298" cy="369332"/>
           </a:xfrm>
           <a:prstGeom prst="rect">
             <a:avLst/>
@@ -21525,10 +22265,10 @@
           <a:lstStyle/>
           <a:p>
             <a:r>
-              <a:rPr kumimoji="1" lang="en-US" altLang="ja-JP" sz="1200" dirty="0"/>
+              <a:rPr kumimoji="1" lang="en-US" altLang="ja-JP" b="1" dirty="0"/>
               <a:t>10.1.1.7</a:t>
             </a:r>
-            <a:endParaRPr kumimoji="1" lang="ja-JP" altLang="en-US" sz="1400"/>
+            <a:endParaRPr kumimoji="1" lang="ja-JP" altLang="en-US" b="1"/>
           </a:p>
         </p:txBody>
       </p:sp>
@@ -21546,8 +22286,8 @@
         </p:nvSpPr>
         <p:spPr>
           <a:xfrm>
-            <a:off x="9280050" y="4427822"/>
-            <a:ext cx="729687" cy="276999"/>
+            <a:off x="9658337" y="4662756"/>
+            <a:ext cx="1042273" cy="369332"/>
           </a:xfrm>
           <a:prstGeom prst="rect">
             <a:avLst/>
@@ -21561,87 +22301,10 @@
           <a:lstStyle/>
           <a:p>
             <a:r>
-              <a:rPr kumimoji="1" lang="en-US" altLang="ja-JP" sz="1200" dirty="0"/>
+              <a:rPr kumimoji="1" lang="en-US" altLang="ja-JP" b="1" dirty="0"/>
               <a:t>10.1.1.8</a:t>
             </a:r>
-            <a:endParaRPr kumimoji="1" lang="ja-JP" altLang="en-US" sz="1400"/>
-          </a:p>
-        </p:txBody>
-      </p:sp>
-      <p:sp>
-        <p:nvSpPr>
-          <p:cNvPr id="44" name="対角する 2 つの角を丸めた四角形 43">
-            <a:extLst>
-              <a:ext uri="{FF2B5EF4-FFF2-40B4-BE49-F238E27FC236}">
-                <a16:creationId xmlns:a16="http://schemas.microsoft.com/office/drawing/2014/main" id="{523C4652-A1DB-4E40-B7AB-9F325A4FA154}"/>
-              </a:ext>
-            </a:extLst>
-          </p:cNvPr>
-          <p:cNvSpPr/>
-          <p:nvPr/>
-        </p:nvSpPr>
-        <p:spPr>
-          <a:xfrm>
-            <a:off x="3983592" y="5256116"/>
-            <a:ext cx="2598344" cy="914400"/>
-          </a:xfrm>
-          <a:prstGeom prst="round2DiagRect">
-            <a:avLst/>
-          </a:prstGeom>
-          <a:solidFill>
-            <a:schemeClr val="bg1">
-              <a:alpha val="0"/>
-            </a:schemeClr>
-          </a:solidFill>
-        </p:spPr>
-        <p:style>
-          <a:lnRef idx="2">
-            <a:schemeClr val="dk1">
-              <a:shade val="50000"/>
-            </a:schemeClr>
-          </a:lnRef>
-          <a:fillRef idx="1">
-            <a:schemeClr val="dk1"/>
-          </a:fillRef>
-          <a:effectRef idx="0">
-            <a:schemeClr val="dk1"/>
-          </a:effectRef>
-          <a:fontRef idx="minor">
-            <a:schemeClr val="lt1"/>
-          </a:fontRef>
-        </p:style>
-        <p:txBody>
-          <a:bodyPr rtlCol="0" anchor="ctr"/>
-          <a:lstStyle/>
-          <a:p>
-            <a:r>
-              <a:rPr lang="en-US" altLang="ja-JP" sz="1050" dirty="0">
-                <a:solidFill>
-                  <a:sysClr val="windowText" lastClr="000000"/>
-                </a:solidFill>
-              </a:rPr>
-              <a:t>Name : pc15</a:t>
-            </a:r>
-          </a:p>
-          <a:p>
-            <a:r>
-              <a:rPr lang="en-US" altLang="ja-JP" sz="1050" dirty="0">
-                <a:solidFill>
-                  <a:sysClr val="windowText" lastClr="000000"/>
-                </a:solidFill>
-              </a:rPr>
-              <a:t>IP address port1 : 150.65.136.94</a:t>
-            </a:r>
-          </a:p>
-          <a:p>
-            <a:r>
-              <a:rPr lang="en-US" altLang="ja-JP" sz="1050" dirty="0">
-                <a:solidFill>
-                  <a:sysClr val="windowText" lastClr="000000"/>
-                </a:solidFill>
-              </a:rPr>
-              <a:t>IP address port2 : 10.1.1.1</a:t>
-            </a:r>
+            <a:endParaRPr kumimoji="1" lang="ja-JP" altLang="en-US" b="1"/>
           </a:p>
         </p:txBody>
       </p:sp>
@@ -21659,8 +22322,8 @@
         </p:nvSpPr>
         <p:spPr>
           <a:xfrm>
-            <a:off x="10063828" y="1261906"/>
-            <a:ext cx="490840" cy="276999"/>
+            <a:off x="9976942" y="1241675"/>
+            <a:ext cx="643125" cy="369332"/>
           </a:xfrm>
           <a:prstGeom prst="rect">
             <a:avLst/>
@@ -21674,10 +22337,10 @@
           <a:lstStyle/>
           <a:p>
             <a:r>
-              <a:rPr kumimoji="1" lang="en-US" altLang="ja-JP" sz="1200" b="1" dirty="0"/>
+              <a:rPr kumimoji="1" lang="en-US" altLang="ja-JP" b="1" dirty="0"/>
               <a:t>PC7</a:t>
             </a:r>
-            <a:endParaRPr kumimoji="1" lang="ja-JP" altLang="en-US" sz="1200" b="1"/>
+            <a:endParaRPr kumimoji="1" lang="ja-JP" altLang="en-US" b="1"/>
           </a:p>
         </p:txBody>
       </p:sp>
@@ -21695,8 +22358,8 @@
         </p:nvSpPr>
         <p:spPr>
           <a:xfrm>
-            <a:off x="10066254" y="3628233"/>
-            <a:ext cx="490840" cy="276999"/>
+            <a:off x="9973894" y="3544639"/>
+            <a:ext cx="643125" cy="369332"/>
           </a:xfrm>
           <a:prstGeom prst="rect">
             <a:avLst/>
@@ -21710,10 +22373,10 @@
           <a:lstStyle/>
           <a:p>
             <a:r>
-              <a:rPr kumimoji="1" lang="en-US" altLang="ja-JP" sz="1200" b="1" dirty="0"/>
+              <a:rPr kumimoji="1" lang="en-US" altLang="ja-JP" b="1" dirty="0"/>
               <a:t>PC8</a:t>
             </a:r>
-            <a:endParaRPr kumimoji="1" lang="ja-JP" altLang="en-US" sz="1400" b="1"/>
+            <a:endParaRPr kumimoji="1" lang="ja-JP" altLang="en-US" b="1"/>
           </a:p>
         </p:txBody>
       </p:sp>
@@ -21731,8 +22394,8 @@
         </p:nvSpPr>
         <p:spPr>
           <a:xfrm>
-            <a:off x="8084972" y="2493782"/>
-            <a:ext cx="1140802" cy="307777"/>
+            <a:off x="7953854" y="2437750"/>
+            <a:ext cx="1244322" cy="369332"/>
           </a:xfrm>
           <a:prstGeom prst="rect">
             <a:avLst/>
@@ -21746,7 +22409,7 @@
           <a:lstStyle/>
           <a:p>
             <a:r>
-              <a:rPr kumimoji="1" lang="en-US" altLang="ja-JP" sz="1400" b="1" dirty="0"/>
+              <a:rPr kumimoji="1" lang="en-US" altLang="ja-JP" b="1" dirty="0"/>
               <a:t>L2switch</a:t>
             </a:r>
             <a:endParaRPr kumimoji="1" lang="ja-JP" altLang="en-US" b="1"/>
@@ -21767,8 +22430,8 @@
         </p:nvSpPr>
         <p:spPr>
           <a:xfrm>
-            <a:off x="6078523" y="2447690"/>
-            <a:ext cx="1741182" cy="369332"/>
+            <a:off x="5699649" y="2340324"/>
+            <a:ext cx="2029723" cy="369332"/>
           </a:xfrm>
           <a:prstGeom prst="rect">
             <a:avLst/>
@@ -21786,14 +22449,14 @@
               <a:t>Gateway</a:t>
             </a:r>
             <a:r>
-              <a:rPr kumimoji="1" lang="en-US" altLang="ja-JP" sz="1200" dirty="0"/>
+              <a:rPr kumimoji="1" lang="en-US" altLang="ja-JP" dirty="0"/>
               <a:t>  </a:t>
             </a:r>
             <a:r>
-              <a:rPr kumimoji="1" lang="en-US" altLang="ja-JP" sz="1200" b="1" dirty="0"/>
+              <a:rPr kumimoji="1" lang="en-US" altLang="ja-JP" b="1" dirty="0"/>
               <a:t>Server</a:t>
             </a:r>
-            <a:endParaRPr kumimoji="1" lang="ja-JP" altLang="en-US" sz="1200" b="1"/>
+            <a:endParaRPr kumimoji="1" lang="ja-JP" altLang="en-US" b="1"/>
           </a:p>
         </p:txBody>
       </p:sp>
@@ -21847,8 +22510,8 @@
         </p:nvSpPr>
         <p:spPr>
           <a:xfrm>
-            <a:off x="4085669" y="414369"/>
-            <a:ext cx="659155" cy="369332"/>
+            <a:off x="5675981" y="225861"/>
+            <a:ext cx="739305" cy="400110"/>
           </a:xfrm>
           <a:prstGeom prst="rect">
             <a:avLst/>
@@ -21869,10 +22532,10 @@
           <a:lstStyle/>
           <a:p>
             <a:r>
-              <a:rPr kumimoji="1" lang="en-US" altLang="ja-JP" dirty="0"/>
+              <a:rPr kumimoji="1" lang="en-US" altLang="ja-JP" sz="2000" b="1" dirty="0"/>
               <a:t>VPN</a:t>
             </a:r>
-            <a:endParaRPr kumimoji="1" lang="ja-JP" altLang="en-US"/>
+            <a:endParaRPr kumimoji="1" lang="ja-JP" altLang="en-US" sz="2000" b="1"/>
           </a:p>
         </p:txBody>
       </p:sp>
@@ -21919,6 +22582,65 @@
           </a:p>
           <a:p>
             <a:endParaRPr kumimoji="1" lang="ja-JP" altLang="en-US"/>
+          </a:p>
+        </p:txBody>
+      </p:sp>
+      <p:sp>
+        <p:nvSpPr>
+          <p:cNvPr id="17" name="テキスト ボックス 16">
+            <a:extLst>
+              <a:ext uri="{FF2B5EF4-FFF2-40B4-BE49-F238E27FC236}">
+                <a16:creationId xmlns:a16="http://schemas.microsoft.com/office/drawing/2014/main" id="{2B71ABA5-3119-DD49-9526-87DB0DB87C8B}"/>
+              </a:ext>
+            </a:extLst>
+          </p:cNvPr>
+          <p:cNvSpPr txBox="1"/>
+          <p:nvPr/>
+        </p:nvSpPr>
+        <p:spPr>
+          <a:xfrm>
+            <a:off x="6809885" y="1230507"/>
+            <a:ext cx="1423788" cy="369332"/>
+          </a:xfrm>
+          <a:prstGeom prst="rect">
+            <a:avLst/>
+          </a:prstGeom>
+          <a:noFill/>
+          <a:ln w="38100">
+            <a:solidFill>
+              <a:schemeClr val="tx1"/>
+            </a:solidFill>
+          </a:ln>
+        </p:spPr>
+        <p:txBody>
+          <a:bodyPr wrap="none" rtlCol="0">
+            <a:spAutoFit/>
+          </a:bodyPr>
+          <a:lstStyle/>
+          <a:p>
+            <a:r>
+              <a:rPr lang="en" altLang="ja-JP" b="1" dirty="0">
+                <a:ln>
+                  <a:solidFill>
+                    <a:sysClr val="windowText" lastClr="000000"/>
+                  </a:solidFill>
+                </a:ln>
+                <a:solidFill>
+                  <a:sysClr val="windowText" lastClr="000000"/>
+                </a:solidFill>
+              </a:rPr>
+              <a:t>10.1.1.0/24</a:t>
+            </a:r>
+            <a:endParaRPr kumimoji="1" lang="ja-JP" altLang="en-US">
+              <a:ln>
+                <a:solidFill>
+                  <a:sysClr val="windowText" lastClr="000000"/>
+                </a:solidFill>
+              </a:ln>
+              <a:solidFill>
+                <a:sysClr val="windowText" lastClr="000000"/>
+              </a:solidFill>
+            </a:endParaRPr>
           </a:p>
         </p:txBody>
       </p:sp>

--- a/SUBTHEME/graphs/network_archtecture.pptx
+++ b/SUBTHEME/graphs/network_archtecture.pptx
@@ -216,7 +216,7 @@
           <a:p>
             <a:fld id="{2B23E72C-1B90-914A-A417-2D7D12309D01}" type="datetimeFigureOut">
               <a:rPr kumimoji="1" lang="ja-JP" altLang="en-US" smtClean="0"/>
-              <a:t>2020/9/15</a:t>
+              <a:t>2020/9/18</a:t>
             </a:fld>
             <a:endParaRPr kumimoji="1" lang="ja-JP" altLang="en-US"/>
           </a:p>
@@ -1225,7 +1225,7 @@
           <a:p>
             <a:fld id="{FD845DEE-42C8-C840-B1B2-551C7203F112}" type="datetimeFigureOut">
               <a:rPr kumimoji="1" lang="ja-JP" altLang="en-US" smtClean="0"/>
-              <a:t>2020/9/15</a:t>
+              <a:t>2020/9/18</a:t>
             </a:fld>
             <a:endParaRPr kumimoji="1" lang="ja-JP" altLang="en-US"/>
           </a:p>
@@ -1430,7 +1430,7 @@
           <a:p>
             <a:fld id="{FD845DEE-42C8-C840-B1B2-551C7203F112}" type="datetimeFigureOut">
               <a:rPr kumimoji="1" lang="ja-JP" altLang="en-US" smtClean="0"/>
-              <a:t>2020/9/15</a:t>
+              <a:t>2020/9/18</a:t>
             </a:fld>
             <a:endParaRPr kumimoji="1" lang="ja-JP" altLang="en-US"/>
           </a:p>
@@ -1645,7 +1645,7 @@
           <a:p>
             <a:fld id="{FD845DEE-42C8-C840-B1B2-551C7203F112}" type="datetimeFigureOut">
               <a:rPr kumimoji="1" lang="ja-JP" altLang="en-US" smtClean="0"/>
-              <a:t>2020/9/15</a:t>
+              <a:t>2020/9/18</a:t>
             </a:fld>
             <a:endParaRPr kumimoji="1" lang="ja-JP" altLang="en-US"/>
           </a:p>
@@ -1850,7 +1850,7 @@
           <a:p>
             <a:fld id="{FD845DEE-42C8-C840-B1B2-551C7203F112}" type="datetimeFigureOut">
               <a:rPr kumimoji="1" lang="ja-JP" altLang="en-US" smtClean="0"/>
-              <a:t>2020/9/15</a:t>
+              <a:t>2020/9/18</a:t>
             </a:fld>
             <a:endParaRPr kumimoji="1" lang="ja-JP" altLang="en-US"/>
           </a:p>
@@ -2160,7 +2160,7 @@
           <a:p>
             <a:fld id="{FD845DEE-42C8-C840-B1B2-551C7203F112}" type="datetimeFigureOut">
               <a:rPr kumimoji="1" lang="ja-JP" altLang="en-US" smtClean="0"/>
-              <a:t>2020/9/15</a:t>
+              <a:t>2020/9/18</a:t>
             </a:fld>
             <a:endParaRPr kumimoji="1" lang="ja-JP" altLang="en-US"/>
           </a:p>
@@ -2439,7 +2439,7 @@
           <a:p>
             <a:fld id="{FD845DEE-42C8-C840-B1B2-551C7203F112}" type="datetimeFigureOut">
               <a:rPr kumimoji="1" lang="ja-JP" altLang="en-US" smtClean="0"/>
-              <a:t>2020/9/15</a:t>
+              <a:t>2020/9/18</a:t>
             </a:fld>
             <a:endParaRPr kumimoji="1" lang="ja-JP" altLang="en-US"/>
           </a:p>
@@ -2935,7 +2935,7 @@
           <a:p>
             <a:fld id="{FD845DEE-42C8-C840-B1B2-551C7203F112}" type="datetimeFigureOut">
               <a:rPr kumimoji="1" lang="ja-JP" altLang="en-US" smtClean="0"/>
-              <a:t>2020/9/15</a:t>
+              <a:t>2020/9/18</a:t>
             </a:fld>
             <a:endParaRPr kumimoji="1" lang="ja-JP" altLang="en-US"/>
           </a:p>
@@ -3076,7 +3076,7 @@
           <a:p>
             <a:fld id="{FD845DEE-42C8-C840-B1B2-551C7203F112}" type="datetimeFigureOut">
               <a:rPr kumimoji="1" lang="ja-JP" altLang="en-US" smtClean="0"/>
-              <a:t>2020/9/15</a:t>
+              <a:t>2020/9/18</a:t>
             </a:fld>
             <a:endParaRPr kumimoji="1" lang="ja-JP" altLang="en-US"/>
           </a:p>
@@ -3189,7 +3189,7 @@
           <a:p>
             <a:fld id="{FD845DEE-42C8-C840-B1B2-551C7203F112}" type="datetimeFigureOut">
               <a:rPr kumimoji="1" lang="ja-JP" altLang="en-US" smtClean="0"/>
-              <a:t>2020/9/15</a:t>
+              <a:t>2020/9/18</a:t>
             </a:fld>
             <a:endParaRPr kumimoji="1" lang="ja-JP" altLang="en-US"/>
           </a:p>
@@ -3542,7 +3542,7 @@
           <a:p>
             <a:fld id="{FD845DEE-42C8-C840-B1B2-551C7203F112}" type="datetimeFigureOut">
               <a:rPr kumimoji="1" lang="ja-JP" altLang="en-US" smtClean="0"/>
-              <a:t>2020/9/15</a:t>
+              <a:t>2020/9/18</a:t>
             </a:fld>
             <a:endParaRPr kumimoji="1" lang="ja-JP" altLang="en-US"/>
           </a:p>
@@ -3865,7 +3865,7 @@
           <a:p>
             <a:fld id="{FD845DEE-42C8-C840-B1B2-551C7203F112}" type="datetimeFigureOut">
               <a:rPr kumimoji="1" lang="ja-JP" altLang="en-US" smtClean="0"/>
-              <a:t>2020/9/15</a:t>
+              <a:t>2020/9/18</a:t>
             </a:fld>
             <a:endParaRPr kumimoji="1" lang="ja-JP" altLang="en-US"/>
           </a:p>
@@ -4113,7 +4113,7 @@
           <a:p>
             <a:fld id="{FD845DEE-42C8-C840-B1B2-551C7203F112}" type="datetimeFigureOut">
               <a:rPr kumimoji="1" lang="ja-JP" altLang="en-US" smtClean="0"/>
-              <a:t>2020/9/15</a:t>
+              <a:t>2020/9/18</a:t>
             </a:fld>
             <a:endParaRPr kumimoji="1" lang="ja-JP" altLang="en-US"/>
           </a:p>
@@ -19892,10 +19892,10 @@
       </p:sp>
       <p:sp>
         <p:nvSpPr>
-          <p:cNvPr id="8" name="フローチャート: 直接アクセス記憶 7">
-            <a:extLst>
-              <a:ext uri="{FF2B5EF4-FFF2-40B4-BE49-F238E27FC236}">
-                <a16:creationId xmlns:a16="http://schemas.microsoft.com/office/drawing/2014/main" id="{B0A013B1-CBFA-0E48-84A0-1586DA8573A0}"/>
+          <p:cNvPr id="41" name="角丸四角形 40">
+            <a:extLst>
+              <a:ext uri="{FF2B5EF4-FFF2-40B4-BE49-F238E27FC236}">
+                <a16:creationId xmlns:a16="http://schemas.microsoft.com/office/drawing/2014/main" id="{87A29943-AC26-F749-A1CF-0684A5EDA7F7}"/>
               </a:ext>
             </a:extLst>
           </p:cNvPr>
@@ -19904,31 +19904,32 @@
         </p:nvSpPr>
         <p:spPr>
           <a:xfrm>
-            <a:off x="3737093" y="1562880"/>
-            <a:ext cx="5608542" cy="493575"/>
-          </a:xfrm>
-          <a:prstGeom prst="flowChartMagneticDrum">
+            <a:off x="8971844" y="2990893"/>
+            <a:ext cx="1430092" cy="584205"/>
+          </a:xfrm>
+          <a:prstGeom prst="roundRect">
             <a:avLst/>
           </a:prstGeom>
           <a:solidFill>
-            <a:schemeClr val="accent2">
-              <a:lumMod val="20000"/>
-              <a:lumOff val="80000"/>
-              <a:alpha val="95000"/>
-            </a:schemeClr>
+            <a:schemeClr val="bg1"/>
           </a:solidFill>
+          <a:ln>
+            <a:solidFill>
+              <a:schemeClr val="bg2"/>
+            </a:solidFill>
+          </a:ln>
         </p:spPr>
         <p:style>
           <a:lnRef idx="2">
-            <a:schemeClr val="dk1">
+            <a:schemeClr val="accent1">
               <a:shade val="50000"/>
             </a:schemeClr>
           </a:lnRef>
           <a:fillRef idx="1">
-            <a:schemeClr val="dk1"/>
+            <a:schemeClr val="accent1"/>
           </a:fillRef>
           <a:effectRef idx="0">
-            <a:schemeClr val="dk1"/>
+            <a:schemeClr val="accent1"/>
           </a:effectRef>
           <a:fontRef idx="minor">
             <a:schemeClr val="lt1"/>
@@ -19938,17 +19939,102 @@
           <a:bodyPr rtlCol="0" anchor="ctr"/>
           <a:lstStyle/>
           <a:p>
-            <a:pPr algn="ctr"/>
-            <a:endParaRPr kumimoji="1" lang="ja-JP" altLang="en-US"/>
-          </a:p>
-        </p:txBody>
-      </p:sp>
-      <p:sp>
-        <p:nvSpPr>
-          <p:cNvPr id="24" name="フローチャート: 直接アクセス記憶 23">
-            <a:extLst>
-              <a:ext uri="{FF2B5EF4-FFF2-40B4-BE49-F238E27FC236}">
-                <a16:creationId xmlns:a16="http://schemas.microsoft.com/office/drawing/2014/main" id="{C67AE818-F440-FF42-9D96-DC2F05478DF5}"/>
+            <a:r>
+              <a:rPr lang="ja-JP" altLang="en-US" sz="2000">
+                <a:solidFill>
+                  <a:schemeClr val="tx1"/>
+                </a:solidFill>
+                <a:latin typeface="Osaka Regular-Mono" panose="020B0600000000000000" pitchFamily="34" charset="-128"/>
+                <a:ea typeface="Osaka Regular-Mono" panose="020B0600000000000000" pitchFamily="34" charset="-128"/>
+              </a:rPr>
+              <a:t>運用情報</a:t>
+            </a:r>
+          </a:p>
+        </p:txBody>
+      </p:sp>
+      <p:sp>
+        <p:nvSpPr>
+          <p:cNvPr id="11" name="テキスト ボックス 10">
+            <a:extLst>
+              <a:ext uri="{FF2B5EF4-FFF2-40B4-BE49-F238E27FC236}">
+                <a16:creationId xmlns:a16="http://schemas.microsoft.com/office/drawing/2014/main" id="{AB44F744-EBEA-454A-B016-7515BE90BF92}"/>
+              </a:ext>
+            </a:extLst>
+          </p:cNvPr>
+          <p:cNvSpPr txBox="1"/>
+          <p:nvPr/>
+        </p:nvSpPr>
+        <p:spPr>
+          <a:xfrm>
+            <a:off x="1782282" y="5396820"/>
+            <a:ext cx="1608372" cy="646331"/>
+          </a:xfrm>
+          <a:prstGeom prst="rect">
+            <a:avLst/>
+          </a:prstGeom>
+          <a:noFill/>
+        </p:spPr>
+        <p:txBody>
+          <a:bodyPr wrap="square" rtlCol="0">
+            <a:spAutoFit/>
+          </a:bodyPr>
+          <a:lstStyle/>
+          <a:p>
+            <a:r>
+              <a:rPr kumimoji="1" lang="ja-JP" altLang="en-US"/>
+              <a:t>暗号化された</a:t>
+            </a:r>
+            <a:endParaRPr kumimoji="1" lang="en-US" altLang="ja-JP" dirty="0"/>
+          </a:p>
+          <a:p>
+            <a:r>
+              <a:rPr kumimoji="1" lang="ja-JP" altLang="en-US"/>
+              <a:t>情報</a:t>
+            </a:r>
+          </a:p>
+        </p:txBody>
+      </p:sp>
+      <p:sp>
+        <p:nvSpPr>
+          <p:cNvPr id="13" name="テキスト ボックス 12">
+            <a:extLst>
+              <a:ext uri="{FF2B5EF4-FFF2-40B4-BE49-F238E27FC236}">
+                <a16:creationId xmlns:a16="http://schemas.microsoft.com/office/drawing/2014/main" id="{AF911B4A-C88A-8C49-9A45-56B2D44F4894}"/>
+              </a:ext>
+            </a:extLst>
+          </p:cNvPr>
+          <p:cNvSpPr txBox="1"/>
+          <p:nvPr/>
+        </p:nvSpPr>
+        <p:spPr>
+          <a:xfrm>
+            <a:off x="10024533" y="5757333"/>
+            <a:ext cx="1569660" cy="369332"/>
+          </a:xfrm>
+          <a:prstGeom prst="rect">
+            <a:avLst/>
+          </a:prstGeom>
+          <a:noFill/>
+        </p:spPr>
+        <p:txBody>
+          <a:bodyPr wrap="none" rtlCol="0">
+            <a:spAutoFit/>
+          </a:bodyPr>
+          <a:lstStyle/>
+          <a:p>
+            <a:r>
+              <a:rPr kumimoji="1" lang="ja-JP" altLang="en-US"/>
+              <a:t>暗号化通信路</a:t>
+            </a:r>
+          </a:p>
+        </p:txBody>
+      </p:sp>
+      <p:sp>
+        <p:nvSpPr>
+          <p:cNvPr id="14" name="加算記号 13">
+            <a:extLst>
+              <a:ext uri="{FF2B5EF4-FFF2-40B4-BE49-F238E27FC236}">
+                <a16:creationId xmlns:a16="http://schemas.microsoft.com/office/drawing/2014/main" id="{39DF68EA-85FD-5249-8DE9-5862C04FDA30}"/>
               </a:ext>
             </a:extLst>
           </p:cNvPr>
@@ -19956,32 +20042,185 @@
           <p:nvPr/>
         </p:nvSpPr>
         <p:spPr>
-          <a:xfrm flipH="1">
-            <a:off x="3681112" y="2579240"/>
-            <a:ext cx="5690264" cy="554299"/>
-          </a:xfrm>
-          <a:prstGeom prst="flowChartMagneticDrum">
+          <a:xfrm rot="2715066">
+            <a:off x="4474720" y="3837326"/>
+            <a:ext cx="572471" cy="556994"/>
+          </a:xfrm>
+          <a:prstGeom prst="mathPlus">
             <a:avLst/>
           </a:prstGeom>
           <a:solidFill>
-            <a:schemeClr val="accent2">
-              <a:lumMod val="20000"/>
-              <a:lumOff val="80000"/>
-              <a:alpha val="95000"/>
-            </a:schemeClr>
+            <a:srgbClr val="FF0000"/>
           </a:solidFill>
+          <a:ln w="6350"/>
         </p:spPr>
         <p:style>
           <a:lnRef idx="2">
-            <a:schemeClr val="dk1">
+            <a:schemeClr val="accent1">
               <a:shade val="50000"/>
             </a:schemeClr>
           </a:lnRef>
           <a:fillRef idx="1">
-            <a:schemeClr val="dk1"/>
+            <a:schemeClr val="accent1"/>
           </a:fillRef>
           <a:effectRef idx="0">
-            <a:schemeClr val="dk1"/>
+            <a:schemeClr val="accent1"/>
+          </a:effectRef>
+          <a:fontRef idx="minor">
+            <a:schemeClr val="lt1"/>
+          </a:fontRef>
+        </p:style>
+        <p:txBody>
+          <a:bodyPr rtlCol="0" anchor="ctr"/>
+          <a:lstStyle/>
+          <a:p>
+            <a:pPr algn="ctr"/>
+            <a:endParaRPr kumimoji="1" lang="ja-JP" altLang="en-US"/>
+          </a:p>
+        </p:txBody>
+      </p:sp>
+      <p:sp>
+        <p:nvSpPr>
+          <p:cNvPr id="5" name="円柱 4">
+            <a:extLst>
+              <a:ext uri="{FF2B5EF4-FFF2-40B4-BE49-F238E27FC236}">
+                <a16:creationId xmlns:a16="http://schemas.microsoft.com/office/drawing/2014/main" id="{1C2AE521-913B-984F-B1A1-4485729894A2}"/>
+              </a:ext>
+            </a:extLst>
+          </p:cNvPr>
+          <p:cNvSpPr/>
+          <p:nvPr/>
+        </p:nvSpPr>
+        <p:spPr>
+          <a:xfrm rot="16200000">
+            <a:off x="6168677" y="-1010508"/>
+            <a:ext cx="619824" cy="5594955"/>
+          </a:xfrm>
+          <a:prstGeom prst="can">
+            <a:avLst/>
+          </a:prstGeom>
+          <a:solidFill>
+            <a:schemeClr val="bg2">
+              <a:lumMod val="50000"/>
+              <a:alpha val="82000"/>
+            </a:schemeClr>
+          </a:solidFill>
+        </p:spPr>
+        <p:style>
+          <a:lnRef idx="2">
+            <a:schemeClr val="accent1">
+              <a:shade val="50000"/>
+            </a:schemeClr>
+          </a:lnRef>
+          <a:fillRef idx="1">
+            <a:schemeClr val="accent1"/>
+          </a:fillRef>
+          <a:effectRef idx="0">
+            <a:schemeClr val="accent1"/>
+          </a:effectRef>
+          <a:fontRef idx="minor">
+            <a:schemeClr val="lt1"/>
+          </a:fontRef>
+        </p:style>
+        <p:txBody>
+          <a:bodyPr rtlCol="0" anchor="ctr"/>
+          <a:lstStyle/>
+          <a:p>
+            <a:pPr algn="ctr"/>
+            <a:endParaRPr kumimoji="1" lang="ja-JP" altLang="en-US"/>
+          </a:p>
+        </p:txBody>
+      </p:sp>
+      <p:sp>
+        <p:nvSpPr>
+          <p:cNvPr id="27" name="円柱 26">
+            <a:extLst>
+              <a:ext uri="{FF2B5EF4-FFF2-40B4-BE49-F238E27FC236}">
+                <a16:creationId xmlns:a16="http://schemas.microsoft.com/office/drawing/2014/main" id="{1A41FCD1-B685-384F-8E45-901E4DFCFB3C}"/>
+              </a:ext>
+            </a:extLst>
+          </p:cNvPr>
+          <p:cNvSpPr/>
+          <p:nvPr/>
+        </p:nvSpPr>
+        <p:spPr>
+          <a:xfrm rot="16200000">
+            <a:off x="6200181" y="-12411"/>
+            <a:ext cx="619824" cy="5594955"/>
+          </a:xfrm>
+          <a:prstGeom prst="can">
+            <a:avLst/>
+          </a:prstGeom>
+          <a:solidFill>
+            <a:schemeClr val="bg2">
+              <a:lumMod val="50000"/>
+              <a:alpha val="82000"/>
+            </a:schemeClr>
+          </a:solidFill>
+        </p:spPr>
+        <p:style>
+          <a:lnRef idx="2">
+            <a:schemeClr val="accent1">
+              <a:shade val="50000"/>
+            </a:schemeClr>
+          </a:lnRef>
+          <a:fillRef idx="1">
+            <a:schemeClr val="accent1"/>
+          </a:fillRef>
+          <a:effectRef idx="0">
+            <a:schemeClr val="accent1"/>
+          </a:effectRef>
+          <a:fontRef idx="minor">
+            <a:schemeClr val="lt1"/>
+          </a:fontRef>
+        </p:style>
+        <p:txBody>
+          <a:bodyPr rtlCol="0" anchor="ctr"/>
+          <a:lstStyle/>
+          <a:p>
+            <a:pPr algn="ctr"/>
+            <a:endParaRPr kumimoji="1" lang="ja-JP" altLang="en-US"/>
+          </a:p>
+        </p:txBody>
+      </p:sp>
+      <p:sp>
+        <p:nvSpPr>
+          <p:cNvPr id="28" name="円柱 27">
+            <a:extLst>
+              <a:ext uri="{FF2B5EF4-FFF2-40B4-BE49-F238E27FC236}">
+                <a16:creationId xmlns:a16="http://schemas.microsoft.com/office/drawing/2014/main" id="{C7A8883C-3C57-C249-9C90-BCE7FFC0FE27}"/>
+              </a:ext>
+            </a:extLst>
+          </p:cNvPr>
+          <p:cNvSpPr/>
+          <p:nvPr/>
+        </p:nvSpPr>
+        <p:spPr>
+          <a:xfrm rot="16200000">
+            <a:off x="10554624" y="4690495"/>
+            <a:ext cx="424917" cy="1485097"/>
+          </a:xfrm>
+          <a:prstGeom prst="can">
+            <a:avLst/>
+          </a:prstGeom>
+          <a:solidFill>
+            <a:schemeClr val="bg2">
+              <a:lumMod val="50000"/>
+              <a:alpha val="82000"/>
+            </a:schemeClr>
+          </a:solidFill>
+        </p:spPr>
+        <p:style>
+          <a:lnRef idx="2">
+            <a:schemeClr val="accent1">
+              <a:shade val="50000"/>
+            </a:schemeClr>
+          </a:lnRef>
+          <a:fillRef idx="1">
+            <a:schemeClr val="accent1"/>
+          </a:fillRef>
+          <a:effectRef idx="0">
+            <a:schemeClr val="accent1"/>
           </a:effectRef>
           <a:fontRef idx="minor">
             <a:schemeClr val="lt1"/>
@@ -20053,248 +20292,6 @@
                 <a:srgbClr val="FFC000"/>
               </a:solidFill>
             </a:endParaRPr>
-          </a:p>
-        </p:txBody>
-      </p:sp>
-      <p:sp>
-        <p:nvSpPr>
-          <p:cNvPr id="41" name="角丸四角形 40">
-            <a:extLst>
-              <a:ext uri="{FF2B5EF4-FFF2-40B4-BE49-F238E27FC236}">
-                <a16:creationId xmlns:a16="http://schemas.microsoft.com/office/drawing/2014/main" id="{87A29943-AC26-F749-A1CF-0684A5EDA7F7}"/>
-              </a:ext>
-            </a:extLst>
-          </p:cNvPr>
-          <p:cNvSpPr/>
-          <p:nvPr/>
-        </p:nvSpPr>
-        <p:spPr>
-          <a:xfrm>
-            <a:off x="8971844" y="2990893"/>
-            <a:ext cx="1430092" cy="584205"/>
-          </a:xfrm>
-          <a:prstGeom prst="roundRect">
-            <a:avLst/>
-          </a:prstGeom>
-          <a:solidFill>
-            <a:schemeClr val="bg1"/>
-          </a:solidFill>
-          <a:ln>
-            <a:solidFill>
-              <a:schemeClr val="bg2"/>
-            </a:solidFill>
-          </a:ln>
-        </p:spPr>
-        <p:style>
-          <a:lnRef idx="2">
-            <a:schemeClr val="accent1">
-              <a:shade val="50000"/>
-            </a:schemeClr>
-          </a:lnRef>
-          <a:fillRef idx="1">
-            <a:schemeClr val="accent1"/>
-          </a:fillRef>
-          <a:effectRef idx="0">
-            <a:schemeClr val="accent1"/>
-          </a:effectRef>
-          <a:fontRef idx="minor">
-            <a:schemeClr val="lt1"/>
-          </a:fontRef>
-        </p:style>
-        <p:txBody>
-          <a:bodyPr rtlCol="0" anchor="ctr"/>
-          <a:lstStyle/>
-          <a:p>
-            <a:r>
-              <a:rPr lang="ja-JP" altLang="en-US" sz="2000">
-                <a:solidFill>
-                  <a:schemeClr val="tx1"/>
-                </a:solidFill>
-                <a:latin typeface="Osaka Regular-Mono" panose="020B0600000000000000" pitchFamily="34" charset="-128"/>
-                <a:ea typeface="Osaka Regular-Mono" panose="020B0600000000000000" pitchFamily="34" charset="-128"/>
-              </a:rPr>
-              <a:t>運用情報</a:t>
-            </a:r>
-          </a:p>
-        </p:txBody>
-      </p:sp>
-      <p:sp>
-        <p:nvSpPr>
-          <p:cNvPr id="11" name="テキスト ボックス 10">
-            <a:extLst>
-              <a:ext uri="{FF2B5EF4-FFF2-40B4-BE49-F238E27FC236}">
-                <a16:creationId xmlns:a16="http://schemas.microsoft.com/office/drawing/2014/main" id="{AB44F744-EBEA-454A-B016-7515BE90BF92}"/>
-              </a:ext>
-            </a:extLst>
-          </p:cNvPr>
-          <p:cNvSpPr txBox="1"/>
-          <p:nvPr/>
-        </p:nvSpPr>
-        <p:spPr>
-          <a:xfrm>
-            <a:off x="1782282" y="5396820"/>
-            <a:ext cx="1608372" cy="646331"/>
-          </a:xfrm>
-          <a:prstGeom prst="rect">
-            <a:avLst/>
-          </a:prstGeom>
-          <a:noFill/>
-        </p:spPr>
-        <p:txBody>
-          <a:bodyPr wrap="square" rtlCol="0">
-            <a:spAutoFit/>
-          </a:bodyPr>
-          <a:lstStyle/>
-          <a:p>
-            <a:r>
-              <a:rPr kumimoji="1" lang="ja-JP" altLang="en-US"/>
-              <a:t>暗号化された</a:t>
-            </a:r>
-            <a:endParaRPr kumimoji="1" lang="en-US" altLang="ja-JP" dirty="0"/>
-          </a:p>
-          <a:p>
-            <a:r>
-              <a:rPr kumimoji="1" lang="ja-JP" altLang="en-US"/>
-              <a:t>情報</a:t>
-            </a:r>
-          </a:p>
-        </p:txBody>
-      </p:sp>
-      <p:sp>
-        <p:nvSpPr>
-          <p:cNvPr id="25" name="フローチャート: 直接アクセス記憶 24">
-            <a:extLst>
-              <a:ext uri="{FF2B5EF4-FFF2-40B4-BE49-F238E27FC236}">
-                <a16:creationId xmlns:a16="http://schemas.microsoft.com/office/drawing/2014/main" id="{FF61B2EC-139E-7241-B081-B2D0FA552B08}"/>
-              </a:ext>
-            </a:extLst>
-          </p:cNvPr>
-          <p:cNvSpPr/>
-          <p:nvPr/>
-        </p:nvSpPr>
-        <p:spPr>
-          <a:xfrm flipH="1">
-            <a:off x="10038895" y="5331954"/>
-            <a:ext cx="1540935" cy="307362"/>
-          </a:xfrm>
-          <a:prstGeom prst="flowChartMagneticDrum">
-            <a:avLst/>
-          </a:prstGeom>
-          <a:solidFill>
-            <a:schemeClr val="accent2">
-              <a:lumMod val="20000"/>
-              <a:lumOff val="80000"/>
-              <a:alpha val="95000"/>
-            </a:schemeClr>
-          </a:solidFill>
-        </p:spPr>
-        <p:style>
-          <a:lnRef idx="2">
-            <a:schemeClr val="dk1">
-              <a:shade val="50000"/>
-            </a:schemeClr>
-          </a:lnRef>
-          <a:fillRef idx="1">
-            <a:schemeClr val="dk1"/>
-          </a:fillRef>
-          <a:effectRef idx="0">
-            <a:schemeClr val="dk1"/>
-          </a:effectRef>
-          <a:fontRef idx="minor">
-            <a:schemeClr val="lt1"/>
-          </a:fontRef>
-        </p:style>
-        <p:txBody>
-          <a:bodyPr rtlCol="0" anchor="ctr"/>
-          <a:lstStyle/>
-          <a:p>
-            <a:pPr algn="ctr"/>
-            <a:endParaRPr kumimoji="1" lang="ja-JP" altLang="en-US"/>
-          </a:p>
-        </p:txBody>
-      </p:sp>
-      <p:sp>
-        <p:nvSpPr>
-          <p:cNvPr id="13" name="テキスト ボックス 12">
-            <a:extLst>
-              <a:ext uri="{FF2B5EF4-FFF2-40B4-BE49-F238E27FC236}">
-                <a16:creationId xmlns:a16="http://schemas.microsoft.com/office/drawing/2014/main" id="{AF911B4A-C88A-8C49-9A45-56B2D44F4894}"/>
-              </a:ext>
-            </a:extLst>
-          </p:cNvPr>
-          <p:cNvSpPr txBox="1"/>
-          <p:nvPr/>
-        </p:nvSpPr>
-        <p:spPr>
-          <a:xfrm>
-            <a:off x="10024533" y="5757333"/>
-            <a:ext cx="1569660" cy="369332"/>
-          </a:xfrm>
-          <a:prstGeom prst="rect">
-            <a:avLst/>
-          </a:prstGeom>
-          <a:noFill/>
-        </p:spPr>
-        <p:txBody>
-          <a:bodyPr wrap="none" rtlCol="0">
-            <a:spAutoFit/>
-          </a:bodyPr>
-          <a:lstStyle/>
-          <a:p>
-            <a:r>
-              <a:rPr kumimoji="1" lang="ja-JP" altLang="en-US"/>
-              <a:t>暗号化通信路</a:t>
-            </a:r>
-          </a:p>
-        </p:txBody>
-      </p:sp>
-      <p:sp>
-        <p:nvSpPr>
-          <p:cNvPr id="14" name="加算記号 13">
-            <a:extLst>
-              <a:ext uri="{FF2B5EF4-FFF2-40B4-BE49-F238E27FC236}">
-                <a16:creationId xmlns:a16="http://schemas.microsoft.com/office/drawing/2014/main" id="{39DF68EA-85FD-5249-8DE9-5862C04FDA30}"/>
-              </a:ext>
-            </a:extLst>
-          </p:cNvPr>
-          <p:cNvSpPr/>
-          <p:nvPr/>
-        </p:nvSpPr>
-        <p:spPr>
-          <a:xfrm rot="2715066">
-            <a:off x="4474720" y="3837326"/>
-            <a:ext cx="572471" cy="556994"/>
-          </a:xfrm>
-          <a:prstGeom prst="mathPlus">
-            <a:avLst/>
-          </a:prstGeom>
-          <a:solidFill>
-            <a:srgbClr val="FF0000"/>
-          </a:solidFill>
-          <a:ln w="6350"/>
-        </p:spPr>
-        <p:style>
-          <a:lnRef idx="2">
-            <a:schemeClr val="accent1">
-              <a:shade val="50000"/>
-            </a:schemeClr>
-          </a:lnRef>
-          <a:fillRef idx="1">
-            <a:schemeClr val="accent1"/>
-          </a:fillRef>
-          <a:effectRef idx="0">
-            <a:schemeClr val="accent1"/>
-          </a:effectRef>
-          <a:fontRef idx="minor">
-            <a:schemeClr val="lt1"/>
-          </a:fontRef>
-        </p:style>
-        <p:txBody>
-          <a:bodyPr rtlCol="0" anchor="ctr"/>
-          <a:lstStyle/>
-          <a:p>
-            <a:pPr algn="ctr"/>
-            <a:endParaRPr kumimoji="1" lang="ja-JP" altLang="en-US"/>
           </a:p>
         </p:txBody>
       </p:sp>

--- a/SUBTHEME/graphs/network_archtecture.pptx
+++ b/SUBTHEME/graphs/network_archtecture.pptx
@@ -216,7 +216,7 @@
           <a:p>
             <a:fld id="{2B23E72C-1B90-914A-A417-2D7D12309D01}" type="datetimeFigureOut">
               <a:rPr kumimoji="1" lang="ja-JP" altLang="en-US" smtClean="0"/>
-              <a:t>2020/9/18</a:t>
+              <a:t>2020/9/30</a:t>
             </a:fld>
             <a:endParaRPr kumimoji="1" lang="ja-JP" altLang="en-US"/>
           </a:p>
@@ -1225,7 +1225,7 @@
           <a:p>
             <a:fld id="{FD845DEE-42C8-C840-B1B2-551C7203F112}" type="datetimeFigureOut">
               <a:rPr kumimoji="1" lang="ja-JP" altLang="en-US" smtClean="0"/>
-              <a:t>2020/9/18</a:t>
+              <a:t>2020/9/30</a:t>
             </a:fld>
             <a:endParaRPr kumimoji="1" lang="ja-JP" altLang="en-US"/>
           </a:p>
@@ -1430,7 +1430,7 @@
           <a:p>
             <a:fld id="{FD845DEE-42C8-C840-B1B2-551C7203F112}" type="datetimeFigureOut">
               <a:rPr kumimoji="1" lang="ja-JP" altLang="en-US" smtClean="0"/>
-              <a:t>2020/9/18</a:t>
+              <a:t>2020/9/30</a:t>
             </a:fld>
             <a:endParaRPr kumimoji="1" lang="ja-JP" altLang="en-US"/>
           </a:p>
@@ -1645,7 +1645,7 @@
           <a:p>
             <a:fld id="{FD845DEE-42C8-C840-B1B2-551C7203F112}" type="datetimeFigureOut">
               <a:rPr kumimoji="1" lang="ja-JP" altLang="en-US" smtClean="0"/>
-              <a:t>2020/9/18</a:t>
+              <a:t>2020/9/30</a:t>
             </a:fld>
             <a:endParaRPr kumimoji="1" lang="ja-JP" altLang="en-US"/>
           </a:p>
@@ -1850,7 +1850,7 @@
           <a:p>
             <a:fld id="{FD845DEE-42C8-C840-B1B2-551C7203F112}" type="datetimeFigureOut">
               <a:rPr kumimoji="1" lang="ja-JP" altLang="en-US" smtClean="0"/>
-              <a:t>2020/9/18</a:t>
+              <a:t>2020/9/30</a:t>
             </a:fld>
             <a:endParaRPr kumimoji="1" lang="ja-JP" altLang="en-US"/>
           </a:p>
@@ -2160,7 +2160,7 @@
           <a:p>
             <a:fld id="{FD845DEE-42C8-C840-B1B2-551C7203F112}" type="datetimeFigureOut">
               <a:rPr kumimoji="1" lang="ja-JP" altLang="en-US" smtClean="0"/>
-              <a:t>2020/9/18</a:t>
+              <a:t>2020/9/30</a:t>
             </a:fld>
             <a:endParaRPr kumimoji="1" lang="ja-JP" altLang="en-US"/>
           </a:p>
@@ -2439,7 +2439,7 @@
           <a:p>
             <a:fld id="{FD845DEE-42C8-C840-B1B2-551C7203F112}" type="datetimeFigureOut">
               <a:rPr kumimoji="1" lang="ja-JP" altLang="en-US" smtClean="0"/>
-              <a:t>2020/9/18</a:t>
+              <a:t>2020/9/30</a:t>
             </a:fld>
             <a:endParaRPr kumimoji="1" lang="ja-JP" altLang="en-US"/>
           </a:p>
@@ -2935,7 +2935,7 @@
           <a:p>
             <a:fld id="{FD845DEE-42C8-C840-B1B2-551C7203F112}" type="datetimeFigureOut">
               <a:rPr kumimoji="1" lang="ja-JP" altLang="en-US" smtClean="0"/>
-              <a:t>2020/9/18</a:t>
+              <a:t>2020/9/30</a:t>
             </a:fld>
             <a:endParaRPr kumimoji="1" lang="ja-JP" altLang="en-US"/>
           </a:p>
@@ -3076,7 +3076,7 @@
           <a:p>
             <a:fld id="{FD845DEE-42C8-C840-B1B2-551C7203F112}" type="datetimeFigureOut">
               <a:rPr kumimoji="1" lang="ja-JP" altLang="en-US" smtClean="0"/>
-              <a:t>2020/9/18</a:t>
+              <a:t>2020/9/30</a:t>
             </a:fld>
             <a:endParaRPr kumimoji="1" lang="ja-JP" altLang="en-US"/>
           </a:p>
@@ -3189,7 +3189,7 @@
           <a:p>
             <a:fld id="{FD845DEE-42C8-C840-B1B2-551C7203F112}" type="datetimeFigureOut">
               <a:rPr kumimoji="1" lang="ja-JP" altLang="en-US" smtClean="0"/>
-              <a:t>2020/9/18</a:t>
+              <a:t>2020/9/30</a:t>
             </a:fld>
             <a:endParaRPr kumimoji="1" lang="ja-JP" altLang="en-US"/>
           </a:p>
@@ -3542,7 +3542,7 @@
           <a:p>
             <a:fld id="{FD845DEE-42C8-C840-B1B2-551C7203F112}" type="datetimeFigureOut">
               <a:rPr kumimoji="1" lang="ja-JP" altLang="en-US" smtClean="0"/>
-              <a:t>2020/9/18</a:t>
+              <a:t>2020/9/30</a:t>
             </a:fld>
             <a:endParaRPr kumimoji="1" lang="ja-JP" altLang="en-US"/>
           </a:p>
@@ -3865,7 +3865,7 @@
           <a:p>
             <a:fld id="{FD845DEE-42C8-C840-B1B2-551C7203F112}" type="datetimeFigureOut">
               <a:rPr kumimoji="1" lang="ja-JP" altLang="en-US" smtClean="0"/>
-              <a:t>2020/9/18</a:t>
+              <a:t>2020/9/30</a:t>
             </a:fld>
             <a:endParaRPr kumimoji="1" lang="ja-JP" altLang="en-US"/>
           </a:p>
@@ -4113,7 +4113,7 @@
           <a:p>
             <a:fld id="{FD845DEE-42C8-C840-B1B2-551C7203F112}" type="datetimeFigureOut">
               <a:rPr kumimoji="1" lang="ja-JP" altLang="en-US" smtClean="0"/>
-              <a:t>2020/9/18</a:t>
+              <a:t>2020/9/30</a:t>
             </a:fld>
             <a:endParaRPr kumimoji="1" lang="ja-JP" altLang="en-US"/>
           </a:p>
@@ -20854,10 +20854,10 @@
       </p:sp>
       <p:sp>
         <p:nvSpPr>
-          <p:cNvPr id="18" name="フローチャート: 直接アクセス記憶 17">
-            <a:extLst>
-              <a:ext uri="{FF2B5EF4-FFF2-40B4-BE49-F238E27FC236}">
-                <a16:creationId xmlns:a16="http://schemas.microsoft.com/office/drawing/2014/main" id="{A1FD7E46-54C6-6641-86F3-ED7F73B0D917}"/>
+          <p:cNvPr id="17" name="円柱 16">
+            <a:extLst>
+              <a:ext uri="{FF2B5EF4-FFF2-40B4-BE49-F238E27FC236}">
+                <a16:creationId xmlns:a16="http://schemas.microsoft.com/office/drawing/2014/main" id="{E5795A36-BCDB-AC45-B574-38B3E20C54A5}"/>
               </a:ext>
             </a:extLst>
           </p:cNvPr>
@@ -20865,19 +20865,25 @@
           <p:nvPr/>
         </p:nvSpPr>
         <p:spPr>
-          <a:xfrm>
-            <a:off x="1896529" y="4848194"/>
-            <a:ext cx="7890934" cy="685800"/>
-          </a:xfrm>
-          <a:prstGeom prst="flowChartMagneticDrum">
+          <a:xfrm rot="16200000">
+            <a:off x="5338283" y="1356776"/>
+            <a:ext cx="973556" cy="7545774"/>
+          </a:xfrm>
+          <a:prstGeom prst="can">
             <a:avLst/>
           </a:prstGeom>
           <a:solidFill>
             <a:schemeClr val="accent1">
-              <a:lumMod val="40000"/>
-              <a:lumOff val="60000"/>
+              <a:lumMod val="60000"/>
+              <a:lumOff val="40000"/>
+              <a:alpha val="82000"/>
             </a:schemeClr>
           </a:solidFill>
+          <a:ln>
+            <a:solidFill>
+              <a:schemeClr val="accent1"/>
+            </a:solidFill>
+          </a:ln>
         </p:spPr>
         <p:style>
           <a:lnRef idx="2">
@@ -20896,7 +20902,7 @@
           </a:fontRef>
         </p:style>
         <p:txBody>
-          <a:bodyPr rtlCol="0" anchor="ctr"/>
+          <a:bodyPr vert="vert" rtlCol="0" anchor="ctr"/>
           <a:lstStyle/>
           <a:p>
             <a:pPr algn="ctr"/>
@@ -20916,7 +20922,7 @@
               </a:rPr>
               <a:t>(c)</a:t>
             </a:r>
-            <a:endParaRPr kumimoji="1" lang="ja-JP" altLang="en-US" sz="2800">
+            <a:endParaRPr lang="ja-JP" altLang="en-US" sz="2800">
               <a:solidFill>
                 <a:schemeClr val="tx1"/>
               </a:solidFill>

--- a/SUBTHEME/graphs/network_archtecture.pptx
+++ b/SUBTHEME/graphs/network_archtecture.pptx
@@ -5,7 +5,7 @@
     <p:sldMasterId id="2147483648" r:id="rId1"/>
   </p:sldMasterIdLst>
   <p:notesMasterIdLst>
-    <p:notesMasterId r:id="rId22"/>
+    <p:notesMasterId r:id="rId24"/>
   </p:notesMasterIdLst>
   <p:sldIdLst>
     <p:sldId id="262" r:id="rId2"/>
@@ -27,7 +27,9 @@
     <p:sldId id="278" r:id="rId18"/>
     <p:sldId id="280" r:id="rId19"/>
     <p:sldId id="279" r:id="rId20"/>
-    <p:sldId id="275" r:id="rId21"/>
+    <p:sldId id="282" r:id="rId21"/>
+    <p:sldId id="281" r:id="rId22"/>
+    <p:sldId id="275" r:id="rId23"/>
   </p:sldIdLst>
   <p:sldSz cx="12192000" cy="6858000"/>
   <p:notesSz cx="6858000" cy="9144000"/>
@@ -216,7 +218,7 @@
           <a:p>
             <a:fld id="{2B23E72C-1B90-914A-A417-2D7D12309D01}" type="datetimeFigureOut">
               <a:rPr kumimoji="1" lang="ja-JP" altLang="en-US" smtClean="0"/>
-              <a:t>2020/9/30</a:t>
+              <a:t>2020/10/13</a:t>
             </a:fld>
             <a:endParaRPr kumimoji="1" lang="ja-JP" altLang="en-US"/>
           </a:p>
@@ -1059,7 +1061,91 @@
           <a:p>
             <a:fld id="{6DA38E19-B81A-F542-8311-AF3BA722301E}" type="slidenum">
               <a:rPr kumimoji="1" lang="ja-JP" altLang="en-US" smtClean="0"/>
-              <a:t>20</a:t>
+              <a:t>21</a:t>
+            </a:fld>
+            <a:endParaRPr kumimoji="1" lang="ja-JP" altLang="en-US"/>
+          </a:p>
+        </p:txBody>
+      </p:sp>
+    </p:spTree>
+    <p:extLst>
+      <p:ext uri="{BB962C8B-B14F-4D97-AF65-F5344CB8AC3E}">
+        <p14:creationId xmlns:p14="http://schemas.microsoft.com/office/powerpoint/2010/main" val="2839803896"/>
+      </p:ext>
+    </p:extLst>
+  </p:cSld>
+  <p:clrMapOvr>
+    <a:masterClrMapping/>
+  </p:clrMapOvr>
+</p:notes>
+</file>
+
+<file path=ppt/notesSlides/notesSlide8.xml><?xml version="1.0" encoding="utf-8"?>
+<p:notes xmlns:a="http://schemas.openxmlformats.org/drawingml/2006/main" xmlns:r="http://schemas.openxmlformats.org/officeDocument/2006/relationships" xmlns:p="http://schemas.openxmlformats.org/presentationml/2006/main">
+  <p:cSld>
+    <p:spTree>
+      <p:nvGrpSpPr>
+        <p:cNvPr id="1" name=""/>
+        <p:cNvGrpSpPr/>
+        <p:nvPr/>
+      </p:nvGrpSpPr>
+      <p:grpSpPr>
+        <a:xfrm>
+          <a:off x="0" y="0"/>
+          <a:ext cx="0" cy="0"/>
+          <a:chOff x="0" y="0"/>
+          <a:chExt cx="0" cy="0"/>
+        </a:xfrm>
+      </p:grpSpPr>
+      <p:sp>
+        <p:nvSpPr>
+          <p:cNvPr id="2" name="スライド イメージ プレースホルダー 1"/>
+          <p:cNvSpPr>
+            <a:spLocks noGrp="1" noRot="1" noChangeAspect="1"/>
+          </p:cNvSpPr>
+          <p:nvPr>
+            <p:ph type="sldImg"/>
+          </p:nvPr>
+        </p:nvSpPr>
+        <p:spPr/>
+      </p:sp>
+      <p:sp>
+        <p:nvSpPr>
+          <p:cNvPr id="3" name="ノート プレースホルダー 2"/>
+          <p:cNvSpPr>
+            <a:spLocks noGrp="1"/>
+          </p:cNvSpPr>
+          <p:nvPr>
+            <p:ph type="body" idx="1"/>
+          </p:nvPr>
+        </p:nvSpPr>
+        <p:spPr/>
+        <p:txBody>
+          <a:bodyPr/>
+          <a:lstStyle/>
+          <a:p>
+            <a:endParaRPr kumimoji="1" lang="ja-JP" altLang="en-US"/>
+          </a:p>
+        </p:txBody>
+      </p:sp>
+      <p:sp>
+        <p:nvSpPr>
+          <p:cNvPr id="4" name="スライド番号プレースホルダー 3"/>
+          <p:cNvSpPr>
+            <a:spLocks noGrp="1"/>
+          </p:cNvSpPr>
+          <p:nvPr>
+            <p:ph type="sldNum" sz="quarter" idx="5"/>
+          </p:nvPr>
+        </p:nvSpPr>
+        <p:spPr/>
+        <p:txBody>
+          <a:bodyPr/>
+          <a:lstStyle/>
+          <a:p>
+            <a:fld id="{6DA38E19-B81A-F542-8311-AF3BA722301E}" type="slidenum">
+              <a:rPr kumimoji="1" lang="ja-JP" altLang="en-US" smtClean="0"/>
+              <a:t>22</a:t>
             </a:fld>
             <a:endParaRPr kumimoji="1" lang="ja-JP" altLang="en-US"/>
           </a:p>
@@ -1225,7 +1311,7 @@
           <a:p>
             <a:fld id="{FD845DEE-42C8-C840-B1B2-551C7203F112}" type="datetimeFigureOut">
               <a:rPr kumimoji="1" lang="ja-JP" altLang="en-US" smtClean="0"/>
-              <a:t>2020/9/30</a:t>
+              <a:t>2020/10/13</a:t>
             </a:fld>
             <a:endParaRPr kumimoji="1" lang="ja-JP" altLang="en-US"/>
           </a:p>
@@ -1430,7 +1516,7 @@
           <a:p>
             <a:fld id="{FD845DEE-42C8-C840-B1B2-551C7203F112}" type="datetimeFigureOut">
               <a:rPr kumimoji="1" lang="ja-JP" altLang="en-US" smtClean="0"/>
-              <a:t>2020/9/30</a:t>
+              <a:t>2020/10/13</a:t>
             </a:fld>
             <a:endParaRPr kumimoji="1" lang="ja-JP" altLang="en-US"/>
           </a:p>
@@ -1645,7 +1731,7 @@
           <a:p>
             <a:fld id="{FD845DEE-42C8-C840-B1B2-551C7203F112}" type="datetimeFigureOut">
               <a:rPr kumimoji="1" lang="ja-JP" altLang="en-US" smtClean="0"/>
-              <a:t>2020/9/30</a:t>
+              <a:t>2020/10/13</a:t>
             </a:fld>
             <a:endParaRPr kumimoji="1" lang="ja-JP" altLang="en-US"/>
           </a:p>
@@ -1850,7 +1936,7 @@
           <a:p>
             <a:fld id="{FD845DEE-42C8-C840-B1B2-551C7203F112}" type="datetimeFigureOut">
               <a:rPr kumimoji="1" lang="ja-JP" altLang="en-US" smtClean="0"/>
-              <a:t>2020/9/30</a:t>
+              <a:t>2020/10/13</a:t>
             </a:fld>
             <a:endParaRPr kumimoji="1" lang="ja-JP" altLang="en-US"/>
           </a:p>
@@ -2160,7 +2246,7 @@
           <a:p>
             <a:fld id="{FD845DEE-42C8-C840-B1B2-551C7203F112}" type="datetimeFigureOut">
               <a:rPr kumimoji="1" lang="ja-JP" altLang="en-US" smtClean="0"/>
-              <a:t>2020/9/30</a:t>
+              <a:t>2020/10/13</a:t>
             </a:fld>
             <a:endParaRPr kumimoji="1" lang="ja-JP" altLang="en-US"/>
           </a:p>
@@ -2439,7 +2525,7 @@
           <a:p>
             <a:fld id="{FD845DEE-42C8-C840-B1B2-551C7203F112}" type="datetimeFigureOut">
               <a:rPr kumimoji="1" lang="ja-JP" altLang="en-US" smtClean="0"/>
-              <a:t>2020/9/30</a:t>
+              <a:t>2020/10/13</a:t>
             </a:fld>
             <a:endParaRPr kumimoji="1" lang="ja-JP" altLang="en-US"/>
           </a:p>
@@ -2935,7 +3021,7 @@
           <a:p>
             <a:fld id="{FD845DEE-42C8-C840-B1B2-551C7203F112}" type="datetimeFigureOut">
               <a:rPr kumimoji="1" lang="ja-JP" altLang="en-US" smtClean="0"/>
-              <a:t>2020/9/30</a:t>
+              <a:t>2020/10/13</a:t>
             </a:fld>
             <a:endParaRPr kumimoji="1" lang="ja-JP" altLang="en-US"/>
           </a:p>
@@ -3076,7 +3162,7 @@
           <a:p>
             <a:fld id="{FD845DEE-42C8-C840-B1B2-551C7203F112}" type="datetimeFigureOut">
               <a:rPr kumimoji="1" lang="ja-JP" altLang="en-US" smtClean="0"/>
-              <a:t>2020/9/30</a:t>
+              <a:t>2020/10/13</a:t>
             </a:fld>
             <a:endParaRPr kumimoji="1" lang="ja-JP" altLang="en-US"/>
           </a:p>
@@ -3189,7 +3275,7 @@
           <a:p>
             <a:fld id="{FD845DEE-42C8-C840-B1B2-551C7203F112}" type="datetimeFigureOut">
               <a:rPr kumimoji="1" lang="ja-JP" altLang="en-US" smtClean="0"/>
-              <a:t>2020/9/30</a:t>
+              <a:t>2020/10/13</a:t>
             </a:fld>
             <a:endParaRPr kumimoji="1" lang="ja-JP" altLang="en-US"/>
           </a:p>
@@ -3542,7 +3628,7 @@
           <a:p>
             <a:fld id="{FD845DEE-42C8-C840-B1B2-551C7203F112}" type="datetimeFigureOut">
               <a:rPr kumimoji="1" lang="ja-JP" altLang="en-US" smtClean="0"/>
-              <a:t>2020/9/30</a:t>
+              <a:t>2020/10/13</a:t>
             </a:fld>
             <a:endParaRPr kumimoji="1" lang="ja-JP" altLang="en-US"/>
           </a:p>
@@ -3865,7 +3951,7 @@
           <a:p>
             <a:fld id="{FD845DEE-42C8-C840-B1B2-551C7203F112}" type="datetimeFigureOut">
               <a:rPr kumimoji="1" lang="ja-JP" altLang="en-US" smtClean="0"/>
-              <a:t>2020/9/30</a:t>
+              <a:t>2020/10/13</a:t>
             </a:fld>
             <a:endParaRPr kumimoji="1" lang="ja-JP" altLang="en-US"/>
           </a:p>
@@ -4113,7 +4199,7 @@
           <a:p>
             <a:fld id="{FD845DEE-42C8-C840-B1B2-551C7203F112}" type="datetimeFigureOut">
               <a:rPr kumimoji="1" lang="ja-JP" altLang="en-US" smtClean="0"/>
-              <a:t>2020/9/30</a:t>
+              <a:t>2020/10/13</a:t>
             </a:fld>
             <a:endParaRPr kumimoji="1" lang="ja-JP" altLang="en-US"/>
           </a:p>
@@ -17513,6 +17599,2574 @@
 </file>
 
 <file path=ppt/slides/slide20.xml><?xml version="1.0" encoding="utf-8"?>
+<p:sld xmlns:a="http://schemas.openxmlformats.org/drawingml/2006/main" xmlns:r="http://schemas.openxmlformats.org/officeDocument/2006/relationships" xmlns:p="http://schemas.openxmlformats.org/presentationml/2006/main">
+  <p:cSld>
+    <p:spTree>
+      <p:nvGrpSpPr>
+        <p:cNvPr id="1" name=""/>
+        <p:cNvGrpSpPr/>
+        <p:nvPr/>
+      </p:nvGrpSpPr>
+      <p:grpSpPr>
+        <a:xfrm>
+          <a:off x="0" y="0"/>
+          <a:ext cx="0" cy="0"/>
+          <a:chOff x="0" y="0"/>
+          <a:chExt cx="0" cy="0"/>
+        </a:xfrm>
+      </p:grpSpPr>
+      <p:sp>
+        <p:nvSpPr>
+          <p:cNvPr id="2" name="正方形/長方形 1">
+            <a:extLst>
+              <a:ext uri="{FF2B5EF4-FFF2-40B4-BE49-F238E27FC236}">
+                <a16:creationId xmlns:a16="http://schemas.microsoft.com/office/drawing/2014/main" id="{631E7510-00AE-964D-9F1F-2C65B9950DE5}"/>
+              </a:ext>
+            </a:extLst>
+          </p:cNvPr>
+          <p:cNvSpPr/>
+          <p:nvPr/>
+        </p:nvSpPr>
+        <p:spPr>
+          <a:xfrm>
+            <a:off x="6814911" y="476418"/>
+            <a:ext cx="4870269" cy="5711731"/>
+          </a:xfrm>
+          <a:prstGeom prst="rect">
+            <a:avLst/>
+          </a:prstGeom>
+          <a:solidFill>
+            <a:schemeClr val="bg1"/>
+          </a:solidFill>
+          <a:ln w="57150"/>
+        </p:spPr>
+        <p:style>
+          <a:lnRef idx="2">
+            <a:schemeClr val="dk1">
+              <a:shade val="50000"/>
+            </a:schemeClr>
+          </a:lnRef>
+          <a:fillRef idx="1">
+            <a:schemeClr val="dk1"/>
+          </a:fillRef>
+          <a:effectRef idx="0">
+            <a:schemeClr val="dk1"/>
+          </a:effectRef>
+          <a:fontRef idx="minor">
+            <a:schemeClr val="lt1"/>
+          </a:fontRef>
+        </p:style>
+        <p:txBody>
+          <a:bodyPr rtlCol="0" anchor="ctr"/>
+          <a:lstStyle/>
+          <a:p>
+            <a:pPr algn="ctr"/>
+            <a:endParaRPr kumimoji="1" lang="ja-JP" altLang="en-US"/>
+          </a:p>
+        </p:txBody>
+      </p:sp>
+      <p:sp>
+        <p:nvSpPr>
+          <p:cNvPr id="18" name="正方形/長方形 17">
+            <a:extLst>
+              <a:ext uri="{FF2B5EF4-FFF2-40B4-BE49-F238E27FC236}">
+                <a16:creationId xmlns:a16="http://schemas.microsoft.com/office/drawing/2014/main" id="{6EF8A3AD-D9BF-6D43-BAAE-0D43EE72E504}"/>
+              </a:ext>
+            </a:extLst>
+          </p:cNvPr>
+          <p:cNvSpPr/>
+          <p:nvPr/>
+        </p:nvSpPr>
+        <p:spPr>
+          <a:xfrm>
+            <a:off x="8590101" y="945384"/>
+            <a:ext cx="2797369" cy="2819840"/>
+          </a:xfrm>
+          <a:prstGeom prst="rect">
+            <a:avLst/>
+          </a:prstGeom>
+          <a:solidFill>
+            <a:schemeClr val="bg1"/>
+          </a:solidFill>
+          <a:ln w="57150"/>
+        </p:spPr>
+        <p:style>
+          <a:lnRef idx="2">
+            <a:schemeClr val="dk1">
+              <a:shade val="50000"/>
+            </a:schemeClr>
+          </a:lnRef>
+          <a:fillRef idx="1">
+            <a:schemeClr val="dk1"/>
+          </a:fillRef>
+          <a:effectRef idx="0">
+            <a:schemeClr val="dk1"/>
+          </a:effectRef>
+          <a:fontRef idx="minor">
+            <a:schemeClr val="lt1"/>
+          </a:fontRef>
+        </p:style>
+        <p:txBody>
+          <a:bodyPr rtlCol="0" anchor="ctr"/>
+          <a:lstStyle/>
+          <a:p>
+            <a:pPr algn="ctr"/>
+            <a:endParaRPr kumimoji="1" lang="ja-JP" altLang="en-US"/>
+          </a:p>
+        </p:txBody>
+      </p:sp>
+      <p:pic>
+        <p:nvPicPr>
+          <p:cNvPr id="3" name="図 2">
+            <a:extLst>
+              <a:ext uri="{FF2B5EF4-FFF2-40B4-BE49-F238E27FC236}">
+                <a16:creationId xmlns:a16="http://schemas.microsoft.com/office/drawing/2014/main" id="{F187BFE3-42A7-984F-BFA6-41662563830B}"/>
+              </a:ext>
+            </a:extLst>
+          </p:cNvPr>
+          <p:cNvPicPr>
+            <a:picLocks noChangeAspect="1"/>
+          </p:cNvPicPr>
+          <p:nvPr/>
+        </p:nvPicPr>
+        <p:blipFill>
+          <a:blip r:embed="rId2"/>
+          <a:stretch>
+            <a:fillRect/>
+          </a:stretch>
+        </p:blipFill>
+        <p:spPr>
+          <a:xfrm>
+            <a:off x="6584690" y="2750935"/>
+            <a:ext cx="520700" cy="838200"/>
+          </a:xfrm>
+          <a:prstGeom prst="rect">
+            <a:avLst/>
+          </a:prstGeom>
+        </p:spPr>
+      </p:pic>
+      <p:pic>
+        <p:nvPicPr>
+          <p:cNvPr id="4" name="図 3">
+            <a:extLst>
+              <a:ext uri="{FF2B5EF4-FFF2-40B4-BE49-F238E27FC236}">
+                <a16:creationId xmlns:a16="http://schemas.microsoft.com/office/drawing/2014/main" id="{9F271BCD-90ED-C948-9166-13FBC148E529}"/>
+              </a:ext>
+            </a:extLst>
+          </p:cNvPr>
+          <p:cNvPicPr>
+            <a:picLocks noChangeAspect="1"/>
+          </p:cNvPicPr>
+          <p:nvPr/>
+        </p:nvPicPr>
+        <p:blipFill>
+          <a:blip r:embed="rId3"/>
+          <a:stretch>
+            <a:fillRect/>
+          </a:stretch>
+        </p:blipFill>
+        <p:spPr>
+          <a:xfrm>
+            <a:off x="10081200" y="1975932"/>
+            <a:ext cx="571500" cy="800100"/>
+          </a:xfrm>
+          <a:prstGeom prst="rect">
+            <a:avLst/>
+          </a:prstGeom>
+        </p:spPr>
+      </p:pic>
+      <p:pic>
+        <p:nvPicPr>
+          <p:cNvPr id="5" name="図 4">
+            <a:extLst>
+              <a:ext uri="{FF2B5EF4-FFF2-40B4-BE49-F238E27FC236}">
+                <a16:creationId xmlns:a16="http://schemas.microsoft.com/office/drawing/2014/main" id="{27A8DF84-B4D0-0F49-AAB7-689D3BF1DF21}"/>
+              </a:ext>
+            </a:extLst>
+          </p:cNvPr>
+          <p:cNvPicPr>
+            <a:picLocks noChangeAspect="1"/>
+          </p:cNvPicPr>
+          <p:nvPr/>
+        </p:nvPicPr>
+        <p:blipFill>
+          <a:blip r:embed="rId3"/>
+          <a:stretch>
+            <a:fillRect/>
+          </a:stretch>
+        </p:blipFill>
+        <p:spPr>
+          <a:xfrm>
+            <a:off x="9216376" y="4563973"/>
+            <a:ext cx="571500" cy="800100"/>
+          </a:xfrm>
+          <a:prstGeom prst="rect">
+            <a:avLst/>
+          </a:prstGeom>
+        </p:spPr>
+      </p:pic>
+      <p:cxnSp>
+        <p:nvCxnSpPr>
+          <p:cNvPr id="8" name="直線コネクタ 7">
+            <a:extLst>
+              <a:ext uri="{FF2B5EF4-FFF2-40B4-BE49-F238E27FC236}">
+                <a16:creationId xmlns:a16="http://schemas.microsoft.com/office/drawing/2014/main" id="{056C4A50-2D57-5947-AB79-27FB51807D32}"/>
+              </a:ext>
+            </a:extLst>
+          </p:cNvPr>
+          <p:cNvCxnSpPr>
+            <a:cxnSpLocks/>
+            <a:stCxn id="3" idx="3"/>
+            <a:endCxn id="5" idx="1"/>
+          </p:cNvCxnSpPr>
+          <p:nvPr/>
+        </p:nvCxnSpPr>
+        <p:spPr>
+          <a:xfrm>
+            <a:off x="7105390" y="3170035"/>
+            <a:ext cx="2110986" cy="1793988"/>
+          </a:xfrm>
+          <a:prstGeom prst="line">
+            <a:avLst/>
+          </a:prstGeom>
+          <a:ln w="44450">
+            <a:headEnd type="oval"/>
+            <a:tailEnd type="oval"/>
+          </a:ln>
+        </p:spPr>
+        <p:style>
+          <a:lnRef idx="1">
+            <a:schemeClr val="accent1"/>
+          </a:lnRef>
+          <a:fillRef idx="0">
+            <a:schemeClr val="accent1"/>
+          </a:fillRef>
+          <a:effectRef idx="0">
+            <a:schemeClr val="accent1"/>
+          </a:effectRef>
+          <a:fontRef idx="minor">
+            <a:schemeClr val="tx1"/>
+          </a:fontRef>
+        </p:style>
+      </p:cxnSp>
+      <p:cxnSp>
+        <p:nvCxnSpPr>
+          <p:cNvPr id="9" name="直線コネクタ 8">
+            <a:extLst>
+              <a:ext uri="{FF2B5EF4-FFF2-40B4-BE49-F238E27FC236}">
+                <a16:creationId xmlns:a16="http://schemas.microsoft.com/office/drawing/2014/main" id="{89C2FACE-8CBE-6C42-BFFB-4ABDB3580B89}"/>
+              </a:ext>
+            </a:extLst>
+          </p:cNvPr>
+          <p:cNvCxnSpPr>
+            <a:cxnSpLocks/>
+            <a:stCxn id="23" idx="3"/>
+            <a:endCxn id="4" idx="1"/>
+          </p:cNvCxnSpPr>
+          <p:nvPr/>
+        </p:nvCxnSpPr>
+        <p:spPr>
+          <a:xfrm>
+            <a:off x="8845962" y="2264273"/>
+            <a:ext cx="1235238" cy="111709"/>
+          </a:xfrm>
+          <a:prstGeom prst="line">
+            <a:avLst/>
+          </a:prstGeom>
+          <a:ln w="38100">
+            <a:headEnd type="oval"/>
+            <a:tailEnd type="oval"/>
+          </a:ln>
+        </p:spPr>
+        <p:style>
+          <a:lnRef idx="1">
+            <a:schemeClr val="accent1"/>
+          </a:lnRef>
+          <a:fillRef idx="0">
+            <a:schemeClr val="accent1"/>
+          </a:fillRef>
+          <a:effectRef idx="0">
+            <a:schemeClr val="accent1"/>
+          </a:effectRef>
+          <a:fontRef idx="minor">
+            <a:schemeClr val="tx1"/>
+          </a:fontRef>
+        </p:style>
+      </p:cxnSp>
+      <p:sp>
+        <p:nvSpPr>
+          <p:cNvPr id="11" name="テキスト ボックス 10">
+            <a:extLst>
+              <a:ext uri="{FF2B5EF4-FFF2-40B4-BE49-F238E27FC236}">
+                <a16:creationId xmlns:a16="http://schemas.microsoft.com/office/drawing/2014/main" id="{C9E0481D-2704-5A49-BDDA-F260AF4E7002}"/>
+              </a:ext>
+            </a:extLst>
+          </p:cNvPr>
+          <p:cNvSpPr txBox="1"/>
+          <p:nvPr/>
+        </p:nvSpPr>
+        <p:spPr>
+          <a:xfrm>
+            <a:off x="6749366" y="3585396"/>
+            <a:ext cx="1098380" cy="369332"/>
+          </a:xfrm>
+          <a:prstGeom prst="rect">
+            <a:avLst/>
+          </a:prstGeom>
+          <a:noFill/>
+        </p:spPr>
+        <p:txBody>
+          <a:bodyPr wrap="square" rtlCol="0">
+            <a:spAutoFit/>
+          </a:bodyPr>
+          <a:lstStyle/>
+          <a:p>
+            <a:r>
+              <a:rPr lang="en-US" altLang="ja-JP" b="1" dirty="0"/>
+              <a:t>10.1.1.1</a:t>
+            </a:r>
+            <a:endParaRPr kumimoji="1" lang="ja-JP" altLang="en-US" b="1"/>
+          </a:p>
+        </p:txBody>
+      </p:sp>
+      <p:sp>
+        <p:nvSpPr>
+          <p:cNvPr id="12" name="テキスト ボックス 11">
+            <a:extLst>
+              <a:ext uri="{FF2B5EF4-FFF2-40B4-BE49-F238E27FC236}">
+                <a16:creationId xmlns:a16="http://schemas.microsoft.com/office/drawing/2014/main" id="{9CC999CD-DAAB-1440-B042-44676DFCA9E7}"/>
+              </a:ext>
+            </a:extLst>
+          </p:cNvPr>
+          <p:cNvSpPr txBox="1"/>
+          <p:nvPr/>
+        </p:nvSpPr>
+        <p:spPr>
+          <a:xfrm>
+            <a:off x="9848909" y="2862644"/>
+            <a:ext cx="1365298" cy="369332"/>
+          </a:xfrm>
+          <a:prstGeom prst="rect">
+            <a:avLst/>
+          </a:prstGeom>
+          <a:noFill/>
+        </p:spPr>
+        <p:txBody>
+          <a:bodyPr wrap="square" rtlCol="0">
+            <a:spAutoFit/>
+          </a:bodyPr>
+          <a:lstStyle/>
+          <a:p>
+            <a:r>
+              <a:rPr lang="en-US" altLang="ja-JP" b="1" dirty="0"/>
+              <a:t>2</a:t>
+            </a:r>
+            <a:r>
+              <a:rPr kumimoji="1" lang="en-US" altLang="ja-JP" b="1" dirty="0"/>
+              <a:t>0.1.1.7</a:t>
+            </a:r>
+            <a:endParaRPr kumimoji="1" lang="ja-JP" altLang="en-US" b="1"/>
+          </a:p>
+        </p:txBody>
+      </p:sp>
+      <p:sp>
+        <p:nvSpPr>
+          <p:cNvPr id="13" name="テキスト ボックス 12">
+            <a:extLst>
+              <a:ext uri="{FF2B5EF4-FFF2-40B4-BE49-F238E27FC236}">
+                <a16:creationId xmlns:a16="http://schemas.microsoft.com/office/drawing/2014/main" id="{053A3340-8691-0441-9520-3CD2506BB29B}"/>
+              </a:ext>
+            </a:extLst>
+          </p:cNvPr>
+          <p:cNvSpPr txBox="1"/>
+          <p:nvPr/>
+        </p:nvSpPr>
+        <p:spPr>
+          <a:xfrm>
+            <a:off x="8931621" y="5450685"/>
+            <a:ext cx="1042273" cy="369332"/>
+          </a:xfrm>
+          <a:prstGeom prst="rect">
+            <a:avLst/>
+          </a:prstGeom>
+          <a:noFill/>
+        </p:spPr>
+        <p:txBody>
+          <a:bodyPr wrap="none" rtlCol="0">
+            <a:spAutoFit/>
+          </a:bodyPr>
+          <a:lstStyle/>
+          <a:p>
+            <a:r>
+              <a:rPr kumimoji="1" lang="en-US" altLang="ja-JP" b="1" dirty="0"/>
+              <a:t>10.1.1.8</a:t>
+            </a:r>
+            <a:endParaRPr kumimoji="1" lang="ja-JP" altLang="en-US" b="1"/>
+          </a:p>
+        </p:txBody>
+      </p:sp>
+      <p:sp>
+        <p:nvSpPr>
+          <p:cNvPr id="14" name="テキスト ボックス 13">
+            <a:extLst>
+              <a:ext uri="{FF2B5EF4-FFF2-40B4-BE49-F238E27FC236}">
+                <a16:creationId xmlns:a16="http://schemas.microsoft.com/office/drawing/2014/main" id="{30E0781A-1D5C-6F48-B8D4-0612871CB999}"/>
+              </a:ext>
+            </a:extLst>
+          </p:cNvPr>
+          <p:cNvSpPr txBox="1"/>
+          <p:nvPr/>
+        </p:nvSpPr>
+        <p:spPr>
+          <a:xfrm>
+            <a:off x="10030081" y="1606600"/>
+            <a:ext cx="643125" cy="369332"/>
+          </a:xfrm>
+          <a:prstGeom prst="rect">
+            <a:avLst/>
+          </a:prstGeom>
+          <a:noFill/>
+        </p:spPr>
+        <p:txBody>
+          <a:bodyPr wrap="none" rtlCol="0">
+            <a:spAutoFit/>
+          </a:bodyPr>
+          <a:lstStyle/>
+          <a:p>
+            <a:r>
+              <a:rPr kumimoji="1" lang="en-US" altLang="ja-JP" b="1" dirty="0"/>
+              <a:t>PC7</a:t>
+            </a:r>
+            <a:endParaRPr kumimoji="1" lang="ja-JP" altLang="en-US" b="1"/>
+          </a:p>
+        </p:txBody>
+      </p:sp>
+      <p:sp>
+        <p:nvSpPr>
+          <p:cNvPr id="15" name="テキスト ボックス 14">
+            <a:extLst>
+              <a:ext uri="{FF2B5EF4-FFF2-40B4-BE49-F238E27FC236}">
+                <a16:creationId xmlns:a16="http://schemas.microsoft.com/office/drawing/2014/main" id="{AE907E76-BCF8-CD45-B45D-6AA073077FBE}"/>
+              </a:ext>
+            </a:extLst>
+          </p:cNvPr>
+          <p:cNvSpPr txBox="1"/>
+          <p:nvPr/>
+        </p:nvSpPr>
+        <p:spPr>
+          <a:xfrm>
+            <a:off x="9180563" y="4251886"/>
+            <a:ext cx="643125" cy="369332"/>
+          </a:xfrm>
+          <a:prstGeom prst="rect">
+            <a:avLst/>
+          </a:prstGeom>
+          <a:noFill/>
+        </p:spPr>
+        <p:txBody>
+          <a:bodyPr wrap="none" rtlCol="0">
+            <a:spAutoFit/>
+          </a:bodyPr>
+          <a:lstStyle/>
+          <a:p>
+            <a:r>
+              <a:rPr kumimoji="1" lang="en-US" altLang="ja-JP" b="1" dirty="0"/>
+              <a:t>PC8</a:t>
+            </a:r>
+            <a:endParaRPr kumimoji="1" lang="ja-JP" altLang="en-US" b="1"/>
+          </a:p>
+        </p:txBody>
+      </p:sp>
+      <p:sp>
+        <p:nvSpPr>
+          <p:cNvPr id="17" name="テキスト ボックス 16">
+            <a:extLst>
+              <a:ext uri="{FF2B5EF4-FFF2-40B4-BE49-F238E27FC236}">
+                <a16:creationId xmlns:a16="http://schemas.microsoft.com/office/drawing/2014/main" id="{4B2B4643-4675-6A4F-829A-F5B1F1BF9C0D}"/>
+              </a:ext>
+            </a:extLst>
+          </p:cNvPr>
+          <p:cNvSpPr txBox="1"/>
+          <p:nvPr/>
+        </p:nvSpPr>
+        <p:spPr>
+          <a:xfrm>
+            <a:off x="6818649" y="500460"/>
+            <a:ext cx="1423788" cy="369332"/>
+          </a:xfrm>
+          <a:prstGeom prst="rect">
+            <a:avLst/>
+          </a:prstGeom>
+          <a:noFill/>
+          <a:ln w="38100">
+            <a:solidFill>
+              <a:schemeClr val="tx1"/>
+            </a:solidFill>
+          </a:ln>
+        </p:spPr>
+        <p:txBody>
+          <a:bodyPr wrap="none" rtlCol="0">
+            <a:spAutoFit/>
+          </a:bodyPr>
+          <a:lstStyle/>
+          <a:p>
+            <a:r>
+              <a:rPr lang="en" altLang="ja-JP" b="1" dirty="0">
+                <a:ln>
+                  <a:solidFill>
+                    <a:sysClr val="windowText" lastClr="000000"/>
+                  </a:solidFill>
+                </a:ln>
+                <a:solidFill>
+                  <a:sysClr val="windowText" lastClr="000000"/>
+                </a:solidFill>
+              </a:rPr>
+              <a:t>10.1.1.0/24</a:t>
+            </a:r>
+            <a:endParaRPr kumimoji="1" lang="ja-JP" altLang="en-US">
+              <a:ln>
+                <a:solidFill>
+                  <a:sysClr val="windowText" lastClr="000000"/>
+                </a:solidFill>
+              </a:ln>
+              <a:solidFill>
+                <a:sysClr val="windowText" lastClr="000000"/>
+              </a:solidFill>
+            </a:endParaRPr>
+          </a:p>
+        </p:txBody>
+      </p:sp>
+      <p:pic>
+        <p:nvPicPr>
+          <p:cNvPr id="23" name="図 22">
+            <a:extLst>
+              <a:ext uri="{FF2B5EF4-FFF2-40B4-BE49-F238E27FC236}">
+                <a16:creationId xmlns:a16="http://schemas.microsoft.com/office/drawing/2014/main" id="{398D2044-C20A-074F-B849-5BDC52EAF192}"/>
+              </a:ext>
+            </a:extLst>
+          </p:cNvPr>
+          <p:cNvPicPr>
+            <a:picLocks noChangeAspect="1"/>
+          </p:cNvPicPr>
+          <p:nvPr/>
+        </p:nvPicPr>
+        <p:blipFill>
+          <a:blip r:embed="rId2"/>
+          <a:stretch>
+            <a:fillRect/>
+          </a:stretch>
+        </p:blipFill>
+        <p:spPr>
+          <a:xfrm>
+            <a:off x="8325262" y="1845173"/>
+            <a:ext cx="520700" cy="838200"/>
+          </a:xfrm>
+          <a:prstGeom prst="rect">
+            <a:avLst/>
+          </a:prstGeom>
+        </p:spPr>
+      </p:pic>
+      <p:cxnSp>
+        <p:nvCxnSpPr>
+          <p:cNvPr id="27" name="直線コネクタ 26">
+            <a:extLst>
+              <a:ext uri="{FF2B5EF4-FFF2-40B4-BE49-F238E27FC236}">
+                <a16:creationId xmlns:a16="http://schemas.microsoft.com/office/drawing/2014/main" id="{86B54D81-732B-6847-9D1A-530F36E53534}"/>
+              </a:ext>
+            </a:extLst>
+          </p:cNvPr>
+          <p:cNvCxnSpPr>
+            <a:cxnSpLocks/>
+            <a:stCxn id="3" idx="3"/>
+            <a:endCxn id="23" idx="1"/>
+          </p:cNvCxnSpPr>
+          <p:nvPr/>
+        </p:nvCxnSpPr>
+        <p:spPr>
+          <a:xfrm flipV="1">
+            <a:off x="7105390" y="2264273"/>
+            <a:ext cx="1219872" cy="905762"/>
+          </a:xfrm>
+          <a:prstGeom prst="line">
+            <a:avLst/>
+          </a:prstGeom>
+          <a:ln w="38100">
+            <a:headEnd type="oval"/>
+            <a:tailEnd type="oval"/>
+          </a:ln>
+        </p:spPr>
+        <p:style>
+          <a:lnRef idx="1">
+            <a:schemeClr val="accent1"/>
+          </a:lnRef>
+          <a:fillRef idx="0">
+            <a:schemeClr val="accent1"/>
+          </a:fillRef>
+          <a:effectRef idx="0">
+            <a:schemeClr val="accent1"/>
+          </a:effectRef>
+          <a:fontRef idx="minor">
+            <a:schemeClr val="tx1"/>
+          </a:fontRef>
+        </p:style>
+      </p:cxnSp>
+      <p:sp>
+        <p:nvSpPr>
+          <p:cNvPr id="41" name="テキスト ボックス 40">
+            <a:extLst>
+              <a:ext uri="{FF2B5EF4-FFF2-40B4-BE49-F238E27FC236}">
+                <a16:creationId xmlns:a16="http://schemas.microsoft.com/office/drawing/2014/main" id="{267DF711-2A27-5643-B1AE-666F589898B0}"/>
+              </a:ext>
+            </a:extLst>
+          </p:cNvPr>
+          <p:cNvSpPr txBox="1"/>
+          <p:nvPr/>
+        </p:nvSpPr>
+        <p:spPr>
+          <a:xfrm>
+            <a:off x="6205516" y="2482591"/>
+            <a:ext cx="1178528" cy="369332"/>
+          </a:xfrm>
+          <a:prstGeom prst="rect">
+            <a:avLst/>
+          </a:prstGeom>
+          <a:noFill/>
+        </p:spPr>
+        <p:txBody>
+          <a:bodyPr wrap="none" rtlCol="0">
+            <a:spAutoFit/>
+          </a:bodyPr>
+          <a:lstStyle/>
+          <a:p>
+            <a:r>
+              <a:rPr lang="en-US" altLang="ja-JP" dirty="0"/>
+              <a:t>Gate way</a:t>
+            </a:r>
+            <a:endParaRPr kumimoji="1" lang="ja-JP" altLang="en-US"/>
+          </a:p>
+        </p:txBody>
+      </p:sp>
+      <p:sp>
+        <p:nvSpPr>
+          <p:cNvPr id="42" name="テキスト ボックス 41">
+            <a:extLst>
+              <a:ext uri="{FF2B5EF4-FFF2-40B4-BE49-F238E27FC236}">
+                <a16:creationId xmlns:a16="http://schemas.microsoft.com/office/drawing/2014/main" id="{EC846F49-C609-E94B-9A8E-C068FA969496}"/>
+              </a:ext>
+            </a:extLst>
+          </p:cNvPr>
+          <p:cNvSpPr txBox="1"/>
+          <p:nvPr/>
+        </p:nvSpPr>
+        <p:spPr>
+          <a:xfrm>
+            <a:off x="7966035" y="1484574"/>
+            <a:ext cx="1178528" cy="369332"/>
+          </a:xfrm>
+          <a:prstGeom prst="rect">
+            <a:avLst/>
+          </a:prstGeom>
+          <a:noFill/>
+        </p:spPr>
+        <p:txBody>
+          <a:bodyPr wrap="none" rtlCol="0">
+            <a:spAutoFit/>
+          </a:bodyPr>
+          <a:lstStyle/>
+          <a:p>
+            <a:r>
+              <a:rPr lang="en-US" altLang="ja-JP" dirty="0"/>
+              <a:t>Gate way</a:t>
+            </a:r>
+            <a:endParaRPr kumimoji="1" lang="ja-JP" altLang="en-US"/>
+          </a:p>
+        </p:txBody>
+      </p:sp>
+      <p:sp>
+        <p:nvSpPr>
+          <p:cNvPr id="43" name="テキスト ボックス 42">
+            <a:extLst>
+              <a:ext uri="{FF2B5EF4-FFF2-40B4-BE49-F238E27FC236}">
+                <a16:creationId xmlns:a16="http://schemas.microsoft.com/office/drawing/2014/main" id="{AD4E1100-2ECE-3C4B-BE3A-6BA0EFACFCFB}"/>
+              </a:ext>
+            </a:extLst>
+          </p:cNvPr>
+          <p:cNvSpPr txBox="1"/>
+          <p:nvPr/>
+        </p:nvSpPr>
+        <p:spPr>
+          <a:xfrm>
+            <a:off x="8602911" y="949852"/>
+            <a:ext cx="1423788" cy="369332"/>
+          </a:xfrm>
+          <a:prstGeom prst="rect">
+            <a:avLst/>
+          </a:prstGeom>
+          <a:noFill/>
+          <a:ln w="38100">
+            <a:solidFill>
+              <a:schemeClr val="tx1"/>
+            </a:solidFill>
+          </a:ln>
+        </p:spPr>
+        <p:txBody>
+          <a:bodyPr wrap="none" rtlCol="0">
+            <a:spAutoFit/>
+          </a:bodyPr>
+          <a:lstStyle/>
+          <a:p>
+            <a:r>
+              <a:rPr lang="en" altLang="ja-JP" b="1" dirty="0">
+                <a:ln>
+                  <a:solidFill>
+                    <a:sysClr val="windowText" lastClr="000000"/>
+                  </a:solidFill>
+                </a:ln>
+                <a:solidFill>
+                  <a:sysClr val="windowText" lastClr="000000"/>
+                </a:solidFill>
+              </a:rPr>
+              <a:t>20.1.1.0/24</a:t>
+            </a:r>
+            <a:endParaRPr kumimoji="1" lang="ja-JP" altLang="en-US">
+              <a:ln>
+                <a:solidFill>
+                  <a:sysClr val="windowText" lastClr="000000"/>
+                </a:solidFill>
+              </a:ln>
+              <a:solidFill>
+                <a:sysClr val="windowText" lastClr="000000"/>
+              </a:solidFill>
+            </a:endParaRPr>
+          </a:p>
+        </p:txBody>
+      </p:sp>
+      <p:sp>
+        <p:nvSpPr>
+          <p:cNvPr id="46" name="雲 45">
+            <a:extLst>
+              <a:ext uri="{FF2B5EF4-FFF2-40B4-BE49-F238E27FC236}">
+                <a16:creationId xmlns:a16="http://schemas.microsoft.com/office/drawing/2014/main" id="{0BFD43BD-4A7D-2C4D-B3CB-FE13A8143E7A}"/>
+              </a:ext>
+            </a:extLst>
+          </p:cNvPr>
+          <p:cNvSpPr/>
+          <p:nvPr/>
+        </p:nvSpPr>
+        <p:spPr>
+          <a:xfrm>
+            <a:off x="4131968" y="2851923"/>
+            <a:ext cx="1600725" cy="886765"/>
+          </a:xfrm>
+          <a:prstGeom prst="cloud">
+            <a:avLst/>
+          </a:prstGeom>
+          <a:solidFill>
+            <a:schemeClr val="bg1"/>
+          </a:solidFill>
+          <a:ln w="31750"/>
+        </p:spPr>
+        <p:style>
+          <a:lnRef idx="2">
+            <a:schemeClr val="accent1">
+              <a:shade val="50000"/>
+            </a:schemeClr>
+          </a:lnRef>
+          <a:fillRef idx="1">
+            <a:schemeClr val="accent1"/>
+          </a:fillRef>
+          <a:effectRef idx="0">
+            <a:schemeClr val="accent1"/>
+          </a:effectRef>
+          <a:fontRef idx="minor">
+            <a:schemeClr val="lt1"/>
+          </a:fontRef>
+        </p:style>
+        <p:txBody>
+          <a:bodyPr rtlCol="0" anchor="ctr"/>
+          <a:lstStyle/>
+          <a:p>
+            <a:pPr algn="ctr"/>
+            <a:r>
+              <a:rPr lang="en-US" altLang="ja-JP" sz="1600" dirty="0">
+                <a:solidFill>
+                  <a:sysClr val="windowText" lastClr="000000"/>
+                </a:solidFill>
+              </a:rPr>
+              <a:t>Internet</a:t>
+            </a:r>
+            <a:endParaRPr kumimoji="1" lang="ja-JP" altLang="en-US" sz="1600">
+              <a:solidFill>
+                <a:sysClr val="windowText" lastClr="000000"/>
+              </a:solidFill>
+            </a:endParaRPr>
+          </a:p>
+        </p:txBody>
+      </p:sp>
+      <p:cxnSp>
+        <p:nvCxnSpPr>
+          <p:cNvPr id="48" name="直線コネクタ 47">
+            <a:extLst>
+              <a:ext uri="{FF2B5EF4-FFF2-40B4-BE49-F238E27FC236}">
+                <a16:creationId xmlns:a16="http://schemas.microsoft.com/office/drawing/2014/main" id="{1A2FB7B5-4D5A-9A4B-AC82-3CD990140793}"/>
+              </a:ext>
+            </a:extLst>
+          </p:cNvPr>
+          <p:cNvCxnSpPr>
+            <a:cxnSpLocks/>
+            <a:stCxn id="46" idx="0"/>
+            <a:endCxn id="3" idx="1"/>
+          </p:cNvCxnSpPr>
+          <p:nvPr/>
+        </p:nvCxnSpPr>
+        <p:spPr>
+          <a:xfrm flipV="1">
+            <a:off x="5731359" y="3170035"/>
+            <a:ext cx="853331" cy="125271"/>
+          </a:xfrm>
+          <a:prstGeom prst="line">
+            <a:avLst/>
+          </a:prstGeom>
+          <a:ln w="44450">
+            <a:headEnd type="oval"/>
+            <a:tailEnd type="oval"/>
+          </a:ln>
+        </p:spPr>
+        <p:style>
+          <a:lnRef idx="1">
+            <a:schemeClr val="accent1"/>
+          </a:lnRef>
+          <a:fillRef idx="0">
+            <a:schemeClr val="accent1"/>
+          </a:fillRef>
+          <a:effectRef idx="0">
+            <a:schemeClr val="accent1"/>
+          </a:effectRef>
+          <a:fontRef idx="minor">
+            <a:schemeClr val="tx1"/>
+          </a:fontRef>
+        </p:style>
+      </p:cxnSp>
+      <p:sp>
+        <p:nvSpPr>
+          <p:cNvPr id="51" name="正方形/長方形 50">
+            <a:extLst>
+              <a:ext uri="{FF2B5EF4-FFF2-40B4-BE49-F238E27FC236}">
+                <a16:creationId xmlns:a16="http://schemas.microsoft.com/office/drawing/2014/main" id="{DDD1B8CD-9100-CA4E-8232-12020975244A}"/>
+              </a:ext>
+            </a:extLst>
+          </p:cNvPr>
+          <p:cNvSpPr/>
+          <p:nvPr/>
+        </p:nvSpPr>
+        <p:spPr>
+          <a:xfrm>
+            <a:off x="295533" y="1505248"/>
+            <a:ext cx="2652332" cy="3654069"/>
+          </a:xfrm>
+          <a:prstGeom prst="rect">
+            <a:avLst/>
+          </a:prstGeom>
+          <a:solidFill>
+            <a:schemeClr val="bg1"/>
+          </a:solidFill>
+          <a:ln w="57150"/>
+        </p:spPr>
+        <p:style>
+          <a:lnRef idx="2">
+            <a:schemeClr val="dk1">
+              <a:shade val="50000"/>
+            </a:schemeClr>
+          </a:lnRef>
+          <a:fillRef idx="1">
+            <a:schemeClr val="dk1"/>
+          </a:fillRef>
+          <a:effectRef idx="0">
+            <a:schemeClr val="dk1"/>
+          </a:effectRef>
+          <a:fontRef idx="minor">
+            <a:schemeClr val="lt1"/>
+          </a:fontRef>
+        </p:style>
+        <p:txBody>
+          <a:bodyPr rtlCol="0" anchor="ctr"/>
+          <a:lstStyle/>
+          <a:p>
+            <a:pPr algn="ctr"/>
+            <a:endParaRPr kumimoji="1" lang="ja-JP" altLang="en-US"/>
+          </a:p>
+        </p:txBody>
+      </p:sp>
+      <p:pic>
+        <p:nvPicPr>
+          <p:cNvPr id="52" name="図 51">
+            <a:extLst>
+              <a:ext uri="{FF2B5EF4-FFF2-40B4-BE49-F238E27FC236}">
+                <a16:creationId xmlns:a16="http://schemas.microsoft.com/office/drawing/2014/main" id="{89D6B055-367E-3946-BEF7-D83C59D3AD61}"/>
+              </a:ext>
+            </a:extLst>
+          </p:cNvPr>
+          <p:cNvPicPr>
+            <a:picLocks noChangeAspect="1"/>
+          </p:cNvPicPr>
+          <p:nvPr/>
+        </p:nvPicPr>
+        <p:blipFill>
+          <a:blip r:embed="rId2"/>
+          <a:stretch>
+            <a:fillRect/>
+          </a:stretch>
+        </p:blipFill>
+        <p:spPr>
+          <a:xfrm>
+            <a:off x="2682977" y="3019279"/>
+            <a:ext cx="520700" cy="838200"/>
+          </a:xfrm>
+          <a:prstGeom prst="rect">
+            <a:avLst/>
+          </a:prstGeom>
+        </p:spPr>
+      </p:pic>
+      <p:pic>
+        <p:nvPicPr>
+          <p:cNvPr id="57" name="図 56">
+            <a:extLst>
+              <a:ext uri="{FF2B5EF4-FFF2-40B4-BE49-F238E27FC236}">
+                <a16:creationId xmlns:a16="http://schemas.microsoft.com/office/drawing/2014/main" id="{E9996938-B63C-C148-B145-4E9FB33492C2}"/>
+              </a:ext>
+            </a:extLst>
+          </p:cNvPr>
+          <p:cNvPicPr>
+            <a:picLocks noChangeAspect="1"/>
+          </p:cNvPicPr>
+          <p:nvPr/>
+        </p:nvPicPr>
+        <p:blipFill>
+          <a:blip r:embed="rId3"/>
+          <a:stretch>
+            <a:fillRect/>
+          </a:stretch>
+        </p:blipFill>
+        <p:spPr>
+          <a:xfrm>
+            <a:off x="803519" y="2219179"/>
+            <a:ext cx="571500" cy="800100"/>
+          </a:xfrm>
+          <a:prstGeom prst="rect">
+            <a:avLst/>
+          </a:prstGeom>
+        </p:spPr>
+      </p:pic>
+      <p:sp>
+        <p:nvSpPr>
+          <p:cNvPr id="60" name="テキスト ボックス 59">
+            <a:extLst>
+              <a:ext uri="{FF2B5EF4-FFF2-40B4-BE49-F238E27FC236}">
+                <a16:creationId xmlns:a16="http://schemas.microsoft.com/office/drawing/2014/main" id="{8BE406F2-C346-B241-AC18-0462407221C2}"/>
+              </a:ext>
+            </a:extLst>
+          </p:cNvPr>
+          <p:cNvSpPr txBox="1"/>
+          <p:nvPr/>
+        </p:nvSpPr>
+        <p:spPr>
+          <a:xfrm>
+            <a:off x="2330125" y="2697728"/>
+            <a:ext cx="1178528" cy="369332"/>
+          </a:xfrm>
+          <a:prstGeom prst="rect">
+            <a:avLst/>
+          </a:prstGeom>
+          <a:noFill/>
+        </p:spPr>
+        <p:txBody>
+          <a:bodyPr wrap="none" rtlCol="0">
+            <a:spAutoFit/>
+          </a:bodyPr>
+          <a:lstStyle/>
+          <a:p>
+            <a:r>
+              <a:rPr lang="en-US" altLang="ja-JP" dirty="0"/>
+              <a:t>Gate way</a:t>
+            </a:r>
+            <a:endParaRPr kumimoji="1" lang="ja-JP" altLang="en-US"/>
+          </a:p>
+        </p:txBody>
+      </p:sp>
+      <p:cxnSp>
+        <p:nvCxnSpPr>
+          <p:cNvPr id="53" name="直線コネクタ 52">
+            <a:extLst>
+              <a:ext uri="{FF2B5EF4-FFF2-40B4-BE49-F238E27FC236}">
+                <a16:creationId xmlns:a16="http://schemas.microsoft.com/office/drawing/2014/main" id="{DEFDFDC4-FF37-A04B-802E-2A74A6AD5A0D}"/>
+              </a:ext>
+            </a:extLst>
+          </p:cNvPr>
+          <p:cNvCxnSpPr>
+            <a:cxnSpLocks/>
+            <a:stCxn id="57" idx="3"/>
+            <a:endCxn id="52" idx="1"/>
+          </p:cNvCxnSpPr>
+          <p:nvPr/>
+        </p:nvCxnSpPr>
+        <p:spPr>
+          <a:xfrm>
+            <a:off x="1375019" y="2619229"/>
+            <a:ext cx="1307958" cy="819150"/>
+          </a:xfrm>
+          <a:prstGeom prst="line">
+            <a:avLst/>
+          </a:prstGeom>
+          <a:ln w="44450">
+            <a:headEnd type="oval"/>
+            <a:tailEnd type="oval"/>
+          </a:ln>
+        </p:spPr>
+        <p:style>
+          <a:lnRef idx="1">
+            <a:schemeClr val="accent1"/>
+          </a:lnRef>
+          <a:fillRef idx="0">
+            <a:schemeClr val="accent1"/>
+          </a:fillRef>
+          <a:effectRef idx="0">
+            <a:schemeClr val="accent1"/>
+          </a:effectRef>
+          <a:fontRef idx="minor">
+            <a:schemeClr val="tx1"/>
+          </a:fontRef>
+        </p:style>
+      </p:cxnSp>
+      <p:sp>
+        <p:nvSpPr>
+          <p:cNvPr id="62" name="テキスト ボックス 61">
+            <a:extLst>
+              <a:ext uri="{FF2B5EF4-FFF2-40B4-BE49-F238E27FC236}">
+                <a16:creationId xmlns:a16="http://schemas.microsoft.com/office/drawing/2014/main" id="{A22CF2EA-EB3E-784D-80D0-4D75E95F97D0}"/>
+              </a:ext>
+            </a:extLst>
+          </p:cNvPr>
+          <p:cNvSpPr txBox="1"/>
+          <p:nvPr/>
+        </p:nvSpPr>
+        <p:spPr>
+          <a:xfrm>
+            <a:off x="767706" y="1939567"/>
+            <a:ext cx="740908" cy="369332"/>
+          </a:xfrm>
+          <a:prstGeom prst="rect">
+            <a:avLst/>
+          </a:prstGeom>
+          <a:noFill/>
+        </p:spPr>
+        <p:txBody>
+          <a:bodyPr wrap="none" rtlCol="0">
+            <a:spAutoFit/>
+          </a:bodyPr>
+          <a:lstStyle/>
+          <a:p>
+            <a:r>
+              <a:rPr kumimoji="1" lang="en-US" altLang="ja-JP" b="1" dirty="0"/>
+              <a:t>PC</a:t>
+            </a:r>
+            <a:r>
+              <a:rPr kumimoji="1" lang="ja-JP" altLang="en-US" b="1"/>
+              <a:t>１</a:t>
+            </a:r>
+          </a:p>
+        </p:txBody>
+      </p:sp>
+      <p:sp>
+        <p:nvSpPr>
+          <p:cNvPr id="64" name="テキスト ボックス 63">
+            <a:extLst>
+              <a:ext uri="{FF2B5EF4-FFF2-40B4-BE49-F238E27FC236}">
+                <a16:creationId xmlns:a16="http://schemas.microsoft.com/office/drawing/2014/main" id="{B71FBC93-3C85-A040-8256-7AEE54ABC1FD}"/>
+              </a:ext>
+            </a:extLst>
+          </p:cNvPr>
+          <p:cNvSpPr txBox="1"/>
+          <p:nvPr/>
+        </p:nvSpPr>
+        <p:spPr>
+          <a:xfrm>
+            <a:off x="1657344" y="1489779"/>
+            <a:ext cx="1290738" cy="369332"/>
+          </a:xfrm>
+          <a:prstGeom prst="rect">
+            <a:avLst/>
+          </a:prstGeom>
+          <a:noFill/>
+          <a:ln w="38100">
+            <a:solidFill>
+              <a:schemeClr val="tx1"/>
+            </a:solidFill>
+          </a:ln>
+        </p:spPr>
+        <p:txBody>
+          <a:bodyPr wrap="none" rtlCol="0">
+            <a:spAutoFit/>
+          </a:bodyPr>
+          <a:lstStyle/>
+          <a:p>
+            <a:r>
+              <a:rPr lang="en" altLang="ja-JP" b="1" dirty="0">
+                <a:ln>
+                  <a:solidFill>
+                    <a:sysClr val="windowText" lastClr="000000"/>
+                  </a:solidFill>
+                </a:ln>
+                <a:solidFill>
+                  <a:sysClr val="windowText" lastClr="000000"/>
+                </a:solidFill>
+              </a:rPr>
+              <a:t>1.1.1.0/24</a:t>
+            </a:r>
+            <a:endParaRPr kumimoji="1" lang="ja-JP" altLang="en-US">
+              <a:ln>
+                <a:solidFill>
+                  <a:sysClr val="windowText" lastClr="000000"/>
+                </a:solidFill>
+              </a:ln>
+              <a:solidFill>
+                <a:sysClr val="windowText" lastClr="000000"/>
+              </a:solidFill>
+            </a:endParaRPr>
+          </a:p>
+        </p:txBody>
+      </p:sp>
+      <p:cxnSp>
+        <p:nvCxnSpPr>
+          <p:cNvPr id="7" name="直線コネクタ 6">
+            <a:extLst>
+              <a:ext uri="{FF2B5EF4-FFF2-40B4-BE49-F238E27FC236}">
+                <a16:creationId xmlns:a16="http://schemas.microsoft.com/office/drawing/2014/main" id="{254E2BC6-E6CD-7E4F-9FFC-624C506368F3}"/>
+              </a:ext>
+            </a:extLst>
+          </p:cNvPr>
+          <p:cNvCxnSpPr>
+            <a:cxnSpLocks/>
+            <a:stCxn id="52" idx="3"/>
+            <a:endCxn id="46" idx="2"/>
+          </p:cNvCxnSpPr>
+          <p:nvPr/>
+        </p:nvCxnSpPr>
+        <p:spPr>
+          <a:xfrm flipV="1">
+            <a:off x="3203677" y="3295306"/>
+            <a:ext cx="933256" cy="143073"/>
+          </a:xfrm>
+          <a:prstGeom prst="line">
+            <a:avLst/>
+          </a:prstGeom>
+          <a:ln w="44450">
+            <a:headEnd type="oval"/>
+            <a:tailEnd type="oval"/>
+          </a:ln>
+        </p:spPr>
+        <p:style>
+          <a:lnRef idx="1">
+            <a:schemeClr val="accent1"/>
+          </a:lnRef>
+          <a:fillRef idx="0">
+            <a:schemeClr val="accent1"/>
+          </a:fillRef>
+          <a:effectRef idx="0">
+            <a:schemeClr val="accent1"/>
+          </a:effectRef>
+          <a:fontRef idx="minor">
+            <a:schemeClr val="tx1"/>
+          </a:fontRef>
+        </p:style>
+      </p:cxnSp>
+      <p:sp>
+        <p:nvSpPr>
+          <p:cNvPr id="63" name="テキスト ボックス 62">
+            <a:extLst>
+              <a:ext uri="{FF2B5EF4-FFF2-40B4-BE49-F238E27FC236}">
+                <a16:creationId xmlns:a16="http://schemas.microsoft.com/office/drawing/2014/main" id="{4802DCE1-BC2E-C749-B83D-77F91868C7A9}"/>
+              </a:ext>
+            </a:extLst>
+          </p:cNvPr>
+          <p:cNvSpPr txBox="1"/>
+          <p:nvPr/>
+        </p:nvSpPr>
+        <p:spPr>
+          <a:xfrm>
+            <a:off x="994903" y="3012820"/>
+            <a:ext cx="909223" cy="369332"/>
+          </a:xfrm>
+          <a:prstGeom prst="rect">
+            <a:avLst/>
+          </a:prstGeom>
+          <a:noFill/>
+        </p:spPr>
+        <p:txBody>
+          <a:bodyPr wrap="none" rtlCol="0">
+            <a:spAutoFit/>
+          </a:bodyPr>
+          <a:lstStyle/>
+          <a:p>
+            <a:r>
+              <a:rPr kumimoji="1" lang="en-US" altLang="ja-JP" b="1" dirty="0"/>
+              <a:t>1.1.1.8</a:t>
+            </a:r>
+            <a:endParaRPr kumimoji="1" lang="ja-JP" altLang="en-US" b="1"/>
+          </a:p>
+        </p:txBody>
+      </p:sp>
+      <p:sp>
+        <p:nvSpPr>
+          <p:cNvPr id="73" name="フリーフォーム 72">
+            <a:extLst>
+              <a:ext uri="{FF2B5EF4-FFF2-40B4-BE49-F238E27FC236}">
+                <a16:creationId xmlns:a16="http://schemas.microsoft.com/office/drawing/2014/main" id="{855BB843-BD6F-AE4F-BBF8-82BA552A54E1}"/>
+              </a:ext>
+            </a:extLst>
+          </p:cNvPr>
+          <p:cNvSpPr/>
+          <p:nvPr/>
+        </p:nvSpPr>
+        <p:spPr>
+          <a:xfrm>
+            <a:off x="295534" y="576694"/>
+            <a:ext cx="11801732" cy="3900667"/>
+          </a:xfrm>
+          <a:custGeom>
+            <a:avLst/>
+            <a:gdLst>
+              <a:gd name="connsiteX0" fmla="*/ 189798 w 11849959"/>
+              <a:gd name="connsiteY0" fmla="*/ 1965857 h 3590620"/>
+              <a:gd name="connsiteX1" fmla="*/ 2685862 w 11849959"/>
+              <a:gd name="connsiteY1" fmla="*/ 3547522 h 3590620"/>
+              <a:gd name="connsiteX2" fmla="*/ 6553527 w 11849959"/>
+              <a:gd name="connsiteY2" fmla="*/ 3176819 h 3590620"/>
+              <a:gd name="connsiteX3" fmla="*/ 11187311 w 11849959"/>
+              <a:gd name="connsiteY3" fmla="*/ 2731976 h 3590620"/>
+              <a:gd name="connsiteX4" fmla="*/ 10927819 w 11849959"/>
+              <a:gd name="connsiteY4" fmla="*/ 13490 h 3590620"/>
+              <a:gd name="connsiteX5" fmla="*/ 2895927 w 11849959"/>
+              <a:gd name="connsiteY5" fmla="*/ 1656938 h 3590620"/>
+              <a:gd name="connsiteX6" fmla="*/ 474003 w 11849959"/>
+              <a:gd name="connsiteY6" fmla="*/ 977317 h 3590620"/>
+              <a:gd name="connsiteX7" fmla="*/ 189798 w 11849959"/>
+              <a:gd name="connsiteY7" fmla="*/ 1965857 h 3590620"/>
+            </a:gdLst>
+            <a:ahLst/>
+            <a:cxnLst>
+              <a:cxn ang="0">
+                <a:pos x="connsiteX0" y="connsiteY0"/>
+              </a:cxn>
+              <a:cxn ang="0">
+                <a:pos x="connsiteX1" y="connsiteY1"/>
+              </a:cxn>
+              <a:cxn ang="0">
+                <a:pos x="connsiteX2" y="connsiteY2"/>
+              </a:cxn>
+              <a:cxn ang="0">
+                <a:pos x="connsiteX3" y="connsiteY3"/>
+              </a:cxn>
+              <a:cxn ang="0">
+                <a:pos x="connsiteX4" y="connsiteY4"/>
+              </a:cxn>
+              <a:cxn ang="0">
+                <a:pos x="connsiteX5" y="connsiteY5"/>
+              </a:cxn>
+              <a:cxn ang="0">
+                <a:pos x="connsiteX6" y="connsiteY6"/>
+              </a:cxn>
+              <a:cxn ang="0">
+                <a:pos x="connsiteX7" y="connsiteY7"/>
+              </a:cxn>
+            </a:cxnLst>
+            <a:rect l="l" t="t" r="r" b="b"/>
+            <a:pathLst>
+              <a:path w="11849959" h="3590620">
+                <a:moveTo>
+                  <a:pt x="189798" y="1965857"/>
+                </a:moveTo>
+                <a:cubicBezTo>
+                  <a:pt x="558441" y="2394224"/>
+                  <a:pt x="1625240" y="3345695"/>
+                  <a:pt x="2685862" y="3547522"/>
+                </a:cubicBezTo>
+                <a:cubicBezTo>
+                  <a:pt x="3746484" y="3749349"/>
+                  <a:pt x="6553527" y="3176819"/>
+                  <a:pt x="6553527" y="3176819"/>
+                </a:cubicBezTo>
+                <a:cubicBezTo>
+                  <a:pt x="7970435" y="3040895"/>
+                  <a:pt x="10458262" y="3259198"/>
+                  <a:pt x="11187311" y="2731976"/>
+                </a:cubicBezTo>
+                <a:cubicBezTo>
+                  <a:pt x="11916360" y="2204755"/>
+                  <a:pt x="12309716" y="192663"/>
+                  <a:pt x="10927819" y="13490"/>
+                </a:cubicBezTo>
+                <a:cubicBezTo>
+                  <a:pt x="9545922" y="-165683"/>
+                  <a:pt x="4638230" y="1496300"/>
+                  <a:pt x="2895927" y="1656938"/>
+                </a:cubicBezTo>
+                <a:cubicBezTo>
+                  <a:pt x="1153624" y="1817576"/>
+                  <a:pt x="918846" y="927890"/>
+                  <a:pt x="474003" y="977317"/>
+                </a:cubicBezTo>
+                <a:cubicBezTo>
+                  <a:pt x="29160" y="1026744"/>
+                  <a:pt x="-178845" y="1537490"/>
+                  <a:pt x="189798" y="1965857"/>
+                </a:cubicBezTo>
+                <a:close/>
+              </a:path>
+            </a:pathLst>
+          </a:custGeom>
+          <a:solidFill>
+            <a:schemeClr val="accent6">
+              <a:lumMod val="20000"/>
+              <a:lumOff val="80000"/>
+              <a:alpha val="21000"/>
+            </a:schemeClr>
+          </a:solidFill>
+          <a:ln w="66675"/>
+        </p:spPr>
+        <p:style>
+          <a:lnRef idx="2">
+            <a:schemeClr val="accent6"/>
+          </a:lnRef>
+          <a:fillRef idx="1">
+            <a:schemeClr val="lt1"/>
+          </a:fillRef>
+          <a:effectRef idx="0">
+            <a:schemeClr val="accent6"/>
+          </a:effectRef>
+          <a:fontRef idx="minor">
+            <a:schemeClr val="dk1"/>
+          </a:fontRef>
+        </p:style>
+        <p:txBody>
+          <a:bodyPr rtlCol="0" anchor="ctr"/>
+          <a:lstStyle/>
+          <a:p>
+            <a:pPr algn="ctr"/>
+            <a:endParaRPr kumimoji="1" lang="ja-JP" altLang="en-US"/>
+          </a:p>
+        </p:txBody>
+      </p:sp>
+      <p:sp>
+        <p:nvSpPr>
+          <p:cNvPr id="72" name="テキスト ボックス 71">
+            <a:extLst>
+              <a:ext uri="{FF2B5EF4-FFF2-40B4-BE49-F238E27FC236}">
+                <a16:creationId xmlns:a16="http://schemas.microsoft.com/office/drawing/2014/main" id="{1EB05F43-5FCC-4F40-AFB6-817AAE6A1017}"/>
+              </a:ext>
+            </a:extLst>
+          </p:cNvPr>
+          <p:cNvSpPr txBox="1"/>
+          <p:nvPr/>
+        </p:nvSpPr>
+        <p:spPr>
+          <a:xfrm>
+            <a:off x="5298171" y="1466086"/>
+            <a:ext cx="849913" cy="461665"/>
+          </a:xfrm>
+          <a:prstGeom prst="rect">
+            <a:avLst/>
+          </a:prstGeom>
+          <a:solidFill>
+            <a:schemeClr val="bg1"/>
+          </a:solidFill>
+          <a:ln w="53975">
+            <a:solidFill>
+              <a:schemeClr val="tx1"/>
+            </a:solidFill>
+          </a:ln>
+        </p:spPr>
+        <p:txBody>
+          <a:bodyPr wrap="none" rtlCol="0">
+            <a:spAutoFit/>
+          </a:bodyPr>
+          <a:lstStyle/>
+          <a:p>
+            <a:r>
+              <a:rPr lang="en-US" altLang="ja-JP" sz="2400" b="1" dirty="0"/>
+              <a:t>VPN</a:t>
+            </a:r>
+            <a:endParaRPr kumimoji="1" lang="ja-JP" altLang="en-US" sz="2400" b="1"/>
+          </a:p>
+        </p:txBody>
+      </p:sp>
+    </p:spTree>
+    <p:extLst>
+      <p:ext uri="{BB962C8B-B14F-4D97-AF65-F5344CB8AC3E}">
+        <p14:creationId xmlns:p14="http://schemas.microsoft.com/office/powerpoint/2010/main" val="83315943"/>
+      </p:ext>
+    </p:extLst>
+  </p:cSld>
+  <p:clrMapOvr>
+    <a:masterClrMapping/>
+  </p:clrMapOvr>
+</p:sld>
+</file>
+
+<file path=ppt/slides/slide21.xml><?xml version="1.0" encoding="utf-8"?>
+<p:sld xmlns:a="http://schemas.openxmlformats.org/drawingml/2006/main" xmlns:r="http://schemas.openxmlformats.org/officeDocument/2006/relationships" xmlns:p="http://schemas.openxmlformats.org/presentationml/2006/main">
+  <p:cSld>
+    <p:spTree>
+      <p:nvGrpSpPr>
+        <p:cNvPr id="1" name=""/>
+        <p:cNvGrpSpPr/>
+        <p:nvPr/>
+      </p:nvGrpSpPr>
+      <p:grpSpPr>
+        <a:xfrm>
+          <a:off x="0" y="0"/>
+          <a:ext cx="0" cy="0"/>
+          <a:chOff x="0" y="0"/>
+          <a:chExt cx="0" cy="0"/>
+        </a:xfrm>
+      </p:grpSpPr>
+      <p:sp>
+        <p:nvSpPr>
+          <p:cNvPr id="6" name="円/楕円 5">
+            <a:extLst>
+              <a:ext uri="{FF2B5EF4-FFF2-40B4-BE49-F238E27FC236}">
+                <a16:creationId xmlns:a16="http://schemas.microsoft.com/office/drawing/2014/main" id="{DB746DB5-8F0D-1E4A-ABC9-929B2327E006}"/>
+              </a:ext>
+            </a:extLst>
+          </p:cNvPr>
+          <p:cNvSpPr/>
+          <p:nvPr/>
+        </p:nvSpPr>
+        <p:spPr>
+          <a:xfrm>
+            <a:off x="869795" y="401750"/>
+            <a:ext cx="10682867" cy="5597606"/>
+          </a:xfrm>
+          <a:custGeom>
+            <a:avLst/>
+            <a:gdLst>
+              <a:gd name="connsiteX0" fmla="*/ 0 w 9716486"/>
+              <a:gd name="connsiteY0" fmla="*/ 2477674 h 4955348"/>
+              <a:gd name="connsiteX1" fmla="*/ 4858243 w 9716486"/>
+              <a:gd name="connsiteY1" fmla="*/ 0 h 4955348"/>
+              <a:gd name="connsiteX2" fmla="*/ 9716486 w 9716486"/>
+              <a:gd name="connsiteY2" fmla="*/ 2477674 h 4955348"/>
+              <a:gd name="connsiteX3" fmla="*/ 4858243 w 9716486"/>
+              <a:gd name="connsiteY3" fmla="*/ 4955348 h 4955348"/>
+              <a:gd name="connsiteX4" fmla="*/ 0 w 9716486"/>
+              <a:gd name="connsiteY4" fmla="*/ 2477674 h 4955348"/>
+              <a:gd name="connsiteX0" fmla="*/ 0 w 10215249"/>
+              <a:gd name="connsiteY0" fmla="*/ 2477677 h 4955354"/>
+              <a:gd name="connsiteX1" fmla="*/ 4858243 w 10215249"/>
+              <a:gd name="connsiteY1" fmla="*/ 3 h 4955354"/>
+              <a:gd name="connsiteX2" fmla="*/ 10215249 w 10215249"/>
+              <a:gd name="connsiteY2" fmla="*/ 2463822 h 4955354"/>
+              <a:gd name="connsiteX3" fmla="*/ 4858243 w 10215249"/>
+              <a:gd name="connsiteY3" fmla="*/ 4955351 h 4955354"/>
+              <a:gd name="connsiteX4" fmla="*/ 0 w 10215249"/>
+              <a:gd name="connsiteY4" fmla="*/ 2477677 h 4955354"/>
+              <a:gd name="connsiteX0" fmla="*/ 48659 w 10263908"/>
+              <a:gd name="connsiteY0" fmla="*/ 2477677 h 5287862"/>
+              <a:gd name="connsiteX1" fmla="*/ 4906902 w 10263908"/>
+              <a:gd name="connsiteY1" fmla="*/ 3 h 5287862"/>
+              <a:gd name="connsiteX2" fmla="*/ 10263908 w 10263908"/>
+              <a:gd name="connsiteY2" fmla="*/ 2463822 h 5287862"/>
+              <a:gd name="connsiteX3" fmla="*/ 7982611 w 10263908"/>
+              <a:gd name="connsiteY3" fmla="*/ 5287860 h 5287862"/>
+              <a:gd name="connsiteX4" fmla="*/ 48659 w 10263908"/>
+              <a:gd name="connsiteY4" fmla="*/ 2477677 h 5287862"/>
+              <a:gd name="connsiteX0" fmla="*/ 1 w 10215250"/>
+              <a:gd name="connsiteY0" fmla="*/ 2089753 h 4899938"/>
+              <a:gd name="connsiteX1" fmla="*/ 7920099 w 10215250"/>
+              <a:gd name="connsiteY1" fmla="*/ 6 h 4899938"/>
+              <a:gd name="connsiteX2" fmla="*/ 10215250 w 10215250"/>
+              <a:gd name="connsiteY2" fmla="*/ 2075898 h 4899938"/>
+              <a:gd name="connsiteX3" fmla="*/ 7933953 w 10215250"/>
+              <a:gd name="connsiteY3" fmla="*/ 4899936 h 4899938"/>
+              <a:gd name="connsiteX4" fmla="*/ 1 w 10215250"/>
+              <a:gd name="connsiteY4" fmla="*/ 2089753 h 4899938"/>
+              <a:gd name="connsiteX0" fmla="*/ 1 w 9938159"/>
+              <a:gd name="connsiteY0" fmla="*/ 1265491 h 4929238"/>
+              <a:gd name="connsiteX1" fmla="*/ 7643008 w 9938159"/>
+              <a:gd name="connsiteY1" fmla="*/ 20871 h 4929238"/>
+              <a:gd name="connsiteX2" fmla="*/ 9938159 w 9938159"/>
+              <a:gd name="connsiteY2" fmla="*/ 2096763 h 4929238"/>
+              <a:gd name="connsiteX3" fmla="*/ 7656862 w 9938159"/>
+              <a:gd name="connsiteY3" fmla="*/ 4920801 h 4929238"/>
+              <a:gd name="connsiteX4" fmla="*/ 1 w 9938159"/>
+              <a:gd name="connsiteY4" fmla="*/ 1265491 h 4929238"/>
+            </a:gdLst>
+            <a:ahLst/>
+            <a:cxnLst>
+              <a:cxn ang="0">
+                <a:pos x="connsiteX0" y="connsiteY0"/>
+              </a:cxn>
+              <a:cxn ang="0">
+                <a:pos x="connsiteX1" y="connsiteY1"/>
+              </a:cxn>
+              <a:cxn ang="0">
+                <a:pos x="connsiteX2" y="connsiteY2"/>
+              </a:cxn>
+              <a:cxn ang="0">
+                <a:pos x="connsiteX3" y="connsiteY3"/>
+              </a:cxn>
+              <a:cxn ang="0">
+                <a:pos x="connsiteX4" y="connsiteY4"/>
+              </a:cxn>
+            </a:cxnLst>
+            <a:rect l="l" t="t" r="r" b="b"/>
+            <a:pathLst>
+              <a:path w="9938159" h="4929238">
+                <a:moveTo>
+                  <a:pt x="1" y="1265491"/>
+                </a:moveTo>
+                <a:cubicBezTo>
+                  <a:pt x="-2308" y="448836"/>
+                  <a:pt x="5986648" y="-117674"/>
+                  <a:pt x="7643008" y="20871"/>
+                </a:cubicBezTo>
+                <a:cubicBezTo>
+                  <a:pt x="9299368" y="159416"/>
+                  <a:pt x="9938159" y="728381"/>
+                  <a:pt x="9938159" y="2096763"/>
+                </a:cubicBezTo>
+                <a:cubicBezTo>
+                  <a:pt x="9938159" y="3465145"/>
+                  <a:pt x="9313222" y="5059346"/>
+                  <a:pt x="7656862" y="4920801"/>
+                </a:cubicBezTo>
+                <a:cubicBezTo>
+                  <a:pt x="6000502" y="4782256"/>
+                  <a:pt x="2310" y="2082146"/>
+                  <a:pt x="1" y="1265491"/>
+                </a:cubicBezTo>
+                <a:close/>
+              </a:path>
+            </a:pathLst>
+          </a:custGeom>
+          <a:solidFill>
+            <a:schemeClr val="accent6">
+              <a:lumMod val="40000"/>
+              <a:lumOff val="60000"/>
+              <a:alpha val="17000"/>
+            </a:schemeClr>
+          </a:solidFill>
+          <a:ln>
+            <a:solidFill>
+              <a:schemeClr val="accent6">
+                <a:lumMod val="50000"/>
+              </a:schemeClr>
+            </a:solidFill>
+          </a:ln>
+        </p:spPr>
+        <p:style>
+          <a:lnRef idx="2">
+            <a:schemeClr val="accent1">
+              <a:shade val="50000"/>
+            </a:schemeClr>
+          </a:lnRef>
+          <a:fillRef idx="1">
+            <a:schemeClr val="accent1"/>
+          </a:fillRef>
+          <a:effectRef idx="0">
+            <a:schemeClr val="accent1"/>
+          </a:effectRef>
+          <a:fontRef idx="minor">
+            <a:schemeClr val="lt1"/>
+          </a:fontRef>
+        </p:style>
+        <p:txBody>
+          <a:bodyPr rtlCol="0" anchor="ctr"/>
+          <a:lstStyle/>
+          <a:p>
+            <a:pPr algn="ctr"/>
+            <a:endParaRPr kumimoji="1" lang="ja-JP" altLang="en-US" b="1"/>
+          </a:p>
+        </p:txBody>
+      </p:sp>
+      <p:sp>
+        <p:nvSpPr>
+          <p:cNvPr id="22" name="正方形/長方形 21">
+            <a:extLst>
+              <a:ext uri="{FF2B5EF4-FFF2-40B4-BE49-F238E27FC236}">
+                <a16:creationId xmlns:a16="http://schemas.microsoft.com/office/drawing/2014/main" id="{03DB74AC-4E92-A441-BDC8-37C351E8619A}"/>
+              </a:ext>
+            </a:extLst>
+          </p:cNvPr>
+          <p:cNvSpPr/>
+          <p:nvPr/>
+        </p:nvSpPr>
+        <p:spPr>
+          <a:xfrm>
+            <a:off x="6814912" y="988505"/>
+            <a:ext cx="3904390" cy="4237022"/>
+          </a:xfrm>
+          <a:prstGeom prst="rect">
+            <a:avLst/>
+          </a:prstGeom>
+          <a:solidFill>
+            <a:schemeClr val="bg1"/>
+          </a:solidFill>
+          <a:ln w="57150"/>
+        </p:spPr>
+        <p:style>
+          <a:lnRef idx="2">
+            <a:schemeClr val="dk1">
+              <a:shade val="50000"/>
+            </a:schemeClr>
+          </a:lnRef>
+          <a:fillRef idx="1">
+            <a:schemeClr val="dk1"/>
+          </a:fillRef>
+          <a:effectRef idx="0">
+            <a:schemeClr val="dk1"/>
+          </a:effectRef>
+          <a:fontRef idx="minor">
+            <a:schemeClr val="lt1"/>
+          </a:fontRef>
+        </p:style>
+        <p:txBody>
+          <a:bodyPr rtlCol="0" anchor="ctr"/>
+          <a:lstStyle/>
+          <a:p>
+            <a:pPr algn="ctr"/>
+            <a:endParaRPr kumimoji="1" lang="ja-JP" altLang="en-US"/>
+          </a:p>
+        </p:txBody>
+      </p:sp>
+      <p:pic>
+        <p:nvPicPr>
+          <p:cNvPr id="3" name="図 2">
+            <a:extLst>
+              <a:ext uri="{FF2B5EF4-FFF2-40B4-BE49-F238E27FC236}">
+                <a16:creationId xmlns:a16="http://schemas.microsoft.com/office/drawing/2014/main" id="{2E81228E-8F58-544A-983D-DB7DEDC91DBE}"/>
+              </a:ext>
+            </a:extLst>
+          </p:cNvPr>
+          <p:cNvPicPr>
+            <a:picLocks noChangeAspect="1"/>
+          </p:cNvPicPr>
+          <p:nvPr/>
+        </p:nvPicPr>
+        <p:blipFill>
+          <a:blip r:embed="rId3"/>
+          <a:stretch>
+            <a:fillRect/>
+          </a:stretch>
+        </p:blipFill>
+        <p:spPr>
+          <a:xfrm>
+            <a:off x="1794933" y="1377488"/>
+            <a:ext cx="1143000" cy="812800"/>
+          </a:xfrm>
+          <a:prstGeom prst="rect">
+            <a:avLst/>
+          </a:prstGeom>
+        </p:spPr>
+      </p:pic>
+      <p:pic>
+        <p:nvPicPr>
+          <p:cNvPr id="7" name="図 6">
+            <a:extLst>
+              <a:ext uri="{FF2B5EF4-FFF2-40B4-BE49-F238E27FC236}">
+                <a16:creationId xmlns:a16="http://schemas.microsoft.com/office/drawing/2014/main" id="{AE0FB9F9-6600-BA4D-AAF1-57213BBEED57}"/>
+              </a:ext>
+            </a:extLst>
+          </p:cNvPr>
+          <p:cNvPicPr>
+            <a:picLocks noChangeAspect="1"/>
+          </p:cNvPicPr>
+          <p:nvPr/>
+        </p:nvPicPr>
+        <p:blipFill>
+          <a:blip r:embed="rId4"/>
+          <a:stretch>
+            <a:fillRect/>
+          </a:stretch>
+        </p:blipFill>
+        <p:spPr>
+          <a:xfrm>
+            <a:off x="6546292" y="2687916"/>
+            <a:ext cx="520700" cy="838200"/>
+          </a:xfrm>
+          <a:prstGeom prst="rect">
+            <a:avLst/>
+          </a:prstGeom>
+        </p:spPr>
+      </p:pic>
+      <p:pic>
+        <p:nvPicPr>
+          <p:cNvPr id="9" name="図 8">
+            <a:extLst>
+              <a:ext uri="{FF2B5EF4-FFF2-40B4-BE49-F238E27FC236}">
+                <a16:creationId xmlns:a16="http://schemas.microsoft.com/office/drawing/2014/main" id="{0E823936-F079-FF49-A790-F0512C155A9A}"/>
+              </a:ext>
+            </a:extLst>
+          </p:cNvPr>
+          <p:cNvPicPr>
+            <a:picLocks noChangeAspect="1"/>
+          </p:cNvPicPr>
+          <p:nvPr/>
+        </p:nvPicPr>
+        <p:blipFill>
+          <a:blip r:embed="rId5"/>
+          <a:stretch>
+            <a:fillRect/>
+          </a:stretch>
+        </p:blipFill>
+        <p:spPr>
+          <a:xfrm>
+            <a:off x="9983591" y="1506816"/>
+            <a:ext cx="571500" cy="800100"/>
+          </a:xfrm>
+          <a:prstGeom prst="rect">
+            <a:avLst/>
+          </a:prstGeom>
+        </p:spPr>
+      </p:pic>
+      <p:pic>
+        <p:nvPicPr>
+          <p:cNvPr id="10" name="図 9">
+            <a:extLst>
+              <a:ext uri="{FF2B5EF4-FFF2-40B4-BE49-F238E27FC236}">
+                <a16:creationId xmlns:a16="http://schemas.microsoft.com/office/drawing/2014/main" id="{7995FC5E-9608-F149-AC4C-5CEBF2DC63CC}"/>
+              </a:ext>
+            </a:extLst>
+          </p:cNvPr>
+          <p:cNvPicPr>
+            <a:picLocks noChangeAspect="1"/>
+          </p:cNvPicPr>
+          <p:nvPr/>
+        </p:nvPicPr>
+        <p:blipFill>
+          <a:blip r:embed="rId5"/>
+          <a:stretch>
+            <a:fillRect/>
+          </a:stretch>
+        </p:blipFill>
+        <p:spPr>
+          <a:xfrm>
+            <a:off x="9981475" y="3907116"/>
+            <a:ext cx="571500" cy="800100"/>
+          </a:xfrm>
+          <a:prstGeom prst="rect">
+            <a:avLst/>
+          </a:prstGeom>
+        </p:spPr>
+      </p:pic>
+      <p:pic>
+        <p:nvPicPr>
+          <p:cNvPr id="12" name="図 11">
+            <a:extLst>
+              <a:ext uri="{FF2B5EF4-FFF2-40B4-BE49-F238E27FC236}">
+                <a16:creationId xmlns:a16="http://schemas.microsoft.com/office/drawing/2014/main" id="{B9054421-9209-A445-912D-EE6DB062319E}"/>
+              </a:ext>
+            </a:extLst>
+          </p:cNvPr>
+          <p:cNvPicPr>
+            <a:picLocks noChangeAspect="1"/>
+          </p:cNvPicPr>
+          <p:nvPr/>
+        </p:nvPicPr>
+        <p:blipFill>
+          <a:blip r:embed="rId6"/>
+          <a:stretch>
+            <a:fillRect/>
+          </a:stretch>
+        </p:blipFill>
+        <p:spPr>
+          <a:xfrm>
+            <a:off x="8155301" y="2762273"/>
+            <a:ext cx="711200" cy="711200"/>
+          </a:xfrm>
+          <a:prstGeom prst="rect">
+            <a:avLst/>
+          </a:prstGeom>
+        </p:spPr>
+      </p:pic>
+      <p:cxnSp>
+        <p:nvCxnSpPr>
+          <p:cNvPr id="14" name="直線コネクタ 13">
+            <a:extLst>
+              <a:ext uri="{FF2B5EF4-FFF2-40B4-BE49-F238E27FC236}">
+                <a16:creationId xmlns:a16="http://schemas.microsoft.com/office/drawing/2014/main" id="{859BD285-B99E-354E-AE49-99032F454AF1}"/>
+              </a:ext>
+            </a:extLst>
+          </p:cNvPr>
+          <p:cNvCxnSpPr>
+            <a:cxnSpLocks/>
+            <a:stCxn id="12" idx="3"/>
+            <a:endCxn id="9" idx="1"/>
+          </p:cNvCxnSpPr>
+          <p:nvPr/>
+        </p:nvCxnSpPr>
+        <p:spPr>
+          <a:xfrm flipV="1">
+            <a:off x="8866501" y="1906866"/>
+            <a:ext cx="1117090" cy="1211007"/>
+          </a:xfrm>
+          <a:prstGeom prst="line">
+            <a:avLst/>
+          </a:prstGeom>
+          <a:ln w="44450">
+            <a:headEnd type="oval"/>
+            <a:tailEnd type="oval"/>
+          </a:ln>
+        </p:spPr>
+        <p:style>
+          <a:lnRef idx="1">
+            <a:schemeClr val="accent1"/>
+          </a:lnRef>
+          <a:fillRef idx="0">
+            <a:schemeClr val="accent1"/>
+          </a:fillRef>
+          <a:effectRef idx="0">
+            <a:schemeClr val="accent1"/>
+          </a:effectRef>
+          <a:fontRef idx="minor">
+            <a:schemeClr val="tx1"/>
+          </a:fontRef>
+        </p:style>
+      </p:cxnSp>
+      <p:cxnSp>
+        <p:nvCxnSpPr>
+          <p:cNvPr id="18" name="直線コネクタ 17">
+            <a:extLst>
+              <a:ext uri="{FF2B5EF4-FFF2-40B4-BE49-F238E27FC236}">
+                <a16:creationId xmlns:a16="http://schemas.microsoft.com/office/drawing/2014/main" id="{0234DF0F-A6E4-F347-B6EA-E8460DA0407C}"/>
+              </a:ext>
+            </a:extLst>
+          </p:cNvPr>
+          <p:cNvCxnSpPr>
+            <a:cxnSpLocks/>
+            <a:stCxn id="12" idx="3"/>
+            <a:endCxn id="10" idx="1"/>
+          </p:cNvCxnSpPr>
+          <p:nvPr/>
+        </p:nvCxnSpPr>
+        <p:spPr>
+          <a:xfrm>
+            <a:off x="8866501" y="3117873"/>
+            <a:ext cx="1114974" cy="1189293"/>
+          </a:xfrm>
+          <a:prstGeom prst="line">
+            <a:avLst/>
+          </a:prstGeom>
+          <a:ln w="44450">
+            <a:headEnd type="oval"/>
+            <a:tailEnd type="oval"/>
+          </a:ln>
+        </p:spPr>
+        <p:style>
+          <a:lnRef idx="1">
+            <a:schemeClr val="accent1"/>
+          </a:lnRef>
+          <a:fillRef idx="0">
+            <a:schemeClr val="accent1"/>
+          </a:fillRef>
+          <a:effectRef idx="0">
+            <a:schemeClr val="accent1"/>
+          </a:effectRef>
+          <a:fontRef idx="minor">
+            <a:schemeClr val="tx1"/>
+          </a:fontRef>
+        </p:style>
+      </p:cxnSp>
+      <p:cxnSp>
+        <p:nvCxnSpPr>
+          <p:cNvPr id="24" name="直線コネクタ 23">
+            <a:extLst>
+              <a:ext uri="{FF2B5EF4-FFF2-40B4-BE49-F238E27FC236}">
+                <a16:creationId xmlns:a16="http://schemas.microsoft.com/office/drawing/2014/main" id="{3E298A39-F658-7944-B761-180770696926}"/>
+              </a:ext>
+            </a:extLst>
+          </p:cNvPr>
+          <p:cNvCxnSpPr>
+            <a:cxnSpLocks/>
+            <a:endCxn id="12" idx="1"/>
+          </p:cNvCxnSpPr>
+          <p:nvPr/>
+        </p:nvCxnSpPr>
+        <p:spPr>
+          <a:xfrm>
+            <a:off x="7066992" y="3107016"/>
+            <a:ext cx="1088309" cy="10857"/>
+          </a:xfrm>
+          <a:prstGeom prst="line">
+            <a:avLst/>
+          </a:prstGeom>
+          <a:ln w="38100">
+            <a:headEnd type="oval"/>
+            <a:tailEnd type="oval"/>
+          </a:ln>
+        </p:spPr>
+        <p:style>
+          <a:lnRef idx="1">
+            <a:schemeClr val="accent1"/>
+          </a:lnRef>
+          <a:fillRef idx="0">
+            <a:schemeClr val="accent1"/>
+          </a:fillRef>
+          <a:effectRef idx="0">
+            <a:schemeClr val="accent1"/>
+          </a:effectRef>
+          <a:fontRef idx="minor">
+            <a:schemeClr val="tx1"/>
+          </a:fontRef>
+        </p:style>
+      </p:cxnSp>
+      <p:sp>
+        <p:nvSpPr>
+          <p:cNvPr id="27" name="正方形/長方形 26">
+            <a:extLst>
+              <a:ext uri="{FF2B5EF4-FFF2-40B4-BE49-F238E27FC236}">
+                <a16:creationId xmlns:a16="http://schemas.microsoft.com/office/drawing/2014/main" id="{54BBC2F4-BFAC-5244-9A87-CF8ED664F807}"/>
+              </a:ext>
+            </a:extLst>
+          </p:cNvPr>
+          <p:cNvSpPr/>
+          <p:nvPr/>
+        </p:nvSpPr>
+        <p:spPr>
+          <a:xfrm>
+            <a:off x="7550587" y="476418"/>
+            <a:ext cx="2209573" cy="742385"/>
+          </a:xfrm>
+          <a:prstGeom prst="rect">
+            <a:avLst/>
+          </a:prstGeom>
+        </p:spPr>
+        <p:style>
+          <a:lnRef idx="2">
+            <a:schemeClr val="accent1">
+              <a:shade val="50000"/>
+            </a:schemeClr>
+          </a:lnRef>
+          <a:fillRef idx="1">
+            <a:schemeClr val="accent1"/>
+          </a:fillRef>
+          <a:effectRef idx="0">
+            <a:schemeClr val="accent1"/>
+          </a:effectRef>
+          <a:fontRef idx="minor">
+            <a:schemeClr val="lt1"/>
+          </a:fontRef>
+        </p:style>
+        <p:txBody>
+          <a:bodyPr rtlCol="0" anchor="ctr"/>
+          <a:lstStyle/>
+          <a:p>
+            <a:pPr algn="ctr"/>
+            <a:r>
+              <a:rPr kumimoji="1" lang="ja-JP" altLang="en-US"/>
+              <a:t>隔離ネットワーク</a:t>
+            </a:r>
+          </a:p>
+        </p:txBody>
+      </p:sp>
+      <p:sp>
+        <p:nvSpPr>
+          <p:cNvPr id="29" name="雲 28">
+            <a:extLst>
+              <a:ext uri="{FF2B5EF4-FFF2-40B4-BE49-F238E27FC236}">
+                <a16:creationId xmlns:a16="http://schemas.microsoft.com/office/drawing/2014/main" id="{3A823A53-72E5-5B4A-A5B2-C4219099BB07}"/>
+              </a:ext>
+            </a:extLst>
+          </p:cNvPr>
+          <p:cNvSpPr/>
+          <p:nvPr/>
+        </p:nvSpPr>
+        <p:spPr>
+          <a:xfrm>
+            <a:off x="3250128" y="2284903"/>
+            <a:ext cx="2179074" cy="1188570"/>
+          </a:xfrm>
+          <a:prstGeom prst="cloud">
+            <a:avLst/>
+          </a:prstGeom>
+          <a:solidFill>
+            <a:schemeClr val="bg1"/>
+          </a:solidFill>
+          <a:ln w="31750"/>
+        </p:spPr>
+        <p:style>
+          <a:lnRef idx="2">
+            <a:schemeClr val="accent1">
+              <a:shade val="50000"/>
+            </a:schemeClr>
+          </a:lnRef>
+          <a:fillRef idx="1">
+            <a:schemeClr val="accent1"/>
+          </a:fillRef>
+          <a:effectRef idx="0">
+            <a:schemeClr val="accent1"/>
+          </a:effectRef>
+          <a:fontRef idx="minor">
+            <a:schemeClr val="lt1"/>
+          </a:fontRef>
+        </p:style>
+        <p:txBody>
+          <a:bodyPr rtlCol="0" anchor="ctr"/>
+          <a:lstStyle/>
+          <a:p>
+            <a:pPr algn="ctr"/>
+            <a:r>
+              <a:rPr kumimoji="1" lang="en-US" altLang="ja-JP" sz="1600" dirty="0" err="1">
+                <a:solidFill>
+                  <a:sysClr val="windowText" lastClr="000000"/>
+                </a:solidFill>
+              </a:rPr>
+              <a:t>JaistNetwork</a:t>
+            </a:r>
+            <a:endParaRPr kumimoji="1" lang="ja-JP" altLang="en-US" sz="1600">
+              <a:solidFill>
+                <a:sysClr val="windowText" lastClr="000000"/>
+              </a:solidFill>
+            </a:endParaRPr>
+          </a:p>
+        </p:txBody>
+      </p:sp>
+      <p:cxnSp>
+        <p:nvCxnSpPr>
+          <p:cNvPr id="31" name="直線コネクタ 30">
+            <a:extLst>
+              <a:ext uri="{FF2B5EF4-FFF2-40B4-BE49-F238E27FC236}">
+                <a16:creationId xmlns:a16="http://schemas.microsoft.com/office/drawing/2014/main" id="{0FE905DA-86EC-C94F-88B3-74C7501D2172}"/>
+              </a:ext>
+            </a:extLst>
+          </p:cNvPr>
+          <p:cNvCxnSpPr>
+            <a:cxnSpLocks/>
+            <a:stCxn id="29" idx="0"/>
+            <a:endCxn id="7" idx="1"/>
+          </p:cNvCxnSpPr>
+          <p:nvPr/>
+        </p:nvCxnSpPr>
+        <p:spPr>
+          <a:xfrm>
+            <a:off x="5427386" y="2879188"/>
+            <a:ext cx="1118906" cy="227828"/>
+          </a:xfrm>
+          <a:prstGeom prst="line">
+            <a:avLst/>
+          </a:prstGeom>
+          <a:ln w="34925" cap="rnd">
+            <a:tailEnd type="oval"/>
+          </a:ln>
+        </p:spPr>
+        <p:style>
+          <a:lnRef idx="1">
+            <a:schemeClr val="accent1"/>
+          </a:lnRef>
+          <a:fillRef idx="0">
+            <a:schemeClr val="accent1"/>
+          </a:fillRef>
+          <a:effectRef idx="0">
+            <a:schemeClr val="accent1"/>
+          </a:effectRef>
+          <a:fontRef idx="minor">
+            <a:schemeClr val="tx1"/>
+          </a:fontRef>
+        </p:style>
+      </p:cxnSp>
+      <p:sp>
+        <p:nvSpPr>
+          <p:cNvPr id="40" name="テキスト ボックス 39">
+            <a:extLst>
+              <a:ext uri="{FF2B5EF4-FFF2-40B4-BE49-F238E27FC236}">
+                <a16:creationId xmlns:a16="http://schemas.microsoft.com/office/drawing/2014/main" id="{06C657A0-B2B1-9F49-A404-C22BFF2A3153}"/>
+              </a:ext>
+            </a:extLst>
+          </p:cNvPr>
+          <p:cNvSpPr txBox="1"/>
+          <p:nvPr/>
+        </p:nvSpPr>
+        <p:spPr>
+          <a:xfrm>
+            <a:off x="5167738" y="3491642"/>
+            <a:ext cx="1732875" cy="369332"/>
+          </a:xfrm>
+          <a:prstGeom prst="rect">
+            <a:avLst/>
+          </a:prstGeom>
+          <a:noFill/>
+        </p:spPr>
+        <p:txBody>
+          <a:bodyPr wrap="square" rtlCol="0">
+            <a:spAutoFit/>
+          </a:bodyPr>
+          <a:lstStyle/>
+          <a:p>
+            <a:r>
+              <a:rPr kumimoji="1" lang="en-US" altLang="ja-JP" b="1" dirty="0"/>
+              <a:t>150.65.136.94</a:t>
+            </a:r>
+            <a:endParaRPr kumimoji="1" lang="ja-JP" altLang="en-US" b="1"/>
+          </a:p>
+        </p:txBody>
+      </p:sp>
+      <p:sp>
+        <p:nvSpPr>
+          <p:cNvPr id="41" name="テキスト ボックス 40">
+            <a:extLst>
+              <a:ext uri="{FF2B5EF4-FFF2-40B4-BE49-F238E27FC236}">
+                <a16:creationId xmlns:a16="http://schemas.microsoft.com/office/drawing/2014/main" id="{DF8837A4-85C2-7E42-8727-5A39197AB4CD}"/>
+              </a:ext>
+            </a:extLst>
+          </p:cNvPr>
+          <p:cNvSpPr txBox="1"/>
+          <p:nvPr/>
+        </p:nvSpPr>
+        <p:spPr>
+          <a:xfrm>
+            <a:off x="6850418" y="3491642"/>
+            <a:ext cx="1098380" cy="369332"/>
+          </a:xfrm>
+          <a:prstGeom prst="rect">
+            <a:avLst/>
+          </a:prstGeom>
+          <a:noFill/>
+        </p:spPr>
+        <p:txBody>
+          <a:bodyPr wrap="square" rtlCol="0">
+            <a:spAutoFit/>
+          </a:bodyPr>
+          <a:lstStyle/>
+          <a:p>
+            <a:r>
+              <a:rPr lang="en-US" altLang="ja-JP" b="1" dirty="0"/>
+              <a:t>10.1.1.1</a:t>
+            </a:r>
+            <a:endParaRPr kumimoji="1" lang="ja-JP" altLang="en-US" b="1"/>
+          </a:p>
+        </p:txBody>
+      </p:sp>
+      <p:sp>
+        <p:nvSpPr>
+          <p:cNvPr id="42" name="テキスト ボックス 41">
+            <a:extLst>
+              <a:ext uri="{FF2B5EF4-FFF2-40B4-BE49-F238E27FC236}">
+                <a16:creationId xmlns:a16="http://schemas.microsoft.com/office/drawing/2014/main" id="{3AB78988-97AC-8E45-B39E-2CCD52D679B2}"/>
+              </a:ext>
+            </a:extLst>
+          </p:cNvPr>
+          <p:cNvSpPr txBox="1"/>
+          <p:nvPr/>
+        </p:nvSpPr>
+        <p:spPr>
+          <a:xfrm>
+            <a:off x="8986149" y="1564043"/>
+            <a:ext cx="1365298" cy="369332"/>
+          </a:xfrm>
+          <a:prstGeom prst="rect">
+            <a:avLst/>
+          </a:prstGeom>
+          <a:noFill/>
+        </p:spPr>
+        <p:txBody>
+          <a:bodyPr wrap="square" rtlCol="0">
+            <a:spAutoFit/>
+          </a:bodyPr>
+          <a:lstStyle/>
+          <a:p>
+            <a:r>
+              <a:rPr kumimoji="1" lang="en-US" altLang="ja-JP" b="1" dirty="0"/>
+              <a:t>10.1.1.7</a:t>
+            </a:r>
+            <a:endParaRPr kumimoji="1" lang="ja-JP" altLang="en-US" b="1"/>
+          </a:p>
+        </p:txBody>
+      </p:sp>
+      <p:sp>
+        <p:nvSpPr>
+          <p:cNvPr id="43" name="テキスト ボックス 42">
+            <a:extLst>
+              <a:ext uri="{FF2B5EF4-FFF2-40B4-BE49-F238E27FC236}">
+                <a16:creationId xmlns:a16="http://schemas.microsoft.com/office/drawing/2014/main" id="{D3E3C1E0-F315-4D4A-871C-664C6A3378C2}"/>
+              </a:ext>
+            </a:extLst>
+          </p:cNvPr>
+          <p:cNvSpPr txBox="1"/>
+          <p:nvPr/>
+        </p:nvSpPr>
+        <p:spPr>
+          <a:xfrm>
+            <a:off x="9658337" y="4662756"/>
+            <a:ext cx="1042273" cy="369332"/>
+          </a:xfrm>
+          <a:prstGeom prst="rect">
+            <a:avLst/>
+          </a:prstGeom>
+          <a:noFill/>
+        </p:spPr>
+        <p:txBody>
+          <a:bodyPr wrap="none" rtlCol="0">
+            <a:spAutoFit/>
+          </a:bodyPr>
+          <a:lstStyle/>
+          <a:p>
+            <a:r>
+              <a:rPr kumimoji="1" lang="en-US" altLang="ja-JP" b="1" dirty="0"/>
+              <a:t>10.1.1.8</a:t>
+            </a:r>
+            <a:endParaRPr kumimoji="1" lang="ja-JP" altLang="en-US" b="1"/>
+          </a:p>
+        </p:txBody>
+      </p:sp>
+      <p:sp>
+        <p:nvSpPr>
+          <p:cNvPr id="45" name="テキスト ボックス 44">
+            <a:extLst>
+              <a:ext uri="{FF2B5EF4-FFF2-40B4-BE49-F238E27FC236}">
+                <a16:creationId xmlns:a16="http://schemas.microsoft.com/office/drawing/2014/main" id="{6BBBC7B7-2CE0-E84A-881E-1C5426FEEEE4}"/>
+              </a:ext>
+            </a:extLst>
+          </p:cNvPr>
+          <p:cNvSpPr txBox="1"/>
+          <p:nvPr/>
+        </p:nvSpPr>
+        <p:spPr>
+          <a:xfrm>
+            <a:off x="9976942" y="1241675"/>
+            <a:ext cx="643125" cy="369332"/>
+          </a:xfrm>
+          <a:prstGeom prst="rect">
+            <a:avLst/>
+          </a:prstGeom>
+          <a:noFill/>
+        </p:spPr>
+        <p:txBody>
+          <a:bodyPr wrap="none" rtlCol="0">
+            <a:spAutoFit/>
+          </a:bodyPr>
+          <a:lstStyle/>
+          <a:p>
+            <a:r>
+              <a:rPr kumimoji="1" lang="en-US" altLang="ja-JP" b="1" dirty="0"/>
+              <a:t>PC7</a:t>
+            </a:r>
+            <a:endParaRPr kumimoji="1" lang="ja-JP" altLang="en-US" b="1"/>
+          </a:p>
+        </p:txBody>
+      </p:sp>
+      <p:sp>
+        <p:nvSpPr>
+          <p:cNvPr id="46" name="テキスト ボックス 45">
+            <a:extLst>
+              <a:ext uri="{FF2B5EF4-FFF2-40B4-BE49-F238E27FC236}">
+                <a16:creationId xmlns:a16="http://schemas.microsoft.com/office/drawing/2014/main" id="{3238B99A-9B39-1B4C-A73F-4D39987CD314}"/>
+              </a:ext>
+            </a:extLst>
+          </p:cNvPr>
+          <p:cNvSpPr txBox="1"/>
+          <p:nvPr/>
+        </p:nvSpPr>
+        <p:spPr>
+          <a:xfrm>
+            <a:off x="9973894" y="3544639"/>
+            <a:ext cx="643125" cy="369332"/>
+          </a:xfrm>
+          <a:prstGeom prst="rect">
+            <a:avLst/>
+          </a:prstGeom>
+          <a:noFill/>
+        </p:spPr>
+        <p:txBody>
+          <a:bodyPr wrap="none" rtlCol="0">
+            <a:spAutoFit/>
+          </a:bodyPr>
+          <a:lstStyle/>
+          <a:p>
+            <a:r>
+              <a:rPr kumimoji="1" lang="en-US" altLang="ja-JP" b="1" dirty="0"/>
+              <a:t>PC8</a:t>
+            </a:r>
+            <a:endParaRPr kumimoji="1" lang="ja-JP" altLang="en-US" b="1"/>
+          </a:p>
+        </p:txBody>
+      </p:sp>
+      <p:sp>
+        <p:nvSpPr>
+          <p:cNvPr id="47" name="テキスト ボックス 46">
+            <a:extLst>
+              <a:ext uri="{FF2B5EF4-FFF2-40B4-BE49-F238E27FC236}">
+                <a16:creationId xmlns:a16="http://schemas.microsoft.com/office/drawing/2014/main" id="{489A085B-8C25-AA4B-B8D4-DE063FD10811}"/>
+              </a:ext>
+            </a:extLst>
+          </p:cNvPr>
+          <p:cNvSpPr txBox="1"/>
+          <p:nvPr/>
+        </p:nvSpPr>
+        <p:spPr>
+          <a:xfrm>
+            <a:off x="7953854" y="2437750"/>
+            <a:ext cx="1244322" cy="369332"/>
+          </a:xfrm>
+          <a:prstGeom prst="rect">
+            <a:avLst/>
+          </a:prstGeom>
+          <a:noFill/>
+        </p:spPr>
+        <p:txBody>
+          <a:bodyPr wrap="square" rtlCol="0">
+            <a:spAutoFit/>
+          </a:bodyPr>
+          <a:lstStyle/>
+          <a:p>
+            <a:r>
+              <a:rPr kumimoji="1" lang="en-US" altLang="ja-JP" b="1" dirty="0"/>
+              <a:t>L2switch</a:t>
+            </a:r>
+            <a:endParaRPr kumimoji="1" lang="ja-JP" altLang="en-US" b="1"/>
+          </a:p>
+        </p:txBody>
+      </p:sp>
+      <p:sp>
+        <p:nvSpPr>
+          <p:cNvPr id="48" name="テキスト ボックス 47">
+            <a:extLst>
+              <a:ext uri="{FF2B5EF4-FFF2-40B4-BE49-F238E27FC236}">
+                <a16:creationId xmlns:a16="http://schemas.microsoft.com/office/drawing/2014/main" id="{271BFD0A-EC31-5046-9490-560DA9C36BD6}"/>
+              </a:ext>
+            </a:extLst>
+          </p:cNvPr>
+          <p:cNvSpPr txBox="1"/>
+          <p:nvPr/>
+        </p:nvSpPr>
+        <p:spPr>
+          <a:xfrm>
+            <a:off x="5699649" y="2340324"/>
+            <a:ext cx="2029723" cy="369332"/>
+          </a:xfrm>
+          <a:prstGeom prst="rect">
+            <a:avLst/>
+          </a:prstGeom>
+          <a:noFill/>
+        </p:spPr>
+        <p:txBody>
+          <a:bodyPr wrap="none" rtlCol="0">
+            <a:spAutoFit/>
+          </a:bodyPr>
+          <a:lstStyle/>
+          <a:p>
+            <a:r>
+              <a:rPr kumimoji="1" lang="en-US" altLang="ja-JP" b="1" dirty="0"/>
+              <a:t>Gateway</a:t>
+            </a:r>
+            <a:r>
+              <a:rPr kumimoji="1" lang="en-US" altLang="ja-JP" dirty="0"/>
+              <a:t>  </a:t>
+            </a:r>
+            <a:r>
+              <a:rPr kumimoji="1" lang="en-US" altLang="ja-JP" b="1" dirty="0"/>
+              <a:t>Server</a:t>
+            </a:r>
+            <a:endParaRPr kumimoji="1" lang="ja-JP" altLang="en-US" b="1"/>
+          </a:p>
+        </p:txBody>
+      </p:sp>
+      <p:sp>
+        <p:nvSpPr>
+          <p:cNvPr id="2" name="テキスト ボックス 1">
+            <a:extLst>
+              <a:ext uri="{FF2B5EF4-FFF2-40B4-BE49-F238E27FC236}">
+                <a16:creationId xmlns:a16="http://schemas.microsoft.com/office/drawing/2014/main" id="{AF44FE1C-235B-1F42-A57A-09876692FBEB}"/>
+              </a:ext>
+            </a:extLst>
+          </p:cNvPr>
+          <p:cNvSpPr txBox="1"/>
+          <p:nvPr/>
+        </p:nvSpPr>
+        <p:spPr>
+          <a:xfrm>
+            <a:off x="1979113" y="2244995"/>
+            <a:ext cx="1089764" cy="369332"/>
+          </a:xfrm>
+          <a:prstGeom prst="rect">
+            <a:avLst/>
+          </a:prstGeom>
+          <a:noFill/>
+        </p:spPr>
+        <p:txBody>
+          <a:bodyPr wrap="square" rtlCol="0">
+            <a:spAutoFit/>
+          </a:bodyPr>
+          <a:lstStyle/>
+          <a:p>
+            <a:r>
+              <a:rPr kumimoji="1" lang="en-US" altLang="ja-JP" b="1" dirty="0"/>
+              <a:t>Client</a:t>
+            </a:r>
+            <a:endParaRPr kumimoji="1" lang="ja-JP" altLang="en-US" b="1"/>
+          </a:p>
+        </p:txBody>
+      </p:sp>
+      <p:sp>
+        <p:nvSpPr>
+          <p:cNvPr id="8" name="テキスト ボックス 7">
+            <a:extLst>
+              <a:ext uri="{FF2B5EF4-FFF2-40B4-BE49-F238E27FC236}">
+                <a16:creationId xmlns:a16="http://schemas.microsoft.com/office/drawing/2014/main" id="{AED1C2C5-0A17-4442-871E-6DDDA1C293A5}"/>
+              </a:ext>
+            </a:extLst>
+          </p:cNvPr>
+          <p:cNvSpPr txBox="1"/>
+          <p:nvPr/>
+        </p:nvSpPr>
+        <p:spPr>
+          <a:xfrm>
+            <a:off x="5675981" y="225861"/>
+            <a:ext cx="739305" cy="400110"/>
+          </a:xfrm>
+          <a:prstGeom prst="rect">
+            <a:avLst/>
+          </a:prstGeom>
+          <a:noFill/>
+          <a:ln>
+            <a:solidFill>
+              <a:schemeClr val="accent6">
+                <a:lumMod val="50000"/>
+              </a:schemeClr>
+            </a:solidFill>
+          </a:ln>
+        </p:spPr>
+        <p:txBody>
+          <a:bodyPr wrap="none" rtlCol="0">
+            <a:spAutoFit/>
+          </a:bodyPr>
+          <a:lstStyle/>
+          <a:p>
+            <a:r>
+              <a:rPr kumimoji="1" lang="en-US" altLang="ja-JP" sz="2000" b="1" dirty="0"/>
+              <a:t>VPN</a:t>
+            </a:r>
+            <a:endParaRPr kumimoji="1" lang="ja-JP" altLang="en-US" sz="2000" b="1"/>
+          </a:p>
+        </p:txBody>
+      </p:sp>
+      <p:sp>
+        <p:nvSpPr>
+          <p:cNvPr id="11" name="テキスト ボックス 10">
+            <a:extLst>
+              <a:ext uri="{FF2B5EF4-FFF2-40B4-BE49-F238E27FC236}">
+                <a16:creationId xmlns:a16="http://schemas.microsoft.com/office/drawing/2014/main" id="{BD21E060-2AF0-1F41-9E05-587CAD8199D1}"/>
+              </a:ext>
+            </a:extLst>
+          </p:cNvPr>
+          <p:cNvSpPr txBox="1"/>
+          <p:nvPr/>
+        </p:nvSpPr>
+        <p:spPr>
+          <a:xfrm>
+            <a:off x="667239" y="910792"/>
+            <a:ext cx="5378395" cy="646331"/>
+          </a:xfrm>
+          <a:prstGeom prst="rect">
+            <a:avLst/>
+          </a:prstGeom>
+          <a:noFill/>
+        </p:spPr>
+        <p:txBody>
+          <a:bodyPr wrap="none" rtlCol="0">
+            <a:spAutoFit/>
+          </a:bodyPr>
+          <a:lstStyle/>
+          <a:p>
+            <a:r>
+              <a:rPr lang="en" altLang="ja-JP" b="1" dirty="0"/>
+              <a:t>$ </a:t>
+            </a:r>
+            <a:r>
+              <a:rPr lang="en" altLang="ja-JP" b="1" dirty="0" err="1"/>
+              <a:t>sshuttle</a:t>
+            </a:r>
+            <a:r>
+              <a:rPr lang="en" altLang="ja-JP" b="1" dirty="0"/>
+              <a:t> - r pc15@15.65.136.94  10.1.1.0/24"</a:t>
+            </a:r>
+          </a:p>
+          <a:p>
+            <a:endParaRPr kumimoji="1" lang="ja-JP" altLang="en-US"/>
+          </a:p>
+        </p:txBody>
+      </p:sp>
+      <p:sp>
+        <p:nvSpPr>
+          <p:cNvPr id="17" name="テキスト ボックス 16">
+            <a:extLst>
+              <a:ext uri="{FF2B5EF4-FFF2-40B4-BE49-F238E27FC236}">
+                <a16:creationId xmlns:a16="http://schemas.microsoft.com/office/drawing/2014/main" id="{2B71ABA5-3119-DD49-9526-87DB0DB87C8B}"/>
+              </a:ext>
+            </a:extLst>
+          </p:cNvPr>
+          <p:cNvSpPr txBox="1"/>
+          <p:nvPr/>
+        </p:nvSpPr>
+        <p:spPr>
+          <a:xfrm>
+            <a:off x="6809885" y="1230507"/>
+            <a:ext cx="1423788" cy="369332"/>
+          </a:xfrm>
+          <a:prstGeom prst="rect">
+            <a:avLst/>
+          </a:prstGeom>
+          <a:noFill/>
+          <a:ln w="38100">
+            <a:solidFill>
+              <a:schemeClr val="tx1"/>
+            </a:solidFill>
+          </a:ln>
+        </p:spPr>
+        <p:txBody>
+          <a:bodyPr wrap="none" rtlCol="0">
+            <a:spAutoFit/>
+          </a:bodyPr>
+          <a:lstStyle/>
+          <a:p>
+            <a:r>
+              <a:rPr lang="en" altLang="ja-JP" b="1" dirty="0">
+                <a:ln>
+                  <a:solidFill>
+                    <a:sysClr val="windowText" lastClr="000000"/>
+                  </a:solidFill>
+                </a:ln>
+                <a:solidFill>
+                  <a:sysClr val="windowText" lastClr="000000"/>
+                </a:solidFill>
+              </a:rPr>
+              <a:t>10.1.1.0/24</a:t>
+            </a:r>
+            <a:endParaRPr kumimoji="1" lang="ja-JP" altLang="en-US">
+              <a:ln>
+                <a:solidFill>
+                  <a:sysClr val="windowText" lastClr="000000"/>
+                </a:solidFill>
+              </a:ln>
+              <a:solidFill>
+                <a:sysClr val="windowText" lastClr="000000"/>
+              </a:solidFill>
+            </a:endParaRPr>
+          </a:p>
+        </p:txBody>
+      </p:sp>
+    </p:spTree>
+    <p:extLst>
+      <p:ext uri="{BB962C8B-B14F-4D97-AF65-F5344CB8AC3E}">
+        <p14:creationId xmlns:p14="http://schemas.microsoft.com/office/powerpoint/2010/main" val="2906548719"/>
+      </p:ext>
+    </p:extLst>
+  </p:cSld>
+  <p:clrMapOvr>
+    <a:masterClrMapping/>
+  </p:clrMapOvr>
+</p:sld>
+</file>
+
+<file path=ppt/slides/slide22.xml><?xml version="1.0" encoding="utf-8"?>
 <p:sld xmlns:a="http://schemas.openxmlformats.org/drawingml/2006/main" xmlns:r="http://schemas.openxmlformats.org/officeDocument/2006/relationships" xmlns:p="http://schemas.openxmlformats.org/presentationml/2006/main">
   <p:cSld>
     <p:spTree>

--- a/SUBTHEME/graphs/network_archtecture.pptx
+++ b/SUBTHEME/graphs/network_archtecture.pptx
@@ -14,7 +14,7 @@
     <p:sldId id="264" r:id="rId5"/>
     <p:sldId id="265" r:id="rId6"/>
     <p:sldId id="260" r:id="rId7"/>
-    <p:sldId id="267" r:id="rId8"/>
+    <p:sldId id="281" r:id="rId8"/>
     <p:sldId id="268" r:id="rId9"/>
     <p:sldId id="270" r:id="rId10"/>
     <p:sldId id="266" r:id="rId11"/>
@@ -28,8 +28,8 @@
     <p:sldId id="280" r:id="rId19"/>
     <p:sldId id="279" r:id="rId20"/>
     <p:sldId id="282" r:id="rId21"/>
-    <p:sldId id="281" r:id="rId22"/>
-    <p:sldId id="275" r:id="rId23"/>
+    <p:sldId id="275" r:id="rId22"/>
+    <p:sldId id="267" r:id="rId23"/>
   </p:sldIdLst>
   <p:sldSz cx="12192000" cy="6858000"/>
   <p:notesSz cx="6858000" cy="9144000"/>
@@ -218,7 +218,7 @@
           <a:p>
             <a:fld id="{2B23E72C-1B90-914A-A417-2D7D12309D01}" type="datetimeFigureOut">
               <a:rPr kumimoji="1" lang="ja-JP" altLang="en-US" smtClean="0"/>
-              <a:t>2020/10/13</a:t>
+              <a:t>2020/10/20</a:t>
             </a:fld>
             <a:endParaRPr kumimoji="1" lang="ja-JP" altLang="en-US"/>
           </a:p>
@@ -650,7 +650,7 @@
     </p:spTree>
     <p:extLst>
       <p:ext uri="{BB962C8B-B14F-4D97-AF65-F5344CB8AC3E}">
-        <p14:creationId xmlns:p14="http://schemas.microsoft.com/office/powerpoint/2010/main" val="596898818"/>
+        <p14:creationId xmlns:p14="http://schemas.microsoft.com/office/powerpoint/2010/main" val="2839803896"/>
       </p:ext>
     </p:extLst>
   </p:cSld>
@@ -1070,7 +1070,7 @@
     </p:spTree>
     <p:extLst>
       <p:ext uri="{BB962C8B-B14F-4D97-AF65-F5344CB8AC3E}">
-        <p14:creationId xmlns:p14="http://schemas.microsoft.com/office/powerpoint/2010/main" val="2839803896"/>
+        <p14:creationId xmlns:p14="http://schemas.microsoft.com/office/powerpoint/2010/main" val="3696620226"/>
       </p:ext>
     </p:extLst>
   </p:cSld>
@@ -1154,7 +1154,7 @@
     </p:spTree>
     <p:extLst>
       <p:ext uri="{BB962C8B-B14F-4D97-AF65-F5344CB8AC3E}">
-        <p14:creationId xmlns:p14="http://schemas.microsoft.com/office/powerpoint/2010/main" val="3696620226"/>
+        <p14:creationId xmlns:p14="http://schemas.microsoft.com/office/powerpoint/2010/main" val="596898818"/>
       </p:ext>
     </p:extLst>
   </p:cSld>
@@ -1311,7 +1311,7 @@
           <a:p>
             <a:fld id="{FD845DEE-42C8-C840-B1B2-551C7203F112}" type="datetimeFigureOut">
               <a:rPr kumimoji="1" lang="ja-JP" altLang="en-US" smtClean="0"/>
-              <a:t>2020/10/13</a:t>
+              <a:t>2020/10/20</a:t>
             </a:fld>
             <a:endParaRPr kumimoji="1" lang="ja-JP" altLang="en-US"/>
           </a:p>
@@ -1516,7 +1516,7 @@
           <a:p>
             <a:fld id="{FD845DEE-42C8-C840-B1B2-551C7203F112}" type="datetimeFigureOut">
               <a:rPr kumimoji="1" lang="ja-JP" altLang="en-US" smtClean="0"/>
-              <a:t>2020/10/13</a:t>
+              <a:t>2020/10/20</a:t>
             </a:fld>
             <a:endParaRPr kumimoji="1" lang="ja-JP" altLang="en-US"/>
           </a:p>
@@ -1731,7 +1731,7 @@
           <a:p>
             <a:fld id="{FD845DEE-42C8-C840-B1B2-551C7203F112}" type="datetimeFigureOut">
               <a:rPr kumimoji="1" lang="ja-JP" altLang="en-US" smtClean="0"/>
-              <a:t>2020/10/13</a:t>
+              <a:t>2020/10/20</a:t>
             </a:fld>
             <a:endParaRPr kumimoji="1" lang="ja-JP" altLang="en-US"/>
           </a:p>
@@ -1936,7 +1936,7 @@
           <a:p>
             <a:fld id="{FD845DEE-42C8-C840-B1B2-551C7203F112}" type="datetimeFigureOut">
               <a:rPr kumimoji="1" lang="ja-JP" altLang="en-US" smtClean="0"/>
-              <a:t>2020/10/13</a:t>
+              <a:t>2020/10/20</a:t>
             </a:fld>
             <a:endParaRPr kumimoji="1" lang="ja-JP" altLang="en-US"/>
           </a:p>
@@ -2246,7 +2246,7 @@
           <a:p>
             <a:fld id="{FD845DEE-42C8-C840-B1B2-551C7203F112}" type="datetimeFigureOut">
               <a:rPr kumimoji="1" lang="ja-JP" altLang="en-US" smtClean="0"/>
-              <a:t>2020/10/13</a:t>
+              <a:t>2020/10/20</a:t>
             </a:fld>
             <a:endParaRPr kumimoji="1" lang="ja-JP" altLang="en-US"/>
           </a:p>
@@ -2525,7 +2525,7 @@
           <a:p>
             <a:fld id="{FD845DEE-42C8-C840-B1B2-551C7203F112}" type="datetimeFigureOut">
               <a:rPr kumimoji="1" lang="ja-JP" altLang="en-US" smtClean="0"/>
-              <a:t>2020/10/13</a:t>
+              <a:t>2020/10/20</a:t>
             </a:fld>
             <a:endParaRPr kumimoji="1" lang="ja-JP" altLang="en-US"/>
           </a:p>
@@ -3021,7 +3021,7 @@
           <a:p>
             <a:fld id="{FD845DEE-42C8-C840-B1B2-551C7203F112}" type="datetimeFigureOut">
               <a:rPr kumimoji="1" lang="ja-JP" altLang="en-US" smtClean="0"/>
-              <a:t>2020/10/13</a:t>
+              <a:t>2020/10/20</a:t>
             </a:fld>
             <a:endParaRPr kumimoji="1" lang="ja-JP" altLang="en-US"/>
           </a:p>
@@ -3162,7 +3162,7 @@
           <a:p>
             <a:fld id="{FD845DEE-42C8-C840-B1B2-551C7203F112}" type="datetimeFigureOut">
               <a:rPr kumimoji="1" lang="ja-JP" altLang="en-US" smtClean="0"/>
-              <a:t>2020/10/13</a:t>
+              <a:t>2020/10/20</a:t>
             </a:fld>
             <a:endParaRPr kumimoji="1" lang="ja-JP" altLang="en-US"/>
           </a:p>
@@ -3275,7 +3275,7 @@
           <a:p>
             <a:fld id="{FD845DEE-42C8-C840-B1B2-551C7203F112}" type="datetimeFigureOut">
               <a:rPr kumimoji="1" lang="ja-JP" altLang="en-US" smtClean="0"/>
-              <a:t>2020/10/13</a:t>
+              <a:t>2020/10/20</a:t>
             </a:fld>
             <a:endParaRPr kumimoji="1" lang="ja-JP" altLang="en-US"/>
           </a:p>
@@ -3628,7 +3628,7 @@
           <a:p>
             <a:fld id="{FD845DEE-42C8-C840-B1B2-551C7203F112}" type="datetimeFigureOut">
               <a:rPr kumimoji="1" lang="ja-JP" altLang="en-US" smtClean="0"/>
-              <a:t>2020/10/13</a:t>
+              <a:t>2020/10/20</a:t>
             </a:fld>
             <a:endParaRPr kumimoji="1" lang="ja-JP" altLang="en-US"/>
           </a:p>
@@ -3951,7 +3951,7 @@
           <a:p>
             <a:fld id="{FD845DEE-42C8-C840-B1B2-551C7203F112}" type="datetimeFigureOut">
               <a:rPr kumimoji="1" lang="ja-JP" altLang="en-US" smtClean="0"/>
-              <a:t>2020/10/13</a:t>
+              <a:t>2020/10/20</a:t>
             </a:fld>
             <a:endParaRPr kumimoji="1" lang="ja-JP" altLang="en-US"/>
           </a:p>
@@ -4199,7 +4199,7 @@
           <a:p>
             <a:fld id="{FD845DEE-42C8-C840-B1B2-551C7203F112}" type="datetimeFigureOut">
               <a:rPr kumimoji="1" lang="ja-JP" altLang="en-US" smtClean="0"/>
-              <a:t>2020/10/13</a:t>
+              <a:t>2020/10/20</a:t>
             </a:fld>
             <a:endParaRPr kumimoji="1" lang="ja-JP" altLang="en-US"/>
           </a:p>
@@ -8437,14 +8437,14 @@
             <a:r>
               <a:rPr lang="en-US" altLang="ja-JP" sz="1600" dirty="0">
                 <a:solidFill>
-                  <a:srgbClr val="FF0000"/>
+                  <a:srgbClr val="FFC000"/>
                 </a:solidFill>
               </a:rPr>
               <a:t>1</a:t>
             </a:r>
             <a:endParaRPr kumimoji="1" lang="ja-JP" altLang="en-US" sz="1600">
               <a:solidFill>
-                <a:srgbClr val="FF0000"/>
+                <a:srgbClr val="FFC000"/>
               </a:solidFill>
             </a:endParaRPr>
           </a:p>
@@ -8552,14 +8552,14 @@
             <a:r>
               <a:rPr lang="en-US" altLang="ja-JP" sz="1600" dirty="0">
                 <a:solidFill>
-                  <a:srgbClr val="FF0000"/>
+                  <a:srgbClr val="FFC000"/>
                 </a:solidFill>
               </a:rPr>
               <a:t>1</a:t>
             </a:r>
             <a:endParaRPr kumimoji="1" lang="ja-JP" altLang="en-US" sz="1600">
               <a:solidFill>
-                <a:srgbClr val="FF0000"/>
+                <a:srgbClr val="FFC000"/>
               </a:solidFill>
             </a:endParaRPr>
           </a:p>
@@ -8815,14 +8815,14 @@
             <a:r>
               <a:rPr lang="en-US" altLang="ja-JP" sz="1600" dirty="0">
                 <a:solidFill>
-                  <a:srgbClr val="FF0000"/>
+                  <a:srgbClr val="FFC000"/>
                 </a:solidFill>
               </a:rPr>
               <a:t>2</a:t>
             </a:r>
             <a:endParaRPr kumimoji="1" lang="ja-JP" altLang="en-US" sz="1600">
               <a:solidFill>
-                <a:srgbClr val="FF0000"/>
+                <a:srgbClr val="FFC000"/>
               </a:solidFill>
             </a:endParaRPr>
           </a:p>
@@ -8930,14 +8930,14 @@
             <a:r>
               <a:rPr lang="en-US" altLang="ja-JP" sz="1600" dirty="0">
                 <a:solidFill>
-                  <a:srgbClr val="FF0000"/>
+                  <a:srgbClr val="FFC000"/>
                 </a:solidFill>
               </a:rPr>
               <a:t>2</a:t>
             </a:r>
             <a:endParaRPr kumimoji="1" lang="ja-JP" altLang="en-US" sz="1600">
               <a:solidFill>
-                <a:srgbClr val="FF0000"/>
+                <a:srgbClr val="FFC000"/>
               </a:solidFill>
             </a:endParaRPr>
           </a:p>
@@ -16885,8 +16885,8 @@
         </p:nvSpPr>
         <p:spPr>
           <a:xfrm>
-            <a:off x="5715499" y="3520461"/>
-            <a:ext cx="1732875" cy="276999"/>
+            <a:off x="5353982" y="3520461"/>
+            <a:ext cx="1732875" cy="338554"/>
           </a:xfrm>
           <a:prstGeom prst="rect">
             <a:avLst/>
@@ -16900,10 +16900,10 @@
           <a:lstStyle/>
           <a:p>
             <a:r>
-              <a:rPr kumimoji="1" lang="en-US" altLang="ja-JP" sz="1200" dirty="0"/>
+              <a:rPr kumimoji="1" lang="en-US" altLang="ja-JP" sz="1600" b="1" dirty="0"/>
               <a:t>150.65.136.94</a:t>
             </a:r>
-            <a:endParaRPr kumimoji="1" lang="ja-JP" altLang="en-US" sz="1600"/>
+            <a:endParaRPr kumimoji="1" lang="ja-JP" altLang="en-US" sz="2000" b="1"/>
           </a:p>
         </p:txBody>
       </p:sp>
@@ -16921,8 +16921,8 @@
         </p:nvSpPr>
         <p:spPr>
           <a:xfrm>
-            <a:off x="7030295" y="3254318"/>
-            <a:ext cx="873282" cy="276999"/>
+            <a:off x="7030294" y="3254318"/>
+            <a:ext cx="1054677" cy="338554"/>
           </a:xfrm>
           <a:prstGeom prst="rect">
             <a:avLst/>
@@ -16936,10 +16936,10 @@
           <a:lstStyle/>
           <a:p>
             <a:r>
-              <a:rPr lang="en-US" altLang="ja-JP" sz="1200" dirty="0"/>
+              <a:rPr lang="en-US" altLang="ja-JP" sz="1600" b="1" dirty="0"/>
               <a:t>10.1.1.1</a:t>
             </a:r>
-            <a:endParaRPr kumimoji="1" lang="ja-JP" altLang="en-US"/>
+            <a:endParaRPr kumimoji="1" lang="ja-JP" altLang="en-US" sz="2400" b="1"/>
           </a:p>
         </p:txBody>
       </p:sp>
@@ -16957,8 +16957,8 @@
         </p:nvSpPr>
         <p:spPr>
           <a:xfrm>
-            <a:off x="9298826" y="1629759"/>
-            <a:ext cx="1365298" cy="276999"/>
+            <a:off x="9139337" y="1576594"/>
+            <a:ext cx="1365298" cy="307777"/>
           </a:xfrm>
           <a:prstGeom prst="rect">
             <a:avLst/>
@@ -16972,10 +16972,10 @@
           <a:lstStyle/>
           <a:p>
             <a:r>
-              <a:rPr kumimoji="1" lang="en-US" altLang="ja-JP" sz="1200" dirty="0"/>
+              <a:rPr kumimoji="1" lang="en-US" altLang="ja-JP" sz="1400" b="1" dirty="0"/>
               <a:t>10.1.1.7</a:t>
             </a:r>
-            <a:endParaRPr kumimoji="1" lang="ja-JP" altLang="en-US" sz="1400"/>
+            <a:endParaRPr kumimoji="1" lang="ja-JP" altLang="en-US" sz="1600" b="1"/>
           </a:p>
         </p:txBody>
       </p:sp>
@@ -16993,8 +16993,8 @@
         </p:nvSpPr>
         <p:spPr>
           <a:xfrm>
-            <a:off x="9280050" y="4427822"/>
-            <a:ext cx="729687" cy="276999"/>
+            <a:off x="9184355" y="4427822"/>
+            <a:ext cx="846707" cy="307777"/>
           </a:xfrm>
           <a:prstGeom prst="rect">
             <a:avLst/>
@@ -17008,10 +17008,10 @@
           <a:lstStyle/>
           <a:p>
             <a:r>
-              <a:rPr kumimoji="1" lang="en-US" altLang="ja-JP" sz="1200" dirty="0"/>
+              <a:rPr kumimoji="1" lang="en-US" altLang="ja-JP" sz="1400" b="1" dirty="0"/>
               <a:t>10.1.1.8</a:t>
             </a:r>
-            <a:endParaRPr kumimoji="1" lang="ja-JP" altLang="en-US" sz="1400"/>
+            <a:endParaRPr kumimoji="1" lang="ja-JP" altLang="en-US" sz="1600" b="1"/>
           </a:p>
         </p:txBody>
       </p:sp>
@@ -17029,8 +17029,8 @@
         </p:nvSpPr>
         <p:spPr>
           <a:xfrm>
-            <a:off x="404037" y="5031491"/>
-            <a:ext cx="3040912" cy="1124759"/>
+            <a:off x="329610" y="5031491"/>
+            <a:ext cx="3363160" cy="1475635"/>
           </a:xfrm>
           <a:prstGeom prst="round2DiagRect">
             <a:avLst>
@@ -17065,7 +17065,7 @@
           <a:lstStyle/>
           <a:p>
             <a:r>
-              <a:rPr lang="en-US" altLang="ja-JP" sz="1400" dirty="0">
+              <a:rPr lang="en-US" altLang="ja-JP" sz="1600" dirty="0">
                 <a:solidFill>
                   <a:sysClr val="windowText" lastClr="000000"/>
                 </a:solidFill>
@@ -17075,15 +17075,15 @@
           </a:p>
           <a:p>
             <a:r>
-              <a:rPr lang="en-US" altLang="ja-JP" sz="1400" dirty="0" err="1">
+              <a:rPr lang="en-US" altLang="ja-JP" sz="1600" dirty="0" err="1">
                 <a:solidFill>
                   <a:sysClr val="windowText" lastClr="000000"/>
                 </a:solidFill>
               </a:rPr>
-              <a:t>HostName</a:t>
-            </a:r>
-            <a:r>
-              <a:rPr lang="en-US" altLang="ja-JP" sz="1400" dirty="0">
+              <a:t>UserName</a:t>
+            </a:r>
+            <a:r>
+              <a:rPr lang="en-US" altLang="ja-JP" sz="1600" dirty="0">
                 <a:solidFill>
                   <a:sysClr val="windowText" lastClr="000000"/>
                 </a:solidFill>
@@ -17093,7 +17093,7 @@
           </a:p>
           <a:p>
             <a:r>
-              <a:rPr lang="en-US" altLang="ja-JP" sz="1400" dirty="0">
+              <a:rPr lang="en-US" altLang="ja-JP" sz="1600" dirty="0">
                 <a:solidFill>
                   <a:sysClr val="windowText" lastClr="000000"/>
                 </a:solidFill>
@@ -17103,7 +17103,7 @@
           </a:p>
           <a:p>
             <a:r>
-              <a:rPr lang="en-US" altLang="ja-JP" sz="1400" dirty="0">
+              <a:rPr lang="en-US" altLang="ja-JP" sz="1600" dirty="0">
                 <a:solidFill>
                   <a:sysClr val="windowText" lastClr="000000"/>
                 </a:solidFill>
@@ -17127,8 +17127,8 @@
         </p:nvSpPr>
         <p:spPr>
           <a:xfrm>
-            <a:off x="10063828" y="1261906"/>
-            <a:ext cx="474810" cy="276999"/>
+            <a:off x="10010663" y="1261906"/>
+            <a:ext cx="540533" cy="307777"/>
           </a:xfrm>
           <a:prstGeom prst="rect">
             <a:avLst/>
@@ -17142,10 +17142,10 @@
           <a:lstStyle/>
           <a:p>
             <a:r>
-              <a:rPr kumimoji="1" lang="en-US" altLang="ja-JP" sz="1200" dirty="0"/>
+              <a:rPr kumimoji="1" lang="en-US" altLang="ja-JP" sz="1400" b="1" dirty="0"/>
               <a:t>PC7</a:t>
             </a:r>
-            <a:endParaRPr kumimoji="1" lang="ja-JP" altLang="en-US" sz="1200"/>
+            <a:endParaRPr kumimoji="1" lang="ja-JP" altLang="en-US" sz="1400" b="1"/>
           </a:p>
         </p:txBody>
       </p:sp>
@@ -17163,8 +17163,8 @@
         </p:nvSpPr>
         <p:spPr>
           <a:xfrm>
-            <a:off x="10066254" y="3628233"/>
-            <a:ext cx="474810" cy="276999"/>
+            <a:off x="10013089" y="3628233"/>
+            <a:ext cx="540533" cy="307777"/>
           </a:xfrm>
           <a:prstGeom prst="rect">
             <a:avLst/>
@@ -17178,10 +17178,10 @@
           <a:lstStyle/>
           <a:p>
             <a:r>
-              <a:rPr kumimoji="1" lang="en-US" altLang="ja-JP" sz="1200" dirty="0"/>
+              <a:rPr kumimoji="1" lang="en-US" altLang="ja-JP" sz="1400" b="1" dirty="0"/>
               <a:t>PC8</a:t>
             </a:r>
-            <a:endParaRPr kumimoji="1" lang="ja-JP" altLang="en-US" sz="1400"/>
+            <a:endParaRPr kumimoji="1" lang="ja-JP" altLang="en-US" sz="1600" b="1"/>
           </a:p>
         </p:txBody>
       </p:sp>
@@ -17338,7 +17338,7 @@
         <p:spPr>
           <a:xfrm>
             <a:off x="6986641" y="1228140"/>
-            <a:ext cx="1372492" cy="369332"/>
+            <a:ext cx="1423788" cy="369332"/>
           </a:xfrm>
           <a:prstGeom prst="rect">
             <a:avLst/>
@@ -17357,10 +17357,10 @@
           <a:lstStyle/>
           <a:p>
             <a:r>
-              <a:rPr kumimoji="1" lang="en-US" altLang="ja-JP" dirty="0"/>
+              <a:rPr kumimoji="1" lang="en-US" altLang="ja-JP" b="1" dirty="0"/>
               <a:t>10.1.1.0/24</a:t>
             </a:r>
-            <a:endParaRPr kumimoji="1" lang="ja-JP" altLang="en-US"/>
+            <a:endParaRPr kumimoji="1" lang="ja-JP" altLang="en-US" b="1"/>
           </a:p>
         </p:txBody>
       </p:sp>
@@ -17386,7 +17386,7 @@
         </p:blipFill>
         <p:spPr>
           <a:xfrm>
-            <a:off x="3807482" y="4044476"/>
+            <a:off x="3924442" y="4044476"/>
             <a:ext cx="658191" cy="921467"/>
           </a:xfrm>
           <a:prstGeom prst="rect">
@@ -17408,8 +17408,8 @@
         </p:nvSpPr>
         <p:spPr>
           <a:xfrm>
-            <a:off x="3578167" y="5031491"/>
-            <a:ext cx="2744463" cy="1124760"/>
+            <a:off x="3748291" y="5031491"/>
+            <a:ext cx="2968125" cy="1475636"/>
           </a:xfrm>
           <a:prstGeom prst="round2DiagRect">
             <a:avLst/>
@@ -17441,7 +17441,7 @@
           <a:lstStyle/>
           <a:p>
             <a:r>
-              <a:rPr lang="en-US" altLang="ja-JP" sz="1400" dirty="0">
+              <a:rPr lang="en-US" altLang="ja-JP" sz="1600" dirty="0">
                 <a:solidFill>
                   <a:sysClr val="windowText" lastClr="000000"/>
                 </a:solidFill>
@@ -17451,15 +17451,15 @@
           </a:p>
           <a:p>
             <a:r>
-              <a:rPr lang="en-US" altLang="ja-JP" sz="1400" dirty="0" err="1">
+              <a:rPr lang="en-US" altLang="ja-JP" sz="1600" dirty="0" err="1">
                 <a:solidFill>
                   <a:sysClr val="windowText" lastClr="000000"/>
                 </a:solidFill>
               </a:rPr>
-              <a:t>HostName</a:t>
-            </a:r>
-            <a:r>
-              <a:rPr lang="en-US" altLang="ja-JP" sz="1400" dirty="0">
+              <a:t>UserName</a:t>
+            </a:r>
+            <a:r>
+              <a:rPr lang="en-US" altLang="ja-JP" sz="1600" dirty="0">
                 <a:solidFill>
                   <a:sysClr val="windowText" lastClr="000000"/>
                 </a:solidFill>
@@ -17469,7 +17469,7 @@
           </a:p>
           <a:p>
             <a:r>
-              <a:rPr lang="en-US" altLang="ja-JP" sz="1400" dirty="0">
+              <a:rPr lang="en-US" altLang="ja-JP" sz="1600" dirty="0">
                 <a:solidFill>
                   <a:sysClr val="windowText" lastClr="000000"/>
                 </a:solidFill>
@@ -17479,7 +17479,7 @@
           </a:p>
           <a:p>
             <a:r>
-              <a:rPr lang="en-US" altLang="ja-JP" sz="1400" dirty="0">
+              <a:rPr lang="en-US" altLang="ja-JP" sz="1600" dirty="0">
                 <a:solidFill>
                   <a:sysClr val="windowText" lastClr="000000"/>
                 </a:solidFill>
@@ -17907,7 +17907,7 @@
         </p:nvSpPr>
         <p:spPr>
           <a:xfrm>
-            <a:off x="6749366" y="3585396"/>
+            <a:off x="6794780" y="3722581"/>
             <a:ext cx="1098380" cy="369332"/>
           </a:xfrm>
           <a:prstGeom prst="rect">
@@ -18019,8 +18019,8 @@
         </p:nvSpPr>
         <p:spPr>
           <a:xfrm>
-            <a:off x="10030081" y="1606600"/>
-            <a:ext cx="643125" cy="369332"/>
+            <a:off x="9859328" y="1632858"/>
+            <a:ext cx="1010213" cy="369332"/>
           </a:xfrm>
           <a:prstGeom prst="rect">
             <a:avLst/>
@@ -18034,8 +18034,12 @@
           <a:lstStyle/>
           <a:p>
             <a:r>
+              <a:rPr kumimoji="1" lang="ja-JP" altLang="en-US" b="1"/>
+              <a:t>サーバ</a:t>
+            </a:r>
+            <a:r>
               <a:rPr kumimoji="1" lang="en-US" altLang="ja-JP" b="1" dirty="0"/>
-              <a:t>PC7</a:t>
+              <a:t>7</a:t>
             </a:r>
             <a:endParaRPr kumimoji="1" lang="ja-JP" altLang="en-US" b="1"/>
           </a:p>
@@ -18056,7 +18060,7 @@
         <p:spPr>
           <a:xfrm>
             <a:off x="9180563" y="4251886"/>
-            <a:ext cx="643125" cy="369332"/>
+            <a:ext cx="1010213" cy="369332"/>
           </a:xfrm>
           <a:prstGeom prst="rect">
             <a:avLst/>
@@ -18070,8 +18074,12 @@
           <a:lstStyle/>
           <a:p>
             <a:r>
+              <a:rPr lang="ja-JP" altLang="en-US" b="1"/>
+              <a:t>サーバ</a:t>
+            </a:r>
+            <a:r>
               <a:rPr kumimoji="1" lang="en-US" altLang="ja-JP" b="1" dirty="0"/>
-              <a:t>PC8</a:t>
+              <a:t>8</a:t>
             </a:r>
             <a:endParaRPr kumimoji="1" lang="ja-JP" altLang="en-US" b="1"/>
           </a:p>
@@ -18651,8 +18659,8 @@
         </p:nvSpPr>
         <p:spPr>
           <a:xfrm>
-            <a:off x="767706" y="1939567"/>
-            <a:ext cx="740908" cy="369332"/>
+            <a:off x="650687" y="1927751"/>
+            <a:ext cx="1075936" cy="369332"/>
           </a:xfrm>
           <a:prstGeom prst="rect">
             <a:avLst/>
@@ -18666,13 +18674,14 @@
           <a:lstStyle/>
           <a:p>
             <a:r>
-              <a:rPr kumimoji="1" lang="en-US" altLang="ja-JP" b="1" dirty="0"/>
-              <a:t>PC</a:t>
-            </a:r>
-            <a:r>
-              <a:rPr kumimoji="1" lang="ja-JP" altLang="en-US" b="1"/>
-              <a:t>１</a:t>
-            </a:r>
+              <a:rPr lang="ja-JP" altLang="en-US" b="1"/>
+              <a:t>サーバ</a:t>
+            </a:r>
+            <a:r>
+              <a:rPr lang="en-US" altLang="ja-JP" b="1" dirty="0"/>
+              <a:t>2 </a:t>
+            </a:r>
+            <a:endParaRPr kumimoji="1" lang="ja-JP" altLang="en-US" b="1"/>
           </a:p>
         </p:txBody>
       </p:sp>
@@ -18809,7 +18818,7 @@
           <a:p>
             <a:r>
               <a:rPr kumimoji="1" lang="en-US" altLang="ja-JP" b="1" dirty="0"/>
-              <a:t>1.1.1.8</a:t>
+              <a:t>1.1.1.2</a:t>
             </a:r>
             <a:endParaRPr kumimoji="1" lang="ja-JP" altLang="en-US" b="1"/>
           </a:p>
@@ -18829,7 +18838,7 @@
         </p:nvSpPr>
         <p:spPr>
           <a:xfrm>
-            <a:off x="295534" y="576694"/>
+            <a:off x="295534" y="601408"/>
             <a:ext cx="11801732" cy="3900667"/>
           </a:xfrm>
           <a:custGeom>
@@ -19013,6 +19022,812 @@
 </file>
 
 <file path=ppt/slides/slide21.xml><?xml version="1.0" encoding="utf-8"?>
+<p:sld xmlns:a="http://schemas.openxmlformats.org/drawingml/2006/main" xmlns:r="http://schemas.openxmlformats.org/officeDocument/2006/relationships" xmlns:p="http://schemas.openxmlformats.org/presentationml/2006/main">
+  <p:cSld>
+    <p:spTree>
+      <p:nvGrpSpPr>
+        <p:cNvPr id="1" name=""/>
+        <p:cNvGrpSpPr/>
+        <p:nvPr/>
+      </p:nvGrpSpPr>
+      <p:grpSpPr>
+        <a:xfrm>
+          <a:off x="0" y="0"/>
+          <a:ext cx="0" cy="0"/>
+          <a:chOff x="0" y="0"/>
+          <a:chExt cx="0" cy="0"/>
+        </a:xfrm>
+      </p:grpSpPr>
+      <p:sp>
+        <p:nvSpPr>
+          <p:cNvPr id="22" name="正方形/長方形 21">
+            <a:extLst>
+              <a:ext uri="{FF2B5EF4-FFF2-40B4-BE49-F238E27FC236}">
+                <a16:creationId xmlns:a16="http://schemas.microsoft.com/office/drawing/2014/main" id="{03DB74AC-4E92-A441-BDC8-37C351E8619A}"/>
+              </a:ext>
+            </a:extLst>
+          </p:cNvPr>
+          <p:cNvSpPr/>
+          <p:nvPr/>
+        </p:nvSpPr>
+        <p:spPr>
+          <a:xfrm>
+            <a:off x="7254750" y="1972354"/>
+            <a:ext cx="3904390" cy="4237022"/>
+          </a:xfrm>
+          <a:prstGeom prst="rect">
+            <a:avLst/>
+          </a:prstGeom>
+          <a:solidFill>
+            <a:schemeClr val="bg1"/>
+          </a:solidFill>
+          <a:ln w="57150"/>
+        </p:spPr>
+        <p:style>
+          <a:lnRef idx="2">
+            <a:schemeClr val="dk1">
+              <a:shade val="50000"/>
+            </a:schemeClr>
+          </a:lnRef>
+          <a:fillRef idx="1">
+            <a:schemeClr val="dk1"/>
+          </a:fillRef>
+          <a:effectRef idx="0">
+            <a:schemeClr val="dk1"/>
+          </a:effectRef>
+          <a:fontRef idx="minor">
+            <a:schemeClr val="lt1"/>
+          </a:fontRef>
+        </p:style>
+        <p:txBody>
+          <a:bodyPr rtlCol="0" anchor="ctr"/>
+          <a:lstStyle/>
+          <a:p>
+            <a:pPr algn="ctr"/>
+            <a:endParaRPr kumimoji="1" lang="ja-JP" altLang="en-US"/>
+          </a:p>
+        </p:txBody>
+      </p:sp>
+      <p:pic>
+        <p:nvPicPr>
+          <p:cNvPr id="7" name="図 6">
+            <a:extLst>
+              <a:ext uri="{FF2B5EF4-FFF2-40B4-BE49-F238E27FC236}">
+                <a16:creationId xmlns:a16="http://schemas.microsoft.com/office/drawing/2014/main" id="{AE0FB9F9-6600-BA4D-AAF1-57213BBEED57}"/>
+              </a:ext>
+            </a:extLst>
+          </p:cNvPr>
+          <p:cNvPicPr>
+            <a:picLocks noChangeAspect="1"/>
+          </p:cNvPicPr>
+          <p:nvPr/>
+        </p:nvPicPr>
+        <p:blipFill>
+          <a:blip r:embed="rId3"/>
+          <a:stretch>
+            <a:fillRect/>
+          </a:stretch>
+        </p:blipFill>
+        <p:spPr>
+          <a:xfrm>
+            <a:off x="6986130" y="3671765"/>
+            <a:ext cx="520700" cy="838200"/>
+          </a:xfrm>
+          <a:prstGeom prst="rect">
+            <a:avLst/>
+          </a:prstGeom>
+        </p:spPr>
+      </p:pic>
+      <p:pic>
+        <p:nvPicPr>
+          <p:cNvPr id="9" name="図 8">
+            <a:extLst>
+              <a:ext uri="{FF2B5EF4-FFF2-40B4-BE49-F238E27FC236}">
+                <a16:creationId xmlns:a16="http://schemas.microsoft.com/office/drawing/2014/main" id="{0E823936-F079-FF49-A790-F0512C155A9A}"/>
+              </a:ext>
+            </a:extLst>
+          </p:cNvPr>
+          <p:cNvPicPr>
+            <a:picLocks noChangeAspect="1"/>
+          </p:cNvPicPr>
+          <p:nvPr/>
+        </p:nvPicPr>
+        <p:blipFill>
+          <a:blip r:embed="rId4"/>
+          <a:stretch>
+            <a:fillRect/>
+          </a:stretch>
+        </p:blipFill>
+        <p:spPr>
+          <a:xfrm>
+            <a:off x="10423429" y="2490665"/>
+            <a:ext cx="571500" cy="800100"/>
+          </a:xfrm>
+          <a:prstGeom prst="rect">
+            <a:avLst/>
+          </a:prstGeom>
+        </p:spPr>
+      </p:pic>
+      <p:pic>
+        <p:nvPicPr>
+          <p:cNvPr id="10" name="図 9">
+            <a:extLst>
+              <a:ext uri="{FF2B5EF4-FFF2-40B4-BE49-F238E27FC236}">
+                <a16:creationId xmlns:a16="http://schemas.microsoft.com/office/drawing/2014/main" id="{7995FC5E-9608-F149-AC4C-5CEBF2DC63CC}"/>
+              </a:ext>
+            </a:extLst>
+          </p:cNvPr>
+          <p:cNvPicPr>
+            <a:picLocks noChangeAspect="1"/>
+          </p:cNvPicPr>
+          <p:nvPr/>
+        </p:nvPicPr>
+        <p:blipFill>
+          <a:blip r:embed="rId4"/>
+          <a:stretch>
+            <a:fillRect/>
+          </a:stretch>
+        </p:blipFill>
+        <p:spPr>
+          <a:xfrm>
+            <a:off x="10421313" y="4890965"/>
+            <a:ext cx="571500" cy="800100"/>
+          </a:xfrm>
+          <a:prstGeom prst="rect">
+            <a:avLst/>
+          </a:prstGeom>
+        </p:spPr>
+      </p:pic>
+      <p:pic>
+        <p:nvPicPr>
+          <p:cNvPr id="12" name="図 11">
+            <a:extLst>
+              <a:ext uri="{FF2B5EF4-FFF2-40B4-BE49-F238E27FC236}">
+                <a16:creationId xmlns:a16="http://schemas.microsoft.com/office/drawing/2014/main" id="{B9054421-9209-A445-912D-EE6DB062319E}"/>
+              </a:ext>
+            </a:extLst>
+          </p:cNvPr>
+          <p:cNvPicPr>
+            <a:picLocks noChangeAspect="1"/>
+          </p:cNvPicPr>
+          <p:nvPr/>
+        </p:nvPicPr>
+        <p:blipFill>
+          <a:blip r:embed="rId5"/>
+          <a:stretch>
+            <a:fillRect/>
+          </a:stretch>
+        </p:blipFill>
+        <p:spPr>
+          <a:xfrm>
+            <a:off x="8595139" y="3746122"/>
+            <a:ext cx="711200" cy="711200"/>
+          </a:xfrm>
+          <a:prstGeom prst="rect">
+            <a:avLst/>
+          </a:prstGeom>
+        </p:spPr>
+      </p:pic>
+      <p:cxnSp>
+        <p:nvCxnSpPr>
+          <p:cNvPr id="14" name="直線コネクタ 13">
+            <a:extLst>
+              <a:ext uri="{FF2B5EF4-FFF2-40B4-BE49-F238E27FC236}">
+                <a16:creationId xmlns:a16="http://schemas.microsoft.com/office/drawing/2014/main" id="{859BD285-B99E-354E-AE49-99032F454AF1}"/>
+              </a:ext>
+            </a:extLst>
+          </p:cNvPr>
+          <p:cNvCxnSpPr>
+            <a:cxnSpLocks/>
+            <a:stCxn id="12" idx="3"/>
+            <a:endCxn id="9" idx="1"/>
+          </p:cNvCxnSpPr>
+          <p:nvPr/>
+        </p:nvCxnSpPr>
+        <p:spPr>
+          <a:xfrm flipV="1">
+            <a:off x="9306339" y="2890715"/>
+            <a:ext cx="1117090" cy="1211007"/>
+          </a:xfrm>
+          <a:prstGeom prst="line">
+            <a:avLst/>
+          </a:prstGeom>
+          <a:ln w="44450">
+            <a:headEnd type="oval"/>
+            <a:tailEnd type="oval"/>
+          </a:ln>
+        </p:spPr>
+        <p:style>
+          <a:lnRef idx="1">
+            <a:schemeClr val="accent1"/>
+          </a:lnRef>
+          <a:fillRef idx="0">
+            <a:schemeClr val="accent1"/>
+          </a:fillRef>
+          <a:effectRef idx="0">
+            <a:schemeClr val="accent1"/>
+          </a:effectRef>
+          <a:fontRef idx="minor">
+            <a:schemeClr val="tx1"/>
+          </a:fontRef>
+        </p:style>
+      </p:cxnSp>
+      <p:cxnSp>
+        <p:nvCxnSpPr>
+          <p:cNvPr id="18" name="直線コネクタ 17">
+            <a:extLst>
+              <a:ext uri="{FF2B5EF4-FFF2-40B4-BE49-F238E27FC236}">
+                <a16:creationId xmlns:a16="http://schemas.microsoft.com/office/drawing/2014/main" id="{0234DF0F-A6E4-F347-B6EA-E8460DA0407C}"/>
+              </a:ext>
+            </a:extLst>
+          </p:cNvPr>
+          <p:cNvCxnSpPr>
+            <a:cxnSpLocks/>
+            <a:stCxn id="12" idx="3"/>
+            <a:endCxn id="10" idx="1"/>
+          </p:cNvCxnSpPr>
+          <p:nvPr/>
+        </p:nvCxnSpPr>
+        <p:spPr>
+          <a:xfrm>
+            <a:off x="9306339" y="4101722"/>
+            <a:ext cx="1114974" cy="1189293"/>
+          </a:xfrm>
+          <a:prstGeom prst="line">
+            <a:avLst/>
+          </a:prstGeom>
+          <a:ln w="44450">
+            <a:headEnd type="oval"/>
+            <a:tailEnd type="oval"/>
+          </a:ln>
+        </p:spPr>
+        <p:style>
+          <a:lnRef idx="1">
+            <a:schemeClr val="accent1"/>
+          </a:lnRef>
+          <a:fillRef idx="0">
+            <a:schemeClr val="accent1"/>
+          </a:fillRef>
+          <a:effectRef idx="0">
+            <a:schemeClr val="accent1"/>
+          </a:effectRef>
+          <a:fontRef idx="minor">
+            <a:schemeClr val="tx1"/>
+          </a:fontRef>
+        </p:style>
+      </p:cxnSp>
+      <p:cxnSp>
+        <p:nvCxnSpPr>
+          <p:cNvPr id="24" name="直線コネクタ 23">
+            <a:extLst>
+              <a:ext uri="{FF2B5EF4-FFF2-40B4-BE49-F238E27FC236}">
+                <a16:creationId xmlns:a16="http://schemas.microsoft.com/office/drawing/2014/main" id="{3E298A39-F658-7944-B761-180770696926}"/>
+              </a:ext>
+            </a:extLst>
+          </p:cNvPr>
+          <p:cNvCxnSpPr>
+            <a:cxnSpLocks/>
+            <a:endCxn id="12" idx="1"/>
+          </p:cNvCxnSpPr>
+          <p:nvPr/>
+        </p:nvCxnSpPr>
+        <p:spPr>
+          <a:xfrm>
+            <a:off x="7506830" y="4090865"/>
+            <a:ext cx="1088309" cy="10857"/>
+          </a:xfrm>
+          <a:prstGeom prst="line">
+            <a:avLst/>
+          </a:prstGeom>
+          <a:ln w="38100">
+            <a:headEnd type="oval"/>
+            <a:tailEnd type="oval"/>
+          </a:ln>
+        </p:spPr>
+        <p:style>
+          <a:lnRef idx="1">
+            <a:schemeClr val="accent1"/>
+          </a:lnRef>
+          <a:fillRef idx="0">
+            <a:schemeClr val="accent1"/>
+          </a:fillRef>
+          <a:effectRef idx="0">
+            <a:schemeClr val="accent1"/>
+          </a:effectRef>
+          <a:fontRef idx="minor">
+            <a:schemeClr val="tx1"/>
+          </a:fontRef>
+        </p:style>
+      </p:cxnSp>
+      <p:sp>
+        <p:nvSpPr>
+          <p:cNvPr id="27" name="正方形/長方形 26">
+            <a:extLst>
+              <a:ext uri="{FF2B5EF4-FFF2-40B4-BE49-F238E27FC236}">
+                <a16:creationId xmlns:a16="http://schemas.microsoft.com/office/drawing/2014/main" id="{54BBC2F4-BFAC-5244-9A87-CF8ED664F807}"/>
+              </a:ext>
+            </a:extLst>
+          </p:cNvPr>
+          <p:cNvSpPr/>
+          <p:nvPr/>
+        </p:nvSpPr>
+        <p:spPr>
+          <a:xfrm>
+            <a:off x="7990424" y="1460267"/>
+            <a:ext cx="2333789" cy="742385"/>
+          </a:xfrm>
+          <a:prstGeom prst="rect">
+            <a:avLst/>
+          </a:prstGeom>
+        </p:spPr>
+        <p:style>
+          <a:lnRef idx="2">
+            <a:schemeClr val="accent1">
+              <a:shade val="50000"/>
+            </a:schemeClr>
+          </a:lnRef>
+          <a:fillRef idx="1">
+            <a:schemeClr val="accent1"/>
+          </a:fillRef>
+          <a:effectRef idx="0">
+            <a:schemeClr val="accent1"/>
+          </a:effectRef>
+          <a:fontRef idx="minor">
+            <a:schemeClr val="lt1"/>
+          </a:fontRef>
+        </p:style>
+        <p:txBody>
+          <a:bodyPr rtlCol="0" anchor="ctr"/>
+          <a:lstStyle/>
+          <a:p>
+            <a:pPr algn="ctr"/>
+            <a:r>
+              <a:rPr lang="ja-JP" altLang="en-US"/>
+              <a:t>ローカル</a:t>
+            </a:r>
+            <a:r>
+              <a:rPr kumimoji="1" lang="ja-JP" altLang="en-US"/>
+              <a:t>ネットワーク</a:t>
+            </a:r>
+          </a:p>
+        </p:txBody>
+      </p:sp>
+      <p:sp>
+        <p:nvSpPr>
+          <p:cNvPr id="29" name="雲 28">
+            <a:extLst>
+              <a:ext uri="{FF2B5EF4-FFF2-40B4-BE49-F238E27FC236}">
+                <a16:creationId xmlns:a16="http://schemas.microsoft.com/office/drawing/2014/main" id="{3A823A53-72E5-5B4A-A5B2-C4219099BB07}"/>
+              </a:ext>
+            </a:extLst>
+          </p:cNvPr>
+          <p:cNvSpPr/>
+          <p:nvPr/>
+        </p:nvSpPr>
+        <p:spPr>
+          <a:xfrm>
+            <a:off x="3359447" y="3407863"/>
+            <a:ext cx="1966248" cy="985377"/>
+          </a:xfrm>
+          <a:prstGeom prst="cloud">
+            <a:avLst/>
+          </a:prstGeom>
+          <a:solidFill>
+            <a:schemeClr val="bg1"/>
+          </a:solidFill>
+          <a:ln w="31750"/>
+        </p:spPr>
+        <p:style>
+          <a:lnRef idx="2">
+            <a:schemeClr val="accent1">
+              <a:shade val="50000"/>
+            </a:schemeClr>
+          </a:lnRef>
+          <a:fillRef idx="1">
+            <a:schemeClr val="accent1"/>
+          </a:fillRef>
+          <a:effectRef idx="0">
+            <a:schemeClr val="accent1"/>
+          </a:effectRef>
+          <a:fontRef idx="minor">
+            <a:schemeClr val="lt1"/>
+          </a:fontRef>
+        </p:style>
+        <p:txBody>
+          <a:bodyPr rtlCol="0" anchor="ctr"/>
+          <a:lstStyle/>
+          <a:p>
+            <a:pPr algn="ctr"/>
+            <a:r>
+              <a:rPr lang="en-US" altLang="ja-JP" sz="2000" dirty="0">
+                <a:solidFill>
+                  <a:sysClr val="windowText" lastClr="000000"/>
+                </a:solidFill>
+              </a:rPr>
+              <a:t>Internet</a:t>
+            </a:r>
+            <a:endParaRPr kumimoji="1" lang="ja-JP" altLang="en-US" sz="2000">
+              <a:solidFill>
+                <a:sysClr val="windowText" lastClr="000000"/>
+              </a:solidFill>
+            </a:endParaRPr>
+          </a:p>
+        </p:txBody>
+      </p:sp>
+      <p:cxnSp>
+        <p:nvCxnSpPr>
+          <p:cNvPr id="31" name="直線コネクタ 30">
+            <a:extLst>
+              <a:ext uri="{FF2B5EF4-FFF2-40B4-BE49-F238E27FC236}">
+                <a16:creationId xmlns:a16="http://schemas.microsoft.com/office/drawing/2014/main" id="{0FE905DA-86EC-C94F-88B3-74C7501D2172}"/>
+              </a:ext>
+            </a:extLst>
+          </p:cNvPr>
+          <p:cNvCxnSpPr>
+            <a:cxnSpLocks/>
+            <a:endCxn id="7" idx="1"/>
+          </p:cNvCxnSpPr>
+          <p:nvPr/>
+        </p:nvCxnSpPr>
+        <p:spPr>
+          <a:xfrm>
+            <a:off x="5943061" y="4090865"/>
+            <a:ext cx="1043069" cy="0"/>
+          </a:xfrm>
+          <a:prstGeom prst="line">
+            <a:avLst/>
+          </a:prstGeom>
+          <a:ln w="34925" cap="rnd">
+            <a:tailEnd type="oval"/>
+          </a:ln>
+        </p:spPr>
+        <p:style>
+          <a:lnRef idx="1">
+            <a:schemeClr val="accent1"/>
+          </a:lnRef>
+          <a:fillRef idx="0">
+            <a:schemeClr val="accent1"/>
+          </a:fillRef>
+          <a:effectRef idx="0">
+            <a:schemeClr val="accent1"/>
+          </a:effectRef>
+          <a:fontRef idx="minor">
+            <a:schemeClr val="tx1"/>
+          </a:fontRef>
+        </p:style>
+      </p:cxnSp>
+      <p:sp>
+        <p:nvSpPr>
+          <p:cNvPr id="40" name="テキスト ボックス 39">
+            <a:extLst>
+              <a:ext uri="{FF2B5EF4-FFF2-40B4-BE49-F238E27FC236}">
+                <a16:creationId xmlns:a16="http://schemas.microsoft.com/office/drawing/2014/main" id="{06C657A0-B2B1-9F49-A404-C22BFF2A3153}"/>
+              </a:ext>
+            </a:extLst>
+          </p:cNvPr>
+          <p:cNvSpPr txBox="1"/>
+          <p:nvPr/>
+        </p:nvSpPr>
+        <p:spPr>
+          <a:xfrm>
+            <a:off x="6155337" y="4504310"/>
+            <a:ext cx="1732875" cy="276999"/>
+          </a:xfrm>
+          <a:prstGeom prst="rect">
+            <a:avLst/>
+          </a:prstGeom>
+          <a:noFill/>
+        </p:spPr>
+        <p:txBody>
+          <a:bodyPr wrap="square" rtlCol="0">
+            <a:spAutoFit/>
+          </a:bodyPr>
+          <a:lstStyle/>
+          <a:p>
+            <a:r>
+              <a:rPr kumimoji="1" lang="en-US" altLang="ja-JP" sz="1200" dirty="0"/>
+              <a:t>150.65.136.94</a:t>
+            </a:r>
+            <a:endParaRPr kumimoji="1" lang="ja-JP" altLang="en-US" sz="1600"/>
+          </a:p>
+        </p:txBody>
+      </p:sp>
+      <p:sp>
+        <p:nvSpPr>
+          <p:cNvPr id="41" name="テキスト ボックス 40">
+            <a:extLst>
+              <a:ext uri="{FF2B5EF4-FFF2-40B4-BE49-F238E27FC236}">
+                <a16:creationId xmlns:a16="http://schemas.microsoft.com/office/drawing/2014/main" id="{DF8837A4-85C2-7E42-8727-5A39197AB4CD}"/>
+              </a:ext>
+            </a:extLst>
+          </p:cNvPr>
+          <p:cNvSpPr txBox="1"/>
+          <p:nvPr/>
+        </p:nvSpPr>
+        <p:spPr>
+          <a:xfrm>
+            <a:off x="7470133" y="4238167"/>
+            <a:ext cx="873282" cy="276999"/>
+          </a:xfrm>
+          <a:prstGeom prst="rect">
+            <a:avLst/>
+          </a:prstGeom>
+          <a:noFill/>
+        </p:spPr>
+        <p:txBody>
+          <a:bodyPr wrap="square" rtlCol="0">
+            <a:spAutoFit/>
+          </a:bodyPr>
+          <a:lstStyle/>
+          <a:p>
+            <a:r>
+              <a:rPr lang="en-US" altLang="ja-JP" sz="1200" dirty="0"/>
+              <a:t>10.1.1.1</a:t>
+            </a:r>
+            <a:endParaRPr kumimoji="1" lang="ja-JP" altLang="en-US"/>
+          </a:p>
+        </p:txBody>
+      </p:sp>
+      <p:sp>
+        <p:nvSpPr>
+          <p:cNvPr id="42" name="テキスト ボックス 41">
+            <a:extLst>
+              <a:ext uri="{FF2B5EF4-FFF2-40B4-BE49-F238E27FC236}">
+                <a16:creationId xmlns:a16="http://schemas.microsoft.com/office/drawing/2014/main" id="{3AB78988-97AC-8E45-B39E-2CCD52D679B2}"/>
+              </a:ext>
+            </a:extLst>
+          </p:cNvPr>
+          <p:cNvSpPr txBox="1"/>
+          <p:nvPr/>
+        </p:nvSpPr>
+        <p:spPr>
+          <a:xfrm>
+            <a:off x="9738664" y="2613608"/>
+            <a:ext cx="1365298" cy="276999"/>
+          </a:xfrm>
+          <a:prstGeom prst="rect">
+            <a:avLst/>
+          </a:prstGeom>
+          <a:noFill/>
+        </p:spPr>
+        <p:txBody>
+          <a:bodyPr wrap="square" rtlCol="0">
+            <a:spAutoFit/>
+          </a:bodyPr>
+          <a:lstStyle/>
+          <a:p>
+            <a:r>
+              <a:rPr kumimoji="1" lang="en-US" altLang="ja-JP" sz="1200" dirty="0"/>
+              <a:t>10.1.1.7</a:t>
+            </a:r>
+            <a:endParaRPr kumimoji="1" lang="ja-JP" altLang="en-US" sz="1400"/>
+          </a:p>
+        </p:txBody>
+      </p:sp>
+      <p:sp>
+        <p:nvSpPr>
+          <p:cNvPr id="43" name="テキスト ボックス 42">
+            <a:extLst>
+              <a:ext uri="{FF2B5EF4-FFF2-40B4-BE49-F238E27FC236}">
+                <a16:creationId xmlns:a16="http://schemas.microsoft.com/office/drawing/2014/main" id="{D3E3C1E0-F315-4D4A-871C-664C6A3378C2}"/>
+              </a:ext>
+            </a:extLst>
+          </p:cNvPr>
+          <p:cNvSpPr txBox="1"/>
+          <p:nvPr/>
+        </p:nvSpPr>
+        <p:spPr>
+          <a:xfrm>
+            <a:off x="9719888" y="5411671"/>
+            <a:ext cx="729687" cy="276999"/>
+          </a:xfrm>
+          <a:prstGeom prst="rect">
+            <a:avLst/>
+          </a:prstGeom>
+          <a:noFill/>
+        </p:spPr>
+        <p:txBody>
+          <a:bodyPr wrap="square" rtlCol="0">
+            <a:spAutoFit/>
+          </a:bodyPr>
+          <a:lstStyle/>
+          <a:p>
+            <a:r>
+              <a:rPr kumimoji="1" lang="en-US" altLang="ja-JP" sz="1200" dirty="0"/>
+              <a:t>10.1.1.8</a:t>
+            </a:r>
+            <a:endParaRPr kumimoji="1" lang="ja-JP" altLang="en-US" sz="1400"/>
+          </a:p>
+        </p:txBody>
+      </p:sp>
+      <p:sp>
+        <p:nvSpPr>
+          <p:cNvPr id="45" name="テキスト ボックス 44">
+            <a:extLst>
+              <a:ext uri="{FF2B5EF4-FFF2-40B4-BE49-F238E27FC236}">
+                <a16:creationId xmlns:a16="http://schemas.microsoft.com/office/drawing/2014/main" id="{6BBBC7B7-2CE0-E84A-881E-1C5426FEEEE4}"/>
+              </a:ext>
+            </a:extLst>
+          </p:cNvPr>
+          <p:cNvSpPr txBox="1"/>
+          <p:nvPr/>
+        </p:nvSpPr>
+        <p:spPr>
+          <a:xfrm>
+            <a:off x="10503666" y="2245755"/>
+            <a:ext cx="474810" cy="276999"/>
+          </a:xfrm>
+          <a:prstGeom prst="rect">
+            <a:avLst/>
+          </a:prstGeom>
+          <a:noFill/>
+        </p:spPr>
+        <p:txBody>
+          <a:bodyPr wrap="square" rtlCol="0">
+            <a:spAutoFit/>
+          </a:bodyPr>
+          <a:lstStyle/>
+          <a:p>
+            <a:r>
+              <a:rPr kumimoji="1" lang="en-US" altLang="ja-JP" sz="1200" dirty="0"/>
+              <a:t>PC7</a:t>
+            </a:r>
+            <a:endParaRPr kumimoji="1" lang="ja-JP" altLang="en-US" sz="1200"/>
+          </a:p>
+        </p:txBody>
+      </p:sp>
+      <p:sp>
+        <p:nvSpPr>
+          <p:cNvPr id="46" name="テキスト ボックス 45">
+            <a:extLst>
+              <a:ext uri="{FF2B5EF4-FFF2-40B4-BE49-F238E27FC236}">
+                <a16:creationId xmlns:a16="http://schemas.microsoft.com/office/drawing/2014/main" id="{3238B99A-9B39-1B4C-A73F-4D39987CD314}"/>
+              </a:ext>
+            </a:extLst>
+          </p:cNvPr>
+          <p:cNvSpPr txBox="1"/>
+          <p:nvPr/>
+        </p:nvSpPr>
+        <p:spPr>
+          <a:xfrm>
+            <a:off x="10506092" y="4612082"/>
+            <a:ext cx="474810" cy="276999"/>
+          </a:xfrm>
+          <a:prstGeom prst="rect">
+            <a:avLst/>
+          </a:prstGeom>
+          <a:noFill/>
+        </p:spPr>
+        <p:txBody>
+          <a:bodyPr wrap="square" rtlCol="0">
+            <a:spAutoFit/>
+          </a:bodyPr>
+          <a:lstStyle/>
+          <a:p>
+            <a:r>
+              <a:rPr kumimoji="1" lang="en-US" altLang="ja-JP" sz="1200" dirty="0"/>
+              <a:t>PC8</a:t>
+            </a:r>
+            <a:endParaRPr kumimoji="1" lang="ja-JP" altLang="en-US" sz="1400"/>
+          </a:p>
+        </p:txBody>
+      </p:sp>
+      <p:sp>
+        <p:nvSpPr>
+          <p:cNvPr id="47" name="テキスト ボックス 46">
+            <a:extLst>
+              <a:ext uri="{FF2B5EF4-FFF2-40B4-BE49-F238E27FC236}">
+                <a16:creationId xmlns:a16="http://schemas.microsoft.com/office/drawing/2014/main" id="{489A085B-8C25-AA4B-B8D4-DE063FD10811}"/>
+              </a:ext>
+            </a:extLst>
+          </p:cNvPr>
+          <p:cNvSpPr txBox="1"/>
+          <p:nvPr/>
+        </p:nvSpPr>
+        <p:spPr>
+          <a:xfrm>
+            <a:off x="8524810" y="3477631"/>
+            <a:ext cx="1140802" cy="307777"/>
+          </a:xfrm>
+          <a:prstGeom prst="rect">
+            <a:avLst/>
+          </a:prstGeom>
+          <a:noFill/>
+        </p:spPr>
+        <p:txBody>
+          <a:bodyPr wrap="square" rtlCol="0">
+            <a:spAutoFit/>
+          </a:bodyPr>
+          <a:lstStyle/>
+          <a:p>
+            <a:r>
+              <a:rPr kumimoji="1" lang="en-US" altLang="ja-JP" sz="1400" dirty="0"/>
+              <a:t>L2switch</a:t>
+            </a:r>
+            <a:endParaRPr kumimoji="1" lang="ja-JP" altLang="en-US"/>
+          </a:p>
+        </p:txBody>
+      </p:sp>
+      <p:sp>
+        <p:nvSpPr>
+          <p:cNvPr id="48" name="テキスト ボックス 47">
+            <a:extLst>
+              <a:ext uri="{FF2B5EF4-FFF2-40B4-BE49-F238E27FC236}">
+                <a16:creationId xmlns:a16="http://schemas.microsoft.com/office/drawing/2014/main" id="{271BFD0A-EC31-5046-9490-560DA9C36BD6}"/>
+              </a:ext>
+            </a:extLst>
+          </p:cNvPr>
+          <p:cNvSpPr txBox="1"/>
+          <p:nvPr/>
+        </p:nvSpPr>
+        <p:spPr>
+          <a:xfrm>
+            <a:off x="6518361" y="3431539"/>
+            <a:ext cx="1348446" cy="276999"/>
+          </a:xfrm>
+          <a:prstGeom prst="rect">
+            <a:avLst/>
+          </a:prstGeom>
+          <a:noFill/>
+        </p:spPr>
+        <p:txBody>
+          <a:bodyPr wrap="square" rtlCol="0">
+            <a:spAutoFit/>
+          </a:bodyPr>
+          <a:lstStyle/>
+          <a:p>
+            <a:r>
+              <a:rPr kumimoji="1" lang="en-US" altLang="ja-JP" sz="1200" dirty="0"/>
+              <a:t>Gateway  Server</a:t>
+            </a:r>
+            <a:endParaRPr kumimoji="1" lang="ja-JP" altLang="en-US" sz="1200"/>
+          </a:p>
+        </p:txBody>
+      </p:sp>
+      <p:pic>
+        <p:nvPicPr>
+          <p:cNvPr id="32" name="図 31">
+            <a:extLst>
+              <a:ext uri="{FF2B5EF4-FFF2-40B4-BE49-F238E27FC236}">
+                <a16:creationId xmlns:a16="http://schemas.microsoft.com/office/drawing/2014/main" id="{5CBE6BED-38E0-6E4D-9CF3-FC92290F3B39}"/>
+              </a:ext>
+            </a:extLst>
+          </p:cNvPr>
+          <p:cNvPicPr>
+            <a:picLocks noChangeAspect="1"/>
+          </p:cNvPicPr>
+          <p:nvPr/>
+        </p:nvPicPr>
+        <p:blipFill>
+          <a:blip r:embed="rId6"/>
+          <a:stretch>
+            <a:fillRect/>
+          </a:stretch>
+        </p:blipFill>
+        <p:spPr>
+          <a:xfrm>
+            <a:off x="798320" y="3599704"/>
+            <a:ext cx="1143000" cy="812800"/>
+          </a:xfrm>
+          <a:prstGeom prst="rect">
+            <a:avLst/>
+          </a:prstGeom>
+        </p:spPr>
+      </p:pic>
+    </p:spTree>
+    <p:extLst>
+      <p:ext uri="{BB962C8B-B14F-4D97-AF65-F5344CB8AC3E}">
+        <p14:creationId xmlns:p14="http://schemas.microsoft.com/office/powerpoint/2010/main" val="3479177537"/>
+      </p:ext>
+    </p:extLst>
+  </p:cSld>
+  <p:clrMapOvr>
+    <a:masterClrMapping/>
+  </p:clrMapOvr>
+</p:sld>
+</file>
+
+<file path=ppt/slides/slide22.xml><?xml version="1.0" encoding="utf-8"?>
 <p:sld xmlns:a="http://schemas.openxmlformats.org/drawingml/2006/main" xmlns:r="http://schemas.openxmlformats.org/officeDocument/2006/relationships" xmlns:p="http://schemas.openxmlformats.org/presentationml/2006/main">
   <p:cSld>
     <p:spTree>
@@ -20156,813 +20971,7 @@
     </p:spTree>
     <p:extLst>
       <p:ext uri="{BB962C8B-B14F-4D97-AF65-F5344CB8AC3E}">
-        <p14:creationId xmlns:p14="http://schemas.microsoft.com/office/powerpoint/2010/main" val="2906548719"/>
-      </p:ext>
-    </p:extLst>
-  </p:cSld>
-  <p:clrMapOvr>
-    <a:masterClrMapping/>
-  </p:clrMapOvr>
-</p:sld>
-</file>
-
-<file path=ppt/slides/slide22.xml><?xml version="1.0" encoding="utf-8"?>
-<p:sld xmlns:a="http://schemas.openxmlformats.org/drawingml/2006/main" xmlns:r="http://schemas.openxmlformats.org/officeDocument/2006/relationships" xmlns:p="http://schemas.openxmlformats.org/presentationml/2006/main">
-  <p:cSld>
-    <p:spTree>
-      <p:nvGrpSpPr>
-        <p:cNvPr id="1" name=""/>
-        <p:cNvGrpSpPr/>
-        <p:nvPr/>
-      </p:nvGrpSpPr>
-      <p:grpSpPr>
-        <a:xfrm>
-          <a:off x="0" y="0"/>
-          <a:ext cx="0" cy="0"/>
-          <a:chOff x="0" y="0"/>
-          <a:chExt cx="0" cy="0"/>
-        </a:xfrm>
-      </p:grpSpPr>
-      <p:sp>
-        <p:nvSpPr>
-          <p:cNvPr id="22" name="正方形/長方形 21">
-            <a:extLst>
-              <a:ext uri="{FF2B5EF4-FFF2-40B4-BE49-F238E27FC236}">
-                <a16:creationId xmlns:a16="http://schemas.microsoft.com/office/drawing/2014/main" id="{03DB74AC-4E92-A441-BDC8-37C351E8619A}"/>
-              </a:ext>
-            </a:extLst>
-          </p:cNvPr>
-          <p:cNvSpPr/>
-          <p:nvPr/>
-        </p:nvSpPr>
-        <p:spPr>
-          <a:xfrm>
-            <a:off x="7254750" y="1972354"/>
-            <a:ext cx="3904390" cy="4237022"/>
-          </a:xfrm>
-          <a:prstGeom prst="rect">
-            <a:avLst/>
-          </a:prstGeom>
-          <a:solidFill>
-            <a:schemeClr val="bg1"/>
-          </a:solidFill>
-          <a:ln w="57150"/>
-        </p:spPr>
-        <p:style>
-          <a:lnRef idx="2">
-            <a:schemeClr val="dk1">
-              <a:shade val="50000"/>
-            </a:schemeClr>
-          </a:lnRef>
-          <a:fillRef idx="1">
-            <a:schemeClr val="dk1"/>
-          </a:fillRef>
-          <a:effectRef idx="0">
-            <a:schemeClr val="dk1"/>
-          </a:effectRef>
-          <a:fontRef idx="minor">
-            <a:schemeClr val="lt1"/>
-          </a:fontRef>
-        </p:style>
-        <p:txBody>
-          <a:bodyPr rtlCol="0" anchor="ctr"/>
-          <a:lstStyle/>
-          <a:p>
-            <a:pPr algn="ctr"/>
-            <a:endParaRPr kumimoji="1" lang="ja-JP" altLang="en-US"/>
-          </a:p>
-        </p:txBody>
-      </p:sp>
-      <p:pic>
-        <p:nvPicPr>
-          <p:cNvPr id="7" name="図 6">
-            <a:extLst>
-              <a:ext uri="{FF2B5EF4-FFF2-40B4-BE49-F238E27FC236}">
-                <a16:creationId xmlns:a16="http://schemas.microsoft.com/office/drawing/2014/main" id="{AE0FB9F9-6600-BA4D-AAF1-57213BBEED57}"/>
-              </a:ext>
-            </a:extLst>
-          </p:cNvPr>
-          <p:cNvPicPr>
-            <a:picLocks noChangeAspect="1"/>
-          </p:cNvPicPr>
-          <p:nvPr/>
-        </p:nvPicPr>
-        <p:blipFill>
-          <a:blip r:embed="rId3"/>
-          <a:stretch>
-            <a:fillRect/>
-          </a:stretch>
-        </p:blipFill>
-        <p:spPr>
-          <a:xfrm>
-            <a:off x="6986130" y="3671765"/>
-            <a:ext cx="520700" cy="838200"/>
-          </a:xfrm>
-          <a:prstGeom prst="rect">
-            <a:avLst/>
-          </a:prstGeom>
-        </p:spPr>
-      </p:pic>
-      <p:pic>
-        <p:nvPicPr>
-          <p:cNvPr id="9" name="図 8">
-            <a:extLst>
-              <a:ext uri="{FF2B5EF4-FFF2-40B4-BE49-F238E27FC236}">
-                <a16:creationId xmlns:a16="http://schemas.microsoft.com/office/drawing/2014/main" id="{0E823936-F079-FF49-A790-F0512C155A9A}"/>
-              </a:ext>
-            </a:extLst>
-          </p:cNvPr>
-          <p:cNvPicPr>
-            <a:picLocks noChangeAspect="1"/>
-          </p:cNvPicPr>
-          <p:nvPr/>
-        </p:nvPicPr>
-        <p:blipFill>
-          <a:blip r:embed="rId4"/>
-          <a:stretch>
-            <a:fillRect/>
-          </a:stretch>
-        </p:blipFill>
-        <p:spPr>
-          <a:xfrm>
-            <a:off x="10423429" y="2490665"/>
-            <a:ext cx="571500" cy="800100"/>
-          </a:xfrm>
-          <a:prstGeom prst="rect">
-            <a:avLst/>
-          </a:prstGeom>
-        </p:spPr>
-      </p:pic>
-      <p:pic>
-        <p:nvPicPr>
-          <p:cNvPr id="10" name="図 9">
-            <a:extLst>
-              <a:ext uri="{FF2B5EF4-FFF2-40B4-BE49-F238E27FC236}">
-                <a16:creationId xmlns:a16="http://schemas.microsoft.com/office/drawing/2014/main" id="{7995FC5E-9608-F149-AC4C-5CEBF2DC63CC}"/>
-              </a:ext>
-            </a:extLst>
-          </p:cNvPr>
-          <p:cNvPicPr>
-            <a:picLocks noChangeAspect="1"/>
-          </p:cNvPicPr>
-          <p:nvPr/>
-        </p:nvPicPr>
-        <p:blipFill>
-          <a:blip r:embed="rId4"/>
-          <a:stretch>
-            <a:fillRect/>
-          </a:stretch>
-        </p:blipFill>
-        <p:spPr>
-          <a:xfrm>
-            <a:off x="10421313" y="4890965"/>
-            <a:ext cx="571500" cy="800100"/>
-          </a:xfrm>
-          <a:prstGeom prst="rect">
-            <a:avLst/>
-          </a:prstGeom>
-        </p:spPr>
-      </p:pic>
-      <p:pic>
-        <p:nvPicPr>
-          <p:cNvPr id="12" name="図 11">
-            <a:extLst>
-              <a:ext uri="{FF2B5EF4-FFF2-40B4-BE49-F238E27FC236}">
-                <a16:creationId xmlns:a16="http://schemas.microsoft.com/office/drawing/2014/main" id="{B9054421-9209-A445-912D-EE6DB062319E}"/>
-              </a:ext>
-            </a:extLst>
-          </p:cNvPr>
-          <p:cNvPicPr>
-            <a:picLocks noChangeAspect="1"/>
-          </p:cNvPicPr>
-          <p:nvPr/>
-        </p:nvPicPr>
-        <p:blipFill>
-          <a:blip r:embed="rId5"/>
-          <a:stretch>
-            <a:fillRect/>
-          </a:stretch>
-        </p:blipFill>
-        <p:spPr>
-          <a:xfrm>
-            <a:off x="8595139" y="3746122"/>
-            <a:ext cx="711200" cy="711200"/>
-          </a:xfrm>
-          <a:prstGeom prst="rect">
-            <a:avLst/>
-          </a:prstGeom>
-        </p:spPr>
-      </p:pic>
-      <p:cxnSp>
-        <p:nvCxnSpPr>
-          <p:cNvPr id="14" name="直線コネクタ 13">
-            <a:extLst>
-              <a:ext uri="{FF2B5EF4-FFF2-40B4-BE49-F238E27FC236}">
-                <a16:creationId xmlns:a16="http://schemas.microsoft.com/office/drawing/2014/main" id="{859BD285-B99E-354E-AE49-99032F454AF1}"/>
-              </a:ext>
-            </a:extLst>
-          </p:cNvPr>
-          <p:cNvCxnSpPr>
-            <a:cxnSpLocks/>
-            <a:stCxn id="12" idx="3"/>
-            <a:endCxn id="9" idx="1"/>
-          </p:cNvCxnSpPr>
-          <p:nvPr/>
-        </p:nvCxnSpPr>
-        <p:spPr>
-          <a:xfrm flipV="1">
-            <a:off x="9306339" y="2890715"/>
-            <a:ext cx="1117090" cy="1211007"/>
-          </a:xfrm>
-          <a:prstGeom prst="line">
-            <a:avLst/>
-          </a:prstGeom>
-          <a:ln w="44450">
-            <a:headEnd type="oval"/>
-            <a:tailEnd type="oval"/>
-          </a:ln>
-        </p:spPr>
-        <p:style>
-          <a:lnRef idx="1">
-            <a:schemeClr val="accent1"/>
-          </a:lnRef>
-          <a:fillRef idx="0">
-            <a:schemeClr val="accent1"/>
-          </a:fillRef>
-          <a:effectRef idx="0">
-            <a:schemeClr val="accent1"/>
-          </a:effectRef>
-          <a:fontRef idx="minor">
-            <a:schemeClr val="tx1"/>
-          </a:fontRef>
-        </p:style>
-      </p:cxnSp>
-      <p:cxnSp>
-        <p:nvCxnSpPr>
-          <p:cNvPr id="18" name="直線コネクタ 17">
-            <a:extLst>
-              <a:ext uri="{FF2B5EF4-FFF2-40B4-BE49-F238E27FC236}">
-                <a16:creationId xmlns:a16="http://schemas.microsoft.com/office/drawing/2014/main" id="{0234DF0F-A6E4-F347-B6EA-E8460DA0407C}"/>
-              </a:ext>
-            </a:extLst>
-          </p:cNvPr>
-          <p:cNvCxnSpPr>
-            <a:cxnSpLocks/>
-            <a:stCxn id="12" idx="3"/>
-            <a:endCxn id="10" idx="1"/>
-          </p:cNvCxnSpPr>
-          <p:nvPr/>
-        </p:nvCxnSpPr>
-        <p:spPr>
-          <a:xfrm>
-            <a:off x="9306339" y="4101722"/>
-            <a:ext cx="1114974" cy="1189293"/>
-          </a:xfrm>
-          <a:prstGeom prst="line">
-            <a:avLst/>
-          </a:prstGeom>
-          <a:ln w="44450">
-            <a:headEnd type="oval"/>
-            <a:tailEnd type="oval"/>
-          </a:ln>
-        </p:spPr>
-        <p:style>
-          <a:lnRef idx="1">
-            <a:schemeClr val="accent1"/>
-          </a:lnRef>
-          <a:fillRef idx="0">
-            <a:schemeClr val="accent1"/>
-          </a:fillRef>
-          <a:effectRef idx="0">
-            <a:schemeClr val="accent1"/>
-          </a:effectRef>
-          <a:fontRef idx="minor">
-            <a:schemeClr val="tx1"/>
-          </a:fontRef>
-        </p:style>
-      </p:cxnSp>
-      <p:cxnSp>
-        <p:nvCxnSpPr>
-          <p:cNvPr id="24" name="直線コネクタ 23">
-            <a:extLst>
-              <a:ext uri="{FF2B5EF4-FFF2-40B4-BE49-F238E27FC236}">
-                <a16:creationId xmlns:a16="http://schemas.microsoft.com/office/drawing/2014/main" id="{3E298A39-F658-7944-B761-180770696926}"/>
-              </a:ext>
-            </a:extLst>
-          </p:cNvPr>
-          <p:cNvCxnSpPr>
-            <a:cxnSpLocks/>
-            <a:endCxn id="12" idx="1"/>
-          </p:cNvCxnSpPr>
-          <p:nvPr/>
-        </p:nvCxnSpPr>
-        <p:spPr>
-          <a:xfrm>
-            <a:off x="7506830" y="4090865"/>
-            <a:ext cx="1088309" cy="10857"/>
-          </a:xfrm>
-          <a:prstGeom prst="line">
-            <a:avLst/>
-          </a:prstGeom>
-          <a:ln w="38100">
-            <a:headEnd type="oval"/>
-            <a:tailEnd type="oval"/>
-          </a:ln>
-        </p:spPr>
-        <p:style>
-          <a:lnRef idx="1">
-            <a:schemeClr val="accent1"/>
-          </a:lnRef>
-          <a:fillRef idx="0">
-            <a:schemeClr val="accent1"/>
-          </a:fillRef>
-          <a:effectRef idx="0">
-            <a:schemeClr val="accent1"/>
-          </a:effectRef>
-          <a:fontRef idx="minor">
-            <a:schemeClr val="tx1"/>
-          </a:fontRef>
-        </p:style>
-      </p:cxnSp>
-      <p:sp>
-        <p:nvSpPr>
-          <p:cNvPr id="27" name="正方形/長方形 26">
-            <a:extLst>
-              <a:ext uri="{FF2B5EF4-FFF2-40B4-BE49-F238E27FC236}">
-                <a16:creationId xmlns:a16="http://schemas.microsoft.com/office/drawing/2014/main" id="{54BBC2F4-BFAC-5244-9A87-CF8ED664F807}"/>
-              </a:ext>
-            </a:extLst>
-          </p:cNvPr>
-          <p:cNvSpPr/>
-          <p:nvPr/>
-        </p:nvSpPr>
-        <p:spPr>
-          <a:xfrm>
-            <a:off x="7990424" y="1460267"/>
-            <a:ext cx="2333789" cy="742385"/>
-          </a:xfrm>
-          <a:prstGeom prst="rect">
-            <a:avLst/>
-          </a:prstGeom>
-        </p:spPr>
-        <p:style>
-          <a:lnRef idx="2">
-            <a:schemeClr val="accent1">
-              <a:shade val="50000"/>
-            </a:schemeClr>
-          </a:lnRef>
-          <a:fillRef idx="1">
-            <a:schemeClr val="accent1"/>
-          </a:fillRef>
-          <a:effectRef idx="0">
-            <a:schemeClr val="accent1"/>
-          </a:effectRef>
-          <a:fontRef idx="minor">
-            <a:schemeClr val="lt1"/>
-          </a:fontRef>
-        </p:style>
-        <p:txBody>
-          <a:bodyPr rtlCol="0" anchor="ctr"/>
-          <a:lstStyle/>
-          <a:p>
-            <a:pPr algn="ctr"/>
-            <a:r>
-              <a:rPr lang="ja-JP" altLang="en-US"/>
-              <a:t>ローカル</a:t>
-            </a:r>
-            <a:r>
-              <a:rPr kumimoji="1" lang="ja-JP" altLang="en-US"/>
-              <a:t>ネットワーク</a:t>
-            </a:r>
-          </a:p>
-        </p:txBody>
-      </p:sp>
-      <p:sp>
-        <p:nvSpPr>
-          <p:cNvPr id="29" name="雲 28">
-            <a:extLst>
-              <a:ext uri="{FF2B5EF4-FFF2-40B4-BE49-F238E27FC236}">
-                <a16:creationId xmlns:a16="http://schemas.microsoft.com/office/drawing/2014/main" id="{3A823A53-72E5-5B4A-A5B2-C4219099BB07}"/>
-              </a:ext>
-            </a:extLst>
-          </p:cNvPr>
-          <p:cNvSpPr/>
-          <p:nvPr/>
-        </p:nvSpPr>
-        <p:spPr>
-          <a:xfrm>
-            <a:off x="3359447" y="3407863"/>
-            <a:ext cx="1966248" cy="985377"/>
-          </a:xfrm>
-          <a:prstGeom prst="cloud">
-            <a:avLst/>
-          </a:prstGeom>
-          <a:solidFill>
-            <a:schemeClr val="bg1"/>
-          </a:solidFill>
-          <a:ln w="31750"/>
-        </p:spPr>
-        <p:style>
-          <a:lnRef idx="2">
-            <a:schemeClr val="accent1">
-              <a:shade val="50000"/>
-            </a:schemeClr>
-          </a:lnRef>
-          <a:fillRef idx="1">
-            <a:schemeClr val="accent1"/>
-          </a:fillRef>
-          <a:effectRef idx="0">
-            <a:schemeClr val="accent1"/>
-          </a:effectRef>
-          <a:fontRef idx="minor">
-            <a:schemeClr val="lt1"/>
-          </a:fontRef>
-        </p:style>
-        <p:txBody>
-          <a:bodyPr rtlCol="0" anchor="ctr"/>
-          <a:lstStyle/>
-          <a:p>
-            <a:pPr algn="ctr"/>
-            <a:r>
-              <a:rPr lang="en-US" altLang="ja-JP" sz="2000" dirty="0">
-                <a:solidFill>
-                  <a:sysClr val="windowText" lastClr="000000"/>
-                </a:solidFill>
-              </a:rPr>
-              <a:t>Internet</a:t>
-            </a:r>
-            <a:endParaRPr kumimoji="1" lang="ja-JP" altLang="en-US" sz="2000">
-              <a:solidFill>
-                <a:sysClr val="windowText" lastClr="000000"/>
-              </a:solidFill>
-            </a:endParaRPr>
-          </a:p>
-        </p:txBody>
-      </p:sp>
-      <p:cxnSp>
-        <p:nvCxnSpPr>
-          <p:cNvPr id="31" name="直線コネクタ 30">
-            <a:extLst>
-              <a:ext uri="{FF2B5EF4-FFF2-40B4-BE49-F238E27FC236}">
-                <a16:creationId xmlns:a16="http://schemas.microsoft.com/office/drawing/2014/main" id="{0FE905DA-86EC-C94F-88B3-74C7501D2172}"/>
-              </a:ext>
-            </a:extLst>
-          </p:cNvPr>
-          <p:cNvCxnSpPr>
-            <a:cxnSpLocks/>
-            <a:endCxn id="7" idx="1"/>
-          </p:cNvCxnSpPr>
-          <p:nvPr/>
-        </p:nvCxnSpPr>
-        <p:spPr>
-          <a:xfrm>
-            <a:off x="5943061" y="4090865"/>
-            <a:ext cx="1043069" cy="0"/>
-          </a:xfrm>
-          <a:prstGeom prst="line">
-            <a:avLst/>
-          </a:prstGeom>
-          <a:ln w="34925" cap="rnd">
-            <a:tailEnd type="oval"/>
-          </a:ln>
-        </p:spPr>
-        <p:style>
-          <a:lnRef idx="1">
-            <a:schemeClr val="accent1"/>
-          </a:lnRef>
-          <a:fillRef idx="0">
-            <a:schemeClr val="accent1"/>
-          </a:fillRef>
-          <a:effectRef idx="0">
-            <a:schemeClr val="accent1"/>
-          </a:effectRef>
-          <a:fontRef idx="minor">
-            <a:schemeClr val="tx1"/>
-          </a:fontRef>
-        </p:style>
-      </p:cxnSp>
-      <p:sp>
-        <p:nvSpPr>
-          <p:cNvPr id="40" name="テキスト ボックス 39">
-            <a:extLst>
-              <a:ext uri="{FF2B5EF4-FFF2-40B4-BE49-F238E27FC236}">
-                <a16:creationId xmlns:a16="http://schemas.microsoft.com/office/drawing/2014/main" id="{06C657A0-B2B1-9F49-A404-C22BFF2A3153}"/>
-              </a:ext>
-            </a:extLst>
-          </p:cNvPr>
-          <p:cNvSpPr txBox="1"/>
-          <p:nvPr/>
-        </p:nvSpPr>
-        <p:spPr>
-          <a:xfrm>
-            <a:off x="6155337" y="4504310"/>
-            <a:ext cx="1732875" cy="276999"/>
-          </a:xfrm>
-          <a:prstGeom prst="rect">
-            <a:avLst/>
-          </a:prstGeom>
-          <a:noFill/>
-        </p:spPr>
-        <p:txBody>
-          <a:bodyPr wrap="square" rtlCol="0">
-            <a:spAutoFit/>
-          </a:bodyPr>
-          <a:lstStyle/>
-          <a:p>
-            <a:r>
-              <a:rPr kumimoji="1" lang="en-US" altLang="ja-JP" sz="1200" dirty="0"/>
-              <a:t>150.65.136.94</a:t>
-            </a:r>
-            <a:endParaRPr kumimoji="1" lang="ja-JP" altLang="en-US" sz="1600"/>
-          </a:p>
-        </p:txBody>
-      </p:sp>
-      <p:sp>
-        <p:nvSpPr>
-          <p:cNvPr id="41" name="テキスト ボックス 40">
-            <a:extLst>
-              <a:ext uri="{FF2B5EF4-FFF2-40B4-BE49-F238E27FC236}">
-                <a16:creationId xmlns:a16="http://schemas.microsoft.com/office/drawing/2014/main" id="{DF8837A4-85C2-7E42-8727-5A39197AB4CD}"/>
-              </a:ext>
-            </a:extLst>
-          </p:cNvPr>
-          <p:cNvSpPr txBox="1"/>
-          <p:nvPr/>
-        </p:nvSpPr>
-        <p:spPr>
-          <a:xfrm>
-            <a:off x="7470133" y="4238167"/>
-            <a:ext cx="873282" cy="276999"/>
-          </a:xfrm>
-          <a:prstGeom prst="rect">
-            <a:avLst/>
-          </a:prstGeom>
-          <a:noFill/>
-        </p:spPr>
-        <p:txBody>
-          <a:bodyPr wrap="square" rtlCol="0">
-            <a:spAutoFit/>
-          </a:bodyPr>
-          <a:lstStyle/>
-          <a:p>
-            <a:r>
-              <a:rPr lang="en-US" altLang="ja-JP" sz="1200" dirty="0"/>
-              <a:t>10.1.1.1</a:t>
-            </a:r>
-            <a:endParaRPr kumimoji="1" lang="ja-JP" altLang="en-US"/>
-          </a:p>
-        </p:txBody>
-      </p:sp>
-      <p:sp>
-        <p:nvSpPr>
-          <p:cNvPr id="42" name="テキスト ボックス 41">
-            <a:extLst>
-              <a:ext uri="{FF2B5EF4-FFF2-40B4-BE49-F238E27FC236}">
-                <a16:creationId xmlns:a16="http://schemas.microsoft.com/office/drawing/2014/main" id="{3AB78988-97AC-8E45-B39E-2CCD52D679B2}"/>
-              </a:ext>
-            </a:extLst>
-          </p:cNvPr>
-          <p:cNvSpPr txBox="1"/>
-          <p:nvPr/>
-        </p:nvSpPr>
-        <p:spPr>
-          <a:xfrm>
-            <a:off x="9738664" y="2613608"/>
-            <a:ext cx="1365298" cy="276999"/>
-          </a:xfrm>
-          <a:prstGeom prst="rect">
-            <a:avLst/>
-          </a:prstGeom>
-          <a:noFill/>
-        </p:spPr>
-        <p:txBody>
-          <a:bodyPr wrap="square" rtlCol="0">
-            <a:spAutoFit/>
-          </a:bodyPr>
-          <a:lstStyle/>
-          <a:p>
-            <a:r>
-              <a:rPr kumimoji="1" lang="en-US" altLang="ja-JP" sz="1200" dirty="0"/>
-              <a:t>10.1.1.7</a:t>
-            </a:r>
-            <a:endParaRPr kumimoji="1" lang="ja-JP" altLang="en-US" sz="1400"/>
-          </a:p>
-        </p:txBody>
-      </p:sp>
-      <p:sp>
-        <p:nvSpPr>
-          <p:cNvPr id="43" name="テキスト ボックス 42">
-            <a:extLst>
-              <a:ext uri="{FF2B5EF4-FFF2-40B4-BE49-F238E27FC236}">
-                <a16:creationId xmlns:a16="http://schemas.microsoft.com/office/drawing/2014/main" id="{D3E3C1E0-F315-4D4A-871C-664C6A3378C2}"/>
-              </a:ext>
-            </a:extLst>
-          </p:cNvPr>
-          <p:cNvSpPr txBox="1"/>
-          <p:nvPr/>
-        </p:nvSpPr>
-        <p:spPr>
-          <a:xfrm>
-            <a:off x="9719888" y="5411671"/>
-            <a:ext cx="729687" cy="276999"/>
-          </a:xfrm>
-          <a:prstGeom prst="rect">
-            <a:avLst/>
-          </a:prstGeom>
-          <a:noFill/>
-        </p:spPr>
-        <p:txBody>
-          <a:bodyPr wrap="square" rtlCol="0">
-            <a:spAutoFit/>
-          </a:bodyPr>
-          <a:lstStyle/>
-          <a:p>
-            <a:r>
-              <a:rPr kumimoji="1" lang="en-US" altLang="ja-JP" sz="1200" dirty="0"/>
-              <a:t>10.1.1.8</a:t>
-            </a:r>
-            <a:endParaRPr kumimoji="1" lang="ja-JP" altLang="en-US" sz="1400"/>
-          </a:p>
-        </p:txBody>
-      </p:sp>
-      <p:sp>
-        <p:nvSpPr>
-          <p:cNvPr id="45" name="テキスト ボックス 44">
-            <a:extLst>
-              <a:ext uri="{FF2B5EF4-FFF2-40B4-BE49-F238E27FC236}">
-                <a16:creationId xmlns:a16="http://schemas.microsoft.com/office/drawing/2014/main" id="{6BBBC7B7-2CE0-E84A-881E-1C5426FEEEE4}"/>
-              </a:ext>
-            </a:extLst>
-          </p:cNvPr>
-          <p:cNvSpPr txBox="1"/>
-          <p:nvPr/>
-        </p:nvSpPr>
-        <p:spPr>
-          <a:xfrm>
-            <a:off x="10503666" y="2245755"/>
-            <a:ext cx="474810" cy="276999"/>
-          </a:xfrm>
-          <a:prstGeom prst="rect">
-            <a:avLst/>
-          </a:prstGeom>
-          <a:noFill/>
-        </p:spPr>
-        <p:txBody>
-          <a:bodyPr wrap="square" rtlCol="0">
-            <a:spAutoFit/>
-          </a:bodyPr>
-          <a:lstStyle/>
-          <a:p>
-            <a:r>
-              <a:rPr kumimoji="1" lang="en-US" altLang="ja-JP" sz="1200" dirty="0"/>
-              <a:t>PC7</a:t>
-            </a:r>
-            <a:endParaRPr kumimoji="1" lang="ja-JP" altLang="en-US" sz="1200"/>
-          </a:p>
-        </p:txBody>
-      </p:sp>
-      <p:sp>
-        <p:nvSpPr>
-          <p:cNvPr id="46" name="テキスト ボックス 45">
-            <a:extLst>
-              <a:ext uri="{FF2B5EF4-FFF2-40B4-BE49-F238E27FC236}">
-                <a16:creationId xmlns:a16="http://schemas.microsoft.com/office/drawing/2014/main" id="{3238B99A-9B39-1B4C-A73F-4D39987CD314}"/>
-              </a:ext>
-            </a:extLst>
-          </p:cNvPr>
-          <p:cNvSpPr txBox="1"/>
-          <p:nvPr/>
-        </p:nvSpPr>
-        <p:spPr>
-          <a:xfrm>
-            <a:off x="10506092" y="4612082"/>
-            <a:ext cx="474810" cy="276999"/>
-          </a:xfrm>
-          <a:prstGeom prst="rect">
-            <a:avLst/>
-          </a:prstGeom>
-          <a:noFill/>
-        </p:spPr>
-        <p:txBody>
-          <a:bodyPr wrap="square" rtlCol="0">
-            <a:spAutoFit/>
-          </a:bodyPr>
-          <a:lstStyle/>
-          <a:p>
-            <a:r>
-              <a:rPr kumimoji="1" lang="en-US" altLang="ja-JP" sz="1200" dirty="0"/>
-              <a:t>PC8</a:t>
-            </a:r>
-            <a:endParaRPr kumimoji="1" lang="ja-JP" altLang="en-US" sz="1400"/>
-          </a:p>
-        </p:txBody>
-      </p:sp>
-      <p:sp>
-        <p:nvSpPr>
-          <p:cNvPr id="47" name="テキスト ボックス 46">
-            <a:extLst>
-              <a:ext uri="{FF2B5EF4-FFF2-40B4-BE49-F238E27FC236}">
-                <a16:creationId xmlns:a16="http://schemas.microsoft.com/office/drawing/2014/main" id="{489A085B-8C25-AA4B-B8D4-DE063FD10811}"/>
-              </a:ext>
-            </a:extLst>
-          </p:cNvPr>
-          <p:cNvSpPr txBox="1"/>
-          <p:nvPr/>
-        </p:nvSpPr>
-        <p:spPr>
-          <a:xfrm>
-            <a:off x="8524810" y="3477631"/>
-            <a:ext cx="1140802" cy="307777"/>
-          </a:xfrm>
-          <a:prstGeom prst="rect">
-            <a:avLst/>
-          </a:prstGeom>
-          <a:noFill/>
-        </p:spPr>
-        <p:txBody>
-          <a:bodyPr wrap="square" rtlCol="0">
-            <a:spAutoFit/>
-          </a:bodyPr>
-          <a:lstStyle/>
-          <a:p>
-            <a:r>
-              <a:rPr kumimoji="1" lang="en-US" altLang="ja-JP" sz="1400" dirty="0"/>
-              <a:t>L2switch</a:t>
-            </a:r>
-            <a:endParaRPr kumimoji="1" lang="ja-JP" altLang="en-US"/>
-          </a:p>
-        </p:txBody>
-      </p:sp>
-      <p:sp>
-        <p:nvSpPr>
-          <p:cNvPr id="48" name="テキスト ボックス 47">
-            <a:extLst>
-              <a:ext uri="{FF2B5EF4-FFF2-40B4-BE49-F238E27FC236}">
-                <a16:creationId xmlns:a16="http://schemas.microsoft.com/office/drawing/2014/main" id="{271BFD0A-EC31-5046-9490-560DA9C36BD6}"/>
-              </a:ext>
-            </a:extLst>
-          </p:cNvPr>
-          <p:cNvSpPr txBox="1"/>
-          <p:nvPr/>
-        </p:nvSpPr>
-        <p:spPr>
-          <a:xfrm>
-            <a:off x="6518361" y="3431539"/>
-            <a:ext cx="1348446" cy="276999"/>
-          </a:xfrm>
-          <a:prstGeom prst="rect">
-            <a:avLst/>
-          </a:prstGeom>
-          <a:noFill/>
-        </p:spPr>
-        <p:txBody>
-          <a:bodyPr wrap="square" rtlCol="0">
-            <a:spAutoFit/>
-          </a:bodyPr>
-          <a:lstStyle/>
-          <a:p>
-            <a:r>
-              <a:rPr kumimoji="1" lang="en-US" altLang="ja-JP" sz="1200" dirty="0"/>
-              <a:t>Gateway  Server</a:t>
-            </a:r>
-            <a:endParaRPr kumimoji="1" lang="ja-JP" altLang="en-US" sz="1200"/>
-          </a:p>
-        </p:txBody>
-      </p:sp>
-      <p:pic>
-        <p:nvPicPr>
-          <p:cNvPr id="32" name="図 31">
-            <a:extLst>
-              <a:ext uri="{FF2B5EF4-FFF2-40B4-BE49-F238E27FC236}">
-                <a16:creationId xmlns:a16="http://schemas.microsoft.com/office/drawing/2014/main" id="{5CBE6BED-38E0-6E4D-9CF3-FC92290F3B39}"/>
-              </a:ext>
-            </a:extLst>
-          </p:cNvPr>
-          <p:cNvPicPr>
-            <a:picLocks noChangeAspect="1"/>
-          </p:cNvPicPr>
-          <p:nvPr/>
-        </p:nvPicPr>
-        <p:blipFill>
-          <a:blip r:embed="rId6"/>
-          <a:stretch>
-            <a:fillRect/>
-          </a:stretch>
-        </p:blipFill>
-        <p:spPr>
-          <a:xfrm>
-            <a:off x="798320" y="3599704"/>
-            <a:ext cx="1143000" cy="812800"/>
-          </a:xfrm>
-          <a:prstGeom prst="rect">
-            <a:avLst/>
-          </a:prstGeom>
-        </p:spPr>
-      </p:pic>
-    </p:spTree>
-    <p:extLst>
-      <p:ext uri="{BB962C8B-B14F-4D97-AF65-F5344CB8AC3E}">
-        <p14:creationId xmlns:p14="http://schemas.microsoft.com/office/powerpoint/2010/main" val="3479177537"/>
+        <p14:creationId xmlns:p14="http://schemas.microsoft.com/office/powerpoint/2010/main" val="735198021"/>
       </p:ext>
     </p:extLst>
   </p:cSld>
@@ -23310,8 +23319,8 @@
         </p:nvSpPr>
         <p:spPr>
           <a:xfrm>
-            <a:off x="4216400" y="1270000"/>
-            <a:ext cx="3491661" cy="369332"/>
+            <a:off x="4014378" y="1270000"/>
+            <a:ext cx="3858749" cy="400110"/>
           </a:xfrm>
           <a:prstGeom prst="rect">
             <a:avLst/>
@@ -23325,18 +23334,18 @@
           <a:lstStyle/>
           <a:p>
             <a:r>
-              <a:rPr lang="en-US" altLang="ja-JP" dirty="0"/>
+              <a:rPr lang="en-US" altLang="ja-JP" sz="2000" dirty="0"/>
               <a:t>SSH</a:t>
             </a:r>
             <a:r>
-              <a:rPr lang="ja-JP" altLang="en-US"/>
+              <a:rPr lang="ja-JP" altLang="en-US" sz="2000"/>
               <a:t>バージョン文字列の交換</a:t>
             </a:r>
             <a:r>
-              <a:rPr lang="en-US" altLang="ja-JP" dirty="0"/>
+              <a:rPr lang="en-US" altLang="ja-JP" sz="2000" dirty="0"/>
               <a:t>(a)</a:t>
             </a:r>
-            <a:endParaRPr kumimoji="1" lang="ja-JP" altLang="en-US"/>
+            <a:endParaRPr kumimoji="1" lang="ja-JP" altLang="en-US" sz="2000"/>
           </a:p>
         </p:txBody>
       </p:sp>
@@ -23354,8 +23363,8 @@
         </p:nvSpPr>
         <p:spPr>
           <a:xfrm>
-            <a:off x="3742257" y="2288401"/>
-            <a:ext cx="5032147" cy="646331"/>
+            <a:off x="3444540" y="2288401"/>
+            <a:ext cx="5570756" cy="707886"/>
           </a:xfrm>
           <a:prstGeom prst="rect">
             <a:avLst/>
@@ -23369,25 +23378,25 @@
           <a:lstStyle/>
           <a:p>
             <a:r>
-              <a:rPr kumimoji="1" lang="ja-JP" altLang="en-US"/>
+              <a:rPr kumimoji="1" lang="ja-JP" altLang="en-US" sz="2000"/>
               <a:t>公開鍵暗号方式、共通鍵暗号方式、メッセージ</a:t>
             </a:r>
-            <a:endParaRPr kumimoji="1" lang="en-US" altLang="ja-JP" dirty="0"/>
-          </a:p>
-          <a:p>
-            <a:r>
-              <a:rPr kumimoji="1" lang="ja-JP" altLang="en-US"/>
+            <a:endParaRPr kumimoji="1" lang="en-US" altLang="ja-JP" sz="2000" dirty="0"/>
+          </a:p>
+          <a:p>
+            <a:r>
+              <a:rPr kumimoji="1" lang="ja-JP" altLang="en-US" sz="2000"/>
               <a:t>認証</a:t>
             </a:r>
             <a:r>
-              <a:rPr lang="ja-JP" altLang="en-US"/>
+              <a:rPr lang="ja-JP" altLang="en-US" sz="2000"/>
               <a:t>コード、のアルゴリズム情報の交換</a:t>
             </a:r>
             <a:r>
-              <a:rPr lang="en-US" altLang="ja-JP" dirty="0"/>
+              <a:rPr lang="en-US" altLang="ja-JP" sz="2000" dirty="0"/>
               <a:t>(a)</a:t>
             </a:r>
-            <a:endParaRPr kumimoji="1" lang="ja-JP" altLang="en-US"/>
+            <a:endParaRPr kumimoji="1" lang="ja-JP" altLang="en-US" sz="2000"/>
           </a:p>
         </p:txBody>
       </p:sp>
@@ -25174,7 +25183,7 @@
             <a:avLst/>
           </a:prstGeom>
           <a:noFill/>
-          <a:ln>
+          <a:ln w="34925">
             <a:solidFill>
               <a:schemeClr val="accent6">
                 <a:lumMod val="50000"/>
@@ -25301,10 +25310,128 @@
           </a:p>
         </p:txBody>
       </p:sp>
+      <p:cxnSp>
+        <p:nvCxnSpPr>
+          <p:cNvPr id="28" name="直線コネクタ 27">
+            <a:extLst>
+              <a:ext uri="{FF2B5EF4-FFF2-40B4-BE49-F238E27FC236}">
+                <a16:creationId xmlns:a16="http://schemas.microsoft.com/office/drawing/2014/main" id="{1C4FF39F-F3AF-A64E-A4EF-7D97560FCE2F}"/>
+              </a:ext>
+            </a:extLst>
+          </p:cNvPr>
+          <p:cNvCxnSpPr>
+            <a:cxnSpLocks/>
+            <a:stCxn id="3" idx="3"/>
+          </p:cNvCxnSpPr>
+          <p:nvPr/>
+        </p:nvCxnSpPr>
+        <p:spPr>
+          <a:xfrm>
+            <a:off x="2937933" y="1783888"/>
+            <a:ext cx="581444" cy="653862"/>
+          </a:xfrm>
+          <a:prstGeom prst="line">
+            <a:avLst/>
+          </a:prstGeom>
+          <a:ln w="34925" cap="rnd">
+            <a:headEnd type="oval"/>
+            <a:tailEnd type="none"/>
+          </a:ln>
+        </p:spPr>
+        <p:style>
+          <a:lnRef idx="1">
+            <a:schemeClr val="accent1"/>
+          </a:lnRef>
+          <a:fillRef idx="0">
+            <a:schemeClr val="accent1"/>
+          </a:fillRef>
+          <a:effectRef idx="0">
+            <a:schemeClr val="accent1"/>
+          </a:effectRef>
+          <a:fontRef idx="minor">
+            <a:schemeClr val="tx1"/>
+          </a:fontRef>
+        </p:style>
+      </p:cxnSp>
+      <p:sp>
+        <p:nvSpPr>
+          <p:cNvPr id="15" name="テキスト ボックス 14">
+            <a:extLst>
+              <a:ext uri="{FF2B5EF4-FFF2-40B4-BE49-F238E27FC236}">
+                <a16:creationId xmlns:a16="http://schemas.microsoft.com/office/drawing/2014/main" id="{9C05F305-A1FB-2B41-AC30-F128DA9E620C}"/>
+              </a:ext>
+            </a:extLst>
+          </p:cNvPr>
+          <p:cNvSpPr txBox="1"/>
+          <p:nvPr/>
+        </p:nvSpPr>
+        <p:spPr>
+          <a:xfrm>
+            <a:off x="425092" y="532502"/>
+            <a:ext cx="1369841" cy="369332"/>
+          </a:xfrm>
+          <a:prstGeom prst="rect">
+            <a:avLst/>
+          </a:prstGeom>
+          <a:noFill/>
+          <a:ln w="31750">
+            <a:solidFill>
+              <a:schemeClr val="tx1">
+                <a:lumMod val="50000"/>
+                <a:lumOff val="50000"/>
+              </a:schemeClr>
+            </a:solidFill>
+          </a:ln>
+        </p:spPr>
+        <p:txBody>
+          <a:bodyPr wrap="square" rtlCol="0">
+            <a:spAutoFit/>
+          </a:bodyPr>
+          <a:lstStyle/>
+          <a:p>
+            <a:r>
+              <a:rPr lang="en-US" altLang="ja-JP" b="1" dirty="0">
+                <a:ln>
+                  <a:solidFill>
+                    <a:schemeClr val="tx1">
+                      <a:lumMod val="65000"/>
+                      <a:lumOff val="35000"/>
+                    </a:schemeClr>
+                  </a:solidFill>
+                </a:ln>
+              </a:rPr>
+              <a:t>T</a:t>
+            </a:r>
+            <a:r>
+              <a:rPr kumimoji="1" lang="en-US" altLang="ja-JP" b="1" dirty="0">
+                <a:ln>
+                  <a:solidFill>
+                    <a:schemeClr val="tx1">
+                      <a:lumMod val="65000"/>
+                      <a:lumOff val="35000"/>
+                    </a:schemeClr>
+                  </a:solidFill>
+                </a:ln>
+              </a:rPr>
+              <a:t>erminal :</a:t>
+            </a:r>
+            <a:endParaRPr kumimoji="1" lang="ja-JP" altLang="en-US" b="1">
+              <a:ln>
+                <a:solidFill>
+                  <a:schemeClr val="tx1">
+                    <a:lumMod val="65000"/>
+                    <a:lumOff val="35000"/>
+                  </a:schemeClr>
+                </a:solidFill>
+              </a:ln>
+            </a:endParaRPr>
+          </a:p>
+        </p:txBody>
+      </p:sp>
     </p:spTree>
     <p:extLst>
       <p:ext uri="{BB962C8B-B14F-4D97-AF65-F5344CB8AC3E}">
-        <p14:creationId xmlns:p14="http://schemas.microsoft.com/office/powerpoint/2010/main" val="735198021"/>
+        <p14:creationId xmlns:p14="http://schemas.microsoft.com/office/powerpoint/2010/main" val="2906548719"/>
       </p:ext>
     </p:extLst>
   </p:cSld>

--- a/SUBTHEME/graphs/network_archtecture.pptx
+++ b/SUBTHEME/graphs/network_archtecture.pptx
@@ -218,7 +218,7 @@
           <a:p>
             <a:fld id="{2B23E72C-1B90-914A-A417-2D7D12309D01}" type="datetimeFigureOut">
               <a:rPr kumimoji="1" lang="ja-JP" altLang="en-US" smtClean="0"/>
-              <a:t>2020/10/20</a:t>
+              <a:t>2020/10/28</a:t>
             </a:fld>
             <a:endParaRPr kumimoji="1" lang="ja-JP" altLang="en-US"/>
           </a:p>
@@ -1311,7 +1311,7 @@
           <a:p>
             <a:fld id="{FD845DEE-42C8-C840-B1B2-551C7203F112}" type="datetimeFigureOut">
               <a:rPr kumimoji="1" lang="ja-JP" altLang="en-US" smtClean="0"/>
-              <a:t>2020/10/20</a:t>
+              <a:t>2020/10/28</a:t>
             </a:fld>
             <a:endParaRPr kumimoji="1" lang="ja-JP" altLang="en-US"/>
           </a:p>
@@ -1516,7 +1516,7 @@
           <a:p>
             <a:fld id="{FD845DEE-42C8-C840-B1B2-551C7203F112}" type="datetimeFigureOut">
               <a:rPr kumimoji="1" lang="ja-JP" altLang="en-US" smtClean="0"/>
-              <a:t>2020/10/20</a:t>
+              <a:t>2020/10/28</a:t>
             </a:fld>
             <a:endParaRPr kumimoji="1" lang="ja-JP" altLang="en-US"/>
           </a:p>
@@ -1731,7 +1731,7 @@
           <a:p>
             <a:fld id="{FD845DEE-42C8-C840-B1B2-551C7203F112}" type="datetimeFigureOut">
               <a:rPr kumimoji="1" lang="ja-JP" altLang="en-US" smtClean="0"/>
-              <a:t>2020/10/20</a:t>
+              <a:t>2020/10/28</a:t>
             </a:fld>
             <a:endParaRPr kumimoji="1" lang="ja-JP" altLang="en-US"/>
           </a:p>
@@ -1936,7 +1936,7 @@
           <a:p>
             <a:fld id="{FD845DEE-42C8-C840-B1B2-551C7203F112}" type="datetimeFigureOut">
               <a:rPr kumimoji="1" lang="ja-JP" altLang="en-US" smtClean="0"/>
-              <a:t>2020/10/20</a:t>
+              <a:t>2020/10/28</a:t>
             </a:fld>
             <a:endParaRPr kumimoji="1" lang="ja-JP" altLang="en-US"/>
           </a:p>
@@ -2246,7 +2246,7 @@
           <a:p>
             <a:fld id="{FD845DEE-42C8-C840-B1B2-551C7203F112}" type="datetimeFigureOut">
               <a:rPr kumimoji="1" lang="ja-JP" altLang="en-US" smtClean="0"/>
-              <a:t>2020/10/20</a:t>
+              <a:t>2020/10/28</a:t>
             </a:fld>
             <a:endParaRPr kumimoji="1" lang="ja-JP" altLang="en-US"/>
           </a:p>
@@ -2525,7 +2525,7 @@
           <a:p>
             <a:fld id="{FD845DEE-42C8-C840-B1B2-551C7203F112}" type="datetimeFigureOut">
               <a:rPr kumimoji="1" lang="ja-JP" altLang="en-US" smtClean="0"/>
-              <a:t>2020/10/20</a:t>
+              <a:t>2020/10/28</a:t>
             </a:fld>
             <a:endParaRPr kumimoji="1" lang="ja-JP" altLang="en-US"/>
           </a:p>
@@ -3021,7 +3021,7 @@
           <a:p>
             <a:fld id="{FD845DEE-42C8-C840-B1B2-551C7203F112}" type="datetimeFigureOut">
               <a:rPr kumimoji="1" lang="ja-JP" altLang="en-US" smtClean="0"/>
-              <a:t>2020/10/20</a:t>
+              <a:t>2020/10/28</a:t>
             </a:fld>
             <a:endParaRPr kumimoji="1" lang="ja-JP" altLang="en-US"/>
           </a:p>
@@ -3162,7 +3162,7 @@
           <a:p>
             <a:fld id="{FD845DEE-42C8-C840-B1B2-551C7203F112}" type="datetimeFigureOut">
               <a:rPr kumimoji="1" lang="ja-JP" altLang="en-US" smtClean="0"/>
-              <a:t>2020/10/20</a:t>
+              <a:t>2020/10/28</a:t>
             </a:fld>
             <a:endParaRPr kumimoji="1" lang="ja-JP" altLang="en-US"/>
           </a:p>
@@ -3275,7 +3275,7 @@
           <a:p>
             <a:fld id="{FD845DEE-42C8-C840-B1B2-551C7203F112}" type="datetimeFigureOut">
               <a:rPr kumimoji="1" lang="ja-JP" altLang="en-US" smtClean="0"/>
-              <a:t>2020/10/20</a:t>
+              <a:t>2020/10/28</a:t>
             </a:fld>
             <a:endParaRPr kumimoji="1" lang="ja-JP" altLang="en-US"/>
           </a:p>
@@ -3628,7 +3628,7 @@
           <a:p>
             <a:fld id="{FD845DEE-42C8-C840-B1B2-551C7203F112}" type="datetimeFigureOut">
               <a:rPr kumimoji="1" lang="ja-JP" altLang="en-US" smtClean="0"/>
-              <a:t>2020/10/20</a:t>
+              <a:t>2020/10/28</a:t>
             </a:fld>
             <a:endParaRPr kumimoji="1" lang="ja-JP" altLang="en-US"/>
           </a:p>
@@ -3951,7 +3951,7 @@
           <a:p>
             <a:fld id="{FD845DEE-42C8-C840-B1B2-551C7203F112}" type="datetimeFigureOut">
               <a:rPr kumimoji="1" lang="ja-JP" altLang="en-US" smtClean="0"/>
-              <a:t>2020/10/20</a:t>
+              <a:t>2020/10/28</a:t>
             </a:fld>
             <a:endParaRPr kumimoji="1" lang="ja-JP" altLang="en-US"/>
           </a:p>
@@ -4199,7 +4199,7 @@
           <a:p>
             <a:fld id="{FD845DEE-42C8-C840-B1B2-551C7203F112}" type="datetimeFigureOut">
               <a:rPr kumimoji="1" lang="ja-JP" altLang="en-US" smtClean="0"/>
-              <a:t>2020/10/20</a:t>
+              <a:t>2020/10/28</a:t>
             </a:fld>
             <a:endParaRPr kumimoji="1" lang="ja-JP" altLang="en-US"/>
           </a:p>
@@ -19970,7 +19970,7 @@
               <a:alpha val="17000"/>
             </a:schemeClr>
           </a:solidFill>
-          <a:ln>
+          <a:ln w="47625">
             <a:solidFill>
               <a:schemeClr val="accent6">
                 <a:lumMod val="50000"/>
@@ -20840,8 +20840,10 @@
           <a:prstGeom prst="rect">
             <a:avLst/>
           </a:prstGeom>
-          <a:noFill/>
-          <a:ln>
+          <a:solidFill>
+            <a:schemeClr val="bg1"/>
+          </a:solidFill>
+          <a:ln w="38100">
             <a:solidFill>
               <a:schemeClr val="accent6">
                 <a:lumMod val="50000"/>
@@ -20877,7 +20879,7 @@
         </p:nvSpPr>
         <p:spPr>
           <a:xfrm>
-            <a:off x="667239" y="910792"/>
+            <a:off x="582761" y="962662"/>
             <a:ext cx="5378395" cy="646331"/>
           </a:xfrm>
           <a:prstGeom prst="rect">
@@ -24312,7 +24314,7 @@
               <a:alpha val="17000"/>
             </a:schemeClr>
           </a:solidFill>
-          <a:ln>
+          <a:ln w="53975">
             <a:solidFill>
               <a:schemeClr val="accent6">
                 <a:lumMod val="50000"/>
@@ -25176,13 +25178,15 @@
         </p:nvSpPr>
         <p:spPr>
           <a:xfrm>
-            <a:off x="5675981" y="225861"/>
+            <a:off x="5758085" y="331225"/>
             <a:ext cx="739305" cy="400110"/>
           </a:xfrm>
           <a:prstGeom prst="rect">
             <a:avLst/>
           </a:prstGeom>
-          <a:noFill/>
+          <a:solidFill>
+            <a:schemeClr val="bg1"/>
+          </a:solidFill>
           <a:ln w="34925">
             <a:solidFill>
               <a:schemeClr val="accent6">
@@ -25228,7 +25232,7 @@
           <a:noFill/>
         </p:spPr>
         <p:txBody>
-          <a:bodyPr wrap="none" rtlCol="0">
+          <a:bodyPr wrap="square" rtlCol="0">
             <a:spAutoFit/>
           </a:bodyPr>
           <a:lstStyle/>
